--- a/CP_Dolgozat/Előadás/Logikai feladványok megoldása korlátprogramozással.pptx
+++ b/CP_Dolgozat/Előadás/Logikai feladványok megoldása korlátprogramozással.pptx
@@ -2,24 +2,25 @@
 <file path=ppt/presentation.xml><?xml version="1.0" encoding="utf-8"?>
 <p:presentation xmlns:a="http://schemas.openxmlformats.org/drawingml/2006/main" xmlns:r="http://schemas.openxmlformats.org/officeDocument/2006/relationships" xmlns:p="http://schemas.openxmlformats.org/presentationml/2006/main" showSpecialPlsOnTitleSld="0" saveSubsetFonts="1">
   <p:sldMasterIdLst>
-    <p:sldMasterId id="2147483648" r:id="rId1"/>
+    <p:sldMasterId id="2147483660" r:id="rId1"/>
   </p:sldMasterIdLst>
   <p:notesMasterIdLst>
-    <p:notesMasterId r:id="rId12"/>
+    <p:notesMasterId r:id="rId13"/>
   </p:notesMasterIdLst>
   <p:sldIdLst>
     <p:sldId id="256" r:id="rId2"/>
-    <p:sldId id="263" r:id="rId3"/>
-    <p:sldId id="257" r:id="rId4"/>
+    <p:sldId id="266" r:id="rId3"/>
+    <p:sldId id="263" r:id="rId4"/>
     <p:sldId id="258" r:id="rId5"/>
-    <p:sldId id="259" r:id="rId6"/>
+    <p:sldId id="257" r:id="rId6"/>
     <p:sldId id="260" r:id="rId7"/>
-    <p:sldId id="261" r:id="rId8"/>
-    <p:sldId id="262" r:id="rId9"/>
-    <p:sldId id="264" r:id="rId10"/>
-    <p:sldId id="265" r:id="rId11"/>
+    <p:sldId id="259" r:id="rId8"/>
+    <p:sldId id="261" r:id="rId9"/>
+    <p:sldId id="262" r:id="rId10"/>
+    <p:sldId id="264" r:id="rId11"/>
+    <p:sldId id="265" r:id="rId12"/>
   </p:sldIdLst>
-  <p:sldSz cx="12192000" cy="6858000"/>
+  <p:sldSz cx="9144000" cy="6858000" type="screen4x3"/>
   <p:notesSz cx="6858000" cy="9144000"/>
   <p:defaultTextStyle>
     <a:defPPr>
@@ -116,6 +117,11 @@
       </a:defRPr>
     </a:lvl9pPr>
   </p:defaultTextStyle>
+  <p:extLst>
+    <p:ext uri="{EFAFB233-063F-42B5-8137-9DF3F51BA10A}">
+      <p15:sldGuideLst xmlns:p15="http://schemas.microsoft.com/office/powerpoint/2012/main"/>
+    </p:ext>
+  </p:extLst>
 </p:presentation>
 </file>
 
@@ -201,7 +207,7 @@
           <a:p>
             <a:fld id="{D216282D-D81D-4BF8-9895-AC698DE2A975}" type="datetimeFigureOut">
               <a:rPr lang="hu-HU" smtClean="0"/>
-              <a:t>2018. 04. 03.</a:t>
+              <a:t>2018. 04. 04.</a:t>
             </a:fld>
             <a:endParaRPr lang="hu-HU"/>
           </a:p>
@@ -219,8 +225,8 @@
         </p:nvSpPr>
         <p:spPr>
           <a:xfrm>
-            <a:off x="685800" y="1143000"/>
-            <a:ext cx="5486400" cy="3086100"/>
+            <a:off x="1371600" y="1143000"/>
+            <a:ext cx="4114800" cy="3086100"/>
           </a:xfrm>
           <a:prstGeom prst="rect">
             <a:avLst/>
@@ -487,13 +493,7 @@
       </p:grpSpPr>
       <p:sp>
         <p:nvSpPr>
-          <p:cNvPr id="2" name="Cím 1">
-            <a:extLst>
-              <a:ext uri="{FF2B5EF4-FFF2-40B4-BE49-F238E27FC236}">
-                <a16:creationId xmlns:a16="http://schemas.microsoft.com/office/drawing/2014/main" id="{2C9F2698-83B1-4ABD-B1F0-27710BDE2B36}"/>
-              </a:ext>
-            </a:extLst>
-          </p:cNvPr>
+          <p:cNvPr id="2" name="Title 1"/>
           <p:cNvSpPr>
             <a:spLocks noGrp="1"/>
           </p:cNvSpPr>
@@ -503,8 +503,8 @@
         </p:nvSpPr>
         <p:spPr>
           <a:xfrm>
-            <a:off x="1524000" y="1122363"/>
-            <a:ext cx="9144000" cy="2387600"/>
+            <a:off x="685800" y="1122363"/>
+            <a:ext cx="7772400" cy="2387600"/>
           </a:xfrm>
         </p:spPr>
         <p:txBody>
@@ -516,21 +516,16 @@
           </a:lstStyle>
           <a:p>
             <a:r>
-              <a:rPr lang="hu-HU"/>
+              <a:rPr lang="hu-HU" smtClean="0"/>
               <a:t>Mintacím szerkesztése</a:t>
             </a:r>
-          </a:p>
-        </p:txBody>
-      </p:sp>
-      <p:sp>
-        <p:nvSpPr>
-          <p:cNvPr id="3" name="Alcím 2">
-            <a:extLst>
-              <a:ext uri="{FF2B5EF4-FFF2-40B4-BE49-F238E27FC236}">
-                <a16:creationId xmlns:a16="http://schemas.microsoft.com/office/drawing/2014/main" id="{C88DA05E-D237-4AF8-8BB8-CF3956310345}"/>
-              </a:ext>
-            </a:extLst>
-          </p:cNvPr>
+            <a:endParaRPr lang="en-US" dirty="0"/>
+          </a:p>
+        </p:txBody>
+      </p:sp>
+      <p:sp>
+        <p:nvSpPr>
+          <p:cNvPr id="3" name="Subtitle 2"/>
           <p:cNvSpPr>
             <a:spLocks noGrp="1"/>
           </p:cNvSpPr>
@@ -540,8 +535,8 @@
         </p:nvSpPr>
         <p:spPr>
           <a:xfrm>
-            <a:off x="1524000" y="3602038"/>
-            <a:ext cx="9144000" cy="1655762"/>
+            <a:off x="1143000" y="3602038"/>
+            <a:ext cx="6858000" cy="1655762"/>
           </a:xfrm>
         </p:spPr>
         <p:txBody>
@@ -586,21 +581,16 @@
           </a:lstStyle>
           <a:p>
             <a:r>
-              <a:rPr lang="hu-HU"/>
+              <a:rPr lang="hu-HU" smtClean="0"/>
               <a:t>Kattintson ide az alcím mintájának szerkesztéséhez</a:t>
             </a:r>
-          </a:p>
-        </p:txBody>
-      </p:sp>
-      <p:sp>
-        <p:nvSpPr>
-          <p:cNvPr id="4" name="Dátum helye 3">
-            <a:extLst>
-              <a:ext uri="{FF2B5EF4-FFF2-40B4-BE49-F238E27FC236}">
-                <a16:creationId xmlns:a16="http://schemas.microsoft.com/office/drawing/2014/main" id="{A24DF06E-55E0-4026-934B-E01F9D160782}"/>
-              </a:ext>
-            </a:extLst>
-          </p:cNvPr>
+            <a:endParaRPr lang="en-US" dirty="0"/>
+          </a:p>
+        </p:txBody>
+      </p:sp>
+      <p:sp>
+        <p:nvSpPr>
+          <p:cNvPr id="4" name="Date Placeholder 3"/>
           <p:cNvSpPr>
             <a:spLocks noGrp="1"/>
           </p:cNvSpPr>
@@ -615,7 +605,7 @@
           <a:p>
             <a:fld id="{E312C87B-02A7-472E-A63B-E2AA6EA769CA}" type="datetime1">
               <a:rPr lang="hu-HU" smtClean="0"/>
-              <a:t>2018. 04. 03.</a:t>
+              <a:t>2018. 04. 04.</a:t>
             </a:fld>
             <a:endParaRPr lang="hu-HU"/>
           </a:p>
@@ -623,13 +613,7 @@
       </p:sp>
       <p:sp>
         <p:nvSpPr>
-          <p:cNvPr id="5" name="Élőláb helye 4">
-            <a:extLst>
-              <a:ext uri="{FF2B5EF4-FFF2-40B4-BE49-F238E27FC236}">
-                <a16:creationId xmlns:a16="http://schemas.microsoft.com/office/drawing/2014/main" id="{FA2A8E67-4615-4ECD-8AD9-C5D7A5112E6F}"/>
-              </a:ext>
-            </a:extLst>
-          </p:cNvPr>
+          <p:cNvPr id="5" name="Footer Placeholder 4"/>
           <p:cNvSpPr>
             <a:spLocks noGrp="1"/>
           </p:cNvSpPr>
@@ -648,13 +632,7 @@
       </p:sp>
       <p:sp>
         <p:nvSpPr>
-          <p:cNvPr id="6" name="Dia számának helye 5">
-            <a:extLst>
-              <a:ext uri="{FF2B5EF4-FFF2-40B4-BE49-F238E27FC236}">
-                <a16:creationId xmlns:a16="http://schemas.microsoft.com/office/drawing/2014/main" id="{4C9811BC-8F27-46FE-8B0E-9E460AA946E4}"/>
-              </a:ext>
-            </a:extLst>
-          </p:cNvPr>
+          <p:cNvPr id="6" name="Slide Number Placeholder 5"/>
           <p:cNvSpPr>
             <a:spLocks noGrp="1"/>
           </p:cNvSpPr>
@@ -678,7 +656,7 @@
     </p:spTree>
     <p:extLst>
       <p:ext uri="{BB962C8B-B14F-4D97-AF65-F5344CB8AC3E}">
-        <p14:creationId xmlns:p14="http://schemas.microsoft.com/office/powerpoint/2010/main" val="2399697045"/>
+        <p14:creationId xmlns:p14="http://schemas.microsoft.com/office/powerpoint/2010/main" val="1860907953"/>
       </p:ext>
     </p:extLst>
   </p:cSld>
@@ -707,13 +685,7 @@
       </p:grpSpPr>
       <p:sp>
         <p:nvSpPr>
-          <p:cNvPr id="2" name="Cím 1">
-            <a:extLst>
-              <a:ext uri="{FF2B5EF4-FFF2-40B4-BE49-F238E27FC236}">
-                <a16:creationId xmlns:a16="http://schemas.microsoft.com/office/drawing/2014/main" id="{A045FC5F-0376-41EF-9D2A-AB74C1E0D74F}"/>
-              </a:ext>
-            </a:extLst>
-          </p:cNvPr>
+          <p:cNvPr id="2" name="Title 1"/>
           <p:cNvSpPr>
             <a:spLocks noGrp="1"/>
           </p:cNvSpPr>
@@ -727,21 +699,16 @@
           <a:lstStyle/>
           <a:p>
             <a:r>
-              <a:rPr lang="hu-HU"/>
+              <a:rPr lang="hu-HU" smtClean="0"/>
               <a:t>Mintacím szerkesztése</a:t>
             </a:r>
-          </a:p>
-        </p:txBody>
-      </p:sp>
-      <p:sp>
-        <p:nvSpPr>
-          <p:cNvPr id="3" name="Függőleges szöveg helye 2">
-            <a:extLst>
-              <a:ext uri="{FF2B5EF4-FFF2-40B4-BE49-F238E27FC236}">
-                <a16:creationId xmlns:a16="http://schemas.microsoft.com/office/drawing/2014/main" id="{45E62136-E55A-46BE-96D7-E770D1B2A343}"/>
-              </a:ext>
-            </a:extLst>
-          </p:cNvPr>
+            <a:endParaRPr lang="en-US" dirty="0"/>
+          </a:p>
+        </p:txBody>
+      </p:sp>
+      <p:sp>
+        <p:nvSpPr>
+          <p:cNvPr id="3" name="Vertical Text Placeholder 2"/>
           <p:cNvSpPr>
             <a:spLocks noGrp="1"/>
           </p:cNvSpPr>
@@ -756,49 +723,44 @@
           <a:p>
             <a:pPr lvl="0"/>
             <a:r>
-              <a:rPr lang="hu-HU"/>
+              <a:rPr lang="hu-HU" smtClean="0"/>
               <a:t>Mintaszöveg szerkesztése</a:t>
             </a:r>
           </a:p>
           <a:p>
             <a:pPr lvl="1"/>
             <a:r>
-              <a:rPr lang="hu-HU"/>
+              <a:rPr lang="hu-HU" smtClean="0"/>
               <a:t>Második szint</a:t>
             </a:r>
           </a:p>
           <a:p>
             <a:pPr lvl="2"/>
             <a:r>
-              <a:rPr lang="hu-HU"/>
+              <a:rPr lang="hu-HU" smtClean="0"/>
               <a:t>Harmadik szint</a:t>
             </a:r>
           </a:p>
           <a:p>
             <a:pPr lvl="3"/>
             <a:r>
-              <a:rPr lang="hu-HU"/>
+              <a:rPr lang="hu-HU" smtClean="0"/>
               <a:t>Negyedik szint</a:t>
             </a:r>
           </a:p>
           <a:p>
             <a:pPr lvl="4"/>
             <a:r>
-              <a:rPr lang="hu-HU"/>
+              <a:rPr lang="hu-HU" smtClean="0"/>
               <a:t>Ötödik szint</a:t>
             </a:r>
-          </a:p>
-        </p:txBody>
-      </p:sp>
-      <p:sp>
-        <p:nvSpPr>
-          <p:cNvPr id="4" name="Dátum helye 3">
-            <a:extLst>
-              <a:ext uri="{FF2B5EF4-FFF2-40B4-BE49-F238E27FC236}">
-                <a16:creationId xmlns:a16="http://schemas.microsoft.com/office/drawing/2014/main" id="{B625DF4B-6FF2-4638-99E6-79E670C58C1E}"/>
-              </a:ext>
-            </a:extLst>
-          </p:cNvPr>
+            <a:endParaRPr lang="en-US" dirty="0"/>
+          </a:p>
+        </p:txBody>
+      </p:sp>
+      <p:sp>
+        <p:nvSpPr>
+          <p:cNvPr id="4" name="Date Placeholder 3"/>
           <p:cNvSpPr>
             <a:spLocks noGrp="1"/>
           </p:cNvSpPr>
@@ -813,7 +775,7 @@
           <a:p>
             <a:fld id="{3B5D9C6B-342B-4BF9-8B1A-D54914C7E78B}" type="datetime1">
               <a:rPr lang="hu-HU" smtClean="0"/>
-              <a:t>2018. 04. 03.</a:t>
+              <a:t>2018. 04. 04.</a:t>
             </a:fld>
             <a:endParaRPr lang="hu-HU"/>
           </a:p>
@@ -821,13 +783,7 @@
       </p:sp>
       <p:sp>
         <p:nvSpPr>
-          <p:cNvPr id="5" name="Élőláb helye 4">
-            <a:extLst>
-              <a:ext uri="{FF2B5EF4-FFF2-40B4-BE49-F238E27FC236}">
-                <a16:creationId xmlns:a16="http://schemas.microsoft.com/office/drawing/2014/main" id="{1D7F1E1C-3E69-4C66-8095-15B03D7D9DB0}"/>
-              </a:ext>
-            </a:extLst>
-          </p:cNvPr>
+          <p:cNvPr id="5" name="Footer Placeholder 4"/>
           <p:cNvSpPr>
             <a:spLocks noGrp="1"/>
           </p:cNvSpPr>
@@ -846,13 +802,7 @@
       </p:sp>
       <p:sp>
         <p:nvSpPr>
-          <p:cNvPr id="6" name="Dia számának helye 5">
-            <a:extLst>
-              <a:ext uri="{FF2B5EF4-FFF2-40B4-BE49-F238E27FC236}">
-                <a16:creationId xmlns:a16="http://schemas.microsoft.com/office/drawing/2014/main" id="{AE6D85EE-2A52-40A8-A2B1-DF2302B530C7}"/>
-              </a:ext>
-            </a:extLst>
-          </p:cNvPr>
+          <p:cNvPr id="6" name="Slide Number Placeholder 5"/>
           <p:cNvSpPr>
             <a:spLocks noGrp="1"/>
           </p:cNvSpPr>
@@ -876,7 +826,7 @@
     </p:spTree>
     <p:extLst>
       <p:ext uri="{BB962C8B-B14F-4D97-AF65-F5344CB8AC3E}">
-        <p14:creationId xmlns:p14="http://schemas.microsoft.com/office/powerpoint/2010/main" val="2133544573"/>
+        <p14:creationId xmlns:p14="http://schemas.microsoft.com/office/powerpoint/2010/main" val="4142628680"/>
       </p:ext>
     </p:extLst>
   </p:cSld>
@@ -905,13 +855,7 @@
       </p:grpSpPr>
       <p:sp>
         <p:nvSpPr>
-          <p:cNvPr id="2" name="Függőleges cím 1">
-            <a:extLst>
-              <a:ext uri="{FF2B5EF4-FFF2-40B4-BE49-F238E27FC236}">
-                <a16:creationId xmlns:a16="http://schemas.microsoft.com/office/drawing/2014/main" id="{1EF469F5-2927-4376-BA01-18DDD797BA53}"/>
-              </a:ext>
-            </a:extLst>
-          </p:cNvPr>
+          <p:cNvPr id="2" name="Vertical Title 1"/>
           <p:cNvSpPr>
             <a:spLocks noGrp="1"/>
           </p:cNvSpPr>
@@ -921,8 +865,8 @@
         </p:nvSpPr>
         <p:spPr>
           <a:xfrm>
-            <a:off x="8724900" y="365125"/>
-            <a:ext cx="2628900" cy="5811838"/>
+            <a:off x="6543675" y="365125"/>
+            <a:ext cx="1971675" cy="5811838"/>
           </a:xfrm>
         </p:spPr>
         <p:txBody>
@@ -930,21 +874,16 @@
           <a:lstStyle/>
           <a:p>
             <a:r>
-              <a:rPr lang="hu-HU"/>
+              <a:rPr lang="hu-HU" smtClean="0"/>
               <a:t>Mintacím szerkesztése</a:t>
             </a:r>
-          </a:p>
-        </p:txBody>
-      </p:sp>
-      <p:sp>
-        <p:nvSpPr>
-          <p:cNvPr id="3" name="Függőleges szöveg helye 2">
-            <a:extLst>
-              <a:ext uri="{FF2B5EF4-FFF2-40B4-BE49-F238E27FC236}">
-                <a16:creationId xmlns:a16="http://schemas.microsoft.com/office/drawing/2014/main" id="{C02B30E8-7AC7-4511-91A7-4EBB86D174DB}"/>
-              </a:ext>
-            </a:extLst>
-          </p:cNvPr>
+            <a:endParaRPr lang="en-US" dirty="0"/>
+          </a:p>
+        </p:txBody>
+      </p:sp>
+      <p:sp>
+        <p:nvSpPr>
+          <p:cNvPr id="3" name="Vertical Text Placeholder 2"/>
           <p:cNvSpPr>
             <a:spLocks noGrp="1"/>
           </p:cNvSpPr>
@@ -954,8 +893,8 @@
         </p:nvSpPr>
         <p:spPr>
           <a:xfrm>
-            <a:off x="838200" y="365125"/>
-            <a:ext cx="7734300" cy="5811838"/>
+            <a:off x="628650" y="365125"/>
+            <a:ext cx="5800725" cy="5811838"/>
           </a:xfrm>
         </p:spPr>
         <p:txBody>
@@ -964,49 +903,44 @@
           <a:p>
             <a:pPr lvl="0"/>
             <a:r>
-              <a:rPr lang="hu-HU"/>
+              <a:rPr lang="hu-HU" smtClean="0"/>
               <a:t>Mintaszöveg szerkesztése</a:t>
             </a:r>
           </a:p>
           <a:p>
             <a:pPr lvl="1"/>
             <a:r>
-              <a:rPr lang="hu-HU"/>
+              <a:rPr lang="hu-HU" smtClean="0"/>
               <a:t>Második szint</a:t>
             </a:r>
           </a:p>
           <a:p>
             <a:pPr lvl="2"/>
             <a:r>
-              <a:rPr lang="hu-HU"/>
+              <a:rPr lang="hu-HU" smtClean="0"/>
               <a:t>Harmadik szint</a:t>
             </a:r>
           </a:p>
           <a:p>
             <a:pPr lvl="3"/>
             <a:r>
-              <a:rPr lang="hu-HU"/>
+              <a:rPr lang="hu-HU" smtClean="0"/>
               <a:t>Negyedik szint</a:t>
             </a:r>
           </a:p>
           <a:p>
             <a:pPr lvl="4"/>
             <a:r>
-              <a:rPr lang="hu-HU"/>
+              <a:rPr lang="hu-HU" smtClean="0"/>
               <a:t>Ötödik szint</a:t>
             </a:r>
-          </a:p>
-        </p:txBody>
-      </p:sp>
-      <p:sp>
-        <p:nvSpPr>
-          <p:cNvPr id="4" name="Dátum helye 3">
-            <a:extLst>
-              <a:ext uri="{FF2B5EF4-FFF2-40B4-BE49-F238E27FC236}">
-                <a16:creationId xmlns:a16="http://schemas.microsoft.com/office/drawing/2014/main" id="{2203D0B4-4C57-4066-8707-B7A762909ACA}"/>
-              </a:ext>
-            </a:extLst>
-          </p:cNvPr>
+            <a:endParaRPr lang="en-US" dirty="0"/>
+          </a:p>
+        </p:txBody>
+      </p:sp>
+      <p:sp>
+        <p:nvSpPr>
+          <p:cNvPr id="4" name="Date Placeholder 3"/>
           <p:cNvSpPr>
             <a:spLocks noGrp="1"/>
           </p:cNvSpPr>
@@ -1021,7 +955,7 @@
           <a:p>
             <a:fld id="{46B01E20-0B80-441C-A219-14B0C111F8A4}" type="datetime1">
               <a:rPr lang="hu-HU" smtClean="0"/>
-              <a:t>2018. 04. 03.</a:t>
+              <a:t>2018. 04. 04.</a:t>
             </a:fld>
             <a:endParaRPr lang="hu-HU"/>
           </a:p>
@@ -1029,13 +963,7 @@
       </p:sp>
       <p:sp>
         <p:nvSpPr>
-          <p:cNvPr id="5" name="Élőláb helye 4">
-            <a:extLst>
-              <a:ext uri="{FF2B5EF4-FFF2-40B4-BE49-F238E27FC236}">
-                <a16:creationId xmlns:a16="http://schemas.microsoft.com/office/drawing/2014/main" id="{FD42B381-DAA7-49F9-B574-3A56D9C9E2C9}"/>
-              </a:ext>
-            </a:extLst>
-          </p:cNvPr>
+          <p:cNvPr id="5" name="Footer Placeholder 4"/>
           <p:cNvSpPr>
             <a:spLocks noGrp="1"/>
           </p:cNvSpPr>
@@ -1054,13 +982,7 @@
       </p:sp>
       <p:sp>
         <p:nvSpPr>
-          <p:cNvPr id="6" name="Dia számának helye 5">
-            <a:extLst>
-              <a:ext uri="{FF2B5EF4-FFF2-40B4-BE49-F238E27FC236}">
-                <a16:creationId xmlns:a16="http://schemas.microsoft.com/office/drawing/2014/main" id="{F170A20E-A421-416A-97E6-F6BBCBF59CF8}"/>
-              </a:ext>
-            </a:extLst>
-          </p:cNvPr>
+          <p:cNvPr id="6" name="Slide Number Placeholder 5"/>
           <p:cNvSpPr>
             <a:spLocks noGrp="1"/>
           </p:cNvSpPr>
@@ -1084,7 +1006,7 @@
     </p:spTree>
     <p:extLst>
       <p:ext uri="{BB962C8B-B14F-4D97-AF65-F5344CB8AC3E}">
-        <p14:creationId xmlns:p14="http://schemas.microsoft.com/office/powerpoint/2010/main" val="1930812618"/>
+        <p14:creationId xmlns:p14="http://schemas.microsoft.com/office/powerpoint/2010/main" val="3528324621"/>
       </p:ext>
     </p:extLst>
   </p:cSld>
@@ -1113,13 +1035,7 @@
       </p:grpSpPr>
       <p:sp>
         <p:nvSpPr>
-          <p:cNvPr id="2" name="Cím 1">
-            <a:extLst>
-              <a:ext uri="{FF2B5EF4-FFF2-40B4-BE49-F238E27FC236}">
-                <a16:creationId xmlns:a16="http://schemas.microsoft.com/office/drawing/2014/main" id="{A479428A-3D06-4358-8D09-0B2E059FCD10}"/>
-              </a:ext>
-            </a:extLst>
-          </p:cNvPr>
+          <p:cNvPr id="2" name="Title 1"/>
           <p:cNvSpPr>
             <a:spLocks noGrp="1"/>
           </p:cNvSpPr>
@@ -1133,21 +1049,16 @@
           <a:lstStyle/>
           <a:p>
             <a:r>
-              <a:rPr lang="hu-HU"/>
+              <a:rPr lang="hu-HU" smtClean="0"/>
               <a:t>Mintacím szerkesztése</a:t>
             </a:r>
-          </a:p>
-        </p:txBody>
-      </p:sp>
-      <p:sp>
-        <p:nvSpPr>
-          <p:cNvPr id="3" name="Tartalom helye 2">
-            <a:extLst>
-              <a:ext uri="{FF2B5EF4-FFF2-40B4-BE49-F238E27FC236}">
-                <a16:creationId xmlns:a16="http://schemas.microsoft.com/office/drawing/2014/main" id="{5A52DAB3-BC39-4EDF-B527-EC42602601D3}"/>
-              </a:ext>
-            </a:extLst>
-          </p:cNvPr>
+            <a:endParaRPr lang="en-US" dirty="0"/>
+          </a:p>
+        </p:txBody>
+      </p:sp>
+      <p:sp>
+        <p:nvSpPr>
+          <p:cNvPr id="3" name="Content Placeholder 2"/>
           <p:cNvSpPr>
             <a:spLocks noGrp="1"/>
           </p:cNvSpPr>
@@ -1162,49 +1073,44 @@
           <a:p>
             <a:pPr lvl="0"/>
             <a:r>
-              <a:rPr lang="hu-HU"/>
+              <a:rPr lang="hu-HU" smtClean="0"/>
               <a:t>Mintaszöveg szerkesztése</a:t>
             </a:r>
           </a:p>
           <a:p>
             <a:pPr lvl="1"/>
             <a:r>
-              <a:rPr lang="hu-HU"/>
+              <a:rPr lang="hu-HU" smtClean="0"/>
               <a:t>Második szint</a:t>
             </a:r>
           </a:p>
           <a:p>
             <a:pPr lvl="2"/>
             <a:r>
-              <a:rPr lang="hu-HU"/>
+              <a:rPr lang="hu-HU" smtClean="0"/>
               <a:t>Harmadik szint</a:t>
             </a:r>
           </a:p>
           <a:p>
             <a:pPr lvl="3"/>
             <a:r>
-              <a:rPr lang="hu-HU"/>
+              <a:rPr lang="hu-HU" smtClean="0"/>
               <a:t>Negyedik szint</a:t>
             </a:r>
           </a:p>
           <a:p>
             <a:pPr lvl="4"/>
             <a:r>
-              <a:rPr lang="hu-HU"/>
+              <a:rPr lang="hu-HU" smtClean="0"/>
               <a:t>Ötödik szint</a:t>
             </a:r>
-          </a:p>
-        </p:txBody>
-      </p:sp>
-      <p:sp>
-        <p:nvSpPr>
-          <p:cNvPr id="4" name="Dátum helye 3">
-            <a:extLst>
-              <a:ext uri="{FF2B5EF4-FFF2-40B4-BE49-F238E27FC236}">
-                <a16:creationId xmlns:a16="http://schemas.microsoft.com/office/drawing/2014/main" id="{7513FE53-B83D-41A2-A45C-B05A0F57B121}"/>
-              </a:ext>
-            </a:extLst>
-          </p:cNvPr>
+            <a:endParaRPr lang="en-US" dirty="0"/>
+          </a:p>
+        </p:txBody>
+      </p:sp>
+      <p:sp>
+        <p:nvSpPr>
+          <p:cNvPr id="4" name="Date Placeholder 3"/>
           <p:cNvSpPr>
             <a:spLocks noGrp="1"/>
           </p:cNvSpPr>
@@ -1219,7 +1125,7 @@
           <a:p>
             <a:fld id="{F11C61C5-A889-458F-89AF-EEE72626CAE9}" type="datetime1">
               <a:rPr lang="hu-HU" smtClean="0"/>
-              <a:t>2018. 04. 03.</a:t>
+              <a:t>2018. 04. 04.</a:t>
             </a:fld>
             <a:endParaRPr lang="hu-HU"/>
           </a:p>
@@ -1227,13 +1133,7 @@
       </p:sp>
       <p:sp>
         <p:nvSpPr>
-          <p:cNvPr id="5" name="Élőláb helye 4">
-            <a:extLst>
-              <a:ext uri="{FF2B5EF4-FFF2-40B4-BE49-F238E27FC236}">
-                <a16:creationId xmlns:a16="http://schemas.microsoft.com/office/drawing/2014/main" id="{F2354D4A-45ED-4A75-9B39-71ABCBC0CA62}"/>
-              </a:ext>
-            </a:extLst>
-          </p:cNvPr>
+          <p:cNvPr id="5" name="Footer Placeholder 4"/>
           <p:cNvSpPr>
             <a:spLocks noGrp="1"/>
           </p:cNvSpPr>
@@ -1252,13 +1152,7 @@
       </p:sp>
       <p:sp>
         <p:nvSpPr>
-          <p:cNvPr id="6" name="Dia számának helye 5">
-            <a:extLst>
-              <a:ext uri="{FF2B5EF4-FFF2-40B4-BE49-F238E27FC236}">
-                <a16:creationId xmlns:a16="http://schemas.microsoft.com/office/drawing/2014/main" id="{15A3F70E-A8BC-4141-AC84-D3FDD01793C8}"/>
-              </a:ext>
-            </a:extLst>
-          </p:cNvPr>
+          <p:cNvPr id="6" name="Slide Number Placeholder 5"/>
           <p:cNvSpPr>
             <a:spLocks noGrp="1"/>
           </p:cNvSpPr>
@@ -1282,7 +1176,7 @@
     </p:spTree>
     <p:extLst>
       <p:ext uri="{BB962C8B-B14F-4D97-AF65-F5344CB8AC3E}">
-        <p14:creationId xmlns:p14="http://schemas.microsoft.com/office/powerpoint/2010/main" val="1990152821"/>
+        <p14:creationId xmlns:p14="http://schemas.microsoft.com/office/powerpoint/2010/main" val="292943792"/>
       </p:ext>
     </p:extLst>
   </p:cSld>
@@ -1311,13 +1205,7 @@
       </p:grpSpPr>
       <p:sp>
         <p:nvSpPr>
-          <p:cNvPr id="2" name="Cím 1">
-            <a:extLst>
-              <a:ext uri="{FF2B5EF4-FFF2-40B4-BE49-F238E27FC236}">
-                <a16:creationId xmlns:a16="http://schemas.microsoft.com/office/drawing/2014/main" id="{13253364-E7E7-43FF-B977-EF6F82F851BE}"/>
-              </a:ext>
-            </a:extLst>
-          </p:cNvPr>
+          <p:cNvPr id="2" name="Title 1"/>
           <p:cNvSpPr>
             <a:spLocks noGrp="1"/>
           </p:cNvSpPr>
@@ -1327,8 +1215,8 @@
         </p:nvSpPr>
         <p:spPr>
           <a:xfrm>
-            <a:off x="831850" y="1709738"/>
-            <a:ext cx="10515600" cy="2852737"/>
+            <a:off x="623888" y="1709739"/>
+            <a:ext cx="7886700" cy="2852737"/>
           </a:xfrm>
         </p:spPr>
         <p:txBody>
@@ -1340,21 +1228,16 @@
           </a:lstStyle>
           <a:p>
             <a:r>
-              <a:rPr lang="hu-HU"/>
+              <a:rPr lang="hu-HU" smtClean="0"/>
               <a:t>Mintacím szerkesztése</a:t>
             </a:r>
-          </a:p>
-        </p:txBody>
-      </p:sp>
-      <p:sp>
-        <p:nvSpPr>
-          <p:cNvPr id="3" name="Szöveg helye 2">
-            <a:extLst>
-              <a:ext uri="{FF2B5EF4-FFF2-40B4-BE49-F238E27FC236}">
-                <a16:creationId xmlns:a16="http://schemas.microsoft.com/office/drawing/2014/main" id="{125B1E91-4C9A-4BA3-B054-EC118648D1DD}"/>
-              </a:ext>
-            </a:extLst>
-          </p:cNvPr>
+            <a:endParaRPr lang="en-US" dirty="0"/>
+          </a:p>
+        </p:txBody>
+      </p:sp>
+      <p:sp>
+        <p:nvSpPr>
+          <p:cNvPr id="3" name="Text Placeholder 2"/>
           <p:cNvSpPr>
             <a:spLocks noGrp="1"/>
           </p:cNvSpPr>
@@ -1364,8 +1247,8 @@
         </p:nvSpPr>
         <p:spPr>
           <a:xfrm>
-            <a:off x="831850" y="4589463"/>
-            <a:ext cx="10515600" cy="1500187"/>
+            <a:off x="623888" y="4589464"/>
+            <a:ext cx="7886700" cy="1500187"/>
           </a:xfrm>
         </p:spPr>
         <p:txBody>
@@ -1375,9 +1258,7 @@
               <a:buNone/>
               <a:defRPr sz="2400">
                 <a:solidFill>
-                  <a:schemeClr val="tx1">
-                    <a:tint val="75000"/>
-                  </a:schemeClr>
+                  <a:schemeClr val="tx1"/>
                 </a:solidFill>
               </a:defRPr>
             </a:lvl1pPr>
@@ -1465,7 +1346,7 @@
           <a:p>
             <a:pPr lvl="0"/>
             <a:r>
-              <a:rPr lang="hu-HU"/>
+              <a:rPr lang="hu-HU" smtClean="0"/>
               <a:t>Mintaszöveg szerkesztése</a:t>
             </a:r>
           </a:p>
@@ -1473,13 +1354,7 @@
       </p:sp>
       <p:sp>
         <p:nvSpPr>
-          <p:cNvPr id="4" name="Dátum helye 3">
-            <a:extLst>
-              <a:ext uri="{FF2B5EF4-FFF2-40B4-BE49-F238E27FC236}">
-                <a16:creationId xmlns:a16="http://schemas.microsoft.com/office/drawing/2014/main" id="{FB1B882B-B9B7-4D52-838E-F2D79509E9F1}"/>
-              </a:ext>
-            </a:extLst>
-          </p:cNvPr>
+          <p:cNvPr id="4" name="Date Placeholder 3"/>
           <p:cNvSpPr>
             <a:spLocks noGrp="1"/>
           </p:cNvSpPr>
@@ -1494,7 +1369,7 @@
           <a:p>
             <a:fld id="{B7685D89-7BCE-478D-AB70-4D9B0230C013}" type="datetime1">
               <a:rPr lang="hu-HU" smtClean="0"/>
-              <a:t>2018. 04. 03.</a:t>
+              <a:t>2018. 04. 04.</a:t>
             </a:fld>
             <a:endParaRPr lang="hu-HU"/>
           </a:p>
@@ -1502,13 +1377,7 @@
       </p:sp>
       <p:sp>
         <p:nvSpPr>
-          <p:cNvPr id="5" name="Élőláb helye 4">
-            <a:extLst>
-              <a:ext uri="{FF2B5EF4-FFF2-40B4-BE49-F238E27FC236}">
-                <a16:creationId xmlns:a16="http://schemas.microsoft.com/office/drawing/2014/main" id="{A9E55531-13B1-4C94-A311-A43041233662}"/>
-              </a:ext>
-            </a:extLst>
-          </p:cNvPr>
+          <p:cNvPr id="5" name="Footer Placeholder 4"/>
           <p:cNvSpPr>
             <a:spLocks noGrp="1"/>
           </p:cNvSpPr>
@@ -1527,13 +1396,7 @@
       </p:sp>
       <p:sp>
         <p:nvSpPr>
-          <p:cNvPr id="6" name="Dia számának helye 5">
-            <a:extLst>
-              <a:ext uri="{FF2B5EF4-FFF2-40B4-BE49-F238E27FC236}">
-                <a16:creationId xmlns:a16="http://schemas.microsoft.com/office/drawing/2014/main" id="{4918933F-6DAC-46BF-8D4C-28383DE6ED4C}"/>
-              </a:ext>
-            </a:extLst>
-          </p:cNvPr>
+          <p:cNvPr id="6" name="Slide Number Placeholder 5"/>
           <p:cNvSpPr>
             <a:spLocks noGrp="1"/>
           </p:cNvSpPr>
@@ -1557,7 +1420,7 @@
     </p:spTree>
     <p:extLst>
       <p:ext uri="{BB962C8B-B14F-4D97-AF65-F5344CB8AC3E}">
-        <p14:creationId xmlns:p14="http://schemas.microsoft.com/office/powerpoint/2010/main" val="2934366571"/>
+        <p14:creationId xmlns:p14="http://schemas.microsoft.com/office/powerpoint/2010/main" val="2073335774"/>
       </p:ext>
     </p:extLst>
   </p:cSld>
@@ -1586,13 +1449,7 @@
       </p:grpSpPr>
       <p:sp>
         <p:nvSpPr>
-          <p:cNvPr id="2" name="Cím 1">
-            <a:extLst>
-              <a:ext uri="{FF2B5EF4-FFF2-40B4-BE49-F238E27FC236}">
-                <a16:creationId xmlns:a16="http://schemas.microsoft.com/office/drawing/2014/main" id="{E449EDB1-5AF4-4E61-ABFF-4D95F43CB32E}"/>
-              </a:ext>
-            </a:extLst>
-          </p:cNvPr>
+          <p:cNvPr id="2" name="Title 1"/>
           <p:cNvSpPr>
             <a:spLocks noGrp="1"/>
           </p:cNvSpPr>
@@ -1606,21 +1463,16 @@
           <a:lstStyle/>
           <a:p>
             <a:r>
-              <a:rPr lang="hu-HU"/>
+              <a:rPr lang="hu-HU" smtClean="0"/>
               <a:t>Mintacím szerkesztése</a:t>
             </a:r>
-          </a:p>
-        </p:txBody>
-      </p:sp>
-      <p:sp>
-        <p:nvSpPr>
-          <p:cNvPr id="3" name="Tartalom helye 2">
-            <a:extLst>
-              <a:ext uri="{FF2B5EF4-FFF2-40B4-BE49-F238E27FC236}">
-                <a16:creationId xmlns:a16="http://schemas.microsoft.com/office/drawing/2014/main" id="{82EFF5B2-53A8-4D63-87E1-548A59086425}"/>
-              </a:ext>
-            </a:extLst>
-          </p:cNvPr>
+            <a:endParaRPr lang="en-US" dirty="0"/>
+          </a:p>
+        </p:txBody>
+      </p:sp>
+      <p:sp>
+        <p:nvSpPr>
+          <p:cNvPr id="3" name="Content Placeholder 2"/>
           <p:cNvSpPr>
             <a:spLocks noGrp="1"/>
           </p:cNvSpPr>
@@ -1630,8 +1482,8 @@
         </p:nvSpPr>
         <p:spPr>
           <a:xfrm>
-            <a:off x="838200" y="1825625"/>
-            <a:ext cx="5181600" cy="4351338"/>
+            <a:off x="628650" y="1825625"/>
+            <a:ext cx="3886200" cy="4351338"/>
           </a:xfrm>
         </p:spPr>
         <p:txBody>
@@ -1640,49 +1492,44 @@
           <a:p>
             <a:pPr lvl="0"/>
             <a:r>
-              <a:rPr lang="hu-HU"/>
+              <a:rPr lang="hu-HU" smtClean="0"/>
               <a:t>Mintaszöveg szerkesztése</a:t>
             </a:r>
           </a:p>
           <a:p>
             <a:pPr lvl="1"/>
             <a:r>
-              <a:rPr lang="hu-HU"/>
+              <a:rPr lang="hu-HU" smtClean="0"/>
               <a:t>Második szint</a:t>
             </a:r>
           </a:p>
           <a:p>
             <a:pPr lvl="2"/>
             <a:r>
-              <a:rPr lang="hu-HU"/>
+              <a:rPr lang="hu-HU" smtClean="0"/>
               <a:t>Harmadik szint</a:t>
             </a:r>
           </a:p>
           <a:p>
             <a:pPr lvl="3"/>
             <a:r>
-              <a:rPr lang="hu-HU"/>
+              <a:rPr lang="hu-HU" smtClean="0"/>
               <a:t>Negyedik szint</a:t>
             </a:r>
           </a:p>
           <a:p>
             <a:pPr lvl="4"/>
             <a:r>
-              <a:rPr lang="hu-HU"/>
+              <a:rPr lang="hu-HU" smtClean="0"/>
               <a:t>Ötödik szint</a:t>
             </a:r>
-          </a:p>
-        </p:txBody>
-      </p:sp>
-      <p:sp>
-        <p:nvSpPr>
-          <p:cNvPr id="4" name="Tartalom helye 3">
-            <a:extLst>
-              <a:ext uri="{FF2B5EF4-FFF2-40B4-BE49-F238E27FC236}">
-                <a16:creationId xmlns:a16="http://schemas.microsoft.com/office/drawing/2014/main" id="{2CE4F932-1973-4F1A-9100-24E2B4E8E4F4}"/>
-              </a:ext>
-            </a:extLst>
-          </p:cNvPr>
+            <a:endParaRPr lang="en-US" dirty="0"/>
+          </a:p>
+        </p:txBody>
+      </p:sp>
+      <p:sp>
+        <p:nvSpPr>
+          <p:cNvPr id="4" name="Content Placeholder 3"/>
           <p:cNvSpPr>
             <a:spLocks noGrp="1"/>
           </p:cNvSpPr>
@@ -1692,8 +1539,8 @@
         </p:nvSpPr>
         <p:spPr>
           <a:xfrm>
-            <a:off x="6172200" y="1825625"/>
-            <a:ext cx="5181600" cy="4351338"/>
+            <a:off x="4629150" y="1825625"/>
+            <a:ext cx="3886200" cy="4351338"/>
           </a:xfrm>
         </p:spPr>
         <p:txBody>
@@ -1702,49 +1549,44 @@
           <a:p>
             <a:pPr lvl="0"/>
             <a:r>
-              <a:rPr lang="hu-HU"/>
+              <a:rPr lang="hu-HU" smtClean="0"/>
               <a:t>Mintaszöveg szerkesztése</a:t>
             </a:r>
           </a:p>
           <a:p>
             <a:pPr lvl="1"/>
             <a:r>
-              <a:rPr lang="hu-HU"/>
+              <a:rPr lang="hu-HU" smtClean="0"/>
               <a:t>Második szint</a:t>
             </a:r>
           </a:p>
           <a:p>
             <a:pPr lvl="2"/>
             <a:r>
-              <a:rPr lang="hu-HU"/>
+              <a:rPr lang="hu-HU" smtClean="0"/>
               <a:t>Harmadik szint</a:t>
             </a:r>
           </a:p>
           <a:p>
             <a:pPr lvl="3"/>
             <a:r>
-              <a:rPr lang="hu-HU"/>
+              <a:rPr lang="hu-HU" smtClean="0"/>
               <a:t>Negyedik szint</a:t>
             </a:r>
           </a:p>
           <a:p>
             <a:pPr lvl="4"/>
             <a:r>
-              <a:rPr lang="hu-HU"/>
+              <a:rPr lang="hu-HU" smtClean="0"/>
               <a:t>Ötödik szint</a:t>
             </a:r>
-          </a:p>
-        </p:txBody>
-      </p:sp>
-      <p:sp>
-        <p:nvSpPr>
-          <p:cNvPr id="5" name="Dátum helye 4">
-            <a:extLst>
-              <a:ext uri="{FF2B5EF4-FFF2-40B4-BE49-F238E27FC236}">
-                <a16:creationId xmlns:a16="http://schemas.microsoft.com/office/drawing/2014/main" id="{AA8AA705-C62F-4904-A1DD-70387AFBD6F1}"/>
-              </a:ext>
-            </a:extLst>
-          </p:cNvPr>
+            <a:endParaRPr lang="en-US" dirty="0"/>
+          </a:p>
+        </p:txBody>
+      </p:sp>
+      <p:sp>
+        <p:nvSpPr>
+          <p:cNvPr id="5" name="Date Placeholder 4"/>
           <p:cNvSpPr>
             <a:spLocks noGrp="1"/>
           </p:cNvSpPr>
@@ -1759,7 +1601,7 @@
           <a:p>
             <a:fld id="{342A6DF3-9923-4C9E-B5CF-2760C80C9AAE}" type="datetime1">
               <a:rPr lang="hu-HU" smtClean="0"/>
-              <a:t>2018. 04. 03.</a:t>
+              <a:t>2018. 04. 04.</a:t>
             </a:fld>
             <a:endParaRPr lang="hu-HU"/>
           </a:p>
@@ -1767,13 +1609,7 @@
       </p:sp>
       <p:sp>
         <p:nvSpPr>
-          <p:cNvPr id="6" name="Élőláb helye 5">
-            <a:extLst>
-              <a:ext uri="{FF2B5EF4-FFF2-40B4-BE49-F238E27FC236}">
-                <a16:creationId xmlns:a16="http://schemas.microsoft.com/office/drawing/2014/main" id="{895EA693-8360-489C-928B-C6A154BA72A6}"/>
-              </a:ext>
-            </a:extLst>
-          </p:cNvPr>
+          <p:cNvPr id="6" name="Footer Placeholder 5"/>
           <p:cNvSpPr>
             <a:spLocks noGrp="1"/>
           </p:cNvSpPr>
@@ -1792,13 +1628,7 @@
       </p:sp>
       <p:sp>
         <p:nvSpPr>
-          <p:cNvPr id="7" name="Dia számának helye 6">
-            <a:extLst>
-              <a:ext uri="{FF2B5EF4-FFF2-40B4-BE49-F238E27FC236}">
-                <a16:creationId xmlns:a16="http://schemas.microsoft.com/office/drawing/2014/main" id="{13A6CD95-0AE8-4D03-9AB9-701702EEC4CE}"/>
-              </a:ext>
-            </a:extLst>
-          </p:cNvPr>
+          <p:cNvPr id="7" name="Slide Number Placeholder 6"/>
           <p:cNvSpPr>
             <a:spLocks noGrp="1"/>
           </p:cNvSpPr>
@@ -1822,7 +1652,7 @@
     </p:spTree>
     <p:extLst>
       <p:ext uri="{BB962C8B-B14F-4D97-AF65-F5344CB8AC3E}">
-        <p14:creationId xmlns:p14="http://schemas.microsoft.com/office/powerpoint/2010/main" val="43886561"/>
+        <p14:creationId xmlns:p14="http://schemas.microsoft.com/office/powerpoint/2010/main" val="1156020658"/>
       </p:ext>
     </p:extLst>
   </p:cSld>
@@ -1851,13 +1681,7 @@
       </p:grpSpPr>
       <p:sp>
         <p:nvSpPr>
-          <p:cNvPr id="2" name="Cím 1">
-            <a:extLst>
-              <a:ext uri="{FF2B5EF4-FFF2-40B4-BE49-F238E27FC236}">
-                <a16:creationId xmlns:a16="http://schemas.microsoft.com/office/drawing/2014/main" id="{15F1D042-884B-469F-8230-4B108AC004B6}"/>
-              </a:ext>
-            </a:extLst>
-          </p:cNvPr>
+          <p:cNvPr id="2" name="Title 1"/>
           <p:cNvSpPr>
             <a:spLocks noGrp="1"/>
           </p:cNvSpPr>
@@ -1867,8 +1691,8 @@
         </p:nvSpPr>
         <p:spPr>
           <a:xfrm>
-            <a:off x="839788" y="365125"/>
-            <a:ext cx="10515600" cy="1325563"/>
+            <a:off x="629841" y="365126"/>
+            <a:ext cx="7886700" cy="1325563"/>
           </a:xfrm>
         </p:spPr>
         <p:txBody>
@@ -1876,21 +1700,16 @@
           <a:lstStyle/>
           <a:p>
             <a:r>
-              <a:rPr lang="hu-HU"/>
+              <a:rPr lang="hu-HU" smtClean="0"/>
               <a:t>Mintacím szerkesztése</a:t>
             </a:r>
-          </a:p>
-        </p:txBody>
-      </p:sp>
-      <p:sp>
-        <p:nvSpPr>
-          <p:cNvPr id="3" name="Szöveg helye 2">
-            <a:extLst>
-              <a:ext uri="{FF2B5EF4-FFF2-40B4-BE49-F238E27FC236}">
-                <a16:creationId xmlns:a16="http://schemas.microsoft.com/office/drawing/2014/main" id="{50E0D637-A049-4124-8ACB-91AC2A7B642B}"/>
-              </a:ext>
-            </a:extLst>
-          </p:cNvPr>
+            <a:endParaRPr lang="en-US" dirty="0"/>
+          </a:p>
+        </p:txBody>
+      </p:sp>
+      <p:sp>
+        <p:nvSpPr>
+          <p:cNvPr id="3" name="Text Placeholder 2"/>
           <p:cNvSpPr>
             <a:spLocks noGrp="1"/>
           </p:cNvSpPr>
@@ -1900,8 +1719,8 @@
         </p:nvSpPr>
         <p:spPr>
           <a:xfrm>
-            <a:off x="839788" y="1681163"/>
-            <a:ext cx="5157787" cy="823912"/>
+            <a:off x="629842" y="1681163"/>
+            <a:ext cx="3868340" cy="823912"/>
           </a:xfrm>
         </p:spPr>
         <p:txBody>
@@ -1947,7 +1766,7 @@
           <a:p>
             <a:pPr lvl="0"/>
             <a:r>
-              <a:rPr lang="hu-HU"/>
+              <a:rPr lang="hu-HU" smtClean="0"/>
               <a:t>Mintaszöveg szerkesztése</a:t>
             </a:r>
           </a:p>
@@ -1955,13 +1774,7 @@
       </p:sp>
       <p:sp>
         <p:nvSpPr>
-          <p:cNvPr id="4" name="Tartalom helye 3">
-            <a:extLst>
-              <a:ext uri="{FF2B5EF4-FFF2-40B4-BE49-F238E27FC236}">
-                <a16:creationId xmlns:a16="http://schemas.microsoft.com/office/drawing/2014/main" id="{85901E7F-B7E0-463F-8D79-7A4102843CC9}"/>
-              </a:ext>
-            </a:extLst>
-          </p:cNvPr>
+          <p:cNvPr id="4" name="Content Placeholder 3"/>
           <p:cNvSpPr>
             <a:spLocks noGrp="1"/>
           </p:cNvSpPr>
@@ -1971,8 +1784,8 @@
         </p:nvSpPr>
         <p:spPr>
           <a:xfrm>
-            <a:off x="839788" y="2505075"/>
-            <a:ext cx="5157787" cy="3684588"/>
+            <a:off x="629842" y="2505075"/>
+            <a:ext cx="3868340" cy="3684588"/>
           </a:xfrm>
         </p:spPr>
         <p:txBody>
@@ -1981,49 +1794,44 @@
           <a:p>
             <a:pPr lvl="0"/>
             <a:r>
-              <a:rPr lang="hu-HU"/>
+              <a:rPr lang="hu-HU" smtClean="0"/>
               <a:t>Mintaszöveg szerkesztése</a:t>
             </a:r>
           </a:p>
           <a:p>
             <a:pPr lvl="1"/>
             <a:r>
-              <a:rPr lang="hu-HU"/>
+              <a:rPr lang="hu-HU" smtClean="0"/>
               <a:t>Második szint</a:t>
             </a:r>
           </a:p>
           <a:p>
             <a:pPr lvl="2"/>
             <a:r>
-              <a:rPr lang="hu-HU"/>
+              <a:rPr lang="hu-HU" smtClean="0"/>
               <a:t>Harmadik szint</a:t>
             </a:r>
           </a:p>
           <a:p>
             <a:pPr lvl="3"/>
             <a:r>
-              <a:rPr lang="hu-HU"/>
+              <a:rPr lang="hu-HU" smtClean="0"/>
               <a:t>Negyedik szint</a:t>
             </a:r>
           </a:p>
           <a:p>
             <a:pPr lvl="4"/>
             <a:r>
-              <a:rPr lang="hu-HU"/>
+              <a:rPr lang="hu-HU" smtClean="0"/>
               <a:t>Ötödik szint</a:t>
             </a:r>
-          </a:p>
-        </p:txBody>
-      </p:sp>
-      <p:sp>
-        <p:nvSpPr>
-          <p:cNvPr id="5" name="Szöveg helye 4">
-            <a:extLst>
-              <a:ext uri="{FF2B5EF4-FFF2-40B4-BE49-F238E27FC236}">
-                <a16:creationId xmlns:a16="http://schemas.microsoft.com/office/drawing/2014/main" id="{636054DF-0EE5-4571-9595-95083BA9CB96}"/>
-              </a:ext>
-            </a:extLst>
-          </p:cNvPr>
+            <a:endParaRPr lang="en-US" dirty="0"/>
+          </a:p>
+        </p:txBody>
+      </p:sp>
+      <p:sp>
+        <p:nvSpPr>
+          <p:cNvPr id="5" name="Text Placeholder 4"/>
           <p:cNvSpPr>
             <a:spLocks noGrp="1"/>
           </p:cNvSpPr>
@@ -2033,8 +1841,8 @@
         </p:nvSpPr>
         <p:spPr>
           <a:xfrm>
-            <a:off x="6172200" y="1681163"/>
-            <a:ext cx="5183188" cy="823912"/>
+            <a:off x="4629150" y="1681163"/>
+            <a:ext cx="3887391" cy="823912"/>
           </a:xfrm>
         </p:spPr>
         <p:txBody>
@@ -2080,7 +1888,7 @@
           <a:p>
             <a:pPr lvl="0"/>
             <a:r>
-              <a:rPr lang="hu-HU"/>
+              <a:rPr lang="hu-HU" smtClean="0"/>
               <a:t>Mintaszöveg szerkesztése</a:t>
             </a:r>
           </a:p>
@@ -2088,13 +1896,7 @@
       </p:sp>
       <p:sp>
         <p:nvSpPr>
-          <p:cNvPr id="6" name="Tartalom helye 5">
-            <a:extLst>
-              <a:ext uri="{FF2B5EF4-FFF2-40B4-BE49-F238E27FC236}">
-                <a16:creationId xmlns:a16="http://schemas.microsoft.com/office/drawing/2014/main" id="{79C6D35A-D2AA-434D-B76B-7E9E411EDD1A}"/>
-              </a:ext>
-            </a:extLst>
-          </p:cNvPr>
+          <p:cNvPr id="6" name="Content Placeholder 5"/>
           <p:cNvSpPr>
             <a:spLocks noGrp="1"/>
           </p:cNvSpPr>
@@ -2104,8 +1906,8 @@
         </p:nvSpPr>
         <p:spPr>
           <a:xfrm>
-            <a:off x="6172200" y="2505075"/>
-            <a:ext cx="5183188" cy="3684588"/>
+            <a:off x="4629150" y="2505075"/>
+            <a:ext cx="3887391" cy="3684588"/>
           </a:xfrm>
         </p:spPr>
         <p:txBody>
@@ -2114,49 +1916,44 @@
           <a:p>
             <a:pPr lvl="0"/>
             <a:r>
-              <a:rPr lang="hu-HU"/>
+              <a:rPr lang="hu-HU" smtClean="0"/>
               <a:t>Mintaszöveg szerkesztése</a:t>
             </a:r>
           </a:p>
           <a:p>
             <a:pPr lvl="1"/>
             <a:r>
-              <a:rPr lang="hu-HU"/>
+              <a:rPr lang="hu-HU" smtClean="0"/>
               <a:t>Második szint</a:t>
             </a:r>
           </a:p>
           <a:p>
             <a:pPr lvl="2"/>
             <a:r>
-              <a:rPr lang="hu-HU"/>
+              <a:rPr lang="hu-HU" smtClean="0"/>
               <a:t>Harmadik szint</a:t>
             </a:r>
           </a:p>
           <a:p>
             <a:pPr lvl="3"/>
             <a:r>
-              <a:rPr lang="hu-HU"/>
+              <a:rPr lang="hu-HU" smtClean="0"/>
               <a:t>Negyedik szint</a:t>
             </a:r>
           </a:p>
           <a:p>
             <a:pPr lvl="4"/>
             <a:r>
-              <a:rPr lang="hu-HU"/>
+              <a:rPr lang="hu-HU" smtClean="0"/>
               <a:t>Ötödik szint</a:t>
             </a:r>
-          </a:p>
-        </p:txBody>
-      </p:sp>
-      <p:sp>
-        <p:nvSpPr>
-          <p:cNvPr id="7" name="Dátum helye 6">
-            <a:extLst>
-              <a:ext uri="{FF2B5EF4-FFF2-40B4-BE49-F238E27FC236}">
-                <a16:creationId xmlns:a16="http://schemas.microsoft.com/office/drawing/2014/main" id="{141AEB1B-FD95-4E3B-A06E-063C7667F3DE}"/>
-              </a:ext>
-            </a:extLst>
-          </p:cNvPr>
+            <a:endParaRPr lang="en-US" dirty="0"/>
+          </a:p>
+        </p:txBody>
+      </p:sp>
+      <p:sp>
+        <p:nvSpPr>
+          <p:cNvPr id="7" name="Date Placeholder 6"/>
           <p:cNvSpPr>
             <a:spLocks noGrp="1"/>
           </p:cNvSpPr>
@@ -2171,7 +1968,7 @@
           <a:p>
             <a:fld id="{CCB70A02-F1D2-4B6F-A5C9-21ECF68D20F7}" type="datetime1">
               <a:rPr lang="hu-HU" smtClean="0"/>
-              <a:t>2018. 04. 03.</a:t>
+              <a:t>2018. 04. 04.</a:t>
             </a:fld>
             <a:endParaRPr lang="hu-HU"/>
           </a:p>
@@ -2179,13 +1976,7 @@
       </p:sp>
       <p:sp>
         <p:nvSpPr>
-          <p:cNvPr id="8" name="Élőláb helye 7">
-            <a:extLst>
-              <a:ext uri="{FF2B5EF4-FFF2-40B4-BE49-F238E27FC236}">
-                <a16:creationId xmlns:a16="http://schemas.microsoft.com/office/drawing/2014/main" id="{733646FC-7148-4454-AD13-22B09C6A73CB}"/>
-              </a:ext>
-            </a:extLst>
-          </p:cNvPr>
+          <p:cNvPr id="8" name="Footer Placeholder 7"/>
           <p:cNvSpPr>
             <a:spLocks noGrp="1"/>
           </p:cNvSpPr>
@@ -2204,13 +1995,7 @@
       </p:sp>
       <p:sp>
         <p:nvSpPr>
-          <p:cNvPr id="9" name="Dia számának helye 8">
-            <a:extLst>
-              <a:ext uri="{FF2B5EF4-FFF2-40B4-BE49-F238E27FC236}">
-                <a16:creationId xmlns:a16="http://schemas.microsoft.com/office/drawing/2014/main" id="{4D466574-91F4-4646-9A5D-7FEE9DD6B091}"/>
-              </a:ext>
-            </a:extLst>
-          </p:cNvPr>
+          <p:cNvPr id="9" name="Slide Number Placeholder 8"/>
           <p:cNvSpPr>
             <a:spLocks noGrp="1"/>
           </p:cNvSpPr>
@@ -2234,7 +2019,7 @@
     </p:spTree>
     <p:extLst>
       <p:ext uri="{BB962C8B-B14F-4D97-AF65-F5344CB8AC3E}">
-        <p14:creationId xmlns:p14="http://schemas.microsoft.com/office/powerpoint/2010/main" val="2821880750"/>
+        <p14:creationId xmlns:p14="http://schemas.microsoft.com/office/powerpoint/2010/main" val="123781338"/>
       </p:ext>
     </p:extLst>
   </p:cSld>
@@ -2263,13 +2048,7 @@
       </p:grpSpPr>
       <p:sp>
         <p:nvSpPr>
-          <p:cNvPr id="2" name="Cím 1">
-            <a:extLst>
-              <a:ext uri="{FF2B5EF4-FFF2-40B4-BE49-F238E27FC236}">
-                <a16:creationId xmlns:a16="http://schemas.microsoft.com/office/drawing/2014/main" id="{A6CD6253-72E9-49B2-A977-9EA613412D36}"/>
-              </a:ext>
-            </a:extLst>
-          </p:cNvPr>
+          <p:cNvPr id="2" name="Title 1"/>
           <p:cNvSpPr>
             <a:spLocks noGrp="1"/>
           </p:cNvSpPr>
@@ -2283,21 +2062,16 @@
           <a:lstStyle/>
           <a:p>
             <a:r>
-              <a:rPr lang="hu-HU"/>
+              <a:rPr lang="hu-HU" smtClean="0"/>
               <a:t>Mintacím szerkesztése</a:t>
             </a:r>
-          </a:p>
-        </p:txBody>
-      </p:sp>
-      <p:sp>
-        <p:nvSpPr>
-          <p:cNvPr id="3" name="Dátum helye 2">
-            <a:extLst>
-              <a:ext uri="{FF2B5EF4-FFF2-40B4-BE49-F238E27FC236}">
-                <a16:creationId xmlns:a16="http://schemas.microsoft.com/office/drawing/2014/main" id="{6C80E383-E287-478D-92C4-DC8606003FE5}"/>
-              </a:ext>
-            </a:extLst>
-          </p:cNvPr>
+            <a:endParaRPr lang="en-US" dirty="0"/>
+          </a:p>
+        </p:txBody>
+      </p:sp>
+      <p:sp>
+        <p:nvSpPr>
+          <p:cNvPr id="3" name="Date Placeholder 2"/>
           <p:cNvSpPr>
             <a:spLocks noGrp="1"/>
           </p:cNvSpPr>
@@ -2312,7 +2086,7 @@
           <a:p>
             <a:fld id="{4B958066-8305-4AEE-AA62-5F8D66DBDEB8}" type="datetime1">
               <a:rPr lang="hu-HU" smtClean="0"/>
-              <a:t>2018. 04. 03.</a:t>
+              <a:t>2018. 04. 04.</a:t>
             </a:fld>
             <a:endParaRPr lang="hu-HU"/>
           </a:p>
@@ -2320,13 +2094,7 @@
       </p:sp>
       <p:sp>
         <p:nvSpPr>
-          <p:cNvPr id="4" name="Élőláb helye 3">
-            <a:extLst>
-              <a:ext uri="{FF2B5EF4-FFF2-40B4-BE49-F238E27FC236}">
-                <a16:creationId xmlns:a16="http://schemas.microsoft.com/office/drawing/2014/main" id="{63A17102-0A5A-4464-814F-C581162B4430}"/>
-              </a:ext>
-            </a:extLst>
-          </p:cNvPr>
+          <p:cNvPr id="4" name="Footer Placeholder 3"/>
           <p:cNvSpPr>
             <a:spLocks noGrp="1"/>
           </p:cNvSpPr>
@@ -2345,13 +2113,7 @@
       </p:sp>
       <p:sp>
         <p:nvSpPr>
-          <p:cNvPr id="5" name="Dia számának helye 4">
-            <a:extLst>
-              <a:ext uri="{FF2B5EF4-FFF2-40B4-BE49-F238E27FC236}">
-                <a16:creationId xmlns:a16="http://schemas.microsoft.com/office/drawing/2014/main" id="{EE9E41D2-EFF4-4E52-8BCF-EA577E2C5330}"/>
-              </a:ext>
-            </a:extLst>
-          </p:cNvPr>
+          <p:cNvPr id="5" name="Slide Number Placeholder 4"/>
           <p:cNvSpPr>
             <a:spLocks noGrp="1"/>
           </p:cNvSpPr>
@@ -2375,7 +2137,7 @@
     </p:spTree>
     <p:extLst>
       <p:ext uri="{BB962C8B-B14F-4D97-AF65-F5344CB8AC3E}">
-        <p14:creationId xmlns:p14="http://schemas.microsoft.com/office/powerpoint/2010/main" val="912782874"/>
+        <p14:creationId xmlns:p14="http://schemas.microsoft.com/office/powerpoint/2010/main" val="951143354"/>
       </p:ext>
     </p:extLst>
   </p:cSld>
@@ -2404,13 +2166,7 @@
       </p:grpSpPr>
       <p:sp>
         <p:nvSpPr>
-          <p:cNvPr id="2" name="Dátum helye 1">
-            <a:extLst>
-              <a:ext uri="{FF2B5EF4-FFF2-40B4-BE49-F238E27FC236}">
-                <a16:creationId xmlns:a16="http://schemas.microsoft.com/office/drawing/2014/main" id="{935863B7-4521-40EE-AE63-36644718F999}"/>
-              </a:ext>
-            </a:extLst>
-          </p:cNvPr>
+          <p:cNvPr id="2" name="Date Placeholder 1"/>
           <p:cNvSpPr>
             <a:spLocks noGrp="1"/>
           </p:cNvSpPr>
@@ -2425,7 +2181,7 @@
           <a:p>
             <a:fld id="{837CA921-3F6C-4D1B-845A-272145B802A9}" type="datetime1">
               <a:rPr lang="hu-HU" smtClean="0"/>
-              <a:t>2018. 04. 03.</a:t>
+              <a:t>2018. 04. 04.</a:t>
             </a:fld>
             <a:endParaRPr lang="hu-HU"/>
           </a:p>
@@ -2433,13 +2189,7 @@
       </p:sp>
       <p:sp>
         <p:nvSpPr>
-          <p:cNvPr id="3" name="Élőláb helye 2">
-            <a:extLst>
-              <a:ext uri="{FF2B5EF4-FFF2-40B4-BE49-F238E27FC236}">
-                <a16:creationId xmlns:a16="http://schemas.microsoft.com/office/drawing/2014/main" id="{947F26B0-8868-45D4-9445-E63047800339}"/>
-              </a:ext>
-            </a:extLst>
-          </p:cNvPr>
+          <p:cNvPr id="3" name="Footer Placeholder 2"/>
           <p:cNvSpPr>
             <a:spLocks noGrp="1"/>
           </p:cNvSpPr>
@@ -2458,13 +2208,7 @@
       </p:sp>
       <p:sp>
         <p:nvSpPr>
-          <p:cNvPr id="4" name="Dia számának helye 3">
-            <a:extLst>
-              <a:ext uri="{FF2B5EF4-FFF2-40B4-BE49-F238E27FC236}">
-                <a16:creationId xmlns:a16="http://schemas.microsoft.com/office/drawing/2014/main" id="{A70A8316-0BC0-4541-B6B7-FDC09738BD34}"/>
-              </a:ext>
-            </a:extLst>
-          </p:cNvPr>
+          <p:cNvPr id="4" name="Slide Number Placeholder 3"/>
           <p:cNvSpPr>
             <a:spLocks noGrp="1"/>
           </p:cNvSpPr>
@@ -2488,7 +2232,7 @@
     </p:spTree>
     <p:extLst>
       <p:ext uri="{BB962C8B-B14F-4D97-AF65-F5344CB8AC3E}">
-        <p14:creationId xmlns:p14="http://schemas.microsoft.com/office/powerpoint/2010/main" val="3922246087"/>
+        <p14:creationId xmlns:p14="http://schemas.microsoft.com/office/powerpoint/2010/main" val="1547968382"/>
       </p:ext>
     </p:extLst>
   </p:cSld>
@@ -2517,13 +2261,7 @@
       </p:grpSpPr>
       <p:sp>
         <p:nvSpPr>
-          <p:cNvPr id="2" name="Cím 1">
-            <a:extLst>
-              <a:ext uri="{FF2B5EF4-FFF2-40B4-BE49-F238E27FC236}">
-                <a16:creationId xmlns:a16="http://schemas.microsoft.com/office/drawing/2014/main" id="{4486515E-F27A-4AE2-A9BC-A6B5F0D65309}"/>
-              </a:ext>
-            </a:extLst>
-          </p:cNvPr>
+          <p:cNvPr id="2" name="Title 1"/>
           <p:cNvSpPr>
             <a:spLocks noGrp="1"/>
           </p:cNvSpPr>
@@ -2533,8 +2271,8 @@
         </p:nvSpPr>
         <p:spPr>
           <a:xfrm>
-            <a:off x="839788" y="457200"/>
-            <a:ext cx="3932237" cy="1600200"/>
+            <a:off x="629841" y="457200"/>
+            <a:ext cx="2949178" cy="1600200"/>
           </a:xfrm>
         </p:spPr>
         <p:txBody>
@@ -2546,21 +2284,16 @@
           </a:lstStyle>
           <a:p>
             <a:r>
-              <a:rPr lang="hu-HU"/>
+              <a:rPr lang="hu-HU" smtClean="0"/>
               <a:t>Mintacím szerkesztése</a:t>
             </a:r>
-          </a:p>
-        </p:txBody>
-      </p:sp>
-      <p:sp>
-        <p:nvSpPr>
-          <p:cNvPr id="3" name="Tartalom helye 2">
-            <a:extLst>
-              <a:ext uri="{FF2B5EF4-FFF2-40B4-BE49-F238E27FC236}">
-                <a16:creationId xmlns:a16="http://schemas.microsoft.com/office/drawing/2014/main" id="{599488E3-9026-43AC-9771-F44DFCE941B1}"/>
-              </a:ext>
-            </a:extLst>
-          </p:cNvPr>
+            <a:endParaRPr lang="en-US" dirty="0"/>
+          </a:p>
+        </p:txBody>
+      </p:sp>
+      <p:sp>
+        <p:nvSpPr>
+          <p:cNvPr id="3" name="Content Placeholder 2"/>
           <p:cNvSpPr>
             <a:spLocks noGrp="1"/>
           </p:cNvSpPr>
@@ -2570,8 +2303,8 @@
         </p:nvSpPr>
         <p:spPr>
           <a:xfrm>
-            <a:off x="5183188" y="987425"/>
-            <a:ext cx="6172200" cy="4873625"/>
+            <a:off x="3887391" y="987426"/>
+            <a:ext cx="4629150" cy="4873625"/>
           </a:xfrm>
         </p:spPr>
         <p:txBody>
@@ -2608,49 +2341,44 @@
           <a:p>
             <a:pPr lvl="0"/>
             <a:r>
-              <a:rPr lang="hu-HU"/>
+              <a:rPr lang="hu-HU" smtClean="0"/>
               <a:t>Mintaszöveg szerkesztése</a:t>
             </a:r>
           </a:p>
           <a:p>
             <a:pPr lvl="1"/>
             <a:r>
-              <a:rPr lang="hu-HU"/>
+              <a:rPr lang="hu-HU" smtClean="0"/>
               <a:t>Második szint</a:t>
             </a:r>
           </a:p>
           <a:p>
             <a:pPr lvl="2"/>
             <a:r>
-              <a:rPr lang="hu-HU"/>
+              <a:rPr lang="hu-HU" smtClean="0"/>
               <a:t>Harmadik szint</a:t>
             </a:r>
           </a:p>
           <a:p>
             <a:pPr lvl="3"/>
             <a:r>
-              <a:rPr lang="hu-HU"/>
+              <a:rPr lang="hu-HU" smtClean="0"/>
               <a:t>Negyedik szint</a:t>
             </a:r>
           </a:p>
           <a:p>
             <a:pPr lvl="4"/>
             <a:r>
-              <a:rPr lang="hu-HU"/>
+              <a:rPr lang="hu-HU" smtClean="0"/>
               <a:t>Ötödik szint</a:t>
             </a:r>
-          </a:p>
-        </p:txBody>
-      </p:sp>
-      <p:sp>
-        <p:nvSpPr>
-          <p:cNvPr id="4" name="Szöveg helye 3">
-            <a:extLst>
-              <a:ext uri="{FF2B5EF4-FFF2-40B4-BE49-F238E27FC236}">
-                <a16:creationId xmlns:a16="http://schemas.microsoft.com/office/drawing/2014/main" id="{30ACB2EA-E9BC-4121-81B9-7EC516D547FC}"/>
-              </a:ext>
-            </a:extLst>
-          </p:cNvPr>
+            <a:endParaRPr lang="en-US" dirty="0"/>
+          </a:p>
+        </p:txBody>
+      </p:sp>
+      <p:sp>
+        <p:nvSpPr>
+          <p:cNvPr id="4" name="Text Placeholder 3"/>
           <p:cNvSpPr>
             <a:spLocks noGrp="1"/>
           </p:cNvSpPr>
@@ -2660,8 +2388,8 @@
         </p:nvSpPr>
         <p:spPr>
           <a:xfrm>
-            <a:off x="839788" y="2057400"/>
-            <a:ext cx="3932237" cy="3811588"/>
+            <a:off x="629841" y="2057400"/>
+            <a:ext cx="2949178" cy="3811588"/>
           </a:xfrm>
         </p:spPr>
         <p:txBody>
@@ -2707,7 +2435,7 @@
           <a:p>
             <a:pPr lvl="0"/>
             <a:r>
-              <a:rPr lang="hu-HU"/>
+              <a:rPr lang="hu-HU" smtClean="0"/>
               <a:t>Mintaszöveg szerkesztése</a:t>
             </a:r>
           </a:p>
@@ -2715,13 +2443,7 @@
       </p:sp>
       <p:sp>
         <p:nvSpPr>
-          <p:cNvPr id="5" name="Dátum helye 4">
-            <a:extLst>
-              <a:ext uri="{FF2B5EF4-FFF2-40B4-BE49-F238E27FC236}">
-                <a16:creationId xmlns:a16="http://schemas.microsoft.com/office/drawing/2014/main" id="{C517B0C6-FE76-4CB1-8747-1029D0843185}"/>
-              </a:ext>
-            </a:extLst>
-          </p:cNvPr>
+          <p:cNvPr id="5" name="Date Placeholder 4"/>
           <p:cNvSpPr>
             <a:spLocks noGrp="1"/>
           </p:cNvSpPr>
@@ -2736,7 +2458,7 @@
           <a:p>
             <a:fld id="{69BB093D-7842-40CD-B34D-93DEC9DF4129}" type="datetime1">
               <a:rPr lang="hu-HU" smtClean="0"/>
-              <a:t>2018. 04. 03.</a:t>
+              <a:t>2018. 04. 04.</a:t>
             </a:fld>
             <a:endParaRPr lang="hu-HU"/>
           </a:p>
@@ -2744,13 +2466,7 @@
       </p:sp>
       <p:sp>
         <p:nvSpPr>
-          <p:cNvPr id="6" name="Élőláb helye 5">
-            <a:extLst>
-              <a:ext uri="{FF2B5EF4-FFF2-40B4-BE49-F238E27FC236}">
-                <a16:creationId xmlns:a16="http://schemas.microsoft.com/office/drawing/2014/main" id="{01B9DC95-A863-44B7-B7AE-7FD81465A405}"/>
-              </a:ext>
-            </a:extLst>
-          </p:cNvPr>
+          <p:cNvPr id="6" name="Footer Placeholder 5"/>
           <p:cNvSpPr>
             <a:spLocks noGrp="1"/>
           </p:cNvSpPr>
@@ -2769,13 +2485,7 @@
       </p:sp>
       <p:sp>
         <p:nvSpPr>
-          <p:cNvPr id="7" name="Dia számának helye 6">
-            <a:extLst>
-              <a:ext uri="{FF2B5EF4-FFF2-40B4-BE49-F238E27FC236}">
-                <a16:creationId xmlns:a16="http://schemas.microsoft.com/office/drawing/2014/main" id="{F0077882-39F0-4CE6-99E7-1C8786CE84F5}"/>
-              </a:ext>
-            </a:extLst>
-          </p:cNvPr>
+          <p:cNvPr id="7" name="Slide Number Placeholder 6"/>
           <p:cNvSpPr>
             <a:spLocks noGrp="1"/>
           </p:cNvSpPr>
@@ -2799,7 +2509,7 @@
     </p:spTree>
     <p:extLst>
       <p:ext uri="{BB962C8B-B14F-4D97-AF65-F5344CB8AC3E}">
-        <p14:creationId xmlns:p14="http://schemas.microsoft.com/office/powerpoint/2010/main" val="1152879410"/>
+        <p14:creationId xmlns:p14="http://schemas.microsoft.com/office/powerpoint/2010/main" val="2055317028"/>
       </p:ext>
     </p:extLst>
   </p:cSld>
@@ -2828,13 +2538,7 @@
       </p:grpSpPr>
       <p:sp>
         <p:nvSpPr>
-          <p:cNvPr id="2" name="Cím 1">
-            <a:extLst>
-              <a:ext uri="{FF2B5EF4-FFF2-40B4-BE49-F238E27FC236}">
-                <a16:creationId xmlns:a16="http://schemas.microsoft.com/office/drawing/2014/main" id="{E1D75019-A34E-4563-892D-891238B26CF0}"/>
-              </a:ext>
-            </a:extLst>
-          </p:cNvPr>
+          <p:cNvPr id="2" name="Title 1"/>
           <p:cNvSpPr>
             <a:spLocks noGrp="1"/>
           </p:cNvSpPr>
@@ -2844,8 +2548,8 @@
         </p:nvSpPr>
         <p:spPr>
           <a:xfrm>
-            <a:off x="839788" y="457200"/>
-            <a:ext cx="3932237" cy="1600200"/>
+            <a:off x="629841" y="457200"/>
+            <a:ext cx="2949178" cy="1600200"/>
           </a:xfrm>
         </p:spPr>
         <p:txBody>
@@ -2857,23 +2561,18 @@
           </a:lstStyle>
           <a:p>
             <a:r>
-              <a:rPr lang="hu-HU"/>
+              <a:rPr lang="hu-HU" smtClean="0"/>
               <a:t>Mintacím szerkesztése</a:t>
             </a:r>
-          </a:p>
-        </p:txBody>
-      </p:sp>
-      <p:sp>
-        <p:nvSpPr>
-          <p:cNvPr id="3" name="Kép helye 2">
-            <a:extLst>
-              <a:ext uri="{FF2B5EF4-FFF2-40B4-BE49-F238E27FC236}">
-                <a16:creationId xmlns:a16="http://schemas.microsoft.com/office/drawing/2014/main" id="{B0473C26-A48C-425B-9782-F3B3C0B866F8}"/>
-              </a:ext>
-            </a:extLst>
-          </p:cNvPr>
-          <p:cNvSpPr>
-            <a:spLocks noGrp="1"/>
+            <a:endParaRPr lang="en-US" dirty="0"/>
+          </a:p>
+        </p:txBody>
+      </p:sp>
+      <p:sp>
+        <p:nvSpPr>
+          <p:cNvPr id="3" name="Picture Placeholder 2"/>
+          <p:cNvSpPr>
+            <a:spLocks noGrp="1" noChangeAspect="1"/>
           </p:cNvSpPr>
           <p:nvPr>
             <p:ph type="pic" idx="1"/>
@@ -2881,12 +2580,12 @@
         </p:nvSpPr>
         <p:spPr>
           <a:xfrm>
-            <a:off x="5183188" y="987425"/>
-            <a:ext cx="6172200" cy="4873625"/>
+            <a:off x="3887391" y="987426"/>
+            <a:ext cx="4629150" cy="4873625"/>
           </a:xfrm>
         </p:spPr>
         <p:txBody>
-          <a:bodyPr/>
+          <a:bodyPr anchor="t"/>
           <a:lstStyle>
             <a:lvl1pPr marL="0" indent="0">
               <a:buNone/>
@@ -2926,19 +2625,17 @@
             </a:lvl9pPr>
           </a:lstStyle>
           <a:p>
-            <a:endParaRPr lang="hu-HU"/>
-          </a:p>
-        </p:txBody>
-      </p:sp>
-      <p:sp>
-        <p:nvSpPr>
-          <p:cNvPr id="4" name="Szöveg helye 3">
-            <a:extLst>
-              <a:ext uri="{FF2B5EF4-FFF2-40B4-BE49-F238E27FC236}">
-                <a16:creationId xmlns:a16="http://schemas.microsoft.com/office/drawing/2014/main" id="{B90052C4-1405-4C57-870F-41CCFD5F6962}"/>
-              </a:ext>
-            </a:extLst>
-          </p:cNvPr>
+            <a:r>
+              <a:rPr lang="hu-HU" smtClean="0"/>
+              <a:t>Kép beszúrásához kattintson az ikonra</a:t>
+            </a:r>
+            <a:endParaRPr lang="en-US" dirty="0"/>
+          </a:p>
+        </p:txBody>
+      </p:sp>
+      <p:sp>
+        <p:nvSpPr>
+          <p:cNvPr id="4" name="Text Placeholder 3"/>
           <p:cNvSpPr>
             <a:spLocks noGrp="1"/>
           </p:cNvSpPr>
@@ -2948,8 +2645,8 @@
         </p:nvSpPr>
         <p:spPr>
           <a:xfrm>
-            <a:off x="839788" y="2057400"/>
-            <a:ext cx="3932237" cy="3811588"/>
+            <a:off x="629841" y="2057400"/>
+            <a:ext cx="2949178" cy="3811588"/>
           </a:xfrm>
         </p:spPr>
         <p:txBody>
@@ -2995,7 +2692,7 @@
           <a:p>
             <a:pPr lvl="0"/>
             <a:r>
-              <a:rPr lang="hu-HU"/>
+              <a:rPr lang="hu-HU" smtClean="0"/>
               <a:t>Mintaszöveg szerkesztése</a:t>
             </a:r>
           </a:p>
@@ -3003,13 +2700,7 @@
       </p:sp>
       <p:sp>
         <p:nvSpPr>
-          <p:cNvPr id="5" name="Dátum helye 4">
-            <a:extLst>
-              <a:ext uri="{FF2B5EF4-FFF2-40B4-BE49-F238E27FC236}">
-                <a16:creationId xmlns:a16="http://schemas.microsoft.com/office/drawing/2014/main" id="{1A3657B3-CB97-4930-B60B-C0BDB9DB5C9B}"/>
-              </a:ext>
-            </a:extLst>
-          </p:cNvPr>
+          <p:cNvPr id="5" name="Date Placeholder 4"/>
           <p:cNvSpPr>
             <a:spLocks noGrp="1"/>
           </p:cNvSpPr>
@@ -3024,7 +2715,7 @@
           <a:p>
             <a:fld id="{FC4EE55C-E42C-44F1-898C-4145C2FBF83B}" type="datetime1">
               <a:rPr lang="hu-HU" smtClean="0"/>
-              <a:t>2018. 04. 03.</a:t>
+              <a:t>2018. 04. 04.</a:t>
             </a:fld>
             <a:endParaRPr lang="hu-HU"/>
           </a:p>
@@ -3032,13 +2723,7 @@
       </p:sp>
       <p:sp>
         <p:nvSpPr>
-          <p:cNvPr id="6" name="Élőláb helye 5">
-            <a:extLst>
-              <a:ext uri="{FF2B5EF4-FFF2-40B4-BE49-F238E27FC236}">
-                <a16:creationId xmlns:a16="http://schemas.microsoft.com/office/drawing/2014/main" id="{1A2DDCA4-CF6F-4217-9763-A614737C994F}"/>
-              </a:ext>
-            </a:extLst>
-          </p:cNvPr>
+          <p:cNvPr id="6" name="Footer Placeholder 5"/>
           <p:cNvSpPr>
             <a:spLocks noGrp="1"/>
           </p:cNvSpPr>
@@ -3057,13 +2742,7 @@
       </p:sp>
       <p:sp>
         <p:nvSpPr>
-          <p:cNvPr id="7" name="Dia számának helye 6">
-            <a:extLst>
-              <a:ext uri="{FF2B5EF4-FFF2-40B4-BE49-F238E27FC236}">
-                <a16:creationId xmlns:a16="http://schemas.microsoft.com/office/drawing/2014/main" id="{97422ECB-DAFB-4F94-AB43-713FBAB4ED85}"/>
-              </a:ext>
-            </a:extLst>
-          </p:cNvPr>
+          <p:cNvPr id="7" name="Slide Number Placeholder 6"/>
           <p:cNvSpPr>
             <a:spLocks noGrp="1"/>
           </p:cNvSpPr>
@@ -3087,7 +2766,7 @@
     </p:spTree>
     <p:extLst>
       <p:ext uri="{BB962C8B-B14F-4D97-AF65-F5344CB8AC3E}">
-        <p14:creationId xmlns:p14="http://schemas.microsoft.com/office/powerpoint/2010/main" val="2117746632"/>
+        <p14:creationId xmlns:p14="http://schemas.microsoft.com/office/powerpoint/2010/main" val="1752059245"/>
       </p:ext>
     </p:extLst>
   </p:cSld>
@@ -3121,13 +2800,7 @@
       </p:grpSpPr>
       <p:sp>
         <p:nvSpPr>
-          <p:cNvPr id="2" name="Cím helye 1">
-            <a:extLst>
-              <a:ext uri="{FF2B5EF4-FFF2-40B4-BE49-F238E27FC236}">
-                <a16:creationId xmlns:a16="http://schemas.microsoft.com/office/drawing/2014/main" id="{D23D0E0A-58D0-4882-AD9C-18811A33228B}"/>
-              </a:ext>
-            </a:extLst>
-          </p:cNvPr>
+          <p:cNvPr id="2" name="Title Placeholder 1"/>
           <p:cNvSpPr>
             <a:spLocks noGrp="1"/>
           </p:cNvSpPr>
@@ -3137,8 +2810,8 @@
         </p:nvSpPr>
         <p:spPr>
           <a:xfrm>
-            <a:off x="838200" y="365125"/>
-            <a:ext cx="10515600" cy="1325563"/>
+            <a:off x="628650" y="365126"/>
+            <a:ext cx="7886700" cy="1325563"/>
           </a:xfrm>
           <a:prstGeom prst="rect">
             <a:avLst/>
@@ -3151,21 +2824,16 @@
           <a:lstStyle/>
           <a:p>
             <a:r>
-              <a:rPr lang="hu-HU"/>
+              <a:rPr lang="hu-HU" smtClean="0"/>
               <a:t>Mintacím szerkesztése</a:t>
             </a:r>
-          </a:p>
-        </p:txBody>
-      </p:sp>
-      <p:sp>
-        <p:nvSpPr>
-          <p:cNvPr id="3" name="Szöveg helye 2">
-            <a:extLst>
-              <a:ext uri="{FF2B5EF4-FFF2-40B4-BE49-F238E27FC236}">
-                <a16:creationId xmlns:a16="http://schemas.microsoft.com/office/drawing/2014/main" id="{7E00D6EC-8B40-4B05-9F86-C6B77D17BAC0}"/>
-              </a:ext>
-            </a:extLst>
-          </p:cNvPr>
+            <a:endParaRPr lang="en-US" dirty="0"/>
+          </a:p>
+        </p:txBody>
+      </p:sp>
+      <p:sp>
+        <p:nvSpPr>
+          <p:cNvPr id="3" name="Text Placeholder 2"/>
           <p:cNvSpPr>
             <a:spLocks noGrp="1"/>
           </p:cNvSpPr>
@@ -3175,8 +2843,8 @@
         </p:nvSpPr>
         <p:spPr>
           <a:xfrm>
-            <a:off x="838200" y="1825625"/>
-            <a:ext cx="10515600" cy="4351338"/>
+            <a:off x="628650" y="1825625"/>
+            <a:ext cx="7886700" cy="4351338"/>
           </a:xfrm>
           <a:prstGeom prst="rect">
             <a:avLst/>
@@ -3190,49 +2858,44 @@
           <a:p>
             <a:pPr lvl="0"/>
             <a:r>
-              <a:rPr lang="hu-HU"/>
+              <a:rPr lang="hu-HU" smtClean="0"/>
               <a:t>Mintaszöveg szerkesztése</a:t>
             </a:r>
           </a:p>
           <a:p>
             <a:pPr lvl="1"/>
             <a:r>
-              <a:rPr lang="hu-HU"/>
+              <a:rPr lang="hu-HU" smtClean="0"/>
               <a:t>Második szint</a:t>
             </a:r>
           </a:p>
           <a:p>
             <a:pPr lvl="2"/>
             <a:r>
-              <a:rPr lang="hu-HU"/>
+              <a:rPr lang="hu-HU" smtClean="0"/>
               <a:t>Harmadik szint</a:t>
             </a:r>
           </a:p>
           <a:p>
             <a:pPr lvl="3"/>
             <a:r>
-              <a:rPr lang="hu-HU"/>
+              <a:rPr lang="hu-HU" smtClean="0"/>
               <a:t>Negyedik szint</a:t>
             </a:r>
           </a:p>
           <a:p>
             <a:pPr lvl="4"/>
             <a:r>
-              <a:rPr lang="hu-HU"/>
+              <a:rPr lang="hu-HU" smtClean="0"/>
               <a:t>Ötödik szint</a:t>
             </a:r>
-          </a:p>
-        </p:txBody>
-      </p:sp>
-      <p:sp>
-        <p:nvSpPr>
-          <p:cNvPr id="4" name="Dátum helye 3">
-            <a:extLst>
-              <a:ext uri="{FF2B5EF4-FFF2-40B4-BE49-F238E27FC236}">
-                <a16:creationId xmlns:a16="http://schemas.microsoft.com/office/drawing/2014/main" id="{F5A21CFA-A844-41A3-8FC0-9BDCAE1B0B5E}"/>
-              </a:ext>
-            </a:extLst>
-          </p:cNvPr>
+            <a:endParaRPr lang="en-US" dirty="0"/>
+          </a:p>
+        </p:txBody>
+      </p:sp>
+      <p:sp>
+        <p:nvSpPr>
+          <p:cNvPr id="4" name="Date Placeholder 3"/>
           <p:cNvSpPr>
             <a:spLocks noGrp="1"/>
           </p:cNvSpPr>
@@ -3242,8 +2905,8 @@
         </p:nvSpPr>
         <p:spPr>
           <a:xfrm>
-            <a:off x="838200" y="6356350"/>
-            <a:ext cx="2743200" cy="365125"/>
+            <a:off x="628650" y="6356351"/>
+            <a:ext cx="2057400" cy="365125"/>
           </a:xfrm>
           <a:prstGeom prst="rect">
             <a:avLst/>
@@ -3265,7 +2928,7 @@
           <a:p>
             <a:fld id="{D6FEAC61-D054-47B6-B1A3-F182E84601BD}" type="datetime1">
               <a:rPr lang="hu-HU" smtClean="0"/>
-              <a:t>2018. 04. 03.</a:t>
+              <a:t>2018. 04. 04.</a:t>
             </a:fld>
             <a:endParaRPr lang="hu-HU"/>
           </a:p>
@@ -3273,13 +2936,7 @@
       </p:sp>
       <p:sp>
         <p:nvSpPr>
-          <p:cNvPr id="5" name="Élőláb helye 4">
-            <a:extLst>
-              <a:ext uri="{FF2B5EF4-FFF2-40B4-BE49-F238E27FC236}">
-                <a16:creationId xmlns:a16="http://schemas.microsoft.com/office/drawing/2014/main" id="{48035A5F-E350-4193-9F61-852CE6361016}"/>
-              </a:ext>
-            </a:extLst>
-          </p:cNvPr>
+          <p:cNvPr id="5" name="Footer Placeholder 4"/>
           <p:cNvSpPr>
             <a:spLocks noGrp="1"/>
           </p:cNvSpPr>
@@ -3289,8 +2946,8 @@
         </p:nvSpPr>
         <p:spPr>
           <a:xfrm>
-            <a:off x="4038600" y="6356350"/>
-            <a:ext cx="4114800" cy="365125"/>
+            <a:off x="3028950" y="6356351"/>
+            <a:ext cx="3086100" cy="365125"/>
           </a:xfrm>
           <a:prstGeom prst="rect">
             <a:avLst/>
@@ -3316,13 +2973,7 @@
       </p:sp>
       <p:sp>
         <p:nvSpPr>
-          <p:cNvPr id="6" name="Dia számának helye 5">
-            <a:extLst>
-              <a:ext uri="{FF2B5EF4-FFF2-40B4-BE49-F238E27FC236}">
-                <a16:creationId xmlns:a16="http://schemas.microsoft.com/office/drawing/2014/main" id="{B5A2DEC6-FFB6-4FC0-A4C8-0740983BC244}"/>
-              </a:ext>
-            </a:extLst>
-          </p:cNvPr>
+          <p:cNvPr id="6" name="Slide Number Placeholder 5"/>
           <p:cNvSpPr>
             <a:spLocks noGrp="1"/>
           </p:cNvSpPr>
@@ -3332,8 +2983,8 @@
         </p:nvSpPr>
         <p:spPr>
           <a:xfrm>
-            <a:off x="8610600" y="6356350"/>
-            <a:ext cx="2743200" cy="365125"/>
+            <a:off x="6457950" y="6356351"/>
+            <a:ext cx="2057400" cy="365125"/>
           </a:xfrm>
           <a:prstGeom prst="rect">
             <a:avLst/>
@@ -3364,23 +3015,23 @@
     </p:spTree>
     <p:extLst>
       <p:ext uri="{BB962C8B-B14F-4D97-AF65-F5344CB8AC3E}">
-        <p14:creationId xmlns:p14="http://schemas.microsoft.com/office/powerpoint/2010/main" val="1721014472"/>
+        <p14:creationId xmlns:p14="http://schemas.microsoft.com/office/powerpoint/2010/main" val="267332150"/>
       </p:ext>
     </p:extLst>
   </p:cSld>
   <p:clrMap bg1="lt1" tx1="dk1" bg2="lt2" tx2="dk2" accent1="accent1" accent2="accent2" accent3="accent3" accent4="accent4" accent5="accent5" accent6="accent6" hlink="hlink" folHlink="folHlink"/>
   <p:sldLayoutIdLst>
-    <p:sldLayoutId id="2147483649" r:id="rId1"/>
-    <p:sldLayoutId id="2147483650" r:id="rId2"/>
-    <p:sldLayoutId id="2147483651" r:id="rId3"/>
-    <p:sldLayoutId id="2147483652" r:id="rId4"/>
-    <p:sldLayoutId id="2147483653" r:id="rId5"/>
-    <p:sldLayoutId id="2147483654" r:id="rId6"/>
-    <p:sldLayoutId id="2147483655" r:id="rId7"/>
-    <p:sldLayoutId id="2147483656" r:id="rId8"/>
-    <p:sldLayoutId id="2147483657" r:id="rId9"/>
-    <p:sldLayoutId id="2147483658" r:id="rId10"/>
-    <p:sldLayoutId id="2147483659" r:id="rId11"/>
+    <p:sldLayoutId id="2147483661" r:id="rId1"/>
+    <p:sldLayoutId id="2147483662" r:id="rId2"/>
+    <p:sldLayoutId id="2147483663" r:id="rId3"/>
+    <p:sldLayoutId id="2147483664" r:id="rId4"/>
+    <p:sldLayoutId id="2147483665" r:id="rId5"/>
+    <p:sldLayoutId id="2147483666" r:id="rId6"/>
+    <p:sldLayoutId id="2147483667" r:id="rId7"/>
+    <p:sldLayoutId id="2147483668" r:id="rId8"/>
+    <p:sldLayoutId id="2147483669" r:id="rId9"/>
+    <p:sldLayoutId id="2147483670" r:id="rId10"/>
+    <p:sldLayoutId id="2147483671" r:id="rId11"/>
   </p:sldLayoutIdLst>
   <p:hf hdr="0" ftr="0" dt="0"/>
   <p:txStyles>
@@ -3569,7 +3220,7 @@
     </p:bodyStyle>
     <p:otherStyle>
       <a:defPPr>
-        <a:defRPr lang="hu-HU"/>
+        <a:defRPr lang="en-US"/>
       </a:defPPr>
       <a:lvl1pPr marL="0" algn="l" defTabSz="914400" rtl="0" eaLnBrk="1" latinLnBrk="0" hangingPunct="1">
         <a:defRPr sz="1800" kern="1200">
@@ -3810,6 +3461,190 @@
           <p:cNvPr id="2" name="Cím 1">
             <a:extLst>
               <a:ext uri="{FF2B5EF4-FFF2-40B4-BE49-F238E27FC236}">
+                <a16:creationId xmlns:a16="http://schemas.microsoft.com/office/drawing/2014/main" id="{8D38B76F-95F6-45EE-A1ED-453655F28D28}"/>
+              </a:ext>
+            </a:extLst>
+          </p:cNvPr>
+          <p:cNvSpPr>
+            <a:spLocks noGrp="1"/>
+          </p:cNvSpPr>
+          <p:nvPr>
+            <p:ph type="title"/>
+          </p:nvPr>
+        </p:nvSpPr>
+        <p:spPr/>
+        <p:txBody>
+          <a:bodyPr/>
+          <a:lstStyle/>
+          <a:p>
+            <a:pPr algn="ctr"/>
+            <a:r>
+              <a:rPr lang="hu-HU" dirty="0"/>
+              <a:t>Összegzés</a:t>
+            </a:r>
+          </a:p>
+        </p:txBody>
+      </p:sp>
+      <p:sp>
+        <p:nvSpPr>
+          <p:cNvPr id="4" name="Dia számának helye 3">
+            <a:extLst>
+              <a:ext uri="{FF2B5EF4-FFF2-40B4-BE49-F238E27FC236}">
+                <a16:creationId xmlns:a16="http://schemas.microsoft.com/office/drawing/2014/main" id="{B71D6050-03B7-4A11-BC69-7BB4B58DE597}"/>
+              </a:ext>
+            </a:extLst>
+          </p:cNvPr>
+          <p:cNvSpPr>
+            <a:spLocks noGrp="1"/>
+          </p:cNvSpPr>
+          <p:nvPr>
+            <p:ph type="sldNum" sz="quarter" idx="12"/>
+          </p:nvPr>
+        </p:nvSpPr>
+        <p:spPr/>
+        <p:txBody>
+          <a:bodyPr/>
+          <a:lstStyle/>
+          <a:p>
+            <a:fld id="{676786BD-618E-4F38-B087-5D1176D55033}" type="slidenum">
+              <a:rPr lang="hu-HU" smtClean="0"/>
+              <a:t>10</a:t>
+            </a:fld>
+            <a:endParaRPr lang="hu-HU"/>
+          </a:p>
+        </p:txBody>
+      </p:sp>
+      <p:sp>
+        <p:nvSpPr>
+          <p:cNvPr id="3" name="Szövegdoboz 2">
+            <a:extLst>
+              <a:ext uri="{FF2B5EF4-FFF2-40B4-BE49-F238E27FC236}">
+                <a16:creationId xmlns:a16="http://schemas.microsoft.com/office/drawing/2014/main" id="{030528F3-D689-428A-BB56-A46FC1922D71}"/>
+              </a:ext>
+            </a:extLst>
+          </p:cNvPr>
+          <p:cNvSpPr txBox="1"/>
+          <p:nvPr/>
+        </p:nvSpPr>
+        <p:spPr>
+          <a:xfrm>
+            <a:off x="114300" y="2282992"/>
+            <a:ext cx="8867274" cy="923330"/>
+          </a:xfrm>
+          <a:prstGeom prst="rect">
+            <a:avLst/>
+          </a:prstGeom>
+          <a:noFill/>
+        </p:spPr>
+        <p:txBody>
+          <a:bodyPr wrap="square" rtlCol="0">
+            <a:spAutoFit/>
+          </a:bodyPr>
+          <a:lstStyle/>
+          <a:p>
+            <a:pPr marL="214313" indent="-214313">
+              <a:buFont typeface="Arial" panose="020B0604020202020204" pitchFamily="34" charset="0"/>
+              <a:buChar char="•"/>
+            </a:pPr>
+            <a:r>
+              <a:rPr lang="hu-HU" sz="1350" dirty="0"/>
+              <a:t>Észrevételeink</a:t>
+            </a:r>
+          </a:p>
+          <a:p>
+            <a:pPr marL="214313" indent="-214313">
+              <a:buFont typeface="Arial" panose="020B0604020202020204" pitchFamily="34" charset="0"/>
+              <a:buChar char="•"/>
+            </a:pPr>
+            <a:r>
+              <a:rPr lang="hu-HU" sz="1350" dirty="0"/>
+              <a:t>Előnyei a </a:t>
+            </a:r>
+            <a:r>
+              <a:rPr lang="hu-HU" sz="1350" dirty="0"/>
+              <a:t>módszereinknek</a:t>
+            </a:r>
+            <a:endParaRPr lang="en-US" sz="1350" dirty="0"/>
+          </a:p>
+          <a:p>
+            <a:pPr marL="214313" indent="-214313">
+              <a:buFont typeface="Arial" panose="020B0604020202020204" pitchFamily="34" charset="0"/>
+              <a:buChar char="•"/>
+            </a:pPr>
+            <a:r>
+              <a:rPr lang="en-US" sz="1350" dirty="0"/>
+              <a:t>A </a:t>
+            </a:r>
+            <a:r>
+              <a:rPr lang="en-US" sz="1350" dirty="0" err="1"/>
+              <a:t>kutatás</a:t>
+            </a:r>
+            <a:r>
+              <a:rPr lang="en-US" sz="1350" dirty="0"/>
+              <a:t> </a:t>
+            </a:r>
+            <a:r>
+              <a:rPr lang="en-US" sz="1350" dirty="0" err="1"/>
+              <a:t>elért</a:t>
+            </a:r>
+            <a:r>
+              <a:rPr lang="en-US" sz="1350" dirty="0"/>
+              <a:t> </a:t>
+            </a:r>
+            <a:r>
+              <a:rPr lang="en-US" sz="1350" dirty="0" err="1"/>
+              <a:t>eredményei</a:t>
+            </a:r>
+            <a:r>
+              <a:rPr lang="hu-HU" sz="1350" dirty="0"/>
+              <a:t> </a:t>
+            </a:r>
+            <a:endParaRPr lang="hu-HU" sz="1350" dirty="0"/>
+          </a:p>
+          <a:p>
+            <a:pPr marL="214313" indent="-214313">
+              <a:buFont typeface="Arial" panose="020B0604020202020204" pitchFamily="34" charset="0"/>
+              <a:buChar char="•"/>
+            </a:pPr>
+            <a:endParaRPr lang="hu-HU" sz="1350" dirty="0"/>
+          </a:p>
+        </p:txBody>
+      </p:sp>
+    </p:spTree>
+    <p:extLst>
+      <p:ext uri="{BB962C8B-B14F-4D97-AF65-F5344CB8AC3E}">
+        <p14:creationId xmlns:p14="http://schemas.microsoft.com/office/powerpoint/2010/main" val="4280160022"/>
+      </p:ext>
+    </p:extLst>
+  </p:cSld>
+  <p:clrMapOvr>
+    <a:masterClrMapping/>
+  </p:clrMapOvr>
+</p:sld>
+</file>
+
+<file path=ppt/slides/slide11.xml><?xml version="1.0" encoding="utf-8"?>
+<p:sld xmlns:a="http://schemas.openxmlformats.org/drawingml/2006/main" xmlns:r="http://schemas.openxmlformats.org/officeDocument/2006/relationships" xmlns:p="http://schemas.openxmlformats.org/presentationml/2006/main">
+  <p:cSld>
+    <p:spTree>
+      <p:nvGrpSpPr>
+        <p:cNvPr id="1" name=""/>
+        <p:cNvGrpSpPr/>
+        <p:nvPr/>
+      </p:nvGrpSpPr>
+      <p:grpSpPr>
+        <a:xfrm>
+          <a:off x="0" y="0"/>
+          <a:ext cx="0" cy="0"/>
+          <a:chOff x="0" y="0"/>
+          <a:chExt cx="0" cy="0"/>
+        </a:xfrm>
+      </p:grpSpPr>
+      <p:sp>
+        <p:nvSpPr>
+          <p:cNvPr id="2" name="Cím 1">
+            <a:extLst>
+              <a:ext uri="{FF2B5EF4-FFF2-40B4-BE49-F238E27FC236}">
                 <a16:creationId xmlns:a16="http://schemas.microsoft.com/office/drawing/2014/main" id="{26FEFA12-4695-4AB3-A86E-924A663068D0}"/>
               </a:ext>
             </a:extLst>
@@ -3823,8 +3658,8 @@
         </p:nvSpPr>
         <p:spPr>
           <a:xfrm>
-            <a:off x="838200" y="2766218"/>
-            <a:ext cx="10515600" cy="1325563"/>
+            <a:off x="628650" y="2931914"/>
+            <a:ext cx="7886700" cy="994172"/>
           </a:xfrm>
         </p:spPr>
         <p:txBody>
@@ -3862,7 +3697,7 @@
           <a:p>
             <a:fld id="{676786BD-618E-4F38-B087-5D1176D55033}" type="slidenum">
               <a:rPr lang="hu-HU" smtClean="0"/>
-              <a:t>10</a:t>
+              <a:t>11</a:t>
             </a:fld>
             <a:endParaRPr lang="hu-HU"/>
           </a:p>
@@ -3900,13 +3735,7 @@
       </p:grpSpPr>
       <p:sp>
         <p:nvSpPr>
-          <p:cNvPr id="2" name="Cím 1">
-            <a:extLst>
-              <a:ext uri="{FF2B5EF4-FFF2-40B4-BE49-F238E27FC236}">
-                <a16:creationId xmlns:a16="http://schemas.microsoft.com/office/drawing/2014/main" id="{F7690AF8-5CA8-441B-B3DE-A0B60882A56C}"/>
-              </a:ext>
-            </a:extLst>
-          </p:cNvPr>
+          <p:cNvPr id="2" name="Cím 1"/>
           <p:cNvSpPr>
             <a:spLocks noGrp="1"/>
           </p:cNvSpPr>
@@ -3919,23 +3748,115 @@
           <a:bodyPr/>
           <a:lstStyle/>
           <a:p>
-            <a:pPr algn="ctr"/>
-            <a:r>
-              <a:rPr lang="hu-HU" dirty="0"/>
-              <a:t>Mi késztetett a kutatásunkra?</a:t>
-            </a:r>
-          </a:p>
-        </p:txBody>
-      </p:sp>
-      <p:sp>
-        <p:nvSpPr>
-          <p:cNvPr id="4" name="Dia számának helye 3">
-            <a:extLst>
-              <a:ext uri="{FF2B5EF4-FFF2-40B4-BE49-F238E27FC236}">
-                <a16:creationId xmlns:a16="http://schemas.microsoft.com/office/drawing/2014/main" id="{43979BCF-7C9E-41B7-9282-C411F9C6F5A1}"/>
-              </a:ext>
-            </a:extLst>
-          </p:cNvPr>
+            <a:r>
+              <a:rPr lang="en-US" dirty="0" err="1" smtClean="0"/>
+              <a:t>Tartalom</a:t>
+            </a:r>
+            <a:endParaRPr lang="hu-HU" dirty="0"/>
+          </a:p>
+        </p:txBody>
+      </p:sp>
+      <p:sp>
+        <p:nvSpPr>
+          <p:cNvPr id="3" name="Tartalom helye 2"/>
+          <p:cNvSpPr>
+            <a:spLocks noGrp="1"/>
+          </p:cNvSpPr>
+          <p:nvPr>
+            <p:ph idx="1"/>
+          </p:nvPr>
+        </p:nvSpPr>
+        <p:spPr/>
+        <p:txBody>
+          <a:bodyPr/>
+          <a:lstStyle/>
+          <a:p>
+            <a:r>
+              <a:rPr lang="en-US" dirty="0" err="1" smtClean="0"/>
+              <a:t>Logikai</a:t>
+            </a:r>
+            <a:r>
+              <a:rPr lang="en-US" dirty="0" smtClean="0"/>
+              <a:t> </a:t>
+            </a:r>
+            <a:r>
+              <a:rPr lang="en-US" dirty="0" err="1"/>
+              <a:t>feladványok</a:t>
+            </a:r>
+            <a:endParaRPr lang="en-US" dirty="0"/>
+          </a:p>
+          <a:p>
+            <a:r>
+              <a:rPr lang="en-US" dirty="0" err="1" smtClean="0"/>
+              <a:t>Korlátprogramozás</a:t>
+            </a:r>
+            <a:endParaRPr lang="en-US" dirty="0" smtClean="0"/>
+          </a:p>
+          <a:p>
+            <a:r>
+              <a:rPr lang="en-US" dirty="0" err="1" smtClean="0"/>
+              <a:t>Modellezési</a:t>
+            </a:r>
+            <a:r>
+              <a:rPr lang="en-US" dirty="0" smtClean="0"/>
+              <a:t> </a:t>
+            </a:r>
+            <a:r>
+              <a:rPr lang="en-US" dirty="0" err="1" smtClean="0"/>
+              <a:t>módszerek</a:t>
+            </a:r>
+            <a:endParaRPr lang="en-US" dirty="0" smtClean="0"/>
+          </a:p>
+          <a:p>
+            <a:r>
+              <a:rPr lang="en-US" dirty="0" err="1" smtClean="0"/>
+              <a:t>Összehasonlító</a:t>
+            </a:r>
+            <a:r>
+              <a:rPr lang="en-US" dirty="0" smtClean="0"/>
+              <a:t> </a:t>
+            </a:r>
+            <a:r>
+              <a:rPr lang="en-US" dirty="0" err="1" smtClean="0"/>
+              <a:t>tesztek</a:t>
+            </a:r>
+            <a:endParaRPr lang="en-US" dirty="0" smtClean="0"/>
+          </a:p>
+          <a:p>
+            <a:r>
+              <a:rPr lang="en-US" dirty="0" err="1" smtClean="0"/>
+              <a:t>Redundáns</a:t>
+            </a:r>
+            <a:r>
+              <a:rPr lang="en-US" dirty="0" smtClean="0"/>
+              <a:t> </a:t>
+            </a:r>
+            <a:r>
+              <a:rPr lang="en-US" dirty="0" err="1" smtClean="0"/>
+              <a:t>megkötések</a:t>
+            </a:r>
+            <a:r>
+              <a:rPr lang="en-US" dirty="0" smtClean="0"/>
+              <a:t> </a:t>
+            </a:r>
+            <a:r>
+              <a:rPr lang="en-US" dirty="0" err="1" smtClean="0"/>
+              <a:t>kiszűrése</a:t>
+            </a:r>
+            <a:endParaRPr lang="en-US" dirty="0" smtClean="0"/>
+          </a:p>
+          <a:p>
+            <a:r>
+              <a:rPr lang="en-US" dirty="0" err="1" smtClean="0"/>
+              <a:t>Összegzés</a:t>
+            </a:r>
+            <a:endParaRPr lang="hu-HU" dirty="0"/>
+          </a:p>
+        </p:txBody>
+      </p:sp>
+      <p:sp>
+        <p:nvSpPr>
+          <p:cNvPr id="4" name="Dia számának helye 3"/>
           <p:cNvSpPr>
             <a:spLocks noGrp="1"/>
           </p:cNvSpPr>
@@ -3959,7 +3880,7 @@
     </p:spTree>
     <p:extLst>
       <p:ext uri="{BB962C8B-B14F-4D97-AF65-F5344CB8AC3E}">
-        <p14:creationId xmlns:p14="http://schemas.microsoft.com/office/powerpoint/2010/main" val="1634195410"/>
+        <p14:creationId xmlns:p14="http://schemas.microsoft.com/office/powerpoint/2010/main" val="2114590547"/>
       </p:ext>
     </p:extLst>
   </p:cSld>
@@ -3991,7 +3912,7 @@
           <p:cNvPr id="2" name="Cím 1">
             <a:extLst>
               <a:ext uri="{FF2B5EF4-FFF2-40B4-BE49-F238E27FC236}">
-                <a16:creationId xmlns:a16="http://schemas.microsoft.com/office/drawing/2014/main" id="{3D71E464-FDA0-44ED-BAE0-76765A5D6664}"/>
+                <a16:creationId xmlns:a16="http://schemas.microsoft.com/office/drawing/2014/main" id="{F7690AF8-5CA8-441B-B3DE-A0B60882A56C}"/>
               </a:ext>
             </a:extLst>
           </p:cNvPr>
@@ -4009,18 +3930,19 @@
           <a:p>
             <a:pPr algn="ctr"/>
             <a:r>
-              <a:rPr lang="hu-HU" dirty="0"/>
-              <a:t>Korlátprogramozás</a:t>
-            </a:r>
-          </a:p>
-        </p:txBody>
-      </p:sp>
-      <p:sp>
-        <p:nvSpPr>
-          <p:cNvPr id="5" name="Dia számának helye 4">
+              <a:rPr lang="en-US" dirty="0" err="1" smtClean="0"/>
+              <a:t>Motiváció</a:t>
+            </a:r>
+            <a:endParaRPr lang="hu-HU" dirty="0"/>
+          </a:p>
+        </p:txBody>
+      </p:sp>
+      <p:sp>
+        <p:nvSpPr>
+          <p:cNvPr id="4" name="Dia számának helye 3">
             <a:extLst>
               <a:ext uri="{FF2B5EF4-FFF2-40B4-BE49-F238E27FC236}">
-                <a16:creationId xmlns:a16="http://schemas.microsoft.com/office/drawing/2014/main" id="{3927AD5E-958C-4218-A2F7-1714AA2AACB5}"/>
+                <a16:creationId xmlns:a16="http://schemas.microsoft.com/office/drawing/2014/main" id="{43979BCF-7C9E-41B7-9282-C411F9C6F5A1}"/>
               </a:ext>
             </a:extLst>
           </p:cNvPr>
@@ -4044,79 +3966,10 @@
           </a:p>
         </p:txBody>
       </p:sp>
-      <p:sp>
-        <p:nvSpPr>
-          <p:cNvPr id="6" name="Szövegdoboz 5">
-            <a:extLst>
-              <a:ext uri="{FF2B5EF4-FFF2-40B4-BE49-F238E27FC236}">
-                <a16:creationId xmlns:a16="http://schemas.microsoft.com/office/drawing/2014/main" id="{6EA50174-05F4-4DB5-AFA6-707EDDAD33F6}"/>
-              </a:ext>
-            </a:extLst>
-          </p:cNvPr>
-          <p:cNvSpPr txBox="1"/>
-          <p:nvPr/>
-        </p:nvSpPr>
-        <p:spPr>
-          <a:xfrm>
-            <a:off x="184484" y="1932906"/>
-            <a:ext cx="11823032" cy="1200329"/>
-          </a:xfrm>
-          <a:prstGeom prst="rect">
-            <a:avLst/>
-          </a:prstGeom>
-          <a:noFill/>
-        </p:spPr>
-        <p:txBody>
-          <a:bodyPr wrap="square" rtlCol="0">
-            <a:spAutoFit/>
-          </a:bodyPr>
-          <a:lstStyle/>
-          <a:p>
-            <a:pPr marL="285750" indent="-285750">
-              <a:buFont typeface="Arial" panose="020B0604020202020204" pitchFamily="34" charset="0"/>
-              <a:buChar char="•"/>
-            </a:pPr>
-            <a:r>
-              <a:rPr lang="hu-HU" dirty="0"/>
-              <a:t>Kezdeti verziók</a:t>
-            </a:r>
-          </a:p>
-          <a:p>
-            <a:pPr marL="285750" indent="-285750">
-              <a:buFont typeface="Arial" panose="020B0604020202020204" pitchFamily="34" charset="0"/>
-              <a:buChar char="•"/>
-            </a:pPr>
-            <a:r>
-              <a:rPr lang="hu-HU" dirty="0"/>
-              <a:t>MiniZinc és Gecode</a:t>
-            </a:r>
-          </a:p>
-          <a:p>
-            <a:pPr marL="285750" indent="-285750">
-              <a:buFont typeface="Arial" panose="020B0604020202020204" pitchFamily="34" charset="0"/>
-              <a:buChar char="•"/>
-            </a:pPr>
-            <a:r>
-              <a:rPr lang="hu-HU" dirty="0"/>
-              <a:t>Korlátprogramozás működése feladaton keresztül szemléltetve</a:t>
-            </a:r>
-          </a:p>
-          <a:p>
-            <a:pPr marL="285750" indent="-285750">
-              <a:buFont typeface="Arial" panose="020B0604020202020204" pitchFamily="34" charset="0"/>
-              <a:buChar char="•"/>
-            </a:pPr>
-            <a:r>
-              <a:rPr lang="hu-HU" dirty="0"/>
-              <a:t>(Ábra ide a térképszínezésről)</a:t>
-            </a:r>
-          </a:p>
-        </p:txBody>
-      </p:sp>
     </p:spTree>
     <p:extLst>
       <p:ext uri="{BB962C8B-B14F-4D97-AF65-F5344CB8AC3E}">
-        <p14:creationId xmlns:p14="http://schemas.microsoft.com/office/powerpoint/2010/main" val="1172809783"/>
+        <p14:creationId xmlns:p14="http://schemas.microsoft.com/office/powerpoint/2010/main" val="1634195410"/>
       </p:ext>
     </p:extLst>
   </p:cSld>
@@ -4174,6 +4027,35 @@
       </p:sp>
       <p:sp>
         <p:nvSpPr>
+          <p:cNvPr id="4" name="Dia számának helye 3">
+            <a:extLst>
+              <a:ext uri="{FF2B5EF4-FFF2-40B4-BE49-F238E27FC236}">
+                <a16:creationId xmlns:a16="http://schemas.microsoft.com/office/drawing/2014/main" id="{5F92542F-59D1-4271-9731-543CD62F5022}"/>
+              </a:ext>
+            </a:extLst>
+          </p:cNvPr>
+          <p:cNvSpPr>
+            <a:spLocks noGrp="1"/>
+          </p:cNvSpPr>
+          <p:nvPr>
+            <p:ph type="sldNum" sz="quarter" idx="12"/>
+          </p:nvPr>
+        </p:nvSpPr>
+        <p:spPr/>
+        <p:txBody>
+          <a:bodyPr/>
+          <a:lstStyle/>
+          <a:p>
+            <a:fld id="{676786BD-618E-4F38-B087-5D1176D55033}" type="slidenum">
+              <a:rPr lang="hu-HU" smtClean="0"/>
+              <a:t>4</a:t>
+            </a:fld>
+            <a:endParaRPr lang="hu-HU"/>
+          </a:p>
+        </p:txBody>
+      </p:sp>
+      <p:sp>
+        <p:nvSpPr>
           <p:cNvPr id="3" name="Szövegdoboz 2">
             <a:extLst>
               <a:ext uri="{FF2B5EF4-FFF2-40B4-BE49-F238E27FC236}">
@@ -4186,8 +4068,8 @@
         </p:nvSpPr>
         <p:spPr>
           <a:xfrm>
-            <a:off x="184484" y="1932906"/>
-            <a:ext cx="11823032" cy="923330"/>
+            <a:off x="138363" y="2306930"/>
+            <a:ext cx="8867274" cy="715581"/>
           </a:xfrm>
           <a:prstGeom prst="rect">
             <a:avLst/>
@@ -4200,63 +4082,34 @@
           </a:bodyPr>
           <a:lstStyle/>
           <a:p>
-            <a:pPr marL="285750" indent="-285750">
+            <a:pPr marL="214313" indent="-214313">
               <a:buFont typeface="Arial" panose="020B0604020202020204" pitchFamily="34" charset="0"/>
               <a:buChar char="•"/>
             </a:pPr>
             <a:r>
-              <a:rPr lang="hu-HU" dirty="0"/>
+              <a:rPr lang="hu-HU" sz="1350" dirty="0"/>
               <a:t>Arisztotelész szerepe a logikában</a:t>
             </a:r>
           </a:p>
           <a:p>
-            <a:pPr marL="285750" indent="-285750">
+            <a:pPr marL="214313" indent="-214313">
               <a:buFont typeface="Arial" panose="020B0604020202020204" pitchFamily="34" charset="0"/>
               <a:buChar char="•"/>
             </a:pPr>
             <a:r>
-              <a:rPr lang="hu-HU" dirty="0"/>
+              <a:rPr lang="hu-HU" sz="1350" dirty="0"/>
               <a:t>Einstein-féle logikai feladványok</a:t>
             </a:r>
           </a:p>
           <a:p>
-            <a:pPr marL="285750" indent="-285750">
+            <a:pPr marL="214313" indent="-214313">
               <a:buFont typeface="Arial" panose="020B0604020202020204" pitchFamily="34" charset="0"/>
               <a:buChar char="•"/>
             </a:pPr>
             <a:r>
-              <a:rPr lang="hu-HU" dirty="0"/>
+              <a:rPr lang="hu-HU" sz="1350" dirty="0"/>
               <a:t>Hozzárendelési feladatok</a:t>
             </a:r>
-          </a:p>
-        </p:txBody>
-      </p:sp>
-      <p:sp>
-        <p:nvSpPr>
-          <p:cNvPr id="4" name="Dia számának helye 3">
-            <a:extLst>
-              <a:ext uri="{FF2B5EF4-FFF2-40B4-BE49-F238E27FC236}">
-                <a16:creationId xmlns:a16="http://schemas.microsoft.com/office/drawing/2014/main" id="{5F92542F-59D1-4271-9731-543CD62F5022}"/>
-              </a:ext>
-            </a:extLst>
-          </p:cNvPr>
-          <p:cNvSpPr>
-            <a:spLocks noGrp="1"/>
-          </p:cNvSpPr>
-          <p:nvPr>
-            <p:ph type="sldNum" sz="quarter" idx="12"/>
-          </p:nvPr>
-        </p:nvSpPr>
-        <p:spPr/>
-        <p:txBody>
-          <a:bodyPr/>
-          <a:lstStyle/>
-          <a:p>
-            <a:fld id="{676786BD-618E-4F38-B087-5D1176D55033}" type="slidenum">
-              <a:rPr lang="hu-HU" smtClean="0"/>
-              <a:t>4</a:t>
-            </a:fld>
-            <a:endParaRPr lang="hu-HU"/>
           </a:p>
         </p:txBody>
       </p:sp>
@@ -4295,7 +4148,7 @@
           <p:cNvPr id="2" name="Cím 1">
             <a:extLst>
               <a:ext uri="{FF2B5EF4-FFF2-40B4-BE49-F238E27FC236}">
-                <a16:creationId xmlns:a16="http://schemas.microsoft.com/office/drawing/2014/main" id="{09411F1E-27C1-4AE8-AE32-00B88150B9E2}"/>
+                <a16:creationId xmlns:a16="http://schemas.microsoft.com/office/drawing/2014/main" id="{3D71E464-FDA0-44ED-BAE0-76765A5D6664}"/>
               </a:ext>
             </a:extLst>
           </p:cNvPr>
@@ -4314,25 +4167,46 @@
             <a:pPr algn="ctr"/>
             <a:r>
               <a:rPr lang="hu-HU" dirty="0"/>
-              <a:t>„</a:t>
-            </a:r>
-            <a:r>
-              <a:rPr lang="hu-HU" dirty="0" err="1"/>
-              <a:t>Gardens</a:t>
-            </a:r>
-            <a:r>
-              <a:rPr lang="hu-HU" dirty="0"/>
-              <a:t>” feladat</a:t>
-            </a:r>
-          </a:p>
-        </p:txBody>
-      </p:sp>
-      <p:sp>
-        <p:nvSpPr>
-          <p:cNvPr id="3" name="Szövegdoboz 2">
+              <a:t>Korlátprogramozás</a:t>
+            </a:r>
+          </a:p>
+        </p:txBody>
+      </p:sp>
+      <p:sp>
+        <p:nvSpPr>
+          <p:cNvPr id="5" name="Dia számának helye 4">
             <a:extLst>
               <a:ext uri="{FF2B5EF4-FFF2-40B4-BE49-F238E27FC236}">
-                <a16:creationId xmlns:a16="http://schemas.microsoft.com/office/drawing/2014/main" id="{4DE43672-6366-462F-BC64-FD398B28F1E0}"/>
+                <a16:creationId xmlns:a16="http://schemas.microsoft.com/office/drawing/2014/main" id="{3927AD5E-958C-4218-A2F7-1714AA2AACB5}"/>
+              </a:ext>
+            </a:extLst>
+          </p:cNvPr>
+          <p:cNvSpPr>
+            <a:spLocks noGrp="1"/>
+          </p:cNvSpPr>
+          <p:nvPr>
+            <p:ph type="sldNum" sz="quarter" idx="12"/>
+          </p:nvPr>
+        </p:nvSpPr>
+        <p:spPr/>
+        <p:txBody>
+          <a:bodyPr/>
+          <a:lstStyle/>
+          <a:p>
+            <a:fld id="{676786BD-618E-4F38-B087-5D1176D55033}" type="slidenum">
+              <a:rPr lang="hu-HU" smtClean="0"/>
+              <a:t>5</a:t>
+            </a:fld>
+            <a:endParaRPr lang="hu-HU"/>
+          </a:p>
+        </p:txBody>
+      </p:sp>
+      <p:sp>
+        <p:nvSpPr>
+          <p:cNvPr id="6" name="Szövegdoboz 5">
+            <a:extLst>
+              <a:ext uri="{FF2B5EF4-FFF2-40B4-BE49-F238E27FC236}">
+                <a16:creationId xmlns:a16="http://schemas.microsoft.com/office/drawing/2014/main" id="{6EA50174-05F4-4DB5-AFA6-707EDDAD33F6}"/>
               </a:ext>
             </a:extLst>
           </p:cNvPr>
@@ -4341,8 +4215,8 @@
         </p:nvSpPr>
         <p:spPr>
           <a:xfrm>
-            <a:off x="152400" y="1900989"/>
-            <a:ext cx="11823032" cy="2031325"/>
+            <a:off x="138363" y="2306929"/>
+            <a:ext cx="8867274" cy="923330"/>
           </a:xfrm>
           <a:prstGeom prst="rect">
             <a:avLst/>
@@ -4355,122 +4229,51 @@
           </a:bodyPr>
           <a:lstStyle/>
           <a:p>
-            <a:pPr marL="285750" indent="-285750">
+            <a:pPr marL="214313" indent="-214313">
               <a:buFont typeface="Arial" panose="020B0604020202020204" pitchFamily="34" charset="0"/>
               <a:buChar char="•"/>
             </a:pPr>
             <a:r>
-              <a:rPr lang="hu-HU" dirty="0"/>
-              <a:t>Feladat </a:t>
-            </a:r>
-            <a:r>
-              <a:rPr lang="hu-HU" dirty="0" err="1"/>
-              <a:t>bemutatása+ábra</a:t>
-            </a:r>
-            <a:r>
-              <a:rPr lang="hu-HU" dirty="0"/>
-              <a:t> is</a:t>
-            </a:r>
-          </a:p>
-          <a:p>
-            <a:pPr marL="285750" indent="-285750">
+              <a:rPr lang="hu-HU" sz="1350" dirty="0"/>
+              <a:t>Kezdeti verziók</a:t>
+            </a:r>
+          </a:p>
+          <a:p>
+            <a:pPr marL="214313" indent="-214313">
               <a:buFont typeface="Arial" panose="020B0604020202020204" pitchFamily="34" charset="0"/>
               <a:buChar char="•"/>
             </a:pPr>
             <a:r>
-              <a:rPr lang="hu-HU" dirty="0"/>
-              <a:t>Bináris mátrix</a:t>
-            </a:r>
-          </a:p>
-          <a:p>
-            <a:pPr marL="285750" indent="-285750">
+              <a:rPr lang="hu-HU" sz="1350" dirty="0"/>
+              <a:t>MiniZinc és Gecode</a:t>
+            </a:r>
+          </a:p>
+          <a:p>
+            <a:pPr marL="214313" indent="-214313">
               <a:buFont typeface="Arial" panose="020B0604020202020204" pitchFamily="34" charset="0"/>
               <a:buChar char="•"/>
             </a:pPr>
             <a:r>
-              <a:rPr lang="hu-HU" dirty="0" err="1"/>
-              <a:t>Where</a:t>
-            </a:r>
-            <a:r>
-              <a:rPr lang="hu-HU" dirty="0"/>
-              <a:t> helyett implikáció</a:t>
-            </a:r>
-          </a:p>
-          <a:p>
-            <a:pPr marL="285750" indent="-285750">
+              <a:rPr lang="hu-HU" sz="1350" dirty="0"/>
+              <a:t>Korlátprogramozás működése feladaton keresztül szemléltetve</a:t>
+            </a:r>
+          </a:p>
+          <a:p>
+            <a:pPr marL="214313" indent="-214313">
               <a:buFont typeface="Arial" panose="020B0604020202020204" pitchFamily="34" charset="0"/>
               <a:buChar char="•"/>
             </a:pPr>
             <a:r>
-              <a:rPr lang="hu-HU" dirty="0"/>
-              <a:t>Tulaj hozzárendelési mátrix</a:t>
-            </a:r>
-          </a:p>
-          <a:p>
-            <a:pPr marL="285750" indent="-285750">
-              <a:buFont typeface="Arial" panose="020B0604020202020204" pitchFamily="34" charset="0"/>
-              <a:buChar char="•"/>
-            </a:pPr>
-            <a:r>
-              <a:rPr lang="hu-HU" dirty="0"/>
-              <a:t>Termény halmazok</a:t>
-            </a:r>
-          </a:p>
-          <a:p>
-            <a:pPr marL="285750" indent="-285750">
-              <a:buFont typeface="Arial" panose="020B0604020202020204" pitchFamily="34" charset="0"/>
-              <a:buChar char="•"/>
-            </a:pPr>
-            <a:r>
-              <a:rPr lang="hu-HU" dirty="0"/>
-              <a:t>Integer mátrix</a:t>
-            </a:r>
-          </a:p>
-          <a:p>
-            <a:pPr marL="285750" indent="-285750">
-              <a:buFont typeface="Arial" panose="020B0604020202020204" pitchFamily="34" charset="0"/>
-              <a:buChar char="•"/>
-            </a:pPr>
-            <a:r>
-              <a:rPr lang="hu-HU" dirty="0"/>
-              <a:t>Kimenet</a:t>
-            </a:r>
-          </a:p>
-        </p:txBody>
-      </p:sp>
-      <p:sp>
-        <p:nvSpPr>
-          <p:cNvPr id="4" name="Dia számának helye 3">
-            <a:extLst>
-              <a:ext uri="{FF2B5EF4-FFF2-40B4-BE49-F238E27FC236}">
-                <a16:creationId xmlns:a16="http://schemas.microsoft.com/office/drawing/2014/main" id="{A0A56984-CD4E-4AFC-B636-2467537DA82C}"/>
-              </a:ext>
-            </a:extLst>
-          </p:cNvPr>
-          <p:cNvSpPr>
-            <a:spLocks noGrp="1"/>
-          </p:cNvSpPr>
-          <p:nvPr>
-            <p:ph type="sldNum" sz="quarter" idx="12"/>
-          </p:nvPr>
-        </p:nvSpPr>
-        <p:spPr/>
-        <p:txBody>
-          <a:bodyPr/>
-          <a:lstStyle/>
-          <a:p>
-            <a:fld id="{676786BD-618E-4F38-B087-5D1176D55033}" type="slidenum">
-              <a:rPr lang="hu-HU" smtClean="0"/>
-              <a:t>5</a:t>
-            </a:fld>
-            <a:endParaRPr lang="hu-HU"/>
+              <a:rPr lang="hu-HU" sz="1350" dirty="0"/>
+              <a:t>(Ábra ide a térképszínezésről)</a:t>
+            </a:r>
           </a:p>
         </p:txBody>
       </p:sp>
     </p:spTree>
     <p:extLst>
       <p:ext uri="{BB962C8B-B14F-4D97-AF65-F5344CB8AC3E}">
-        <p14:creationId xmlns:p14="http://schemas.microsoft.com/office/powerpoint/2010/main" val="3873893493"/>
+        <p14:creationId xmlns:p14="http://schemas.microsoft.com/office/powerpoint/2010/main" val="1172809783"/>
       </p:ext>
     </p:extLst>
   </p:cSld>
@@ -4528,6 +4331,35 @@
       </p:sp>
       <p:sp>
         <p:nvSpPr>
+          <p:cNvPr id="4" name="Dia számának helye 3">
+            <a:extLst>
+              <a:ext uri="{FF2B5EF4-FFF2-40B4-BE49-F238E27FC236}">
+                <a16:creationId xmlns:a16="http://schemas.microsoft.com/office/drawing/2014/main" id="{E799F892-52D9-47BE-8E31-56A1731CA5FB}"/>
+              </a:ext>
+            </a:extLst>
+          </p:cNvPr>
+          <p:cNvSpPr>
+            <a:spLocks noGrp="1"/>
+          </p:cNvSpPr>
+          <p:nvPr>
+            <p:ph type="sldNum" sz="quarter" idx="12"/>
+          </p:nvPr>
+        </p:nvSpPr>
+        <p:spPr/>
+        <p:txBody>
+          <a:bodyPr/>
+          <a:lstStyle/>
+          <a:p>
+            <a:fld id="{676786BD-618E-4F38-B087-5D1176D55033}" type="slidenum">
+              <a:rPr lang="hu-HU" smtClean="0"/>
+              <a:t>6</a:t>
+            </a:fld>
+            <a:endParaRPr lang="hu-HU"/>
+          </a:p>
+        </p:txBody>
+      </p:sp>
+      <p:sp>
+        <p:nvSpPr>
           <p:cNvPr id="3" name="Szövegdoboz 2">
             <a:extLst>
               <a:ext uri="{FF2B5EF4-FFF2-40B4-BE49-F238E27FC236}">
@@ -4540,8 +4372,8 @@
         </p:nvSpPr>
         <p:spPr>
           <a:xfrm>
-            <a:off x="152400" y="1900989"/>
-            <a:ext cx="11823032" cy="1200329"/>
+            <a:off x="114300" y="2282992"/>
+            <a:ext cx="8867274" cy="923330"/>
           </a:xfrm>
           <a:prstGeom prst="rect">
             <a:avLst/>
@@ -4554,86 +4386,57 @@
           </a:bodyPr>
           <a:lstStyle/>
           <a:p>
-            <a:pPr marL="285750" indent="-285750">
+            <a:pPr marL="214313" indent="-214313">
               <a:buFont typeface="Arial" panose="020B0604020202020204" pitchFamily="34" charset="0"/>
               <a:buChar char="•"/>
             </a:pPr>
             <a:r>
-              <a:rPr lang="hu-HU" dirty="0"/>
+              <a:rPr lang="hu-HU" sz="1350" dirty="0"/>
               <a:t>Feladatok bemutatása</a:t>
             </a:r>
           </a:p>
           <a:p>
-            <a:pPr marL="285750" indent="-285750">
+            <a:pPr marL="214313" indent="-214313">
               <a:buFont typeface="Arial" panose="020B0604020202020204" pitchFamily="34" charset="0"/>
               <a:buChar char="•"/>
             </a:pPr>
             <a:r>
-              <a:rPr lang="hu-HU" dirty="0" err="1"/>
+              <a:rPr lang="hu-HU" sz="1350" dirty="0" err="1"/>
               <a:t>Movies</a:t>
             </a:r>
             <a:r>
-              <a:rPr lang="hu-HU" dirty="0"/>
+              <a:rPr lang="hu-HU" sz="1350" dirty="0"/>
               <a:t> példa bináris mátrixszal</a:t>
             </a:r>
           </a:p>
           <a:p>
-            <a:pPr marL="285750" indent="-285750">
+            <a:pPr marL="214313" indent="-214313">
               <a:buFont typeface="Arial" panose="020B0604020202020204" pitchFamily="34" charset="0"/>
               <a:buChar char="•"/>
             </a:pPr>
             <a:r>
-              <a:rPr lang="hu-HU" dirty="0" err="1"/>
+              <a:rPr lang="hu-HU" sz="1350" dirty="0" err="1"/>
               <a:t>Fundraising</a:t>
             </a:r>
             <a:r>
-              <a:rPr lang="hu-HU" dirty="0"/>
+              <a:rPr lang="hu-HU" sz="1350" dirty="0"/>
               <a:t> </a:t>
             </a:r>
             <a:r>
-              <a:rPr lang="hu-HU" dirty="0" err="1"/>
+              <a:rPr lang="hu-HU" sz="1350" dirty="0" err="1"/>
               <a:t>Dinner</a:t>
             </a:r>
             <a:r>
-              <a:rPr lang="hu-HU" dirty="0"/>
+              <a:rPr lang="hu-HU" sz="1350" dirty="0"/>
               <a:t> példa változó tömbökkel</a:t>
             </a:r>
           </a:p>
           <a:p>
-            <a:pPr marL="285750" indent="-285750">
+            <a:pPr marL="214313" indent="-214313">
               <a:buFont typeface="Arial" panose="020B0604020202020204" pitchFamily="34" charset="0"/>
               <a:buChar char="•"/>
             </a:pPr>
-            <a:endParaRPr lang="hu-HU" dirty="0"/>
-          </a:p>
-        </p:txBody>
-      </p:sp>
-      <p:sp>
-        <p:nvSpPr>
-          <p:cNvPr id="4" name="Dia számának helye 3">
-            <a:extLst>
-              <a:ext uri="{FF2B5EF4-FFF2-40B4-BE49-F238E27FC236}">
-                <a16:creationId xmlns:a16="http://schemas.microsoft.com/office/drawing/2014/main" id="{E799F892-52D9-47BE-8E31-56A1731CA5FB}"/>
-              </a:ext>
-            </a:extLst>
-          </p:cNvPr>
-          <p:cNvSpPr>
-            <a:spLocks noGrp="1"/>
-          </p:cNvSpPr>
-          <p:nvPr>
-            <p:ph type="sldNum" sz="quarter" idx="12"/>
-          </p:nvPr>
-        </p:nvSpPr>
-        <p:spPr/>
-        <p:txBody>
-          <a:bodyPr/>
-          <a:lstStyle/>
-          <a:p>
-            <a:fld id="{676786BD-618E-4F38-B087-5D1176D55033}" type="slidenum">
-              <a:rPr lang="hu-HU" smtClean="0"/>
-              <a:t>6</a:t>
-            </a:fld>
-            <a:endParaRPr lang="hu-HU"/>
+            <a:endParaRPr lang="hu-HU" sz="1350" dirty="0"/>
           </a:p>
         </p:txBody>
       </p:sp>
@@ -4672,7 +4475,7 @@
           <p:cNvPr id="2" name="Cím 1">
             <a:extLst>
               <a:ext uri="{FF2B5EF4-FFF2-40B4-BE49-F238E27FC236}">
-                <a16:creationId xmlns:a16="http://schemas.microsoft.com/office/drawing/2014/main" id="{DCCECEDE-C074-41DA-84C8-BDCA2FDBD582}"/>
+                <a16:creationId xmlns:a16="http://schemas.microsoft.com/office/drawing/2014/main" id="{09411F1E-27C1-4AE8-AE32-00B88150B9E2}"/>
               </a:ext>
             </a:extLst>
           </p:cNvPr>
@@ -4691,8 +4494,45 @@
             <a:pPr algn="ctr"/>
             <a:r>
               <a:rPr lang="hu-HU" dirty="0"/>
-              <a:t>Teszteredmények</a:t>
-            </a:r>
+              <a:t>„</a:t>
+            </a:r>
+            <a:r>
+              <a:rPr lang="hu-HU" dirty="0" err="1"/>
+              <a:t>Gardens</a:t>
+            </a:r>
+            <a:r>
+              <a:rPr lang="hu-HU" dirty="0"/>
+              <a:t>” feladat</a:t>
+            </a:r>
+          </a:p>
+        </p:txBody>
+      </p:sp>
+      <p:sp>
+        <p:nvSpPr>
+          <p:cNvPr id="4" name="Dia számának helye 3">
+            <a:extLst>
+              <a:ext uri="{FF2B5EF4-FFF2-40B4-BE49-F238E27FC236}">
+                <a16:creationId xmlns:a16="http://schemas.microsoft.com/office/drawing/2014/main" id="{A0A56984-CD4E-4AFC-B636-2467537DA82C}"/>
+              </a:ext>
+            </a:extLst>
+          </p:cNvPr>
+          <p:cNvSpPr>
+            <a:spLocks noGrp="1"/>
+          </p:cNvSpPr>
+          <p:nvPr>
+            <p:ph type="sldNum" sz="quarter" idx="12"/>
+          </p:nvPr>
+        </p:nvSpPr>
+        <p:spPr/>
+        <p:txBody>
+          <a:bodyPr/>
+          <a:lstStyle/>
+          <a:p>
+            <a:fld id="{676786BD-618E-4F38-B087-5D1176D55033}" type="slidenum">
+              <a:rPr lang="hu-HU" smtClean="0"/>
+              <a:t>7</a:t>
+            </a:fld>
+            <a:endParaRPr lang="hu-HU"/>
           </a:p>
         </p:txBody>
       </p:sp>
@@ -4701,7 +4541,7 @@
           <p:cNvPr id="3" name="Szövegdoboz 2">
             <a:extLst>
               <a:ext uri="{FF2B5EF4-FFF2-40B4-BE49-F238E27FC236}">
-                <a16:creationId xmlns:a16="http://schemas.microsoft.com/office/drawing/2014/main" id="{BAAEAD85-A443-4994-A56B-80BE988BBC20}"/>
+                <a16:creationId xmlns:a16="http://schemas.microsoft.com/office/drawing/2014/main" id="{4DE43672-6366-462F-BC64-FD398B28F1E0}"/>
               </a:ext>
             </a:extLst>
           </p:cNvPr>
@@ -4710,8 +4550,8 @@
         </p:nvSpPr>
         <p:spPr>
           <a:xfrm>
-            <a:off x="152400" y="1900989"/>
-            <a:ext cx="11823032" cy="369332"/>
+            <a:off x="114300" y="2282992"/>
+            <a:ext cx="8867274" cy="1546577"/>
           </a:xfrm>
           <a:prstGeom prst="rect">
             <a:avLst/>
@@ -4724,58 +4564,93 @@
           </a:bodyPr>
           <a:lstStyle/>
           <a:p>
-            <a:pPr marL="285750" indent="-285750">
+            <a:pPr marL="214313" indent="-214313">
               <a:buFont typeface="Arial" panose="020B0604020202020204" pitchFamily="34" charset="0"/>
               <a:buChar char="•"/>
             </a:pPr>
             <a:r>
-              <a:rPr lang="hu-HU" dirty="0"/>
-              <a:t>Ábra + </a:t>
-            </a:r>
-            <a:r>
-              <a:rPr lang="hu-HU" dirty="0" err="1"/>
-              <a:t>giant</a:t>
-            </a:r>
-            <a:r>
-              <a:rPr lang="hu-HU" dirty="0"/>
-              <a:t> példa is</a:t>
-            </a:r>
-          </a:p>
-        </p:txBody>
-      </p:sp>
-      <p:sp>
-        <p:nvSpPr>
-          <p:cNvPr id="4" name="Dia számának helye 3">
-            <a:extLst>
-              <a:ext uri="{FF2B5EF4-FFF2-40B4-BE49-F238E27FC236}">
-                <a16:creationId xmlns:a16="http://schemas.microsoft.com/office/drawing/2014/main" id="{AD8C5EE1-236C-4F83-B6B6-0315500CBF70}"/>
-              </a:ext>
-            </a:extLst>
-          </p:cNvPr>
-          <p:cNvSpPr>
-            <a:spLocks noGrp="1"/>
-          </p:cNvSpPr>
-          <p:nvPr>
-            <p:ph type="sldNum" sz="quarter" idx="12"/>
-          </p:nvPr>
-        </p:nvSpPr>
-        <p:spPr/>
-        <p:txBody>
-          <a:bodyPr/>
-          <a:lstStyle/>
-          <a:p>
-            <a:fld id="{676786BD-618E-4F38-B087-5D1176D55033}" type="slidenum">
-              <a:rPr lang="hu-HU" smtClean="0"/>
-              <a:t>7</a:t>
-            </a:fld>
-            <a:endParaRPr lang="hu-HU"/>
+              <a:rPr lang="hu-HU" sz="1350" dirty="0"/>
+              <a:t>Feladat </a:t>
+            </a:r>
+            <a:r>
+              <a:rPr lang="hu-HU" sz="1350" dirty="0" err="1"/>
+              <a:t>bemutatása+ábra</a:t>
+            </a:r>
+            <a:r>
+              <a:rPr lang="hu-HU" sz="1350" dirty="0"/>
+              <a:t> is</a:t>
+            </a:r>
+          </a:p>
+          <a:p>
+            <a:pPr marL="214313" indent="-214313">
+              <a:buFont typeface="Arial" panose="020B0604020202020204" pitchFamily="34" charset="0"/>
+              <a:buChar char="•"/>
+            </a:pPr>
+            <a:r>
+              <a:rPr lang="hu-HU" sz="1350" dirty="0"/>
+              <a:t>Bináris mátrix</a:t>
+            </a:r>
+          </a:p>
+          <a:p>
+            <a:pPr marL="214313" indent="-214313">
+              <a:buFont typeface="Arial" panose="020B0604020202020204" pitchFamily="34" charset="0"/>
+              <a:buChar char="•"/>
+            </a:pPr>
+            <a:r>
+              <a:rPr lang="hu-HU" sz="1350" dirty="0" err="1"/>
+              <a:t>Where</a:t>
+            </a:r>
+            <a:r>
+              <a:rPr lang="hu-HU" sz="1350" dirty="0"/>
+              <a:t> helyett implikáció</a:t>
+            </a:r>
+          </a:p>
+          <a:p>
+            <a:pPr marL="214313" indent="-214313">
+              <a:buFont typeface="Arial" panose="020B0604020202020204" pitchFamily="34" charset="0"/>
+              <a:buChar char="•"/>
+            </a:pPr>
+            <a:r>
+              <a:rPr lang="hu-HU" sz="1350" dirty="0"/>
+              <a:t>Tulaj hozzárendelési mátrix</a:t>
+            </a:r>
+          </a:p>
+          <a:p>
+            <a:pPr marL="214313" indent="-214313">
+              <a:buFont typeface="Arial" panose="020B0604020202020204" pitchFamily="34" charset="0"/>
+              <a:buChar char="•"/>
+            </a:pPr>
+            <a:r>
+              <a:rPr lang="hu-HU" sz="1350" dirty="0"/>
+              <a:t>Termény halmazok</a:t>
+            </a:r>
+          </a:p>
+          <a:p>
+            <a:pPr marL="214313" indent="-214313">
+              <a:buFont typeface="Arial" panose="020B0604020202020204" pitchFamily="34" charset="0"/>
+              <a:buChar char="•"/>
+            </a:pPr>
+            <a:r>
+              <a:rPr lang="hu-HU" sz="1350" dirty="0"/>
+              <a:t>Integer mátrix</a:t>
+            </a:r>
+          </a:p>
+          <a:p>
+            <a:pPr marL="214313" indent="-214313">
+              <a:buFont typeface="Arial" panose="020B0604020202020204" pitchFamily="34" charset="0"/>
+              <a:buChar char="•"/>
+            </a:pPr>
+            <a:r>
+              <a:rPr lang="hu-HU" sz="1350" dirty="0"/>
+              <a:t>Kimenet</a:t>
+            </a:r>
           </a:p>
         </p:txBody>
       </p:sp>
     </p:spTree>
     <p:extLst>
       <p:ext uri="{BB962C8B-B14F-4D97-AF65-F5344CB8AC3E}">
-        <p14:creationId xmlns:p14="http://schemas.microsoft.com/office/powerpoint/2010/main" val="3841807345"/>
+        <p14:creationId xmlns:p14="http://schemas.microsoft.com/office/powerpoint/2010/main" val="3873893493"/>
       </p:ext>
     </p:extLst>
   </p:cSld>
@@ -4807,7 +4682,7 @@
           <p:cNvPr id="2" name="Cím 1">
             <a:extLst>
               <a:ext uri="{FF2B5EF4-FFF2-40B4-BE49-F238E27FC236}">
-                <a16:creationId xmlns:a16="http://schemas.microsoft.com/office/drawing/2014/main" id="{1D4955D7-34CA-43AC-A84B-A6B413D2A4B3}"/>
+                <a16:creationId xmlns:a16="http://schemas.microsoft.com/office/drawing/2014/main" id="{DCCECEDE-C074-41DA-84C8-BDCA2FDBD582}"/>
               </a:ext>
             </a:extLst>
           </p:cNvPr>
@@ -4826,8 +4701,37 @@
             <a:pPr algn="ctr"/>
             <a:r>
               <a:rPr lang="hu-HU" dirty="0"/>
-              <a:t>Redundáns megkötések</a:t>
-            </a:r>
+              <a:t>Teszteredmények</a:t>
+            </a:r>
+          </a:p>
+        </p:txBody>
+      </p:sp>
+      <p:sp>
+        <p:nvSpPr>
+          <p:cNvPr id="4" name="Dia számának helye 3">
+            <a:extLst>
+              <a:ext uri="{FF2B5EF4-FFF2-40B4-BE49-F238E27FC236}">
+                <a16:creationId xmlns:a16="http://schemas.microsoft.com/office/drawing/2014/main" id="{AD8C5EE1-236C-4F83-B6B6-0315500CBF70}"/>
+              </a:ext>
+            </a:extLst>
+          </p:cNvPr>
+          <p:cNvSpPr>
+            <a:spLocks noGrp="1"/>
+          </p:cNvSpPr>
+          <p:nvPr>
+            <p:ph type="sldNum" sz="quarter" idx="12"/>
+          </p:nvPr>
+        </p:nvSpPr>
+        <p:spPr/>
+        <p:txBody>
+          <a:bodyPr/>
+          <a:lstStyle/>
+          <a:p>
+            <a:fld id="{676786BD-618E-4F38-B087-5D1176D55033}" type="slidenum">
+              <a:rPr lang="hu-HU" smtClean="0"/>
+              <a:t>8</a:t>
+            </a:fld>
+            <a:endParaRPr lang="hu-HU"/>
           </a:p>
         </p:txBody>
       </p:sp>
@@ -4836,7 +4740,7 @@
           <p:cNvPr id="3" name="Szövegdoboz 2">
             <a:extLst>
               <a:ext uri="{FF2B5EF4-FFF2-40B4-BE49-F238E27FC236}">
-                <a16:creationId xmlns:a16="http://schemas.microsoft.com/office/drawing/2014/main" id="{1F54668F-222D-40E1-AF6E-74382E4A49CF}"/>
+                <a16:creationId xmlns:a16="http://schemas.microsoft.com/office/drawing/2014/main" id="{BAAEAD85-A443-4994-A56B-80BE988BBC20}"/>
               </a:ext>
             </a:extLst>
           </p:cNvPr>
@@ -4845,8 +4749,8 @@
         </p:nvSpPr>
         <p:spPr>
           <a:xfrm>
-            <a:off x="152400" y="1900989"/>
-            <a:ext cx="11823032" cy="646331"/>
+            <a:off x="114300" y="2282992"/>
+            <a:ext cx="8867274" cy="300082"/>
           </a:xfrm>
           <a:prstGeom prst="rect">
             <a:avLst/>
@@ -4859,68 +4763,29 @@
           </a:bodyPr>
           <a:lstStyle/>
           <a:p>
-            <a:pPr marL="285750" indent="-285750">
+            <a:pPr marL="214313" indent="-214313">
               <a:buFont typeface="Arial" panose="020B0604020202020204" pitchFamily="34" charset="0"/>
               <a:buChar char="•"/>
             </a:pPr>
             <a:r>
-              <a:rPr lang="hu-HU" dirty="0"/>
-              <a:t>„</a:t>
-            </a:r>
-            <a:r>
-              <a:rPr lang="hu-HU" dirty="0" err="1"/>
-              <a:t>kivesszuk</a:t>
-            </a:r>
-            <a:r>
-              <a:rPr lang="hu-HU" dirty="0"/>
-              <a:t>” bemutatása</a:t>
-            </a:r>
-          </a:p>
-          <a:p>
-            <a:pPr marL="285750" indent="-285750">
-              <a:buFont typeface="Arial" panose="020B0604020202020204" pitchFamily="34" charset="0"/>
-              <a:buChar char="•"/>
-            </a:pPr>
-            <a:r>
-              <a:rPr lang="hu-HU" dirty="0"/>
-              <a:t>Ábra hány kikötést lehet kiszedni</a:t>
-            </a:r>
-          </a:p>
-        </p:txBody>
-      </p:sp>
-      <p:sp>
-        <p:nvSpPr>
-          <p:cNvPr id="4" name="Dia számának helye 3">
-            <a:extLst>
-              <a:ext uri="{FF2B5EF4-FFF2-40B4-BE49-F238E27FC236}">
-                <a16:creationId xmlns:a16="http://schemas.microsoft.com/office/drawing/2014/main" id="{319D2024-D3CF-486C-8D11-F9F9E4917A04}"/>
-              </a:ext>
-            </a:extLst>
-          </p:cNvPr>
-          <p:cNvSpPr>
-            <a:spLocks noGrp="1"/>
-          </p:cNvSpPr>
-          <p:nvPr>
-            <p:ph type="sldNum" sz="quarter" idx="12"/>
-          </p:nvPr>
-        </p:nvSpPr>
-        <p:spPr/>
-        <p:txBody>
-          <a:bodyPr/>
-          <a:lstStyle/>
-          <a:p>
-            <a:fld id="{676786BD-618E-4F38-B087-5D1176D55033}" type="slidenum">
-              <a:rPr lang="hu-HU" smtClean="0"/>
-              <a:t>8</a:t>
-            </a:fld>
-            <a:endParaRPr lang="hu-HU"/>
+              <a:rPr lang="hu-HU" sz="1350" dirty="0"/>
+              <a:t>Ábra + </a:t>
+            </a:r>
+            <a:r>
+              <a:rPr lang="hu-HU" sz="1350" dirty="0" err="1"/>
+              <a:t>giant</a:t>
+            </a:r>
+            <a:r>
+              <a:rPr lang="hu-HU" sz="1350" dirty="0"/>
+              <a:t> példa is</a:t>
+            </a:r>
           </a:p>
         </p:txBody>
       </p:sp>
     </p:spTree>
     <p:extLst>
       <p:ext uri="{BB962C8B-B14F-4D97-AF65-F5344CB8AC3E}">
-        <p14:creationId xmlns:p14="http://schemas.microsoft.com/office/powerpoint/2010/main" val="100694557"/>
+        <p14:creationId xmlns:p14="http://schemas.microsoft.com/office/powerpoint/2010/main" val="3841807345"/>
       </p:ext>
     </p:extLst>
   </p:cSld>
@@ -4952,7 +4817,7 @@
           <p:cNvPr id="2" name="Cím 1">
             <a:extLst>
               <a:ext uri="{FF2B5EF4-FFF2-40B4-BE49-F238E27FC236}">
-                <a16:creationId xmlns:a16="http://schemas.microsoft.com/office/drawing/2014/main" id="{8D38B76F-95F6-45EE-A1ED-453655F28D28}"/>
+                <a16:creationId xmlns:a16="http://schemas.microsoft.com/office/drawing/2014/main" id="{1D4955D7-34CA-43AC-A84B-A6B413D2A4B3}"/>
               </a:ext>
             </a:extLst>
           </p:cNvPr>
@@ -4971,8 +4836,37 @@
             <a:pPr algn="ctr"/>
             <a:r>
               <a:rPr lang="hu-HU" dirty="0"/>
-              <a:t>Összegzés</a:t>
-            </a:r>
+              <a:t>Redundáns megkötések</a:t>
+            </a:r>
+          </a:p>
+        </p:txBody>
+      </p:sp>
+      <p:sp>
+        <p:nvSpPr>
+          <p:cNvPr id="4" name="Dia számának helye 3">
+            <a:extLst>
+              <a:ext uri="{FF2B5EF4-FFF2-40B4-BE49-F238E27FC236}">
+                <a16:creationId xmlns:a16="http://schemas.microsoft.com/office/drawing/2014/main" id="{319D2024-D3CF-486C-8D11-F9F9E4917A04}"/>
+              </a:ext>
+            </a:extLst>
+          </p:cNvPr>
+          <p:cNvSpPr>
+            <a:spLocks noGrp="1"/>
+          </p:cNvSpPr>
+          <p:nvPr>
+            <p:ph type="sldNum" sz="quarter" idx="12"/>
+          </p:nvPr>
+        </p:nvSpPr>
+        <p:spPr/>
+        <p:txBody>
+          <a:bodyPr/>
+          <a:lstStyle/>
+          <a:p>
+            <a:fld id="{676786BD-618E-4F38-B087-5D1176D55033}" type="slidenum">
+              <a:rPr lang="hu-HU" smtClean="0"/>
+              <a:t>9</a:t>
+            </a:fld>
+            <a:endParaRPr lang="hu-HU"/>
           </a:p>
         </p:txBody>
       </p:sp>
@@ -4981,7 +4875,7 @@
           <p:cNvPr id="3" name="Szövegdoboz 2">
             <a:extLst>
               <a:ext uri="{FF2B5EF4-FFF2-40B4-BE49-F238E27FC236}">
-                <a16:creationId xmlns:a16="http://schemas.microsoft.com/office/drawing/2014/main" id="{030528F3-D689-428A-BB56-A46FC1922D71}"/>
+                <a16:creationId xmlns:a16="http://schemas.microsoft.com/office/drawing/2014/main" id="{1F54668F-222D-40E1-AF6E-74382E4A49CF}"/>
               </a:ext>
             </a:extLst>
           </p:cNvPr>
@@ -4990,8 +4884,8 @@
         </p:nvSpPr>
         <p:spPr>
           <a:xfrm>
-            <a:off x="152400" y="1900989"/>
-            <a:ext cx="11823032" cy="923330"/>
+            <a:off x="114300" y="2282992"/>
+            <a:ext cx="8867274" cy="507831"/>
           </a:xfrm>
           <a:prstGeom prst="rect">
             <a:avLst/>
@@ -5004,67 +4898,39 @@
           </a:bodyPr>
           <a:lstStyle/>
           <a:p>
-            <a:pPr marL="285750" indent="-285750">
+            <a:pPr marL="214313" indent="-214313">
               <a:buFont typeface="Arial" panose="020B0604020202020204" pitchFamily="34" charset="0"/>
               <a:buChar char="•"/>
             </a:pPr>
             <a:r>
-              <a:rPr lang="hu-HU" dirty="0"/>
-              <a:t>Észrevételeink</a:t>
-            </a:r>
-          </a:p>
-          <a:p>
-            <a:pPr marL="285750" indent="-285750">
+              <a:rPr lang="hu-HU" sz="1350" dirty="0"/>
+              <a:t>„</a:t>
+            </a:r>
+            <a:r>
+              <a:rPr lang="hu-HU" sz="1350" dirty="0" err="1"/>
+              <a:t>kivesszuk</a:t>
+            </a:r>
+            <a:r>
+              <a:rPr lang="hu-HU" sz="1350" dirty="0"/>
+              <a:t>” bemutatása</a:t>
+            </a:r>
+          </a:p>
+          <a:p>
+            <a:pPr marL="214313" indent="-214313">
               <a:buFont typeface="Arial" panose="020B0604020202020204" pitchFamily="34" charset="0"/>
               <a:buChar char="•"/>
             </a:pPr>
             <a:r>
-              <a:rPr lang="hu-HU" dirty="0"/>
-              <a:t>Előnyei a módszereinknek </a:t>
-            </a:r>
-          </a:p>
-          <a:p>
-            <a:pPr marL="285750" indent="-285750">
-              <a:buFont typeface="Arial" panose="020B0604020202020204" pitchFamily="34" charset="0"/>
-              <a:buChar char="•"/>
-            </a:pPr>
-            <a:endParaRPr lang="hu-HU" dirty="0"/>
-          </a:p>
-        </p:txBody>
-      </p:sp>
-      <p:sp>
-        <p:nvSpPr>
-          <p:cNvPr id="4" name="Dia számának helye 3">
-            <a:extLst>
-              <a:ext uri="{FF2B5EF4-FFF2-40B4-BE49-F238E27FC236}">
-                <a16:creationId xmlns:a16="http://schemas.microsoft.com/office/drawing/2014/main" id="{B71D6050-03B7-4A11-BC69-7BB4B58DE597}"/>
-              </a:ext>
-            </a:extLst>
-          </p:cNvPr>
-          <p:cNvSpPr>
-            <a:spLocks noGrp="1"/>
-          </p:cNvSpPr>
-          <p:nvPr>
-            <p:ph type="sldNum" sz="quarter" idx="12"/>
-          </p:nvPr>
-        </p:nvSpPr>
-        <p:spPr/>
-        <p:txBody>
-          <a:bodyPr/>
-          <a:lstStyle/>
-          <a:p>
-            <a:fld id="{676786BD-618E-4F38-B087-5D1176D55033}" type="slidenum">
-              <a:rPr lang="hu-HU" smtClean="0"/>
-              <a:t>9</a:t>
-            </a:fld>
-            <a:endParaRPr lang="hu-HU"/>
+              <a:rPr lang="hu-HU" sz="1350" dirty="0"/>
+              <a:t>Ábra hány kikötést lehet kiszedni</a:t>
+            </a:r>
           </a:p>
         </p:txBody>
       </p:sp>
     </p:spTree>
     <p:extLst>
       <p:ext uri="{BB962C8B-B14F-4D97-AF65-F5344CB8AC3E}">
-        <p14:creationId xmlns:p14="http://schemas.microsoft.com/office/powerpoint/2010/main" val="4280160022"/>
+        <p14:creationId xmlns:p14="http://schemas.microsoft.com/office/powerpoint/2010/main" val="100694557"/>
       </p:ext>
     </p:extLst>
   </p:cSld>
@@ -5077,7 +4943,7 @@
 <file path=ppt/theme/theme1.xml><?xml version="1.0" encoding="utf-8"?>
 <a:theme xmlns:a="http://schemas.openxmlformats.org/drawingml/2006/main" name="Office-téma">
   <a:themeElements>
-    <a:clrScheme name="Office">
+    <a:clrScheme name="Office-téma">
       <a:dk1>
         <a:sysClr val="windowText" lastClr="000000"/>
       </a:dk1>
@@ -5091,7 +4957,7 @@
         <a:srgbClr val="E7E6E6"/>
       </a:lt2>
       <a:accent1>
-        <a:srgbClr val="4472C4"/>
+        <a:srgbClr val="5B9BD5"/>
       </a:accent1>
       <a:accent2>
         <a:srgbClr val="ED7D31"/>
@@ -5103,7 +4969,7 @@
         <a:srgbClr val="FFC000"/>
       </a:accent4>
       <a:accent5>
-        <a:srgbClr val="5B9BD5"/>
+        <a:srgbClr val="4472C4"/>
       </a:accent5>
       <a:accent6>
         <a:srgbClr val="70AD47"/>
@@ -5115,7 +4981,7 @@
         <a:srgbClr val="954F72"/>
       </a:folHlink>
     </a:clrScheme>
-    <a:fontScheme name="Office">
+    <a:fontScheme name="Office-téma">
       <a:majorFont>
         <a:latin typeface="Calibri Light" panose="020F0302020204030204"/>
         <a:ea typeface=""/>
@@ -5150,23 +5016,6 @@
         <a:font script="Viet" typeface="Times New Roman"/>
         <a:font script="Uigh" typeface="Microsoft Uighur"/>
         <a:font script="Geor" typeface="Sylfaen"/>
-        <a:font script="Armn" typeface="Arial"/>
-        <a:font script="Bugi" typeface="Leelawadee UI"/>
-        <a:font script="Bopo" typeface="Microsoft JhengHei"/>
-        <a:font script="Java" typeface="Javanese Text"/>
-        <a:font script="Lisu" typeface="Segoe UI"/>
-        <a:font script="Mymr" typeface="Myanmar Text"/>
-        <a:font script="Nkoo" typeface="Ebrima"/>
-        <a:font script="Olck" typeface="Nirmala UI"/>
-        <a:font script="Osma" typeface="Ebrima"/>
-        <a:font script="Phag" typeface="Phagspa"/>
-        <a:font script="Syrn" typeface="Estrangelo Edessa"/>
-        <a:font script="Syrj" typeface="Estrangelo Edessa"/>
-        <a:font script="Syre" typeface="Estrangelo Edessa"/>
-        <a:font script="Sora" typeface="Nirmala UI"/>
-        <a:font script="Tale" typeface="Microsoft Tai Le"/>
-        <a:font script="Talu" typeface="Microsoft New Tai Lue"/>
-        <a:font script="Tfng" typeface="Ebrima"/>
       </a:majorFont>
       <a:minorFont>
         <a:latin typeface="Calibri" panose="020F0502020204030204"/>
@@ -5202,26 +5051,9 @@
         <a:font script="Viet" typeface="Arial"/>
         <a:font script="Uigh" typeface="Microsoft Uighur"/>
         <a:font script="Geor" typeface="Sylfaen"/>
-        <a:font script="Armn" typeface="Arial"/>
-        <a:font script="Bugi" typeface="Leelawadee UI"/>
-        <a:font script="Bopo" typeface="Microsoft JhengHei"/>
-        <a:font script="Java" typeface="Javanese Text"/>
-        <a:font script="Lisu" typeface="Segoe UI"/>
-        <a:font script="Mymr" typeface="Myanmar Text"/>
-        <a:font script="Nkoo" typeface="Ebrima"/>
-        <a:font script="Olck" typeface="Nirmala UI"/>
-        <a:font script="Osma" typeface="Ebrima"/>
-        <a:font script="Phag" typeface="Phagspa"/>
-        <a:font script="Syrn" typeface="Estrangelo Edessa"/>
-        <a:font script="Syrj" typeface="Estrangelo Edessa"/>
-        <a:font script="Syre" typeface="Estrangelo Edessa"/>
-        <a:font script="Sora" typeface="Nirmala UI"/>
-        <a:font script="Tale" typeface="Microsoft Tai Le"/>
-        <a:font script="Talu" typeface="Microsoft New Tai Lue"/>
-        <a:font script="Tfng" typeface="Ebrima"/>
       </a:minorFont>
     </a:fontScheme>
-    <a:fmtScheme name="Office">
+    <a:fmtScheme name="Office-téma">
       <a:fillStyleLst>
         <a:solidFill>
           <a:schemeClr val="phClr"/>

--- a/CP_Dolgozat/Előadás/Logikai feladványok megoldása korlátprogramozással.pptx
+++ b/CP_Dolgozat/Előadás/Logikai feladványok megoldása korlátprogramozással.pptx
@@ -5,20 +5,24 @@
     <p:sldMasterId id="2147483660" r:id="rId1"/>
   </p:sldMasterIdLst>
   <p:notesMasterIdLst>
-    <p:notesMasterId r:id="rId13"/>
+    <p:notesMasterId r:id="rId17"/>
   </p:notesMasterIdLst>
   <p:sldIdLst>
     <p:sldId id="256" r:id="rId2"/>
     <p:sldId id="266" r:id="rId3"/>
-    <p:sldId id="263" r:id="rId4"/>
-    <p:sldId id="258" r:id="rId5"/>
-    <p:sldId id="257" r:id="rId6"/>
+    <p:sldId id="258" r:id="rId4"/>
+    <p:sldId id="257" r:id="rId5"/>
+    <p:sldId id="267" r:id="rId6"/>
     <p:sldId id="260" r:id="rId7"/>
-    <p:sldId id="259" r:id="rId8"/>
-    <p:sldId id="261" r:id="rId9"/>
-    <p:sldId id="262" r:id="rId10"/>
-    <p:sldId id="264" r:id="rId11"/>
-    <p:sldId id="265" r:id="rId12"/>
+    <p:sldId id="270" r:id="rId8"/>
+    <p:sldId id="259" r:id="rId9"/>
+    <p:sldId id="268" r:id="rId10"/>
+    <p:sldId id="271" r:id="rId11"/>
+    <p:sldId id="261" r:id="rId12"/>
+    <p:sldId id="269" r:id="rId13"/>
+    <p:sldId id="262" r:id="rId14"/>
+    <p:sldId id="264" r:id="rId15"/>
+    <p:sldId id="265" r:id="rId16"/>
   </p:sldIdLst>
   <p:sldSz cx="9144000" cy="6858000" type="screen4x3"/>
   <p:notesSz cx="6858000" cy="9144000"/>
@@ -207,7 +211,7 @@
           <a:p>
             <a:fld id="{D216282D-D81D-4BF8-9895-AC698DE2A975}" type="datetimeFigureOut">
               <a:rPr lang="hu-HU" smtClean="0"/>
-              <a:t>2018. 04. 04.</a:t>
+              <a:t>2018. 04. 06.</a:t>
             </a:fld>
             <a:endParaRPr lang="hu-HU"/>
           </a:p>
@@ -516,7 +520,7 @@
           </a:lstStyle>
           <a:p>
             <a:r>
-              <a:rPr lang="hu-HU" smtClean="0"/>
+              <a:rPr lang="hu-HU"/>
               <a:t>Mintacím szerkesztése</a:t>
             </a:r>
             <a:endParaRPr lang="en-US" dirty="0"/>
@@ -581,7 +585,7 @@
           </a:lstStyle>
           <a:p>
             <a:r>
-              <a:rPr lang="hu-HU" smtClean="0"/>
+              <a:rPr lang="hu-HU"/>
               <a:t>Kattintson ide az alcím mintájának szerkesztéséhez</a:t>
             </a:r>
             <a:endParaRPr lang="en-US" dirty="0"/>
@@ -605,7 +609,7 @@
           <a:p>
             <a:fld id="{E312C87B-02A7-472E-A63B-E2AA6EA769CA}" type="datetime1">
               <a:rPr lang="hu-HU" smtClean="0"/>
-              <a:t>2018. 04. 04.</a:t>
+              <a:t>2018. 04. 06.</a:t>
             </a:fld>
             <a:endParaRPr lang="hu-HU"/>
           </a:p>
@@ -699,7 +703,7 @@
           <a:lstStyle/>
           <a:p>
             <a:r>
-              <a:rPr lang="hu-HU" smtClean="0"/>
+              <a:rPr lang="hu-HU"/>
               <a:t>Mintacím szerkesztése</a:t>
             </a:r>
             <a:endParaRPr lang="en-US" dirty="0"/>
@@ -723,35 +727,35 @@
           <a:p>
             <a:pPr lvl="0"/>
             <a:r>
-              <a:rPr lang="hu-HU" smtClean="0"/>
+              <a:rPr lang="hu-HU"/>
               <a:t>Mintaszöveg szerkesztése</a:t>
             </a:r>
           </a:p>
           <a:p>
             <a:pPr lvl="1"/>
             <a:r>
-              <a:rPr lang="hu-HU" smtClean="0"/>
+              <a:rPr lang="hu-HU"/>
               <a:t>Második szint</a:t>
             </a:r>
           </a:p>
           <a:p>
             <a:pPr lvl="2"/>
             <a:r>
-              <a:rPr lang="hu-HU" smtClean="0"/>
+              <a:rPr lang="hu-HU"/>
               <a:t>Harmadik szint</a:t>
             </a:r>
           </a:p>
           <a:p>
             <a:pPr lvl="3"/>
             <a:r>
-              <a:rPr lang="hu-HU" smtClean="0"/>
+              <a:rPr lang="hu-HU"/>
               <a:t>Negyedik szint</a:t>
             </a:r>
           </a:p>
           <a:p>
             <a:pPr lvl="4"/>
             <a:r>
-              <a:rPr lang="hu-HU" smtClean="0"/>
+              <a:rPr lang="hu-HU"/>
               <a:t>Ötödik szint</a:t>
             </a:r>
             <a:endParaRPr lang="en-US" dirty="0"/>
@@ -775,7 +779,7 @@
           <a:p>
             <a:fld id="{3B5D9C6B-342B-4BF9-8B1A-D54914C7E78B}" type="datetime1">
               <a:rPr lang="hu-HU" smtClean="0"/>
-              <a:t>2018. 04. 04.</a:t>
+              <a:t>2018. 04. 06.</a:t>
             </a:fld>
             <a:endParaRPr lang="hu-HU"/>
           </a:p>
@@ -874,7 +878,7 @@
           <a:lstStyle/>
           <a:p>
             <a:r>
-              <a:rPr lang="hu-HU" smtClean="0"/>
+              <a:rPr lang="hu-HU"/>
               <a:t>Mintacím szerkesztése</a:t>
             </a:r>
             <a:endParaRPr lang="en-US" dirty="0"/>
@@ -903,35 +907,35 @@
           <a:p>
             <a:pPr lvl="0"/>
             <a:r>
-              <a:rPr lang="hu-HU" smtClean="0"/>
+              <a:rPr lang="hu-HU"/>
               <a:t>Mintaszöveg szerkesztése</a:t>
             </a:r>
           </a:p>
           <a:p>
             <a:pPr lvl="1"/>
             <a:r>
-              <a:rPr lang="hu-HU" smtClean="0"/>
+              <a:rPr lang="hu-HU"/>
               <a:t>Második szint</a:t>
             </a:r>
           </a:p>
           <a:p>
             <a:pPr lvl="2"/>
             <a:r>
-              <a:rPr lang="hu-HU" smtClean="0"/>
+              <a:rPr lang="hu-HU"/>
               <a:t>Harmadik szint</a:t>
             </a:r>
           </a:p>
           <a:p>
             <a:pPr lvl="3"/>
             <a:r>
-              <a:rPr lang="hu-HU" smtClean="0"/>
+              <a:rPr lang="hu-HU"/>
               <a:t>Negyedik szint</a:t>
             </a:r>
           </a:p>
           <a:p>
             <a:pPr lvl="4"/>
             <a:r>
-              <a:rPr lang="hu-HU" smtClean="0"/>
+              <a:rPr lang="hu-HU"/>
               <a:t>Ötödik szint</a:t>
             </a:r>
             <a:endParaRPr lang="en-US" dirty="0"/>
@@ -955,7 +959,7 @@
           <a:p>
             <a:fld id="{46B01E20-0B80-441C-A219-14B0C111F8A4}" type="datetime1">
               <a:rPr lang="hu-HU" smtClean="0"/>
-              <a:t>2018. 04. 04.</a:t>
+              <a:t>2018. 04. 06.</a:t>
             </a:fld>
             <a:endParaRPr lang="hu-HU"/>
           </a:p>
@@ -1049,7 +1053,7 @@
           <a:lstStyle/>
           <a:p>
             <a:r>
-              <a:rPr lang="hu-HU" smtClean="0"/>
+              <a:rPr lang="hu-HU"/>
               <a:t>Mintacím szerkesztése</a:t>
             </a:r>
             <a:endParaRPr lang="en-US" dirty="0"/>
@@ -1073,35 +1077,35 @@
           <a:p>
             <a:pPr lvl="0"/>
             <a:r>
-              <a:rPr lang="hu-HU" smtClean="0"/>
+              <a:rPr lang="hu-HU"/>
               <a:t>Mintaszöveg szerkesztése</a:t>
             </a:r>
           </a:p>
           <a:p>
             <a:pPr lvl="1"/>
             <a:r>
-              <a:rPr lang="hu-HU" smtClean="0"/>
+              <a:rPr lang="hu-HU"/>
               <a:t>Második szint</a:t>
             </a:r>
           </a:p>
           <a:p>
             <a:pPr lvl="2"/>
             <a:r>
-              <a:rPr lang="hu-HU" smtClean="0"/>
+              <a:rPr lang="hu-HU"/>
               <a:t>Harmadik szint</a:t>
             </a:r>
           </a:p>
           <a:p>
             <a:pPr lvl="3"/>
             <a:r>
-              <a:rPr lang="hu-HU" smtClean="0"/>
+              <a:rPr lang="hu-HU"/>
               <a:t>Negyedik szint</a:t>
             </a:r>
           </a:p>
           <a:p>
             <a:pPr lvl="4"/>
             <a:r>
-              <a:rPr lang="hu-HU" smtClean="0"/>
+              <a:rPr lang="hu-HU"/>
               <a:t>Ötödik szint</a:t>
             </a:r>
             <a:endParaRPr lang="en-US" dirty="0"/>
@@ -1125,7 +1129,7 @@
           <a:p>
             <a:fld id="{F11C61C5-A889-458F-89AF-EEE72626CAE9}" type="datetime1">
               <a:rPr lang="hu-HU" smtClean="0"/>
-              <a:t>2018. 04. 04.</a:t>
+              <a:t>2018. 04. 06.</a:t>
             </a:fld>
             <a:endParaRPr lang="hu-HU"/>
           </a:p>
@@ -1228,7 +1232,7 @@
           </a:lstStyle>
           <a:p>
             <a:r>
-              <a:rPr lang="hu-HU" smtClean="0"/>
+              <a:rPr lang="hu-HU"/>
               <a:t>Mintacím szerkesztése</a:t>
             </a:r>
             <a:endParaRPr lang="en-US" dirty="0"/>
@@ -1346,7 +1350,7 @@
           <a:p>
             <a:pPr lvl="0"/>
             <a:r>
-              <a:rPr lang="hu-HU" smtClean="0"/>
+              <a:rPr lang="hu-HU"/>
               <a:t>Mintaszöveg szerkesztése</a:t>
             </a:r>
           </a:p>
@@ -1369,7 +1373,7 @@
           <a:p>
             <a:fld id="{B7685D89-7BCE-478D-AB70-4D9B0230C013}" type="datetime1">
               <a:rPr lang="hu-HU" smtClean="0"/>
-              <a:t>2018. 04. 04.</a:t>
+              <a:t>2018. 04. 06.</a:t>
             </a:fld>
             <a:endParaRPr lang="hu-HU"/>
           </a:p>
@@ -1463,7 +1467,7 @@
           <a:lstStyle/>
           <a:p>
             <a:r>
-              <a:rPr lang="hu-HU" smtClean="0"/>
+              <a:rPr lang="hu-HU"/>
               <a:t>Mintacím szerkesztése</a:t>
             </a:r>
             <a:endParaRPr lang="en-US" dirty="0"/>
@@ -1492,35 +1496,35 @@
           <a:p>
             <a:pPr lvl="0"/>
             <a:r>
-              <a:rPr lang="hu-HU" smtClean="0"/>
+              <a:rPr lang="hu-HU"/>
               <a:t>Mintaszöveg szerkesztése</a:t>
             </a:r>
           </a:p>
           <a:p>
             <a:pPr lvl="1"/>
             <a:r>
-              <a:rPr lang="hu-HU" smtClean="0"/>
+              <a:rPr lang="hu-HU"/>
               <a:t>Második szint</a:t>
             </a:r>
           </a:p>
           <a:p>
             <a:pPr lvl="2"/>
             <a:r>
-              <a:rPr lang="hu-HU" smtClean="0"/>
+              <a:rPr lang="hu-HU"/>
               <a:t>Harmadik szint</a:t>
             </a:r>
           </a:p>
           <a:p>
             <a:pPr lvl="3"/>
             <a:r>
-              <a:rPr lang="hu-HU" smtClean="0"/>
+              <a:rPr lang="hu-HU"/>
               <a:t>Negyedik szint</a:t>
             </a:r>
           </a:p>
           <a:p>
             <a:pPr lvl="4"/>
             <a:r>
-              <a:rPr lang="hu-HU" smtClean="0"/>
+              <a:rPr lang="hu-HU"/>
               <a:t>Ötödik szint</a:t>
             </a:r>
             <a:endParaRPr lang="en-US" dirty="0"/>
@@ -1549,35 +1553,35 @@
           <a:p>
             <a:pPr lvl="0"/>
             <a:r>
-              <a:rPr lang="hu-HU" smtClean="0"/>
+              <a:rPr lang="hu-HU"/>
               <a:t>Mintaszöveg szerkesztése</a:t>
             </a:r>
           </a:p>
           <a:p>
             <a:pPr lvl="1"/>
             <a:r>
-              <a:rPr lang="hu-HU" smtClean="0"/>
+              <a:rPr lang="hu-HU"/>
               <a:t>Második szint</a:t>
             </a:r>
           </a:p>
           <a:p>
             <a:pPr lvl="2"/>
             <a:r>
-              <a:rPr lang="hu-HU" smtClean="0"/>
+              <a:rPr lang="hu-HU"/>
               <a:t>Harmadik szint</a:t>
             </a:r>
           </a:p>
           <a:p>
             <a:pPr lvl="3"/>
             <a:r>
-              <a:rPr lang="hu-HU" smtClean="0"/>
+              <a:rPr lang="hu-HU"/>
               <a:t>Negyedik szint</a:t>
             </a:r>
           </a:p>
           <a:p>
             <a:pPr lvl="4"/>
             <a:r>
-              <a:rPr lang="hu-HU" smtClean="0"/>
+              <a:rPr lang="hu-HU"/>
               <a:t>Ötödik szint</a:t>
             </a:r>
             <a:endParaRPr lang="en-US" dirty="0"/>
@@ -1601,7 +1605,7 @@
           <a:p>
             <a:fld id="{342A6DF3-9923-4C9E-B5CF-2760C80C9AAE}" type="datetime1">
               <a:rPr lang="hu-HU" smtClean="0"/>
-              <a:t>2018. 04. 04.</a:t>
+              <a:t>2018. 04. 06.</a:t>
             </a:fld>
             <a:endParaRPr lang="hu-HU"/>
           </a:p>
@@ -1700,7 +1704,7 @@
           <a:lstStyle/>
           <a:p>
             <a:r>
-              <a:rPr lang="hu-HU" smtClean="0"/>
+              <a:rPr lang="hu-HU"/>
               <a:t>Mintacím szerkesztése</a:t>
             </a:r>
             <a:endParaRPr lang="en-US" dirty="0"/>
@@ -1766,7 +1770,7 @@
           <a:p>
             <a:pPr lvl="0"/>
             <a:r>
-              <a:rPr lang="hu-HU" smtClean="0"/>
+              <a:rPr lang="hu-HU"/>
               <a:t>Mintaszöveg szerkesztése</a:t>
             </a:r>
           </a:p>
@@ -1794,35 +1798,35 @@
           <a:p>
             <a:pPr lvl="0"/>
             <a:r>
-              <a:rPr lang="hu-HU" smtClean="0"/>
+              <a:rPr lang="hu-HU"/>
               <a:t>Mintaszöveg szerkesztése</a:t>
             </a:r>
           </a:p>
           <a:p>
             <a:pPr lvl="1"/>
             <a:r>
-              <a:rPr lang="hu-HU" smtClean="0"/>
+              <a:rPr lang="hu-HU"/>
               <a:t>Második szint</a:t>
             </a:r>
           </a:p>
           <a:p>
             <a:pPr lvl="2"/>
             <a:r>
-              <a:rPr lang="hu-HU" smtClean="0"/>
+              <a:rPr lang="hu-HU"/>
               <a:t>Harmadik szint</a:t>
             </a:r>
           </a:p>
           <a:p>
             <a:pPr lvl="3"/>
             <a:r>
-              <a:rPr lang="hu-HU" smtClean="0"/>
+              <a:rPr lang="hu-HU"/>
               <a:t>Negyedik szint</a:t>
             </a:r>
           </a:p>
           <a:p>
             <a:pPr lvl="4"/>
             <a:r>
-              <a:rPr lang="hu-HU" smtClean="0"/>
+              <a:rPr lang="hu-HU"/>
               <a:t>Ötödik szint</a:t>
             </a:r>
             <a:endParaRPr lang="en-US" dirty="0"/>
@@ -1888,7 +1892,7 @@
           <a:p>
             <a:pPr lvl="0"/>
             <a:r>
-              <a:rPr lang="hu-HU" smtClean="0"/>
+              <a:rPr lang="hu-HU"/>
               <a:t>Mintaszöveg szerkesztése</a:t>
             </a:r>
           </a:p>
@@ -1916,35 +1920,35 @@
           <a:p>
             <a:pPr lvl="0"/>
             <a:r>
-              <a:rPr lang="hu-HU" smtClean="0"/>
+              <a:rPr lang="hu-HU"/>
               <a:t>Mintaszöveg szerkesztése</a:t>
             </a:r>
           </a:p>
           <a:p>
             <a:pPr lvl="1"/>
             <a:r>
-              <a:rPr lang="hu-HU" smtClean="0"/>
+              <a:rPr lang="hu-HU"/>
               <a:t>Második szint</a:t>
             </a:r>
           </a:p>
           <a:p>
             <a:pPr lvl="2"/>
             <a:r>
-              <a:rPr lang="hu-HU" smtClean="0"/>
+              <a:rPr lang="hu-HU"/>
               <a:t>Harmadik szint</a:t>
             </a:r>
           </a:p>
           <a:p>
             <a:pPr lvl="3"/>
             <a:r>
-              <a:rPr lang="hu-HU" smtClean="0"/>
+              <a:rPr lang="hu-HU"/>
               <a:t>Negyedik szint</a:t>
             </a:r>
           </a:p>
           <a:p>
             <a:pPr lvl="4"/>
             <a:r>
-              <a:rPr lang="hu-HU" smtClean="0"/>
+              <a:rPr lang="hu-HU"/>
               <a:t>Ötödik szint</a:t>
             </a:r>
             <a:endParaRPr lang="en-US" dirty="0"/>
@@ -1968,7 +1972,7 @@
           <a:p>
             <a:fld id="{CCB70A02-F1D2-4B6F-A5C9-21ECF68D20F7}" type="datetime1">
               <a:rPr lang="hu-HU" smtClean="0"/>
-              <a:t>2018. 04. 04.</a:t>
+              <a:t>2018. 04. 06.</a:t>
             </a:fld>
             <a:endParaRPr lang="hu-HU"/>
           </a:p>
@@ -2062,7 +2066,7 @@
           <a:lstStyle/>
           <a:p>
             <a:r>
-              <a:rPr lang="hu-HU" smtClean="0"/>
+              <a:rPr lang="hu-HU"/>
               <a:t>Mintacím szerkesztése</a:t>
             </a:r>
             <a:endParaRPr lang="en-US" dirty="0"/>
@@ -2086,7 +2090,7 @@
           <a:p>
             <a:fld id="{4B958066-8305-4AEE-AA62-5F8D66DBDEB8}" type="datetime1">
               <a:rPr lang="hu-HU" smtClean="0"/>
-              <a:t>2018. 04. 04.</a:t>
+              <a:t>2018. 04. 06.</a:t>
             </a:fld>
             <a:endParaRPr lang="hu-HU"/>
           </a:p>
@@ -2181,7 +2185,7 @@
           <a:p>
             <a:fld id="{837CA921-3F6C-4D1B-845A-272145B802A9}" type="datetime1">
               <a:rPr lang="hu-HU" smtClean="0"/>
-              <a:t>2018. 04. 04.</a:t>
+              <a:t>2018. 04. 06.</a:t>
             </a:fld>
             <a:endParaRPr lang="hu-HU"/>
           </a:p>
@@ -2284,7 +2288,7 @@
           </a:lstStyle>
           <a:p>
             <a:r>
-              <a:rPr lang="hu-HU" smtClean="0"/>
+              <a:rPr lang="hu-HU"/>
               <a:t>Mintacím szerkesztése</a:t>
             </a:r>
             <a:endParaRPr lang="en-US" dirty="0"/>
@@ -2341,35 +2345,35 @@
           <a:p>
             <a:pPr lvl="0"/>
             <a:r>
-              <a:rPr lang="hu-HU" smtClean="0"/>
+              <a:rPr lang="hu-HU"/>
               <a:t>Mintaszöveg szerkesztése</a:t>
             </a:r>
           </a:p>
           <a:p>
             <a:pPr lvl="1"/>
             <a:r>
-              <a:rPr lang="hu-HU" smtClean="0"/>
+              <a:rPr lang="hu-HU"/>
               <a:t>Második szint</a:t>
             </a:r>
           </a:p>
           <a:p>
             <a:pPr lvl="2"/>
             <a:r>
-              <a:rPr lang="hu-HU" smtClean="0"/>
+              <a:rPr lang="hu-HU"/>
               <a:t>Harmadik szint</a:t>
             </a:r>
           </a:p>
           <a:p>
             <a:pPr lvl="3"/>
             <a:r>
-              <a:rPr lang="hu-HU" smtClean="0"/>
+              <a:rPr lang="hu-HU"/>
               <a:t>Negyedik szint</a:t>
             </a:r>
           </a:p>
           <a:p>
             <a:pPr lvl="4"/>
             <a:r>
-              <a:rPr lang="hu-HU" smtClean="0"/>
+              <a:rPr lang="hu-HU"/>
               <a:t>Ötödik szint</a:t>
             </a:r>
             <a:endParaRPr lang="en-US" dirty="0"/>
@@ -2435,7 +2439,7 @@
           <a:p>
             <a:pPr lvl="0"/>
             <a:r>
-              <a:rPr lang="hu-HU" smtClean="0"/>
+              <a:rPr lang="hu-HU"/>
               <a:t>Mintaszöveg szerkesztése</a:t>
             </a:r>
           </a:p>
@@ -2458,7 +2462,7 @@
           <a:p>
             <a:fld id="{69BB093D-7842-40CD-B34D-93DEC9DF4129}" type="datetime1">
               <a:rPr lang="hu-HU" smtClean="0"/>
-              <a:t>2018. 04. 04.</a:t>
+              <a:t>2018. 04. 06.</a:t>
             </a:fld>
             <a:endParaRPr lang="hu-HU"/>
           </a:p>
@@ -2561,7 +2565,7 @@
           </a:lstStyle>
           <a:p>
             <a:r>
-              <a:rPr lang="hu-HU" smtClean="0"/>
+              <a:rPr lang="hu-HU"/>
               <a:t>Mintacím szerkesztése</a:t>
             </a:r>
             <a:endParaRPr lang="en-US" dirty="0"/>
@@ -2626,7 +2630,7 @@
           </a:lstStyle>
           <a:p>
             <a:r>
-              <a:rPr lang="hu-HU" smtClean="0"/>
+              <a:rPr lang="hu-HU"/>
               <a:t>Kép beszúrásához kattintson az ikonra</a:t>
             </a:r>
             <a:endParaRPr lang="en-US" dirty="0"/>
@@ -2692,7 +2696,7 @@
           <a:p>
             <a:pPr lvl="0"/>
             <a:r>
-              <a:rPr lang="hu-HU" smtClean="0"/>
+              <a:rPr lang="hu-HU"/>
               <a:t>Mintaszöveg szerkesztése</a:t>
             </a:r>
           </a:p>
@@ -2715,7 +2719,7 @@
           <a:p>
             <a:fld id="{FC4EE55C-E42C-44F1-898C-4145C2FBF83B}" type="datetime1">
               <a:rPr lang="hu-HU" smtClean="0"/>
-              <a:t>2018. 04. 04.</a:t>
+              <a:t>2018. 04. 06.</a:t>
             </a:fld>
             <a:endParaRPr lang="hu-HU"/>
           </a:p>
@@ -2824,7 +2828,7 @@
           <a:lstStyle/>
           <a:p>
             <a:r>
-              <a:rPr lang="hu-HU" smtClean="0"/>
+              <a:rPr lang="hu-HU"/>
               <a:t>Mintacím szerkesztése</a:t>
             </a:r>
             <a:endParaRPr lang="en-US" dirty="0"/>
@@ -2858,35 +2862,35 @@
           <a:p>
             <a:pPr lvl="0"/>
             <a:r>
-              <a:rPr lang="hu-HU" smtClean="0"/>
+              <a:rPr lang="hu-HU"/>
               <a:t>Mintaszöveg szerkesztése</a:t>
             </a:r>
           </a:p>
           <a:p>
             <a:pPr lvl="1"/>
             <a:r>
-              <a:rPr lang="hu-HU" smtClean="0"/>
+              <a:rPr lang="hu-HU"/>
               <a:t>Második szint</a:t>
             </a:r>
           </a:p>
           <a:p>
             <a:pPr lvl="2"/>
             <a:r>
-              <a:rPr lang="hu-HU" smtClean="0"/>
+              <a:rPr lang="hu-HU"/>
               <a:t>Harmadik szint</a:t>
             </a:r>
           </a:p>
           <a:p>
             <a:pPr lvl="3"/>
             <a:r>
-              <a:rPr lang="hu-HU" smtClean="0"/>
+              <a:rPr lang="hu-HU"/>
               <a:t>Negyedik szint</a:t>
             </a:r>
           </a:p>
           <a:p>
             <a:pPr lvl="4"/>
             <a:r>
-              <a:rPr lang="hu-HU" smtClean="0"/>
+              <a:rPr lang="hu-HU"/>
               <a:t>Ötödik szint</a:t>
             </a:r>
             <a:endParaRPr lang="en-US" dirty="0"/>
@@ -2928,7 +2932,7 @@
           <a:p>
             <a:fld id="{D6FEAC61-D054-47B6-B1A3-F182E84601BD}" type="datetime1">
               <a:rPr lang="hu-HU" smtClean="0"/>
-              <a:t>2018. 04. 04.</a:t>
+              <a:t>2018. 04. 06.</a:t>
             </a:fld>
             <a:endParaRPr lang="hu-HU"/>
           </a:p>
@@ -3461,7 +3465,7 @@
           <p:cNvPr id="2" name="Cím 1">
             <a:extLst>
               <a:ext uri="{FF2B5EF4-FFF2-40B4-BE49-F238E27FC236}">
-                <a16:creationId xmlns:a16="http://schemas.microsoft.com/office/drawing/2014/main" id="{8D38B76F-95F6-45EE-A1ED-453655F28D28}"/>
+                <a16:creationId xmlns:a16="http://schemas.microsoft.com/office/drawing/2014/main" id="{09411F1E-27C1-4AE8-AE32-00B88150B9E2}"/>
               </a:ext>
             </a:extLst>
           </p:cNvPr>
@@ -3480,7 +3484,15 @@
             <a:pPr algn="ctr"/>
             <a:r>
               <a:rPr lang="hu-HU" dirty="0"/>
-              <a:t>Összegzés</a:t>
+              <a:t>„</a:t>
+            </a:r>
+            <a:r>
+              <a:rPr lang="hu-HU" dirty="0" err="1"/>
+              <a:t>Gardens</a:t>
+            </a:r>
+            <a:r>
+              <a:rPr lang="hu-HU" dirty="0"/>
+              <a:t>” feladat</a:t>
             </a:r>
           </a:p>
         </p:txBody>
@@ -3490,7 +3502,7 @@
           <p:cNvPr id="4" name="Dia számának helye 3">
             <a:extLst>
               <a:ext uri="{FF2B5EF4-FFF2-40B4-BE49-F238E27FC236}">
-                <a16:creationId xmlns:a16="http://schemas.microsoft.com/office/drawing/2014/main" id="{B71D6050-03B7-4A11-BC69-7BB4B58DE597}"/>
+                <a16:creationId xmlns:a16="http://schemas.microsoft.com/office/drawing/2014/main" id="{A0A56984-CD4E-4AFC-B636-2467537DA82C}"/>
               </a:ext>
             </a:extLst>
           </p:cNvPr>
@@ -3519,7 +3531,7 @@
           <p:cNvPr id="3" name="Szövegdoboz 2">
             <a:extLst>
               <a:ext uri="{FF2B5EF4-FFF2-40B4-BE49-F238E27FC236}">
-                <a16:creationId xmlns:a16="http://schemas.microsoft.com/office/drawing/2014/main" id="{030528F3-D689-428A-BB56-A46FC1922D71}"/>
+                <a16:creationId xmlns:a16="http://schemas.microsoft.com/office/drawing/2014/main" id="{4DE43672-6366-462F-BC64-FD398B28F1E0}"/>
               </a:ext>
             </a:extLst>
           </p:cNvPr>
@@ -3528,8 +3540,8 @@
         </p:nvSpPr>
         <p:spPr>
           <a:xfrm>
-            <a:off x="114300" y="2282992"/>
-            <a:ext cx="8867274" cy="923330"/>
+            <a:off x="138363" y="1502406"/>
+            <a:ext cx="8867274" cy="461665"/>
           </a:xfrm>
           <a:prstGeom prst="rect">
             <a:avLst/>
@@ -3542,78 +3554,89 @@
           </a:bodyPr>
           <a:lstStyle/>
           <a:p>
-            <a:pPr marL="214313" indent="-214313">
-              <a:buFont typeface="Arial" panose="020B0604020202020204" pitchFamily="34" charset="0"/>
-              <a:buChar char="•"/>
-            </a:pPr>
-            <a:r>
-              <a:rPr lang="hu-HU" sz="1350" dirty="0"/>
-              <a:t>Észrevételeink</a:t>
-            </a:r>
-          </a:p>
-          <a:p>
-            <a:pPr marL="214313" indent="-214313">
-              <a:buFont typeface="Arial" panose="020B0604020202020204" pitchFamily="34" charset="0"/>
-              <a:buChar char="•"/>
-            </a:pPr>
-            <a:r>
-              <a:rPr lang="hu-HU" sz="1350" dirty="0"/>
-              <a:t>Előnyei a </a:t>
-            </a:r>
-            <a:r>
-              <a:rPr lang="hu-HU" sz="1350" dirty="0"/>
-              <a:t>módszereinknek</a:t>
-            </a:r>
-            <a:endParaRPr lang="en-US" sz="1350" dirty="0"/>
-          </a:p>
-          <a:p>
-            <a:pPr marL="214313" indent="-214313">
-              <a:buFont typeface="Arial" panose="020B0604020202020204" pitchFamily="34" charset="0"/>
-              <a:buChar char="•"/>
-            </a:pPr>
-            <a:r>
-              <a:rPr lang="en-US" sz="1350" dirty="0"/>
-              <a:t>A </a:t>
-            </a:r>
-            <a:r>
-              <a:rPr lang="en-US" sz="1350" dirty="0" err="1"/>
-              <a:t>kutatás</a:t>
-            </a:r>
-            <a:r>
-              <a:rPr lang="en-US" sz="1350" dirty="0"/>
-              <a:t> </a:t>
-            </a:r>
-            <a:r>
-              <a:rPr lang="en-US" sz="1350" dirty="0" err="1"/>
-              <a:t>elért</a:t>
-            </a:r>
-            <a:r>
-              <a:rPr lang="en-US" sz="1350" dirty="0"/>
-              <a:t> </a:t>
-            </a:r>
-            <a:r>
-              <a:rPr lang="en-US" sz="1350" dirty="0" err="1"/>
-              <a:t>eredményei</a:t>
-            </a:r>
-            <a:r>
-              <a:rPr lang="hu-HU" sz="1350" dirty="0"/>
-              <a:t> </a:t>
-            </a:r>
-            <a:endParaRPr lang="hu-HU" sz="1350" dirty="0"/>
-          </a:p>
-          <a:p>
-            <a:pPr marL="214313" indent="-214313">
-              <a:buFont typeface="Arial" panose="020B0604020202020204" pitchFamily="34" charset="0"/>
-              <a:buChar char="•"/>
-            </a:pPr>
-            <a:endParaRPr lang="hu-HU" sz="1350" dirty="0"/>
-          </a:p>
-        </p:txBody>
-      </p:sp>
+            <a:r>
+              <a:rPr lang="hu-HU" sz="2400" dirty="0"/>
+              <a:t>Kimenet formázása</a:t>
+            </a:r>
+          </a:p>
+        </p:txBody>
+      </p:sp>
+      <p:pic>
+        <p:nvPicPr>
+          <p:cNvPr id="7" name="Kép 6">
+            <a:extLst>
+              <a:ext uri="{FF2B5EF4-FFF2-40B4-BE49-F238E27FC236}">
+                <a16:creationId xmlns:a16="http://schemas.microsoft.com/office/drawing/2014/main" id="{74215059-D941-4448-BE73-9B420C80FC8B}"/>
+              </a:ext>
+            </a:extLst>
+          </p:cNvPr>
+          <p:cNvPicPr>
+            <a:picLocks noChangeAspect="1"/>
+          </p:cNvPicPr>
+          <p:nvPr/>
+        </p:nvPicPr>
+        <p:blipFill>
+          <a:blip r:embed="rId2">
+            <a:extLst>
+              <a:ext uri="{28A0092B-C50C-407E-A947-70E740481C1C}">
+                <a14:useLocalDpi xmlns:a14="http://schemas.microsoft.com/office/drawing/2010/main" val="0"/>
+              </a:ext>
+            </a:extLst>
+          </a:blip>
+          <a:stretch>
+            <a:fillRect/>
+          </a:stretch>
+        </p:blipFill>
+        <p:spPr>
+          <a:xfrm>
+            <a:off x="822242" y="3429000"/>
+            <a:ext cx="6791064" cy="2243109"/>
+          </a:xfrm>
+          <a:prstGeom prst="rect">
+            <a:avLst/>
+          </a:prstGeom>
+        </p:spPr>
+      </p:pic>
+      <p:pic>
+        <p:nvPicPr>
+          <p:cNvPr id="6" name="Kép 5">
+            <a:extLst>
+              <a:ext uri="{FF2B5EF4-FFF2-40B4-BE49-F238E27FC236}">
+                <a16:creationId xmlns:a16="http://schemas.microsoft.com/office/drawing/2014/main" id="{C2A83497-E9FB-409F-A1DF-23A691A51E70}"/>
+              </a:ext>
+            </a:extLst>
+          </p:cNvPr>
+          <p:cNvPicPr>
+            <a:picLocks noChangeAspect="1"/>
+          </p:cNvPicPr>
+          <p:nvPr/>
+        </p:nvPicPr>
+        <p:blipFill>
+          <a:blip r:embed="rId3">
+            <a:extLst>
+              <a:ext uri="{28A0092B-C50C-407E-A947-70E740481C1C}">
+                <a14:useLocalDpi xmlns:a14="http://schemas.microsoft.com/office/drawing/2010/main" val="0"/>
+              </a:ext>
+            </a:extLst>
+          </a:blip>
+          <a:stretch>
+            <a:fillRect/>
+          </a:stretch>
+        </p:blipFill>
+        <p:spPr>
+          <a:xfrm>
+            <a:off x="404734" y="2163256"/>
+            <a:ext cx="8184630" cy="919357"/>
+          </a:xfrm>
+          <a:prstGeom prst="rect">
+            <a:avLst/>
+          </a:prstGeom>
+        </p:spPr>
+      </p:pic>
     </p:spTree>
     <p:extLst>
       <p:ext uri="{BB962C8B-B14F-4D97-AF65-F5344CB8AC3E}">
-        <p14:creationId xmlns:p14="http://schemas.microsoft.com/office/powerpoint/2010/main" val="4280160022"/>
+        <p14:creationId xmlns:p14="http://schemas.microsoft.com/office/powerpoint/2010/main" val="2259454649"/>
       </p:ext>
     </p:extLst>
   </p:cSld>
@@ -3645,6 +3668,1345 @@
           <p:cNvPr id="2" name="Cím 1">
             <a:extLst>
               <a:ext uri="{FF2B5EF4-FFF2-40B4-BE49-F238E27FC236}">
+                <a16:creationId xmlns:a16="http://schemas.microsoft.com/office/drawing/2014/main" id="{DCCECEDE-C074-41DA-84C8-BDCA2FDBD582}"/>
+              </a:ext>
+            </a:extLst>
+          </p:cNvPr>
+          <p:cNvSpPr>
+            <a:spLocks noGrp="1"/>
+          </p:cNvSpPr>
+          <p:nvPr>
+            <p:ph type="title"/>
+          </p:nvPr>
+        </p:nvSpPr>
+        <p:spPr>
+          <a:xfrm>
+            <a:off x="628650" y="10572"/>
+            <a:ext cx="7886700" cy="1325563"/>
+          </a:xfrm>
+        </p:spPr>
+        <p:txBody>
+          <a:bodyPr/>
+          <a:lstStyle/>
+          <a:p>
+            <a:pPr algn="ctr"/>
+            <a:r>
+              <a:rPr lang="hu-HU" dirty="0"/>
+              <a:t>Teszteredmények</a:t>
+            </a:r>
+          </a:p>
+        </p:txBody>
+      </p:sp>
+      <p:sp>
+        <p:nvSpPr>
+          <p:cNvPr id="4" name="Dia számának helye 3">
+            <a:extLst>
+              <a:ext uri="{FF2B5EF4-FFF2-40B4-BE49-F238E27FC236}">
+                <a16:creationId xmlns:a16="http://schemas.microsoft.com/office/drawing/2014/main" id="{AD8C5EE1-236C-4F83-B6B6-0315500CBF70}"/>
+              </a:ext>
+            </a:extLst>
+          </p:cNvPr>
+          <p:cNvSpPr>
+            <a:spLocks noGrp="1"/>
+          </p:cNvSpPr>
+          <p:nvPr>
+            <p:ph type="sldNum" sz="quarter" idx="12"/>
+          </p:nvPr>
+        </p:nvSpPr>
+        <p:spPr/>
+        <p:txBody>
+          <a:bodyPr/>
+          <a:lstStyle/>
+          <a:p>
+            <a:fld id="{676786BD-618E-4F38-B087-5D1176D55033}" type="slidenum">
+              <a:rPr lang="hu-HU" smtClean="0"/>
+              <a:t>11</a:t>
+            </a:fld>
+            <a:endParaRPr lang="hu-HU"/>
+          </a:p>
+        </p:txBody>
+      </p:sp>
+      <p:pic>
+        <p:nvPicPr>
+          <p:cNvPr id="6" name="Kép 5">
+            <a:extLst>
+              <a:ext uri="{FF2B5EF4-FFF2-40B4-BE49-F238E27FC236}">
+                <a16:creationId xmlns:a16="http://schemas.microsoft.com/office/drawing/2014/main" id="{5756996B-5E47-44F8-A889-B433B88D9376}"/>
+              </a:ext>
+            </a:extLst>
+          </p:cNvPr>
+          <p:cNvPicPr>
+            <a:picLocks noChangeAspect="1"/>
+          </p:cNvPicPr>
+          <p:nvPr/>
+        </p:nvPicPr>
+        <p:blipFill>
+          <a:blip r:embed="rId2">
+            <a:extLst>
+              <a:ext uri="{28A0092B-C50C-407E-A947-70E740481C1C}">
+                <a14:useLocalDpi xmlns:a14="http://schemas.microsoft.com/office/drawing/2010/main" val="0"/>
+              </a:ext>
+            </a:extLst>
+          </a:blip>
+          <a:stretch>
+            <a:fillRect/>
+          </a:stretch>
+        </p:blipFill>
+        <p:spPr>
+          <a:xfrm>
+            <a:off x="1184120" y="1419109"/>
+            <a:ext cx="6775760" cy="4019782"/>
+          </a:xfrm>
+          <a:prstGeom prst="rect">
+            <a:avLst/>
+          </a:prstGeom>
+        </p:spPr>
+      </p:pic>
+    </p:spTree>
+    <p:extLst>
+      <p:ext uri="{BB962C8B-B14F-4D97-AF65-F5344CB8AC3E}">
+        <p14:creationId xmlns:p14="http://schemas.microsoft.com/office/powerpoint/2010/main" val="3841807345"/>
+      </p:ext>
+    </p:extLst>
+  </p:cSld>
+  <p:clrMapOvr>
+    <a:masterClrMapping/>
+  </p:clrMapOvr>
+</p:sld>
+</file>
+
+<file path=ppt/slides/slide12.xml><?xml version="1.0" encoding="utf-8"?>
+<p:sld xmlns:a="http://schemas.openxmlformats.org/drawingml/2006/main" xmlns:r="http://schemas.openxmlformats.org/officeDocument/2006/relationships" xmlns:p="http://schemas.openxmlformats.org/presentationml/2006/main">
+  <p:cSld>
+    <p:spTree>
+      <p:nvGrpSpPr>
+        <p:cNvPr id="1" name=""/>
+        <p:cNvGrpSpPr/>
+        <p:nvPr/>
+      </p:nvGrpSpPr>
+      <p:grpSpPr>
+        <a:xfrm>
+          <a:off x="0" y="0"/>
+          <a:ext cx="0" cy="0"/>
+          <a:chOff x="0" y="0"/>
+          <a:chExt cx="0" cy="0"/>
+        </a:xfrm>
+      </p:grpSpPr>
+      <p:sp>
+        <p:nvSpPr>
+          <p:cNvPr id="2" name="Cím 1">
+            <a:extLst>
+              <a:ext uri="{FF2B5EF4-FFF2-40B4-BE49-F238E27FC236}">
+                <a16:creationId xmlns:a16="http://schemas.microsoft.com/office/drawing/2014/main" id="{DCCECEDE-C074-41DA-84C8-BDCA2FDBD582}"/>
+              </a:ext>
+            </a:extLst>
+          </p:cNvPr>
+          <p:cNvSpPr>
+            <a:spLocks noGrp="1"/>
+          </p:cNvSpPr>
+          <p:nvPr>
+            <p:ph type="title"/>
+          </p:nvPr>
+        </p:nvSpPr>
+        <p:spPr>
+          <a:xfrm>
+            <a:off x="628650" y="10572"/>
+            <a:ext cx="7886700" cy="1325563"/>
+          </a:xfrm>
+        </p:spPr>
+        <p:txBody>
+          <a:bodyPr/>
+          <a:lstStyle/>
+          <a:p>
+            <a:pPr algn="ctr"/>
+            <a:r>
+              <a:rPr lang="hu-HU" dirty="0"/>
+              <a:t>Teszteredmények</a:t>
+            </a:r>
+          </a:p>
+        </p:txBody>
+      </p:sp>
+      <p:sp>
+        <p:nvSpPr>
+          <p:cNvPr id="4" name="Dia számának helye 3">
+            <a:extLst>
+              <a:ext uri="{FF2B5EF4-FFF2-40B4-BE49-F238E27FC236}">
+                <a16:creationId xmlns:a16="http://schemas.microsoft.com/office/drawing/2014/main" id="{AD8C5EE1-236C-4F83-B6B6-0315500CBF70}"/>
+              </a:ext>
+            </a:extLst>
+          </p:cNvPr>
+          <p:cNvSpPr>
+            <a:spLocks noGrp="1"/>
+          </p:cNvSpPr>
+          <p:nvPr>
+            <p:ph type="sldNum" sz="quarter" idx="12"/>
+          </p:nvPr>
+        </p:nvSpPr>
+        <p:spPr/>
+        <p:txBody>
+          <a:bodyPr/>
+          <a:lstStyle/>
+          <a:p>
+            <a:fld id="{676786BD-618E-4F38-B087-5D1176D55033}" type="slidenum">
+              <a:rPr lang="hu-HU" smtClean="0"/>
+              <a:t>12</a:t>
+            </a:fld>
+            <a:endParaRPr lang="hu-HU"/>
+          </a:p>
+        </p:txBody>
+      </p:sp>
+      <p:pic>
+        <p:nvPicPr>
+          <p:cNvPr id="5" name="Kép 4">
+            <a:extLst>
+              <a:ext uri="{FF2B5EF4-FFF2-40B4-BE49-F238E27FC236}">
+                <a16:creationId xmlns:a16="http://schemas.microsoft.com/office/drawing/2014/main" id="{9E6F7FD2-20CA-49BB-A2E8-124B47FE0DF3}"/>
+              </a:ext>
+            </a:extLst>
+          </p:cNvPr>
+          <p:cNvPicPr>
+            <a:picLocks noChangeAspect="1"/>
+          </p:cNvPicPr>
+          <p:nvPr/>
+        </p:nvPicPr>
+        <p:blipFill>
+          <a:blip r:embed="rId2">
+            <a:extLst>
+              <a:ext uri="{28A0092B-C50C-407E-A947-70E740481C1C}">
+                <a14:useLocalDpi xmlns:a14="http://schemas.microsoft.com/office/drawing/2010/main" val="0"/>
+              </a:ext>
+            </a:extLst>
+          </a:blip>
+          <a:stretch>
+            <a:fillRect/>
+          </a:stretch>
+        </p:blipFill>
+        <p:spPr>
+          <a:xfrm>
+            <a:off x="922880" y="1091922"/>
+            <a:ext cx="7298240" cy="4674155"/>
+          </a:xfrm>
+          <a:prstGeom prst="rect">
+            <a:avLst/>
+          </a:prstGeom>
+        </p:spPr>
+      </p:pic>
+    </p:spTree>
+    <p:extLst>
+      <p:ext uri="{BB962C8B-B14F-4D97-AF65-F5344CB8AC3E}">
+        <p14:creationId xmlns:p14="http://schemas.microsoft.com/office/powerpoint/2010/main" val="1873306750"/>
+      </p:ext>
+    </p:extLst>
+  </p:cSld>
+  <p:clrMapOvr>
+    <a:masterClrMapping/>
+  </p:clrMapOvr>
+</p:sld>
+</file>
+
+<file path=ppt/slides/slide13.xml><?xml version="1.0" encoding="utf-8"?>
+<p:sld xmlns:a="http://schemas.openxmlformats.org/drawingml/2006/main" xmlns:r="http://schemas.openxmlformats.org/officeDocument/2006/relationships" xmlns:p="http://schemas.openxmlformats.org/presentationml/2006/main">
+  <p:cSld>
+    <p:spTree>
+      <p:nvGrpSpPr>
+        <p:cNvPr id="1" name=""/>
+        <p:cNvGrpSpPr/>
+        <p:nvPr/>
+      </p:nvGrpSpPr>
+      <p:grpSpPr>
+        <a:xfrm>
+          <a:off x="0" y="0"/>
+          <a:ext cx="0" cy="0"/>
+          <a:chOff x="0" y="0"/>
+          <a:chExt cx="0" cy="0"/>
+        </a:xfrm>
+      </p:grpSpPr>
+      <p:sp>
+        <p:nvSpPr>
+          <p:cNvPr id="2" name="Cím 1">
+            <a:extLst>
+              <a:ext uri="{FF2B5EF4-FFF2-40B4-BE49-F238E27FC236}">
+                <a16:creationId xmlns:a16="http://schemas.microsoft.com/office/drawing/2014/main" id="{1D4955D7-34CA-43AC-A84B-A6B413D2A4B3}"/>
+              </a:ext>
+            </a:extLst>
+          </p:cNvPr>
+          <p:cNvSpPr>
+            <a:spLocks noGrp="1"/>
+          </p:cNvSpPr>
+          <p:nvPr>
+            <p:ph type="title"/>
+          </p:nvPr>
+        </p:nvSpPr>
+        <p:spPr/>
+        <p:txBody>
+          <a:bodyPr/>
+          <a:lstStyle/>
+          <a:p>
+            <a:pPr algn="ctr"/>
+            <a:r>
+              <a:rPr lang="hu-HU" dirty="0"/>
+              <a:t>Redundáns megkötések</a:t>
+            </a:r>
+          </a:p>
+        </p:txBody>
+      </p:sp>
+      <p:sp>
+        <p:nvSpPr>
+          <p:cNvPr id="4" name="Dia számának helye 3">
+            <a:extLst>
+              <a:ext uri="{FF2B5EF4-FFF2-40B4-BE49-F238E27FC236}">
+                <a16:creationId xmlns:a16="http://schemas.microsoft.com/office/drawing/2014/main" id="{319D2024-D3CF-486C-8D11-F9F9E4917A04}"/>
+              </a:ext>
+            </a:extLst>
+          </p:cNvPr>
+          <p:cNvSpPr>
+            <a:spLocks noGrp="1"/>
+          </p:cNvSpPr>
+          <p:nvPr>
+            <p:ph type="sldNum" sz="quarter" idx="12"/>
+          </p:nvPr>
+        </p:nvSpPr>
+        <p:spPr/>
+        <p:txBody>
+          <a:bodyPr/>
+          <a:lstStyle/>
+          <a:p>
+            <a:fld id="{676786BD-618E-4F38-B087-5D1176D55033}" type="slidenum">
+              <a:rPr lang="hu-HU" smtClean="0"/>
+              <a:t>13</a:t>
+            </a:fld>
+            <a:endParaRPr lang="hu-HU"/>
+          </a:p>
+        </p:txBody>
+      </p:sp>
+      <p:sp>
+        <p:nvSpPr>
+          <p:cNvPr id="3" name="Szövegdoboz 2">
+            <a:extLst>
+              <a:ext uri="{FF2B5EF4-FFF2-40B4-BE49-F238E27FC236}">
+                <a16:creationId xmlns:a16="http://schemas.microsoft.com/office/drawing/2014/main" id="{1F54668F-222D-40E1-AF6E-74382E4A49CF}"/>
+              </a:ext>
+            </a:extLst>
+          </p:cNvPr>
+          <p:cNvSpPr txBox="1"/>
+          <p:nvPr/>
+        </p:nvSpPr>
+        <p:spPr>
+          <a:xfrm>
+            <a:off x="114300" y="2282992"/>
+            <a:ext cx="8867274" cy="400110"/>
+          </a:xfrm>
+          <a:prstGeom prst="rect">
+            <a:avLst/>
+          </a:prstGeom>
+          <a:noFill/>
+        </p:spPr>
+        <p:txBody>
+          <a:bodyPr wrap="square" rtlCol="0">
+            <a:spAutoFit/>
+          </a:bodyPr>
+          <a:lstStyle/>
+          <a:p>
+            <a:r>
+              <a:rPr lang="hu-HU" sz="2000" dirty="0"/>
+              <a:t>„</a:t>
+            </a:r>
+            <a:r>
+              <a:rPr lang="hu-HU" sz="2000" dirty="0" err="1"/>
+              <a:t>kivesszuk</a:t>
+            </a:r>
+            <a:r>
+              <a:rPr lang="hu-HU" sz="2000" dirty="0"/>
+              <a:t>” néven saját tesztelési módszer</a:t>
+            </a:r>
+          </a:p>
+        </p:txBody>
+      </p:sp>
+      <p:graphicFrame>
+        <p:nvGraphicFramePr>
+          <p:cNvPr id="5" name="Táblázat 4">
+            <a:extLst>
+              <a:ext uri="{FF2B5EF4-FFF2-40B4-BE49-F238E27FC236}">
+                <a16:creationId xmlns:a16="http://schemas.microsoft.com/office/drawing/2014/main" id="{8DF57169-8A54-4A75-99CA-62A7430C7F77}"/>
+              </a:ext>
+            </a:extLst>
+          </p:cNvPr>
+          <p:cNvGraphicFramePr>
+            <a:graphicFrameLocks noGrp="1"/>
+          </p:cNvGraphicFramePr>
+          <p:nvPr>
+            <p:extLst>
+              <p:ext uri="{D42A27DB-BD31-4B8C-83A1-F6EECF244321}">
+                <p14:modId xmlns:p14="http://schemas.microsoft.com/office/powerpoint/2010/main" val="2486973129"/>
+              </p:ext>
+            </p:extLst>
+          </p:nvPr>
+        </p:nvGraphicFramePr>
+        <p:xfrm>
+          <a:off x="1796759" y="2684738"/>
+          <a:ext cx="5550481" cy="3673922"/>
+        </p:xfrm>
+        <a:graphic>
+          <a:graphicData uri="http://schemas.openxmlformats.org/drawingml/2006/table">
+            <a:tbl>
+              <a:tblPr firstRow="1" firstCol="1" bandRow="1">
+                <a:tableStyleId>{5C22544A-7EE6-4342-B048-85BDC9FD1C3A}</a:tableStyleId>
+              </a:tblPr>
+              <a:tblGrid>
+                <a:gridCol w="1264299">
+                  <a:extLst>
+                    <a:ext uri="{9D8B030D-6E8A-4147-A177-3AD203B41FA5}">
+                      <a16:colId xmlns:a16="http://schemas.microsoft.com/office/drawing/2014/main" val="2069922602"/>
+                    </a:ext>
+                  </a:extLst>
+                </a:gridCol>
+                <a:gridCol w="1365216">
+                  <a:extLst>
+                    <a:ext uri="{9D8B030D-6E8A-4147-A177-3AD203B41FA5}">
+                      <a16:colId xmlns:a16="http://schemas.microsoft.com/office/drawing/2014/main" val="2732399375"/>
+                    </a:ext>
+                  </a:extLst>
+                </a:gridCol>
+                <a:gridCol w="1515382">
+                  <a:extLst>
+                    <a:ext uri="{9D8B030D-6E8A-4147-A177-3AD203B41FA5}">
+                      <a16:colId xmlns:a16="http://schemas.microsoft.com/office/drawing/2014/main" val="1486601713"/>
+                    </a:ext>
+                  </a:extLst>
+                </a:gridCol>
+                <a:gridCol w="1405584">
+                  <a:extLst>
+                    <a:ext uri="{9D8B030D-6E8A-4147-A177-3AD203B41FA5}">
+                      <a16:colId xmlns:a16="http://schemas.microsoft.com/office/drawing/2014/main" val="3795495708"/>
+                    </a:ext>
+                  </a:extLst>
+                </a:gridCol>
+              </a:tblGrid>
+              <a:tr h="271398">
+                <a:tc>
+                  <a:txBody>
+                    <a:bodyPr/>
+                    <a:lstStyle/>
+                    <a:p>
+                      <a:pPr algn="ctr">
+                        <a:lnSpc>
+                          <a:spcPct val="150000"/>
+                        </a:lnSpc>
+                        <a:spcAft>
+                          <a:spcPts val="0"/>
+                        </a:spcAft>
+                      </a:pPr>
+                      <a:r>
+                        <a:rPr lang="hu-HU" sz="1400" dirty="0">
+                          <a:effectLst/>
+                        </a:rPr>
+                        <a:t> </a:t>
+                      </a:r>
+                      <a:endParaRPr lang="hu-HU" sz="1400" dirty="0">
+                        <a:effectLst/>
+                        <a:latin typeface="Times New Roman" panose="02020603050405020304" pitchFamily="18" charset="0"/>
+                        <a:ea typeface="Times New Roman" panose="02020603050405020304" pitchFamily="18" charset="0"/>
+                      </a:endParaRPr>
+                    </a:p>
+                  </a:txBody>
+                  <a:tcPr marL="68580" marR="68580" marT="0" marB="0" anchor="ctr">
+                    <a:noFill/>
+                  </a:tcPr>
+                </a:tc>
+                <a:tc>
+                  <a:txBody>
+                    <a:bodyPr/>
+                    <a:lstStyle/>
+                    <a:p>
+                      <a:pPr algn="ctr">
+                        <a:lnSpc>
+                          <a:spcPct val="150000"/>
+                        </a:lnSpc>
+                        <a:spcAft>
+                          <a:spcPts val="0"/>
+                        </a:spcAft>
+                      </a:pPr>
+                      <a:r>
+                        <a:rPr lang="hu-HU" sz="1400" dirty="0" err="1">
+                          <a:solidFill>
+                            <a:schemeClr val="tx1"/>
+                          </a:solidFill>
+                          <a:effectLst/>
+                        </a:rPr>
+                        <a:t>Movies</a:t>
+                      </a:r>
+                      <a:r>
+                        <a:rPr lang="hu-HU" sz="1400" dirty="0">
+                          <a:solidFill>
+                            <a:schemeClr val="tx1"/>
+                          </a:solidFill>
+                          <a:effectLst/>
+                        </a:rPr>
+                        <a:t> </a:t>
+                      </a:r>
+                      <a:r>
+                        <a:rPr lang="hu-HU" sz="1400" dirty="0" err="1">
+                          <a:solidFill>
+                            <a:schemeClr val="tx1"/>
+                          </a:solidFill>
+                          <a:effectLst/>
+                        </a:rPr>
+                        <a:t>Night</a:t>
+                      </a:r>
+                      <a:endParaRPr lang="hu-HU" sz="1400" dirty="0">
+                        <a:solidFill>
+                          <a:schemeClr val="tx1"/>
+                        </a:solidFill>
+                        <a:effectLst/>
+                        <a:latin typeface="Times New Roman" panose="02020603050405020304" pitchFamily="18" charset="0"/>
+                        <a:ea typeface="Times New Roman" panose="02020603050405020304" pitchFamily="18" charset="0"/>
+                      </a:endParaRPr>
+                    </a:p>
+                  </a:txBody>
+                  <a:tcPr marL="68580" marR="68580" marT="0" marB="0" anchor="ctr">
+                    <a:solidFill>
+                      <a:schemeClr val="accent1">
+                        <a:lumMod val="40000"/>
+                        <a:lumOff val="60000"/>
+                      </a:schemeClr>
+                    </a:solidFill>
+                  </a:tcPr>
+                </a:tc>
+                <a:tc>
+                  <a:txBody>
+                    <a:bodyPr/>
+                    <a:lstStyle/>
+                    <a:p>
+                      <a:pPr algn="ctr">
+                        <a:lnSpc>
+                          <a:spcPct val="150000"/>
+                        </a:lnSpc>
+                        <a:spcAft>
+                          <a:spcPts val="0"/>
+                        </a:spcAft>
+                      </a:pPr>
+                      <a:r>
+                        <a:rPr lang="hu-HU" sz="1400" dirty="0" err="1">
+                          <a:solidFill>
+                            <a:schemeClr val="tx1"/>
+                          </a:solidFill>
+                          <a:effectLst/>
+                        </a:rPr>
+                        <a:t>Fundraising</a:t>
+                      </a:r>
+                      <a:r>
+                        <a:rPr lang="hu-HU" sz="1400" dirty="0">
+                          <a:solidFill>
+                            <a:schemeClr val="tx1"/>
+                          </a:solidFill>
+                          <a:effectLst/>
+                        </a:rPr>
+                        <a:t> </a:t>
+                      </a:r>
+                      <a:r>
+                        <a:rPr lang="hu-HU" sz="1400" dirty="0" err="1">
+                          <a:solidFill>
+                            <a:schemeClr val="tx1"/>
+                          </a:solidFill>
+                          <a:effectLst/>
+                        </a:rPr>
+                        <a:t>Dinner</a:t>
+                      </a:r>
+                      <a:endParaRPr lang="hu-HU" sz="1400" dirty="0">
+                        <a:solidFill>
+                          <a:schemeClr val="tx1"/>
+                        </a:solidFill>
+                        <a:effectLst/>
+                        <a:latin typeface="Times New Roman" panose="02020603050405020304" pitchFamily="18" charset="0"/>
+                        <a:ea typeface="Times New Roman" panose="02020603050405020304" pitchFamily="18" charset="0"/>
+                      </a:endParaRPr>
+                    </a:p>
+                  </a:txBody>
+                  <a:tcPr marL="68580" marR="68580" marT="0" marB="0" anchor="ctr">
+                    <a:solidFill>
+                      <a:schemeClr val="accent1">
+                        <a:lumMod val="40000"/>
+                        <a:lumOff val="60000"/>
+                      </a:schemeClr>
+                    </a:solidFill>
+                  </a:tcPr>
+                </a:tc>
+                <a:tc>
+                  <a:txBody>
+                    <a:bodyPr/>
+                    <a:lstStyle/>
+                    <a:p>
+                      <a:pPr algn="ctr">
+                        <a:lnSpc>
+                          <a:spcPct val="150000"/>
+                        </a:lnSpc>
+                        <a:spcAft>
+                          <a:spcPts val="0"/>
+                        </a:spcAft>
+                      </a:pPr>
+                      <a:r>
+                        <a:rPr lang="hu-HU" sz="1400" dirty="0" err="1">
+                          <a:solidFill>
+                            <a:schemeClr val="tx1"/>
+                          </a:solidFill>
+                          <a:effectLst/>
+                        </a:rPr>
+                        <a:t>Gardens</a:t>
+                      </a:r>
+                      <a:endParaRPr lang="hu-HU" sz="1400" dirty="0">
+                        <a:solidFill>
+                          <a:schemeClr val="tx1"/>
+                        </a:solidFill>
+                        <a:effectLst/>
+                        <a:latin typeface="Times New Roman" panose="02020603050405020304" pitchFamily="18" charset="0"/>
+                        <a:ea typeface="Times New Roman" panose="02020603050405020304" pitchFamily="18" charset="0"/>
+                      </a:endParaRPr>
+                    </a:p>
+                  </a:txBody>
+                  <a:tcPr marL="68580" marR="68580" marT="0" marB="0" anchor="ctr">
+                    <a:solidFill>
+                      <a:schemeClr val="accent1">
+                        <a:lumMod val="40000"/>
+                        <a:lumOff val="60000"/>
+                      </a:schemeClr>
+                    </a:solidFill>
+                  </a:tcPr>
+                </a:tc>
+                <a:extLst>
+                  <a:ext uri="{0D108BD9-81ED-4DB2-BD59-A6C34878D82A}">
+                    <a16:rowId xmlns:a16="http://schemas.microsoft.com/office/drawing/2014/main" val="1759104570"/>
+                  </a:ext>
+                </a:extLst>
+              </a:tr>
+              <a:tr h="1183092">
+                <a:tc>
+                  <a:txBody>
+                    <a:bodyPr/>
+                    <a:lstStyle/>
+                    <a:p>
+                      <a:pPr marL="0" algn="ctr" defTabSz="914400" rtl="0" eaLnBrk="1" latinLnBrk="0" hangingPunct="1">
+                        <a:lnSpc>
+                          <a:spcPct val="150000"/>
+                        </a:lnSpc>
+                        <a:spcAft>
+                          <a:spcPts val="0"/>
+                        </a:spcAft>
+                      </a:pPr>
+                      <a:r>
+                        <a:rPr lang="hu-HU" sz="1400" b="1" kern="1200" dirty="0">
+                          <a:solidFill>
+                            <a:schemeClr val="tx1"/>
+                          </a:solidFill>
+                          <a:effectLst/>
+                          <a:latin typeface="+mn-lt"/>
+                          <a:ea typeface="+mn-ea"/>
+                          <a:cs typeface="+mn-cs"/>
+                        </a:rPr>
+                        <a:t>Önmagában elhagyható korlátozások száma</a:t>
+                      </a:r>
+                    </a:p>
+                  </a:txBody>
+                  <a:tcPr marL="68580" marR="68580" marT="0" marB="0" anchor="ctr">
+                    <a:solidFill>
+                      <a:schemeClr val="accent1">
+                        <a:lumMod val="60000"/>
+                        <a:lumOff val="40000"/>
+                      </a:schemeClr>
+                    </a:solidFill>
+                  </a:tcPr>
+                </a:tc>
+                <a:tc>
+                  <a:txBody>
+                    <a:bodyPr/>
+                    <a:lstStyle/>
+                    <a:p>
+                      <a:pPr algn="ctr">
+                        <a:lnSpc>
+                          <a:spcPct val="150000"/>
+                        </a:lnSpc>
+                        <a:spcAft>
+                          <a:spcPts val="0"/>
+                        </a:spcAft>
+                      </a:pPr>
+                      <a:r>
+                        <a:rPr lang="hu-HU" sz="2400" dirty="0">
+                          <a:effectLst/>
+                        </a:rPr>
+                        <a:t>3</a:t>
+                      </a:r>
+                      <a:endParaRPr lang="hu-HU" sz="2400" dirty="0">
+                        <a:effectLst/>
+                        <a:latin typeface="Times New Roman" panose="02020603050405020304" pitchFamily="18" charset="0"/>
+                        <a:ea typeface="Times New Roman" panose="02020603050405020304" pitchFamily="18" charset="0"/>
+                      </a:endParaRPr>
+                    </a:p>
+                  </a:txBody>
+                  <a:tcPr marL="68580" marR="68580" marT="0" marB="0" anchor="ctr"/>
+                </a:tc>
+                <a:tc>
+                  <a:txBody>
+                    <a:bodyPr/>
+                    <a:lstStyle/>
+                    <a:p>
+                      <a:pPr algn="ctr">
+                        <a:lnSpc>
+                          <a:spcPct val="150000"/>
+                        </a:lnSpc>
+                        <a:spcAft>
+                          <a:spcPts val="0"/>
+                        </a:spcAft>
+                      </a:pPr>
+                      <a:r>
+                        <a:rPr lang="hu-HU" sz="2400" dirty="0">
+                          <a:effectLst/>
+                        </a:rPr>
+                        <a:t>7</a:t>
+                      </a:r>
+                      <a:endParaRPr lang="hu-HU" sz="2400" dirty="0">
+                        <a:effectLst/>
+                        <a:latin typeface="Times New Roman" panose="02020603050405020304" pitchFamily="18" charset="0"/>
+                        <a:ea typeface="Times New Roman" panose="02020603050405020304" pitchFamily="18" charset="0"/>
+                      </a:endParaRPr>
+                    </a:p>
+                  </a:txBody>
+                  <a:tcPr marL="68580" marR="68580" marT="0" marB="0" anchor="ctr"/>
+                </a:tc>
+                <a:tc>
+                  <a:txBody>
+                    <a:bodyPr/>
+                    <a:lstStyle/>
+                    <a:p>
+                      <a:pPr algn="ctr">
+                        <a:lnSpc>
+                          <a:spcPct val="150000"/>
+                        </a:lnSpc>
+                        <a:spcAft>
+                          <a:spcPts val="0"/>
+                        </a:spcAft>
+                      </a:pPr>
+                      <a:r>
+                        <a:rPr lang="hu-HU" sz="2400" dirty="0">
+                          <a:effectLst/>
+                        </a:rPr>
+                        <a:t>5</a:t>
+                      </a:r>
+                      <a:endParaRPr lang="hu-HU" sz="2400" dirty="0">
+                        <a:effectLst/>
+                        <a:latin typeface="Times New Roman" panose="02020603050405020304" pitchFamily="18" charset="0"/>
+                        <a:ea typeface="Times New Roman" panose="02020603050405020304" pitchFamily="18" charset="0"/>
+                      </a:endParaRPr>
+                    </a:p>
+                  </a:txBody>
+                  <a:tcPr marL="68580" marR="68580" marT="0" marB="0" anchor="ctr"/>
+                </a:tc>
+                <a:extLst>
+                  <a:ext uri="{0D108BD9-81ED-4DB2-BD59-A6C34878D82A}">
+                    <a16:rowId xmlns:a16="http://schemas.microsoft.com/office/drawing/2014/main" val="3559172704"/>
+                  </a:ext>
+                </a:extLst>
+              </a:tr>
+              <a:tr h="575296">
+                <a:tc>
+                  <a:txBody>
+                    <a:bodyPr/>
+                    <a:lstStyle/>
+                    <a:p>
+                      <a:pPr marL="0" algn="ctr" defTabSz="914400" rtl="0" eaLnBrk="1" latinLnBrk="0" hangingPunct="1">
+                        <a:lnSpc>
+                          <a:spcPct val="150000"/>
+                        </a:lnSpc>
+                        <a:spcAft>
+                          <a:spcPts val="0"/>
+                        </a:spcAft>
+                      </a:pPr>
+                      <a:r>
+                        <a:rPr lang="hu-HU" sz="1400" b="1" kern="1200" dirty="0">
+                          <a:solidFill>
+                            <a:schemeClr val="tx1"/>
+                          </a:solidFill>
+                          <a:effectLst/>
+                          <a:latin typeface="+mn-lt"/>
+                          <a:ea typeface="+mn-ea"/>
+                          <a:cs typeface="+mn-cs"/>
+                        </a:rPr>
+                        <a:t>2 tagú kombinációk</a:t>
+                      </a:r>
+                    </a:p>
+                  </a:txBody>
+                  <a:tcPr marL="68580" marR="68580" marT="0" marB="0" anchor="ctr">
+                    <a:solidFill>
+                      <a:schemeClr val="accent1">
+                        <a:lumMod val="60000"/>
+                        <a:lumOff val="40000"/>
+                      </a:schemeClr>
+                    </a:solidFill>
+                  </a:tcPr>
+                </a:tc>
+                <a:tc>
+                  <a:txBody>
+                    <a:bodyPr/>
+                    <a:lstStyle/>
+                    <a:p>
+                      <a:pPr algn="ctr">
+                        <a:lnSpc>
+                          <a:spcPct val="150000"/>
+                        </a:lnSpc>
+                        <a:spcAft>
+                          <a:spcPts val="0"/>
+                        </a:spcAft>
+                      </a:pPr>
+                      <a:r>
+                        <a:rPr lang="hu-HU" sz="2400">
+                          <a:effectLst/>
+                        </a:rPr>
+                        <a:t>3</a:t>
+                      </a:r>
+                      <a:endParaRPr lang="hu-HU" sz="2400">
+                        <a:effectLst/>
+                        <a:latin typeface="Times New Roman" panose="02020603050405020304" pitchFamily="18" charset="0"/>
+                        <a:ea typeface="Times New Roman" panose="02020603050405020304" pitchFamily="18" charset="0"/>
+                      </a:endParaRPr>
+                    </a:p>
+                  </a:txBody>
+                  <a:tcPr marL="68580" marR="68580" marT="0" marB="0" anchor="ctr"/>
+                </a:tc>
+                <a:tc>
+                  <a:txBody>
+                    <a:bodyPr/>
+                    <a:lstStyle/>
+                    <a:p>
+                      <a:pPr algn="ctr">
+                        <a:lnSpc>
+                          <a:spcPct val="150000"/>
+                        </a:lnSpc>
+                        <a:spcAft>
+                          <a:spcPts val="0"/>
+                        </a:spcAft>
+                      </a:pPr>
+                      <a:r>
+                        <a:rPr lang="hu-HU" sz="2400">
+                          <a:effectLst/>
+                        </a:rPr>
+                        <a:t>15</a:t>
+                      </a:r>
+                      <a:endParaRPr lang="hu-HU" sz="2400">
+                        <a:effectLst/>
+                        <a:latin typeface="Times New Roman" panose="02020603050405020304" pitchFamily="18" charset="0"/>
+                        <a:ea typeface="Times New Roman" panose="02020603050405020304" pitchFamily="18" charset="0"/>
+                      </a:endParaRPr>
+                    </a:p>
+                  </a:txBody>
+                  <a:tcPr marL="68580" marR="68580" marT="0" marB="0" anchor="ctr"/>
+                </a:tc>
+                <a:tc>
+                  <a:txBody>
+                    <a:bodyPr/>
+                    <a:lstStyle/>
+                    <a:p>
+                      <a:pPr algn="ctr">
+                        <a:lnSpc>
+                          <a:spcPct val="150000"/>
+                        </a:lnSpc>
+                        <a:spcAft>
+                          <a:spcPts val="0"/>
+                        </a:spcAft>
+                      </a:pPr>
+                      <a:r>
+                        <a:rPr lang="hu-HU" sz="2400" dirty="0">
+                          <a:effectLst/>
+                        </a:rPr>
+                        <a:t>5</a:t>
+                      </a:r>
+                      <a:endParaRPr lang="hu-HU" sz="2400" dirty="0">
+                        <a:effectLst/>
+                        <a:latin typeface="Times New Roman" panose="02020603050405020304" pitchFamily="18" charset="0"/>
+                        <a:ea typeface="Times New Roman" panose="02020603050405020304" pitchFamily="18" charset="0"/>
+                      </a:endParaRPr>
+                    </a:p>
+                  </a:txBody>
+                  <a:tcPr marL="68580" marR="68580" marT="0" marB="0" anchor="ctr"/>
+                </a:tc>
+                <a:extLst>
+                  <a:ext uri="{0D108BD9-81ED-4DB2-BD59-A6C34878D82A}">
+                    <a16:rowId xmlns:a16="http://schemas.microsoft.com/office/drawing/2014/main" val="4229666172"/>
+                  </a:ext>
+                </a:extLst>
+              </a:tr>
+              <a:tr h="575296">
+                <a:tc>
+                  <a:txBody>
+                    <a:bodyPr/>
+                    <a:lstStyle/>
+                    <a:p>
+                      <a:pPr marL="0" algn="ctr" defTabSz="914400" rtl="0" eaLnBrk="1" latinLnBrk="0" hangingPunct="1">
+                        <a:lnSpc>
+                          <a:spcPct val="150000"/>
+                        </a:lnSpc>
+                        <a:spcAft>
+                          <a:spcPts val="0"/>
+                        </a:spcAft>
+                      </a:pPr>
+                      <a:r>
+                        <a:rPr lang="hu-HU" sz="1400" b="1" kern="1200" dirty="0">
+                          <a:solidFill>
+                            <a:schemeClr val="tx1"/>
+                          </a:solidFill>
+                          <a:effectLst/>
+                          <a:latin typeface="+mn-lt"/>
+                          <a:ea typeface="+mn-ea"/>
+                          <a:cs typeface="+mn-cs"/>
+                        </a:rPr>
+                        <a:t>3 tagú kombinációk</a:t>
+                      </a:r>
+                    </a:p>
+                  </a:txBody>
+                  <a:tcPr marL="68580" marR="68580" marT="0" marB="0" anchor="ctr">
+                    <a:solidFill>
+                      <a:schemeClr val="accent1">
+                        <a:lumMod val="60000"/>
+                        <a:lumOff val="40000"/>
+                      </a:schemeClr>
+                    </a:solidFill>
+                  </a:tcPr>
+                </a:tc>
+                <a:tc>
+                  <a:txBody>
+                    <a:bodyPr/>
+                    <a:lstStyle/>
+                    <a:p>
+                      <a:pPr algn="ctr">
+                        <a:lnSpc>
+                          <a:spcPct val="150000"/>
+                        </a:lnSpc>
+                        <a:spcAft>
+                          <a:spcPts val="0"/>
+                        </a:spcAft>
+                      </a:pPr>
+                      <a:r>
+                        <a:rPr lang="hu-HU" sz="2400">
+                          <a:effectLst/>
+                        </a:rPr>
+                        <a:t>0</a:t>
+                      </a:r>
+                      <a:endParaRPr lang="hu-HU" sz="2400">
+                        <a:effectLst/>
+                        <a:latin typeface="Times New Roman" panose="02020603050405020304" pitchFamily="18" charset="0"/>
+                        <a:ea typeface="Times New Roman" panose="02020603050405020304" pitchFamily="18" charset="0"/>
+                      </a:endParaRPr>
+                    </a:p>
+                  </a:txBody>
+                  <a:tcPr marL="68580" marR="68580" marT="0" marB="0" anchor="ctr"/>
+                </a:tc>
+                <a:tc>
+                  <a:txBody>
+                    <a:bodyPr/>
+                    <a:lstStyle/>
+                    <a:p>
+                      <a:pPr algn="ctr">
+                        <a:lnSpc>
+                          <a:spcPct val="150000"/>
+                        </a:lnSpc>
+                        <a:spcAft>
+                          <a:spcPts val="0"/>
+                        </a:spcAft>
+                      </a:pPr>
+                      <a:r>
+                        <a:rPr lang="hu-HU" sz="2400">
+                          <a:effectLst/>
+                        </a:rPr>
+                        <a:t>13</a:t>
+                      </a:r>
+                      <a:endParaRPr lang="hu-HU" sz="2400">
+                        <a:effectLst/>
+                        <a:latin typeface="Times New Roman" panose="02020603050405020304" pitchFamily="18" charset="0"/>
+                        <a:ea typeface="Times New Roman" panose="02020603050405020304" pitchFamily="18" charset="0"/>
+                      </a:endParaRPr>
+                    </a:p>
+                  </a:txBody>
+                  <a:tcPr marL="68580" marR="68580" marT="0" marB="0" anchor="ctr"/>
+                </a:tc>
+                <a:tc>
+                  <a:txBody>
+                    <a:bodyPr/>
+                    <a:lstStyle/>
+                    <a:p>
+                      <a:pPr algn="ctr">
+                        <a:lnSpc>
+                          <a:spcPct val="150000"/>
+                        </a:lnSpc>
+                        <a:spcAft>
+                          <a:spcPts val="0"/>
+                        </a:spcAft>
+                      </a:pPr>
+                      <a:r>
+                        <a:rPr lang="hu-HU" sz="2400" dirty="0">
+                          <a:effectLst/>
+                        </a:rPr>
+                        <a:t>2</a:t>
+                      </a:r>
+                      <a:endParaRPr lang="hu-HU" sz="2400" dirty="0">
+                        <a:effectLst/>
+                        <a:latin typeface="Times New Roman" panose="02020603050405020304" pitchFamily="18" charset="0"/>
+                        <a:ea typeface="Times New Roman" panose="02020603050405020304" pitchFamily="18" charset="0"/>
+                      </a:endParaRPr>
+                    </a:p>
+                  </a:txBody>
+                  <a:tcPr marL="68580" marR="68580" marT="0" marB="0" anchor="ctr"/>
+                </a:tc>
+                <a:extLst>
+                  <a:ext uri="{0D108BD9-81ED-4DB2-BD59-A6C34878D82A}">
+                    <a16:rowId xmlns:a16="http://schemas.microsoft.com/office/drawing/2014/main" val="3727625422"/>
+                  </a:ext>
+                </a:extLst>
+              </a:tr>
+              <a:tr h="575296">
+                <a:tc>
+                  <a:txBody>
+                    <a:bodyPr/>
+                    <a:lstStyle/>
+                    <a:p>
+                      <a:pPr marL="0" algn="ctr" defTabSz="914400" rtl="0" eaLnBrk="1" latinLnBrk="0" hangingPunct="1">
+                        <a:lnSpc>
+                          <a:spcPct val="150000"/>
+                        </a:lnSpc>
+                        <a:spcAft>
+                          <a:spcPts val="0"/>
+                        </a:spcAft>
+                      </a:pPr>
+                      <a:r>
+                        <a:rPr lang="hu-HU" sz="1400" b="1" kern="1200" dirty="0">
+                          <a:solidFill>
+                            <a:schemeClr val="tx1"/>
+                          </a:solidFill>
+                          <a:effectLst/>
+                          <a:latin typeface="+mn-lt"/>
+                          <a:ea typeface="+mn-ea"/>
+                          <a:cs typeface="+mn-cs"/>
+                        </a:rPr>
+                        <a:t>4 tagú kombinációk</a:t>
+                      </a:r>
+                    </a:p>
+                  </a:txBody>
+                  <a:tcPr marL="68580" marR="68580" marT="0" marB="0" anchor="ctr">
+                    <a:solidFill>
+                      <a:schemeClr val="accent1">
+                        <a:lumMod val="60000"/>
+                        <a:lumOff val="40000"/>
+                      </a:schemeClr>
+                    </a:solidFill>
+                  </a:tcPr>
+                </a:tc>
+                <a:tc>
+                  <a:txBody>
+                    <a:bodyPr/>
+                    <a:lstStyle/>
+                    <a:p>
+                      <a:pPr algn="ctr">
+                        <a:lnSpc>
+                          <a:spcPct val="150000"/>
+                        </a:lnSpc>
+                        <a:spcAft>
+                          <a:spcPts val="0"/>
+                        </a:spcAft>
+                      </a:pPr>
+                      <a:r>
+                        <a:rPr lang="hu-HU" sz="2400">
+                          <a:effectLst/>
+                        </a:rPr>
+                        <a:t>0</a:t>
+                      </a:r>
+                      <a:endParaRPr lang="hu-HU" sz="2400">
+                        <a:effectLst/>
+                        <a:latin typeface="Times New Roman" panose="02020603050405020304" pitchFamily="18" charset="0"/>
+                        <a:ea typeface="Times New Roman" panose="02020603050405020304" pitchFamily="18" charset="0"/>
+                      </a:endParaRPr>
+                    </a:p>
+                  </a:txBody>
+                  <a:tcPr marL="68580" marR="68580" marT="0" marB="0" anchor="ctr"/>
+                </a:tc>
+                <a:tc>
+                  <a:txBody>
+                    <a:bodyPr/>
+                    <a:lstStyle/>
+                    <a:p>
+                      <a:pPr algn="ctr">
+                        <a:lnSpc>
+                          <a:spcPct val="150000"/>
+                        </a:lnSpc>
+                        <a:spcAft>
+                          <a:spcPts val="0"/>
+                        </a:spcAft>
+                      </a:pPr>
+                      <a:r>
+                        <a:rPr lang="hu-HU" sz="2400">
+                          <a:effectLst/>
+                        </a:rPr>
+                        <a:t>4</a:t>
+                      </a:r>
+                      <a:endParaRPr lang="hu-HU" sz="2400">
+                        <a:effectLst/>
+                        <a:latin typeface="Times New Roman" panose="02020603050405020304" pitchFamily="18" charset="0"/>
+                        <a:ea typeface="Times New Roman" panose="02020603050405020304" pitchFamily="18" charset="0"/>
+                      </a:endParaRPr>
+                    </a:p>
+                  </a:txBody>
+                  <a:tcPr marL="68580" marR="68580" marT="0" marB="0" anchor="ctr"/>
+                </a:tc>
+                <a:tc>
+                  <a:txBody>
+                    <a:bodyPr/>
+                    <a:lstStyle/>
+                    <a:p>
+                      <a:pPr algn="ctr">
+                        <a:lnSpc>
+                          <a:spcPct val="150000"/>
+                        </a:lnSpc>
+                        <a:spcAft>
+                          <a:spcPts val="0"/>
+                        </a:spcAft>
+                      </a:pPr>
+                      <a:r>
+                        <a:rPr lang="hu-HU" sz="2400" dirty="0">
+                          <a:effectLst/>
+                        </a:rPr>
+                        <a:t>0</a:t>
+                      </a:r>
+                      <a:endParaRPr lang="hu-HU" sz="2400" dirty="0">
+                        <a:effectLst/>
+                        <a:latin typeface="Times New Roman" panose="02020603050405020304" pitchFamily="18" charset="0"/>
+                        <a:ea typeface="Times New Roman" panose="02020603050405020304" pitchFamily="18" charset="0"/>
+                      </a:endParaRPr>
+                    </a:p>
+                  </a:txBody>
+                  <a:tcPr marL="68580" marR="68580" marT="0" marB="0" anchor="ctr"/>
+                </a:tc>
+                <a:extLst>
+                  <a:ext uri="{0D108BD9-81ED-4DB2-BD59-A6C34878D82A}">
+                    <a16:rowId xmlns:a16="http://schemas.microsoft.com/office/drawing/2014/main" val="4151106488"/>
+                  </a:ext>
+                </a:extLst>
+              </a:tr>
+            </a:tbl>
+          </a:graphicData>
+        </a:graphic>
+      </p:graphicFrame>
+    </p:spTree>
+    <p:extLst>
+      <p:ext uri="{BB962C8B-B14F-4D97-AF65-F5344CB8AC3E}">
+        <p14:creationId xmlns:p14="http://schemas.microsoft.com/office/powerpoint/2010/main" val="100694557"/>
+      </p:ext>
+    </p:extLst>
+  </p:cSld>
+  <p:clrMapOvr>
+    <a:masterClrMapping/>
+  </p:clrMapOvr>
+</p:sld>
+</file>
+
+<file path=ppt/slides/slide14.xml><?xml version="1.0" encoding="utf-8"?>
+<p:sld xmlns:a="http://schemas.openxmlformats.org/drawingml/2006/main" xmlns:r="http://schemas.openxmlformats.org/officeDocument/2006/relationships" xmlns:p="http://schemas.openxmlformats.org/presentationml/2006/main">
+  <p:cSld>
+    <p:spTree>
+      <p:nvGrpSpPr>
+        <p:cNvPr id="1" name=""/>
+        <p:cNvGrpSpPr/>
+        <p:nvPr/>
+      </p:nvGrpSpPr>
+      <p:grpSpPr>
+        <a:xfrm>
+          <a:off x="0" y="0"/>
+          <a:ext cx="0" cy="0"/>
+          <a:chOff x="0" y="0"/>
+          <a:chExt cx="0" cy="0"/>
+        </a:xfrm>
+      </p:grpSpPr>
+      <p:sp>
+        <p:nvSpPr>
+          <p:cNvPr id="2" name="Cím 1">
+            <a:extLst>
+              <a:ext uri="{FF2B5EF4-FFF2-40B4-BE49-F238E27FC236}">
+                <a16:creationId xmlns:a16="http://schemas.microsoft.com/office/drawing/2014/main" id="{8D38B76F-95F6-45EE-A1ED-453655F28D28}"/>
+              </a:ext>
+            </a:extLst>
+          </p:cNvPr>
+          <p:cNvSpPr>
+            <a:spLocks noGrp="1"/>
+          </p:cNvSpPr>
+          <p:nvPr>
+            <p:ph type="title"/>
+          </p:nvPr>
+        </p:nvSpPr>
+        <p:spPr/>
+        <p:txBody>
+          <a:bodyPr/>
+          <a:lstStyle/>
+          <a:p>
+            <a:pPr algn="ctr"/>
+            <a:r>
+              <a:rPr lang="hu-HU" dirty="0"/>
+              <a:t>Összegzés</a:t>
+            </a:r>
+          </a:p>
+        </p:txBody>
+      </p:sp>
+      <p:sp>
+        <p:nvSpPr>
+          <p:cNvPr id="4" name="Dia számának helye 3">
+            <a:extLst>
+              <a:ext uri="{FF2B5EF4-FFF2-40B4-BE49-F238E27FC236}">
+                <a16:creationId xmlns:a16="http://schemas.microsoft.com/office/drawing/2014/main" id="{B71D6050-03B7-4A11-BC69-7BB4B58DE597}"/>
+              </a:ext>
+            </a:extLst>
+          </p:cNvPr>
+          <p:cNvSpPr>
+            <a:spLocks noGrp="1"/>
+          </p:cNvSpPr>
+          <p:nvPr>
+            <p:ph type="sldNum" sz="quarter" idx="12"/>
+          </p:nvPr>
+        </p:nvSpPr>
+        <p:spPr/>
+        <p:txBody>
+          <a:bodyPr/>
+          <a:lstStyle/>
+          <a:p>
+            <a:fld id="{676786BD-618E-4F38-B087-5D1176D55033}" type="slidenum">
+              <a:rPr lang="hu-HU" smtClean="0"/>
+              <a:t>14</a:t>
+            </a:fld>
+            <a:endParaRPr lang="hu-HU"/>
+          </a:p>
+        </p:txBody>
+      </p:sp>
+      <p:sp>
+        <p:nvSpPr>
+          <p:cNvPr id="3" name="Szövegdoboz 2">
+            <a:extLst>
+              <a:ext uri="{FF2B5EF4-FFF2-40B4-BE49-F238E27FC236}">
+                <a16:creationId xmlns:a16="http://schemas.microsoft.com/office/drawing/2014/main" id="{030528F3-D689-428A-BB56-A46FC1922D71}"/>
+              </a:ext>
+            </a:extLst>
+          </p:cNvPr>
+          <p:cNvSpPr txBox="1"/>
+          <p:nvPr/>
+        </p:nvSpPr>
+        <p:spPr>
+          <a:xfrm>
+            <a:off x="114300" y="2282992"/>
+            <a:ext cx="8867274" cy="4008790"/>
+          </a:xfrm>
+          <a:prstGeom prst="rect">
+            <a:avLst/>
+          </a:prstGeom>
+          <a:noFill/>
+        </p:spPr>
+        <p:txBody>
+          <a:bodyPr wrap="square" rtlCol="0">
+            <a:spAutoFit/>
+          </a:bodyPr>
+          <a:lstStyle/>
+          <a:p>
+            <a:pPr>
+              <a:spcAft>
+                <a:spcPts val="1800"/>
+              </a:spcAft>
+            </a:pPr>
+            <a:r>
+              <a:rPr lang="hu-HU" sz="2800" dirty="0"/>
+              <a:t>Észrevételeink: a feladatokban számtalan redundáns 	megkötés található</a:t>
+            </a:r>
+          </a:p>
+          <a:p>
+            <a:pPr>
+              <a:spcAft>
+                <a:spcPts val="1800"/>
+              </a:spcAft>
+            </a:pPr>
+            <a:r>
+              <a:rPr lang="hu-HU" sz="2800" dirty="0"/>
+              <a:t>Előnye a módszereinknek: rendkívül gyors megoldás 	nehezebb példáknál is </a:t>
+            </a:r>
+            <a:endParaRPr lang="en-US" sz="2800" dirty="0"/>
+          </a:p>
+          <a:p>
+            <a:pPr>
+              <a:spcAft>
+                <a:spcPts val="1800"/>
+              </a:spcAft>
+            </a:pPr>
+            <a:r>
+              <a:rPr lang="en-US" sz="2800" dirty="0"/>
+              <a:t>A </a:t>
+            </a:r>
+            <a:r>
+              <a:rPr lang="en-US" sz="2800" dirty="0" err="1"/>
+              <a:t>kutatás</a:t>
+            </a:r>
+            <a:r>
+              <a:rPr lang="en-US" sz="2800" dirty="0"/>
+              <a:t> </a:t>
+            </a:r>
+            <a:r>
+              <a:rPr lang="en-US" sz="2800" dirty="0" err="1"/>
+              <a:t>elért</a:t>
+            </a:r>
+            <a:r>
+              <a:rPr lang="en-US" sz="2800" dirty="0"/>
+              <a:t> </a:t>
+            </a:r>
+            <a:r>
+              <a:rPr lang="en-US" sz="2800" dirty="0" err="1"/>
+              <a:t>eredményei</a:t>
+            </a:r>
+            <a:r>
+              <a:rPr lang="hu-HU" sz="2800" dirty="0"/>
+              <a:t> : különböző módszerekkel lettek  	megoldva a feladványok és össze lettek hasonlítva 	hatékonyság szempontjából</a:t>
+            </a:r>
+          </a:p>
+          <a:p>
+            <a:pPr marL="214313" indent="-214313">
+              <a:buFont typeface="Arial" panose="020B0604020202020204" pitchFamily="34" charset="0"/>
+              <a:buChar char="•"/>
+            </a:pPr>
+            <a:endParaRPr lang="hu-HU" sz="1350" dirty="0"/>
+          </a:p>
+        </p:txBody>
+      </p:sp>
+    </p:spTree>
+    <p:extLst>
+      <p:ext uri="{BB962C8B-B14F-4D97-AF65-F5344CB8AC3E}">
+        <p14:creationId xmlns:p14="http://schemas.microsoft.com/office/powerpoint/2010/main" val="4280160022"/>
+      </p:ext>
+    </p:extLst>
+  </p:cSld>
+  <p:clrMapOvr>
+    <a:masterClrMapping/>
+  </p:clrMapOvr>
+</p:sld>
+</file>
+
+<file path=ppt/slides/slide15.xml><?xml version="1.0" encoding="utf-8"?>
+<p:sld xmlns:a="http://schemas.openxmlformats.org/drawingml/2006/main" xmlns:r="http://schemas.openxmlformats.org/officeDocument/2006/relationships" xmlns:p="http://schemas.openxmlformats.org/presentationml/2006/main">
+  <p:cSld>
+    <p:spTree>
+      <p:nvGrpSpPr>
+        <p:cNvPr id="1" name=""/>
+        <p:cNvGrpSpPr/>
+        <p:nvPr/>
+      </p:nvGrpSpPr>
+      <p:grpSpPr>
+        <a:xfrm>
+          <a:off x="0" y="0"/>
+          <a:ext cx="0" cy="0"/>
+          <a:chOff x="0" y="0"/>
+          <a:chExt cx="0" cy="0"/>
+        </a:xfrm>
+      </p:grpSpPr>
+      <p:sp>
+        <p:nvSpPr>
+          <p:cNvPr id="2" name="Cím 1">
+            <a:extLst>
+              <a:ext uri="{FF2B5EF4-FFF2-40B4-BE49-F238E27FC236}">
                 <a16:creationId xmlns:a16="http://schemas.microsoft.com/office/drawing/2014/main" id="{26FEFA12-4695-4AB3-A86E-924A663068D0}"/>
               </a:ext>
             </a:extLst>
@@ -3697,7 +5059,7 @@
           <a:p>
             <a:fld id="{676786BD-618E-4F38-B087-5D1176D55033}" type="slidenum">
               <a:rPr lang="hu-HU" smtClean="0"/>
-              <a:t>11</a:t>
+              <a:t>15</a:t>
             </a:fld>
             <a:endParaRPr lang="hu-HU"/>
           </a:p>
@@ -3749,7 +5111,7 @@
           <a:lstStyle/>
           <a:p>
             <a:r>
-              <a:rPr lang="en-US" dirty="0" err="1" smtClean="0"/>
+              <a:rPr lang="en-US" dirty="0" err="1"/>
               <a:t>Tartalom</a:t>
             </a:r>
             <a:endParaRPr lang="hu-HU" dirty="0"/>
@@ -3772,11 +5134,11 @@
           <a:lstStyle/>
           <a:p>
             <a:r>
-              <a:rPr lang="en-US" dirty="0" err="1" smtClean="0"/>
+              <a:rPr lang="en-US" dirty="0" err="1"/>
               <a:t>Logikai</a:t>
             </a:r>
             <a:r>
-              <a:rPr lang="en-US" dirty="0" smtClean="0"/>
+              <a:rPr lang="en-US" dirty="0"/>
               <a:t> </a:t>
             </a:r>
             <a:r>
@@ -3787,67 +5149,67 @@
           </a:p>
           <a:p>
             <a:r>
-              <a:rPr lang="en-US" dirty="0" err="1" smtClean="0"/>
+              <a:rPr lang="en-US" dirty="0" err="1"/>
               <a:t>Korlátprogramozás</a:t>
             </a:r>
-            <a:endParaRPr lang="en-US" dirty="0" smtClean="0"/>
-          </a:p>
-          <a:p>
-            <a:r>
-              <a:rPr lang="en-US" dirty="0" err="1" smtClean="0"/>
+            <a:endParaRPr lang="en-US" dirty="0"/>
+          </a:p>
+          <a:p>
+            <a:r>
+              <a:rPr lang="en-US" dirty="0" err="1"/>
               <a:t>Modellezési</a:t>
             </a:r>
             <a:r>
-              <a:rPr lang="en-US" dirty="0" smtClean="0"/>
+              <a:rPr lang="en-US" dirty="0"/>
               <a:t> </a:t>
             </a:r>
             <a:r>
-              <a:rPr lang="en-US" dirty="0" err="1" smtClean="0"/>
+              <a:rPr lang="en-US" dirty="0" err="1"/>
               <a:t>módszerek</a:t>
             </a:r>
-            <a:endParaRPr lang="en-US" dirty="0" smtClean="0"/>
-          </a:p>
-          <a:p>
-            <a:r>
-              <a:rPr lang="en-US" dirty="0" err="1" smtClean="0"/>
+            <a:endParaRPr lang="en-US" dirty="0"/>
+          </a:p>
+          <a:p>
+            <a:r>
+              <a:rPr lang="en-US" dirty="0" err="1"/>
               <a:t>Összehasonlító</a:t>
             </a:r>
             <a:r>
-              <a:rPr lang="en-US" dirty="0" smtClean="0"/>
+              <a:rPr lang="en-US" dirty="0"/>
               <a:t> </a:t>
             </a:r>
             <a:r>
-              <a:rPr lang="en-US" dirty="0" err="1" smtClean="0"/>
+              <a:rPr lang="en-US" dirty="0" err="1"/>
               <a:t>tesztek</a:t>
             </a:r>
-            <a:endParaRPr lang="en-US" dirty="0" smtClean="0"/>
-          </a:p>
-          <a:p>
-            <a:r>
-              <a:rPr lang="en-US" dirty="0" err="1" smtClean="0"/>
+            <a:endParaRPr lang="en-US" dirty="0"/>
+          </a:p>
+          <a:p>
+            <a:r>
+              <a:rPr lang="en-US" dirty="0" err="1"/>
               <a:t>Redundáns</a:t>
             </a:r>
             <a:r>
-              <a:rPr lang="en-US" dirty="0" smtClean="0"/>
+              <a:rPr lang="en-US" dirty="0"/>
               <a:t> </a:t>
             </a:r>
             <a:r>
-              <a:rPr lang="en-US" dirty="0" err="1" smtClean="0"/>
+              <a:rPr lang="en-US" dirty="0" err="1"/>
               <a:t>megkötések</a:t>
             </a:r>
             <a:r>
-              <a:rPr lang="en-US" dirty="0" smtClean="0"/>
+              <a:rPr lang="en-US" dirty="0"/>
               <a:t> </a:t>
             </a:r>
             <a:r>
-              <a:rPr lang="en-US" dirty="0" err="1" smtClean="0"/>
+              <a:rPr lang="en-US" dirty="0" err="1"/>
               <a:t>kiszűrése</a:t>
             </a:r>
-            <a:endParaRPr lang="en-US" dirty="0" smtClean="0"/>
-          </a:p>
-          <a:p>
-            <a:r>
-              <a:rPr lang="en-US" dirty="0" err="1" smtClean="0"/>
+            <a:endParaRPr lang="en-US" dirty="0"/>
+          </a:p>
+          <a:p>
+            <a:r>
+              <a:rPr lang="en-US" dirty="0" err="1"/>
               <a:t>Összegzés</a:t>
             </a:r>
             <a:endParaRPr lang="hu-HU" dirty="0"/>
@@ -3912,7 +5274,7 @@
           <p:cNvPr id="2" name="Cím 1">
             <a:extLst>
               <a:ext uri="{FF2B5EF4-FFF2-40B4-BE49-F238E27FC236}">
-                <a16:creationId xmlns:a16="http://schemas.microsoft.com/office/drawing/2014/main" id="{F7690AF8-5CA8-441B-B3DE-A0B60882A56C}"/>
+                <a16:creationId xmlns:a16="http://schemas.microsoft.com/office/drawing/2014/main" id="{63452676-1263-4791-86B4-FC25F9E9F22B}"/>
               </a:ext>
             </a:extLst>
           </p:cNvPr>
@@ -3930,10 +5292,9 @@
           <a:p>
             <a:pPr algn="ctr"/>
             <a:r>
-              <a:rPr lang="en-US" dirty="0" err="1" smtClean="0"/>
-              <a:t>Motiváció</a:t>
-            </a:r>
-            <a:endParaRPr lang="hu-HU" dirty="0"/>
+              <a:rPr lang="hu-HU" dirty="0"/>
+              <a:t>Logikai feladványok</a:t>
+            </a:r>
           </a:p>
         </p:txBody>
       </p:sp>
@@ -3942,7 +5303,7 @@
           <p:cNvPr id="4" name="Dia számának helye 3">
             <a:extLst>
               <a:ext uri="{FF2B5EF4-FFF2-40B4-BE49-F238E27FC236}">
-                <a16:creationId xmlns:a16="http://schemas.microsoft.com/office/drawing/2014/main" id="{43979BCF-7C9E-41B7-9282-C411F9C6F5A1}"/>
+                <a16:creationId xmlns:a16="http://schemas.microsoft.com/office/drawing/2014/main" id="{5F92542F-59D1-4271-9731-543CD62F5022}"/>
               </a:ext>
             </a:extLst>
           </p:cNvPr>
@@ -3966,10 +5327,72 @@
           </a:p>
         </p:txBody>
       </p:sp>
+      <p:sp>
+        <p:nvSpPr>
+          <p:cNvPr id="3" name="Szövegdoboz 2">
+            <a:extLst>
+              <a:ext uri="{FF2B5EF4-FFF2-40B4-BE49-F238E27FC236}">
+                <a16:creationId xmlns:a16="http://schemas.microsoft.com/office/drawing/2014/main" id="{243F9B98-F190-4961-A193-87BA7CA1F8FE}"/>
+              </a:ext>
+            </a:extLst>
+          </p:cNvPr>
+          <p:cNvSpPr txBox="1"/>
+          <p:nvPr/>
+        </p:nvSpPr>
+        <p:spPr>
+          <a:xfrm>
+            <a:off x="138363" y="2306930"/>
+            <a:ext cx="8867274" cy="1846659"/>
+          </a:xfrm>
+          <a:prstGeom prst="rect">
+            <a:avLst/>
+          </a:prstGeom>
+          <a:noFill/>
+        </p:spPr>
+        <p:txBody>
+          <a:bodyPr wrap="square" rtlCol="0">
+            <a:spAutoFit/>
+          </a:bodyPr>
+          <a:lstStyle/>
+          <a:p>
+            <a:pPr>
+              <a:spcAft>
+                <a:spcPts val="1800"/>
+              </a:spcAft>
+            </a:pPr>
+            <a:r>
+              <a:rPr lang="hu-HU" sz="2800" dirty="0"/>
+              <a:t>Arisztotelész: a logika, mint fogalom megfogalmazása</a:t>
+            </a:r>
+          </a:p>
+          <a:p>
+            <a:pPr>
+              <a:spcAft>
+                <a:spcPts val="1800"/>
+              </a:spcAft>
+            </a:pPr>
+            <a:r>
+              <a:rPr lang="hu-HU" sz="2800" dirty="0"/>
+              <a:t>Einstein-féle logikai feladványok</a:t>
+            </a:r>
+          </a:p>
+          <a:p>
+            <a:pPr>
+              <a:spcAft>
+                <a:spcPts val="1800"/>
+              </a:spcAft>
+            </a:pPr>
+            <a:r>
+              <a:rPr lang="hu-HU" sz="2800" dirty="0"/>
+              <a:t>Hozzárendelési feladatokhoz való hasonlóság</a:t>
+            </a:r>
+          </a:p>
+        </p:txBody>
+      </p:sp>
     </p:spTree>
     <p:extLst>
       <p:ext uri="{BB962C8B-B14F-4D97-AF65-F5344CB8AC3E}">
-        <p14:creationId xmlns:p14="http://schemas.microsoft.com/office/powerpoint/2010/main" val="1634195410"/>
+        <p14:creationId xmlns:p14="http://schemas.microsoft.com/office/powerpoint/2010/main" val="1376513413"/>
       </p:ext>
     </p:extLst>
   </p:cSld>
@@ -4001,7 +5424,7 @@
           <p:cNvPr id="2" name="Cím 1">
             <a:extLst>
               <a:ext uri="{FF2B5EF4-FFF2-40B4-BE49-F238E27FC236}">
-                <a16:creationId xmlns:a16="http://schemas.microsoft.com/office/drawing/2014/main" id="{63452676-1263-4791-86B4-FC25F9E9F22B}"/>
+                <a16:creationId xmlns:a16="http://schemas.microsoft.com/office/drawing/2014/main" id="{3D71E464-FDA0-44ED-BAE0-76765A5D6664}"/>
               </a:ext>
             </a:extLst>
           </p:cNvPr>
@@ -4020,17 +5443,17 @@
             <a:pPr algn="ctr"/>
             <a:r>
               <a:rPr lang="hu-HU" dirty="0"/>
-              <a:t>Logikai feladványok</a:t>
-            </a:r>
-          </a:p>
-        </p:txBody>
-      </p:sp>
-      <p:sp>
-        <p:nvSpPr>
-          <p:cNvPr id="4" name="Dia számának helye 3">
+              <a:t>Korlátprogramozás</a:t>
+            </a:r>
+          </a:p>
+        </p:txBody>
+      </p:sp>
+      <p:sp>
+        <p:nvSpPr>
+          <p:cNvPr id="5" name="Dia számának helye 4">
             <a:extLst>
               <a:ext uri="{FF2B5EF4-FFF2-40B4-BE49-F238E27FC236}">
-                <a16:creationId xmlns:a16="http://schemas.microsoft.com/office/drawing/2014/main" id="{5F92542F-59D1-4271-9731-543CD62F5022}"/>
+                <a16:creationId xmlns:a16="http://schemas.microsoft.com/office/drawing/2014/main" id="{3927AD5E-958C-4218-A2F7-1714AA2AACB5}"/>
               </a:ext>
             </a:extLst>
           </p:cNvPr>
@@ -4056,10 +5479,10 @@
       </p:sp>
       <p:sp>
         <p:nvSpPr>
-          <p:cNvPr id="3" name="Szövegdoboz 2">
+          <p:cNvPr id="6" name="Szövegdoboz 5">
             <a:extLst>
               <a:ext uri="{FF2B5EF4-FFF2-40B4-BE49-F238E27FC236}">
-                <a16:creationId xmlns:a16="http://schemas.microsoft.com/office/drawing/2014/main" id="{243F9B98-F190-4961-A193-87BA7CA1F8FE}"/>
+                <a16:creationId xmlns:a16="http://schemas.microsoft.com/office/drawing/2014/main" id="{6EA50174-05F4-4DB5-AFA6-707EDDAD33F6}"/>
               </a:ext>
             </a:extLst>
           </p:cNvPr>
@@ -4068,8 +5491,8 @@
         </p:nvSpPr>
         <p:spPr>
           <a:xfrm>
-            <a:off x="138363" y="2306930"/>
-            <a:ext cx="8867274" cy="715581"/>
+            <a:off x="138363" y="2306929"/>
+            <a:ext cx="8867274" cy="3293209"/>
           </a:xfrm>
           <a:prstGeom prst="rect">
             <a:avLst/>
@@ -4082,33 +5505,99 @@
           </a:bodyPr>
           <a:lstStyle/>
           <a:p>
-            <a:pPr marL="214313" indent="-214313">
-              <a:buFont typeface="Arial" panose="020B0604020202020204" pitchFamily="34" charset="0"/>
-              <a:buChar char="•"/>
+            <a:r>
+              <a:rPr lang="hu-HU" sz="2400" dirty="0"/>
+              <a:t>Ivan </a:t>
+            </a:r>
+            <a:r>
+              <a:rPr lang="hu-HU" sz="2400" dirty="0" err="1"/>
+              <a:t>Sutherland</a:t>
+            </a:r>
+            <a:r>
+              <a:rPr lang="hu-HU" sz="2400" dirty="0"/>
+              <a:t> (1963): </a:t>
+            </a:r>
+            <a:r>
+              <a:rPr lang="hu-HU" sz="2400" dirty="0" err="1"/>
+              <a:t>Sketchpad</a:t>
+            </a:r>
+            <a:endParaRPr lang="hu-HU" sz="2400" dirty="0"/>
+          </a:p>
+          <a:p>
+            <a:r>
+              <a:rPr lang="hu-HU" sz="2400" dirty="0"/>
+              <a:t>1980-as években egyre keresettebb módszer lett</a:t>
+            </a:r>
+          </a:p>
+          <a:p>
+            <a:pPr>
+              <a:spcAft>
+                <a:spcPts val="1800"/>
+              </a:spcAft>
             </a:pPr>
             <a:r>
-              <a:rPr lang="hu-HU" sz="1350" dirty="0"/>
-              <a:t>Arisztotelész szerepe a logikában</a:t>
-            </a:r>
-          </a:p>
-          <a:p>
-            <a:pPr marL="214313" indent="-214313">
-              <a:buFont typeface="Arial" panose="020B0604020202020204" pitchFamily="34" charset="0"/>
-              <a:buChar char="•"/>
+              <a:rPr lang="hu-HU" sz="2400" dirty="0"/>
+              <a:t>1990-es évektől eladható változatok</a:t>
+            </a:r>
+          </a:p>
+          <a:p>
+            <a:pPr>
+              <a:spcAft>
+                <a:spcPts val="600"/>
+              </a:spcAft>
             </a:pPr>
             <a:r>
-              <a:rPr lang="hu-HU" sz="1350" dirty="0"/>
-              <a:t>Einstein-féle logikai feladványok</a:t>
-            </a:r>
-          </a:p>
-          <a:p>
-            <a:pPr marL="214313" indent="-214313">
-              <a:buFont typeface="Arial" panose="020B0604020202020204" pitchFamily="34" charset="0"/>
-              <a:buChar char="•"/>
+              <a:rPr lang="hu-HU" sz="2400" dirty="0"/>
+              <a:t>MiniZinc:  - grafikus szerkesztőprogram és nyelv is egyben</a:t>
+            </a:r>
+          </a:p>
+          <a:p>
+            <a:pPr lvl="2">
+              <a:spcAft>
+                <a:spcPts val="1800"/>
+              </a:spcAft>
             </a:pPr>
             <a:r>
-              <a:rPr lang="hu-HU" sz="1350" dirty="0"/>
-              <a:t>Hozzárendelési feladatok</a:t>
+              <a:rPr lang="hu-HU" sz="2400" dirty="0"/>
+              <a:t>        - fordítója a mzn2fzn -&gt; </a:t>
+            </a:r>
+            <a:r>
+              <a:rPr lang="hu-HU" sz="2400" dirty="0" err="1"/>
+              <a:t>FlatZinc</a:t>
+            </a:r>
+            <a:r>
+              <a:rPr lang="hu-HU" sz="2400" dirty="0"/>
+              <a:t>-re alakítja</a:t>
+            </a:r>
+          </a:p>
+          <a:p>
+            <a:pPr>
+              <a:spcAft>
+                <a:spcPts val="600"/>
+              </a:spcAft>
+            </a:pPr>
+            <a:r>
+              <a:rPr lang="hu-HU" sz="2400" dirty="0"/>
+              <a:t>Christian </a:t>
+            </a:r>
+            <a:r>
+              <a:rPr lang="hu-HU" sz="2400" dirty="0" err="1"/>
+              <a:t>Schulte</a:t>
+            </a:r>
+            <a:r>
+              <a:rPr lang="hu-HU" sz="2400" dirty="0"/>
+              <a:t> (2005): Gecode</a:t>
+            </a:r>
+          </a:p>
+          <a:p>
+            <a:pPr lvl="4">
+              <a:spcAft>
+                <a:spcPts val="600"/>
+              </a:spcAft>
+            </a:pPr>
+            <a:r>
+              <a:rPr lang="hu-HU" sz="2400" dirty="0"/>
+              <a:t> - több versenyen is aranyérmes lett</a:t>
             </a:r>
           </a:p>
         </p:txBody>
@@ -4116,7 +5605,7 @@
     </p:spTree>
     <p:extLst>
       <p:ext uri="{BB962C8B-B14F-4D97-AF65-F5344CB8AC3E}">
-        <p14:creationId xmlns:p14="http://schemas.microsoft.com/office/powerpoint/2010/main" val="1376513413"/>
+        <p14:creationId xmlns:p14="http://schemas.microsoft.com/office/powerpoint/2010/main" val="1172809783"/>
       </p:ext>
     </p:extLst>
   </p:cSld>
@@ -4143,41 +5632,47 @@
           <a:chExt cx="0" cy="0"/>
         </a:xfrm>
       </p:grpSpPr>
-      <p:sp>
-        <p:nvSpPr>
-          <p:cNvPr id="2" name="Cím 1">
+      <p:pic>
+        <p:nvPicPr>
+          <p:cNvPr id="6" name="Kép 5">
             <a:extLst>
               <a:ext uri="{FF2B5EF4-FFF2-40B4-BE49-F238E27FC236}">
-                <a16:creationId xmlns:a16="http://schemas.microsoft.com/office/drawing/2014/main" id="{3D71E464-FDA0-44ED-BAE0-76765A5D6664}"/>
+                <a16:creationId xmlns:a16="http://schemas.microsoft.com/office/drawing/2014/main" id="{03A2FCAA-44F4-4121-9409-3F7C16B08598}"/>
               </a:ext>
             </a:extLst>
           </p:cNvPr>
-          <p:cNvSpPr>
-            <a:spLocks noGrp="1"/>
-          </p:cNvSpPr>
-          <p:nvPr>
-            <p:ph type="title"/>
-          </p:nvPr>
-        </p:nvSpPr>
-        <p:spPr/>
-        <p:txBody>
-          <a:bodyPr/>
-          <a:lstStyle/>
-          <a:p>
-            <a:pPr algn="ctr"/>
-            <a:r>
-              <a:rPr lang="hu-HU" dirty="0"/>
-              <a:t>Korlátprogramozás</a:t>
-            </a:r>
-          </a:p>
-        </p:txBody>
-      </p:sp>
-      <p:sp>
-        <p:nvSpPr>
-          <p:cNvPr id="5" name="Dia számának helye 4">
+          <p:cNvPicPr>
+            <a:picLocks noChangeAspect="1"/>
+          </p:cNvPicPr>
+          <p:nvPr/>
+        </p:nvPicPr>
+        <p:blipFill rotWithShape="1">
+          <a:blip r:embed="rId2">
+            <a:extLst>
+              <a:ext uri="{28A0092B-C50C-407E-A947-70E740481C1C}">
+                <a14:useLocalDpi xmlns:a14="http://schemas.microsoft.com/office/drawing/2010/main" val="0"/>
+              </a:ext>
+            </a:extLst>
+          </a:blip>
+          <a:srcRect l="9657" t="40" r="27888" b="76524"/>
+          <a:stretch/>
+        </p:blipFill>
+        <p:spPr>
+          <a:xfrm>
+            <a:off x="4817326" y="1194936"/>
+            <a:ext cx="3215791" cy="2383436"/>
+          </a:xfrm>
+          <a:prstGeom prst="rect">
+            <a:avLst/>
+          </a:prstGeom>
+        </p:spPr>
+      </p:pic>
+      <p:sp>
+        <p:nvSpPr>
+          <p:cNvPr id="2" name="Dia számának helye 1">
             <a:extLst>
               <a:ext uri="{FF2B5EF4-FFF2-40B4-BE49-F238E27FC236}">
-                <a16:creationId xmlns:a16="http://schemas.microsoft.com/office/drawing/2014/main" id="{3927AD5E-958C-4218-A2F7-1714AA2AACB5}"/>
+                <a16:creationId xmlns:a16="http://schemas.microsoft.com/office/drawing/2014/main" id="{FB342F71-8953-4DC7-8EEB-C5E7385C3ABE}"/>
               </a:ext>
             </a:extLst>
           </p:cNvPr>
@@ -4201,79 +5696,45 @@
           </a:p>
         </p:txBody>
       </p:sp>
-      <p:sp>
-        <p:nvSpPr>
-          <p:cNvPr id="6" name="Szövegdoboz 5">
+      <p:pic>
+        <p:nvPicPr>
+          <p:cNvPr id="4" name="Kép 3">
             <a:extLst>
               <a:ext uri="{FF2B5EF4-FFF2-40B4-BE49-F238E27FC236}">
-                <a16:creationId xmlns:a16="http://schemas.microsoft.com/office/drawing/2014/main" id="{6EA50174-05F4-4DB5-AFA6-707EDDAD33F6}"/>
+                <a16:creationId xmlns:a16="http://schemas.microsoft.com/office/drawing/2014/main" id="{BF1A90B6-D693-47C4-A4A4-06F4B3ADE8A1}"/>
               </a:ext>
             </a:extLst>
           </p:cNvPr>
-          <p:cNvSpPr txBox="1"/>
+          <p:cNvPicPr>
+            <a:picLocks noChangeAspect="1"/>
+          </p:cNvPicPr>
           <p:nvPr/>
-        </p:nvSpPr>
+        </p:nvPicPr>
+        <p:blipFill rotWithShape="1">
+          <a:blip r:embed="rId2">
+            <a:extLst>
+              <a:ext uri="{28A0092B-C50C-407E-A947-70E740481C1C}">
+                <a14:useLocalDpi xmlns:a14="http://schemas.microsoft.com/office/drawing/2010/main" val="0"/>
+              </a:ext>
+            </a:extLst>
+          </a:blip>
+          <a:srcRect t="28076"/>
+          <a:stretch/>
+        </p:blipFill>
         <p:spPr>
           <a:xfrm>
-            <a:off x="138363" y="2306929"/>
-            <a:ext cx="8867274" cy="923330"/>
+            <a:off x="683437" y="461433"/>
+            <a:ext cx="4133889" cy="5935134"/>
           </a:xfrm>
           <a:prstGeom prst="rect">
             <a:avLst/>
           </a:prstGeom>
-          <a:noFill/>
         </p:spPr>
-        <p:txBody>
-          <a:bodyPr wrap="square" rtlCol="0">
-            <a:spAutoFit/>
-          </a:bodyPr>
-          <a:lstStyle/>
-          <a:p>
-            <a:pPr marL="214313" indent="-214313">
-              <a:buFont typeface="Arial" panose="020B0604020202020204" pitchFamily="34" charset="0"/>
-              <a:buChar char="•"/>
-            </a:pPr>
-            <a:r>
-              <a:rPr lang="hu-HU" sz="1350" dirty="0"/>
-              <a:t>Kezdeti verziók</a:t>
-            </a:r>
-          </a:p>
-          <a:p>
-            <a:pPr marL="214313" indent="-214313">
-              <a:buFont typeface="Arial" panose="020B0604020202020204" pitchFamily="34" charset="0"/>
-              <a:buChar char="•"/>
-            </a:pPr>
-            <a:r>
-              <a:rPr lang="hu-HU" sz="1350" dirty="0"/>
-              <a:t>MiniZinc és Gecode</a:t>
-            </a:r>
-          </a:p>
-          <a:p>
-            <a:pPr marL="214313" indent="-214313">
-              <a:buFont typeface="Arial" panose="020B0604020202020204" pitchFamily="34" charset="0"/>
-              <a:buChar char="•"/>
-            </a:pPr>
-            <a:r>
-              <a:rPr lang="hu-HU" sz="1350" dirty="0"/>
-              <a:t>Korlátprogramozás működése feladaton keresztül szemléltetve</a:t>
-            </a:r>
-          </a:p>
-          <a:p>
-            <a:pPr marL="214313" indent="-214313">
-              <a:buFont typeface="Arial" panose="020B0604020202020204" pitchFamily="34" charset="0"/>
-              <a:buChar char="•"/>
-            </a:pPr>
-            <a:r>
-              <a:rPr lang="hu-HU" sz="1350" dirty="0"/>
-              <a:t>(Ábra ide a térképszínezésről)</a:t>
-            </a:r>
-          </a:p>
-        </p:txBody>
-      </p:sp>
+      </p:pic>
     </p:spTree>
     <p:extLst>
       <p:ext uri="{BB962C8B-B14F-4D97-AF65-F5344CB8AC3E}">
-        <p14:creationId xmlns:p14="http://schemas.microsoft.com/office/powerpoint/2010/main" val="1172809783"/>
+        <p14:creationId xmlns:p14="http://schemas.microsoft.com/office/powerpoint/2010/main" val="1876939960"/>
       </p:ext>
     </p:extLst>
   </p:cSld>
@@ -4318,13 +5779,30 @@
         </p:nvSpPr>
         <p:spPr/>
         <p:txBody>
-          <a:bodyPr/>
+          <a:bodyPr>
+            <a:normAutofit/>
+          </a:bodyPr>
           <a:lstStyle/>
           <a:p>
             <a:pPr algn="ctr"/>
             <a:r>
               <a:rPr lang="hu-HU" dirty="0"/>
               <a:t>„Zebra” feladatok</a:t>
+            </a:r>
+            <a:br>
+              <a:rPr lang="hu-HU" dirty="0"/>
+            </a:br>
+            <a:r>
+              <a:rPr lang="hu-HU" sz="3200" dirty="0"/>
+              <a:t>(</a:t>
+            </a:r>
+            <a:r>
+              <a:rPr lang="hu-HU" sz="3200" dirty="0" err="1"/>
+              <a:t>Movies</a:t>
+            </a:r>
+            <a:r>
+              <a:rPr lang="hu-HU" sz="3200" dirty="0"/>
+              <a:t>)</a:t>
             </a:r>
           </a:p>
         </p:txBody>
@@ -4372,8 +5850,8 @@
         </p:nvSpPr>
         <p:spPr>
           <a:xfrm>
-            <a:off x="114300" y="2282992"/>
-            <a:ext cx="8867274" cy="923330"/>
+            <a:off x="138363" y="3910128"/>
+            <a:ext cx="8867274" cy="461665"/>
           </a:xfrm>
           <a:prstGeom prst="rect">
             <a:avLst/>
@@ -4386,60 +5864,1550 @@
           </a:bodyPr>
           <a:lstStyle/>
           <a:p>
-            <a:pPr marL="214313" indent="-214313">
-              <a:buFont typeface="Arial" panose="020B0604020202020204" pitchFamily="34" charset="0"/>
-              <a:buChar char="•"/>
-            </a:pPr>
-            <a:r>
-              <a:rPr lang="hu-HU" sz="1350" dirty="0"/>
-              <a:t>Feladatok bemutatása</a:t>
-            </a:r>
-          </a:p>
-          <a:p>
-            <a:pPr marL="214313" indent="-214313">
-              <a:buFont typeface="Arial" panose="020B0604020202020204" pitchFamily="34" charset="0"/>
-              <a:buChar char="•"/>
-            </a:pPr>
-            <a:r>
-              <a:rPr lang="hu-HU" sz="1350" dirty="0" err="1"/>
-              <a:t>Movies</a:t>
-            </a:r>
-            <a:r>
-              <a:rPr lang="hu-HU" sz="1350" dirty="0"/>
-              <a:t> példa bináris mátrixszal</a:t>
-            </a:r>
-          </a:p>
-          <a:p>
-            <a:pPr marL="214313" indent="-214313">
-              <a:buFont typeface="Arial" panose="020B0604020202020204" pitchFamily="34" charset="0"/>
-              <a:buChar char="•"/>
-            </a:pPr>
-            <a:r>
-              <a:rPr lang="hu-HU" sz="1350" dirty="0" err="1"/>
-              <a:t>Fundraising</a:t>
-            </a:r>
-            <a:r>
-              <a:rPr lang="hu-HU" sz="1350" dirty="0"/>
-              <a:t> </a:t>
-            </a:r>
-            <a:r>
-              <a:rPr lang="hu-HU" sz="1350" dirty="0" err="1"/>
-              <a:t>Dinner</a:t>
-            </a:r>
-            <a:r>
-              <a:rPr lang="hu-HU" sz="1350" dirty="0"/>
-              <a:t> példa változó tömbökkel</a:t>
-            </a:r>
-          </a:p>
-          <a:p>
-            <a:pPr marL="214313" indent="-214313">
-              <a:buFont typeface="Arial" panose="020B0604020202020204" pitchFamily="34" charset="0"/>
-              <a:buChar char="•"/>
-            </a:pPr>
-            <a:endParaRPr lang="hu-HU" sz="1350" dirty="0"/>
-          </a:p>
-        </p:txBody>
-      </p:sp>
+            <a:r>
+              <a:rPr lang="hu-HU" sz="2400" dirty="0"/>
+              <a:t>Megoldás bináris mátrixszal</a:t>
+            </a:r>
+          </a:p>
+        </p:txBody>
+      </p:sp>
+      <p:graphicFrame>
+        <p:nvGraphicFramePr>
+          <p:cNvPr id="5" name="Táblázat 4">
+            <a:extLst>
+              <a:ext uri="{FF2B5EF4-FFF2-40B4-BE49-F238E27FC236}">
+                <a16:creationId xmlns:a16="http://schemas.microsoft.com/office/drawing/2014/main" id="{D26B6D1B-EE01-441C-A70F-7B514D54C92F}"/>
+              </a:ext>
+            </a:extLst>
+          </p:cNvPr>
+          <p:cNvGraphicFramePr>
+            <a:graphicFrameLocks noGrp="1"/>
+          </p:cNvGraphicFramePr>
+          <p:nvPr>
+            <p:extLst>
+              <p:ext uri="{D42A27DB-BD31-4B8C-83A1-F6EECF244321}">
+                <p14:modId xmlns:p14="http://schemas.microsoft.com/office/powerpoint/2010/main" val="2921401938"/>
+              </p:ext>
+            </p:extLst>
+          </p:nvPr>
+        </p:nvGraphicFramePr>
+        <p:xfrm>
+          <a:off x="1353895" y="1903957"/>
+          <a:ext cx="6436210" cy="1854200"/>
+        </p:xfrm>
+        <a:graphic>
+          <a:graphicData uri="http://schemas.openxmlformats.org/drawingml/2006/table">
+            <a:tbl>
+              <a:tblPr firstRow="1" bandRow="1">
+                <a:tableStyleId>{5C22544A-7EE6-4342-B048-85BDC9FD1C3A}</a:tableStyleId>
+              </a:tblPr>
+              <a:tblGrid>
+                <a:gridCol w="1427356">
+                  <a:extLst>
+                    <a:ext uri="{9D8B030D-6E8A-4147-A177-3AD203B41FA5}">
+                      <a16:colId xmlns:a16="http://schemas.microsoft.com/office/drawing/2014/main" val="3136596585"/>
+                    </a:ext>
+                  </a:extLst>
+                </a:gridCol>
+                <a:gridCol w="1147128">
+                  <a:extLst>
+                    <a:ext uri="{9D8B030D-6E8A-4147-A177-3AD203B41FA5}">
+                      <a16:colId xmlns:a16="http://schemas.microsoft.com/office/drawing/2014/main" val="2805606202"/>
+                    </a:ext>
+                  </a:extLst>
+                </a:gridCol>
+                <a:gridCol w="1287242">
+                  <a:extLst>
+                    <a:ext uri="{9D8B030D-6E8A-4147-A177-3AD203B41FA5}">
+                      <a16:colId xmlns:a16="http://schemas.microsoft.com/office/drawing/2014/main" val="1276901127"/>
+                    </a:ext>
+                  </a:extLst>
+                </a:gridCol>
+                <a:gridCol w="1287242">
+                  <a:extLst>
+                    <a:ext uri="{9D8B030D-6E8A-4147-A177-3AD203B41FA5}">
+                      <a16:colId xmlns:a16="http://schemas.microsoft.com/office/drawing/2014/main" val="3494246853"/>
+                    </a:ext>
+                  </a:extLst>
+                </a:gridCol>
+                <a:gridCol w="1287242">
+                  <a:extLst>
+                    <a:ext uri="{9D8B030D-6E8A-4147-A177-3AD203B41FA5}">
+                      <a16:colId xmlns:a16="http://schemas.microsoft.com/office/drawing/2014/main" val="3049950204"/>
+                    </a:ext>
+                  </a:extLst>
+                </a:gridCol>
+              </a:tblGrid>
+              <a:tr h="370840">
+                <a:tc>
+                  <a:txBody>
+                    <a:bodyPr/>
+                    <a:lstStyle/>
+                    <a:p>
+                      <a:r>
+                        <a:rPr lang="hu-HU" b="1" i="0" dirty="0">
+                          <a:solidFill>
+                            <a:schemeClr val="tx1"/>
+                          </a:solidFill>
+                        </a:rPr>
+                        <a:t>ing</a:t>
+                      </a:r>
+                    </a:p>
+                  </a:txBody>
+                  <a:tcPr>
+                    <a:lnL w="12700" cap="flat" cmpd="sng" algn="ctr">
+                      <a:solidFill>
+                        <a:schemeClr val="tx1"/>
+                      </a:solidFill>
+                      <a:prstDash val="solid"/>
+                      <a:round/>
+                      <a:headEnd type="none" w="med" len="med"/>
+                      <a:tailEnd type="none" w="med" len="med"/>
+                    </a:lnL>
+                    <a:lnR w="12700" cap="flat" cmpd="sng" algn="ctr">
+                      <a:solidFill>
+                        <a:schemeClr val="tx1"/>
+                      </a:solidFill>
+                      <a:prstDash val="solid"/>
+                      <a:round/>
+                      <a:headEnd type="none" w="med" len="med"/>
+                      <a:tailEnd type="none" w="med" len="med"/>
+                    </a:lnR>
+                    <a:lnT w="12700" cap="flat" cmpd="sng" algn="ctr">
+                      <a:solidFill>
+                        <a:schemeClr val="tx1"/>
+                      </a:solidFill>
+                      <a:prstDash val="solid"/>
+                      <a:round/>
+                      <a:headEnd type="none" w="med" len="med"/>
+                      <a:tailEnd type="none" w="med" len="med"/>
+                    </a:lnT>
+                    <a:lnB w="12700" cap="flat" cmpd="sng" algn="ctr">
+                      <a:solidFill>
+                        <a:schemeClr val="tx1"/>
+                      </a:solidFill>
+                      <a:prstDash val="solid"/>
+                      <a:round/>
+                      <a:headEnd type="none" w="med" len="med"/>
+                      <a:tailEnd type="none" w="med" len="med"/>
+                    </a:lnB>
+                    <a:noFill/>
+                  </a:tcPr>
+                </a:tc>
+                <a:tc>
+                  <a:txBody>
+                    <a:bodyPr/>
+                    <a:lstStyle/>
+                    <a:p>
+                      <a:r>
+                        <a:rPr lang="hu-HU" b="0" i="1" dirty="0">
+                          <a:solidFill>
+                            <a:schemeClr val="tx1"/>
+                          </a:solidFill>
+                        </a:rPr>
+                        <a:t>fekete</a:t>
+                      </a:r>
+                    </a:p>
+                  </a:txBody>
+                  <a:tcPr>
+                    <a:lnL w="12700" cap="flat" cmpd="sng" algn="ctr">
+                      <a:solidFill>
+                        <a:schemeClr val="tx1"/>
+                      </a:solidFill>
+                      <a:prstDash val="solid"/>
+                      <a:round/>
+                      <a:headEnd type="none" w="med" len="med"/>
+                      <a:tailEnd type="none" w="med" len="med"/>
+                    </a:lnL>
+                    <a:lnR w="12700" cap="flat" cmpd="sng" algn="ctr">
+                      <a:solidFill>
+                        <a:schemeClr val="tx1"/>
+                      </a:solidFill>
+                      <a:prstDash val="solid"/>
+                      <a:round/>
+                      <a:headEnd type="none" w="med" len="med"/>
+                      <a:tailEnd type="none" w="med" len="med"/>
+                    </a:lnR>
+                    <a:lnT w="12700" cap="flat" cmpd="sng" algn="ctr">
+                      <a:solidFill>
+                        <a:schemeClr val="tx1"/>
+                      </a:solidFill>
+                      <a:prstDash val="solid"/>
+                      <a:round/>
+                      <a:headEnd type="none" w="med" len="med"/>
+                      <a:tailEnd type="none" w="med" len="med"/>
+                    </a:lnT>
+                    <a:lnB w="12700" cap="flat" cmpd="sng" algn="ctr">
+                      <a:solidFill>
+                        <a:schemeClr val="tx1"/>
+                      </a:solidFill>
+                      <a:prstDash val="solid"/>
+                      <a:round/>
+                      <a:headEnd type="none" w="med" len="med"/>
+                      <a:tailEnd type="none" w="med" len="med"/>
+                    </a:lnB>
+                    <a:noFill/>
+                  </a:tcPr>
+                </a:tc>
+                <a:tc>
+                  <a:txBody>
+                    <a:bodyPr/>
+                    <a:lstStyle/>
+                    <a:p>
+                      <a:r>
+                        <a:rPr lang="hu-HU" b="0" i="1" dirty="0">
+                          <a:solidFill>
+                            <a:schemeClr val="tx1"/>
+                          </a:solidFill>
+                        </a:rPr>
+                        <a:t>kék</a:t>
+                      </a:r>
+                    </a:p>
+                  </a:txBody>
+                  <a:tcPr>
+                    <a:lnL w="12700" cap="flat" cmpd="sng" algn="ctr">
+                      <a:solidFill>
+                        <a:schemeClr val="tx1"/>
+                      </a:solidFill>
+                      <a:prstDash val="solid"/>
+                      <a:round/>
+                      <a:headEnd type="none" w="med" len="med"/>
+                      <a:tailEnd type="none" w="med" len="med"/>
+                    </a:lnL>
+                    <a:lnR w="12700" cap="flat" cmpd="sng" algn="ctr">
+                      <a:solidFill>
+                        <a:schemeClr val="tx1"/>
+                      </a:solidFill>
+                      <a:prstDash val="solid"/>
+                      <a:round/>
+                      <a:headEnd type="none" w="med" len="med"/>
+                      <a:tailEnd type="none" w="med" len="med"/>
+                    </a:lnR>
+                    <a:lnT w="12700" cap="flat" cmpd="sng" algn="ctr">
+                      <a:solidFill>
+                        <a:schemeClr val="tx1"/>
+                      </a:solidFill>
+                      <a:prstDash val="solid"/>
+                      <a:round/>
+                      <a:headEnd type="none" w="med" len="med"/>
+                      <a:tailEnd type="none" w="med" len="med"/>
+                    </a:lnT>
+                    <a:lnB w="12700" cap="flat" cmpd="sng" algn="ctr">
+                      <a:solidFill>
+                        <a:schemeClr val="tx1"/>
+                      </a:solidFill>
+                      <a:prstDash val="solid"/>
+                      <a:round/>
+                      <a:headEnd type="none" w="med" len="med"/>
+                      <a:tailEnd type="none" w="med" len="med"/>
+                    </a:lnB>
+                    <a:noFill/>
+                  </a:tcPr>
+                </a:tc>
+                <a:tc>
+                  <a:txBody>
+                    <a:bodyPr/>
+                    <a:lstStyle/>
+                    <a:p>
+                      <a:r>
+                        <a:rPr lang="hu-HU" b="0" i="1" dirty="0">
+                          <a:solidFill>
+                            <a:schemeClr val="tx1"/>
+                          </a:solidFill>
+                        </a:rPr>
+                        <a:t>zöld</a:t>
+                      </a:r>
+                    </a:p>
+                  </a:txBody>
+                  <a:tcPr>
+                    <a:lnL w="12700" cap="flat" cmpd="sng" algn="ctr">
+                      <a:solidFill>
+                        <a:schemeClr val="tx1"/>
+                      </a:solidFill>
+                      <a:prstDash val="solid"/>
+                      <a:round/>
+                      <a:headEnd type="none" w="med" len="med"/>
+                      <a:tailEnd type="none" w="med" len="med"/>
+                    </a:lnL>
+                    <a:lnR w="12700" cap="flat" cmpd="sng" algn="ctr">
+                      <a:solidFill>
+                        <a:schemeClr val="tx1"/>
+                      </a:solidFill>
+                      <a:prstDash val="solid"/>
+                      <a:round/>
+                      <a:headEnd type="none" w="med" len="med"/>
+                      <a:tailEnd type="none" w="med" len="med"/>
+                    </a:lnR>
+                    <a:lnT w="12700" cap="flat" cmpd="sng" algn="ctr">
+                      <a:solidFill>
+                        <a:schemeClr val="tx1"/>
+                      </a:solidFill>
+                      <a:prstDash val="solid"/>
+                      <a:round/>
+                      <a:headEnd type="none" w="med" len="med"/>
+                      <a:tailEnd type="none" w="med" len="med"/>
+                    </a:lnT>
+                    <a:lnB w="12700" cap="flat" cmpd="sng" algn="ctr">
+                      <a:solidFill>
+                        <a:schemeClr val="tx1"/>
+                      </a:solidFill>
+                      <a:prstDash val="solid"/>
+                      <a:round/>
+                      <a:headEnd type="none" w="med" len="med"/>
+                      <a:tailEnd type="none" w="med" len="med"/>
+                    </a:lnB>
+                    <a:noFill/>
+                  </a:tcPr>
+                </a:tc>
+                <a:tc>
+                  <a:txBody>
+                    <a:bodyPr/>
+                    <a:lstStyle/>
+                    <a:p>
+                      <a:r>
+                        <a:rPr lang="hu-HU" b="0" i="1" dirty="0">
+                          <a:solidFill>
+                            <a:schemeClr val="tx1"/>
+                          </a:solidFill>
+                        </a:rPr>
+                        <a:t>piros</a:t>
+                      </a:r>
+                    </a:p>
+                  </a:txBody>
+                  <a:tcPr>
+                    <a:lnL w="12700" cap="flat" cmpd="sng" algn="ctr">
+                      <a:solidFill>
+                        <a:schemeClr val="tx1"/>
+                      </a:solidFill>
+                      <a:prstDash val="solid"/>
+                      <a:round/>
+                      <a:headEnd type="none" w="med" len="med"/>
+                      <a:tailEnd type="none" w="med" len="med"/>
+                    </a:lnL>
+                    <a:lnR w="12700" cap="flat" cmpd="sng" algn="ctr">
+                      <a:solidFill>
+                        <a:schemeClr val="tx1"/>
+                      </a:solidFill>
+                      <a:prstDash val="solid"/>
+                      <a:round/>
+                      <a:headEnd type="none" w="med" len="med"/>
+                      <a:tailEnd type="none" w="med" len="med"/>
+                    </a:lnR>
+                    <a:lnT w="12700" cap="flat" cmpd="sng" algn="ctr">
+                      <a:solidFill>
+                        <a:schemeClr val="tx1"/>
+                      </a:solidFill>
+                      <a:prstDash val="solid"/>
+                      <a:round/>
+                      <a:headEnd type="none" w="med" len="med"/>
+                      <a:tailEnd type="none" w="med" len="med"/>
+                    </a:lnT>
+                    <a:lnB w="12700" cap="flat" cmpd="sng" algn="ctr">
+                      <a:solidFill>
+                        <a:schemeClr val="tx1"/>
+                      </a:solidFill>
+                      <a:prstDash val="solid"/>
+                      <a:round/>
+                      <a:headEnd type="none" w="med" len="med"/>
+                      <a:tailEnd type="none" w="med" len="med"/>
+                    </a:lnB>
+                    <a:noFill/>
+                  </a:tcPr>
+                </a:tc>
+                <a:extLst>
+                  <a:ext uri="{0D108BD9-81ED-4DB2-BD59-A6C34878D82A}">
+                    <a16:rowId xmlns:a16="http://schemas.microsoft.com/office/drawing/2014/main" val="4283395460"/>
+                  </a:ext>
+                </a:extLst>
+              </a:tr>
+              <a:tr h="370840">
+                <a:tc>
+                  <a:txBody>
+                    <a:bodyPr/>
+                    <a:lstStyle/>
+                    <a:p>
+                      <a:r>
+                        <a:rPr lang="hu-HU" b="1" i="0" dirty="0">
+                          <a:solidFill>
+                            <a:schemeClr val="tx1"/>
+                          </a:solidFill>
+                        </a:rPr>
+                        <a:t>keresztnév</a:t>
+                      </a:r>
+                    </a:p>
+                  </a:txBody>
+                  <a:tcPr>
+                    <a:lnL w="12700" cap="flat" cmpd="sng" algn="ctr">
+                      <a:solidFill>
+                        <a:schemeClr val="tx1"/>
+                      </a:solidFill>
+                      <a:prstDash val="solid"/>
+                      <a:round/>
+                      <a:headEnd type="none" w="med" len="med"/>
+                      <a:tailEnd type="none" w="med" len="med"/>
+                    </a:lnL>
+                    <a:lnR w="12700" cap="flat" cmpd="sng" algn="ctr">
+                      <a:solidFill>
+                        <a:schemeClr val="tx1"/>
+                      </a:solidFill>
+                      <a:prstDash val="solid"/>
+                      <a:round/>
+                      <a:headEnd type="none" w="med" len="med"/>
+                      <a:tailEnd type="none" w="med" len="med"/>
+                    </a:lnR>
+                    <a:lnT w="12700" cap="flat" cmpd="sng" algn="ctr">
+                      <a:solidFill>
+                        <a:schemeClr val="tx1"/>
+                      </a:solidFill>
+                      <a:prstDash val="solid"/>
+                      <a:round/>
+                      <a:headEnd type="none" w="med" len="med"/>
+                      <a:tailEnd type="none" w="med" len="med"/>
+                    </a:lnT>
+                    <a:lnB w="12700" cap="flat" cmpd="sng" algn="ctr">
+                      <a:solidFill>
+                        <a:schemeClr val="tx1"/>
+                      </a:solidFill>
+                      <a:prstDash val="solid"/>
+                      <a:round/>
+                      <a:headEnd type="none" w="med" len="med"/>
+                      <a:tailEnd type="none" w="med" len="med"/>
+                    </a:lnB>
+                    <a:noFill/>
+                  </a:tcPr>
+                </a:tc>
+                <a:tc>
+                  <a:txBody>
+                    <a:bodyPr/>
+                    <a:lstStyle/>
+                    <a:p>
+                      <a:r>
+                        <a:rPr lang="hu-HU" b="0" i="1" dirty="0">
+                          <a:solidFill>
+                            <a:schemeClr val="tx1"/>
+                          </a:solidFill>
+                        </a:rPr>
+                        <a:t>Daniel</a:t>
+                      </a:r>
+                    </a:p>
+                  </a:txBody>
+                  <a:tcPr>
+                    <a:lnL w="12700" cap="flat" cmpd="sng" algn="ctr">
+                      <a:solidFill>
+                        <a:schemeClr val="tx1"/>
+                      </a:solidFill>
+                      <a:prstDash val="solid"/>
+                      <a:round/>
+                      <a:headEnd type="none" w="med" len="med"/>
+                      <a:tailEnd type="none" w="med" len="med"/>
+                    </a:lnL>
+                    <a:lnR w="12700" cap="flat" cmpd="sng" algn="ctr">
+                      <a:solidFill>
+                        <a:schemeClr val="tx1"/>
+                      </a:solidFill>
+                      <a:prstDash val="solid"/>
+                      <a:round/>
+                      <a:headEnd type="none" w="med" len="med"/>
+                      <a:tailEnd type="none" w="med" len="med"/>
+                    </a:lnR>
+                    <a:lnT w="12700" cap="flat" cmpd="sng" algn="ctr">
+                      <a:solidFill>
+                        <a:schemeClr val="tx1"/>
+                      </a:solidFill>
+                      <a:prstDash val="solid"/>
+                      <a:round/>
+                      <a:headEnd type="none" w="med" len="med"/>
+                      <a:tailEnd type="none" w="med" len="med"/>
+                    </a:lnT>
+                    <a:lnB w="12700" cap="flat" cmpd="sng" algn="ctr">
+                      <a:solidFill>
+                        <a:schemeClr val="tx1"/>
+                      </a:solidFill>
+                      <a:prstDash val="solid"/>
+                      <a:round/>
+                      <a:headEnd type="none" w="med" len="med"/>
+                      <a:tailEnd type="none" w="med" len="med"/>
+                    </a:lnB>
+                    <a:noFill/>
+                  </a:tcPr>
+                </a:tc>
+                <a:tc>
+                  <a:txBody>
+                    <a:bodyPr/>
+                    <a:lstStyle/>
+                    <a:p>
+                      <a:r>
+                        <a:rPr lang="hu-HU" b="0" i="1" dirty="0" err="1">
+                          <a:solidFill>
+                            <a:schemeClr val="tx1"/>
+                          </a:solidFill>
+                        </a:rPr>
+                        <a:t>Joshua</a:t>
+                      </a:r>
+                      <a:endParaRPr lang="hu-HU" b="0" i="1" dirty="0">
+                        <a:solidFill>
+                          <a:schemeClr val="tx1"/>
+                        </a:solidFill>
+                      </a:endParaRPr>
+                    </a:p>
+                  </a:txBody>
+                  <a:tcPr>
+                    <a:lnL w="12700" cap="flat" cmpd="sng" algn="ctr">
+                      <a:solidFill>
+                        <a:schemeClr val="tx1"/>
+                      </a:solidFill>
+                      <a:prstDash val="solid"/>
+                      <a:round/>
+                      <a:headEnd type="none" w="med" len="med"/>
+                      <a:tailEnd type="none" w="med" len="med"/>
+                    </a:lnL>
+                    <a:lnR w="12700" cap="flat" cmpd="sng" algn="ctr">
+                      <a:solidFill>
+                        <a:schemeClr val="tx1"/>
+                      </a:solidFill>
+                      <a:prstDash val="solid"/>
+                      <a:round/>
+                      <a:headEnd type="none" w="med" len="med"/>
+                      <a:tailEnd type="none" w="med" len="med"/>
+                    </a:lnR>
+                    <a:lnT w="12700" cap="flat" cmpd="sng" algn="ctr">
+                      <a:solidFill>
+                        <a:schemeClr val="tx1"/>
+                      </a:solidFill>
+                      <a:prstDash val="solid"/>
+                      <a:round/>
+                      <a:headEnd type="none" w="med" len="med"/>
+                      <a:tailEnd type="none" w="med" len="med"/>
+                    </a:lnT>
+                    <a:lnB w="12700" cap="flat" cmpd="sng" algn="ctr">
+                      <a:solidFill>
+                        <a:schemeClr val="tx1"/>
+                      </a:solidFill>
+                      <a:prstDash val="solid"/>
+                      <a:round/>
+                      <a:headEnd type="none" w="med" len="med"/>
+                      <a:tailEnd type="none" w="med" len="med"/>
+                    </a:lnB>
+                    <a:noFill/>
+                  </a:tcPr>
+                </a:tc>
+                <a:tc>
+                  <a:txBody>
+                    <a:bodyPr/>
+                    <a:lstStyle/>
+                    <a:p>
+                      <a:r>
+                        <a:rPr lang="hu-HU" b="0" i="1" dirty="0">
+                          <a:solidFill>
+                            <a:schemeClr val="tx1"/>
+                          </a:solidFill>
+                        </a:rPr>
+                        <a:t>Nicholas</a:t>
+                      </a:r>
+                    </a:p>
+                  </a:txBody>
+                  <a:tcPr>
+                    <a:lnL w="12700" cap="flat" cmpd="sng" algn="ctr">
+                      <a:solidFill>
+                        <a:schemeClr val="tx1"/>
+                      </a:solidFill>
+                      <a:prstDash val="solid"/>
+                      <a:round/>
+                      <a:headEnd type="none" w="med" len="med"/>
+                      <a:tailEnd type="none" w="med" len="med"/>
+                    </a:lnL>
+                    <a:lnR w="12700" cap="flat" cmpd="sng" algn="ctr">
+                      <a:solidFill>
+                        <a:schemeClr val="tx1"/>
+                      </a:solidFill>
+                      <a:prstDash val="solid"/>
+                      <a:round/>
+                      <a:headEnd type="none" w="med" len="med"/>
+                      <a:tailEnd type="none" w="med" len="med"/>
+                    </a:lnR>
+                    <a:lnT w="12700" cap="flat" cmpd="sng" algn="ctr">
+                      <a:solidFill>
+                        <a:schemeClr val="tx1"/>
+                      </a:solidFill>
+                      <a:prstDash val="solid"/>
+                      <a:round/>
+                      <a:headEnd type="none" w="med" len="med"/>
+                      <a:tailEnd type="none" w="med" len="med"/>
+                    </a:lnT>
+                    <a:lnB w="12700" cap="flat" cmpd="sng" algn="ctr">
+                      <a:solidFill>
+                        <a:schemeClr val="tx1"/>
+                      </a:solidFill>
+                      <a:prstDash val="solid"/>
+                      <a:round/>
+                      <a:headEnd type="none" w="med" len="med"/>
+                      <a:tailEnd type="none" w="med" len="med"/>
+                    </a:lnB>
+                    <a:noFill/>
+                  </a:tcPr>
+                </a:tc>
+                <a:tc>
+                  <a:txBody>
+                    <a:bodyPr/>
+                    <a:lstStyle/>
+                    <a:p>
+                      <a:r>
+                        <a:rPr lang="hu-HU" b="0" i="1" dirty="0">
+                          <a:solidFill>
+                            <a:schemeClr val="tx1"/>
+                          </a:solidFill>
+                        </a:rPr>
+                        <a:t>Ryan</a:t>
+                      </a:r>
+                    </a:p>
+                  </a:txBody>
+                  <a:tcPr>
+                    <a:lnL w="12700" cap="flat" cmpd="sng" algn="ctr">
+                      <a:solidFill>
+                        <a:schemeClr val="tx1"/>
+                      </a:solidFill>
+                      <a:prstDash val="solid"/>
+                      <a:round/>
+                      <a:headEnd type="none" w="med" len="med"/>
+                      <a:tailEnd type="none" w="med" len="med"/>
+                    </a:lnL>
+                    <a:lnR w="12700" cap="flat" cmpd="sng" algn="ctr">
+                      <a:solidFill>
+                        <a:schemeClr val="tx1"/>
+                      </a:solidFill>
+                      <a:prstDash val="solid"/>
+                      <a:round/>
+                      <a:headEnd type="none" w="med" len="med"/>
+                      <a:tailEnd type="none" w="med" len="med"/>
+                    </a:lnR>
+                    <a:lnT w="12700" cap="flat" cmpd="sng" algn="ctr">
+                      <a:solidFill>
+                        <a:schemeClr val="tx1"/>
+                      </a:solidFill>
+                      <a:prstDash val="solid"/>
+                      <a:round/>
+                      <a:headEnd type="none" w="med" len="med"/>
+                      <a:tailEnd type="none" w="med" len="med"/>
+                    </a:lnT>
+                    <a:lnB w="12700" cap="flat" cmpd="sng" algn="ctr">
+                      <a:solidFill>
+                        <a:schemeClr val="tx1"/>
+                      </a:solidFill>
+                      <a:prstDash val="solid"/>
+                      <a:round/>
+                      <a:headEnd type="none" w="med" len="med"/>
+                      <a:tailEnd type="none" w="med" len="med"/>
+                    </a:lnB>
+                    <a:noFill/>
+                  </a:tcPr>
+                </a:tc>
+                <a:extLst>
+                  <a:ext uri="{0D108BD9-81ED-4DB2-BD59-A6C34878D82A}">
+                    <a16:rowId xmlns:a16="http://schemas.microsoft.com/office/drawing/2014/main" val="3910493015"/>
+                  </a:ext>
+                </a:extLst>
+              </a:tr>
+              <a:tr h="370840">
+                <a:tc>
+                  <a:txBody>
+                    <a:bodyPr/>
+                    <a:lstStyle/>
+                    <a:p>
+                      <a:r>
+                        <a:rPr lang="hu-HU" b="1" i="0" dirty="0">
+                          <a:solidFill>
+                            <a:schemeClr val="tx1"/>
+                          </a:solidFill>
+                        </a:rPr>
+                        <a:t>kedvenc film</a:t>
+                      </a:r>
+                    </a:p>
+                  </a:txBody>
+                  <a:tcPr>
+                    <a:lnL w="12700" cap="flat" cmpd="sng" algn="ctr">
+                      <a:solidFill>
+                        <a:schemeClr val="tx1"/>
+                      </a:solidFill>
+                      <a:prstDash val="solid"/>
+                      <a:round/>
+                      <a:headEnd type="none" w="med" len="med"/>
+                      <a:tailEnd type="none" w="med" len="med"/>
+                    </a:lnL>
+                    <a:lnR w="12700" cap="flat" cmpd="sng" algn="ctr">
+                      <a:solidFill>
+                        <a:schemeClr val="tx1"/>
+                      </a:solidFill>
+                      <a:prstDash val="solid"/>
+                      <a:round/>
+                      <a:headEnd type="none" w="med" len="med"/>
+                      <a:tailEnd type="none" w="med" len="med"/>
+                    </a:lnR>
+                    <a:lnT w="12700" cap="flat" cmpd="sng" algn="ctr">
+                      <a:solidFill>
+                        <a:schemeClr val="tx1"/>
+                      </a:solidFill>
+                      <a:prstDash val="solid"/>
+                      <a:round/>
+                      <a:headEnd type="none" w="med" len="med"/>
+                      <a:tailEnd type="none" w="med" len="med"/>
+                    </a:lnT>
+                    <a:lnB w="12700" cap="flat" cmpd="sng" algn="ctr">
+                      <a:solidFill>
+                        <a:schemeClr val="tx1"/>
+                      </a:solidFill>
+                      <a:prstDash val="solid"/>
+                      <a:round/>
+                      <a:headEnd type="none" w="med" len="med"/>
+                      <a:tailEnd type="none" w="med" len="med"/>
+                    </a:lnB>
+                    <a:noFill/>
+                  </a:tcPr>
+                </a:tc>
+                <a:tc>
+                  <a:txBody>
+                    <a:bodyPr/>
+                    <a:lstStyle/>
+                    <a:p>
+                      <a:r>
+                        <a:rPr lang="hu-HU" b="0" i="1" dirty="0">
+                          <a:solidFill>
+                            <a:schemeClr val="tx1"/>
+                          </a:solidFill>
+                        </a:rPr>
+                        <a:t>akció</a:t>
+                      </a:r>
+                    </a:p>
+                  </a:txBody>
+                  <a:tcPr>
+                    <a:lnL w="12700" cap="flat" cmpd="sng" algn="ctr">
+                      <a:solidFill>
+                        <a:schemeClr val="tx1"/>
+                      </a:solidFill>
+                      <a:prstDash val="solid"/>
+                      <a:round/>
+                      <a:headEnd type="none" w="med" len="med"/>
+                      <a:tailEnd type="none" w="med" len="med"/>
+                    </a:lnL>
+                    <a:lnR w="12700" cap="flat" cmpd="sng" algn="ctr">
+                      <a:solidFill>
+                        <a:schemeClr val="tx1"/>
+                      </a:solidFill>
+                      <a:prstDash val="solid"/>
+                      <a:round/>
+                      <a:headEnd type="none" w="med" len="med"/>
+                      <a:tailEnd type="none" w="med" len="med"/>
+                    </a:lnR>
+                    <a:lnT w="12700" cap="flat" cmpd="sng" algn="ctr">
+                      <a:solidFill>
+                        <a:schemeClr val="tx1"/>
+                      </a:solidFill>
+                      <a:prstDash val="solid"/>
+                      <a:round/>
+                      <a:headEnd type="none" w="med" len="med"/>
+                      <a:tailEnd type="none" w="med" len="med"/>
+                    </a:lnT>
+                    <a:lnB w="12700" cap="flat" cmpd="sng" algn="ctr">
+                      <a:solidFill>
+                        <a:schemeClr val="tx1"/>
+                      </a:solidFill>
+                      <a:prstDash val="solid"/>
+                      <a:round/>
+                      <a:headEnd type="none" w="med" len="med"/>
+                      <a:tailEnd type="none" w="med" len="med"/>
+                    </a:lnB>
+                    <a:noFill/>
+                  </a:tcPr>
+                </a:tc>
+                <a:tc>
+                  <a:txBody>
+                    <a:bodyPr/>
+                    <a:lstStyle/>
+                    <a:p>
+                      <a:r>
+                        <a:rPr lang="hu-HU" b="0" i="1" dirty="0">
+                          <a:solidFill>
+                            <a:schemeClr val="tx1"/>
+                          </a:solidFill>
+                        </a:rPr>
+                        <a:t>vígjáték</a:t>
+                      </a:r>
+                    </a:p>
+                  </a:txBody>
+                  <a:tcPr>
+                    <a:lnL w="12700" cap="flat" cmpd="sng" algn="ctr">
+                      <a:solidFill>
+                        <a:schemeClr val="tx1"/>
+                      </a:solidFill>
+                      <a:prstDash val="solid"/>
+                      <a:round/>
+                      <a:headEnd type="none" w="med" len="med"/>
+                      <a:tailEnd type="none" w="med" len="med"/>
+                    </a:lnL>
+                    <a:lnR w="12700" cap="flat" cmpd="sng" algn="ctr">
+                      <a:solidFill>
+                        <a:schemeClr val="tx1"/>
+                      </a:solidFill>
+                      <a:prstDash val="solid"/>
+                      <a:round/>
+                      <a:headEnd type="none" w="med" len="med"/>
+                      <a:tailEnd type="none" w="med" len="med"/>
+                    </a:lnR>
+                    <a:lnT w="12700" cap="flat" cmpd="sng" algn="ctr">
+                      <a:solidFill>
+                        <a:schemeClr val="tx1"/>
+                      </a:solidFill>
+                      <a:prstDash val="solid"/>
+                      <a:round/>
+                      <a:headEnd type="none" w="med" len="med"/>
+                      <a:tailEnd type="none" w="med" len="med"/>
+                    </a:lnT>
+                    <a:lnB w="12700" cap="flat" cmpd="sng" algn="ctr">
+                      <a:solidFill>
+                        <a:schemeClr val="tx1"/>
+                      </a:solidFill>
+                      <a:prstDash val="solid"/>
+                      <a:round/>
+                      <a:headEnd type="none" w="med" len="med"/>
+                      <a:tailEnd type="none" w="med" len="med"/>
+                    </a:lnB>
+                    <a:noFill/>
+                  </a:tcPr>
+                </a:tc>
+                <a:tc>
+                  <a:txBody>
+                    <a:bodyPr/>
+                    <a:lstStyle/>
+                    <a:p>
+                      <a:r>
+                        <a:rPr lang="hu-HU" b="0" i="1" dirty="0">
+                          <a:solidFill>
+                            <a:schemeClr val="tx1"/>
+                          </a:solidFill>
+                        </a:rPr>
+                        <a:t>horror</a:t>
+                      </a:r>
+                    </a:p>
+                  </a:txBody>
+                  <a:tcPr>
+                    <a:lnL w="12700" cap="flat" cmpd="sng" algn="ctr">
+                      <a:solidFill>
+                        <a:schemeClr val="tx1"/>
+                      </a:solidFill>
+                      <a:prstDash val="solid"/>
+                      <a:round/>
+                      <a:headEnd type="none" w="med" len="med"/>
+                      <a:tailEnd type="none" w="med" len="med"/>
+                    </a:lnL>
+                    <a:lnR w="12700" cap="flat" cmpd="sng" algn="ctr">
+                      <a:solidFill>
+                        <a:schemeClr val="tx1"/>
+                      </a:solidFill>
+                      <a:prstDash val="solid"/>
+                      <a:round/>
+                      <a:headEnd type="none" w="med" len="med"/>
+                      <a:tailEnd type="none" w="med" len="med"/>
+                    </a:lnR>
+                    <a:lnT w="12700" cap="flat" cmpd="sng" algn="ctr">
+                      <a:solidFill>
+                        <a:schemeClr val="tx1"/>
+                      </a:solidFill>
+                      <a:prstDash val="solid"/>
+                      <a:round/>
+                      <a:headEnd type="none" w="med" len="med"/>
+                      <a:tailEnd type="none" w="med" len="med"/>
+                    </a:lnT>
+                    <a:lnB w="12700" cap="flat" cmpd="sng" algn="ctr">
+                      <a:solidFill>
+                        <a:schemeClr val="tx1"/>
+                      </a:solidFill>
+                      <a:prstDash val="solid"/>
+                      <a:round/>
+                      <a:headEnd type="none" w="med" len="med"/>
+                      <a:tailEnd type="none" w="med" len="med"/>
+                    </a:lnB>
+                    <a:noFill/>
+                  </a:tcPr>
+                </a:tc>
+                <a:tc>
+                  <a:txBody>
+                    <a:bodyPr/>
+                    <a:lstStyle/>
+                    <a:p>
+                      <a:r>
+                        <a:rPr lang="hu-HU" b="0" i="1" dirty="0">
+                          <a:solidFill>
+                            <a:schemeClr val="tx1"/>
+                          </a:solidFill>
+                        </a:rPr>
+                        <a:t>thriller</a:t>
+                      </a:r>
+                    </a:p>
+                  </a:txBody>
+                  <a:tcPr>
+                    <a:lnL w="12700" cap="flat" cmpd="sng" algn="ctr">
+                      <a:solidFill>
+                        <a:schemeClr val="tx1"/>
+                      </a:solidFill>
+                      <a:prstDash val="solid"/>
+                      <a:round/>
+                      <a:headEnd type="none" w="med" len="med"/>
+                      <a:tailEnd type="none" w="med" len="med"/>
+                    </a:lnL>
+                    <a:lnR w="12700" cap="flat" cmpd="sng" algn="ctr">
+                      <a:solidFill>
+                        <a:schemeClr val="tx1"/>
+                      </a:solidFill>
+                      <a:prstDash val="solid"/>
+                      <a:round/>
+                      <a:headEnd type="none" w="med" len="med"/>
+                      <a:tailEnd type="none" w="med" len="med"/>
+                    </a:lnR>
+                    <a:lnT w="12700" cap="flat" cmpd="sng" algn="ctr">
+                      <a:solidFill>
+                        <a:schemeClr val="tx1"/>
+                      </a:solidFill>
+                      <a:prstDash val="solid"/>
+                      <a:round/>
+                      <a:headEnd type="none" w="med" len="med"/>
+                      <a:tailEnd type="none" w="med" len="med"/>
+                    </a:lnT>
+                    <a:lnB w="12700" cap="flat" cmpd="sng" algn="ctr">
+                      <a:solidFill>
+                        <a:schemeClr val="tx1"/>
+                      </a:solidFill>
+                      <a:prstDash val="solid"/>
+                      <a:round/>
+                      <a:headEnd type="none" w="med" len="med"/>
+                      <a:tailEnd type="none" w="med" len="med"/>
+                    </a:lnB>
+                    <a:noFill/>
+                  </a:tcPr>
+                </a:tc>
+                <a:extLst>
+                  <a:ext uri="{0D108BD9-81ED-4DB2-BD59-A6C34878D82A}">
+                    <a16:rowId xmlns:a16="http://schemas.microsoft.com/office/drawing/2014/main" val="1930595309"/>
+                  </a:ext>
+                </a:extLst>
+              </a:tr>
+              <a:tr h="370840">
+                <a:tc>
+                  <a:txBody>
+                    <a:bodyPr/>
+                    <a:lstStyle/>
+                    <a:p>
+                      <a:r>
+                        <a:rPr lang="hu-HU" b="1" i="0" dirty="0" err="1">
+                          <a:solidFill>
+                            <a:schemeClr val="tx1"/>
+                          </a:solidFill>
+                        </a:rPr>
+                        <a:t>nassolnivaló</a:t>
+                      </a:r>
+                      <a:endParaRPr lang="hu-HU" b="1" i="0" dirty="0">
+                        <a:solidFill>
+                          <a:schemeClr val="tx1"/>
+                        </a:solidFill>
+                      </a:endParaRPr>
+                    </a:p>
+                  </a:txBody>
+                  <a:tcPr>
+                    <a:lnL w="12700" cap="flat" cmpd="sng" algn="ctr">
+                      <a:solidFill>
+                        <a:schemeClr val="tx1"/>
+                      </a:solidFill>
+                      <a:prstDash val="solid"/>
+                      <a:round/>
+                      <a:headEnd type="none" w="med" len="med"/>
+                      <a:tailEnd type="none" w="med" len="med"/>
+                    </a:lnL>
+                    <a:lnR w="12700" cap="flat" cmpd="sng" algn="ctr">
+                      <a:solidFill>
+                        <a:schemeClr val="tx1"/>
+                      </a:solidFill>
+                      <a:prstDash val="solid"/>
+                      <a:round/>
+                      <a:headEnd type="none" w="med" len="med"/>
+                      <a:tailEnd type="none" w="med" len="med"/>
+                    </a:lnR>
+                    <a:lnT w="12700" cap="flat" cmpd="sng" algn="ctr">
+                      <a:solidFill>
+                        <a:schemeClr val="tx1"/>
+                      </a:solidFill>
+                      <a:prstDash val="solid"/>
+                      <a:round/>
+                      <a:headEnd type="none" w="med" len="med"/>
+                      <a:tailEnd type="none" w="med" len="med"/>
+                    </a:lnT>
+                    <a:lnB w="12700" cap="flat" cmpd="sng" algn="ctr">
+                      <a:solidFill>
+                        <a:schemeClr val="tx1"/>
+                      </a:solidFill>
+                      <a:prstDash val="solid"/>
+                      <a:round/>
+                      <a:headEnd type="none" w="med" len="med"/>
+                      <a:tailEnd type="none" w="med" len="med"/>
+                    </a:lnB>
+                    <a:noFill/>
+                  </a:tcPr>
+                </a:tc>
+                <a:tc>
+                  <a:txBody>
+                    <a:bodyPr/>
+                    <a:lstStyle/>
+                    <a:p>
+                      <a:r>
+                        <a:rPr lang="hu-HU" b="0" i="1" dirty="0">
+                          <a:solidFill>
+                            <a:schemeClr val="tx1"/>
+                          </a:solidFill>
+                        </a:rPr>
+                        <a:t>chips</a:t>
+                      </a:r>
+                    </a:p>
+                  </a:txBody>
+                  <a:tcPr>
+                    <a:lnL w="12700" cap="flat" cmpd="sng" algn="ctr">
+                      <a:solidFill>
+                        <a:schemeClr val="tx1"/>
+                      </a:solidFill>
+                      <a:prstDash val="solid"/>
+                      <a:round/>
+                      <a:headEnd type="none" w="med" len="med"/>
+                      <a:tailEnd type="none" w="med" len="med"/>
+                    </a:lnL>
+                    <a:lnR w="12700" cap="flat" cmpd="sng" algn="ctr">
+                      <a:solidFill>
+                        <a:schemeClr val="tx1"/>
+                      </a:solidFill>
+                      <a:prstDash val="solid"/>
+                      <a:round/>
+                      <a:headEnd type="none" w="med" len="med"/>
+                      <a:tailEnd type="none" w="med" len="med"/>
+                    </a:lnR>
+                    <a:lnT w="12700" cap="flat" cmpd="sng" algn="ctr">
+                      <a:solidFill>
+                        <a:schemeClr val="tx1"/>
+                      </a:solidFill>
+                      <a:prstDash val="solid"/>
+                      <a:round/>
+                      <a:headEnd type="none" w="med" len="med"/>
+                      <a:tailEnd type="none" w="med" len="med"/>
+                    </a:lnT>
+                    <a:lnB w="12700" cap="flat" cmpd="sng" algn="ctr">
+                      <a:solidFill>
+                        <a:schemeClr val="tx1"/>
+                      </a:solidFill>
+                      <a:prstDash val="solid"/>
+                      <a:round/>
+                      <a:headEnd type="none" w="med" len="med"/>
+                      <a:tailEnd type="none" w="med" len="med"/>
+                    </a:lnB>
+                    <a:noFill/>
+                  </a:tcPr>
+                </a:tc>
+                <a:tc>
+                  <a:txBody>
+                    <a:bodyPr/>
+                    <a:lstStyle/>
+                    <a:p>
+                      <a:r>
+                        <a:rPr lang="hu-HU" b="0" i="1" dirty="0">
+                          <a:solidFill>
+                            <a:schemeClr val="tx1"/>
+                          </a:solidFill>
+                        </a:rPr>
+                        <a:t>süti</a:t>
+                      </a:r>
+                    </a:p>
+                  </a:txBody>
+                  <a:tcPr>
+                    <a:lnL w="12700" cap="flat" cmpd="sng" algn="ctr">
+                      <a:solidFill>
+                        <a:schemeClr val="tx1"/>
+                      </a:solidFill>
+                      <a:prstDash val="solid"/>
+                      <a:round/>
+                      <a:headEnd type="none" w="med" len="med"/>
+                      <a:tailEnd type="none" w="med" len="med"/>
+                    </a:lnL>
+                    <a:lnR w="12700" cap="flat" cmpd="sng" algn="ctr">
+                      <a:solidFill>
+                        <a:schemeClr val="tx1"/>
+                      </a:solidFill>
+                      <a:prstDash val="solid"/>
+                      <a:round/>
+                      <a:headEnd type="none" w="med" len="med"/>
+                      <a:tailEnd type="none" w="med" len="med"/>
+                    </a:lnR>
+                    <a:lnT w="12700" cap="flat" cmpd="sng" algn="ctr">
+                      <a:solidFill>
+                        <a:schemeClr val="tx1"/>
+                      </a:solidFill>
+                      <a:prstDash val="solid"/>
+                      <a:round/>
+                      <a:headEnd type="none" w="med" len="med"/>
+                      <a:tailEnd type="none" w="med" len="med"/>
+                    </a:lnT>
+                    <a:lnB w="12700" cap="flat" cmpd="sng" algn="ctr">
+                      <a:solidFill>
+                        <a:schemeClr val="tx1"/>
+                      </a:solidFill>
+                      <a:prstDash val="solid"/>
+                      <a:round/>
+                      <a:headEnd type="none" w="med" len="med"/>
+                      <a:tailEnd type="none" w="med" len="med"/>
+                    </a:lnB>
+                    <a:noFill/>
+                  </a:tcPr>
+                </a:tc>
+                <a:tc>
+                  <a:txBody>
+                    <a:bodyPr/>
+                    <a:lstStyle/>
+                    <a:p>
+                      <a:r>
+                        <a:rPr lang="hu-HU" b="0" i="1" dirty="0" err="1">
+                          <a:solidFill>
+                            <a:schemeClr val="tx1"/>
+                          </a:solidFill>
+                        </a:rPr>
+                        <a:t>cracker</a:t>
+                      </a:r>
+                      <a:endParaRPr lang="hu-HU" b="0" i="1" dirty="0">
+                        <a:solidFill>
+                          <a:schemeClr val="tx1"/>
+                        </a:solidFill>
+                      </a:endParaRPr>
+                    </a:p>
+                  </a:txBody>
+                  <a:tcPr>
+                    <a:lnL w="12700" cap="flat" cmpd="sng" algn="ctr">
+                      <a:solidFill>
+                        <a:schemeClr val="tx1"/>
+                      </a:solidFill>
+                      <a:prstDash val="solid"/>
+                      <a:round/>
+                      <a:headEnd type="none" w="med" len="med"/>
+                      <a:tailEnd type="none" w="med" len="med"/>
+                    </a:lnL>
+                    <a:lnR w="12700" cap="flat" cmpd="sng" algn="ctr">
+                      <a:solidFill>
+                        <a:schemeClr val="tx1"/>
+                      </a:solidFill>
+                      <a:prstDash val="solid"/>
+                      <a:round/>
+                      <a:headEnd type="none" w="med" len="med"/>
+                      <a:tailEnd type="none" w="med" len="med"/>
+                    </a:lnR>
+                    <a:lnT w="12700" cap="flat" cmpd="sng" algn="ctr">
+                      <a:solidFill>
+                        <a:schemeClr val="tx1"/>
+                      </a:solidFill>
+                      <a:prstDash val="solid"/>
+                      <a:round/>
+                      <a:headEnd type="none" w="med" len="med"/>
+                      <a:tailEnd type="none" w="med" len="med"/>
+                    </a:lnT>
+                    <a:lnB w="12700" cap="flat" cmpd="sng" algn="ctr">
+                      <a:solidFill>
+                        <a:schemeClr val="tx1"/>
+                      </a:solidFill>
+                      <a:prstDash val="solid"/>
+                      <a:round/>
+                      <a:headEnd type="none" w="med" len="med"/>
+                      <a:tailEnd type="none" w="med" len="med"/>
+                    </a:lnB>
+                    <a:noFill/>
+                  </a:tcPr>
+                </a:tc>
+                <a:tc>
+                  <a:txBody>
+                    <a:bodyPr/>
+                    <a:lstStyle/>
+                    <a:p>
+                      <a:r>
+                        <a:rPr lang="hu-HU" b="0" i="1" dirty="0" err="1">
+                          <a:solidFill>
+                            <a:schemeClr val="tx1"/>
+                          </a:solidFill>
+                        </a:rPr>
+                        <a:t>popkorn</a:t>
+                      </a:r>
+                      <a:endParaRPr lang="hu-HU" b="0" i="1" dirty="0">
+                        <a:solidFill>
+                          <a:schemeClr val="tx1"/>
+                        </a:solidFill>
+                      </a:endParaRPr>
+                    </a:p>
+                  </a:txBody>
+                  <a:tcPr>
+                    <a:lnL w="12700" cap="flat" cmpd="sng" algn="ctr">
+                      <a:solidFill>
+                        <a:schemeClr val="tx1"/>
+                      </a:solidFill>
+                      <a:prstDash val="solid"/>
+                      <a:round/>
+                      <a:headEnd type="none" w="med" len="med"/>
+                      <a:tailEnd type="none" w="med" len="med"/>
+                    </a:lnL>
+                    <a:lnR w="12700" cap="flat" cmpd="sng" algn="ctr">
+                      <a:solidFill>
+                        <a:schemeClr val="tx1"/>
+                      </a:solidFill>
+                      <a:prstDash val="solid"/>
+                      <a:round/>
+                      <a:headEnd type="none" w="med" len="med"/>
+                      <a:tailEnd type="none" w="med" len="med"/>
+                    </a:lnR>
+                    <a:lnT w="12700" cap="flat" cmpd="sng" algn="ctr">
+                      <a:solidFill>
+                        <a:schemeClr val="tx1"/>
+                      </a:solidFill>
+                      <a:prstDash val="solid"/>
+                      <a:round/>
+                      <a:headEnd type="none" w="med" len="med"/>
+                      <a:tailEnd type="none" w="med" len="med"/>
+                    </a:lnT>
+                    <a:lnB w="12700" cap="flat" cmpd="sng" algn="ctr">
+                      <a:solidFill>
+                        <a:schemeClr val="tx1"/>
+                      </a:solidFill>
+                      <a:prstDash val="solid"/>
+                      <a:round/>
+                      <a:headEnd type="none" w="med" len="med"/>
+                      <a:tailEnd type="none" w="med" len="med"/>
+                    </a:lnB>
+                    <a:noFill/>
+                  </a:tcPr>
+                </a:tc>
+                <a:extLst>
+                  <a:ext uri="{0D108BD9-81ED-4DB2-BD59-A6C34878D82A}">
+                    <a16:rowId xmlns:a16="http://schemas.microsoft.com/office/drawing/2014/main" val="1067106434"/>
+                  </a:ext>
+                </a:extLst>
+              </a:tr>
+              <a:tr h="370840">
+                <a:tc>
+                  <a:txBody>
+                    <a:bodyPr/>
+                    <a:lstStyle/>
+                    <a:p>
+                      <a:r>
+                        <a:rPr lang="hu-HU" b="1" i="0" dirty="0">
+                          <a:solidFill>
+                            <a:schemeClr val="tx1"/>
+                          </a:solidFill>
+                        </a:rPr>
+                        <a:t>életkor</a:t>
+                      </a:r>
+                    </a:p>
+                  </a:txBody>
+                  <a:tcPr>
+                    <a:lnL w="12700" cap="flat" cmpd="sng" algn="ctr">
+                      <a:solidFill>
+                        <a:schemeClr val="tx1"/>
+                      </a:solidFill>
+                      <a:prstDash val="solid"/>
+                      <a:round/>
+                      <a:headEnd type="none" w="med" len="med"/>
+                      <a:tailEnd type="none" w="med" len="med"/>
+                    </a:lnL>
+                    <a:lnR w="12700" cap="flat" cmpd="sng" algn="ctr">
+                      <a:solidFill>
+                        <a:schemeClr val="tx1"/>
+                      </a:solidFill>
+                      <a:prstDash val="solid"/>
+                      <a:round/>
+                      <a:headEnd type="none" w="med" len="med"/>
+                      <a:tailEnd type="none" w="med" len="med"/>
+                    </a:lnR>
+                    <a:lnT w="12700" cap="flat" cmpd="sng" algn="ctr">
+                      <a:solidFill>
+                        <a:schemeClr val="tx1"/>
+                      </a:solidFill>
+                      <a:prstDash val="solid"/>
+                      <a:round/>
+                      <a:headEnd type="none" w="med" len="med"/>
+                      <a:tailEnd type="none" w="med" len="med"/>
+                    </a:lnT>
+                    <a:lnB w="12700" cap="flat" cmpd="sng" algn="ctr">
+                      <a:solidFill>
+                        <a:schemeClr val="tx1"/>
+                      </a:solidFill>
+                      <a:prstDash val="solid"/>
+                      <a:round/>
+                      <a:headEnd type="none" w="med" len="med"/>
+                      <a:tailEnd type="none" w="med" len="med"/>
+                    </a:lnB>
+                    <a:noFill/>
+                  </a:tcPr>
+                </a:tc>
+                <a:tc>
+                  <a:txBody>
+                    <a:bodyPr/>
+                    <a:lstStyle/>
+                    <a:p>
+                      <a:r>
+                        <a:rPr lang="hu-HU" b="0" i="1" dirty="0">
+                          <a:solidFill>
+                            <a:schemeClr val="tx1"/>
+                          </a:solidFill>
+                        </a:rPr>
+                        <a:t>11 év</a:t>
+                      </a:r>
+                    </a:p>
+                  </a:txBody>
+                  <a:tcPr>
+                    <a:lnL w="12700" cap="flat" cmpd="sng" algn="ctr">
+                      <a:solidFill>
+                        <a:schemeClr val="tx1"/>
+                      </a:solidFill>
+                      <a:prstDash val="solid"/>
+                      <a:round/>
+                      <a:headEnd type="none" w="med" len="med"/>
+                      <a:tailEnd type="none" w="med" len="med"/>
+                    </a:lnL>
+                    <a:lnR w="12700" cap="flat" cmpd="sng" algn="ctr">
+                      <a:solidFill>
+                        <a:schemeClr val="tx1"/>
+                      </a:solidFill>
+                      <a:prstDash val="solid"/>
+                      <a:round/>
+                      <a:headEnd type="none" w="med" len="med"/>
+                      <a:tailEnd type="none" w="med" len="med"/>
+                    </a:lnR>
+                    <a:lnT w="12700" cap="flat" cmpd="sng" algn="ctr">
+                      <a:solidFill>
+                        <a:schemeClr val="tx1"/>
+                      </a:solidFill>
+                      <a:prstDash val="solid"/>
+                      <a:round/>
+                      <a:headEnd type="none" w="med" len="med"/>
+                      <a:tailEnd type="none" w="med" len="med"/>
+                    </a:lnT>
+                    <a:lnB w="12700" cap="flat" cmpd="sng" algn="ctr">
+                      <a:solidFill>
+                        <a:schemeClr val="tx1"/>
+                      </a:solidFill>
+                      <a:prstDash val="solid"/>
+                      <a:round/>
+                      <a:headEnd type="none" w="med" len="med"/>
+                      <a:tailEnd type="none" w="med" len="med"/>
+                    </a:lnB>
+                    <a:noFill/>
+                  </a:tcPr>
+                </a:tc>
+                <a:tc>
+                  <a:txBody>
+                    <a:bodyPr/>
+                    <a:lstStyle/>
+                    <a:p>
+                      <a:r>
+                        <a:rPr lang="hu-HU" b="0" i="1" dirty="0">
+                          <a:solidFill>
+                            <a:schemeClr val="tx1"/>
+                          </a:solidFill>
+                        </a:rPr>
+                        <a:t>12 év</a:t>
+                      </a:r>
+                    </a:p>
+                  </a:txBody>
+                  <a:tcPr>
+                    <a:lnL w="12700" cap="flat" cmpd="sng" algn="ctr">
+                      <a:solidFill>
+                        <a:schemeClr val="tx1"/>
+                      </a:solidFill>
+                      <a:prstDash val="solid"/>
+                      <a:round/>
+                      <a:headEnd type="none" w="med" len="med"/>
+                      <a:tailEnd type="none" w="med" len="med"/>
+                    </a:lnL>
+                    <a:lnR w="12700" cap="flat" cmpd="sng" algn="ctr">
+                      <a:solidFill>
+                        <a:schemeClr val="tx1"/>
+                      </a:solidFill>
+                      <a:prstDash val="solid"/>
+                      <a:round/>
+                      <a:headEnd type="none" w="med" len="med"/>
+                      <a:tailEnd type="none" w="med" len="med"/>
+                    </a:lnR>
+                    <a:lnT w="12700" cap="flat" cmpd="sng" algn="ctr">
+                      <a:solidFill>
+                        <a:schemeClr val="tx1"/>
+                      </a:solidFill>
+                      <a:prstDash val="solid"/>
+                      <a:round/>
+                      <a:headEnd type="none" w="med" len="med"/>
+                      <a:tailEnd type="none" w="med" len="med"/>
+                    </a:lnT>
+                    <a:lnB w="12700" cap="flat" cmpd="sng" algn="ctr">
+                      <a:solidFill>
+                        <a:schemeClr val="tx1"/>
+                      </a:solidFill>
+                      <a:prstDash val="solid"/>
+                      <a:round/>
+                      <a:headEnd type="none" w="med" len="med"/>
+                      <a:tailEnd type="none" w="med" len="med"/>
+                    </a:lnB>
+                    <a:noFill/>
+                  </a:tcPr>
+                </a:tc>
+                <a:tc>
+                  <a:txBody>
+                    <a:bodyPr/>
+                    <a:lstStyle/>
+                    <a:p>
+                      <a:r>
+                        <a:rPr lang="hu-HU" b="0" i="1" dirty="0">
+                          <a:solidFill>
+                            <a:schemeClr val="tx1"/>
+                          </a:solidFill>
+                        </a:rPr>
+                        <a:t>13 év</a:t>
+                      </a:r>
+                    </a:p>
+                  </a:txBody>
+                  <a:tcPr>
+                    <a:lnL w="12700" cap="flat" cmpd="sng" algn="ctr">
+                      <a:solidFill>
+                        <a:schemeClr val="tx1"/>
+                      </a:solidFill>
+                      <a:prstDash val="solid"/>
+                      <a:round/>
+                      <a:headEnd type="none" w="med" len="med"/>
+                      <a:tailEnd type="none" w="med" len="med"/>
+                    </a:lnL>
+                    <a:lnR w="12700" cap="flat" cmpd="sng" algn="ctr">
+                      <a:solidFill>
+                        <a:schemeClr val="tx1"/>
+                      </a:solidFill>
+                      <a:prstDash val="solid"/>
+                      <a:round/>
+                      <a:headEnd type="none" w="med" len="med"/>
+                      <a:tailEnd type="none" w="med" len="med"/>
+                    </a:lnR>
+                    <a:lnT w="12700" cap="flat" cmpd="sng" algn="ctr">
+                      <a:solidFill>
+                        <a:schemeClr val="tx1"/>
+                      </a:solidFill>
+                      <a:prstDash val="solid"/>
+                      <a:round/>
+                      <a:headEnd type="none" w="med" len="med"/>
+                      <a:tailEnd type="none" w="med" len="med"/>
+                    </a:lnT>
+                    <a:lnB w="12700" cap="flat" cmpd="sng" algn="ctr">
+                      <a:solidFill>
+                        <a:schemeClr val="tx1"/>
+                      </a:solidFill>
+                      <a:prstDash val="solid"/>
+                      <a:round/>
+                      <a:headEnd type="none" w="med" len="med"/>
+                      <a:tailEnd type="none" w="med" len="med"/>
+                    </a:lnB>
+                    <a:noFill/>
+                  </a:tcPr>
+                </a:tc>
+                <a:tc>
+                  <a:txBody>
+                    <a:bodyPr/>
+                    <a:lstStyle/>
+                    <a:p>
+                      <a:r>
+                        <a:rPr lang="hu-HU" b="0" i="1" dirty="0">
+                          <a:solidFill>
+                            <a:schemeClr val="tx1"/>
+                          </a:solidFill>
+                        </a:rPr>
+                        <a:t>14 év</a:t>
+                      </a:r>
+                    </a:p>
+                  </a:txBody>
+                  <a:tcPr>
+                    <a:lnL w="12700" cap="flat" cmpd="sng" algn="ctr">
+                      <a:solidFill>
+                        <a:schemeClr val="tx1"/>
+                      </a:solidFill>
+                      <a:prstDash val="solid"/>
+                      <a:round/>
+                      <a:headEnd type="none" w="med" len="med"/>
+                      <a:tailEnd type="none" w="med" len="med"/>
+                    </a:lnL>
+                    <a:lnR w="12700" cap="flat" cmpd="sng" algn="ctr">
+                      <a:solidFill>
+                        <a:schemeClr val="tx1"/>
+                      </a:solidFill>
+                      <a:prstDash val="solid"/>
+                      <a:round/>
+                      <a:headEnd type="none" w="med" len="med"/>
+                      <a:tailEnd type="none" w="med" len="med"/>
+                    </a:lnR>
+                    <a:lnT w="12700" cap="flat" cmpd="sng" algn="ctr">
+                      <a:solidFill>
+                        <a:schemeClr val="tx1"/>
+                      </a:solidFill>
+                      <a:prstDash val="solid"/>
+                      <a:round/>
+                      <a:headEnd type="none" w="med" len="med"/>
+                      <a:tailEnd type="none" w="med" len="med"/>
+                    </a:lnT>
+                    <a:lnB w="12700" cap="flat" cmpd="sng" algn="ctr">
+                      <a:solidFill>
+                        <a:schemeClr val="tx1"/>
+                      </a:solidFill>
+                      <a:prstDash val="solid"/>
+                      <a:round/>
+                      <a:headEnd type="none" w="med" len="med"/>
+                      <a:tailEnd type="none" w="med" len="med"/>
+                    </a:lnB>
+                    <a:noFill/>
+                  </a:tcPr>
+                </a:tc>
+                <a:extLst>
+                  <a:ext uri="{0D108BD9-81ED-4DB2-BD59-A6C34878D82A}">
+                    <a16:rowId xmlns:a16="http://schemas.microsoft.com/office/drawing/2014/main" val="2189309325"/>
+                  </a:ext>
+                </a:extLst>
+              </a:tr>
+            </a:tbl>
+          </a:graphicData>
+        </a:graphic>
+      </p:graphicFrame>
+      <p:pic>
+        <p:nvPicPr>
+          <p:cNvPr id="8" name="Kép 7">
+            <a:extLst>
+              <a:ext uri="{FF2B5EF4-FFF2-40B4-BE49-F238E27FC236}">
+                <a16:creationId xmlns:a16="http://schemas.microsoft.com/office/drawing/2014/main" id="{7ABD08E0-BA78-4CA3-A81C-4A33E94A3976}"/>
+              </a:ext>
+            </a:extLst>
+          </p:cNvPr>
+          <p:cNvPicPr>
+            <a:picLocks noChangeAspect="1"/>
+          </p:cNvPicPr>
+          <p:nvPr/>
+        </p:nvPicPr>
+        <p:blipFill>
+          <a:blip r:embed="rId2">
+            <a:extLst>
+              <a:ext uri="{28A0092B-C50C-407E-A947-70E740481C1C}">
+                <a14:useLocalDpi xmlns:a14="http://schemas.microsoft.com/office/drawing/2010/main" val="0"/>
+              </a:ext>
+            </a:extLst>
+          </a:blip>
+          <a:stretch>
+            <a:fillRect/>
+          </a:stretch>
+        </p:blipFill>
+        <p:spPr>
+          <a:xfrm>
+            <a:off x="543393" y="4523764"/>
+            <a:ext cx="8057213" cy="1884670"/>
+          </a:xfrm>
+          <a:prstGeom prst="rect">
+            <a:avLst/>
+          </a:prstGeom>
+        </p:spPr>
+      </p:pic>
     </p:spTree>
     <p:extLst>
       <p:ext uri="{BB962C8B-B14F-4D97-AF65-F5344CB8AC3E}">
@@ -4475,7 +7443,7 @@
           <p:cNvPr id="2" name="Cím 1">
             <a:extLst>
               <a:ext uri="{FF2B5EF4-FFF2-40B4-BE49-F238E27FC236}">
-                <a16:creationId xmlns:a16="http://schemas.microsoft.com/office/drawing/2014/main" id="{09411F1E-27C1-4AE8-AE32-00B88150B9E2}"/>
+                <a16:creationId xmlns:a16="http://schemas.microsoft.com/office/drawing/2014/main" id="{FF8E5E95-AE64-415C-8681-D3B3D2CA7C51}"/>
               </a:ext>
             </a:extLst>
           </p:cNvPr>
@@ -4488,21 +7456,38 @@
         </p:nvSpPr>
         <p:spPr/>
         <p:txBody>
-          <a:bodyPr/>
+          <a:bodyPr>
+            <a:normAutofit/>
+          </a:bodyPr>
           <a:lstStyle/>
           <a:p>
             <a:pPr algn="ctr"/>
             <a:r>
               <a:rPr lang="hu-HU" dirty="0"/>
-              <a:t>„</a:t>
-            </a:r>
-            <a:r>
-              <a:rPr lang="hu-HU" dirty="0" err="1"/>
-              <a:t>Gardens</a:t>
-            </a:r>
-            <a:r>
+              <a:t>„Zebra” feladatok</a:t>
+            </a:r>
+            <a:br>
               <a:rPr lang="hu-HU" dirty="0"/>
-              <a:t>” feladat</a:t>
+            </a:br>
+            <a:r>
+              <a:rPr lang="hu-HU" sz="3200" dirty="0"/>
+              <a:t>(</a:t>
+            </a:r>
+            <a:r>
+              <a:rPr lang="hu-HU" sz="3200" dirty="0" err="1"/>
+              <a:t>Fundraising</a:t>
+            </a:r>
+            <a:r>
+              <a:rPr lang="hu-HU" sz="3200" dirty="0"/>
+              <a:t> </a:t>
+            </a:r>
+            <a:r>
+              <a:rPr lang="hu-HU" sz="3200" dirty="0" err="1"/>
+              <a:t>Dinner</a:t>
+            </a:r>
+            <a:r>
+              <a:rPr lang="hu-HU" sz="3200" dirty="0"/>
+              <a:t> )</a:t>
             </a:r>
           </a:p>
         </p:txBody>
@@ -4512,7 +7497,7 @@
           <p:cNvPr id="4" name="Dia számának helye 3">
             <a:extLst>
               <a:ext uri="{FF2B5EF4-FFF2-40B4-BE49-F238E27FC236}">
-                <a16:creationId xmlns:a16="http://schemas.microsoft.com/office/drawing/2014/main" id="{A0A56984-CD4E-4AFC-B636-2467537DA82C}"/>
+                <a16:creationId xmlns:a16="http://schemas.microsoft.com/office/drawing/2014/main" id="{E799F892-52D9-47BE-8E31-56A1731CA5FB}"/>
               </a:ext>
             </a:extLst>
           </p:cNvPr>
@@ -4541,7 +7526,7 @@
           <p:cNvPr id="3" name="Szövegdoboz 2">
             <a:extLst>
               <a:ext uri="{FF2B5EF4-FFF2-40B4-BE49-F238E27FC236}">
-                <a16:creationId xmlns:a16="http://schemas.microsoft.com/office/drawing/2014/main" id="{4DE43672-6366-462F-BC64-FD398B28F1E0}"/>
+                <a16:creationId xmlns:a16="http://schemas.microsoft.com/office/drawing/2014/main" id="{0FDE817F-09DE-42BC-8A28-394FF6F01DF2}"/>
               </a:ext>
             </a:extLst>
           </p:cNvPr>
@@ -4550,8 +7535,8 @@
         </p:nvSpPr>
         <p:spPr>
           <a:xfrm>
-            <a:off x="114300" y="2282992"/>
-            <a:ext cx="8867274" cy="1546577"/>
+            <a:off x="321696" y="1690689"/>
+            <a:ext cx="8867274" cy="2631490"/>
           </a:xfrm>
           <a:prstGeom prst="rect">
             <a:avLst/>
@@ -4564,93 +7549,106 @@
           </a:bodyPr>
           <a:lstStyle/>
           <a:p>
-            <a:pPr marL="214313" indent="-214313">
-              <a:buFont typeface="Arial" panose="020B0604020202020204" pitchFamily="34" charset="0"/>
-              <a:buChar char="•"/>
+            <a:r>
+              <a:rPr lang="hu-HU" sz="2800" dirty="0"/>
+              <a:t>5 jómódú hölgy jellemzője:</a:t>
+            </a:r>
+          </a:p>
+          <a:p>
+            <a:pPr lvl="0"/>
+            <a:r>
+              <a:rPr lang="hu-HU" dirty="0"/>
+              <a:t>	keresztnevük</a:t>
+            </a:r>
+          </a:p>
+          <a:p>
+            <a:pPr lvl="0"/>
+            <a:r>
+              <a:rPr lang="hu-HU" dirty="0"/>
+              <a:t>	viselt ruha színe</a:t>
+            </a:r>
+          </a:p>
+          <a:p>
+            <a:pPr lvl="0"/>
+            <a:r>
+              <a:rPr lang="hu-HU" dirty="0"/>
+              <a:t>	nyakláncukon található drágakő típusa</a:t>
+            </a:r>
+          </a:p>
+          <a:p>
+            <a:pPr lvl="0"/>
+            <a:r>
+              <a:rPr lang="hu-HU" dirty="0"/>
+              <a:t>	életkoruk</a:t>
+            </a:r>
+          </a:p>
+          <a:p>
+            <a:pPr lvl="0"/>
+            <a:r>
+              <a:rPr lang="hu-HU" dirty="0"/>
+              <a:t>	fogyasztott koktéljuk</a:t>
+            </a:r>
+          </a:p>
+          <a:p>
+            <a:pPr lvl="0"/>
+            <a:r>
+              <a:rPr lang="hu-HU" dirty="0"/>
+              <a:t>	adakozott pénzmennyiség dollárban</a:t>
+            </a:r>
+          </a:p>
+          <a:p>
+            <a:pPr>
+              <a:spcBef>
+                <a:spcPts val="600"/>
+              </a:spcBef>
             </a:pPr>
             <a:r>
-              <a:rPr lang="hu-HU" sz="1350" dirty="0"/>
-              <a:t>Feladat </a:t>
-            </a:r>
-            <a:r>
-              <a:rPr lang="hu-HU" sz="1350" dirty="0" err="1"/>
-              <a:t>bemutatása+ábra</a:t>
-            </a:r>
-            <a:r>
-              <a:rPr lang="hu-HU" sz="1350" dirty="0"/>
-              <a:t> is</a:t>
-            </a:r>
-          </a:p>
-          <a:p>
-            <a:pPr marL="214313" indent="-214313">
-              <a:buFont typeface="Arial" panose="020B0604020202020204" pitchFamily="34" charset="0"/>
-              <a:buChar char="•"/>
-            </a:pPr>
-            <a:r>
-              <a:rPr lang="hu-HU" sz="1350" dirty="0"/>
-              <a:t>Bináris mátrix</a:t>
-            </a:r>
-          </a:p>
-          <a:p>
-            <a:pPr marL="214313" indent="-214313">
-              <a:buFont typeface="Arial" panose="020B0604020202020204" pitchFamily="34" charset="0"/>
-              <a:buChar char="•"/>
-            </a:pPr>
-            <a:r>
-              <a:rPr lang="hu-HU" sz="1350" dirty="0" err="1"/>
-              <a:t>Where</a:t>
-            </a:r>
-            <a:r>
-              <a:rPr lang="hu-HU" sz="1350" dirty="0"/>
-              <a:t> helyett implikáció</a:t>
-            </a:r>
-          </a:p>
-          <a:p>
-            <a:pPr marL="214313" indent="-214313">
-              <a:buFont typeface="Arial" panose="020B0604020202020204" pitchFamily="34" charset="0"/>
-              <a:buChar char="•"/>
-            </a:pPr>
-            <a:r>
-              <a:rPr lang="hu-HU" sz="1350" dirty="0"/>
-              <a:t>Tulaj hozzárendelési mátrix</a:t>
-            </a:r>
-          </a:p>
-          <a:p>
-            <a:pPr marL="214313" indent="-214313">
-              <a:buFont typeface="Arial" panose="020B0604020202020204" pitchFamily="34" charset="0"/>
-              <a:buChar char="•"/>
-            </a:pPr>
-            <a:r>
-              <a:rPr lang="hu-HU" sz="1350" dirty="0"/>
-              <a:t>Termény halmazok</a:t>
-            </a:r>
-          </a:p>
-          <a:p>
-            <a:pPr marL="214313" indent="-214313">
-              <a:buFont typeface="Arial" panose="020B0604020202020204" pitchFamily="34" charset="0"/>
-              <a:buChar char="•"/>
-            </a:pPr>
-            <a:r>
-              <a:rPr lang="hu-HU" sz="1350" dirty="0"/>
-              <a:t>Integer mátrix</a:t>
-            </a:r>
-          </a:p>
-          <a:p>
-            <a:pPr marL="214313" indent="-214313">
-              <a:buFont typeface="Arial" panose="020B0604020202020204" pitchFamily="34" charset="0"/>
-              <a:buChar char="•"/>
-            </a:pPr>
-            <a:r>
-              <a:rPr lang="hu-HU" sz="1350" dirty="0"/>
-              <a:t>Kimenet</a:t>
-            </a:r>
-          </a:p>
-        </p:txBody>
-      </p:sp>
+              <a:rPr lang="hu-HU" sz="2400" dirty="0"/>
+              <a:t>Megoldás változó tömbökkel</a:t>
+            </a:r>
+          </a:p>
+        </p:txBody>
+      </p:sp>
+      <p:pic>
+        <p:nvPicPr>
+          <p:cNvPr id="11" name="Kép 10">
+            <a:extLst>
+              <a:ext uri="{FF2B5EF4-FFF2-40B4-BE49-F238E27FC236}">
+                <a16:creationId xmlns:a16="http://schemas.microsoft.com/office/drawing/2014/main" id="{82FA8165-0B8D-428D-805C-54D7A719CEC6}"/>
+              </a:ext>
+            </a:extLst>
+          </p:cNvPr>
+          <p:cNvPicPr>
+            <a:picLocks noChangeAspect="1"/>
+          </p:cNvPicPr>
+          <p:nvPr/>
+        </p:nvPicPr>
+        <p:blipFill>
+          <a:blip r:embed="rId2">
+            <a:extLst>
+              <a:ext uri="{28A0092B-C50C-407E-A947-70E740481C1C}">
+                <a14:useLocalDpi xmlns:a14="http://schemas.microsoft.com/office/drawing/2010/main" val="0"/>
+              </a:ext>
+            </a:extLst>
+          </a:blip>
+          <a:stretch>
+            <a:fillRect/>
+          </a:stretch>
+        </p:blipFill>
+        <p:spPr>
+          <a:xfrm>
+            <a:off x="0" y="4468227"/>
+            <a:ext cx="9144000" cy="1179515"/>
+          </a:xfrm>
+          <a:prstGeom prst="rect">
+            <a:avLst/>
+          </a:prstGeom>
+        </p:spPr>
+      </p:pic>
     </p:spTree>
     <p:extLst>
       <p:ext uri="{BB962C8B-B14F-4D97-AF65-F5344CB8AC3E}">
-        <p14:creationId xmlns:p14="http://schemas.microsoft.com/office/powerpoint/2010/main" val="3873893493"/>
+        <p14:creationId xmlns:p14="http://schemas.microsoft.com/office/powerpoint/2010/main" val="2322483251"/>
       </p:ext>
     </p:extLst>
   </p:cSld>
@@ -4682,7 +7680,7 @@
           <p:cNvPr id="2" name="Cím 1">
             <a:extLst>
               <a:ext uri="{FF2B5EF4-FFF2-40B4-BE49-F238E27FC236}">
-                <a16:creationId xmlns:a16="http://schemas.microsoft.com/office/drawing/2014/main" id="{DCCECEDE-C074-41DA-84C8-BDCA2FDBD582}"/>
+                <a16:creationId xmlns:a16="http://schemas.microsoft.com/office/drawing/2014/main" id="{09411F1E-27C1-4AE8-AE32-00B88150B9E2}"/>
               </a:ext>
             </a:extLst>
           </p:cNvPr>
@@ -4701,7 +7699,15 @@
             <a:pPr algn="ctr"/>
             <a:r>
               <a:rPr lang="hu-HU" dirty="0"/>
-              <a:t>Teszteredmények</a:t>
+              <a:t>„</a:t>
+            </a:r>
+            <a:r>
+              <a:rPr lang="hu-HU" dirty="0" err="1"/>
+              <a:t>Gardens</a:t>
+            </a:r>
+            <a:r>
+              <a:rPr lang="hu-HU" dirty="0"/>
+              <a:t>” feladat</a:t>
             </a:r>
           </a:p>
         </p:txBody>
@@ -4711,7 +7717,7 @@
           <p:cNvPr id="4" name="Dia számának helye 3">
             <a:extLst>
               <a:ext uri="{FF2B5EF4-FFF2-40B4-BE49-F238E27FC236}">
-                <a16:creationId xmlns:a16="http://schemas.microsoft.com/office/drawing/2014/main" id="{AD8C5EE1-236C-4F83-B6B6-0315500CBF70}"/>
+                <a16:creationId xmlns:a16="http://schemas.microsoft.com/office/drawing/2014/main" id="{A0A56984-CD4E-4AFC-B636-2467537DA82C}"/>
               </a:ext>
             </a:extLst>
           </p:cNvPr>
@@ -4740,7 +7746,7 @@
           <p:cNvPr id="3" name="Szövegdoboz 2">
             <a:extLst>
               <a:ext uri="{FF2B5EF4-FFF2-40B4-BE49-F238E27FC236}">
-                <a16:creationId xmlns:a16="http://schemas.microsoft.com/office/drawing/2014/main" id="{BAAEAD85-A443-4994-A56B-80BE988BBC20}"/>
+                <a16:creationId xmlns:a16="http://schemas.microsoft.com/office/drawing/2014/main" id="{4DE43672-6366-462F-BC64-FD398B28F1E0}"/>
               </a:ext>
             </a:extLst>
           </p:cNvPr>
@@ -4749,8 +7755,8 @@
         </p:nvSpPr>
         <p:spPr>
           <a:xfrm>
-            <a:off x="114300" y="2282992"/>
-            <a:ext cx="8867274" cy="300082"/>
+            <a:off x="138363" y="1502406"/>
+            <a:ext cx="8867274" cy="2862322"/>
           </a:xfrm>
           <a:prstGeom prst="rect">
             <a:avLst/>
@@ -4763,29 +7769,102 @@
           </a:bodyPr>
           <a:lstStyle/>
           <a:p>
-            <a:pPr marL="214313" indent="-214313">
-              <a:buFont typeface="Arial" panose="020B0604020202020204" pitchFamily="34" charset="0"/>
-              <a:buChar char="•"/>
+            <a:pPr>
+              <a:spcAft>
+                <a:spcPts val="1800"/>
+              </a:spcAft>
             </a:pPr>
             <a:r>
-              <a:rPr lang="hu-HU" sz="1350" dirty="0"/>
-              <a:t>Ábra + </a:t>
-            </a:r>
-            <a:r>
-              <a:rPr lang="hu-HU" sz="1350" dirty="0" err="1"/>
-              <a:t>giant</a:t>
-            </a:r>
-            <a:r>
-              <a:rPr lang="hu-HU" sz="1350" dirty="0"/>
-              <a:t> példa is</a:t>
-            </a:r>
-          </a:p>
-        </p:txBody>
-      </p:sp>
+              <a:rPr lang="hu-HU" sz="2400" dirty="0"/>
+              <a:t>Einstein egyik logikai feladványa</a:t>
+            </a:r>
+          </a:p>
+          <a:p>
+            <a:pPr>
+              <a:spcAft>
+                <a:spcPts val="1800"/>
+              </a:spcAft>
+            </a:pPr>
+            <a:r>
+              <a:rPr lang="hu-HU" sz="2400" dirty="0"/>
+              <a:t>Adott:</a:t>
+            </a:r>
+          </a:p>
+          <a:p>
+            <a:pPr lvl="1">
+              <a:spcAft>
+                <a:spcPts val="1800"/>
+              </a:spcAft>
+            </a:pPr>
+            <a:r>
+              <a:rPr lang="hu-HU" sz="2400" dirty="0"/>
+              <a:t>5 kert</a:t>
+            </a:r>
+          </a:p>
+          <a:p>
+            <a:pPr lvl="1">
+              <a:spcAft>
+                <a:spcPts val="1800"/>
+              </a:spcAft>
+            </a:pPr>
+            <a:r>
+              <a:rPr lang="hu-HU" sz="2400" dirty="0"/>
+              <a:t>5 tulajdonos</a:t>
+            </a:r>
+          </a:p>
+          <a:p>
+            <a:pPr lvl="1">
+              <a:spcAft>
+                <a:spcPts val="1800"/>
+              </a:spcAft>
+            </a:pPr>
+            <a:r>
+              <a:rPr lang="hu-HU" sz="2400" dirty="0"/>
+              <a:t>12 termény</a:t>
+            </a:r>
+          </a:p>
+        </p:txBody>
+      </p:sp>
+      <p:pic>
+        <p:nvPicPr>
+          <p:cNvPr id="6" name="Kép 5">
+            <a:extLst>
+              <a:ext uri="{FF2B5EF4-FFF2-40B4-BE49-F238E27FC236}">
+                <a16:creationId xmlns:a16="http://schemas.microsoft.com/office/drawing/2014/main" id="{B507115D-936F-4E1D-B372-6A80D2FC9368}"/>
+              </a:ext>
+            </a:extLst>
+          </p:cNvPr>
+          <p:cNvPicPr>
+            <a:picLocks noChangeAspect="1"/>
+          </p:cNvPicPr>
+          <p:nvPr/>
+        </p:nvPicPr>
+        <p:blipFill>
+          <a:blip r:embed="rId2">
+            <a:extLst>
+              <a:ext uri="{28A0092B-C50C-407E-A947-70E740481C1C}">
+                <a14:useLocalDpi xmlns:a14="http://schemas.microsoft.com/office/drawing/2010/main" val="0"/>
+              </a:ext>
+            </a:extLst>
+          </a:blip>
+          <a:stretch>
+            <a:fillRect/>
+          </a:stretch>
+        </p:blipFill>
+        <p:spPr>
+          <a:xfrm>
+            <a:off x="2594883" y="2162912"/>
+            <a:ext cx="5920467" cy="3958539"/>
+          </a:xfrm>
+          <a:prstGeom prst="rect">
+            <a:avLst/>
+          </a:prstGeom>
+        </p:spPr>
+      </p:pic>
     </p:spTree>
     <p:extLst>
       <p:ext uri="{BB962C8B-B14F-4D97-AF65-F5344CB8AC3E}">
-        <p14:creationId xmlns:p14="http://schemas.microsoft.com/office/powerpoint/2010/main" val="3841807345"/>
+        <p14:creationId xmlns:p14="http://schemas.microsoft.com/office/powerpoint/2010/main" val="3873893493"/>
       </p:ext>
     </p:extLst>
   </p:cSld>
@@ -4817,7 +7896,7 @@
           <p:cNvPr id="2" name="Cím 1">
             <a:extLst>
               <a:ext uri="{FF2B5EF4-FFF2-40B4-BE49-F238E27FC236}">
-                <a16:creationId xmlns:a16="http://schemas.microsoft.com/office/drawing/2014/main" id="{1D4955D7-34CA-43AC-A84B-A6B413D2A4B3}"/>
+                <a16:creationId xmlns:a16="http://schemas.microsoft.com/office/drawing/2014/main" id="{09411F1E-27C1-4AE8-AE32-00B88150B9E2}"/>
               </a:ext>
             </a:extLst>
           </p:cNvPr>
@@ -4836,7 +7915,15 @@
             <a:pPr algn="ctr"/>
             <a:r>
               <a:rPr lang="hu-HU" dirty="0"/>
-              <a:t>Redundáns megkötések</a:t>
+              <a:t>„</a:t>
+            </a:r>
+            <a:r>
+              <a:rPr lang="hu-HU" dirty="0" err="1"/>
+              <a:t>Gardens</a:t>
+            </a:r>
+            <a:r>
+              <a:rPr lang="hu-HU" dirty="0"/>
+              <a:t>” feladat</a:t>
             </a:r>
           </a:p>
         </p:txBody>
@@ -4846,7 +7933,7 @@
           <p:cNvPr id="4" name="Dia számának helye 3">
             <a:extLst>
               <a:ext uri="{FF2B5EF4-FFF2-40B4-BE49-F238E27FC236}">
-                <a16:creationId xmlns:a16="http://schemas.microsoft.com/office/drawing/2014/main" id="{319D2024-D3CF-486C-8D11-F9F9E4917A04}"/>
+                <a16:creationId xmlns:a16="http://schemas.microsoft.com/office/drawing/2014/main" id="{A0A56984-CD4E-4AFC-B636-2467537DA82C}"/>
               </a:ext>
             </a:extLst>
           </p:cNvPr>
@@ -4875,7 +7962,7 @@
           <p:cNvPr id="3" name="Szövegdoboz 2">
             <a:extLst>
               <a:ext uri="{FF2B5EF4-FFF2-40B4-BE49-F238E27FC236}">
-                <a16:creationId xmlns:a16="http://schemas.microsoft.com/office/drawing/2014/main" id="{1F54668F-222D-40E1-AF6E-74382E4A49CF}"/>
+                <a16:creationId xmlns:a16="http://schemas.microsoft.com/office/drawing/2014/main" id="{4DE43672-6366-462F-BC64-FD398B28F1E0}"/>
               </a:ext>
             </a:extLst>
           </p:cNvPr>
@@ -4884,8 +7971,8 @@
         </p:nvSpPr>
         <p:spPr>
           <a:xfrm>
-            <a:off x="114300" y="2282992"/>
-            <a:ext cx="8867274" cy="507831"/>
+            <a:off x="138363" y="1502406"/>
+            <a:ext cx="8867274" cy="2308324"/>
           </a:xfrm>
           <a:prstGeom prst="rect">
             <a:avLst/>
@@ -4898,39 +7985,92 @@
           </a:bodyPr>
           <a:lstStyle/>
           <a:p>
-            <a:pPr marL="214313" indent="-214313">
-              <a:buFont typeface="Arial" panose="020B0604020202020204" pitchFamily="34" charset="0"/>
-              <a:buChar char="•"/>
-            </a:pPr>
-            <a:r>
-              <a:rPr lang="hu-HU" sz="1350" dirty="0"/>
-              <a:t>„</a:t>
-            </a:r>
-            <a:r>
-              <a:rPr lang="hu-HU" sz="1350" dirty="0" err="1"/>
-              <a:t>kivesszuk</a:t>
-            </a:r>
-            <a:r>
-              <a:rPr lang="hu-HU" sz="1350" dirty="0"/>
-              <a:t>” bemutatása</a:t>
-            </a:r>
-          </a:p>
-          <a:p>
-            <a:pPr marL="214313" indent="-214313">
-              <a:buFont typeface="Arial" panose="020B0604020202020204" pitchFamily="34" charset="0"/>
-              <a:buChar char="•"/>
-            </a:pPr>
-            <a:r>
-              <a:rPr lang="hu-HU" sz="1350" dirty="0"/>
-              <a:t>Ábra hány kikötést lehet kiszedni</a:t>
-            </a:r>
-          </a:p>
-        </p:txBody>
-      </p:sp>
+            <a:r>
+              <a:rPr lang="hu-HU" sz="2400" dirty="0"/>
+              <a:t>Több módszer is alkalmazva lett:</a:t>
+            </a:r>
+          </a:p>
+          <a:p>
+            <a:pPr lvl="1"/>
+            <a:r>
+              <a:rPr lang="hu-HU" sz="2400" dirty="0"/>
+              <a:t>Bináris mátrix</a:t>
+            </a:r>
+          </a:p>
+          <a:p>
+            <a:pPr lvl="1"/>
+            <a:r>
+              <a:rPr lang="hu-HU" sz="2400" dirty="0" err="1"/>
+              <a:t>Where</a:t>
+            </a:r>
+            <a:r>
+              <a:rPr lang="hu-HU" sz="2400" dirty="0"/>
+              <a:t> helyett implikáció</a:t>
+            </a:r>
+          </a:p>
+          <a:p>
+            <a:pPr lvl="1"/>
+            <a:r>
+              <a:rPr lang="hu-HU" sz="2400" dirty="0"/>
+              <a:t>Tulaj hozzárendelési mátrix</a:t>
+            </a:r>
+          </a:p>
+          <a:p>
+            <a:pPr lvl="1"/>
+            <a:r>
+              <a:rPr lang="hu-HU" sz="2400" dirty="0"/>
+              <a:t>Termény halmazok</a:t>
+            </a:r>
+          </a:p>
+          <a:p>
+            <a:pPr lvl="1"/>
+            <a:r>
+              <a:rPr lang="hu-HU" sz="2400" dirty="0"/>
+              <a:t>Integer mátrix</a:t>
+            </a:r>
+          </a:p>
+        </p:txBody>
+      </p:sp>
+      <p:pic>
+        <p:nvPicPr>
+          <p:cNvPr id="10" name="Kép 9">
+            <a:extLst>
+              <a:ext uri="{FF2B5EF4-FFF2-40B4-BE49-F238E27FC236}">
+                <a16:creationId xmlns:a16="http://schemas.microsoft.com/office/drawing/2014/main" id="{E6F1D144-AEFD-4E20-A122-9055A83AA480}"/>
+              </a:ext>
+            </a:extLst>
+          </p:cNvPr>
+          <p:cNvPicPr>
+            <a:picLocks noChangeAspect="1"/>
+          </p:cNvPicPr>
+          <p:nvPr/>
+        </p:nvPicPr>
+        <p:blipFill>
+          <a:blip r:embed="rId2">
+            <a:extLst>
+              <a:ext uri="{28A0092B-C50C-407E-A947-70E740481C1C}">
+                <a14:useLocalDpi xmlns:a14="http://schemas.microsoft.com/office/drawing/2010/main" val="0"/>
+              </a:ext>
+            </a:extLst>
+          </a:blip>
+          <a:stretch>
+            <a:fillRect/>
+          </a:stretch>
+        </p:blipFill>
+        <p:spPr>
+          <a:xfrm>
+            <a:off x="0" y="4086159"/>
+            <a:ext cx="9144000" cy="1510655"/>
+          </a:xfrm>
+          <a:prstGeom prst="rect">
+            <a:avLst/>
+          </a:prstGeom>
+        </p:spPr>
+      </p:pic>
     </p:spTree>
     <p:extLst>
       <p:ext uri="{BB962C8B-B14F-4D97-AF65-F5344CB8AC3E}">
-        <p14:creationId xmlns:p14="http://schemas.microsoft.com/office/powerpoint/2010/main" val="100694557"/>
+        <p14:creationId xmlns:p14="http://schemas.microsoft.com/office/powerpoint/2010/main" val="3906411311"/>
       </p:ext>
     </p:extLst>
   </p:cSld>

--- a/CP_Dolgozat/Előadás/Logikai feladványok megoldása korlátprogramozással.pptx
+++ b/CP_Dolgozat/Előadás/Logikai feladványok megoldása korlátprogramozással.pptx
@@ -5,7 +5,7 @@
     <p:sldMasterId id="2147483660" r:id="rId1"/>
   </p:sldMasterIdLst>
   <p:notesMasterIdLst>
-    <p:notesMasterId r:id="rId17"/>
+    <p:notesMasterId r:id="rId18"/>
   </p:notesMasterIdLst>
   <p:sldIdLst>
     <p:sldId id="256" r:id="rId2"/>
@@ -20,9 +20,10 @@
     <p:sldId id="271" r:id="rId11"/>
     <p:sldId id="261" r:id="rId12"/>
     <p:sldId id="269" r:id="rId13"/>
-    <p:sldId id="262" r:id="rId14"/>
-    <p:sldId id="264" r:id="rId15"/>
-    <p:sldId id="265" r:id="rId16"/>
+    <p:sldId id="272" r:id="rId14"/>
+    <p:sldId id="262" r:id="rId15"/>
+    <p:sldId id="264" r:id="rId16"/>
+    <p:sldId id="265" r:id="rId17"/>
   </p:sldIdLst>
   <p:sldSz cx="9144000" cy="6858000" type="screen4x3"/>
   <p:notesSz cx="6858000" cy="9144000"/>
@@ -211,7 +212,7 @@
           <a:p>
             <a:fld id="{D216282D-D81D-4BF8-9895-AC698DE2A975}" type="datetimeFigureOut">
               <a:rPr lang="hu-HU" smtClean="0"/>
-              <a:t>2018. 04. 06.</a:t>
+              <a:t>2018. 04. 11.</a:t>
             </a:fld>
             <a:endParaRPr lang="hu-HU"/>
           </a:p>
@@ -609,7 +610,7 @@
           <a:p>
             <a:fld id="{E312C87B-02A7-472E-A63B-E2AA6EA769CA}" type="datetime1">
               <a:rPr lang="hu-HU" smtClean="0"/>
-              <a:t>2018. 04. 06.</a:t>
+              <a:t>2018. 04. 11.</a:t>
             </a:fld>
             <a:endParaRPr lang="hu-HU"/>
           </a:p>
@@ -779,7 +780,7 @@
           <a:p>
             <a:fld id="{3B5D9C6B-342B-4BF9-8B1A-D54914C7E78B}" type="datetime1">
               <a:rPr lang="hu-HU" smtClean="0"/>
-              <a:t>2018. 04. 06.</a:t>
+              <a:t>2018. 04. 11.</a:t>
             </a:fld>
             <a:endParaRPr lang="hu-HU"/>
           </a:p>
@@ -959,7 +960,7 @@
           <a:p>
             <a:fld id="{46B01E20-0B80-441C-A219-14B0C111F8A4}" type="datetime1">
               <a:rPr lang="hu-HU" smtClean="0"/>
-              <a:t>2018. 04. 06.</a:t>
+              <a:t>2018. 04. 11.</a:t>
             </a:fld>
             <a:endParaRPr lang="hu-HU"/>
           </a:p>
@@ -1129,7 +1130,7 @@
           <a:p>
             <a:fld id="{F11C61C5-A889-458F-89AF-EEE72626CAE9}" type="datetime1">
               <a:rPr lang="hu-HU" smtClean="0"/>
-              <a:t>2018. 04. 06.</a:t>
+              <a:t>2018. 04. 11.</a:t>
             </a:fld>
             <a:endParaRPr lang="hu-HU"/>
           </a:p>
@@ -1373,7 +1374,7 @@
           <a:p>
             <a:fld id="{B7685D89-7BCE-478D-AB70-4D9B0230C013}" type="datetime1">
               <a:rPr lang="hu-HU" smtClean="0"/>
-              <a:t>2018. 04. 06.</a:t>
+              <a:t>2018. 04. 11.</a:t>
             </a:fld>
             <a:endParaRPr lang="hu-HU"/>
           </a:p>
@@ -1605,7 +1606,7 @@
           <a:p>
             <a:fld id="{342A6DF3-9923-4C9E-B5CF-2760C80C9AAE}" type="datetime1">
               <a:rPr lang="hu-HU" smtClean="0"/>
-              <a:t>2018. 04. 06.</a:t>
+              <a:t>2018. 04. 11.</a:t>
             </a:fld>
             <a:endParaRPr lang="hu-HU"/>
           </a:p>
@@ -1972,7 +1973,7 @@
           <a:p>
             <a:fld id="{CCB70A02-F1D2-4B6F-A5C9-21ECF68D20F7}" type="datetime1">
               <a:rPr lang="hu-HU" smtClean="0"/>
-              <a:t>2018. 04. 06.</a:t>
+              <a:t>2018. 04. 11.</a:t>
             </a:fld>
             <a:endParaRPr lang="hu-HU"/>
           </a:p>
@@ -2090,7 +2091,7 @@
           <a:p>
             <a:fld id="{4B958066-8305-4AEE-AA62-5F8D66DBDEB8}" type="datetime1">
               <a:rPr lang="hu-HU" smtClean="0"/>
-              <a:t>2018. 04. 06.</a:t>
+              <a:t>2018. 04. 11.</a:t>
             </a:fld>
             <a:endParaRPr lang="hu-HU"/>
           </a:p>
@@ -2185,7 +2186,7 @@
           <a:p>
             <a:fld id="{837CA921-3F6C-4D1B-845A-272145B802A9}" type="datetime1">
               <a:rPr lang="hu-HU" smtClean="0"/>
-              <a:t>2018. 04. 06.</a:t>
+              <a:t>2018. 04. 11.</a:t>
             </a:fld>
             <a:endParaRPr lang="hu-HU"/>
           </a:p>
@@ -2462,7 +2463,7 @@
           <a:p>
             <a:fld id="{69BB093D-7842-40CD-B34D-93DEC9DF4129}" type="datetime1">
               <a:rPr lang="hu-HU" smtClean="0"/>
-              <a:t>2018. 04. 06.</a:t>
+              <a:t>2018. 04. 11.</a:t>
             </a:fld>
             <a:endParaRPr lang="hu-HU"/>
           </a:p>
@@ -2719,7 +2720,7 @@
           <a:p>
             <a:fld id="{FC4EE55C-E42C-44F1-898C-4145C2FBF83B}" type="datetime1">
               <a:rPr lang="hu-HU" smtClean="0"/>
-              <a:t>2018. 04. 06.</a:t>
+              <a:t>2018. 04. 11.</a:t>
             </a:fld>
             <a:endParaRPr lang="hu-HU"/>
           </a:p>
@@ -2932,7 +2933,7 @@
           <a:p>
             <a:fld id="{D6FEAC61-D054-47B6-B1A3-F182E84601BD}" type="datetime1">
               <a:rPr lang="hu-HU" smtClean="0"/>
-              <a:t>2018. 04. 06.</a:t>
+              <a:t>2018. 04. 11.</a:t>
             </a:fld>
             <a:endParaRPr lang="hu-HU"/>
           </a:p>
@@ -3484,15 +3485,7 @@
             <a:pPr algn="ctr"/>
             <a:r>
               <a:rPr lang="hu-HU" dirty="0"/>
-              <a:t>„</a:t>
-            </a:r>
-            <a:r>
-              <a:rPr lang="hu-HU" dirty="0" err="1"/>
-              <a:t>Gardens</a:t>
-            </a:r>
-            <a:r>
-              <a:rPr lang="hu-HU" dirty="0"/>
-              <a:t>” feladat</a:t>
+              <a:t>Kimenet formázása</a:t>
             </a:r>
           </a:p>
         </p:txBody>
@@ -3523,41 +3516,6 @@
               <a:t>10</a:t>
             </a:fld>
             <a:endParaRPr lang="hu-HU"/>
-          </a:p>
-        </p:txBody>
-      </p:sp>
-      <p:sp>
-        <p:nvSpPr>
-          <p:cNvPr id="3" name="Szövegdoboz 2">
-            <a:extLst>
-              <a:ext uri="{FF2B5EF4-FFF2-40B4-BE49-F238E27FC236}">
-                <a16:creationId xmlns:a16="http://schemas.microsoft.com/office/drawing/2014/main" id="{4DE43672-6366-462F-BC64-FD398B28F1E0}"/>
-              </a:ext>
-            </a:extLst>
-          </p:cNvPr>
-          <p:cNvSpPr txBox="1"/>
-          <p:nvPr/>
-        </p:nvSpPr>
-        <p:spPr>
-          <a:xfrm>
-            <a:off x="138363" y="1502406"/>
-            <a:ext cx="8867274" cy="461665"/>
-          </a:xfrm>
-          <a:prstGeom prst="rect">
-            <a:avLst/>
-          </a:prstGeom>
-          <a:noFill/>
-        </p:spPr>
-        <p:txBody>
-          <a:bodyPr wrap="square" rtlCol="0">
-            <a:spAutoFit/>
-          </a:bodyPr>
-          <a:lstStyle/>
-          <a:p>
-            <a:r>
-              <a:rPr lang="hu-HU" sz="2400" dirty="0"/>
-              <a:t>Kimenet formázása</a:t>
-            </a:r>
           </a:p>
         </p:txBody>
       </p:sp>
@@ -3926,6 +3884,135 @@
           <p:cNvPr id="2" name="Cím 1">
             <a:extLst>
               <a:ext uri="{FF2B5EF4-FFF2-40B4-BE49-F238E27FC236}">
+                <a16:creationId xmlns:a16="http://schemas.microsoft.com/office/drawing/2014/main" id="{DCCECEDE-C074-41DA-84C8-BDCA2FDBD582}"/>
+              </a:ext>
+            </a:extLst>
+          </p:cNvPr>
+          <p:cNvSpPr>
+            <a:spLocks noGrp="1"/>
+          </p:cNvSpPr>
+          <p:nvPr>
+            <p:ph type="title"/>
+          </p:nvPr>
+        </p:nvSpPr>
+        <p:spPr>
+          <a:xfrm>
+            <a:off x="628650" y="10572"/>
+            <a:ext cx="7886700" cy="1325563"/>
+          </a:xfrm>
+        </p:spPr>
+        <p:txBody>
+          <a:bodyPr/>
+          <a:lstStyle/>
+          <a:p>
+            <a:pPr algn="ctr"/>
+            <a:r>
+              <a:rPr lang="hu-HU" dirty="0"/>
+              <a:t>Teszteredmények</a:t>
+            </a:r>
+          </a:p>
+        </p:txBody>
+      </p:sp>
+      <p:sp>
+        <p:nvSpPr>
+          <p:cNvPr id="4" name="Dia számának helye 3">
+            <a:extLst>
+              <a:ext uri="{FF2B5EF4-FFF2-40B4-BE49-F238E27FC236}">
+                <a16:creationId xmlns:a16="http://schemas.microsoft.com/office/drawing/2014/main" id="{AD8C5EE1-236C-4F83-B6B6-0315500CBF70}"/>
+              </a:ext>
+            </a:extLst>
+          </p:cNvPr>
+          <p:cNvSpPr>
+            <a:spLocks noGrp="1"/>
+          </p:cNvSpPr>
+          <p:nvPr>
+            <p:ph type="sldNum" sz="quarter" idx="12"/>
+          </p:nvPr>
+        </p:nvSpPr>
+        <p:spPr/>
+        <p:txBody>
+          <a:bodyPr/>
+          <a:lstStyle/>
+          <a:p>
+            <a:fld id="{676786BD-618E-4F38-B087-5D1176D55033}" type="slidenum">
+              <a:rPr lang="hu-HU" smtClean="0"/>
+              <a:t>13</a:t>
+            </a:fld>
+            <a:endParaRPr lang="hu-HU" dirty="0"/>
+          </a:p>
+        </p:txBody>
+      </p:sp>
+      <p:pic>
+        <p:nvPicPr>
+          <p:cNvPr id="6" name="Kép 5">
+            <a:extLst>
+              <a:ext uri="{FF2B5EF4-FFF2-40B4-BE49-F238E27FC236}">
+                <a16:creationId xmlns:a16="http://schemas.microsoft.com/office/drawing/2014/main" id="{8E810E27-2F17-4202-9677-8492FC790124}"/>
+              </a:ext>
+            </a:extLst>
+          </p:cNvPr>
+          <p:cNvPicPr>
+            <a:picLocks noChangeAspect="1"/>
+          </p:cNvPicPr>
+          <p:nvPr/>
+        </p:nvPicPr>
+        <p:blipFill>
+          <a:blip r:embed="rId2">
+            <a:extLst>
+              <a:ext uri="{28A0092B-C50C-407E-A947-70E740481C1C}">
+                <a14:useLocalDpi xmlns:a14="http://schemas.microsoft.com/office/drawing/2010/main" val="0"/>
+              </a:ext>
+            </a:extLst>
+          </a:blip>
+          <a:stretch>
+            <a:fillRect/>
+          </a:stretch>
+        </p:blipFill>
+        <p:spPr>
+          <a:xfrm>
+            <a:off x="314325" y="938662"/>
+            <a:ext cx="8515350" cy="4980676"/>
+          </a:xfrm>
+          <a:prstGeom prst="rect">
+            <a:avLst/>
+          </a:prstGeom>
+        </p:spPr>
+      </p:pic>
+    </p:spTree>
+    <p:extLst>
+      <p:ext uri="{BB962C8B-B14F-4D97-AF65-F5344CB8AC3E}">
+        <p14:creationId xmlns:p14="http://schemas.microsoft.com/office/powerpoint/2010/main" val="3227537384"/>
+      </p:ext>
+    </p:extLst>
+  </p:cSld>
+  <p:clrMapOvr>
+    <a:masterClrMapping/>
+  </p:clrMapOvr>
+</p:sld>
+</file>
+
+<file path=ppt/slides/slide14.xml><?xml version="1.0" encoding="utf-8"?>
+<p:sld xmlns:a="http://schemas.openxmlformats.org/drawingml/2006/main" xmlns:r="http://schemas.openxmlformats.org/officeDocument/2006/relationships" xmlns:p="http://schemas.openxmlformats.org/presentationml/2006/main">
+  <p:cSld>
+    <p:spTree>
+      <p:nvGrpSpPr>
+        <p:cNvPr id="1" name=""/>
+        <p:cNvGrpSpPr/>
+        <p:nvPr/>
+      </p:nvGrpSpPr>
+      <p:grpSpPr>
+        <a:xfrm>
+          <a:off x="0" y="0"/>
+          <a:ext cx="0" cy="0"/>
+          <a:chOff x="0" y="0"/>
+          <a:chExt cx="0" cy="0"/>
+        </a:xfrm>
+      </p:grpSpPr>
+      <p:sp>
+        <p:nvSpPr>
+          <p:cNvPr id="2" name="Cím 1">
+            <a:extLst>
+              <a:ext uri="{FF2B5EF4-FFF2-40B4-BE49-F238E27FC236}">
                 <a16:creationId xmlns:a16="http://schemas.microsoft.com/office/drawing/2014/main" id="{1D4955D7-34CA-43AC-A84B-A6B413D2A4B3}"/>
               </a:ext>
             </a:extLst>
@@ -3973,7 +4060,7 @@
           <a:p>
             <a:fld id="{676786BD-618E-4F38-B087-5D1176D55033}" type="slidenum">
               <a:rPr lang="hu-HU" smtClean="0"/>
-              <a:t>13</a:t>
+              <a:t>14</a:t>
             </a:fld>
             <a:endParaRPr lang="hu-HU"/>
           </a:p>
@@ -4803,188 +4890,6 @@
 </p:sld>
 </file>
 
-<file path=ppt/slides/slide14.xml><?xml version="1.0" encoding="utf-8"?>
-<p:sld xmlns:a="http://schemas.openxmlformats.org/drawingml/2006/main" xmlns:r="http://schemas.openxmlformats.org/officeDocument/2006/relationships" xmlns:p="http://schemas.openxmlformats.org/presentationml/2006/main">
-  <p:cSld>
-    <p:spTree>
-      <p:nvGrpSpPr>
-        <p:cNvPr id="1" name=""/>
-        <p:cNvGrpSpPr/>
-        <p:nvPr/>
-      </p:nvGrpSpPr>
-      <p:grpSpPr>
-        <a:xfrm>
-          <a:off x="0" y="0"/>
-          <a:ext cx="0" cy="0"/>
-          <a:chOff x="0" y="0"/>
-          <a:chExt cx="0" cy="0"/>
-        </a:xfrm>
-      </p:grpSpPr>
-      <p:sp>
-        <p:nvSpPr>
-          <p:cNvPr id="2" name="Cím 1">
-            <a:extLst>
-              <a:ext uri="{FF2B5EF4-FFF2-40B4-BE49-F238E27FC236}">
-                <a16:creationId xmlns:a16="http://schemas.microsoft.com/office/drawing/2014/main" id="{8D38B76F-95F6-45EE-A1ED-453655F28D28}"/>
-              </a:ext>
-            </a:extLst>
-          </p:cNvPr>
-          <p:cNvSpPr>
-            <a:spLocks noGrp="1"/>
-          </p:cNvSpPr>
-          <p:nvPr>
-            <p:ph type="title"/>
-          </p:nvPr>
-        </p:nvSpPr>
-        <p:spPr/>
-        <p:txBody>
-          <a:bodyPr/>
-          <a:lstStyle/>
-          <a:p>
-            <a:pPr algn="ctr"/>
-            <a:r>
-              <a:rPr lang="hu-HU" dirty="0"/>
-              <a:t>Összegzés</a:t>
-            </a:r>
-          </a:p>
-        </p:txBody>
-      </p:sp>
-      <p:sp>
-        <p:nvSpPr>
-          <p:cNvPr id="4" name="Dia számának helye 3">
-            <a:extLst>
-              <a:ext uri="{FF2B5EF4-FFF2-40B4-BE49-F238E27FC236}">
-                <a16:creationId xmlns:a16="http://schemas.microsoft.com/office/drawing/2014/main" id="{B71D6050-03B7-4A11-BC69-7BB4B58DE597}"/>
-              </a:ext>
-            </a:extLst>
-          </p:cNvPr>
-          <p:cNvSpPr>
-            <a:spLocks noGrp="1"/>
-          </p:cNvSpPr>
-          <p:nvPr>
-            <p:ph type="sldNum" sz="quarter" idx="12"/>
-          </p:nvPr>
-        </p:nvSpPr>
-        <p:spPr/>
-        <p:txBody>
-          <a:bodyPr/>
-          <a:lstStyle/>
-          <a:p>
-            <a:fld id="{676786BD-618E-4F38-B087-5D1176D55033}" type="slidenum">
-              <a:rPr lang="hu-HU" smtClean="0"/>
-              <a:t>14</a:t>
-            </a:fld>
-            <a:endParaRPr lang="hu-HU"/>
-          </a:p>
-        </p:txBody>
-      </p:sp>
-      <p:sp>
-        <p:nvSpPr>
-          <p:cNvPr id="3" name="Szövegdoboz 2">
-            <a:extLst>
-              <a:ext uri="{FF2B5EF4-FFF2-40B4-BE49-F238E27FC236}">
-                <a16:creationId xmlns:a16="http://schemas.microsoft.com/office/drawing/2014/main" id="{030528F3-D689-428A-BB56-A46FC1922D71}"/>
-              </a:ext>
-            </a:extLst>
-          </p:cNvPr>
-          <p:cNvSpPr txBox="1"/>
-          <p:nvPr/>
-        </p:nvSpPr>
-        <p:spPr>
-          <a:xfrm>
-            <a:off x="114300" y="2282992"/>
-            <a:ext cx="8867274" cy="4008790"/>
-          </a:xfrm>
-          <a:prstGeom prst="rect">
-            <a:avLst/>
-          </a:prstGeom>
-          <a:noFill/>
-        </p:spPr>
-        <p:txBody>
-          <a:bodyPr wrap="square" rtlCol="0">
-            <a:spAutoFit/>
-          </a:bodyPr>
-          <a:lstStyle/>
-          <a:p>
-            <a:pPr>
-              <a:spcAft>
-                <a:spcPts val="1800"/>
-              </a:spcAft>
-            </a:pPr>
-            <a:r>
-              <a:rPr lang="hu-HU" sz="2800" dirty="0"/>
-              <a:t>Észrevételeink: a feladatokban számtalan redundáns 	megkötés található</a:t>
-            </a:r>
-          </a:p>
-          <a:p>
-            <a:pPr>
-              <a:spcAft>
-                <a:spcPts val="1800"/>
-              </a:spcAft>
-            </a:pPr>
-            <a:r>
-              <a:rPr lang="hu-HU" sz="2800" dirty="0"/>
-              <a:t>Előnye a módszereinknek: rendkívül gyors megoldás 	nehezebb példáknál is </a:t>
-            </a:r>
-            <a:endParaRPr lang="en-US" sz="2800" dirty="0"/>
-          </a:p>
-          <a:p>
-            <a:pPr>
-              <a:spcAft>
-                <a:spcPts val="1800"/>
-              </a:spcAft>
-            </a:pPr>
-            <a:r>
-              <a:rPr lang="en-US" sz="2800" dirty="0"/>
-              <a:t>A </a:t>
-            </a:r>
-            <a:r>
-              <a:rPr lang="en-US" sz="2800" dirty="0" err="1"/>
-              <a:t>kutatás</a:t>
-            </a:r>
-            <a:r>
-              <a:rPr lang="en-US" sz="2800" dirty="0"/>
-              <a:t> </a:t>
-            </a:r>
-            <a:r>
-              <a:rPr lang="en-US" sz="2800" dirty="0" err="1"/>
-              <a:t>elért</a:t>
-            </a:r>
-            <a:r>
-              <a:rPr lang="en-US" sz="2800" dirty="0"/>
-              <a:t> </a:t>
-            </a:r>
-            <a:r>
-              <a:rPr lang="en-US" sz="2800" dirty="0" err="1"/>
-              <a:t>eredményei</a:t>
-            </a:r>
-            <a:r>
-              <a:rPr lang="hu-HU" sz="2800" dirty="0"/>
-              <a:t> : különböző módszerekkel lettek  	megoldva a feladványok és össze lettek hasonlítva 	hatékonyság szempontjából</a:t>
-            </a:r>
-          </a:p>
-          <a:p>
-            <a:pPr marL="214313" indent="-214313">
-              <a:buFont typeface="Arial" panose="020B0604020202020204" pitchFamily="34" charset="0"/>
-              <a:buChar char="•"/>
-            </a:pPr>
-            <a:endParaRPr lang="hu-HU" sz="1350" dirty="0"/>
-          </a:p>
-        </p:txBody>
-      </p:sp>
-    </p:spTree>
-    <p:extLst>
-      <p:ext uri="{BB962C8B-B14F-4D97-AF65-F5344CB8AC3E}">
-        <p14:creationId xmlns:p14="http://schemas.microsoft.com/office/powerpoint/2010/main" val="4280160022"/>
-      </p:ext>
-    </p:extLst>
-  </p:cSld>
-  <p:clrMapOvr>
-    <a:masterClrMapping/>
-  </p:clrMapOvr>
-</p:sld>
-</file>
-
 <file path=ppt/slides/slide15.xml><?xml version="1.0" encoding="utf-8"?>
 <p:sld xmlns:a="http://schemas.openxmlformats.org/drawingml/2006/main" xmlns:r="http://schemas.openxmlformats.org/officeDocument/2006/relationships" xmlns:p="http://schemas.openxmlformats.org/presentationml/2006/main">
   <p:cSld>
@@ -5007,6 +4912,188 @@
           <p:cNvPr id="2" name="Cím 1">
             <a:extLst>
               <a:ext uri="{FF2B5EF4-FFF2-40B4-BE49-F238E27FC236}">
+                <a16:creationId xmlns:a16="http://schemas.microsoft.com/office/drawing/2014/main" id="{8D38B76F-95F6-45EE-A1ED-453655F28D28}"/>
+              </a:ext>
+            </a:extLst>
+          </p:cNvPr>
+          <p:cNvSpPr>
+            <a:spLocks noGrp="1"/>
+          </p:cNvSpPr>
+          <p:nvPr>
+            <p:ph type="title"/>
+          </p:nvPr>
+        </p:nvSpPr>
+        <p:spPr/>
+        <p:txBody>
+          <a:bodyPr/>
+          <a:lstStyle/>
+          <a:p>
+            <a:pPr algn="ctr"/>
+            <a:r>
+              <a:rPr lang="hu-HU" dirty="0"/>
+              <a:t>Összegzés</a:t>
+            </a:r>
+          </a:p>
+        </p:txBody>
+      </p:sp>
+      <p:sp>
+        <p:nvSpPr>
+          <p:cNvPr id="4" name="Dia számának helye 3">
+            <a:extLst>
+              <a:ext uri="{FF2B5EF4-FFF2-40B4-BE49-F238E27FC236}">
+                <a16:creationId xmlns:a16="http://schemas.microsoft.com/office/drawing/2014/main" id="{B71D6050-03B7-4A11-BC69-7BB4B58DE597}"/>
+              </a:ext>
+            </a:extLst>
+          </p:cNvPr>
+          <p:cNvSpPr>
+            <a:spLocks noGrp="1"/>
+          </p:cNvSpPr>
+          <p:nvPr>
+            <p:ph type="sldNum" sz="quarter" idx="12"/>
+          </p:nvPr>
+        </p:nvSpPr>
+        <p:spPr/>
+        <p:txBody>
+          <a:bodyPr/>
+          <a:lstStyle/>
+          <a:p>
+            <a:fld id="{676786BD-618E-4F38-B087-5D1176D55033}" type="slidenum">
+              <a:rPr lang="hu-HU" smtClean="0"/>
+              <a:t>15</a:t>
+            </a:fld>
+            <a:endParaRPr lang="hu-HU"/>
+          </a:p>
+        </p:txBody>
+      </p:sp>
+      <p:sp>
+        <p:nvSpPr>
+          <p:cNvPr id="3" name="Szövegdoboz 2">
+            <a:extLst>
+              <a:ext uri="{FF2B5EF4-FFF2-40B4-BE49-F238E27FC236}">
+                <a16:creationId xmlns:a16="http://schemas.microsoft.com/office/drawing/2014/main" id="{030528F3-D689-428A-BB56-A46FC1922D71}"/>
+              </a:ext>
+            </a:extLst>
+          </p:cNvPr>
+          <p:cNvSpPr txBox="1"/>
+          <p:nvPr/>
+        </p:nvSpPr>
+        <p:spPr>
+          <a:xfrm>
+            <a:off x="114300" y="2282992"/>
+            <a:ext cx="8867274" cy="4008790"/>
+          </a:xfrm>
+          <a:prstGeom prst="rect">
+            <a:avLst/>
+          </a:prstGeom>
+          <a:noFill/>
+        </p:spPr>
+        <p:txBody>
+          <a:bodyPr wrap="square" rtlCol="0">
+            <a:spAutoFit/>
+          </a:bodyPr>
+          <a:lstStyle/>
+          <a:p>
+            <a:pPr>
+              <a:spcAft>
+                <a:spcPts val="1800"/>
+              </a:spcAft>
+            </a:pPr>
+            <a:r>
+              <a:rPr lang="hu-HU" sz="2800" dirty="0"/>
+              <a:t>Észrevételeink: a feladatokban számtalan redundáns 	megkötés található</a:t>
+            </a:r>
+          </a:p>
+          <a:p>
+            <a:pPr>
+              <a:spcAft>
+                <a:spcPts val="1800"/>
+              </a:spcAft>
+            </a:pPr>
+            <a:r>
+              <a:rPr lang="hu-HU" sz="2800" dirty="0"/>
+              <a:t>Előnye a módszereinknek: rendkívül gyors megoldás 	nehezebb példáknál is </a:t>
+            </a:r>
+            <a:endParaRPr lang="en-US" sz="2800" dirty="0"/>
+          </a:p>
+          <a:p>
+            <a:pPr>
+              <a:spcAft>
+                <a:spcPts val="1800"/>
+              </a:spcAft>
+            </a:pPr>
+            <a:r>
+              <a:rPr lang="en-US" sz="2800" dirty="0"/>
+              <a:t>A </a:t>
+            </a:r>
+            <a:r>
+              <a:rPr lang="en-US" sz="2800" dirty="0" err="1"/>
+              <a:t>kutatás</a:t>
+            </a:r>
+            <a:r>
+              <a:rPr lang="en-US" sz="2800" dirty="0"/>
+              <a:t> </a:t>
+            </a:r>
+            <a:r>
+              <a:rPr lang="en-US" sz="2800" dirty="0" err="1"/>
+              <a:t>elért</a:t>
+            </a:r>
+            <a:r>
+              <a:rPr lang="en-US" sz="2800" dirty="0"/>
+              <a:t> </a:t>
+            </a:r>
+            <a:r>
+              <a:rPr lang="en-US" sz="2800" dirty="0" err="1"/>
+              <a:t>eredményei</a:t>
+            </a:r>
+            <a:r>
+              <a:rPr lang="hu-HU" sz="2800" dirty="0"/>
+              <a:t> : különböző módszerekkel lettek  	megoldva a feladványok és össze lettek hasonlítva 	hatékonyság szempontjából</a:t>
+            </a:r>
+          </a:p>
+          <a:p>
+            <a:pPr marL="214313" indent="-214313">
+              <a:buFont typeface="Arial" panose="020B0604020202020204" pitchFamily="34" charset="0"/>
+              <a:buChar char="•"/>
+            </a:pPr>
+            <a:endParaRPr lang="hu-HU" sz="1350" dirty="0"/>
+          </a:p>
+        </p:txBody>
+      </p:sp>
+    </p:spTree>
+    <p:extLst>
+      <p:ext uri="{BB962C8B-B14F-4D97-AF65-F5344CB8AC3E}">
+        <p14:creationId xmlns:p14="http://schemas.microsoft.com/office/powerpoint/2010/main" val="4280160022"/>
+      </p:ext>
+    </p:extLst>
+  </p:cSld>
+  <p:clrMapOvr>
+    <a:masterClrMapping/>
+  </p:clrMapOvr>
+</p:sld>
+</file>
+
+<file path=ppt/slides/slide16.xml><?xml version="1.0" encoding="utf-8"?>
+<p:sld xmlns:a="http://schemas.openxmlformats.org/drawingml/2006/main" xmlns:r="http://schemas.openxmlformats.org/officeDocument/2006/relationships" xmlns:p="http://schemas.openxmlformats.org/presentationml/2006/main">
+  <p:cSld>
+    <p:spTree>
+      <p:nvGrpSpPr>
+        <p:cNvPr id="1" name=""/>
+        <p:cNvGrpSpPr/>
+        <p:nvPr/>
+      </p:nvGrpSpPr>
+      <p:grpSpPr>
+        <a:xfrm>
+          <a:off x="0" y="0"/>
+          <a:ext cx="0" cy="0"/>
+          <a:chOff x="0" y="0"/>
+          <a:chExt cx="0" cy="0"/>
+        </a:xfrm>
+      </p:grpSpPr>
+      <p:sp>
+        <p:nvSpPr>
+          <p:cNvPr id="2" name="Cím 1">
+            <a:extLst>
+              <a:ext uri="{FF2B5EF4-FFF2-40B4-BE49-F238E27FC236}">
                 <a16:creationId xmlns:a16="http://schemas.microsoft.com/office/drawing/2014/main" id="{26FEFA12-4695-4AB3-A86E-924A663068D0}"/>
               </a:ext>
             </a:extLst>
@@ -5059,7 +5146,7 @@
           <a:p>
             <a:fld id="{676786BD-618E-4F38-B087-5D1176D55033}" type="slidenum">
               <a:rPr lang="hu-HU" smtClean="0"/>
-              <a:t>15</a:t>
+              <a:t>16</a:t>
             </a:fld>
             <a:endParaRPr lang="hu-HU"/>
           </a:p>
@@ -5235,7 +5322,7 @@
               <a:rPr lang="hu-HU" smtClean="0"/>
               <a:t>2</a:t>
             </a:fld>
-            <a:endParaRPr lang="hu-HU"/>
+            <a:endParaRPr lang="hu-HU" dirty="0"/>
           </a:p>
         </p:txBody>
       </p:sp>
@@ -5342,7 +5429,7 @@
         <p:spPr>
           <a:xfrm>
             <a:off x="138363" y="2306930"/>
-            <a:ext cx="8867274" cy="1846659"/>
+            <a:ext cx="8867274" cy="2508379"/>
           </a:xfrm>
           <a:prstGeom prst="rect">
             <a:avLst/>
@@ -5373,7 +5460,7 @@
             </a:pPr>
             <a:r>
               <a:rPr lang="hu-HU" sz="2800" dirty="0"/>
-              <a:t>Einstein-féle logikai feladványok</a:t>
+              <a:t>Hozzárendelési feladatokhoz való hasonlóság</a:t>
             </a:r>
           </a:p>
           <a:p>
@@ -5384,8 +5471,16 @@
             </a:pPr>
             <a:r>
               <a:rPr lang="hu-HU" sz="2800" dirty="0"/>
-              <a:t>Hozzárendelési feladatokhoz való hasonlóság</a:t>
-            </a:r>
+              <a:t>Einstein-féle logikai feladványok</a:t>
+            </a:r>
+          </a:p>
+          <a:p>
+            <a:pPr>
+              <a:spcAft>
+                <a:spcPts val="1800"/>
+              </a:spcAft>
+            </a:pPr>
+            <a:endParaRPr lang="hu-HU" sz="2800" dirty="0"/>
           </a:p>
         </p:txBody>
       </p:sp>
@@ -5586,7 +5681,7 @@
             </a:r>
             <a:r>
               <a:rPr lang="hu-HU" sz="2400" dirty="0"/>
-              <a:t> (2005): Gecode</a:t>
+              <a:t> (2005): Gecode megoldóprogram</a:t>
             </a:r>
           </a:p>
           <a:p>
@@ -7907,7 +8002,12 @@
             <p:ph type="title"/>
           </p:nvPr>
         </p:nvSpPr>
-        <p:spPr/>
+        <p:spPr>
+          <a:xfrm>
+            <a:off x="628650" y="3734"/>
+            <a:ext cx="7886700" cy="1325563"/>
+          </a:xfrm>
+        </p:spPr>
         <p:txBody>
           <a:bodyPr/>
           <a:lstStyle/>
@@ -7971,8 +8071,8 @@
         </p:nvSpPr>
         <p:spPr>
           <a:xfrm>
-            <a:off x="138363" y="1502406"/>
-            <a:ext cx="8867274" cy="2308324"/>
+            <a:off x="138363" y="1056357"/>
+            <a:ext cx="8867274" cy="2677656"/>
           </a:xfrm>
           <a:prstGeom prst="rect">
             <a:avLst/>
@@ -8027,6 +8127,13 @@
             <a:r>
               <a:rPr lang="hu-HU" sz="2400" dirty="0"/>
               <a:t>Integer mátrix</a:t>
+            </a:r>
+          </a:p>
+          <a:p>
+            <a:pPr marL="0" lvl="1"/>
+            <a:r>
+              <a:rPr lang="hu-HU" sz="2400" dirty="0"/>
+              <a:t>Speciális kikötések írása az adottakon kívül</a:t>
             </a:r>
           </a:p>
         </p:txBody>
@@ -8059,8 +8166,44 @@
         </p:blipFill>
         <p:spPr>
           <a:xfrm>
-            <a:off x="0" y="4086159"/>
+            <a:off x="0" y="4960769"/>
             <a:ext cx="9144000" cy="1510655"/>
+          </a:xfrm>
+          <a:prstGeom prst="rect">
+            <a:avLst/>
+          </a:prstGeom>
+        </p:spPr>
+      </p:pic>
+      <p:pic>
+        <p:nvPicPr>
+          <p:cNvPr id="6" name="Kép 5">
+            <a:extLst>
+              <a:ext uri="{FF2B5EF4-FFF2-40B4-BE49-F238E27FC236}">
+                <a16:creationId xmlns:a16="http://schemas.microsoft.com/office/drawing/2014/main" id="{1662F51A-FBA1-4A5F-AD77-6E7321E8D99D}"/>
+              </a:ext>
+            </a:extLst>
+          </p:cNvPr>
+          <p:cNvPicPr>
+            <a:picLocks noChangeAspect="1"/>
+          </p:cNvPicPr>
+          <p:nvPr/>
+        </p:nvPicPr>
+        <p:blipFill>
+          <a:blip r:embed="rId3">
+            <a:extLst>
+              <a:ext uri="{28A0092B-C50C-407E-A947-70E740481C1C}">
+                <a14:useLocalDpi xmlns:a14="http://schemas.microsoft.com/office/drawing/2010/main" val="0"/>
+              </a:ext>
+            </a:extLst>
+          </a:blip>
+          <a:stretch>
+            <a:fillRect/>
+          </a:stretch>
+        </p:blipFill>
+        <p:spPr>
+          <a:xfrm>
+            <a:off x="934715" y="3725222"/>
+            <a:ext cx="7274570" cy="1017797"/>
           </a:xfrm>
           <a:prstGeom prst="rect">
             <a:avLst/>

--- a/CP_Dolgozat/Előadás/Logikai feladványok megoldása korlátprogramozással.pptx
+++ b/CP_Dolgozat/Előadás/Logikai feladványok megoldása korlátprogramozással.pptx
@@ -4008,6 +4008,42 @@
           <a:chExt cx="0" cy="0"/>
         </a:xfrm>
       </p:grpSpPr>
+      <p:pic>
+        <p:nvPicPr>
+          <p:cNvPr id="7" name="Kép 6">
+            <a:extLst>
+              <a:ext uri="{FF2B5EF4-FFF2-40B4-BE49-F238E27FC236}">
+                <a16:creationId xmlns:a16="http://schemas.microsoft.com/office/drawing/2014/main" id="{7A0344BB-0EF5-4717-A847-ACC7A7E9F3CC}"/>
+              </a:ext>
+            </a:extLst>
+          </p:cNvPr>
+          <p:cNvPicPr>
+            <a:picLocks noChangeAspect="1"/>
+          </p:cNvPicPr>
+          <p:nvPr/>
+        </p:nvPicPr>
+        <p:blipFill>
+          <a:blip r:embed="rId2">
+            <a:extLst>
+              <a:ext uri="{28A0092B-C50C-407E-A947-70E740481C1C}">
+                <a14:useLocalDpi xmlns:a14="http://schemas.microsoft.com/office/drawing/2010/main" val="0"/>
+              </a:ext>
+            </a:extLst>
+          </a:blip>
+          <a:stretch>
+            <a:fillRect/>
+          </a:stretch>
+        </p:blipFill>
+        <p:spPr>
+          <a:xfrm>
+            <a:off x="266699" y="1462444"/>
+            <a:ext cx="5471161" cy="1401810"/>
+          </a:xfrm>
+          <a:prstGeom prst="rect">
+            <a:avLst/>
+          </a:prstGeom>
+        </p:spPr>
+      </p:pic>
       <p:sp>
         <p:nvSpPr>
           <p:cNvPr id="2" name="Cím 1">
@@ -4024,7 +4060,12 @@
             <p:ph type="title"/>
           </p:nvPr>
         </p:nvSpPr>
-        <p:spPr/>
+        <p:spPr>
+          <a:xfrm>
+            <a:off x="628649" y="0"/>
+            <a:ext cx="7886700" cy="1325563"/>
+          </a:xfrm>
+        </p:spPr>
         <p:txBody>
           <a:bodyPr/>
           <a:lstStyle/>
@@ -4080,7 +4121,7 @@
         </p:nvSpPr>
         <p:spPr>
           <a:xfrm>
-            <a:off x="114300" y="2282992"/>
+            <a:off x="85022" y="959904"/>
             <a:ext cx="8867274" cy="400110"/>
           </a:xfrm>
           <a:prstGeom prst="rect">
@@ -4124,14 +4165,14 @@
           <p:nvPr>
             <p:extLst>
               <p:ext uri="{D42A27DB-BD31-4B8C-83A1-F6EECF244321}">
-                <p14:modId xmlns:p14="http://schemas.microsoft.com/office/powerpoint/2010/main" val="2486973129"/>
+                <p14:modId xmlns:p14="http://schemas.microsoft.com/office/powerpoint/2010/main" val="3231484753"/>
               </p:ext>
             </p:extLst>
           </p:nvPr>
         </p:nvGraphicFramePr>
         <p:xfrm>
-          <a:off x="1796759" y="2684738"/>
-          <a:ext cx="5550481" cy="3673922"/>
+          <a:off x="3267419" y="2955904"/>
+          <a:ext cx="5388900" cy="3673922"/>
         </p:xfrm>
         <a:graphic>
           <a:graphicData uri="http://schemas.openxmlformats.org/drawingml/2006/table">
@@ -4140,28 +4181,28 @@
                 <a:tableStyleId>{5C22544A-7EE6-4342-B048-85BDC9FD1C3A}</a:tableStyleId>
               </a:tblPr>
               <a:tblGrid>
-                <a:gridCol w="1264299">
+                <a:gridCol w="1227494">
                   <a:extLst>
                     <a:ext uri="{9D8B030D-6E8A-4147-A177-3AD203B41FA5}">
                       <a16:colId xmlns:a16="http://schemas.microsoft.com/office/drawing/2014/main" val="2069922602"/>
                     </a:ext>
                   </a:extLst>
                 </a:gridCol>
-                <a:gridCol w="1365216">
+                <a:gridCol w="1325473">
                   <a:extLst>
                     <a:ext uri="{9D8B030D-6E8A-4147-A177-3AD203B41FA5}">
                       <a16:colId xmlns:a16="http://schemas.microsoft.com/office/drawing/2014/main" val="2732399375"/>
                     </a:ext>
                   </a:extLst>
                 </a:gridCol>
-                <a:gridCol w="1515382">
+                <a:gridCol w="1471267">
                   <a:extLst>
                     <a:ext uri="{9D8B030D-6E8A-4147-A177-3AD203B41FA5}">
                       <a16:colId xmlns:a16="http://schemas.microsoft.com/office/drawing/2014/main" val="1486601713"/>
                     </a:ext>
                   </a:extLst>
                 </a:gridCol>
-                <a:gridCol w="1405584">
+                <a:gridCol w="1364666">
                   <a:extLst>
                     <a:ext uri="{9D8B030D-6E8A-4147-A177-3AD203B41FA5}">
                       <a16:colId xmlns:a16="http://schemas.microsoft.com/office/drawing/2014/main" val="3795495708"/>
@@ -4169,7 +4210,7 @@
                   </a:extLst>
                 </a:gridCol>
               </a:tblGrid>
-              <a:tr h="271398">
+              <a:tr h="555482">
                 <a:tc>
                   <a:txBody>
                     <a:bodyPr/>
@@ -4365,7 +4406,7 @@
                   </a:ext>
                 </a:extLst>
               </a:tr>
-              <a:tr h="1183092">
+              <a:tr h="1143393">
                 <a:tc>
                   <a:txBody>
                     <a:bodyPr/>
@@ -4492,7 +4533,7 @@
                   </a:ext>
                 </a:extLst>
               </a:tr>
-              <a:tr h="575296">
+              <a:tr h="556530">
                 <a:tc>
                   <a:txBody>
                     <a:bodyPr/>
@@ -4571,12 +4612,12 @@
                         </a:spcAft>
                       </a:pPr>
                       <a:r>
-                        <a:rPr lang="hu-HU" sz="2400">
+                        <a:rPr lang="hu-HU" sz="2400" dirty="0">
                           <a:effectLst/>
                         </a:rPr>
                         <a:t>15</a:t>
                       </a:r>
-                      <a:endParaRPr lang="hu-HU" sz="2400">
+                      <a:endParaRPr lang="hu-HU" sz="2400" dirty="0">
                         <a:effectLst/>
                         <a:latin typeface="Times New Roman" panose="02020603050405020304" pitchFamily="18" charset="0"/>
                         <a:ea typeface="Times New Roman" panose="02020603050405020304" pitchFamily="18" charset="0"/>
@@ -4619,7 +4660,7 @@
                   </a:ext>
                 </a:extLst>
               </a:tr>
-              <a:tr h="575296">
+              <a:tr h="556530">
                 <a:tc>
                   <a:txBody>
                     <a:bodyPr/>
@@ -4746,7 +4787,7 @@
                   </a:ext>
                 </a:extLst>
               </a:tr>
-              <a:tr h="575296">
+              <a:tr h="556530">
                 <a:tc>
                   <a:txBody>
                     <a:bodyPr/>

--- a/CP_Dolgozat/Előadás/Logikai feladványok megoldása korlátprogramozással.pptx
+++ b/CP_Dolgozat/Előadás/Logikai feladványok megoldása korlátprogramozással.pptx
@@ -16,8 +16,8 @@
     <p:sldId id="260" r:id="rId7"/>
     <p:sldId id="270" r:id="rId8"/>
     <p:sldId id="259" r:id="rId9"/>
-    <p:sldId id="268" r:id="rId10"/>
-    <p:sldId id="271" r:id="rId11"/>
+    <p:sldId id="271" r:id="rId10"/>
+    <p:sldId id="268" r:id="rId11"/>
     <p:sldId id="261" r:id="rId12"/>
     <p:sldId id="269" r:id="rId13"/>
     <p:sldId id="272" r:id="rId14"/>
@@ -212,7 +212,7 @@
           <a:p>
             <a:fld id="{D216282D-D81D-4BF8-9895-AC698DE2A975}" type="datetimeFigureOut">
               <a:rPr lang="hu-HU" smtClean="0"/>
-              <a:t>2018. 04. 11.</a:t>
+              <a:t>2018. 04. 12.</a:t>
             </a:fld>
             <a:endParaRPr lang="hu-HU"/>
           </a:p>
@@ -610,7 +610,7 @@
           <a:p>
             <a:fld id="{E312C87B-02A7-472E-A63B-E2AA6EA769CA}" type="datetime1">
               <a:rPr lang="hu-HU" smtClean="0"/>
-              <a:t>2018. 04. 11.</a:t>
+              <a:t>2018. 04. 12.</a:t>
             </a:fld>
             <a:endParaRPr lang="hu-HU"/>
           </a:p>
@@ -780,7 +780,7 @@
           <a:p>
             <a:fld id="{3B5D9C6B-342B-4BF9-8B1A-D54914C7E78B}" type="datetime1">
               <a:rPr lang="hu-HU" smtClean="0"/>
-              <a:t>2018. 04. 11.</a:t>
+              <a:t>2018. 04. 12.</a:t>
             </a:fld>
             <a:endParaRPr lang="hu-HU"/>
           </a:p>
@@ -960,7 +960,7 @@
           <a:p>
             <a:fld id="{46B01E20-0B80-441C-A219-14B0C111F8A4}" type="datetime1">
               <a:rPr lang="hu-HU" smtClean="0"/>
-              <a:t>2018. 04. 11.</a:t>
+              <a:t>2018. 04. 12.</a:t>
             </a:fld>
             <a:endParaRPr lang="hu-HU"/>
           </a:p>
@@ -1130,7 +1130,7 @@
           <a:p>
             <a:fld id="{F11C61C5-A889-458F-89AF-EEE72626CAE9}" type="datetime1">
               <a:rPr lang="hu-HU" smtClean="0"/>
-              <a:t>2018. 04. 11.</a:t>
+              <a:t>2018. 04. 12.</a:t>
             </a:fld>
             <a:endParaRPr lang="hu-HU"/>
           </a:p>
@@ -1374,7 +1374,7 @@
           <a:p>
             <a:fld id="{B7685D89-7BCE-478D-AB70-4D9B0230C013}" type="datetime1">
               <a:rPr lang="hu-HU" smtClean="0"/>
-              <a:t>2018. 04. 11.</a:t>
+              <a:t>2018. 04. 12.</a:t>
             </a:fld>
             <a:endParaRPr lang="hu-HU"/>
           </a:p>
@@ -1606,7 +1606,7 @@
           <a:p>
             <a:fld id="{342A6DF3-9923-4C9E-B5CF-2760C80C9AAE}" type="datetime1">
               <a:rPr lang="hu-HU" smtClean="0"/>
-              <a:t>2018. 04. 11.</a:t>
+              <a:t>2018. 04. 12.</a:t>
             </a:fld>
             <a:endParaRPr lang="hu-HU"/>
           </a:p>
@@ -1973,7 +1973,7 @@
           <a:p>
             <a:fld id="{CCB70A02-F1D2-4B6F-A5C9-21ECF68D20F7}" type="datetime1">
               <a:rPr lang="hu-HU" smtClean="0"/>
-              <a:t>2018. 04. 11.</a:t>
+              <a:t>2018. 04. 12.</a:t>
             </a:fld>
             <a:endParaRPr lang="hu-HU"/>
           </a:p>
@@ -2091,7 +2091,7 @@
           <a:p>
             <a:fld id="{4B958066-8305-4AEE-AA62-5F8D66DBDEB8}" type="datetime1">
               <a:rPr lang="hu-HU" smtClean="0"/>
-              <a:t>2018. 04. 11.</a:t>
+              <a:t>2018. 04. 12.</a:t>
             </a:fld>
             <a:endParaRPr lang="hu-HU"/>
           </a:p>
@@ -2186,7 +2186,7 @@
           <a:p>
             <a:fld id="{837CA921-3F6C-4D1B-845A-272145B802A9}" type="datetime1">
               <a:rPr lang="hu-HU" smtClean="0"/>
-              <a:t>2018. 04. 11.</a:t>
+              <a:t>2018. 04. 12.</a:t>
             </a:fld>
             <a:endParaRPr lang="hu-HU"/>
           </a:p>
@@ -2463,7 +2463,7 @@
           <a:p>
             <a:fld id="{69BB093D-7842-40CD-B34D-93DEC9DF4129}" type="datetime1">
               <a:rPr lang="hu-HU" smtClean="0"/>
-              <a:t>2018. 04. 11.</a:t>
+              <a:t>2018. 04. 12.</a:t>
             </a:fld>
             <a:endParaRPr lang="hu-HU"/>
           </a:p>
@@ -2720,7 +2720,7 @@
           <a:p>
             <a:fld id="{FC4EE55C-E42C-44F1-898C-4145C2FBF83B}" type="datetime1">
               <a:rPr lang="hu-HU" smtClean="0"/>
-              <a:t>2018. 04. 11.</a:t>
+              <a:t>2018. 04. 12.</a:t>
             </a:fld>
             <a:endParaRPr lang="hu-HU"/>
           </a:p>
@@ -2933,7 +2933,7 @@
           <a:p>
             <a:fld id="{D6FEAC61-D054-47B6-B1A3-F182E84601BD}" type="datetime1">
               <a:rPr lang="hu-HU" smtClean="0"/>
-              <a:t>2018. 04. 11.</a:t>
+              <a:t>2018. 04. 12.</a:t>
             </a:fld>
             <a:endParaRPr lang="hu-HU"/>
           </a:p>
@@ -3477,7 +3477,12 @@
             <p:ph type="title"/>
           </p:nvPr>
         </p:nvSpPr>
-        <p:spPr/>
+        <p:spPr>
+          <a:xfrm>
+            <a:off x="628650" y="3734"/>
+            <a:ext cx="7886700" cy="1325563"/>
+          </a:xfrm>
+        </p:spPr>
         <p:txBody>
           <a:bodyPr/>
           <a:lstStyle/>
@@ -3485,7 +3490,15 @@
             <a:pPr algn="ctr"/>
             <a:r>
               <a:rPr lang="hu-HU" dirty="0"/>
-              <a:t>Kimenet formázása</a:t>
+              <a:t>„</a:t>
+            </a:r>
+            <a:r>
+              <a:rPr lang="hu-HU" dirty="0" err="1"/>
+              <a:t>Gardens</a:t>
+            </a:r>
+            <a:r>
+              <a:rPr lang="hu-HU" dirty="0"/>
+              <a:t>” feladat</a:t>
             </a:r>
           </a:p>
         </p:txBody>
@@ -3519,12 +3532,99 @@
           </a:p>
         </p:txBody>
       </p:sp>
+      <p:sp>
+        <p:nvSpPr>
+          <p:cNvPr id="3" name="Szövegdoboz 2">
+            <a:extLst>
+              <a:ext uri="{FF2B5EF4-FFF2-40B4-BE49-F238E27FC236}">
+                <a16:creationId xmlns:a16="http://schemas.microsoft.com/office/drawing/2014/main" id="{4DE43672-6366-462F-BC64-FD398B28F1E0}"/>
+              </a:ext>
+            </a:extLst>
+          </p:cNvPr>
+          <p:cNvSpPr txBox="1"/>
+          <p:nvPr/>
+        </p:nvSpPr>
+        <p:spPr>
+          <a:xfrm>
+            <a:off x="276726" y="1183975"/>
+            <a:ext cx="8867274" cy="4093428"/>
+          </a:xfrm>
+          <a:prstGeom prst="rect">
+            <a:avLst/>
+          </a:prstGeom>
+          <a:noFill/>
+        </p:spPr>
+        <p:txBody>
+          <a:bodyPr wrap="square" rtlCol="0">
+            <a:spAutoFit/>
+          </a:bodyPr>
+          <a:lstStyle/>
+          <a:p>
+            <a:pPr marL="342900" lvl="1" indent="-342900">
+              <a:buFont typeface="Arial" panose="020B0604020202020204" pitchFamily="34" charset="0"/>
+              <a:buChar char="•"/>
+            </a:pPr>
+            <a:r>
+              <a:rPr lang="hu-HU" sz="2400" dirty="0"/>
+              <a:t>Tulaj hozzárendelési mátrix</a:t>
+            </a:r>
+          </a:p>
+          <a:p>
+            <a:pPr marL="0" lvl="1">
+              <a:spcAft>
+                <a:spcPts val="3000"/>
+              </a:spcAft>
+            </a:pPr>
+            <a:r>
+              <a:rPr lang="hu-HU" sz="2400" dirty="0"/>
+              <a:t>	(A kikötések felépítése ugyan az, mint az első verziónál.)</a:t>
+            </a:r>
+          </a:p>
+          <a:p>
+            <a:pPr marL="342900" lvl="1" indent="-342900">
+              <a:spcAft>
+                <a:spcPts val="5400"/>
+              </a:spcAft>
+              <a:buFont typeface="Arial" panose="020B0604020202020204" pitchFamily="34" charset="0"/>
+              <a:buChar char="•"/>
+            </a:pPr>
+            <a:r>
+              <a:rPr lang="hu-HU" sz="2400" dirty="0"/>
+              <a:t>Termény halmazok</a:t>
+            </a:r>
+          </a:p>
+          <a:p>
+            <a:pPr marL="342900" lvl="1" indent="-342900">
+              <a:spcAft>
+                <a:spcPts val="8400"/>
+              </a:spcAft>
+              <a:buFont typeface="Arial" panose="020B0604020202020204" pitchFamily="34" charset="0"/>
+              <a:buChar char="•"/>
+            </a:pPr>
+            <a:r>
+              <a:rPr lang="hu-HU" sz="2400" dirty="0"/>
+              <a:t>Integer mátrix</a:t>
+            </a:r>
+          </a:p>
+          <a:p>
+            <a:pPr marL="0" lvl="1">
+              <a:spcAft>
+                <a:spcPts val="12600"/>
+              </a:spcAft>
+            </a:pPr>
+            <a:r>
+              <a:rPr lang="hu-HU" sz="2400" dirty="0"/>
+              <a:t>Tömbökhöz plusz kikötés</a:t>
+            </a:r>
+          </a:p>
+        </p:txBody>
+      </p:sp>
       <p:pic>
         <p:nvPicPr>
-          <p:cNvPr id="7" name="Kép 6">
+          <p:cNvPr id="8" name="Kép 7">
             <a:extLst>
               <a:ext uri="{FF2B5EF4-FFF2-40B4-BE49-F238E27FC236}">
-                <a16:creationId xmlns:a16="http://schemas.microsoft.com/office/drawing/2014/main" id="{74215059-D941-4448-BE73-9B420C80FC8B}"/>
+                <a16:creationId xmlns:a16="http://schemas.microsoft.com/office/drawing/2014/main" id="{C05E58D7-36C5-4C65-9FE0-11FA11CBC560}"/>
               </a:ext>
             </a:extLst>
           </p:cNvPr>
@@ -3547,8 +3647,8 @@
         </p:blipFill>
         <p:spPr>
           <a:xfrm>
-            <a:off x="822242" y="3429000"/>
-            <a:ext cx="6791064" cy="2243109"/>
+            <a:off x="1181793" y="3755455"/>
+            <a:ext cx="6390730" cy="987331"/>
           </a:xfrm>
           <a:prstGeom prst="rect">
             <a:avLst/>
@@ -3557,10 +3657,10 @@
       </p:pic>
       <p:pic>
         <p:nvPicPr>
-          <p:cNvPr id="6" name="Kép 5">
+          <p:cNvPr id="11" name="Kép 10">
             <a:extLst>
               <a:ext uri="{FF2B5EF4-FFF2-40B4-BE49-F238E27FC236}">
-                <a16:creationId xmlns:a16="http://schemas.microsoft.com/office/drawing/2014/main" id="{C2A83497-E9FB-409F-A1DF-23A691A51E70}"/>
+                <a16:creationId xmlns:a16="http://schemas.microsoft.com/office/drawing/2014/main" id="{FC2E7B0D-741C-4FBE-8BF7-2119A781BFDA}"/>
               </a:ext>
             </a:extLst>
           </p:cNvPr>
@@ -3583,8 +3683,37 @@
         </p:blipFill>
         <p:spPr>
           <a:xfrm>
-            <a:off x="404734" y="2163256"/>
-            <a:ext cx="8184630" cy="919357"/>
+            <a:off x="2123373" y="5277403"/>
+            <a:ext cx="5173980" cy="723900"/>
+          </a:xfrm>
+          <a:prstGeom prst="rect">
+            <a:avLst/>
+          </a:prstGeom>
+        </p:spPr>
+      </p:pic>
+      <p:pic>
+        <p:nvPicPr>
+          <p:cNvPr id="5" name="Kép 4">
+            <a:extLst>
+              <a:ext uri="{FF2B5EF4-FFF2-40B4-BE49-F238E27FC236}">
+                <a16:creationId xmlns:a16="http://schemas.microsoft.com/office/drawing/2014/main" id="{1E09BCFB-52F6-4686-A2F2-D94706ED3294}"/>
+              </a:ext>
+            </a:extLst>
+          </p:cNvPr>
+          <p:cNvPicPr>
+            <a:picLocks noChangeAspect="1"/>
+          </p:cNvPicPr>
+          <p:nvPr/>
+        </p:nvPicPr>
+        <p:blipFill rotWithShape="1">
+          <a:blip r:embed="rId4"/>
+          <a:srcRect l="18487" t="68392" r="16307" b="22691"/>
+          <a:stretch/>
+        </p:blipFill>
+        <p:spPr>
+          <a:xfrm>
+            <a:off x="1055530" y="2762328"/>
+            <a:ext cx="7032939" cy="541021"/>
           </a:xfrm>
           <a:prstGeom prst="rect">
             <a:avLst/>
@@ -3594,7 +3723,7 @@
     </p:spTree>
     <p:extLst>
       <p:ext uri="{BB962C8B-B14F-4D97-AF65-F5344CB8AC3E}">
-        <p14:creationId xmlns:p14="http://schemas.microsoft.com/office/powerpoint/2010/main" val="2259454649"/>
+        <p14:creationId xmlns:p14="http://schemas.microsoft.com/office/powerpoint/2010/main" val="3906411311"/>
       </p:ext>
     </p:extLst>
   </p:cSld>
@@ -4036,7 +4165,7 @@
         </p:blipFill>
         <p:spPr>
           <a:xfrm>
-            <a:off x="266699" y="1462444"/>
+            <a:off x="1573994" y="1458351"/>
             <a:ext cx="5471161" cy="1401810"/>
           </a:xfrm>
           <a:prstGeom prst="rect">
@@ -4165,14 +4294,14 @@
           <p:nvPr>
             <p:extLst>
               <p:ext uri="{D42A27DB-BD31-4B8C-83A1-F6EECF244321}">
-                <p14:modId xmlns:p14="http://schemas.microsoft.com/office/powerpoint/2010/main" val="3231484753"/>
+                <p14:modId xmlns:p14="http://schemas.microsoft.com/office/powerpoint/2010/main" val="1277330507"/>
               </p:ext>
             </p:extLst>
           </p:nvPr>
         </p:nvGraphicFramePr>
         <p:xfrm>
-          <a:off x="3267419" y="2955904"/>
-          <a:ext cx="5388900" cy="3673922"/>
+          <a:off x="481360" y="3028419"/>
+          <a:ext cx="7656427" cy="3586667"/>
         </p:xfrm>
         <a:graphic>
           <a:graphicData uri="http://schemas.openxmlformats.org/drawingml/2006/table">
@@ -4181,21 +4310,21 @@
                 <a:tableStyleId>{5C22544A-7EE6-4342-B048-85BDC9FD1C3A}</a:tableStyleId>
               </a:tblPr>
               <a:tblGrid>
-                <a:gridCol w="1227494">
+                <a:gridCol w="2601951">
                   <a:extLst>
                     <a:ext uri="{9D8B030D-6E8A-4147-A177-3AD203B41FA5}">
                       <a16:colId xmlns:a16="http://schemas.microsoft.com/office/drawing/2014/main" val="2069922602"/>
                     </a:ext>
                   </a:extLst>
                 </a:gridCol>
-                <a:gridCol w="1325473">
+                <a:gridCol w="1721006">
                   <a:extLst>
                     <a:ext uri="{9D8B030D-6E8A-4147-A177-3AD203B41FA5}">
                       <a16:colId xmlns:a16="http://schemas.microsoft.com/office/drawing/2014/main" val="2732399375"/>
                     </a:ext>
                   </a:extLst>
                 </a:gridCol>
-                <a:gridCol w="1471267">
+                <a:gridCol w="1968804">
                   <a:extLst>
                     <a:ext uri="{9D8B030D-6E8A-4147-A177-3AD203B41FA5}">
                       <a16:colId xmlns:a16="http://schemas.microsoft.com/office/drawing/2014/main" val="1486601713"/>
@@ -4210,7 +4339,7 @@
                   </a:extLst>
                 </a:gridCol>
               </a:tblGrid>
-              <a:tr h="555482">
+              <a:tr h="537727">
                 <a:tc>
                   <a:txBody>
                     <a:bodyPr/>
@@ -4255,7 +4384,7 @@
                         </a:spcAft>
                       </a:pPr>
                       <a:r>
-                        <a:rPr lang="hu-HU" sz="1400" dirty="0" err="1">
+                        <a:rPr lang="hu-HU" sz="1800" dirty="0" err="1">
                           <a:solidFill>
                             <a:schemeClr val="tx1"/>
                           </a:solidFill>
@@ -4264,7 +4393,7 @@
                         <a:t>Movies</a:t>
                       </a:r>
                       <a:r>
-                        <a:rPr lang="hu-HU" sz="1400" dirty="0">
+                        <a:rPr lang="hu-HU" sz="1800" dirty="0">
                           <a:solidFill>
                             <a:schemeClr val="tx1"/>
                           </a:solidFill>
@@ -4273,7 +4402,7 @@
                         <a:t> </a:t>
                       </a:r>
                       <a:r>
-                        <a:rPr lang="hu-HU" sz="1400" dirty="0" err="1">
+                        <a:rPr lang="hu-HU" sz="1800" dirty="0" err="1">
                           <a:solidFill>
                             <a:schemeClr val="tx1"/>
                           </a:solidFill>
@@ -4281,14 +4410,33 @@
                         </a:rPr>
                         <a:t>Night</a:t>
                       </a:r>
-                      <a:endParaRPr lang="hu-HU" sz="1400" dirty="0">
+                      <a:endParaRPr lang="hu-HU" sz="1800" dirty="0">
                         <a:solidFill>
                           <a:schemeClr val="tx1"/>
                         </a:solidFill>
                         <a:effectLst/>
-                        <a:latin typeface="Times New Roman" panose="02020603050405020304" pitchFamily="18" charset="0"/>
-                        <a:ea typeface="Times New Roman" panose="02020603050405020304" pitchFamily="18" charset="0"/>
                       </a:endParaRPr>
+                    </a:p>
+                    <a:p>
+                      <a:pPr algn="ctr">
+                        <a:lnSpc>
+                          <a:spcPct val="150000"/>
+                        </a:lnSpc>
+                        <a:spcAft>
+                          <a:spcPts val="0"/>
+                        </a:spcAft>
+                      </a:pPr>
+                      <a:r>
+                        <a:rPr lang="hu-HU" sz="1800" dirty="0">
+                          <a:solidFill>
+                            <a:schemeClr val="tx1"/>
+                          </a:solidFill>
+                          <a:effectLst/>
+                          <a:latin typeface="Times New Roman" panose="02020603050405020304" pitchFamily="18" charset="0"/>
+                          <a:ea typeface="Times New Roman" panose="02020603050405020304" pitchFamily="18" charset="0"/>
+                        </a:rPr>
+                        <a:t>(13-ból)</a:t>
+                      </a:r>
                     </a:p>
                   </a:txBody>
                   <a:tcPr marL="68580" marR="68580" marT="0" marB="0" anchor="ctr">
@@ -4314,7 +4462,7 @@
                         </a:spcAft>
                       </a:pPr>
                       <a:r>
-                        <a:rPr lang="hu-HU" sz="1400" dirty="0" err="1">
+                        <a:rPr lang="hu-HU" sz="1800" dirty="0" err="1">
                           <a:solidFill>
                             <a:schemeClr val="tx1"/>
                           </a:solidFill>
@@ -4323,7 +4471,7 @@
                         <a:t>Fundraising</a:t>
                       </a:r>
                       <a:r>
-                        <a:rPr lang="hu-HU" sz="1400" dirty="0">
+                        <a:rPr lang="hu-HU" sz="1800" dirty="0">
                           <a:solidFill>
                             <a:schemeClr val="tx1"/>
                           </a:solidFill>
@@ -4332,7 +4480,7 @@
                         <a:t> </a:t>
                       </a:r>
                       <a:r>
-                        <a:rPr lang="hu-HU" sz="1400" dirty="0" err="1">
+                        <a:rPr lang="hu-HU" sz="1800" dirty="0" err="1">
                           <a:solidFill>
                             <a:schemeClr val="tx1"/>
                           </a:solidFill>
@@ -4340,14 +4488,33 @@
                         </a:rPr>
                         <a:t>Dinner</a:t>
                       </a:r>
-                      <a:endParaRPr lang="hu-HU" sz="1400" dirty="0">
+                      <a:endParaRPr lang="hu-HU" sz="1800" dirty="0">
                         <a:solidFill>
                           <a:schemeClr val="tx1"/>
                         </a:solidFill>
                         <a:effectLst/>
-                        <a:latin typeface="Times New Roman" panose="02020603050405020304" pitchFamily="18" charset="0"/>
-                        <a:ea typeface="Times New Roman" panose="02020603050405020304" pitchFamily="18" charset="0"/>
                       </a:endParaRPr>
+                    </a:p>
+                    <a:p>
+                      <a:pPr algn="ctr">
+                        <a:lnSpc>
+                          <a:spcPct val="150000"/>
+                        </a:lnSpc>
+                        <a:spcAft>
+                          <a:spcPts val="0"/>
+                        </a:spcAft>
+                      </a:pPr>
+                      <a:r>
+                        <a:rPr lang="hu-HU" sz="1800" dirty="0">
+                          <a:solidFill>
+                            <a:schemeClr val="tx1"/>
+                          </a:solidFill>
+                          <a:effectLst/>
+                          <a:latin typeface="Times New Roman" panose="02020603050405020304" pitchFamily="18" charset="0"/>
+                          <a:ea typeface="Times New Roman" panose="02020603050405020304" pitchFamily="18" charset="0"/>
+                        </a:rPr>
+                        <a:t>(21-ből)</a:t>
+                      </a:r>
                     </a:p>
                   </a:txBody>
                   <a:tcPr marL="68580" marR="68580" marT="0" marB="0" anchor="ctr">
@@ -4373,7 +4540,7 @@
                         </a:spcAft>
                       </a:pPr>
                       <a:r>
-                        <a:rPr lang="hu-HU" sz="1400" dirty="0" err="1">
+                        <a:rPr lang="hu-HU" sz="1800" dirty="0" err="1">
                           <a:solidFill>
                             <a:schemeClr val="tx1"/>
                           </a:solidFill>
@@ -4381,14 +4548,33 @@
                         </a:rPr>
                         <a:t>Gardens</a:t>
                       </a:r>
-                      <a:endParaRPr lang="hu-HU" sz="1400" dirty="0">
+                      <a:endParaRPr lang="hu-HU" sz="1800" dirty="0">
                         <a:solidFill>
                           <a:schemeClr val="tx1"/>
                         </a:solidFill>
                         <a:effectLst/>
-                        <a:latin typeface="Times New Roman" panose="02020603050405020304" pitchFamily="18" charset="0"/>
-                        <a:ea typeface="Times New Roman" panose="02020603050405020304" pitchFamily="18" charset="0"/>
                       </a:endParaRPr>
+                    </a:p>
+                    <a:p>
+                      <a:pPr algn="ctr">
+                        <a:lnSpc>
+                          <a:spcPct val="150000"/>
+                        </a:lnSpc>
+                        <a:spcAft>
+                          <a:spcPts val="0"/>
+                        </a:spcAft>
+                      </a:pPr>
+                      <a:r>
+                        <a:rPr lang="hu-HU" sz="1800" dirty="0">
+                          <a:solidFill>
+                            <a:schemeClr val="tx1"/>
+                          </a:solidFill>
+                          <a:effectLst/>
+                          <a:latin typeface="Times New Roman" panose="02020603050405020304" pitchFamily="18" charset="0"/>
+                          <a:ea typeface="Times New Roman" panose="02020603050405020304" pitchFamily="18" charset="0"/>
+                        </a:rPr>
+                        <a:t>(21-ből)</a:t>
+                      </a:r>
                     </a:p>
                   </a:txBody>
                   <a:tcPr marL="68580" marR="68580" marT="0" marB="0" anchor="ctr">
@@ -4421,7 +4607,7 @@
                         </a:spcAft>
                       </a:pPr>
                       <a:r>
-                        <a:rPr lang="hu-HU" sz="1400" b="1" kern="1200" dirty="0">
+                        <a:rPr lang="hu-HU" sz="2000" b="1" kern="1200" dirty="0">
                           <a:solidFill>
                             <a:schemeClr val="tx1"/>
                           </a:solidFill>
@@ -4430,7 +4616,7 @@
                           <a:ea typeface="+mn-ea"/>
                           <a:cs typeface="+mn-cs"/>
                         </a:rPr>
-                        <a:t>Önmagában elhagyható korlátozások száma</a:t>
+                        <a:t>Egyszerre 1 kikötés elhagyása </a:t>
                       </a:r>
                     </a:p>
                   </a:txBody>
@@ -4460,7 +4646,7 @@
                         <a:rPr lang="hu-HU" sz="2400" dirty="0">
                           <a:effectLst/>
                         </a:rPr>
-                        <a:t>3</a:t>
+                        <a:t>3 db</a:t>
                       </a:r>
                       <a:endParaRPr lang="hu-HU" sz="2400" dirty="0">
                         <a:effectLst/>
@@ -4488,7 +4674,7 @@
                         <a:rPr lang="hu-HU" sz="2400" dirty="0">
                           <a:effectLst/>
                         </a:rPr>
-                        <a:t>7</a:t>
+                        <a:t>7 db</a:t>
                       </a:r>
                       <a:endParaRPr lang="hu-HU" sz="2400" dirty="0">
                         <a:effectLst/>
@@ -4516,7 +4702,7 @@
                         <a:rPr lang="hu-HU" sz="2400" dirty="0">
                           <a:effectLst/>
                         </a:rPr>
-                        <a:t>5</a:t>
+                        <a:t>5 db</a:t>
                       </a:r>
                       <a:endParaRPr lang="hu-HU" sz="2400" dirty="0">
                         <a:effectLst/>
@@ -4548,7 +4734,7 @@
                         </a:spcAft>
                       </a:pPr>
                       <a:r>
-                        <a:rPr lang="hu-HU" sz="1400" b="1" kern="1200" dirty="0">
+                        <a:rPr lang="hu-HU" sz="2000" b="1" kern="1200" dirty="0">
                           <a:solidFill>
                             <a:schemeClr val="tx1"/>
                           </a:solidFill>
@@ -4557,7 +4743,7 @@
                           <a:ea typeface="+mn-ea"/>
                           <a:cs typeface="+mn-cs"/>
                         </a:rPr>
-                        <a:t>2 tagú kombinációk</a:t>
+                        <a:t>Egyszerre 2 elhagyása </a:t>
                       </a:r>
                     </a:p>
                   </a:txBody>
@@ -4584,38 +4770,10 @@
                         </a:spcAft>
                       </a:pPr>
                       <a:r>
-                        <a:rPr lang="hu-HU" sz="2400">
-                          <a:effectLst/>
-                        </a:rPr>
-                        <a:t>3</a:t>
-                      </a:r>
-                      <a:endParaRPr lang="hu-HU" sz="2400">
-                        <a:effectLst/>
-                        <a:latin typeface="Times New Roman" panose="02020603050405020304" pitchFamily="18" charset="0"/>
-                        <a:ea typeface="Times New Roman" panose="02020603050405020304" pitchFamily="18" charset="0"/>
-                      </a:endParaRPr>
-                    </a:p>
-                  </a:txBody>
-                  <a:tcPr marL="68580" marR="68580" marT="0" marB="0" anchor="ctr"/>
-                </a:tc>
-                <a:tc>
-                  <a:txBody>
-                    <a:bodyPr/>
-                    <a:lstStyle/>
-                    <a:p>
-                      <a:pPr algn="ctr">
-                        <a:lnSpc>
-                          <a:spcPct val="150000"/>
-                        </a:lnSpc>
-                        <a:spcAft>
-                          <a:spcPts val="0"/>
-                        </a:spcAft>
-                      </a:pPr>
-                      <a:r>
                         <a:rPr lang="hu-HU" sz="2400" dirty="0">
                           <a:effectLst/>
                         </a:rPr>
-                        <a:t>15</a:t>
+                        <a:t>3 db</a:t>
                       </a:r>
                       <a:endParaRPr lang="hu-HU" sz="2400" dirty="0">
                         <a:effectLst/>
@@ -4643,7 +4801,35 @@
                         <a:rPr lang="hu-HU" sz="2400" dirty="0">
                           <a:effectLst/>
                         </a:rPr>
-                        <a:t>5</a:t>
+                        <a:t>15 db</a:t>
+                      </a:r>
+                      <a:endParaRPr lang="hu-HU" sz="2400" dirty="0">
+                        <a:effectLst/>
+                        <a:latin typeface="Times New Roman" panose="02020603050405020304" pitchFamily="18" charset="0"/>
+                        <a:ea typeface="Times New Roman" panose="02020603050405020304" pitchFamily="18" charset="0"/>
+                      </a:endParaRPr>
+                    </a:p>
+                  </a:txBody>
+                  <a:tcPr marL="68580" marR="68580" marT="0" marB="0" anchor="ctr"/>
+                </a:tc>
+                <a:tc>
+                  <a:txBody>
+                    <a:bodyPr/>
+                    <a:lstStyle/>
+                    <a:p>
+                      <a:pPr algn="ctr">
+                        <a:lnSpc>
+                          <a:spcPct val="150000"/>
+                        </a:lnSpc>
+                        <a:spcAft>
+                          <a:spcPts val="0"/>
+                        </a:spcAft>
+                      </a:pPr>
+                      <a:r>
+                        <a:rPr lang="hu-HU" sz="2400" dirty="0">
+                          <a:effectLst/>
+                        </a:rPr>
+                        <a:t>5 db</a:t>
                       </a:r>
                       <a:endParaRPr lang="hu-HU" sz="2400" dirty="0">
                         <a:effectLst/>
@@ -4675,7 +4861,7 @@
                         </a:spcAft>
                       </a:pPr>
                       <a:r>
-                        <a:rPr lang="hu-HU" sz="1400" b="1" kern="1200" dirty="0">
+                        <a:rPr lang="hu-HU" sz="2000" b="1" kern="1200" dirty="0">
                           <a:solidFill>
                             <a:schemeClr val="tx1"/>
                           </a:solidFill>
@@ -4684,7 +4870,7 @@
                           <a:ea typeface="+mn-ea"/>
                           <a:cs typeface="+mn-cs"/>
                         </a:rPr>
-                        <a:t>3 tagú kombinációk</a:t>
+                        <a:t>Egyszerre 3 elhagyása </a:t>
                       </a:r>
                     </a:p>
                   </a:txBody>
@@ -4711,40 +4897,12 @@
                         </a:spcAft>
                       </a:pPr>
                       <a:r>
-                        <a:rPr lang="hu-HU" sz="2400">
+                        <a:rPr lang="hu-HU" sz="2400" dirty="0">
                           <a:effectLst/>
                         </a:rPr>
-                        <a:t>0</a:t>
+                        <a:t>0 db</a:t>
                       </a:r>
-                      <a:endParaRPr lang="hu-HU" sz="2400">
-                        <a:effectLst/>
-                        <a:latin typeface="Times New Roman" panose="02020603050405020304" pitchFamily="18" charset="0"/>
-                        <a:ea typeface="Times New Roman" panose="02020603050405020304" pitchFamily="18" charset="0"/>
-                      </a:endParaRPr>
-                    </a:p>
-                  </a:txBody>
-                  <a:tcPr marL="68580" marR="68580" marT="0" marB="0" anchor="ctr"/>
-                </a:tc>
-                <a:tc>
-                  <a:txBody>
-                    <a:bodyPr/>
-                    <a:lstStyle/>
-                    <a:p>
-                      <a:pPr algn="ctr">
-                        <a:lnSpc>
-                          <a:spcPct val="150000"/>
-                        </a:lnSpc>
-                        <a:spcAft>
-                          <a:spcPts val="0"/>
-                        </a:spcAft>
-                      </a:pPr>
-                      <a:r>
-                        <a:rPr lang="hu-HU" sz="2400">
-                          <a:effectLst/>
-                        </a:rPr>
-                        <a:t>13</a:t>
-                      </a:r>
-                      <a:endParaRPr lang="hu-HU" sz="2400">
+                      <a:endParaRPr lang="hu-HU" sz="2400" dirty="0">
                         <a:effectLst/>
                         <a:latin typeface="Times New Roman" panose="02020603050405020304" pitchFamily="18" charset="0"/>
                         <a:ea typeface="Times New Roman" panose="02020603050405020304" pitchFamily="18" charset="0"/>
@@ -4770,7 +4928,35 @@
                         <a:rPr lang="hu-HU" sz="2400" dirty="0">
                           <a:effectLst/>
                         </a:rPr>
-                        <a:t>2</a:t>
+                        <a:t>13 db</a:t>
+                      </a:r>
+                      <a:endParaRPr lang="hu-HU" sz="2400" dirty="0">
+                        <a:effectLst/>
+                        <a:latin typeface="Times New Roman" panose="02020603050405020304" pitchFamily="18" charset="0"/>
+                        <a:ea typeface="Times New Roman" panose="02020603050405020304" pitchFamily="18" charset="0"/>
+                      </a:endParaRPr>
+                    </a:p>
+                  </a:txBody>
+                  <a:tcPr marL="68580" marR="68580" marT="0" marB="0" anchor="ctr"/>
+                </a:tc>
+                <a:tc>
+                  <a:txBody>
+                    <a:bodyPr/>
+                    <a:lstStyle/>
+                    <a:p>
+                      <a:pPr algn="ctr">
+                        <a:lnSpc>
+                          <a:spcPct val="150000"/>
+                        </a:lnSpc>
+                        <a:spcAft>
+                          <a:spcPts val="0"/>
+                        </a:spcAft>
+                      </a:pPr>
+                      <a:r>
+                        <a:rPr lang="hu-HU" sz="2400" dirty="0">
+                          <a:effectLst/>
+                        </a:rPr>
+                        <a:t>2 db</a:t>
                       </a:r>
                       <a:endParaRPr lang="hu-HU" sz="2400" dirty="0">
                         <a:effectLst/>
@@ -4802,7 +4988,7 @@
                         </a:spcAft>
                       </a:pPr>
                       <a:r>
-                        <a:rPr lang="hu-HU" sz="1400" b="1" kern="1200" dirty="0">
+                        <a:rPr lang="hu-HU" sz="2000" b="1" kern="1200" dirty="0">
                           <a:solidFill>
                             <a:schemeClr val="tx1"/>
                           </a:solidFill>
@@ -4811,7 +4997,7 @@
                           <a:ea typeface="+mn-ea"/>
                           <a:cs typeface="+mn-cs"/>
                         </a:rPr>
-                        <a:t>4 tagú kombinációk</a:t>
+                        <a:t>Egyszerre 4 elhagyása </a:t>
                       </a:r>
                     </a:p>
                   </a:txBody>
@@ -4838,40 +5024,12 @@
                         </a:spcAft>
                       </a:pPr>
                       <a:r>
-                        <a:rPr lang="hu-HU" sz="2400">
+                        <a:rPr lang="hu-HU" sz="2400" dirty="0">
                           <a:effectLst/>
                         </a:rPr>
-                        <a:t>0</a:t>
+                        <a:t>0 db</a:t>
                       </a:r>
-                      <a:endParaRPr lang="hu-HU" sz="2400">
-                        <a:effectLst/>
-                        <a:latin typeface="Times New Roman" panose="02020603050405020304" pitchFamily="18" charset="0"/>
-                        <a:ea typeface="Times New Roman" panose="02020603050405020304" pitchFamily="18" charset="0"/>
-                      </a:endParaRPr>
-                    </a:p>
-                  </a:txBody>
-                  <a:tcPr marL="68580" marR="68580" marT="0" marB="0" anchor="ctr"/>
-                </a:tc>
-                <a:tc>
-                  <a:txBody>
-                    <a:bodyPr/>
-                    <a:lstStyle/>
-                    <a:p>
-                      <a:pPr algn="ctr">
-                        <a:lnSpc>
-                          <a:spcPct val="150000"/>
-                        </a:lnSpc>
-                        <a:spcAft>
-                          <a:spcPts val="0"/>
-                        </a:spcAft>
-                      </a:pPr>
-                      <a:r>
-                        <a:rPr lang="hu-HU" sz="2400">
-                          <a:effectLst/>
-                        </a:rPr>
-                        <a:t>4</a:t>
-                      </a:r>
-                      <a:endParaRPr lang="hu-HU" sz="2400">
+                      <a:endParaRPr lang="hu-HU" sz="2400" dirty="0">
                         <a:effectLst/>
                         <a:latin typeface="Times New Roman" panose="02020603050405020304" pitchFamily="18" charset="0"/>
                         <a:ea typeface="Times New Roman" panose="02020603050405020304" pitchFamily="18" charset="0"/>
@@ -4897,7 +5055,35 @@
                         <a:rPr lang="hu-HU" sz="2400" dirty="0">
                           <a:effectLst/>
                         </a:rPr>
-                        <a:t>0</a:t>
+                        <a:t>4 db</a:t>
+                      </a:r>
+                      <a:endParaRPr lang="hu-HU" sz="2400" dirty="0">
+                        <a:effectLst/>
+                        <a:latin typeface="Times New Roman" panose="02020603050405020304" pitchFamily="18" charset="0"/>
+                        <a:ea typeface="Times New Roman" panose="02020603050405020304" pitchFamily="18" charset="0"/>
+                      </a:endParaRPr>
+                    </a:p>
+                  </a:txBody>
+                  <a:tcPr marL="68580" marR="68580" marT="0" marB="0" anchor="ctr"/>
+                </a:tc>
+                <a:tc>
+                  <a:txBody>
+                    <a:bodyPr/>
+                    <a:lstStyle/>
+                    <a:p>
+                      <a:pPr algn="ctr">
+                        <a:lnSpc>
+                          <a:spcPct val="150000"/>
+                        </a:lnSpc>
+                        <a:spcAft>
+                          <a:spcPts val="0"/>
+                        </a:spcAft>
+                      </a:pPr>
+                      <a:r>
+                        <a:rPr lang="hu-HU" sz="2400" dirty="0">
+                          <a:effectLst/>
+                        </a:rPr>
+                        <a:t>0 db</a:t>
                       </a:r>
                       <a:endParaRPr lang="hu-HU" sz="2400" dirty="0">
                         <a:effectLst/>
@@ -5021,7 +5207,7 @@
         <p:spPr>
           <a:xfrm>
             <a:off x="114300" y="2282992"/>
-            <a:ext cx="8867274" cy="4008790"/>
+            <a:ext cx="8867274" cy="3139321"/>
           </a:xfrm>
           <a:prstGeom prst="rect">
             <a:avLst/>
@@ -5041,7 +5227,7 @@
             </a:pPr>
             <a:r>
               <a:rPr lang="hu-HU" sz="2800" dirty="0"/>
-              <a:t>Észrevételeink: a feladatokban számtalan redundáns 	megkötés található</a:t>
+              <a:t>Munkánk során megvizsgáltuk az „Einstein-féle” logikai feladványok szerkezetét és lehetséges megoldásukat. </a:t>
             </a:r>
           </a:p>
           <a:p>
@@ -5052,9 +5238,8 @@
             </a:pPr>
             <a:r>
               <a:rPr lang="hu-HU" sz="2800" dirty="0"/>
-              <a:t>Előnye a módszereinknek: rendkívül gyors megoldás 	nehezebb példáknál is </a:t>
-            </a:r>
-            <a:endParaRPr lang="en-US" sz="2800" dirty="0"/>
+              <a:t>A feladatok általános modellezése végett megismerkedtünk a korlátprogramozás módszereivel. </a:t>
+            </a:r>
           </a:p>
           <a:p>
             <a:pPr>
@@ -5063,40 +5248,9 @@
               </a:spcAft>
             </a:pPr>
             <a:r>
-              <a:rPr lang="en-US" sz="2800" dirty="0"/>
-              <a:t>A </a:t>
-            </a:r>
-            <a:r>
-              <a:rPr lang="en-US" sz="2800" dirty="0" err="1"/>
-              <a:t>kutatás</a:t>
-            </a:r>
-            <a:r>
-              <a:rPr lang="en-US" sz="2800" dirty="0"/>
-              <a:t> </a:t>
-            </a:r>
-            <a:r>
-              <a:rPr lang="en-US" sz="2800" dirty="0" err="1"/>
-              <a:t>elért</a:t>
-            </a:r>
-            <a:r>
-              <a:rPr lang="en-US" sz="2800" dirty="0"/>
-              <a:t> </a:t>
-            </a:r>
-            <a:r>
-              <a:rPr lang="en-US" sz="2800" dirty="0" err="1"/>
-              <a:t>eredményei</a:t>
-            </a:r>
-            <a:r>
               <a:rPr lang="hu-HU" sz="2800" dirty="0"/>
-              <a:t> : különböző módszerekkel lettek  	megoldva a feladványok és össze lettek hasonlítva 	hatékonyság szempontjából</a:t>
-            </a:r>
-          </a:p>
-          <a:p>
-            <a:pPr marL="214313" indent="-214313">
-              <a:buFont typeface="Arial" panose="020B0604020202020204" pitchFamily="34" charset="0"/>
-              <a:buChar char="•"/>
-            </a:pPr>
-            <a:endParaRPr lang="hu-HU" sz="1350" dirty="0"/>
+              <a:t>A feladatokat többféle módon modelleztük, és végül teszteltük őket bizonyos szempontok alapján.</a:t>
+            </a:r>
           </a:p>
         </p:txBody>
       </p:sp>
@@ -5470,7 +5624,7 @@
         <p:spPr>
           <a:xfrm>
             <a:off x="138363" y="2306930"/>
-            <a:ext cx="8867274" cy="2508379"/>
+            <a:ext cx="8867274" cy="1846659"/>
           </a:xfrm>
           <a:prstGeom prst="rect">
             <a:avLst/>
@@ -5490,7 +5644,7 @@
             </a:pPr>
             <a:r>
               <a:rPr lang="hu-HU" sz="2800" dirty="0"/>
-              <a:t>Arisztotelész: a logika, mint fogalom megfogalmazása</a:t>
+              <a:t>Einstein-féle logikai feladványok</a:t>
             </a:r>
           </a:p>
           <a:p>
@@ -5501,18 +5655,7 @@
             </a:pPr>
             <a:r>
               <a:rPr lang="hu-HU" sz="2800" dirty="0"/>
-              <a:t>Hozzárendelési feladatokhoz való hasonlóság</a:t>
-            </a:r>
-          </a:p>
-          <a:p>
-            <a:pPr>
-              <a:spcAft>
-                <a:spcPts val="1800"/>
-              </a:spcAft>
-            </a:pPr>
-            <a:r>
-              <a:rPr lang="hu-HU" sz="2800" dirty="0"/>
-              <a:t>Einstein-féle logikai feladványok</a:t>
+              <a:t>Zebra feladatok</a:t>
             </a:r>
           </a:p>
           <a:p>
@@ -8045,7 +8188,7 @@
         </p:nvSpPr>
         <p:spPr>
           <a:xfrm>
-            <a:off x="628650" y="3734"/>
+            <a:off x="628650" y="-37171"/>
             <a:ext cx="7886700" cy="1325563"/>
           </a:xfrm>
         </p:spPr>
@@ -8098,93 +8241,12 @@
           </a:p>
         </p:txBody>
       </p:sp>
-      <p:sp>
-        <p:nvSpPr>
-          <p:cNvPr id="3" name="Szövegdoboz 2">
+      <p:pic>
+        <p:nvPicPr>
+          <p:cNvPr id="8" name="Kép 7">
             <a:extLst>
               <a:ext uri="{FF2B5EF4-FFF2-40B4-BE49-F238E27FC236}">
-                <a16:creationId xmlns:a16="http://schemas.microsoft.com/office/drawing/2014/main" id="{4DE43672-6366-462F-BC64-FD398B28F1E0}"/>
-              </a:ext>
-            </a:extLst>
-          </p:cNvPr>
-          <p:cNvSpPr txBox="1"/>
-          <p:nvPr/>
-        </p:nvSpPr>
-        <p:spPr>
-          <a:xfrm>
-            <a:off x="138363" y="1056357"/>
-            <a:ext cx="8867274" cy="2677656"/>
-          </a:xfrm>
-          <a:prstGeom prst="rect">
-            <a:avLst/>
-          </a:prstGeom>
-          <a:noFill/>
-        </p:spPr>
-        <p:txBody>
-          <a:bodyPr wrap="square" rtlCol="0">
-            <a:spAutoFit/>
-          </a:bodyPr>
-          <a:lstStyle/>
-          <a:p>
-            <a:r>
-              <a:rPr lang="hu-HU" sz="2400" dirty="0"/>
-              <a:t>Több módszer is alkalmazva lett:</a:t>
-            </a:r>
-          </a:p>
-          <a:p>
-            <a:pPr lvl="1"/>
-            <a:r>
-              <a:rPr lang="hu-HU" sz="2400" dirty="0"/>
-              <a:t>Bináris mátrix</a:t>
-            </a:r>
-          </a:p>
-          <a:p>
-            <a:pPr lvl="1"/>
-            <a:r>
-              <a:rPr lang="hu-HU" sz="2400" dirty="0" err="1"/>
-              <a:t>Where</a:t>
-            </a:r>
-            <a:r>
-              <a:rPr lang="hu-HU" sz="2400" dirty="0"/>
-              <a:t> helyett implikáció</a:t>
-            </a:r>
-          </a:p>
-          <a:p>
-            <a:pPr lvl="1"/>
-            <a:r>
-              <a:rPr lang="hu-HU" sz="2400" dirty="0"/>
-              <a:t>Tulaj hozzárendelési mátrix</a:t>
-            </a:r>
-          </a:p>
-          <a:p>
-            <a:pPr lvl="1"/>
-            <a:r>
-              <a:rPr lang="hu-HU" sz="2400" dirty="0"/>
-              <a:t>Termény halmazok</a:t>
-            </a:r>
-          </a:p>
-          <a:p>
-            <a:pPr lvl="1"/>
-            <a:r>
-              <a:rPr lang="hu-HU" sz="2400" dirty="0"/>
-              <a:t>Integer mátrix</a:t>
-            </a:r>
-          </a:p>
-          <a:p>
-            <a:pPr marL="0" lvl="1"/>
-            <a:r>
-              <a:rPr lang="hu-HU" sz="2400" dirty="0"/>
-              <a:t>Speciális kikötések írása az adottakon kívül</a:t>
-            </a:r>
-          </a:p>
-        </p:txBody>
-      </p:sp>
-      <p:pic>
-        <p:nvPicPr>
-          <p:cNvPr id="10" name="Kép 9">
-            <a:extLst>
-              <a:ext uri="{FF2B5EF4-FFF2-40B4-BE49-F238E27FC236}">
-                <a16:creationId xmlns:a16="http://schemas.microsoft.com/office/drawing/2014/main" id="{E6F1D144-AEFD-4E20-A122-9055A83AA480}"/>
+                <a16:creationId xmlns:a16="http://schemas.microsoft.com/office/drawing/2014/main" id="{7EFA0B0D-2D29-475A-BC6F-B7654AD6247E}"/>
               </a:ext>
             </a:extLst>
           </p:cNvPr>
@@ -8207,8 +8269,8 @@
         </p:blipFill>
         <p:spPr>
           <a:xfrm>
-            <a:off x="0" y="4960769"/>
-            <a:ext cx="9144000" cy="1510655"/>
+            <a:off x="743736" y="2094089"/>
+            <a:ext cx="6521578" cy="1077411"/>
           </a:xfrm>
           <a:prstGeom prst="rect">
             <a:avLst/>
@@ -8217,10 +8279,10 @@
       </p:pic>
       <p:pic>
         <p:nvPicPr>
-          <p:cNvPr id="6" name="Kép 5">
+          <p:cNvPr id="5" name="Kép 4">
             <a:extLst>
               <a:ext uri="{FF2B5EF4-FFF2-40B4-BE49-F238E27FC236}">
-                <a16:creationId xmlns:a16="http://schemas.microsoft.com/office/drawing/2014/main" id="{1662F51A-FBA1-4A5F-AD77-6E7321E8D99D}"/>
+                <a16:creationId xmlns:a16="http://schemas.microsoft.com/office/drawing/2014/main" id="{006E9B15-E836-47EB-A212-30BFB95903FA}"/>
               </a:ext>
             </a:extLst>
           </p:cNvPr>
@@ -8243,18 +8305,495 @@
         </p:blipFill>
         <p:spPr>
           <a:xfrm>
-            <a:off x="934715" y="3725222"/>
-            <a:ext cx="7274570" cy="1017797"/>
+            <a:off x="974861" y="4735768"/>
+            <a:ext cx="6133956" cy="995368"/>
           </a:xfrm>
           <a:prstGeom prst="rect">
             <a:avLst/>
           </a:prstGeom>
         </p:spPr>
       </p:pic>
+      <p:sp>
+        <p:nvSpPr>
+          <p:cNvPr id="10" name="Szövegdoboz 2">
+            <a:extLst>
+              <a:ext uri="{FF2B5EF4-FFF2-40B4-BE49-F238E27FC236}">
+                <a16:creationId xmlns:a16="http://schemas.microsoft.com/office/drawing/2014/main" id="{39841D13-B0B8-4DA2-A5A2-95125A497738}"/>
+              </a:ext>
+            </a:extLst>
+          </p:cNvPr>
+          <p:cNvSpPr txBox="1">
+            <a:spLocks noChangeArrowheads="1"/>
+          </p:cNvSpPr>
+          <p:nvPr/>
+        </p:nvSpPr>
+        <p:spPr bwMode="auto">
+          <a:xfrm>
+            <a:off x="1185472" y="3089281"/>
+            <a:ext cx="6301177" cy="937998"/>
+          </a:xfrm>
+          <a:prstGeom prst="rect">
+            <a:avLst/>
+          </a:prstGeom>
+          <a:solidFill>
+            <a:srgbClr val="FFFFFF"/>
+          </a:solidFill>
+          <a:ln w="9525">
+            <a:solidFill>
+              <a:srgbClr val="000000"/>
+            </a:solidFill>
+            <a:miter lim="800000"/>
+            <a:headEnd/>
+            <a:tailEnd/>
+          </a:ln>
+        </p:spPr>
+        <p:txBody>
+          <a:bodyPr rot="0" vert="horz" wrap="square" lIns="91440" tIns="45720" rIns="91440" bIns="45720" anchor="t" anchorCtr="0">
+            <a:noAutofit/>
+          </a:bodyPr>
+          <a:lstStyle/>
+          <a:p>
+            <a:pPr algn="l">
+              <a:lnSpc>
+                <a:spcPct val="150000"/>
+              </a:lnSpc>
+              <a:spcAft>
+                <a:spcPts val="0"/>
+              </a:spcAft>
+            </a:pPr>
+            <a:r>
+              <a:rPr lang="hu-HU" dirty="0" err="1">
+                <a:solidFill>
+                  <a:srgbClr val="008000"/>
+                </a:solidFill>
+                <a:effectLst/>
+                <a:latin typeface="Consolas" panose="020B0609020204030204" pitchFamily="49" charset="0"/>
+                <a:ea typeface="Times New Roman" panose="02020603050405020304" pitchFamily="18" charset="0"/>
+              </a:rPr>
+              <a:t>constraint</a:t>
+            </a:r>
+            <a:r>
+              <a:rPr lang="hu-HU" dirty="0">
+                <a:effectLst/>
+                <a:latin typeface="Consolas" panose="020B0609020204030204" pitchFamily="49" charset="0"/>
+                <a:ea typeface="Times New Roman" panose="02020603050405020304" pitchFamily="18" charset="0"/>
+              </a:rPr>
+              <a:t> </a:t>
+            </a:r>
+            <a:r>
+              <a:rPr lang="hu-HU" dirty="0" err="1">
+                <a:solidFill>
+                  <a:srgbClr val="0000FF"/>
+                </a:solidFill>
+                <a:effectLst/>
+                <a:latin typeface="Consolas" panose="020B0609020204030204" pitchFamily="49" charset="0"/>
+                <a:ea typeface="Times New Roman" panose="02020603050405020304" pitchFamily="18" charset="0"/>
+              </a:rPr>
+              <a:t>forall</a:t>
+            </a:r>
+            <a:r>
+              <a:rPr lang="hu-HU" dirty="0">
+                <a:effectLst/>
+                <a:latin typeface="Consolas" panose="020B0609020204030204" pitchFamily="49" charset="0"/>
+                <a:ea typeface="Times New Roman" panose="02020603050405020304" pitchFamily="18" charset="0"/>
+              </a:rPr>
+              <a:t>(t </a:t>
+            </a:r>
+            <a:r>
+              <a:rPr lang="hu-HU" dirty="0">
+                <a:solidFill>
+                  <a:srgbClr val="008000"/>
+                </a:solidFill>
+                <a:effectLst/>
+                <a:latin typeface="Consolas" panose="020B0609020204030204" pitchFamily="49" charset="0"/>
+                <a:ea typeface="Times New Roman" panose="02020603050405020304" pitchFamily="18" charset="0"/>
+              </a:rPr>
+              <a:t>in</a:t>
+            </a:r>
+            <a:r>
+              <a:rPr lang="hu-HU" dirty="0">
+                <a:effectLst/>
+                <a:latin typeface="Consolas" panose="020B0609020204030204" pitchFamily="49" charset="0"/>
+                <a:ea typeface="Times New Roman" panose="02020603050405020304" pitchFamily="18" charset="0"/>
+              </a:rPr>
+              <a:t> Tulaj </a:t>
+            </a:r>
+            <a:r>
+              <a:rPr lang="hu-HU" dirty="0" err="1">
+                <a:effectLst/>
+                <a:latin typeface="Consolas" panose="020B0609020204030204" pitchFamily="49" charset="0"/>
+                <a:ea typeface="Times New Roman" panose="02020603050405020304" pitchFamily="18" charset="0"/>
+              </a:rPr>
+              <a:t>where</a:t>
+            </a:r>
+            <a:r>
+              <a:rPr lang="hu-HU" dirty="0">
+                <a:effectLst/>
+                <a:latin typeface="Consolas" panose="020B0609020204030204" pitchFamily="49" charset="0"/>
+                <a:ea typeface="Times New Roman" panose="02020603050405020304" pitchFamily="18" charset="0"/>
+              </a:rPr>
+              <a:t> tulaj[t]=4) (</a:t>
+            </a:r>
+            <a:r>
+              <a:rPr lang="hu-HU" dirty="0">
+                <a:solidFill>
+                  <a:srgbClr val="0000FF"/>
+                </a:solidFill>
+                <a:effectLst/>
+                <a:latin typeface="Consolas" panose="020B0609020204030204" pitchFamily="49" charset="0"/>
+                <a:ea typeface="Times New Roman" panose="02020603050405020304" pitchFamily="18" charset="0"/>
+              </a:rPr>
+              <a:t>sum</a:t>
+            </a:r>
+            <a:r>
+              <a:rPr lang="hu-HU" dirty="0">
+                <a:effectLst/>
+                <a:latin typeface="Consolas" panose="020B0609020204030204" pitchFamily="49" charset="0"/>
+                <a:ea typeface="Times New Roman" panose="02020603050405020304" pitchFamily="18" charset="0"/>
+              </a:rPr>
+              <a:t>(z </a:t>
+            </a:r>
+            <a:r>
+              <a:rPr lang="hu-HU" dirty="0">
+                <a:solidFill>
+                  <a:srgbClr val="008000"/>
+                </a:solidFill>
+                <a:effectLst/>
+                <a:latin typeface="Consolas" panose="020B0609020204030204" pitchFamily="49" charset="0"/>
+                <a:ea typeface="Times New Roman" panose="02020603050405020304" pitchFamily="18" charset="0"/>
+              </a:rPr>
+              <a:t>in</a:t>
+            </a:r>
+            <a:r>
+              <a:rPr lang="hu-HU" dirty="0">
+                <a:effectLst/>
+                <a:latin typeface="Consolas" panose="020B0609020204030204" pitchFamily="49" charset="0"/>
+                <a:ea typeface="Times New Roman" panose="02020603050405020304" pitchFamily="18" charset="0"/>
+              </a:rPr>
+              <a:t> </a:t>
+            </a:r>
+            <a:r>
+              <a:rPr lang="hu-HU" dirty="0" err="1">
+                <a:effectLst/>
+                <a:latin typeface="Consolas" panose="020B0609020204030204" pitchFamily="49" charset="0"/>
+                <a:ea typeface="Times New Roman" panose="02020603050405020304" pitchFamily="18" charset="0"/>
+              </a:rPr>
+              <a:t>Zoldsegek</a:t>
+            </a:r>
+            <a:r>
+              <a:rPr lang="hu-HU" dirty="0">
+                <a:effectLst/>
+                <a:latin typeface="Consolas" panose="020B0609020204030204" pitchFamily="49" charset="0"/>
+                <a:ea typeface="Times New Roman" panose="02020603050405020304" pitchFamily="18" charset="0"/>
+              </a:rPr>
+              <a:t>) (termeszt[</a:t>
+            </a:r>
+            <a:r>
+              <a:rPr lang="hu-HU" dirty="0" err="1">
+                <a:effectLst/>
+                <a:latin typeface="Consolas" panose="020B0609020204030204" pitchFamily="49" charset="0"/>
+                <a:ea typeface="Times New Roman" panose="02020603050405020304" pitchFamily="18" charset="0"/>
+              </a:rPr>
+              <a:t>z,t</a:t>
+            </a:r>
+            <a:r>
+              <a:rPr lang="hu-HU" dirty="0">
+                <a:effectLst/>
+                <a:latin typeface="Consolas" panose="020B0609020204030204" pitchFamily="49" charset="0"/>
+                <a:ea typeface="Times New Roman" panose="02020603050405020304" pitchFamily="18" charset="0"/>
+              </a:rPr>
+              <a:t>])=3);</a:t>
+            </a:r>
+            <a:endParaRPr lang="hu-HU" dirty="0">
+              <a:effectLst/>
+              <a:latin typeface="Times New Roman" panose="02020603050405020304" pitchFamily="18" charset="0"/>
+              <a:ea typeface="Times New Roman" panose="02020603050405020304" pitchFamily="18" charset="0"/>
+            </a:endParaRPr>
+          </a:p>
+        </p:txBody>
+      </p:sp>
+      <p:sp>
+        <p:nvSpPr>
+          <p:cNvPr id="11" name="Szövegdoboz 2">
+            <a:extLst>
+              <a:ext uri="{FF2B5EF4-FFF2-40B4-BE49-F238E27FC236}">
+                <a16:creationId xmlns:a16="http://schemas.microsoft.com/office/drawing/2014/main" id="{86F25DC7-8728-4838-B077-B40E9AE2E358}"/>
+              </a:ext>
+            </a:extLst>
+          </p:cNvPr>
+          <p:cNvSpPr txBox="1">
+            <a:spLocks noChangeArrowheads="1"/>
+          </p:cNvSpPr>
+          <p:nvPr/>
+        </p:nvSpPr>
+        <p:spPr bwMode="auto">
+          <a:xfrm>
+            <a:off x="900234" y="5648742"/>
+            <a:ext cx="6208583" cy="877741"/>
+          </a:xfrm>
+          <a:prstGeom prst="rect">
+            <a:avLst/>
+          </a:prstGeom>
+          <a:solidFill>
+            <a:srgbClr val="FFFFFF"/>
+          </a:solidFill>
+          <a:ln w="9525">
+            <a:solidFill>
+              <a:srgbClr val="000000"/>
+            </a:solidFill>
+            <a:miter lim="800000"/>
+            <a:headEnd/>
+            <a:tailEnd/>
+          </a:ln>
+        </p:spPr>
+        <p:txBody>
+          <a:bodyPr rot="0" vert="horz" wrap="square" lIns="91440" tIns="45720" rIns="91440" bIns="45720" anchor="t" anchorCtr="0">
+            <a:spAutoFit/>
+          </a:bodyPr>
+          <a:lstStyle/>
+          <a:p>
+            <a:pPr algn="l">
+              <a:lnSpc>
+                <a:spcPct val="150000"/>
+              </a:lnSpc>
+              <a:spcAft>
+                <a:spcPts val="0"/>
+              </a:spcAft>
+            </a:pPr>
+            <a:r>
+              <a:rPr lang="hu-HU" dirty="0" err="1">
+                <a:solidFill>
+                  <a:srgbClr val="008000"/>
+                </a:solidFill>
+                <a:effectLst/>
+                <a:latin typeface="Consolas" panose="020B0609020204030204" pitchFamily="49" charset="0"/>
+                <a:ea typeface="Times New Roman" panose="02020603050405020304" pitchFamily="18" charset="0"/>
+              </a:rPr>
+              <a:t>constraint</a:t>
+            </a:r>
+            <a:r>
+              <a:rPr lang="hu-HU" dirty="0">
+                <a:effectLst/>
+                <a:latin typeface="Consolas" panose="020B0609020204030204" pitchFamily="49" charset="0"/>
+                <a:ea typeface="Times New Roman" panose="02020603050405020304" pitchFamily="18" charset="0"/>
+              </a:rPr>
+              <a:t> </a:t>
+            </a:r>
+            <a:r>
+              <a:rPr lang="hu-HU" dirty="0" err="1">
+                <a:solidFill>
+                  <a:srgbClr val="0000FF"/>
+                </a:solidFill>
+                <a:effectLst/>
+                <a:latin typeface="Consolas" panose="020B0609020204030204" pitchFamily="49" charset="0"/>
+                <a:ea typeface="Times New Roman" panose="02020603050405020304" pitchFamily="18" charset="0"/>
+              </a:rPr>
+              <a:t>forall</a:t>
+            </a:r>
+            <a:r>
+              <a:rPr lang="hu-HU" dirty="0">
+                <a:effectLst/>
+                <a:latin typeface="Consolas" panose="020B0609020204030204" pitchFamily="49" charset="0"/>
+                <a:ea typeface="Times New Roman" panose="02020603050405020304" pitchFamily="18" charset="0"/>
+              </a:rPr>
+              <a:t>(t </a:t>
+            </a:r>
+            <a:r>
+              <a:rPr lang="hu-HU" dirty="0">
+                <a:solidFill>
+                  <a:srgbClr val="008000"/>
+                </a:solidFill>
+                <a:effectLst/>
+                <a:latin typeface="Consolas" panose="020B0609020204030204" pitchFamily="49" charset="0"/>
+                <a:ea typeface="Times New Roman" panose="02020603050405020304" pitchFamily="18" charset="0"/>
+              </a:rPr>
+              <a:t>in</a:t>
+            </a:r>
+            <a:r>
+              <a:rPr lang="hu-HU" dirty="0">
+                <a:effectLst/>
+                <a:latin typeface="Consolas" panose="020B0609020204030204" pitchFamily="49" charset="0"/>
+                <a:ea typeface="Times New Roman" panose="02020603050405020304" pitchFamily="18" charset="0"/>
+              </a:rPr>
+              <a:t> Tulaj)(tulaj[t]=4 -&gt; </a:t>
+            </a:r>
+            <a:r>
+              <a:rPr lang="hu-HU" dirty="0">
+                <a:solidFill>
+                  <a:srgbClr val="0000FF"/>
+                </a:solidFill>
+                <a:effectLst/>
+                <a:latin typeface="Consolas" panose="020B0609020204030204" pitchFamily="49" charset="0"/>
+                <a:ea typeface="Times New Roman" panose="02020603050405020304" pitchFamily="18" charset="0"/>
+              </a:rPr>
+              <a:t>sum</a:t>
+            </a:r>
+            <a:r>
+              <a:rPr lang="hu-HU" dirty="0">
+                <a:effectLst/>
+                <a:latin typeface="Consolas" panose="020B0609020204030204" pitchFamily="49" charset="0"/>
+                <a:ea typeface="Times New Roman" panose="02020603050405020304" pitchFamily="18" charset="0"/>
+              </a:rPr>
+              <a:t>(z </a:t>
+            </a:r>
+            <a:r>
+              <a:rPr lang="hu-HU" dirty="0">
+                <a:solidFill>
+                  <a:srgbClr val="008000"/>
+                </a:solidFill>
+                <a:effectLst/>
+                <a:latin typeface="Consolas" panose="020B0609020204030204" pitchFamily="49" charset="0"/>
+                <a:ea typeface="Times New Roman" panose="02020603050405020304" pitchFamily="18" charset="0"/>
+              </a:rPr>
+              <a:t>in</a:t>
+            </a:r>
+            <a:r>
+              <a:rPr lang="hu-HU" dirty="0">
+                <a:effectLst/>
+                <a:latin typeface="Consolas" panose="020B0609020204030204" pitchFamily="49" charset="0"/>
+                <a:ea typeface="Times New Roman" panose="02020603050405020304" pitchFamily="18" charset="0"/>
+              </a:rPr>
+              <a:t> </a:t>
+            </a:r>
+            <a:r>
+              <a:rPr lang="hu-HU" dirty="0" err="1">
+                <a:effectLst/>
+                <a:latin typeface="Consolas" panose="020B0609020204030204" pitchFamily="49" charset="0"/>
+                <a:ea typeface="Times New Roman" panose="02020603050405020304" pitchFamily="18" charset="0"/>
+              </a:rPr>
+              <a:t>Zoldsegek</a:t>
+            </a:r>
+            <a:r>
+              <a:rPr lang="hu-HU" dirty="0">
+                <a:effectLst/>
+                <a:latin typeface="Consolas" panose="020B0609020204030204" pitchFamily="49" charset="0"/>
+                <a:ea typeface="Times New Roman" panose="02020603050405020304" pitchFamily="18" charset="0"/>
+              </a:rPr>
+              <a:t>)(termeszt[</a:t>
+            </a:r>
+            <a:r>
+              <a:rPr lang="hu-HU" dirty="0" err="1">
+                <a:effectLst/>
+                <a:latin typeface="Consolas" panose="020B0609020204030204" pitchFamily="49" charset="0"/>
+                <a:ea typeface="Times New Roman" panose="02020603050405020304" pitchFamily="18" charset="0"/>
+              </a:rPr>
+              <a:t>z,t</a:t>
+            </a:r>
+            <a:r>
+              <a:rPr lang="hu-HU" dirty="0">
+                <a:effectLst/>
+                <a:latin typeface="Consolas" panose="020B0609020204030204" pitchFamily="49" charset="0"/>
+                <a:ea typeface="Times New Roman" panose="02020603050405020304" pitchFamily="18" charset="0"/>
+              </a:rPr>
+              <a:t>])=3);</a:t>
+            </a:r>
+            <a:endParaRPr lang="hu-HU" dirty="0">
+              <a:effectLst/>
+              <a:latin typeface="Times New Roman" panose="02020603050405020304" pitchFamily="18" charset="0"/>
+              <a:ea typeface="Times New Roman" panose="02020603050405020304" pitchFamily="18" charset="0"/>
+            </a:endParaRPr>
+          </a:p>
+        </p:txBody>
+      </p:sp>
+      <p:sp>
+        <p:nvSpPr>
+          <p:cNvPr id="13" name="Szövegdoboz 12">
+            <a:extLst>
+              <a:ext uri="{FF2B5EF4-FFF2-40B4-BE49-F238E27FC236}">
+                <a16:creationId xmlns:a16="http://schemas.microsoft.com/office/drawing/2014/main" id="{0577F7CD-9049-455E-B1B2-6AEAADE49D6A}"/>
+              </a:ext>
+            </a:extLst>
+          </p:cNvPr>
+          <p:cNvSpPr txBox="1"/>
+          <p:nvPr/>
+        </p:nvSpPr>
+        <p:spPr>
+          <a:xfrm>
+            <a:off x="187807" y="4293583"/>
+            <a:ext cx="4690946" cy="461665"/>
+          </a:xfrm>
+          <a:prstGeom prst="rect">
+            <a:avLst/>
+          </a:prstGeom>
+          <a:noFill/>
+        </p:spPr>
+        <p:txBody>
+          <a:bodyPr wrap="square" rtlCol="0">
+            <a:spAutoFit/>
+          </a:bodyPr>
+          <a:lstStyle/>
+          <a:p>
+            <a:pPr marL="342900" indent="-342900">
+              <a:buFont typeface="Arial" panose="020B0604020202020204" pitchFamily="34" charset="0"/>
+              <a:buChar char="•"/>
+            </a:pPr>
+            <a:r>
+              <a:rPr lang="hu-HU" sz="2400" dirty="0"/>
+              <a:t>Logikai operátorok használata</a:t>
+            </a:r>
+          </a:p>
+        </p:txBody>
+      </p:sp>
+      <p:sp>
+        <p:nvSpPr>
+          <p:cNvPr id="14" name="Szövegdoboz 13">
+            <a:extLst>
+              <a:ext uri="{FF2B5EF4-FFF2-40B4-BE49-F238E27FC236}">
+                <a16:creationId xmlns:a16="http://schemas.microsoft.com/office/drawing/2014/main" id="{9FA03E7D-BC57-4837-88E1-401F7D3D114C}"/>
+              </a:ext>
+            </a:extLst>
+          </p:cNvPr>
+          <p:cNvSpPr txBox="1"/>
+          <p:nvPr/>
+        </p:nvSpPr>
+        <p:spPr>
+          <a:xfrm>
+            <a:off x="187807" y="1009431"/>
+            <a:ext cx="4690946" cy="1200329"/>
+          </a:xfrm>
+          <a:prstGeom prst="rect">
+            <a:avLst/>
+          </a:prstGeom>
+          <a:noFill/>
+        </p:spPr>
+        <p:txBody>
+          <a:bodyPr wrap="square" rtlCol="0">
+            <a:spAutoFit/>
+          </a:bodyPr>
+          <a:lstStyle/>
+          <a:p>
+            <a:r>
+              <a:rPr lang="hu-HU" sz="2400" dirty="0"/>
+              <a:t>Több módszer is alkalmazva lett:</a:t>
+            </a:r>
+          </a:p>
+          <a:p>
+            <a:endParaRPr lang="hu-HU" sz="2400" dirty="0"/>
+          </a:p>
+          <a:p>
+            <a:pPr marL="342900" indent="-342900">
+              <a:buFont typeface="Arial" panose="020B0604020202020204" pitchFamily="34" charset="0"/>
+              <a:buChar char="•"/>
+            </a:pPr>
+            <a:r>
+              <a:rPr lang="hu-HU" sz="2400" dirty="0"/>
+              <a:t>Bináris</a:t>
+            </a:r>
+            <a:r>
+              <a:rPr lang="hu-HU" dirty="0"/>
+              <a:t> </a:t>
+            </a:r>
+            <a:r>
+              <a:rPr lang="hu-HU" sz="2400" dirty="0"/>
+              <a:t>mátrix</a:t>
+            </a:r>
+          </a:p>
+        </p:txBody>
+      </p:sp>
     </p:spTree>
     <p:extLst>
       <p:ext uri="{BB962C8B-B14F-4D97-AF65-F5344CB8AC3E}">
-        <p14:creationId xmlns:p14="http://schemas.microsoft.com/office/powerpoint/2010/main" val="3906411311"/>
+        <p14:creationId xmlns:p14="http://schemas.microsoft.com/office/powerpoint/2010/main" val="2259454649"/>
       </p:ext>
     </p:extLst>
   </p:cSld>

--- a/CP_Dolgozat/Előadás/Logikai feladványok megoldása korlátprogramozással.pptx
+++ b/CP_Dolgozat/Előadás/Logikai feladványok megoldása korlátprogramozással.pptx
@@ -1,8 +1,8 @@
 
 <file path=ppt/presentation.xml><?xml version="1.0" encoding="utf-8"?>
-<p:presentation xmlns:a="http://schemas.openxmlformats.org/drawingml/2006/main" xmlns:r="http://schemas.openxmlformats.org/officeDocument/2006/relationships" xmlns:p="http://schemas.openxmlformats.org/presentationml/2006/main" showSpecialPlsOnTitleSld="0" saveSubsetFonts="1">
+<p:presentation xmlns:a="http://schemas.openxmlformats.org/drawingml/2006/main" xmlns:r="http://schemas.openxmlformats.org/officeDocument/2006/relationships" xmlns:p="http://schemas.openxmlformats.org/presentationml/2006/main" saveSubsetFonts="1">
   <p:sldMasterIdLst>
-    <p:sldMasterId id="2147483660" r:id="rId1"/>
+    <p:sldMasterId id="2147483855" r:id="rId1"/>
   </p:sldMasterIdLst>
   <p:notesMasterIdLst>
     <p:notesMasterId r:id="rId18"/>
@@ -15,12 +15,12 @@
     <p:sldId id="267" r:id="rId6"/>
     <p:sldId id="260" r:id="rId7"/>
     <p:sldId id="270" r:id="rId8"/>
-    <p:sldId id="259" r:id="rId9"/>
-    <p:sldId id="271" r:id="rId10"/>
-    <p:sldId id="268" r:id="rId11"/>
-    <p:sldId id="261" r:id="rId12"/>
-    <p:sldId id="269" r:id="rId13"/>
-    <p:sldId id="272" r:id="rId14"/>
+    <p:sldId id="269" r:id="rId9"/>
+    <p:sldId id="272" r:id="rId10"/>
+    <p:sldId id="259" r:id="rId11"/>
+    <p:sldId id="271" r:id="rId12"/>
+    <p:sldId id="268" r:id="rId13"/>
+    <p:sldId id="261" r:id="rId14"/>
     <p:sldId id="262" r:id="rId15"/>
     <p:sldId id="264" r:id="rId16"/>
     <p:sldId id="265" r:id="rId17"/>
@@ -212,7 +212,7 @@
           <a:p>
             <a:fld id="{D216282D-D81D-4BF8-9895-AC698DE2A975}" type="datetimeFigureOut">
               <a:rPr lang="hu-HU" smtClean="0"/>
-              <a:t>2018. 04. 12.</a:t>
+              <a:t>2018. 04. 15.</a:t>
             </a:fld>
             <a:endParaRPr lang="hu-HU"/>
           </a:p>
@@ -480,7 +480,7 @@
 </file>
 
 <file path=ppt/slideLayouts/slideLayout1.xml><?xml version="1.0" encoding="utf-8"?>
-<p:sldLayout xmlns:a="http://schemas.openxmlformats.org/drawingml/2006/main" xmlns:r="http://schemas.openxmlformats.org/officeDocument/2006/relationships" xmlns:p="http://schemas.openxmlformats.org/presentationml/2006/main" type="title" preserve="1">
+<p:sldLayout xmlns:a="http://schemas.openxmlformats.org/drawingml/2006/main" xmlns:r="http://schemas.openxmlformats.org/officeDocument/2006/relationships" xmlns:p="http://schemas.openxmlformats.org/presentationml/2006/main" showMasterSp="0" type="title" preserve="1">
   <p:cSld name="Címdia">
     <p:spTree>
       <p:nvGrpSpPr>
@@ -496,6 +496,73 @@
           <a:chExt cx="0" cy="0"/>
         </a:xfrm>
       </p:grpSpPr>
+      <p:pic>
+        <p:nvPicPr>
+          <p:cNvPr id="13" name="Kép 12"/>
+          <p:cNvPicPr>
+            <a:picLocks noChangeAspect="1"/>
+          </p:cNvPicPr>
+          <p:nvPr userDrawn="1"/>
+        </p:nvPicPr>
+        <p:blipFill rotWithShape="1">
+          <a:blip r:embed="rId2" cstate="print">
+            <a:extLst>
+              <a:ext uri="{28A0092B-C50C-407E-A947-70E740481C1C}">
+                <a14:useLocalDpi xmlns:a14="http://schemas.microsoft.com/office/drawing/2010/main" val="0"/>
+              </a:ext>
+            </a:extLst>
+          </a:blip>
+          <a:srcRect l="17003" t="10513" r="17212" b="9606"/>
+          <a:stretch/>
+        </p:blipFill>
+        <p:spPr>
+          <a:xfrm>
+            <a:off x="-3" y="5706531"/>
+            <a:ext cx="655191" cy="795589"/>
+          </a:xfrm>
+          <a:prstGeom prst="rect">
+            <a:avLst/>
+          </a:prstGeom>
+        </p:spPr>
+      </p:pic>
+      <p:sp>
+        <p:nvSpPr>
+          <p:cNvPr id="14" name="Rectangle 8"/>
+          <p:cNvSpPr/>
+          <p:nvPr userDrawn="1"/>
+        </p:nvSpPr>
+        <p:spPr>
+          <a:xfrm>
+            <a:off x="-2" y="6459786"/>
+            <a:ext cx="9144001" cy="418519"/>
+          </a:xfrm>
+          <a:prstGeom prst="rect">
+            <a:avLst/>
+          </a:prstGeom>
+          <a:solidFill>
+            <a:srgbClr val="0066A4"/>
+          </a:solidFill>
+          <a:ln>
+            <a:noFill/>
+          </a:ln>
+        </p:spPr>
+        <p:style>
+          <a:lnRef idx="2">
+            <a:schemeClr val="accent1">
+              <a:shade val="50000"/>
+            </a:schemeClr>
+          </a:lnRef>
+          <a:fillRef idx="1">
+            <a:schemeClr val="accent1"/>
+          </a:fillRef>
+          <a:effectRef idx="0">
+            <a:schemeClr val="accent1"/>
+          </a:effectRef>
+          <a:fontRef idx="minor">
+            <a:schemeClr val="lt1"/>
+          </a:fontRef>
+        </p:style>
+      </p:sp>
       <p:sp>
         <p:nvSpPr>
           <p:cNvPr id="2" name="Title 1"/>
@@ -508,20 +575,32 @@
         </p:nvSpPr>
         <p:spPr>
           <a:xfrm>
-            <a:off x="685800" y="1122363"/>
-            <a:ext cx="7772400" cy="2387600"/>
+            <a:off x="822960" y="758952"/>
+            <a:ext cx="7543800" cy="3566160"/>
           </a:xfrm>
         </p:spPr>
         <p:txBody>
-          <a:bodyPr anchor="b"/>
+          <a:bodyPr anchor="b">
+            <a:normAutofit/>
+          </a:bodyPr>
           <a:lstStyle>
-            <a:lvl1pPr algn="ctr">
-              <a:defRPr sz="6000"/>
+            <a:lvl1pPr algn="l">
+              <a:lnSpc>
+                <a:spcPct val="85000"/>
+              </a:lnSpc>
+              <a:defRPr sz="8000" spc="-50" baseline="0">
+                <a:solidFill>
+                  <a:schemeClr val="tx1">
+                    <a:lumMod val="85000"/>
+                    <a:lumOff val="15000"/>
+                  </a:schemeClr>
+                </a:solidFill>
+              </a:defRPr>
             </a:lvl1pPr>
           </a:lstStyle>
           <a:p>
             <a:r>
-              <a:rPr lang="hu-HU"/>
+              <a:rPr lang="hu-HU" dirty="0" smtClean="0"/>
               <a:t>Mintacím szerkesztése</a:t>
             </a:r>
             <a:endParaRPr lang="en-US" dirty="0"/>
@@ -540,54 +619,61 @@
         </p:nvSpPr>
         <p:spPr>
           <a:xfrm>
-            <a:off x="1143000" y="3602038"/>
-            <a:ext cx="6858000" cy="1655762"/>
+            <a:off x="825038" y="4455621"/>
+            <a:ext cx="7543800" cy="1143000"/>
           </a:xfrm>
         </p:spPr>
         <p:txBody>
-          <a:bodyPr/>
+          <a:bodyPr lIns="91440" rIns="91440">
+            <a:normAutofit/>
+          </a:bodyPr>
           <a:lstStyle>
-            <a:lvl1pPr marL="0" indent="0" algn="ctr">
+            <a:lvl1pPr marL="0" indent="0" algn="l">
               <a:buNone/>
-              <a:defRPr sz="2400"/>
+              <a:defRPr sz="2400" cap="all" spc="200" baseline="0">
+                <a:solidFill>
+                  <a:schemeClr val="tx1"/>
+                </a:solidFill>
+                <a:latin typeface="+mj-lt"/>
+              </a:defRPr>
             </a:lvl1pPr>
             <a:lvl2pPr marL="457200" indent="0" algn="ctr">
               <a:buNone/>
-              <a:defRPr sz="2000"/>
+              <a:defRPr sz="2400"/>
             </a:lvl2pPr>
             <a:lvl3pPr marL="914400" indent="0" algn="ctr">
               <a:buNone/>
-              <a:defRPr sz="1800"/>
+              <a:defRPr sz="2400"/>
             </a:lvl3pPr>
             <a:lvl4pPr marL="1371600" indent="0" algn="ctr">
               <a:buNone/>
-              <a:defRPr sz="1600"/>
+              <a:defRPr sz="2000"/>
             </a:lvl4pPr>
             <a:lvl5pPr marL="1828800" indent="0" algn="ctr">
               <a:buNone/>
-              <a:defRPr sz="1600"/>
+              <a:defRPr sz="2000"/>
             </a:lvl5pPr>
             <a:lvl6pPr marL="2286000" indent="0" algn="ctr">
               <a:buNone/>
-              <a:defRPr sz="1600"/>
+              <a:defRPr sz="2000"/>
             </a:lvl6pPr>
             <a:lvl7pPr marL="2743200" indent="0" algn="ctr">
               <a:buNone/>
-              <a:defRPr sz="1600"/>
+              <a:defRPr sz="2000"/>
             </a:lvl7pPr>
             <a:lvl8pPr marL="3200400" indent="0" algn="ctr">
               <a:buNone/>
-              <a:defRPr sz="1600"/>
+              <a:defRPr sz="2000"/>
             </a:lvl8pPr>
             <a:lvl9pPr marL="3657600" indent="0" algn="ctr">
               <a:buNone/>
-              <a:defRPr sz="1600"/>
+              <a:defRPr sz="2000"/>
             </a:lvl9pPr>
           </a:lstStyle>
           <a:p>
             <a:r>
-              <a:rPr lang="hu-HU"/>
-              <a:t>Kattintson ide az alcím mintájának szerkesztéséhez</a:t>
+              <a:rPr lang="hu-HU" dirty="0" smtClean="0"/>
+              <a:t>Alcím mintájának szerkesztése</a:t>
             </a:r>
             <a:endParaRPr lang="en-US" dirty="0"/>
           </a:p>
@@ -610,7 +696,7 @@
           <a:p>
             <a:fld id="{E312C87B-02A7-472E-A63B-E2AA6EA769CA}" type="datetime1">
               <a:rPr lang="hu-HU" smtClean="0"/>
-              <a:t>2018. 04. 12.</a:t>
+              <a:t>2018. 04. 15.</a:t>
             </a:fld>
             <a:endParaRPr lang="hu-HU"/>
           </a:p>
@@ -658,16 +744,128 @@
           </a:p>
         </p:txBody>
       </p:sp>
+      <p:sp>
+        <p:nvSpPr>
+          <p:cNvPr id="10" name="Rectangle 6"/>
+          <p:cNvSpPr/>
+          <p:nvPr userDrawn="1"/>
+        </p:nvSpPr>
+        <p:spPr>
+          <a:xfrm>
+            <a:off x="-1" y="-8668"/>
+            <a:ext cx="9144001" cy="908015"/>
+          </a:xfrm>
+          <a:prstGeom prst="rect">
+            <a:avLst/>
+          </a:prstGeom>
+          <a:solidFill>
+            <a:srgbClr val="0066A4"/>
+          </a:solidFill>
+          <a:ln>
+            <a:noFill/>
+          </a:ln>
+        </p:spPr>
+        <p:style>
+          <a:lnRef idx="2">
+            <a:schemeClr val="accent1">
+              <a:shade val="50000"/>
+            </a:schemeClr>
+          </a:lnRef>
+          <a:fillRef idx="1">
+            <a:schemeClr val="accent1"/>
+          </a:fillRef>
+          <a:effectRef idx="0">
+            <a:schemeClr val="accent1"/>
+          </a:effectRef>
+          <a:fontRef idx="minor">
+            <a:schemeClr val="lt1"/>
+          </a:fontRef>
+        </p:style>
+      </p:sp>
+      <p:sp>
+        <p:nvSpPr>
+          <p:cNvPr id="11" name="Rectangle 8"/>
+          <p:cNvSpPr/>
+          <p:nvPr userDrawn="1"/>
+        </p:nvSpPr>
+        <p:spPr>
+          <a:xfrm>
+            <a:off x="-3" y="901306"/>
+            <a:ext cx="9144001" cy="278866"/>
+          </a:xfrm>
+          <a:prstGeom prst="rect">
+            <a:avLst/>
+          </a:prstGeom>
+          <a:solidFill>
+            <a:srgbClr val="FDBA31"/>
+          </a:solidFill>
+          <a:ln>
+            <a:noFill/>
+          </a:ln>
+        </p:spPr>
+        <p:style>
+          <a:lnRef idx="2">
+            <a:schemeClr val="accent1">
+              <a:shade val="50000"/>
+            </a:schemeClr>
+          </a:lnRef>
+          <a:fillRef idx="1">
+            <a:schemeClr val="accent1"/>
+          </a:fillRef>
+          <a:effectRef idx="0">
+            <a:schemeClr val="accent1"/>
+          </a:effectRef>
+          <a:fontRef idx="minor">
+            <a:schemeClr val="lt1"/>
+          </a:fontRef>
+        </p:style>
+      </p:sp>
+      <p:pic>
+        <p:nvPicPr>
+          <p:cNvPr id="12" name="Kép 11"/>
+          <p:cNvPicPr>
+            <a:picLocks noChangeAspect="1"/>
+          </p:cNvPicPr>
+          <p:nvPr userDrawn="1"/>
+        </p:nvPicPr>
+        <p:blipFill rotWithShape="1">
+          <a:blip r:embed="rId3" cstate="print">
+            <a:extLst>
+              <a:ext uri="{28A0092B-C50C-407E-A947-70E740481C1C}">
+                <a14:useLocalDpi xmlns:a14="http://schemas.microsoft.com/office/drawing/2010/main" val="0"/>
+              </a:ext>
+            </a:extLst>
+          </a:blip>
+          <a:srcRect l="29941" r="30092"/>
+          <a:stretch/>
+        </p:blipFill>
+        <p:spPr>
+          <a:xfrm>
+            <a:off x="8458200" y="1332"/>
+            <a:ext cx="685800" cy="898016"/>
+          </a:xfrm>
+          <a:prstGeom prst="rect">
+            <a:avLst/>
+          </a:prstGeom>
+        </p:spPr>
+      </p:pic>
     </p:spTree>
     <p:extLst>
       <p:ext uri="{BB962C8B-B14F-4D97-AF65-F5344CB8AC3E}">
-        <p14:creationId xmlns:p14="http://schemas.microsoft.com/office/powerpoint/2010/main" val="1860907953"/>
+        <p14:creationId xmlns:p14="http://schemas.microsoft.com/office/powerpoint/2010/main" val="1519185534"/>
       </p:ext>
     </p:extLst>
   </p:cSld>
   <p:clrMapOvr>
     <a:masterClrMapping/>
   </p:clrMapOvr>
+  <p:timing>
+    <p:tnLst>
+      <p:par>
+        <p:cTn id="1" dur="indefinite" restart="never" nodeType="tmRoot"/>
+      </p:par>
+    </p:tnLst>
+  </p:timing>
 </p:sldLayout>
 </file>
 
@@ -704,7 +902,7 @@
           <a:lstStyle/>
           <a:p>
             <a:r>
-              <a:rPr lang="hu-HU"/>
+              <a:rPr lang="hu-HU" smtClean="0"/>
               <a:t>Mintacím szerkesztése</a:t>
             </a:r>
             <a:endParaRPr lang="en-US" dirty="0"/>
@@ -723,40 +921,40 @@
         </p:nvSpPr>
         <p:spPr/>
         <p:txBody>
-          <a:bodyPr vert="eaVert"/>
+          <a:bodyPr vert="eaVert" lIns="45720" tIns="0" rIns="45720" bIns="0"/>
           <a:lstStyle/>
           <a:p>
             <a:pPr lvl="0"/>
             <a:r>
-              <a:rPr lang="hu-HU"/>
+              <a:rPr lang="hu-HU" smtClean="0"/>
               <a:t>Mintaszöveg szerkesztése</a:t>
             </a:r>
           </a:p>
           <a:p>
             <a:pPr lvl="1"/>
             <a:r>
-              <a:rPr lang="hu-HU"/>
+              <a:rPr lang="hu-HU" smtClean="0"/>
               <a:t>Második szint</a:t>
             </a:r>
           </a:p>
           <a:p>
             <a:pPr lvl="2"/>
             <a:r>
-              <a:rPr lang="hu-HU"/>
+              <a:rPr lang="hu-HU" smtClean="0"/>
               <a:t>Harmadik szint</a:t>
             </a:r>
           </a:p>
           <a:p>
             <a:pPr lvl="3"/>
             <a:r>
-              <a:rPr lang="hu-HU"/>
+              <a:rPr lang="hu-HU" smtClean="0"/>
               <a:t>Negyedik szint</a:t>
             </a:r>
           </a:p>
           <a:p>
             <a:pPr lvl="4"/>
             <a:r>
-              <a:rPr lang="hu-HU"/>
+              <a:rPr lang="hu-HU" smtClean="0"/>
               <a:t>Ötödik szint</a:t>
             </a:r>
             <a:endParaRPr lang="en-US" dirty="0"/>
@@ -780,7 +978,7 @@
           <a:p>
             <a:fld id="{3B5D9C6B-342B-4BF9-8B1A-D54914C7E78B}" type="datetime1">
               <a:rPr lang="hu-HU" smtClean="0"/>
-              <a:t>2018. 04. 12.</a:t>
+              <a:t>2018. 04. 15.</a:t>
             </a:fld>
             <a:endParaRPr lang="hu-HU"/>
           </a:p>
@@ -831,7 +1029,7 @@
     </p:spTree>
     <p:extLst>
       <p:ext uri="{BB962C8B-B14F-4D97-AF65-F5344CB8AC3E}">
-        <p14:creationId xmlns:p14="http://schemas.microsoft.com/office/powerpoint/2010/main" val="4142628680"/>
+        <p14:creationId xmlns:p14="http://schemas.microsoft.com/office/powerpoint/2010/main" val="3389022392"/>
       </p:ext>
     </p:extLst>
   </p:cSld>
@@ -842,7 +1040,7 @@
 </file>
 
 <file path=ppt/slideLayouts/slideLayout11.xml><?xml version="1.0" encoding="utf-8"?>
-<p:sldLayout xmlns:a="http://schemas.openxmlformats.org/drawingml/2006/main" xmlns:r="http://schemas.openxmlformats.org/officeDocument/2006/relationships" xmlns:p="http://schemas.openxmlformats.org/presentationml/2006/main" type="vertTitleAndTx" preserve="1">
+<p:sldLayout xmlns:a="http://schemas.openxmlformats.org/drawingml/2006/main" xmlns:r="http://schemas.openxmlformats.org/officeDocument/2006/relationships" xmlns:p="http://schemas.openxmlformats.org/presentationml/2006/main" showMasterSp="0" type="vertTitleAndTx" preserve="1">
   <p:cSld name="Függőleges cím és szöveg">
     <p:spTree>
       <p:nvGrpSpPr>
@@ -860,6 +1058,82 @@
       </p:grpSpPr>
       <p:sp>
         <p:nvSpPr>
+          <p:cNvPr id="7" name="Rectangle 6"/>
+          <p:cNvSpPr/>
+          <p:nvPr/>
+        </p:nvSpPr>
+        <p:spPr>
+          <a:xfrm>
+            <a:off x="2382" y="6400800"/>
+            <a:ext cx="9141619" cy="457200"/>
+          </a:xfrm>
+          <a:prstGeom prst="rect">
+            <a:avLst/>
+          </a:prstGeom>
+          <a:solidFill>
+            <a:schemeClr val="accent2"/>
+          </a:solidFill>
+          <a:ln>
+            <a:noFill/>
+          </a:ln>
+        </p:spPr>
+        <p:style>
+          <a:lnRef idx="2">
+            <a:schemeClr val="accent1">
+              <a:shade val="50000"/>
+            </a:schemeClr>
+          </a:lnRef>
+          <a:fillRef idx="1">
+            <a:schemeClr val="accent1"/>
+          </a:fillRef>
+          <a:effectRef idx="0">
+            <a:schemeClr val="accent1"/>
+          </a:effectRef>
+          <a:fontRef idx="minor">
+            <a:schemeClr val="lt1"/>
+          </a:fontRef>
+        </p:style>
+      </p:sp>
+      <p:sp>
+        <p:nvSpPr>
+          <p:cNvPr id="8" name="Rectangle 7"/>
+          <p:cNvSpPr/>
+          <p:nvPr/>
+        </p:nvSpPr>
+        <p:spPr>
+          <a:xfrm>
+            <a:off x="12" y="6334316"/>
+            <a:ext cx="9141619" cy="64008"/>
+          </a:xfrm>
+          <a:prstGeom prst="rect">
+            <a:avLst/>
+          </a:prstGeom>
+          <a:solidFill>
+            <a:schemeClr val="accent1"/>
+          </a:solidFill>
+          <a:ln>
+            <a:noFill/>
+          </a:ln>
+        </p:spPr>
+        <p:style>
+          <a:lnRef idx="2">
+            <a:schemeClr val="accent1">
+              <a:shade val="50000"/>
+            </a:schemeClr>
+          </a:lnRef>
+          <a:fillRef idx="1">
+            <a:schemeClr val="accent1"/>
+          </a:fillRef>
+          <a:effectRef idx="0">
+            <a:schemeClr val="accent1"/>
+          </a:effectRef>
+          <a:fontRef idx="minor">
+            <a:schemeClr val="lt1"/>
+          </a:fontRef>
+        </p:style>
+      </p:sp>
+      <p:sp>
+        <p:nvSpPr>
           <p:cNvPr id="2" name="Vertical Title 1"/>
           <p:cNvSpPr>
             <a:spLocks noGrp="1"/>
@@ -870,8 +1144,8 @@
         </p:nvSpPr>
         <p:spPr>
           <a:xfrm>
-            <a:off x="6543675" y="365125"/>
-            <a:ext cx="1971675" cy="5811838"/>
+            <a:off x="6543675" y="414779"/>
+            <a:ext cx="1971675" cy="5757421"/>
           </a:xfrm>
         </p:spPr>
         <p:txBody>
@@ -879,7 +1153,7 @@
           <a:lstStyle/>
           <a:p>
             <a:r>
-              <a:rPr lang="hu-HU"/>
+              <a:rPr lang="hu-HU" smtClean="0"/>
               <a:t>Mintacím szerkesztése</a:t>
             </a:r>
             <a:endParaRPr lang="en-US" dirty="0"/>
@@ -898,45 +1172,45 @@
         </p:nvSpPr>
         <p:spPr>
           <a:xfrm>
-            <a:off x="628650" y="365125"/>
-            <a:ext cx="5800725" cy="5811838"/>
+            <a:off x="628650" y="414779"/>
+            <a:ext cx="5800725" cy="5757420"/>
           </a:xfrm>
         </p:spPr>
         <p:txBody>
-          <a:bodyPr vert="eaVert"/>
+          <a:bodyPr vert="eaVert" lIns="45720" tIns="0" rIns="45720" bIns="0"/>
           <a:lstStyle/>
           <a:p>
             <a:pPr lvl="0"/>
             <a:r>
-              <a:rPr lang="hu-HU"/>
+              <a:rPr lang="hu-HU" smtClean="0"/>
               <a:t>Mintaszöveg szerkesztése</a:t>
             </a:r>
           </a:p>
           <a:p>
             <a:pPr lvl="1"/>
             <a:r>
-              <a:rPr lang="hu-HU"/>
+              <a:rPr lang="hu-HU" smtClean="0"/>
               <a:t>Második szint</a:t>
             </a:r>
           </a:p>
           <a:p>
             <a:pPr lvl="2"/>
             <a:r>
-              <a:rPr lang="hu-HU"/>
+              <a:rPr lang="hu-HU" smtClean="0"/>
               <a:t>Harmadik szint</a:t>
             </a:r>
           </a:p>
           <a:p>
             <a:pPr lvl="3"/>
             <a:r>
-              <a:rPr lang="hu-HU"/>
+              <a:rPr lang="hu-HU" smtClean="0"/>
               <a:t>Negyedik szint</a:t>
             </a:r>
           </a:p>
           <a:p>
             <a:pPr lvl="4"/>
             <a:r>
-              <a:rPr lang="hu-HU"/>
+              <a:rPr lang="hu-HU" smtClean="0"/>
               <a:t>Ötödik szint</a:t>
             </a:r>
             <a:endParaRPr lang="en-US" dirty="0"/>
@@ -960,7 +1234,7 @@
           <a:p>
             <a:fld id="{46B01E20-0B80-441C-A219-14B0C111F8A4}" type="datetime1">
               <a:rPr lang="hu-HU" smtClean="0"/>
-              <a:t>2018. 04. 12.</a:t>
+              <a:t>2018. 04. 15.</a:t>
             </a:fld>
             <a:endParaRPr lang="hu-HU"/>
           </a:p>
@@ -1011,13 +1285,20 @@
     </p:spTree>
     <p:extLst>
       <p:ext uri="{BB962C8B-B14F-4D97-AF65-F5344CB8AC3E}">
-        <p14:creationId xmlns:p14="http://schemas.microsoft.com/office/powerpoint/2010/main" val="3528324621"/>
+        <p14:creationId xmlns:p14="http://schemas.microsoft.com/office/powerpoint/2010/main" val="4287456415"/>
       </p:ext>
     </p:extLst>
   </p:cSld>
   <p:clrMapOvr>
     <a:masterClrMapping/>
   </p:clrMapOvr>
+  <p:timing>
+    <p:tnLst>
+      <p:par>
+        <p:cTn id="1" dur="indefinite" restart="never" nodeType="tmRoot"/>
+      </p:par>
+    </p:tnLst>
+  </p:timing>
 </p:sldLayout>
 </file>
 
@@ -1054,7 +1335,7 @@
           <a:lstStyle/>
           <a:p>
             <a:r>
-              <a:rPr lang="hu-HU"/>
+              <a:rPr lang="hu-HU" smtClean="0"/>
               <a:t>Mintacím szerkesztése</a:t>
             </a:r>
             <a:endParaRPr lang="en-US" dirty="0"/>
@@ -1078,35 +1359,35 @@
           <a:p>
             <a:pPr lvl="0"/>
             <a:r>
-              <a:rPr lang="hu-HU"/>
+              <a:rPr lang="hu-HU" smtClean="0"/>
               <a:t>Mintaszöveg szerkesztése</a:t>
             </a:r>
           </a:p>
           <a:p>
             <a:pPr lvl="1"/>
             <a:r>
-              <a:rPr lang="hu-HU"/>
+              <a:rPr lang="hu-HU" smtClean="0"/>
               <a:t>Második szint</a:t>
             </a:r>
           </a:p>
           <a:p>
             <a:pPr lvl="2"/>
             <a:r>
-              <a:rPr lang="hu-HU"/>
+              <a:rPr lang="hu-HU" smtClean="0"/>
               <a:t>Harmadik szint</a:t>
             </a:r>
           </a:p>
           <a:p>
             <a:pPr lvl="3"/>
             <a:r>
-              <a:rPr lang="hu-HU"/>
+              <a:rPr lang="hu-HU" smtClean="0"/>
               <a:t>Negyedik szint</a:t>
             </a:r>
           </a:p>
           <a:p>
             <a:pPr lvl="4"/>
             <a:r>
-              <a:rPr lang="hu-HU"/>
+              <a:rPr lang="hu-HU" smtClean="0"/>
               <a:t>Ötödik szint</a:t>
             </a:r>
             <a:endParaRPr lang="en-US" dirty="0"/>
@@ -1130,7 +1411,7 @@
           <a:p>
             <a:fld id="{F11C61C5-A889-458F-89AF-EEE72626CAE9}" type="datetime1">
               <a:rPr lang="hu-HU" smtClean="0"/>
-              <a:t>2018. 04. 12.</a:t>
+              <a:t>2018. 04. 15.</a:t>
             </a:fld>
             <a:endParaRPr lang="hu-HU"/>
           </a:p>
@@ -1181,19 +1462,34 @@
     </p:spTree>
     <p:extLst>
       <p:ext uri="{BB962C8B-B14F-4D97-AF65-F5344CB8AC3E}">
-        <p14:creationId xmlns:p14="http://schemas.microsoft.com/office/powerpoint/2010/main" val="292943792"/>
+        <p14:creationId xmlns:p14="http://schemas.microsoft.com/office/powerpoint/2010/main" val="4074145186"/>
       </p:ext>
     </p:extLst>
   </p:cSld>
   <p:clrMapOvr>
     <a:masterClrMapping/>
   </p:clrMapOvr>
+  <p:timing>
+    <p:tnLst>
+      <p:par>
+        <p:cTn id="1" dur="indefinite" restart="never" nodeType="tmRoot"/>
+      </p:par>
+    </p:tnLst>
+  </p:timing>
 </p:sldLayout>
 </file>
 
 <file path=ppt/slideLayouts/slideLayout3.xml><?xml version="1.0" encoding="utf-8"?>
-<p:sldLayout xmlns:a="http://schemas.openxmlformats.org/drawingml/2006/main" xmlns:r="http://schemas.openxmlformats.org/officeDocument/2006/relationships" xmlns:p="http://schemas.openxmlformats.org/presentationml/2006/main" type="secHead" preserve="1">
+<p:sldLayout xmlns:a="http://schemas.openxmlformats.org/drawingml/2006/main" xmlns:r="http://schemas.openxmlformats.org/officeDocument/2006/relationships" xmlns:p="http://schemas.openxmlformats.org/presentationml/2006/main" showMasterSp="0" type="secHead" preserve="1">
   <p:cSld name="Szakaszfejléc">
+    <p:bg>
+      <p:bgPr>
+        <a:solidFill>
+          <a:schemeClr val="bg1"/>
+        </a:solidFill>
+        <a:effectLst/>
+      </p:bgPr>
+    </p:bg>
     <p:spTree>
       <p:nvGrpSpPr>
         <p:cNvPr id="1" name=""/>
@@ -1210,6 +1506,82 @@
       </p:grpSpPr>
       <p:sp>
         <p:nvSpPr>
+          <p:cNvPr id="7" name="Rectangle 6"/>
+          <p:cNvSpPr/>
+          <p:nvPr/>
+        </p:nvSpPr>
+        <p:spPr>
+          <a:xfrm>
+            <a:off x="2382" y="6400800"/>
+            <a:ext cx="9141619" cy="457200"/>
+          </a:xfrm>
+          <a:prstGeom prst="rect">
+            <a:avLst/>
+          </a:prstGeom>
+          <a:solidFill>
+            <a:schemeClr val="accent2"/>
+          </a:solidFill>
+          <a:ln>
+            <a:noFill/>
+          </a:ln>
+        </p:spPr>
+        <p:style>
+          <a:lnRef idx="2">
+            <a:schemeClr val="accent1">
+              <a:shade val="50000"/>
+            </a:schemeClr>
+          </a:lnRef>
+          <a:fillRef idx="1">
+            <a:schemeClr val="accent1"/>
+          </a:fillRef>
+          <a:effectRef idx="0">
+            <a:schemeClr val="accent1"/>
+          </a:effectRef>
+          <a:fontRef idx="minor">
+            <a:schemeClr val="lt1"/>
+          </a:fontRef>
+        </p:style>
+      </p:sp>
+      <p:sp>
+        <p:nvSpPr>
+          <p:cNvPr id="8" name="Rectangle 7"/>
+          <p:cNvSpPr/>
+          <p:nvPr/>
+        </p:nvSpPr>
+        <p:spPr>
+          <a:xfrm>
+            <a:off x="12" y="6334316"/>
+            <a:ext cx="9141619" cy="64008"/>
+          </a:xfrm>
+          <a:prstGeom prst="rect">
+            <a:avLst/>
+          </a:prstGeom>
+          <a:solidFill>
+            <a:schemeClr val="accent1"/>
+          </a:solidFill>
+          <a:ln>
+            <a:noFill/>
+          </a:ln>
+        </p:spPr>
+        <p:style>
+          <a:lnRef idx="2">
+            <a:schemeClr val="accent1">
+              <a:shade val="50000"/>
+            </a:schemeClr>
+          </a:lnRef>
+          <a:fillRef idx="1">
+            <a:schemeClr val="accent1"/>
+          </a:fillRef>
+          <a:effectRef idx="0">
+            <a:schemeClr val="accent1"/>
+          </a:effectRef>
+          <a:fontRef idx="minor">
+            <a:schemeClr val="lt1"/>
+          </a:fontRef>
+        </p:style>
+      </p:sp>
+      <p:sp>
+        <p:nvSpPr>
           <p:cNvPr id="2" name="Title 1"/>
           <p:cNvSpPr>
             <a:spLocks noGrp="1"/>
@@ -1220,20 +1592,32 @@
         </p:nvSpPr>
         <p:spPr>
           <a:xfrm>
-            <a:off x="623888" y="1709739"/>
-            <a:ext cx="7886700" cy="2852737"/>
+            <a:off x="822960" y="758952"/>
+            <a:ext cx="7543800" cy="3566160"/>
           </a:xfrm>
         </p:spPr>
         <p:txBody>
-          <a:bodyPr anchor="b"/>
+          <a:bodyPr anchor="b" anchorCtr="0">
+            <a:normAutofit/>
+          </a:bodyPr>
           <a:lstStyle>
             <a:lvl1pPr>
-              <a:defRPr sz="6000"/>
+              <a:lnSpc>
+                <a:spcPct val="85000"/>
+              </a:lnSpc>
+              <a:defRPr sz="8000" b="0">
+                <a:solidFill>
+                  <a:schemeClr val="tx1">
+                    <a:lumMod val="85000"/>
+                    <a:lumOff val="15000"/>
+                  </a:schemeClr>
+                </a:solidFill>
+              </a:defRPr>
             </a:lvl1pPr>
           </a:lstStyle>
           <a:p>
             <a:r>
-              <a:rPr lang="hu-HU"/>
+              <a:rPr lang="hu-HU" smtClean="0"/>
               <a:t>Mintacím szerkesztése</a:t>
             </a:r>
             <a:endParaRPr lang="en-US" dirty="0"/>
@@ -1252,24 +1636,27 @@
         </p:nvSpPr>
         <p:spPr>
           <a:xfrm>
-            <a:off x="623888" y="4589464"/>
-            <a:ext cx="7886700" cy="1500187"/>
+            <a:off x="822960" y="4453128"/>
+            <a:ext cx="7543800" cy="1143000"/>
           </a:xfrm>
         </p:spPr>
         <p:txBody>
-          <a:bodyPr/>
+          <a:bodyPr lIns="91440" rIns="91440" anchor="t" anchorCtr="0">
+            <a:normAutofit/>
+          </a:bodyPr>
           <a:lstStyle>
             <a:lvl1pPr marL="0" indent="0">
               <a:buNone/>
-              <a:defRPr sz="2400">
+              <a:defRPr sz="2400" cap="all" spc="200" baseline="0">
                 <a:solidFill>
-                  <a:schemeClr val="tx1"/>
+                  <a:schemeClr val="tx2"/>
                 </a:solidFill>
+                <a:latin typeface="+mj-lt"/>
               </a:defRPr>
             </a:lvl1pPr>
             <a:lvl2pPr marL="457200" indent="0">
               <a:buNone/>
-              <a:defRPr sz="2000">
+              <a:defRPr sz="1800">
                 <a:solidFill>
                   <a:schemeClr val="tx1">
                     <a:tint val="75000"/>
@@ -1279,7 +1666,7 @@
             </a:lvl2pPr>
             <a:lvl3pPr marL="914400" indent="0">
               <a:buNone/>
-              <a:defRPr sz="1800">
+              <a:defRPr sz="1600">
                 <a:solidFill>
                   <a:schemeClr val="tx1">
                     <a:tint val="75000"/>
@@ -1289,7 +1676,7 @@
             </a:lvl3pPr>
             <a:lvl4pPr marL="1371600" indent="0">
               <a:buNone/>
-              <a:defRPr sz="1600">
+              <a:defRPr sz="1400">
                 <a:solidFill>
                   <a:schemeClr val="tx1">
                     <a:tint val="75000"/>
@@ -1299,7 +1686,7 @@
             </a:lvl4pPr>
             <a:lvl5pPr marL="1828800" indent="0">
               <a:buNone/>
-              <a:defRPr sz="1600">
+              <a:defRPr sz="1400">
                 <a:solidFill>
                   <a:schemeClr val="tx1">
                     <a:tint val="75000"/>
@@ -1309,7 +1696,7 @@
             </a:lvl5pPr>
             <a:lvl6pPr marL="2286000" indent="0">
               <a:buNone/>
-              <a:defRPr sz="1600">
+              <a:defRPr sz="1400">
                 <a:solidFill>
                   <a:schemeClr val="tx1">
                     <a:tint val="75000"/>
@@ -1319,7 +1706,7 @@
             </a:lvl6pPr>
             <a:lvl7pPr marL="2743200" indent="0">
               <a:buNone/>
-              <a:defRPr sz="1600">
+              <a:defRPr sz="1400">
                 <a:solidFill>
                   <a:schemeClr val="tx1">
                     <a:tint val="75000"/>
@@ -1329,7 +1716,7 @@
             </a:lvl7pPr>
             <a:lvl8pPr marL="3200400" indent="0">
               <a:buNone/>
-              <a:defRPr sz="1600">
+              <a:defRPr sz="1400">
                 <a:solidFill>
                   <a:schemeClr val="tx1">
                     <a:tint val="75000"/>
@@ -1339,7 +1726,7 @@
             </a:lvl8pPr>
             <a:lvl9pPr marL="3657600" indent="0">
               <a:buNone/>
-              <a:defRPr sz="1600">
+              <a:defRPr sz="1400">
                 <a:solidFill>
                   <a:schemeClr val="tx1">
                     <a:tint val="75000"/>
@@ -1351,7 +1738,7 @@
           <a:p>
             <a:pPr lvl="0"/>
             <a:r>
-              <a:rPr lang="hu-HU"/>
+              <a:rPr lang="hu-HU" smtClean="0"/>
               <a:t>Mintaszöveg szerkesztése</a:t>
             </a:r>
           </a:p>
@@ -1374,7 +1761,7 @@
           <a:p>
             <a:fld id="{B7685D89-7BCE-478D-AB70-4D9B0230C013}" type="datetime1">
               <a:rPr lang="hu-HU" smtClean="0"/>
-              <a:t>2018. 04. 12.</a:t>
+              <a:t>2018. 04. 15.</a:t>
             </a:fld>
             <a:endParaRPr lang="hu-HU"/>
           </a:p>
@@ -1422,16 +1809,61 @@
           </a:p>
         </p:txBody>
       </p:sp>
+      <p:cxnSp>
+        <p:nvCxnSpPr>
+          <p:cNvPr id="9" name="Straight Connector 8"/>
+          <p:cNvCxnSpPr/>
+          <p:nvPr/>
+        </p:nvCxnSpPr>
+        <p:spPr>
+          <a:xfrm>
+            <a:off x="905744" y="4343400"/>
+            <a:ext cx="7406640" cy="0"/>
+          </a:xfrm>
+          <a:prstGeom prst="line">
+            <a:avLst/>
+          </a:prstGeom>
+          <a:ln w="6350">
+            <a:solidFill>
+              <a:schemeClr val="tx1">
+                <a:lumMod val="50000"/>
+                <a:lumOff val="50000"/>
+              </a:schemeClr>
+            </a:solidFill>
+          </a:ln>
+        </p:spPr>
+        <p:style>
+          <a:lnRef idx="1">
+            <a:schemeClr val="accent1"/>
+          </a:lnRef>
+          <a:fillRef idx="0">
+            <a:schemeClr val="accent1"/>
+          </a:fillRef>
+          <a:effectRef idx="0">
+            <a:schemeClr val="accent1"/>
+          </a:effectRef>
+          <a:fontRef idx="minor">
+            <a:schemeClr val="tx1"/>
+          </a:fontRef>
+        </p:style>
+      </p:cxnSp>
     </p:spTree>
     <p:extLst>
       <p:ext uri="{BB962C8B-B14F-4D97-AF65-F5344CB8AC3E}">
-        <p14:creationId xmlns:p14="http://schemas.microsoft.com/office/powerpoint/2010/main" val="2073335774"/>
+        <p14:creationId xmlns:p14="http://schemas.microsoft.com/office/powerpoint/2010/main" val="2843508753"/>
       </p:ext>
     </p:extLst>
   </p:cSld>
   <p:clrMapOvr>
     <a:masterClrMapping/>
   </p:clrMapOvr>
+  <p:timing>
+    <p:tnLst>
+      <p:par>
+        <p:cTn id="1" dur="indefinite" restart="never" nodeType="tmRoot"/>
+      </p:par>
+    </p:tnLst>
+  </p:timing>
 </p:sldLayout>
 </file>
 
@@ -1454,7 +1886,7 @@
       </p:grpSpPr>
       <p:sp>
         <p:nvSpPr>
-          <p:cNvPr id="2" name="Title 1"/>
+          <p:cNvPr id="8" name="Title 7"/>
           <p:cNvSpPr>
             <a:spLocks noGrp="1"/>
           </p:cNvSpPr>
@@ -1462,13 +1894,18 @@
             <p:ph type="title"/>
           </p:nvPr>
         </p:nvSpPr>
-        <p:spPr/>
+        <p:spPr>
+          <a:xfrm>
+            <a:off x="822960" y="286604"/>
+            <a:ext cx="7543800" cy="1450757"/>
+          </a:xfrm>
+        </p:spPr>
         <p:txBody>
           <a:bodyPr/>
           <a:lstStyle/>
           <a:p>
             <a:r>
-              <a:rPr lang="hu-HU"/>
+              <a:rPr lang="hu-HU" smtClean="0"/>
               <a:t>Mintacím szerkesztése</a:t>
             </a:r>
             <a:endParaRPr lang="en-US" dirty="0"/>
@@ -1487,8 +1924,8 @@
         </p:nvSpPr>
         <p:spPr>
           <a:xfrm>
-            <a:off x="628650" y="1825625"/>
-            <a:ext cx="3886200" cy="4351338"/>
+            <a:off x="822960" y="1845734"/>
+            <a:ext cx="3703320" cy="4023360"/>
           </a:xfrm>
         </p:spPr>
         <p:txBody>
@@ -1497,35 +1934,35 @@
           <a:p>
             <a:pPr lvl="0"/>
             <a:r>
-              <a:rPr lang="hu-HU"/>
+              <a:rPr lang="hu-HU" smtClean="0"/>
               <a:t>Mintaszöveg szerkesztése</a:t>
             </a:r>
           </a:p>
           <a:p>
             <a:pPr lvl="1"/>
             <a:r>
-              <a:rPr lang="hu-HU"/>
+              <a:rPr lang="hu-HU" smtClean="0"/>
               <a:t>Második szint</a:t>
             </a:r>
           </a:p>
           <a:p>
             <a:pPr lvl="2"/>
             <a:r>
-              <a:rPr lang="hu-HU"/>
+              <a:rPr lang="hu-HU" smtClean="0"/>
               <a:t>Harmadik szint</a:t>
             </a:r>
           </a:p>
           <a:p>
             <a:pPr lvl="3"/>
             <a:r>
-              <a:rPr lang="hu-HU"/>
+              <a:rPr lang="hu-HU" smtClean="0"/>
               <a:t>Negyedik szint</a:t>
             </a:r>
           </a:p>
           <a:p>
             <a:pPr lvl="4"/>
             <a:r>
-              <a:rPr lang="hu-HU"/>
+              <a:rPr lang="hu-HU" smtClean="0"/>
               <a:t>Ötödik szint</a:t>
             </a:r>
             <a:endParaRPr lang="en-US" dirty="0"/>
@@ -1544,8 +1981,8 @@
         </p:nvSpPr>
         <p:spPr>
           <a:xfrm>
-            <a:off x="4629150" y="1825625"/>
-            <a:ext cx="3886200" cy="4351338"/>
+            <a:off x="4663440" y="1845736"/>
+            <a:ext cx="3703320" cy="4023359"/>
           </a:xfrm>
         </p:spPr>
         <p:txBody>
@@ -1554,35 +1991,35 @@
           <a:p>
             <a:pPr lvl="0"/>
             <a:r>
-              <a:rPr lang="hu-HU"/>
+              <a:rPr lang="hu-HU" smtClean="0"/>
               <a:t>Mintaszöveg szerkesztése</a:t>
             </a:r>
           </a:p>
           <a:p>
             <a:pPr lvl="1"/>
             <a:r>
-              <a:rPr lang="hu-HU"/>
+              <a:rPr lang="hu-HU" smtClean="0"/>
               <a:t>Második szint</a:t>
             </a:r>
           </a:p>
           <a:p>
             <a:pPr lvl="2"/>
             <a:r>
-              <a:rPr lang="hu-HU"/>
+              <a:rPr lang="hu-HU" smtClean="0"/>
               <a:t>Harmadik szint</a:t>
             </a:r>
           </a:p>
           <a:p>
             <a:pPr lvl="3"/>
             <a:r>
-              <a:rPr lang="hu-HU"/>
+              <a:rPr lang="hu-HU" smtClean="0"/>
               <a:t>Negyedik szint</a:t>
             </a:r>
           </a:p>
           <a:p>
             <a:pPr lvl="4"/>
             <a:r>
-              <a:rPr lang="hu-HU"/>
+              <a:rPr lang="hu-HU" smtClean="0"/>
               <a:t>Ötödik szint</a:t>
             </a:r>
             <a:endParaRPr lang="en-US" dirty="0"/>
@@ -1606,7 +2043,7 @@
           <a:p>
             <a:fld id="{342A6DF3-9923-4C9E-B5CF-2760C80C9AAE}" type="datetime1">
               <a:rPr lang="hu-HU" smtClean="0"/>
-              <a:t>2018. 04. 12.</a:t>
+              <a:t>2018. 04. 15.</a:t>
             </a:fld>
             <a:endParaRPr lang="hu-HU"/>
           </a:p>
@@ -1657,13 +2094,25 @@
     </p:spTree>
     <p:extLst>
       <p:ext uri="{BB962C8B-B14F-4D97-AF65-F5344CB8AC3E}">
-        <p14:creationId xmlns:p14="http://schemas.microsoft.com/office/powerpoint/2010/main" val="1156020658"/>
+        <p14:creationId xmlns:p14="http://schemas.microsoft.com/office/powerpoint/2010/main" val="2529630522"/>
       </p:ext>
     </p:extLst>
   </p:cSld>
   <p:clrMapOvr>
     <a:masterClrMapping/>
   </p:clrMapOvr>
+  <p:timing>
+    <p:tnLst>
+      <p:par>
+        <p:cTn id="1" dur="indefinite" restart="never" nodeType="tmRoot"/>
+      </p:par>
+    </p:tnLst>
+  </p:timing>
+  <p:extLst>
+    <p:ext uri="{DCECCB84-F9BA-43D5-87BE-67443E8EF086}">
+      <p15:sldGuideLst xmlns:p15="http://schemas.microsoft.com/office/powerpoint/2012/main"/>
+    </p:ext>
+  </p:extLst>
 </p:sldLayout>
 </file>
 
@@ -1686,7 +2135,7 @@
       </p:grpSpPr>
       <p:sp>
         <p:nvSpPr>
-          <p:cNvPr id="2" name="Title 1"/>
+          <p:cNvPr id="10" name="Title 9"/>
           <p:cNvSpPr>
             <a:spLocks noGrp="1"/>
           </p:cNvSpPr>
@@ -1696,8 +2145,8 @@
         </p:nvSpPr>
         <p:spPr>
           <a:xfrm>
-            <a:off x="629841" y="365126"/>
-            <a:ext cx="7886700" cy="1325563"/>
+            <a:off x="822960" y="286604"/>
+            <a:ext cx="7543800" cy="1450757"/>
           </a:xfrm>
         </p:spPr>
         <p:txBody>
@@ -1705,7 +2154,7 @@
           <a:lstStyle/>
           <a:p>
             <a:r>
-              <a:rPr lang="hu-HU"/>
+              <a:rPr lang="hu-HU" smtClean="0"/>
               <a:t>Mintacím szerkesztése</a:t>
             </a:r>
             <a:endParaRPr lang="en-US" dirty="0"/>
@@ -1724,16 +2173,22 @@
         </p:nvSpPr>
         <p:spPr>
           <a:xfrm>
-            <a:off x="629842" y="1681163"/>
-            <a:ext cx="3868340" cy="823912"/>
+            <a:off x="822960" y="1846052"/>
+            <a:ext cx="3703320" cy="736282"/>
           </a:xfrm>
         </p:spPr>
         <p:txBody>
-          <a:bodyPr anchor="b"/>
+          <a:bodyPr lIns="91440" rIns="91440" anchor="ctr">
+            <a:normAutofit/>
+          </a:bodyPr>
           <a:lstStyle>
             <a:lvl1pPr marL="0" indent="0">
               <a:buNone/>
-              <a:defRPr sz="2400" b="1"/>
+              <a:defRPr sz="2000" b="0" cap="all" baseline="0">
+                <a:solidFill>
+                  <a:schemeClr val="tx2"/>
+                </a:solidFill>
+              </a:defRPr>
             </a:lvl1pPr>
             <a:lvl2pPr marL="457200" indent="0">
               <a:buNone/>
@@ -1771,7 +2226,7 @@
           <a:p>
             <a:pPr lvl="0"/>
             <a:r>
-              <a:rPr lang="hu-HU"/>
+              <a:rPr lang="hu-HU" smtClean="0"/>
               <a:t>Mintaszöveg szerkesztése</a:t>
             </a:r>
           </a:p>
@@ -1789,8 +2244,8 @@
         </p:nvSpPr>
         <p:spPr>
           <a:xfrm>
-            <a:off x="629842" y="2505075"/>
-            <a:ext cx="3868340" cy="3684588"/>
+            <a:off x="822960" y="2582334"/>
+            <a:ext cx="3703320" cy="3286760"/>
           </a:xfrm>
         </p:spPr>
         <p:txBody>
@@ -1799,35 +2254,35 @@
           <a:p>
             <a:pPr lvl="0"/>
             <a:r>
-              <a:rPr lang="hu-HU"/>
+              <a:rPr lang="hu-HU" smtClean="0"/>
               <a:t>Mintaszöveg szerkesztése</a:t>
             </a:r>
           </a:p>
           <a:p>
             <a:pPr lvl="1"/>
             <a:r>
-              <a:rPr lang="hu-HU"/>
+              <a:rPr lang="hu-HU" smtClean="0"/>
               <a:t>Második szint</a:t>
             </a:r>
           </a:p>
           <a:p>
             <a:pPr lvl="2"/>
             <a:r>
-              <a:rPr lang="hu-HU"/>
+              <a:rPr lang="hu-HU" smtClean="0"/>
               <a:t>Harmadik szint</a:t>
             </a:r>
           </a:p>
           <a:p>
             <a:pPr lvl="3"/>
             <a:r>
-              <a:rPr lang="hu-HU"/>
+              <a:rPr lang="hu-HU" smtClean="0"/>
               <a:t>Negyedik szint</a:t>
             </a:r>
           </a:p>
           <a:p>
             <a:pPr lvl="4"/>
             <a:r>
-              <a:rPr lang="hu-HU"/>
+              <a:rPr lang="hu-HU" smtClean="0"/>
               <a:t>Ötödik szint</a:t>
             </a:r>
             <a:endParaRPr lang="en-US" dirty="0"/>
@@ -1846,16 +2301,22 @@
         </p:nvSpPr>
         <p:spPr>
           <a:xfrm>
-            <a:off x="4629150" y="1681163"/>
-            <a:ext cx="3887391" cy="823912"/>
+            <a:off x="4663440" y="1846052"/>
+            <a:ext cx="3703320" cy="736282"/>
           </a:xfrm>
         </p:spPr>
         <p:txBody>
-          <a:bodyPr anchor="b"/>
+          <a:bodyPr lIns="91440" rIns="91440" anchor="ctr">
+            <a:normAutofit/>
+          </a:bodyPr>
           <a:lstStyle>
             <a:lvl1pPr marL="0" indent="0">
               <a:buNone/>
-              <a:defRPr sz="2400" b="1"/>
+              <a:defRPr sz="2000" b="0" cap="all" baseline="0">
+                <a:solidFill>
+                  <a:schemeClr val="tx2"/>
+                </a:solidFill>
+              </a:defRPr>
             </a:lvl1pPr>
             <a:lvl2pPr marL="457200" indent="0">
               <a:buNone/>
@@ -1893,7 +2354,7 @@
           <a:p>
             <a:pPr lvl="0"/>
             <a:r>
-              <a:rPr lang="hu-HU"/>
+              <a:rPr lang="hu-HU" smtClean="0"/>
               <a:t>Mintaszöveg szerkesztése</a:t>
             </a:r>
           </a:p>
@@ -1911,8 +2372,8 @@
         </p:nvSpPr>
         <p:spPr>
           <a:xfrm>
-            <a:off x="4629150" y="2505075"/>
-            <a:ext cx="3887391" cy="3684588"/>
+            <a:off x="4663440" y="2582334"/>
+            <a:ext cx="3703320" cy="3286760"/>
           </a:xfrm>
         </p:spPr>
         <p:txBody>
@@ -1921,35 +2382,35 @@
           <a:p>
             <a:pPr lvl="0"/>
             <a:r>
-              <a:rPr lang="hu-HU"/>
+              <a:rPr lang="hu-HU" smtClean="0"/>
               <a:t>Mintaszöveg szerkesztése</a:t>
             </a:r>
           </a:p>
           <a:p>
             <a:pPr lvl="1"/>
             <a:r>
-              <a:rPr lang="hu-HU"/>
+              <a:rPr lang="hu-HU" smtClean="0"/>
               <a:t>Második szint</a:t>
             </a:r>
           </a:p>
           <a:p>
             <a:pPr lvl="2"/>
             <a:r>
-              <a:rPr lang="hu-HU"/>
+              <a:rPr lang="hu-HU" smtClean="0"/>
               <a:t>Harmadik szint</a:t>
             </a:r>
           </a:p>
           <a:p>
             <a:pPr lvl="3"/>
             <a:r>
-              <a:rPr lang="hu-HU"/>
+              <a:rPr lang="hu-HU" smtClean="0"/>
               <a:t>Negyedik szint</a:t>
             </a:r>
           </a:p>
           <a:p>
             <a:pPr lvl="4"/>
             <a:r>
-              <a:rPr lang="hu-HU"/>
+              <a:rPr lang="hu-HU" smtClean="0"/>
               <a:t>Ötödik szint</a:t>
             </a:r>
             <a:endParaRPr lang="en-US" dirty="0"/>
@@ -1973,7 +2434,7 @@
           <a:p>
             <a:fld id="{CCB70A02-F1D2-4B6F-A5C9-21ECF68D20F7}" type="datetime1">
               <a:rPr lang="hu-HU" smtClean="0"/>
-              <a:t>2018. 04. 12.</a:t>
+              <a:t>2018. 04. 15.</a:t>
             </a:fld>
             <a:endParaRPr lang="hu-HU"/>
           </a:p>
@@ -2024,13 +2485,25 @@
     </p:spTree>
     <p:extLst>
       <p:ext uri="{BB962C8B-B14F-4D97-AF65-F5344CB8AC3E}">
-        <p14:creationId xmlns:p14="http://schemas.microsoft.com/office/powerpoint/2010/main" val="123781338"/>
+        <p14:creationId xmlns:p14="http://schemas.microsoft.com/office/powerpoint/2010/main" val="4258681677"/>
       </p:ext>
     </p:extLst>
   </p:cSld>
   <p:clrMapOvr>
     <a:masterClrMapping/>
   </p:clrMapOvr>
+  <p:timing>
+    <p:tnLst>
+      <p:par>
+        <p:cTn id="1" dur="indefinite" restart="never" nodeType="tmRoot"/>
+      </p:par>
+    </p:tnLst>
+  </p:timing>
+  <p:extLst>
+    <p:ext uri="{DCECCB84-F9BA-43D5-87BE-67443E8EF086}">
+      <p15:sldGuideLst xmlns:p15="http://schemas.microsoft.com/office/powerpoint/2012/main"/>
+    </p:ext>
+  </p:extLst>
 </p:sldLayout>
 </file>
 
@@ -2067,7 +2540,7 @@
           <a:lstStyle/>
           <a:p>
             <a:r>
-              <a:rPr lang="hu-HU"/>
+              <a:rPr lang="hu-HU" smtClean="0"/>
               <a:t>Mintacím szerkesztése</a:t>
             </a:r>
             <a:endParaRPr lang="en-US" dirty="0"/>
@@ -2091,7 +2564,7 @@
           <a:p>
             <a:fld id="{4B958066-8305-4AEE-AA62-5F8D66DBDEB8}" type="datetime1">
               <a:rPr lang="hu-HU" smtClean="0"/>
-              <a:t>2018. 04. 12.</a:t>
+              <a:t>2018. 04. 15.</a:t>
             </a:fld>
             <a:endParaRPr lang="hu-HU"/>
           </a:p>
@@ -2142,18 +2615,25 @@
     </p:spTree>
     <p:extLst>
       <p:ext uri="{BB962C8B-B14F-4D97-AF65-F5344CB8AC3E}">
-        <p14:creationId xmlns:p14="http://schemas.microsoft.com/office/powerpoint/2010/main" val="951143354"/>
+        <p14:creationId xmlns:p14="http://schemas.microsoft.com/office/powerpoint/2010/main" val="3942992723"/>
       </p:ext>
     </p:extLst>
   </p:cSld>
   <p:clrMapOvr>
     <a:masterClrMapping/>
   </p:clrMapOvr>
+  <p:timing>
+    <p:tnLst>
+      <p:par>
+        <p:cTn id="1" dur="indefinite" restart="never" nodeType="tmRoot"/>
+      </p:par>
+    </p:tnLst>
+  </p:timing>
 </p:sldLayout>
 </file>
 
 <file path=ppt/slideLayouts/slideLayout7.xml><?xml version="1.0" encoding="utf-8"?>
-<p:sldLayout xmlns:a="http://schemas.openxmlformats.org/drawingml/2006/main" xmlns:r="http://schemas.openxmlformats.org/officeDocument/2006/relationships" xmlns:p="http://schemas.openxmlformats.org/presentationml/2006/main" type="blank" preserve="1">
+<p:sldLayout xmlns:a="http://schemas.openxmlformats.org/drawingml/2006/main" xmlns:r="http://schemas.openxmlformats.org/officeDocument/2006/relationships" xmlns:p="http://schemas.openxmlformats.org/presentationml/2006/main" showMasterSp="0" type="blank" preserve="1">
   <p:cSld name="Üres">
     <p:spTree>
       <p:nvGrpSpPr>
@@ -2169,9 +2649,76 @@
           <a:chExt cx="0" cy="0"/>
         </a:xfrm>
       </p:grpSpPr>
-      <p:sp>
-        <p:nvSpPr>
-          <p:cNvPr id="2" name="Date Placeholder 1"/>
+      <p:pic>
+        <p:nvPicPr>
+          <p:cNvPr id="13" name="Kép 12"/>
+          <p:cNvPicPr>
+            <a:picLocks noChangeAspect="1"/>
+          </p:cNvPicPr>
+          <p:nvPr userDrawn="1"/>
+        </p:nvPicPr>
+        <p:blipFill rotWithShape="1">
+          <a:blip r:embed="rId2" cstate="print">
+            <a:extLst>
+              <a:ext uri="{28A0092B-C50C-407E-A947-70E740481C1C}">
+                <a14:useLocalDpi xmlns:a14="http://schemas.microsoft.com/office/drawing/2010/main" val="0"/>
+              </a:ext>
+            </a:extLst>
+          </a:blip>
+          <a:srcRect l="17003" t="10513" r="17212" b="9606"/>
+          <a:stretch/>
+        </p:blipFill>
+        <p:spPr>
+          <a:xfrm>
+            <a:off x="-3" y="5706531"/>
+            <a:ext cx="655191" cy="795589"/>
+          </a:xfrm>
+          <a:prstGeom prst="rect">
+            <a:avLst/>
+          </a:prstGeom>
+        </p:spPr>
+      </p:pic>
+      <p:sp>
+        <p:nvSpPr>
+          <p:cNvPr id="14" name="Rectangle 8"/>
+          <p:cNvSpPr/>
+          <p:nvPr userDrawn="1"/>
+        </p:nvSpPr>
+        <p:spPr>
+          <a:xfrm>
+            <a:off x="-2" y="6459786"/>
+            <a:ext cx="9144001" cy="418519"/>
+          </a:xfrm>
+          <a:prstGeom prst="rect">
+            <a:avLst/>
+          </a:prstGeom>
+          <a:solidFill>
+            <a:srgbClr val="0066A4"/>
+          </a:solidFill>
+          <a:ln>
+            <a:noFill/>
+          </a:ln>
+        </p:spPr>
+        <p:style>
+          <a:lnRef idx="2">
+            <a:schemeClr val="accent1">
+              <a:shade val="50000"/>
+            </a:schemeClr>
+          </a:lnRef>
+          <a:fillRef idx="1">
+            <a:schemeClr val="accent1"/>
+          </a:fillRef>
+          <a:effectRef idx="0">
+            <a:schemeClr val="accent1"/>
+          </a:effectRef>
+          <a:fontRef idx="minor">
+            <a:schemeClr val="lt1"/>
+          </a:fontRef>
+        </p:style>
+      </p:sp>
+      <p:sp>
+        <p:nvSpPr>
+          <p:cNvPr id="7" name="Date Placeholder 6"/>
           <p:cNvSpPr>
             <a:spLocks noGrp="1"/>
           </p:cNvSpPr>
@@ -2186,7 +2733,7 @@
           <a:p>
             <a:fld id="{837CA921-3F6C-4D1B-845A-272145B802A9}" type="datetime1">
               <a:rPr lang="hu-HU" smtClean="0"/>
-              <a:t>2018. 04. 12.</a:t>
+              <a:t>2018. 04. 15.</a:t>
             </a:fld>
             <a:endParaRPr lang="hu-HU"/>
           </a:p>
@@ -2194,7 +2741,7 @@
       </p:sp>
       <p:sp>
         <p:nvSpPr>
-          <p:cNvPr id="3" name="Footer Placeholder 2"/>
+          <p:cNvPr id="8" name="Footer Placeholder 7"/>
           <p:cNvSpPr>
             <a:spLocks noGrp="1"/>
           </p:cNvSpPr>
@@ -2205,7 +2752,15 @@
         <p:spPr/>
         <p:txBody>
           <a:bodyPr/>
-          <a:lstStyle/>
+          <a:lstStyle>
+            <a:lvl1pPr>
+              <a:defRPr>
+                <a:solidFill>
+                  <a:srgbClr val="FFFFFF"/>
+                </a:solidFill>
+              </a:defRPr>
+            </a:lvl1pPr>
+          </a:lstStyle>
           <a:p>
             <a:endParaRPr lang="hu-HU"/>
           </a:p>
@@ -2213,7 +2768,7 @@
       </p:sp>
       <p:sp>
         <p:nvSpPr>
-          <p:cNvPr id="4" name="Slide Number Placeholder 3"/>
+          <p:cNvPr id="9" name="Slide Number Placeholder 8"/>
           <p:cNvSpPr>
             <a:spLocks noGrp="1"/>
           </p:cNvSpPr>
@@ -2234,21 +2789,133 @@
           </a:p>
         </p:txBody>
       </p:sp>
+      <p:sp>
+        <p:nvSpPr>
+          <p:cNvPr id="10" name="Rectangle 6"/>
+          <p:cNvSpPr/>
+          <p:nvPr userDrawn="1"/>
+        </p:nvSpPr>
+        <p:spPr>
+          <a:xfrm>
+            <a:off x="-1" y="-8668"/>
+            <a:ext cx="9144001" cy="908015"/>
+          </a:xfrm>
+          <a:prstGeom prst="rect">
+            <a:avLst/>
+          </a:prstGeom>
+          <a:solidFill>
+            <a:srgbClr val="0066A4"/>
+          </a:solidFill>
+          <a:ln>
+            <a:noFill/>
+          </a:ln>
+        </p:spPr>
+        <p:style>
+          <a:lnRef idx="2">
+            <a:schemeClr val="accent1">
+              <a:shade val="50000"/>
+            </a:schemeClr>
+          </a:lnRef>
+          <a:fillRef idx="1">
+            <a:schemeClr val="accent1"/>
+          </a:fillRef>
+          <a:effectRef idx="0">
+            <a:schemeClr val="accent1"/>
+          </a:effectRef>
+          <a:fontRef idx="minor">
+            <a:schemeClr val="lt1"/>
+          </a:fontRef>
+        </p:style>
+      </p:sp>
+      <p:sp>
+        <p:nvSpPr>
+          <p:cNvPr id="11" name="Rectangle 8"/>
+          <p:cNvSpPr/>
+          <p:nvPr userDrawn="1"/>
+        </p:nvSpPr>
+        <p:spPr>
+          <a:xfrm>
+            <a:off x="-3" y="901306"/>
+            <a:ext cx="9144001" cy="278866"/>
+          </a:xfrm>
+          <a:prstGeom prst="rect">
+            <a:avLst/>
+          </a:prstGeom>
+          <a:solidFill>
+            <a:srgbClr val="FDBA31"/>
+          </a:solidFill>
+          <a:ln>
+            <a:noFill/>
+          </a:ln>
+        </p:spPr>
+        <p:style>
+          <a:lnRef idx="2">
+            <a:schemeClr val="accent1">
+              <a:shade val="50000"/>
+            </a:schemeClr>
+          </a:lnRef>
+          <a:fillRef idx="1">
+            <a:schemeClr val="accent1"/>
+          </a:fillRef>
+          <a:effectRef idx="0">
+            <a:schemeClr val="accent1"/>
+          </a:effectRef>
+          <a:fontRef idx="minor">
+            <a:schemeClr val="lt1"/>
+          </a:fontRef>
+        </p:style>
+      </p:sp>
+      <p:pic>
+        <p:nvPicPr>
+          <p:cNvPr id="12" name="Kép 11"/>
+          <p:cNvPicPr>
+            <a:picLocks noChangeAspect="1"/>
+          </p:cNvPicPr>
+          <p:nvPr userDrawn="1"/>
+        </p:nvPicPr>
+        <p:blipFill rotWithShape="1">
+          <a:blip r:embed="rId3" cstate="print">
+            <a:extLst>
+              <a:ext uri="{28A0092B-C50C-407E-A947-70E740481C1C}">
+                <a14:useLocalDpi xmlns:a14="http://schemas.microsoft.com/office/drawing/2010/main" val="0"/>
+              </a:ext>
+            </a:extLst>
+          </a:blip>
+          <a:srcRect l="29941" r="30092"/>
+          <a:stretch/>
+        </p:blipFill>
+        <p:spPr>
+          <a:xfrm>
+            <a:off x="8458200" y="1332"/>
+            <a:ext cx="685800" cy="898016"/>
+          </a:xfrm>
+          <a:prstGeom prst="rect">
+            <a:avLst/>
+          </a:prstGeom>
+        </p:spPr>
+      </p:pic>
     </p:spTree>
     <p:extLst>
       <p:ext uri="{BB962C8B-B14F-4D97-AF65-F5344CB8AC3E}">
-        <p14:creationId xmlns:p14="http://schemas.microsoft.com/office/powerpoint/2010/main" val="1547968382"/>
+        <p14:creationId xmlns:p14="http://schemas.microsoft.com/office/powerpoint/2010/main" val="2612072110"/>
       </p:ext>
     </p:extLst>
   </p:cSld>
   <p:clrMapOvr>
     <a:masterClrMapping/>
   </p:clrMapOvr>
+  <p:timing>
+    <p:tnLst>
+      <p:par>
+        <p:cTn id="1" dur="indefinite" restart="never" nodeType="tmRoot"/>
+      </p:par>
+    </p:tnLst>
+  </p:timing>
 </p:sldLayout>
 </file>
 
 <file path=ppt/slideLayouts/slideLayout8.xml><?xml version="1.0" encoding="utf-8"?>
-<p:sldLayout xmlns:a="http://schemas.openxmlformats.org/drawingml/2006/main" xmlns:r="http://schemas.openxmlformats.org/officeDocument/2006/relationships" xmlns:p="http://schemas.openxmlformats.org/presentationml/2006/main" type="objTx" preserve="1">
+<p:sldLayout xmlns:a="http://schemas.openxmlformats.org/drawingml/2006/main" xmlns:r="http://schemas.openxmlformats.org/officeDocument/2006/relationships" xmlns:p="http://schemas.openxmlformats.org/presentationml/2006/main" showMasterSp="0" type="objTx" preserve="1">
   <p:cSld name="Tartalomrész képaláírással">
     <p:spTree>
       <p:nvGrpSpPr>
@@ -2266,6 +2933,82 @@
       </p:grpSpPr>
       <p:sp>
         <p:nvSpPr>
+          <p:cNvPr id="8" name="Rectangle 7"/>
+          <p:cNvSpPr/>
+          <p:nvPr/>
+        </p:nvSpPr>
+        <p:spPr>
+          <a:xfrm>
+            <a:off x="13" y="0"/>
+            <a:ext cx="3038093" cy="6858000"/>
+          </a:xfrm>
+          <a:prstGeom prst="rect">
+            <a:avLst/>
+          </a:prstGeom>
+          <a:solidFill>
+            <a:schemeClr val="accent2"/>
+          </a:solidFill>
+          <a:ln>
+            <a:noFill/>
+          </a:ln>
+        </p:spPr>
+        <p:style>
+          <a:lnRef idx="2">
+            <a:schemeClr val="accent1">
+              <a:shade val="50000"/>
+            </a:schemeClr>
+          </a:lnRef>
+          <a:fillRef idx="1">
+            <a:schemeClr val="accent1"/>
+          </a:fillRef>
+          <a:effectRef idx="0">
+            <a:schemeClr val="accent1"/>
+          </a:effectRef>
+          <a:fontRef idx="minor">
+            <a:schemeClr val="lt1"/>
+          </a:fontRef>
+        </p:style>
+      </p:sp>
+      <p:sp>
+        <p:nvSpPr>
+          <p:cNvPr id="9" name="Rectangle 8"/>
+          <p:cNvSpPr/>
+          <p:nvPr/>
+        </p:nvSpPr>
+        <p:spPr>
+          <a:xfrm>
+            <a:off x="3030053" y="0"/>
+            <a:ext cx="48006" cy="6858000"/>
+          </a:xfrm>
+          <a:prstGeom prst="rect">
+            <a:avLst/>
+          </a:prstGeom>
+          <a:solidFill>
+            <a:schemeClr val="accent1"/>
+          </a:solidFill>
+          <a:ln>
+            <a:noFill/>
+          </a:ln>
+        </p:spPr>
+        <p:style>
+          <a:lnRef idx="2">
+            <a:schemeClr val="accent1">
+              <a:shade val="50000"/>
+            </a:schemeClr>
+          </a:lnRef>
+          <a:fillRef idx="1">
+            <a:schemeClr val="accent1"/>
+          </a:fillRef>
+          <a:effectRef idx="0">
+            <a:schemeClr val="accent1"/>
+          </a:effectRef>
+          <a:fontRef idx="minor">
+            <a:schemeClr val="lt1"/>
+          </a:fontRef>
+        </p:style>
+      </p:sp>
+      <p:sp>
+        <p:nvSpPr>
           <p:cNvPr id="2" name="Title 1"/>
           <p:cNvSpPr>
             <a:spLocks noGrp="1"/>
@@ -2276,20 +3019,26 @@
         </p:nvSpPr>
         <p:spPr>
           <a:xfrm>
-            <a:off x="629841" y="457200"/>
-            <a:ext cx="2949178" cy="1600200"/>
+            <a:off x="342900" y="594359"/>
+            <a:ext cx="2400300" cy="2286000"/>
           </a:xfrm>
         </p:spPr>
         <p:txBody>
-          <a:bodyPr anchor="b"/>
+          <a:bodyPr anchor="b">
+            <a:normAutofit/>
+          </a:bodyPr>
           <a:lstStyle>
             <a:lvl1pPr>
-              <a:defRPr sz="3200"/>
+              <a:defRPr sz="3600" b="0">
+                <a:solidFill>
+                  <a:srgbClr val="FFFFFF"/>
+                </a:solidFill>
+              </a:defRPr>
             </a:lvl1pPr>
           </a:lstStyle>
           <a:p>
             <a:r>
-              <a:rPr lang="hu-HU"/>
+              <a:rPr lang="hu-HU" smtClean="0"/>
               <a:t>Mintacím szerkesztése</a:t>
             </a:r>
             <a:endParaRPr lang="en-US" dirty="0"/>
@@ -2308,73 +3057,45 @@
         </p:nvSpPr>
         <p:spPr>
           <a:xfrm>
-            <a:off x="3887391" y="987426"/>
-            <a:ext cx="4629150" cy="4873625"/>
+            <a:off x="3460237" y="731520"/>
+            <a:ext cx="5009393" cy="5257800"/>
           </a:xfrm>
         </p:spPr>
         <p:txBody>
           <a:bodyPr/>
-          <a:lstStyle>
-            <a:lvl1pPr>
-              <a:defRPr sz="3200"/>
-            </a:lvl1pPr>
-            <a:lvl2pPr>
-              <a:defRPr sz="2800"/>
-            </a:lvl2pPr>
-            <a:lvl3pPr>
-              <a:defRPr sz="2400"/>
-            </a:lvl3pPr>
-            <a:lvl4pPr>
-              <a:defRPr sz="2000"/>
-            </a:lvl4pPr>
-            <a:lvl5pPr>
-              <a:defRPr sz="2000"/>
-            </a:lvl5pPr>
-            <a:lvl6pPr>
-              <a:defRPr sz="2000"/>
-            </a:lvl6pPr>
-            <a:lvl7pPr>
-              <a:defRPr sz="2000"/>
-            </a:lvl7pPr>
-            <a:lvl8pPr>
-              <a:defRPr sz="2000"/>
-            </a:lvl8pPr>
-            <a:lvl9pPr>
-              <a:defRPr sz="2000"/>
-            </a:lvl9pPr>
-          </a:lstStyle>
+          <a:lstStyle/>
           <a:p>
             <a:pPr lvl="0"/>
             <a:r>
-              <a:rPr lang="hu-HU"/>
+              <a:rPr lang="hu-HU" smtClean="0"/>
               <a:t>Mintaszöveg szerkesztése</a:t>
             </a:r>
           </a:p>
           <a:p>
             <a:pPr lvl="1"/>
             <a:r>
-              <a:rPr lang="hu-HU"/>
+              <a:rPr lang="hu-HU" smtClean="0"/>
               <a:t>Második szint</a:t>
             </a:r>
           </a:p>
           <a:p>
             <a:pPr lvl="2"/>
             <a:r>
-              <a:rPr lang="hu-HU"/>
+              <a:rPr lang="hu-HU" smtClean="0"/>
               <a:t>Harmadik szint</a:t>
             </a:r>
           </a:p>
           <a:p>
             <a:pPr lvl="3"/>
             <a:r>
-              <a:rPr lang="hu-HU"/>
+              <a:rPr lang="hu-HU" smtClean="0"/>
               <a:t>Negyedik szint</a:t>
             </a:r>
           </a:p>
           <a:p>
             <a:pPr lvl="4"/>
             <a:r>
-              <a:rPr lang="hu-HU"/>
+              <a:rPr lang="hu-HU" smtClean="0"/>
               <a:t>Ötödik szint</a:t>
             </a:r>
             <a:endParaRPr lang="en-US" dirty="0"/>
@@ -2393,54 +3114,60 @@
         </p:nvSpPr>
         <p:spPr>
           <a:xfrm>
-            <a:off x="629841" y="2057400"/>
-            <a:ext cx="2949178" cy="3811588"/>
+            <a:off x="342900" y="2926080"/>
+            <a:ext cx="2400300" cy="3379124"/>
           </a:xfrm>
         </p:spPr>
         <p:txBody>
-          <a:bodyPr/>
+          <a:bodyPr lIns="91440" rIns="91440">
+            <a:normAutofit/>
+          </a:bodyPr>
           <a:lstStyle>
             <a:lvl1pPr marL="0" indent="0">
               <a:buNone/>
-              <a:defRPr sz="1600"/>
+              <a:defRPr sz="1500">
+                <a:solidFill>
+                  <a:srgbClr val="FFFFFF"/>
+                </a:solidFill>
+              </a:defRPr>
             </a:lvl1pPr>
             <a:lvl2pPr marL="457200" indent="0">
               <a:buNone/>
-              <a:defRPr sz="1400"/>
+              <a:defRPr sz="1200"/>
             </a:lvl2pPr>
             <a:lvl3pPr marL="914400" indent="0">
               <a:buNone/>
-              <a:defRPr sz="1200"/>
+              <a:defRPr sz="1000"/>
             </a:lvl3pPr>
             <a:lvl4pPr marL="1371600" indent="0">
               <a:buNone/>
-              <a:defRPr sz="1000"/>
+              <a:defRPr sz="900"/>
             </a:lvl4pPr>
             <a:lvl5pPr marL="1828800" indent="0">
               <a:buNone/>
-              <a:defRPr sz="1000"/>
+              <a:defRPr sz="900"/>
             </a:lvl5pPr>
             <a:lvl6pPr marL="2286000" indent="0">
               <a:buNone/>
-              <a:defRPr sz="1000"/>
+              <a:defRPr sz="900"/>
             </a:lvl6pPr>
             <a:lvl7pPr marL="2743200" indent="0">
               <a:buNone/>
-              <a:defRPr sz="1000"/>
+              <a:defRPr sz="900"/>
             </a:lvl7pPr>
             <a:lvl8pPr marL="3200400" indent="0">
               <a:buNone/>
-              <a:defRPr sz="1000"/>
+              <a:defRPr sz="900"/>
             </a:lvl8pPr>
             <a:lvl9pPr marL="3657600" indent="0">
               <a:buNone/>
-              <a:defRPr sz="1000"/>
+              <a:defRPr sz="900"/>
             </a:lvl9pPr>
           </a:lstStyle>
           <a:p>
             <a:pPr lvl="0"/>
             <a:r>
-              <a:rPr lang="hu-HU"/>
+              <a:rPr lang="hu-HU" smtClean="0"/>
               <a:t>Mintaszöveg szerkesztése</a:t>
             </a:r>
           </a:p>
@@ -2456,14 +3183,23 @@
             <p:ph type="dt" sz="half" idx="10"/>
           </p:nvPr>
         </p:nvSpPr>
-        <p:spPr/>
+        <p:spPr>
+          <a:xfrm>
+            <a:off x="349134" y="6459786"/>
+            <a:ext cx="1963883" cy="365125"/>
+          </a:xfrm>
+        </p:spPr>
         <p:txBody>
           <a:bodyPr/>
-          <a:lstStyle/>
+          <a:lstStyle>
+            <a:lvl1pPr algn="l">
+              <a:defRPr/>
+            </a:lvl1pPr>
+          </a:lstStyle>
           <a:p>
             <a:fld id="{69BB093D-7842-40CD-B34D-93DEC9DF4129}" type="datetime1">
               <a:rPr lang="hu-HU" smtClean="0"/>
-              <a:t>2018. 04. 12.</a:t>
+              <a:t>2018. 04. 15.</a:t>
             </a:fld>
             <a:endParaRPr lang="hu-HU"/>
           </a:p>
@@ -2479,10 +3215,23 @@
             <p:ph type="ftr" sz="quarter" idx="11"/>
           </p:nvPr>
         </p:nvSpPr>
-        <p:spPr/>
+        <p:spPr>
+          <a:xfrm>
+            <a:off x="3600450" y="6459786"/>
+            <a:ext cx="3486150" cy="365125"/>
+          </a:xfrm>
+        </p:spPr>
         <p:txBody>
           <a:bodyPr/>
-          <a:lstStyle/>
+          <a:lstStyle>
+            <a:lvl1pPr algn="l">
+              <a:defRPr>
+                <a:solidFill>
+                  <a:schemeClr val="tx2"/>
+                </a:solidFill>
+              </a:defRPr>
+            </a:lvl1pPr>
+          </a:lstStyle>
           <a:p>
             <a:endParaRPr lang="hu-HU"/>
           </a:p>
@@ -2501,7 +3250,15 @@
         <p:spPr/>
         <p:txBody>
           <a:bodyPr/>
-          <a:lstStyle/>
+          <a:lstStyle>
+            <a:lvl1pPr>
+              <a:defRPr>
+                <a:solidFill>
+                  <a:schemeClr val="tx2"/>
+                </a:solidFill>
+              </a:defRPr>
+            </a:lvl1pPr>
+          </a:lstStyle>
           <a:p>
             <a:fld id="{676786BD-618E-4F38-B087-5D1176D55033}" type="slidenum">
               <a:rPr lang="hu-HU" smtClean="0"/>
@@ -2514,18 +3271,23 @@
     </p:spTree>
     <p:extLst>
       <p:ext uri="{BB962C8B-B14F-4D97-AF65-F5344CB8AC3E}">
-        <p14:creationId xmlns:p14="http://schemas.microsoft.com/office/powerpoint/2010/main" val="2055317028"/>
+        <p14:creationId xmlns:p14="http://schemas.microsoft.com/office/powerpoint/2010/main" val="791259403"/>
       </p:ext>
     </p:extLst>
   </p:cSld>
   <p:clrMapOvr>
     <a:masterClrMapping/>
   </p:clrMapOvr>
+  <p:extLst>
+    <p:ext uri="{DCECCB84-F9BA-43D5-87BE-67443E8EF086}">
+      <p15:sldGuideLst xmlns:p15="http://schemas.microsoft.com/office/powerpoint/2012/main"/>
+    </p:ext>
+  </p:extLst>
 </p:sldLayout>
 </file>
 
 <file path=ppt/slideLayouts/slideLayout9.xml><?xml version="1.0" encoding="utf-8"?>
-<p:sldLayout xmlns:a="http://schemas.openxmlformats.org/drawingml/2006/main" xmlns:r="http://schemas.openxmlformats.org/officeDocument/2006/relationships" xmlns:p="http://schemas.openxmlformats.org/presentationml/2006/main" type="picTx" preserve="1">
+<p:sldLayout xmlns:a="http://schemas.openxmlformats.org/drawingml/2006/main" xmlns:r="http://schemas.openxmlformats.org/officeDocument/2006/relationships" xmlns:p="http://schemas.openxmlformats.org/presentationml/2006/main" showMasterSp="0" type="picTx" preserve="1">
   <p:cSld name="Kép képaláírással">
     <p:spTree>
       <p:nvGrpSpPr>
@@ -2543,6 +3305,82 @@
       </p:grpSpPr>
       <p:sp>
         <p:nvSpPr>
+          <p:cNvPr id="8" name="Rectangle 7"/>
+          <p:cNvSpPr/>
+          <p:nvPr/>
+        </p:nvSpPr>
+        <p:spPr>
+          <a:xfrm>
+            <a:off x="0" y="4953000"/>
+            <a:ext cx="9141619" cy="1905000"/>
+          </a:xfrm>
+          <a:prstGeom prst="rect">
+            <a:avLst/>
+          </a:prstGeom>
+          <a:solidFill>
+            <a:schemeClr val="accent2"/>
+          </a:solidFill>
+          <a:ln>
+            <a:noFill/>
+          </a:ln>
+        </p:spPr>
+        <p:style>
+          <a:lnRef idx="2">
+            <a:schemeClr val="accent1">
+              <a:shade val="50000"/>
+            </a:schemeClr>
+          </a:lnRef>
+          <a:fillRef idx="1">
+            <a:schemeClr val="accent1"/>
+          </a:fillRef>
+          <a:effectRef idx="0">
+            <a:schemeClr val="accent1"/>
+          </a:effectRef>
+          <a:fontRef idx="minor">
+            <a:schemeClr val="lt1"/>
+          </a:fontRef>
+        </p:style>
+      </p:sp>
+      <p:sp>
+        <p:nvSpPr>
+          <p:cNvPr id="9" name="Rectangle 8"/>
+          <p:cNvSpPr/>
+          <p:nvPr/>
+        </p:nvSpPr>
+        <p:spPr>
+          <a:xfrm>
+            <a:off x="12" y="4915076"/>
+            <a:ext cx="9141619" cy="64008"/>
+          </a:xfrm>
+          <a:prstGeom prst="rect">
+            <a:avLst/>
+          </a:prstGeom>
+          <a:solidFill>
+            <a:schemeClr val="accent1"/>
+          </a:solidFill>
+          <a:ln>
+            <a:noFill/>
+          </a:ln>
+        </p:spPr>
+        <p:style>
+          <a:lnRef idx="2">
+            <a:schemeClr val="accent1">
+              <a:shade val="50000"/>
+            </a:schemeClr>
+          </a:lnRef>
+          <a:fillRef idx="1">
+            <a:schemeClr val="accent1"/>
+          </a:fillRef>
+          <a:effectRef idx="0">
+            <a:schemeClr val="accent1"/>
+          </a:effectRef>
+          <a:fontRef idx="minor">
+            <a:schemeClr val="lt1"/>
+          </a:fontRef>
+        </p:style>
+      </p:sp>
+      <p:sp>
+        <p:nvSpPr>
           <p:cNvPr id="2" name="Title 1"/>
           <p:cNvSpPr>
             <a:spLocks noGrp="1"/>
@@ -2553,20 +3391,26 @@
         </p:nvSpPr>
         <p:spPr>
           <a:xfrm>
-            <a:off x="629841" y="457200"/>
-            <a:ext cx="2949178" cy="1600200"/>
+            <a:off x="822960" y="5074920"/>
+            <a:ext cx="7589520" cy="822960"/>
           </a:xfrm>
         </p:spPr>
         <p:txBody>
-          <a:bodyPr anchor="b"/>
+          <a:bodyPr tIns="0" bIns="0" anchor="b">
+            <a:noAutofit/>
+          </a:bodyPr>
           <a:lstStyle>
             <a:lvl1pPr>
-              <a:defRPr sz="3200"/>
+              <a:defRPr sz="3600" b="0">
+                <a:solidFill>
+                  <a:srgbClr val="FFFFFF"/>
+                </a:solidFill>
+              </a:defRPr>
             </a:lvl1pPr>
           </a:lstStyle>
           <a:p>
             <a:r>
-              <a:rPr lang="hu-HU"/>
+              <a:rPr lang="hu-HU" smtClean="0"/>
               <a:t>Mintacím szerkesztése</a:t>
             </a:r>
             <a:endParaRPr lang="en-US" dirty="0"/>
@@ -2585,16 +3429,26 @@
         </p:nvSpPr>
         <p:spPr>
           <a:xfrm>
-            <a:off x="3887391" y="987426"/>
-            <a:ext cx="4629150" cy="4873625"/>
+            <a:off x="12" y="0"/>
+            <a:ext cx="9143989" cy="4915076"/>
           </a:xfrm>
+          <a:blipFill>
+            <a:blip r:embed="rId2"/>
+            <a:stretch>
+              <a:fillRect/>
+            </a:stretch>
+          </a:blipFill>
         </p:spPr>
         <p:txBody>
-          <a:bodyPr anchor="t"/>
+          <a:bodyPr lIns="457200" tIns="457200" anchor="t"/>
           <a:lstStyle>
             <a:lvl1pPr marL="0" indent="0">
               <a:buNone/>
-              <a:defRPr sz="3200"/>
+              <a:defRPr sz="3200">
+                <a:solidFill>
+                  <a:schemeClr val="bg1"/>
+                </a:solidFill>
+              </a:defRPr>
             </a:lvl1pPr>
             <a:lvl2pPr marL="457200" indent="0">
               <a:buNone/>
@@ -2631,7 +3485,7 @@
           </a:lstStyle>
           <a:p>
             <a:r>
-              <a:rPr lang="hu-HU"/>
+              <a:rPr lang="hu-HU" smtClean="0"/>
               <a:t>Kép beszúrásához kattintson az ikonra</a:t>
             </a:r>
             <a:endParaRPr lang="en-US" dirty="0"/>
@@ -2650,54 +3504,66 @@
         </p:nvSpPr>
         <p:spPr>
           <a:xfrm>
-            <a:off x="629841" y="2057400"/>
-            <a:ext cx="2949178" cy="3811588"/>
+            <a:off x="822959" y="5907024"/>
+            <a:ext cx="7589520" cy="594360"/>
           </a:xfrm>
         </p:spPr>
         <p:txBody>
-          <a:bodyPr/>
+          <a:bodyPr lIns="91440" tIns="0" rIns="91440" bIns="0">
+            <a:normAutofit/>
+          </a:bodyPr>
           <a:lstStyle>
             <a:lvl1pPr marL="0" indent="0">
+              <a:spcBef>
+                <a:spcPts val="0"/>
+              </a:spcBef>
+              <a:spcAft>
+                <a:spcPts val="600"/>
+              </a:spcAft>
               <a:buNone/>
-              <a:defRPr sz="1600"/>
+              <a:defRPr sz="1500">
+                <a:solidFill>
+                  <a:srgbClr val="FFFFFF"/>
+                </a:solidFill>
+              </a:defRPr>
             </a:lvl1pPr>
             <a:lvl2pPr marL="457200" indent="0">
               <a:buNone/>
-              <a:defRPr sz="1400"/>
+              <a:defRPr sz="1200"/>
             </a:lvl2pPr>
             <a:lvl3pPr marL="914400" indent="0">
               <a:buNone/>
-              <a:defRPr sz="1200"/>
+              <a:defRPr sz="1000"/>
             </a:lvl3pPr>
             <a:lvl4pPr marL="1371600" indent="0">
               <a:buNone/>
-              <a:defRPr sz="1000"/>
+              <a:defRPr sz="900"/>
             </a:lvl4pPr>
             <a:lvl5pPr marL="1828800" indent="0">
               <a:buNone/>
-              <a:defRPr sz="1000"/>
+              <a:defRPr sz="900"/>
             </a:lvl5pPr>
             <a:lvl6pPr marL="2286000" indent="0">
               <a:buNone/>
-              <a:defRPr sz="1000"/>
+              <a:defRPr sz="900"/>
             </a:lvl6pPr>
             <a:lvl7pPr marL="2743200" indent="0">
               <a:buNone/>
-              <a:defRPr sz="1000"/>
+              <a:defRPr sz="900"/>
             </a:lvl7pPr>
             <a:lvl8pPr marL="3200400" indent="0">
               <a:buNone/>
-              <a:defRPr sz="1000"/>
+              <a:defRPr sz="900"/>
             </a:lvl8pPr>
             <a:lvl9pPr marL="3657600" indent="0">
               <a:buNone/>
-              <a:defRPr sz="1000"/>
+              <a:defRPr sz="900"/>
             </a:lvl9pPr>
           </a:lstStyle>
           <a:p>
             <a:pPr lvl="0"/>
             <a:r>
-              <a:rPr lang="hu-HU"/>
+              <a:rPr lang="hu-HU" smtClean="0"/>
               <a:t>Mintaszöveg szerkesztése</a:t>
             </a:r>
           </a:p>
@@ -2720,7 +3586,7 @@
           <a:p>
             <a:fld id="{FC4EE55C-E42C-44F1-898C-4145C2FBF83B}" type="datetime1">
               <a:rPr lang="hu-HU" smtClean="0"/>
-              <a:t>2018. 04. 12.</a:t>
+              <a:t>2018. 04. 15.</a:t>
             </a:fld>
             <a:endParaRPr lang="hu-HU"/>
           </a:p>
@@ -2771,7 +3637,7 @@
     </p:spTree>
     <p:extLst>
       <p:ext uri="{BB962C8B-B14F-4D97-AF65-F5344CB8AC3E}">
-        <p14:creationId xmlns:p14="http://schemas.microsoft.com/office/powerpoint/2010/main" val="1752059245"/>
+        <p14:creationId xmlns:p14="http://schemas.microsoft.com/office/powerpoint/2010/main" val="1209360691"/>
       </p:ext>
     </p:extLst>
   </p:cSld>
@@ -2803,6 +3669,149 @@
           <a:chExt cx="0" cy="0"/>
         </a:xfrm>
       </p:grpSpPr>
+      <p:pic>
+        <p:nvPicPr>
+          <p:cNvPr id="17" name="Kép 16"/>
+          <p:cNvPicPr>
+            <a:picLocks noChangeAspect="1"/>
+          </p:cNvPicPr>
+          <p:nvPr userDrawn="1"/>
+        </p:nvPicPr>
+        <p:blipFill rotWithShape="1">
+          <a:blip r:embed="rId13" cstate="print">
+            <a:extLst>
+              <a:ext uri="{28A0092B-C50C-407E-A947-70E740481C1C}">
+                <a14:useLocalDpi xmlns:a14="http://schemas.microsoft.com/office/drawing/2010/main" val="0"/>
+              </a:ext>
+            </a:extLst>
+          </a:blip>
+          <a:srcRect l="17003" t="10513" r="17212" b="9606"/>
+          <a:stretch/>
+        </p:blipFill>
+        <p:spPr>
+          <a:xfrm>
+            <a:off x="-3" y="5706531"/>
+            <a:ext cx="655191" cy="795589"/>
+          </a:xfrm>
+          <a:prstGeom prst="rect">
+            <a:avLst/>
+          </a:prstGeom>
+        </p:spPr>
+      </p:pic>
+      <p:sp>
+        <p:nvSpPr>
+          <p:cNvPr id="14" name="Rectangle 8"/>
+          <p:cNvSpPr/>
+          <p:nvPr userDrawn="1"/>
+        </p:nvSpPr>
+        <p:spPr>
+          <a:xfrm>
+            <a:off x="-2" y="6459786"/>
+            <a:ext cx="9144001" cy="418519"/>
+          </a:xfrm>
+          <a:prstGeom prst="rect">
+            <a:avLst/>
+          </a:prstGeom>
+          <a:solidFill>
+            <a:srgbClr val="0066A4"/>
+          </a:solidFill>
+          <a:ln>
+            <a:noFill/>
+          </a:ln>
+        </p:spPr>
+        <p:style>
+          <a:lnRef idx="2">
+            <a:schemeClr val="accent1">
+              <a:shade val="50000"/>
+            </a:schemeClr>
+          </a:lnRef>
+          <a:fillRef idx="1">
+            <a:schemeClr val="accent1"/>
+          </a:fillRef>
+          <a:effectRef idx="0">
+            <a:schemeClr val="accent1"/>
+          </a:effectRef>
+          <a:fontRef idx="minor">
+            <a:schemeClr val="lt1"/>
+          </a:fontRef>
+        </p:style>
+      </p:sp>
+      <p:sp>
+        <p:nvSpPr>
+          <p:cNvPr id="7" name="Rectangle 6"/>
+          <p:cNvSpPr/>
+          <p:nvPr/>
+        </p:nvSpPr>
+        <p:spPr>
+          <a:xfrm>
+            <a:off x="-1" y="-8668"/>
+            <a:ext cx="9144001" cy="908015"/>
+          </a:xfrm>
+          <a:prstGeom prst="rect">
+            <a:avLst/>
+          </a:prstGeom>
+          <a:solidFill>
+            <a:srgbClr val="0066A4"/>
+          </a:solidFill>
+          <a:ln>
+            <a:noFill/>
+          </a:ln>
+        </p:spPr>
+        <p:style>
+          <a:lnRef idx="2">
+            <a:schemeClr val="accent1">
+              <a:shade val="50000"/>
+            </a:schemeClr>
+          </a:lnRef>
+          <a:fillRef idx="1">
+            <a:schemeClr val="accent1"/>
+          </a:fillRef>
+          <a:effectRef idx="0">
+            <a:schemeClr val="accent1"/>
+          </a:effectRef>
+          <a:fontRef idx="minor">
+            <a:schemeClr val="lt1"/>
+          </a:fontRef>
+        </p:style>
+      </p:sp>
+      <p:sp>
+        <p:nvSpPr>
+          <p:cNvPr id="9" name="Rectangle 8"/>
+          <p:cNvSpPr/>
+          <p:nvPr/>
+        </p:nvSpPr>
+        <p:spPr>
+          <a:xfrm>
+            <a:off x="-3" y="901306"/>
+            <a:ext cx="9144001" cy="278866"/>
+          </a:xfrm>
+          <a:prstGeom prst="rect">
+            <a:avLst/>
+          </a:prstGeom>
+          <a:solidFill>
+            <a:srgbClr val="FDBA31"/>
+          </a:solidFill>
+          <a:ln>
+            <a:noFill/>
+          </a:ln>
+        </p:spPr>
+        <p:style>
+          <a:lnRef idx="2">
+            <a:schemeClr val="accent1">
+              <a:shade val="50000"/>
+            </a:schemeClr>
+          </a:lnRef>
+          <a:fillRef idx="1">
+            <a:schemeClr val="accent1"/>
+          </a:fillRef>
+          <a:effectRef idx="0">
+            <a:schemeClr val="accent1"/>
+          </a:effectRef>
+          <a:fontRef idx="minor">
+            <a:schemeClr val="lt1"/>
+          </a:fontRef>
+        </p:style>
+      </p:sp>
       <p:sp>
         <p:nvSpPr>
           <p:cNvPr id="2" name="Title Placeholder 1"/>
@@ -2815,21 +3824,21 @@
         </p:nvSpPr>
         <p:spPr>
           <a:xfrm>
-            <a:off x="628650" y="365126"/>
-            <a:ext cx="7886700" cy="1325563"/>
+            <a:off x="457199" y="80276"/>
+            <a:ext cx="7543800" cy="730126"/>
           </a:xfrm>
           <a:prstGeom prst="rect">
             <a:avLst/>
           </a:prstGeom>
         </p:spPr>
         <p:txBody>
-          <a:bodyPr vert="horz" lIns="91440" tIns="45720" rIns="91440" bIns="45720" rtlCol="0" anchor="ctr">
+          <a:bodyPr vert="horz" lIns="91440" tIns="45720" rIns="91440" bIns="45720" rtlCol="0" anchor="b">
             <a:normAutofit/>
           </a:bodyPr>
           <a:lstStyle/>
           <a:p>
             <a:r>
-              <a:rPr lang="hu-HU"/>
+              <a:rPr lang="hu-HU" dirty="0" smtClean="0"/>
               <a:t>Mintacím szerkesztése</a:t>
             </a:r>
             <a:endParaRPr lang="en-US" dirty="0"/>
@@ -2848,50 +3857,50 @@
         </p:nvSpPr>
         <p:spPr>
           <a:xfrm>
-            <a:off x="628650" y="1825625"/>
-            <a:ext cx="7886700" cy="4351338"/>
+            <a:off x="822959" y="1845734"/>
+            <a:ext cx="7543801" cy="4023360"/>
           </a:xfrm>
           <a:prstGeom prst="rect">
             <a:avLst/>
           </a:prstGeom>
         </p:spPr>
         <p:txBody>
-          <a:bodyPr vert="horz" lIns="91440" tIns="45720" rIns="91440" bIns="45720" rtlCol="0">
+          <a:bodyPr vert="horz" lIns="0" tIns="45720" rIns="0" bIns="45720" rtlCol="0">
             <a:normAutofit/>
           </a:bodyPr>
           <a:lstStyle/>
           <a:p>
             <a:pPr lvl="0"/>
             <a:r>
-              <a:rPr lang="hu-HU"/>
+              <a:rPr lang="hu-HU" smtClean="0"/>
               <a:t>Mintaszöveg szerkesztése</a:t>
             </a:r>
           </a:p>
           <a:p>
             <a:pPr lvl="1"/>
             <a:r>
-              <a:rPr lang="hu-HU"/>
+              <a:rPr lang="hu-HU" smtClean="0"/>
               <a:t>Második szint</a:t>
             </a:r>
           </a:p>
           <a:p>
             <a:pPr lvl="2"/>
             <a:r>
-              <a:rPr lang="hu-HU"/>
+              <a:rPr lang="hu-HU" smtClean="0"/>
               <a:t>Harmadik szint</a:t>
             </a:r>
           </a:p>
           <a:p>
             <a:pPr lvl="3"/>
             <a:r>
-              <a:rPr lang="hu-HU"/>
+              <a:rPr lang="hu-HU" smtClean="0"/>
               <a:t>Negyedik szint</a:t>
             </a:r>
           </a:p>
           <a:p>
             <a:pPr lvl="4"/>
             <a:r>
-              <a:rPr lang="hu-HU"/>
+              <a:rPr lang="hu-HU" smtClean="0"/>
               <a:t>Ötödik szint</a:t>
             </a:r>
             <a:endParaRPr lang="en-US" dirty="0"/>
@@ -2910,8 +3919,8 @@
         </p:nvSpPr>
         <p:spPr>
           <a:xfrm>
-            <a:off x="628650" y="6356351"/>
-            <a:ext cx="2057400" cy="365125"/>
+            <a:off x="822961" y="6459786"/>
+            <a:ext cx="1854203" cy="365125"/>
           </a:xfrm>
           <a:prstGeom prst="rect">
             <a:avLst/>
@@ -2921,11 +3930,9 @@
           <a:bodyPr vert="horz" lIns="91440" tIns="45720" rIns="91440" bIns="45720" rtlCol="0" anchor="ctr"/>
           <a:lstStyle>
             <a:lvl1pPr algn="l">
-              <a:defRPr sz="1200">
+              <a:defRPr sz="900">
                 <a:solidFill>
-                  <a:schemeClr val="tx1">
-                    <a:tint val="75000"/>
-                  </a:schemeClr>
+                  <a:srgbClr val="FFFFFF"/>
                 </a:solidFill>
               </a:defRPr>
             </a:lvl1pPr>
@@ -2933,7 +3940,7 @@
           <a:p>
             <a:fld id="{D6FEAC61-D054-47B6-B1A3-F182E84601BD}" type="datetime1">
               <a:rPr lang="hu-HU" smtClean="0"/>
-              <a:t>2018. 04. 12.</a:t>
+              <a:t>2018. 04. 15.</a:t>
             </a:fld>
             <a:endParaRPr lang="hu-HU"/>
           </a:p>
@@ -2951,8 +3958,8 @@
         </p:nvSpPr>
         <p:spPr>
           <a:xfrm>
-            <a:off x="3028950" y="6356351"/>
-            <a:ext cx="3086100" cy="365125"/>
+            <a:off x="2764639" y="6459786"/>
+            <a:ext cx="3617103" cy="365125"/>
           </a:xfrm>
           <a:prstGeom prst="rect">
             <a:avLst/>
@@ -2962,11 +3969,9 @@
           <a:bodyPr vert="horz" lIns="91440" tIns="45720" rIns="91440" bIns="45720" rtlCol="0" anchor="ctr"/>
           <a:lstStyle>
             <a:lvl1pPr algn="ctr">
-              <a:defRPr sz="1200">
+              <a:defRPr sz="900" cap="all" baseline="0">
                 <a:solidFill>
-                  <a:schemeClr val="tx1">
-                    <a:tint val="75000"/>
-                  </a:schemeClr>
+                  <a:srgbClr val="FFFFFF"/>
                 </a:solidFill>
               </a:defRPr>
             </a:lvl1pPr>
@@ -2988,8 +3993,8 @@
         </p:nvSpPr>
         <p:spPr>
           <a:xfrm>
-            <a:off x="6457950" y="6356351"/>
-            <a:ext cx="2057400" cy="365125"/>
+            <a:off x="7255934" y="6485187"/>
+            <a:ext cx="1153430" cy="365125"/>
           </a:xfrm>
           <a:prstGeom prst="rect">
             <a:avLst/>
@@ -2999,11 +4004,9 @@
           <a:bodyPr vert="horz" lIns="91440" tIns="45720" rIns="91440" bIns="45720" rtlCol="0" anchor="ctr"/>
           <a:lstStyle>
             <a:lvl1pPr algn="r">
-              <a:defRPr sz="1200">
+              <a:defRPr sz="2800">
                 <a:solidFill>
-                  <a:schemeClr val="tx1">
-                    <a:tint val="75000"/>
-                  </a:schemeClr>
+                  <a:srgbClr val="FFFFFF"/>
                 </a:solidFill>
               </a:defRPr>
             </a:lvl1pPr>
@@ -3011,47 +4014,88 @@
           <a:p>
             <a:fld id="{676786BD-618E-4F38-B087-5D1176D55033}" type="slidenum">
               <a:rPr lang="hu-HU" smtClean="0"/>
+              <a:pPr/>
               <a:t>‹#›</a:t>
             </a:fld>
-            <a:endParaRPr lang="hu-HU"/>
-          </a:p>
-        </p:txBody>
-      </p:sp>
+            <a:r>
+              <a:rPr lang="hu-HU" dirty="0" smtClean="0"/>
+              <a:t>/15</a:t>
+            </a:r>
+            <a:endParaRPr lang="hu-HU" dirty="0"/>
+          </a:p>
+        </p:txBody>
+      </p:sp>
+      <p:pic>
+        <p:nvPicPr>
+          <p:cNvPr id="16" name="Kép 15"/>
+          <p:cNvPicPr>
+            <a:picLocks noChangeAspect="1"/>
+          </p:cNvPicPr>
+          <p:nvPr userDrawn="1"/>
+        </p:nvPicPr>
+        <p:blipFill rotWithShape="1">
+          <a:blip r:embed="rId14" cstate="print">
+            <a:extLst>
+              <a:ext uri="{28A0092B-C50C-407E-A947-70E740481C1C}">
+                <a14:useLocalDpi xmlns:a14="http://schemas.microsoft.com/office/drawing/2010/main" val="0"/>
+              </a:ext>
+            </a:extLst>
+          </a:blip>
+          <a:srcRect l="29941" r="30092"/>
+          <a:stretch/>
+        </p:blipFill>
+        <p:spPr>
+          <a:xfrm>
+            <a:off x="8458200" y="1332"/>
+            <a:ext cx="685800" cy="898016"/>
+          </a:xfrm>
+          <a:prstGeom prst="rect">
+            <a:avLst/>
+          </a:prstGeom>
+        </p:spPr>
+      </p:pic>
     </p:spTree>
     <p:extLst>
       <p:ext uri="{BB962C8B-B14F-4D97-AF65-F5344CB8AC3E}">
-        <p14:creationId xmlns:p14="http://schemas.microsoft.com/office/powerpoint/2010/main" val="267332150"/>
+        <p14:creationId xmlns:p14="http://schemas.microsoft.com/office/powerpoint/2010/main" val="3335893085"/>
       </p:ext>
     </p:extLst>
   </p:cSld>
   <p:clrMap bg1="lt1" tx1="dk1" bg2="lt2" tx2="dk2" accent1="accent1" accent2="accent2" accent3="accent3" accent4="accent4" accent5="accent5" accent6="accent6" hlink="hlink" folHlink="folHlink"/>
   <p:sldLayoutIdLst>
-    <p:sldLayoutId id="2147483661" r:id="rId1"/>
-    <p:sldLayoutId id="2147483662" r:id="rId2"/>
-    <p:sldLayoutId id="2147483663" r:id="rId3"/>
-    <p:sldLayoutId id="2147483664" r:id="rId4"/>
-    <p:sldLayoutId id="2147483665" r:id="rId5"/>
-    <p:sldLayoutId id="2147483666" r:id="rId6"/>
-    <p:sldLayoutId id="2147483667" r:id="rId7"/>
-    <p:sldLayoutId id="2147483668" r:id="rId8"/>
-    <p:sldLayoutId id="2147483669" r:id="rId9"/>
-    <p:sldLayoutId id="2147483670" r:id="rId10"/>
-    <p:sldLayoutId id="2147483671" r:id="rId11"/>
+    <p:sldLayoutId id="2147483856" r:id="rId1"/>
+    <p:sldLayoutId id="2147483857" r:id="rId2"/>
+    <p:sldLayoutId id="2147483858" r:id="rId3"/>
+    <p:sldLayoutId id="2147483859" r:id="rId4"/>
+    <p:sldLayoutId id="2147483860" r:id="rId5"/>
+    <p:sldLayoutId id="2147483861" r:id="rId6"/>
+    <p:sldLayoutId id="2147483862" r:id="rId7"/>
+    <p:sldLayoutId id="2147483863" r:id="rId8"/>
+    <p:sldLayoutId id="2147483864" r:id="rId9"/>
+    <p:sldLayoutId id="2147483865" r:id="rId10"/>
+    <p:sldLayoutId id="2147483866" r:id="rId11"/>
   </p:sldLayoutIdLst>
+  <p:timing>
+    <p:tnLst>
+      <p:par>
+        <p:cTn id="1" dur="indefinite" restart="never" nodeType="tmRoot"/>
+      </p:par>
+    </p:tnLst>
+  </p:timing>
   <p:hf hdr="0" ftr="0" dt="0"/>
   <p:txStyles>
     <p:titleStyle>
       <a:lvl1pPr algn="l" defTabSz="914400" rtl="0" eaLnBrk="1" latinLnBrk="0" hangingPunct="1">
         <a:lnSpc>
-          <a:spcPct val="90000"/>
+          <a:spcPct val="85000"/>
         </a:lnSpc>
         <a:spcBef>
           <a:spcPct val="0"/>
         </a:spcBef>
         <a:buNone/>
-        <a:defRPr sz="4400" kern="1200">
+        <a:defRPr sz="4800" kern="1200" spc="-50" baseline="0">
           <a:solidFill>
-            <a:schemeClr val="tx1"/>
+            <a:schemeClr val="bg1"/>
           </a:solidFill>
           <a:latin typeface="+mj-lt"/>
           <a:ea typeface="+mj-ea"/>
@@ -3060,162 +4104,244 @@
       </a:lvl1pPr>
     </p:titleStyle>
     <p:bodyStyle>
-      <a:lvl1pPr marL="228600" indent="-228600" algn="l" defTabSz="914400" rtl="0" eaLnBrk="1" latinLnBrk="0" hangingPunct="1">
+      <a:lvl1pPr marL="91440" indent="-91440" algn="l" defTabSz="914400" rtl="0" eaLnBrk="1" latinLnBrk="0" hangingPunct="1">
         <a:lnSpc>
           <a:spcPct val="90000"/>
         </a:lnSpc>
         <a:spcBef>
-          <a:spcPts val="1000"/>
+          <a:spcPts val="1200"/>
         </a:spcBef>
-        <a:buFont typeface="Arial" panose="020B0604020202020204" pitchFamily="34" charset="0"/>
-        <a:buChar char="•"/>
-        <a:defRPr sz="2800" kern="1200">
+        <a:spcAft>
+          <a:spcPts val="200"/>
+        </a:spcAft>
+        <a:buClr>
+          <a:schemeClr val="accent1"/>
+        </a:buClr>
+        <a:buSzPct val="100000"/>
+        <a:buFont typeface="Calibri" panose="020F0502020204030204" pitchFamily="34" charset="0"/>
+        <a:buChar char=" "/>
+        <a:defRPr sz="2000" kern="1200">
           <a:solidFill>
-            <a:schemeClr val="tx1"/>
+            <a:schemeClr val="tx1">
+              <a:lumMod val="75000"/>
+              <a:lumOff val="25000"/>
+            </a:schemeClr>
           </a:solidFill>
           <a:latin typeface="+mn-lt"/>
           <a:ea typeface="+mn-ea"/>
           <a:cs typeface="+mn-cs"/>
         </a:defRPr>
       </a:lvl1pPr>
-      <a:lvl2pPr marL="685800" indent="-228600" algn="l" defTabSz="914400" rtl="0" eaLnBrk="1" latinLnBrk="0" hangingPunct="1">
+      <a:lvl2pPr marL="384048" indent="-182880" algn="l" defTabSz="914400" rtl="0" eaLnBrk="1" latinLnBrk="0" hangingPunct="1">
         <a:lnSpc>
           <a:spcPct val="90000"/>
         </a:lnSpc>
         <a:spcBef>
-          <a:spcPts val="500"/>
+          <a:spcPts val="200"/>
         </a:spcBef>
-        <a:buFont typeface="Arial" panose="020B0604020202020204" pitchFamily="34" charset="0"/>
-        <a:buChar char="•"/>
-        <a:defRPr sz="2400" kern="1200">
+        <a:spcAft>
+          <a:spcPts val="400"/>
+        </a:spcAft>
+        <a:buClr>
+          <a:schemeClr val="accent1"/>
+        </a:buClr>
+        <a:buFont typeface="Calibri" pitchFamily="34" charset="0"/>
+        <a:buChar char="◦"/>
+        <a:defRPr sz="1800" kern="1200">
           <a:solidFill>
-            <a:schemeClr val="tx1"/>
+            <a:schemeClr val="tx1">
+              <a:lumMod val="75000"/>
+              <a:lumOff val="25000"/>
+            </a:schemeClr>
           </a:solidFill>
           <a:latin typeface="+mn-lt"/>
           <a:ea typeface="+mn-ea"/>
           <a:cs typeface="+mn-cs"/>
         </a:defRPr>
       </a:lvl2pPr>
-      <a:lvl3pPr marL="1143000" indent="-228600" algn="l" defTabSz="914400" rtl="0" eaLnBrk="1" latinLnBrk="0" hangingPunct="1">
+      <a:lvl3pPr marL="566928" indent="-182880" algn="l" defTabSz="914400" rtl="0" eaLnBrk="1" latinLnBrk="0" hangingPunct="1">
         <a:lnSpc>
           <a:spcPct val="90000"/>
         </a:lnSpc>
         <a:spcBef>
-          <a:spcPts val="500"/>
+          <a:spcPts val="200"/>
         </a:spcBef>
-        <a:buFont typeface="Arial" panose="020B0604020202020204" pitchFamily="34" charset="0"/>
-        <a:buChar char="•"/>
-        <a:defRPr sz="2000" kern="1200">
+        <a:spcAft>
+          <a:spcPts val="400"/>
+        </a:spcAft>
+        <a:buClr>
+          <a:schemeClr val="accent1"/>
+        </a:buClr>
+        <a:buFont typeface="Calibri" pitchFamily="34" charset="0"/>
+        <a:buChar char="◦"/>
+        <a:defRPr sz="1400" kern="1200">
           <a:solidFill>
-            <a:schemeClr val="tx1"/>
+            <a:schemeClr val="tx1">
+              <a:lumMod val="75000"/>
+              <a:lumOff val="25000"/>
+            </a:schemeClr>
           </a:solidFill>
           <a:latin typeface="+mn-lt"/>
           <a:ea typeface="+mn-ea"/>
           <a:cs typeface="+mn-cs"/>
         </a:defRPr>
       </a:lvl3pPr>
-      <a:lvl4pPr marL="1600200" indent="-228600" algn="l" defTabSz="914400" rtl="0" eaLnBrk="1" latinLnBrk="0" hangingPunct="1">
+      <a:lvl4pPr marL="749808" indent="-182880" algn="l" defTabSz="914400" rtl="0" eaLnBrk="1" latinLnBrk="0" hangingPunct="1">
         <a:lnSpc>
           <a:spcPct val="90000"/>
         </a:lnSpc>
         <a:spcBef>
-          <a:spcPts val="500"/>
+          <a:spcPts val="200"/>
         </a:spcBef>
-        <a:buFont typeface="Arial" panose="020B0604020202020204" pitchFamily="34" charset="0"/>
-        <a:buChar char="•"/>
-        <a:defRPr sz="1800" kern="1200">
+        <a:spcAft>
+          <a:spcPts val="400"/>
+        </a:spcAft>
+        <a:buClr>
+          <a:schemeClr val="accent1"/>
+        </a:buClr>
+        <a:buFont typeface="Calibri" pitchFamily="34" charset="0"/>
+        <a:buChar char="◦"/>
+        <a:defRPr sz="1400" kern="1200">
           <a:solidFill>
-            <a:schemeClr val="tx1"/>
+            <a:schemeClr val="tx1">
+              <a:lumMod val="75000"/>
+              <a:lumOff val="25000"/>
+            </a:schemeClr>
           </a:solidFill>
           <a:latin typeface="+mn-lt"/>
           <a:ea typeface="+mn-ea"/>
           <a:cs typeface="+mn-cs"/>
         </a:defRPr>
       </a:lvl4pPr>
-      <a:lvl5pPr marL="2057400" indent="-228600" algn="l" defTabSz="914400" rtl="0" eaLnBrk="1" latinLnBrk="0" hangingPunct="1">
+      <a:lvl5pPr marL="932688" indent="-182880" algn="l" defTabSz="914400" rtl="0" eaLnBrk="1" latinLnBrk="0" hangingPunct="1">
         <a:lnSpc>
           <a:spcPct val="90000"/>
         </a:lnSpc>
         <a:spcBef>
-          <a:spcPts val="500"/>
+          <a:spcPts val="200"/>
         </a:spcBef>
-        <a:buFont typeface="Arial" panose="020B0604020202020204" pitchFamily="34" charset="0"/>
-        <a:buChar char="•"/>
-        <a:defRPr sz="1800" kern="1200">
+        <a:spcAft>
+          <a:spcPts val="400"/>
+        </a:spcAft>
+        <a:buClr>
+          <a:schemeClr val="accent1"/>
+        </a:buClr>
+        <a:buFont typeface="Calibri" pitchFamily="34" charset="0"/>
+        <a:buChar char="◦"/>
+        <a:defRPr sz="1400" kern="1200">
           <a:solidFill>
-            <a:schemeClr val="tx1"/>
+            <a:schemeClr val="tx1">
+              <a:lumMod val="75000"/>
+              <a:lumOff val="25000"/>
+            </a:schemeClr>
           </a:solidFill>
           <a:latin typeface="+mn-lt"/>
           <a:ea typeface="+mn-ea"/>
           <a:cs typeface="+mn-cs"/>
         </a:defRPr>
       </a:lvl5pPr>
-      <a:lvl6pPr marL="2514600" indent="-228600" algn="l" defTabSz="914400" rtl="0" eaLnBrk="1" latinLnBrk="0" hangingPunct="1">
+      <a:lvl6pPr marL="1100000" indent="-228600" algn="l" defTabSz="914400" rtl="0" eaLnBrk="1" latinLnBrk="0" hangingPunct="1">
         <a:lnSpc>
           <a:spcPct val="90000"/>
         </a:lnSpc>
         <a:spcBef>
-          <a:spcPts val="500"/>
+          <a:spcPts val="200"/>
         </a:spcBef>
-        <a:buFont typeface="Arial" panose="020B0604020202020204" pitchFamily="34" charset="0"/>
-        <a:buChar char="•"/>
-        <a:defRPr sz="1800" kern="1200">
+        <a:spcAft>
+          <a:spcPts val="400"/>
+        </a:spcAft>
+        <a:buClr>
+          <a:schemeClr val="accent1"/>
+        </a:buClr>
+        <a:buFont typeface="Calibri" pitchFamily="34" charset="0"/>
+        <a:buChar char="◦"/>
+        <a:defRPr sz="1400" kern="1200">
           <a:solidFill>
-            <a:schemeClr val="tx1"/>
+            <a:schemeClr val="tx1">
+              <a:lumMod val="75000"/>
+              <a:lumOff val="25000"/>
+            </a:schemeClr>
           </a:solidFill>
           <a:latin typeface="+mn-lt"/>
           <a:ea typeface="+mn-ea"/>
           <a:cs typeface="+mn-cs"/>
         </a:defRPr>
       </a:lvl6pPr>
-      <a:lvl7pPr marL="2971800" indent="-228600" algn="l" defTabSz="914400" rtl="0" eaLnBrk="1" latinLnBrk="0" hangingPunct="1">
+      <a:lvl7pPr marL="1300000" indent="-228600" algn="l" defTabSz="914400" rtl="0" eaLnBrk="1" latinLnBrk="0" hangingPunct="1">
         <a:lnSpc>
           <a:spcPct val="90000"/>
         </a:lnSpc>
         <a:spcBef>
-          <a:spcPts val="500"/>
+          <a:spcPts val="200"/>
         </a:spcBef>
-        <a:buFont typeface="Arial" panose="020B0604020202020204" pitchFamily="34" charset="0"/>
-        <a:buChar char="•"/>
-        <a:defRPr sz="1800" kern="1200">
+        <a:spcAft>
+          <a:spcPts val="400"/>
+        </a:spcAft>
+        <a:buClr>
+          <a:schemeClr val="accent1"/>
+        </a:buClr>
+        <a:buFont typeface="Calibri" pitchFamily="34" charset="0"/>
+        <a:buChar char="◦"/>
+        <a:defRPr sz="1400" kern="1200">
           <a:solidFill>
-            <a:schemeClr val="tx1"/>
+            <a:schemeClr val="tx1">
+              <a:lumMod val="75000"/>
+              <a:lumOff val="25000"/>
+            </a:schemeClr>
           </a:solidFill>
           <a:latin typeface="+mn-lt"/>
           <a:ea typeface="+mn-ea"/>
           <a:cs typeface="+mn-cs"/>
         </a:defRPr>
       </a:lvl7pPr>
-      <a:lvl8pPr marL="3429000" indent="-228600" algn="l" defTabSz="914400" rtl="0" eaLnBrk="1" latinLnBrk="0" hangingPunct="1">
+      <a:lvl8pPr marL="1500000" indent="-228600" algn="l" defTabSz="914400" rtl="0" eaLnBrk="1" latinLnBrk="0" hangingPunct="1">
         <a:lnSpc>
           <a:spcPct val="90000"/>
         </a:lnSpc>
         <a:spcBef>
-          <a:spcPts val="500"/>
+          <a:spcPts val="200"/>
         </a:spcBef>
-        <a:buFont typeface="Arial" panose="020B0604020202020204" pitchFamily="34" charset="0"/>
-        <a:buChar char="•"/>
-        <a:defRPr sz="1800" kern="1200">
+        <a:spcAft>
+          <a:spcPts val="400"/>
+        </a:spcAft>
+        <a:buClr>
+          <a:schemeClr val="accent1"/>
+        </a:buClr>
+        <a:buFont typeface="Calibri" pitchFamily="34" charset="0"/>
+        <a:buChar char="◦"/>
+        <a:defRPr sz="1400" kern="1200">
           <a:solidFill>
-            <a:schemeClr val="tx1"/>
+            <a:schemeClr val="tx1">
+              <a:lumMod val="75000"/>
+              <a:lumOff val="25000"/>
+            </a:schemeClr>
           </a:solidFill>
           <a:latin typeface="+mn-lt"/>
           <a:ea typeface="+mn-ea"/>
           <a:cs typeface="+mn-cs"/>
         </a:defRPr>
       </a:lvl8pPr>
-      <a:lvl9pPr marL="3886200" indent="-228600" algn="l" defTabSz="914400" rtl="0" eaLnBrk="1" latinLnBrk="0" hangingPunct="1">
+      <a:lvl9pPr marL="1700000" indent="-228600" algn="l" defTabSz="914400" rtl="0" eaLnBrk="1" latinLnBrk="0" hangingPunct="1">
         <a:lnSpc>
           <a:spcPct val="90000"/>
         </a:lnSpc>
         <a:spcBef>
-          <a:spcPts val="500"/>
+          <a:spcPts val="200"/>
         </a:spcBef>
-        <a:buFont typeface="Arial" panose="020B0604020202020204" pitchFamily="34" charset="0"/>
-        <a:buChar char="•"/>
-        <a:defRPr sz="1800" kern="1200">
+        <a:spcAft>
+          <a:spcPts val="400"/>
+        </a:spcAft>
+        <a:buClr>
+          <a:schemeClr val="accent1"/>
+        </a:buClr>
+        <a:buFont typeface="Calibri" pitchFamily="34" charset="0"/>
+        <a:buChar char="◦"/>
+        <a:defRPr sz="1400" kern="1200">
           <a:solidFill>
-            <a:schemeClr val="tx1"/>
+            <a:schemeClr val="tx1">
+              <a:lumMod val="75000"/>
+              <a:lumOff val="25000"/>
+            </a:schemeClr>
           </a:solidFill>
           <a:latin typeface="+mn-lt"/>
           <a:ea typeface="+mn-ea"/>
@@ -3319,6 +4445,11 @@
       </a:lvl9pPr>
     </p:otherStyle>
   </p:txStyles>
+  <p:extLst>
+    <p:ext uri="{27BBF7A9-308A-43DC-89C8-2F10F3537804}">
+      <p15:sldGuideLst xmlns:p15="http://schemas.microsoft.com/office/powerpoint/2012/main"/>
+    </p:ext>
+  </p:extLst>
 </p:sldMaster>
 </file>
 
@@ -3344,7 +4475,7 @@
           <p:cNvPr id="2" name="Cím 1">
             <a:extLst>
               <a:ext uri="{FF2B5EF4-FFF2-40B4-BE49-F238E27FC236}">
-                <a16:creationId xmlns:a16="http://schemas.microsoft.com/office/drawing/2014/main" id="{7EBC0285-A2BD-4B16-99D1-07781D59B075}"/>
+                <a16:creationId xmlns:a16="http://schemas.microsoft.com/office/drawing/2014/main" xmlns="" id="{7EBC0285-A2BD-4B16-99D1-07781D59B075}"/>
               </a:ext>
             </a:extLst>
           </p:cNvPr>
@@ -3355,15 +4486,23 @@
             <p:ph type="ctrTitle"/>
           </p:nvPr>
         </p:nvSpPr>
-        <p:spPr/>
+        <p:spPr>
+          <a:xfrm>
+            <a:off x="800100" y="1276704"/>
+            <a:ext cx="7543800" cy="2203014"/>
+          </a:xfrm>
+        </p:spPr>
         <p:txBody>
           <a:bodyPr>
             <a:normAutofit fontScale="90000"/>
           </a:bodyPr>
           <a:lstStyle/>
           <a:p>
-            <a:r>
-              <a:rPr lang="hu-HU" dirty="0"/>
+            <a:pPr algn="ctr"/>
+            <a:r>
+              <a:rPr lang="hu-HU" sz="5400" cap="all" dirty="0">
+                <a:latin typeface="+mn-lt"/>
+              </a:rPr>
               <a:t>Logikai feladványok megoldása korlátprogramozással</a:t>
             </a:r>
           </a:p>
@@ -3374,7 +4513,7 @@
           <p:cNvPr id="3" name="Alcím 2">
             <a:extLst>
               <a:ext uri="{FF2B5EF4-FFF2-40B4-BE49-F238E27FC236}">
-                <a16:creationId xmlns:a16="http://schemas.microsoft.com/office/drawing/2014/main" id="{7DB2DDC9-0531-433E-AE33-F07B4E9C5077}"/>
+                <a16:creationId xmlns:a16="http://schemas.microsoft.com/office/drawing/2014/main" xmlns="" id="{7DB2DDC9-0531-433E-AE33-F07B4E9C5077}"/>
               </a:ext>
             </a:extLst>
           </p:cNvPr>
@@ -3385,49 +4524,178 @@
             <p:ph type="subTitle" idx="1"/>
           </p:nvPr>
         </p:nvSpPr>
-        <p:spPr/>
+        <p:spPr>
+          <a:xfrm>
+            <a:off x="1143000" y="3942267"/>
+            <a:ext cx="6858000" cy="2475786"/>
+          </a:xfrm>
+        </p:spPr>
         <p:txBody>
           <a:bodyPr>
-            <a:normAutofit fontScale="77500" lnSpcReduction="20000"/>
+            <a:noAutofit/>
           </a:bodyPr>
           <a:lstStyle/>
           <a:p>
-            <a:r>
-              <a:rPr lang="hu-HU" dirty="0"/>
-              <a:t>Szerzők: Papp Ádám, Sós Nikolett </a:t>
-            </a:r>
-          </a:p>
-          <a:p>
-            <a:r>
-              <a:rPr lang="hu-HU" dirty="0"/>
+            <a:pPr algn="ctr">
+              <a:lnSpc>
+                <a:spcPts val="1400"/>
+              </a:lnSpc>
+            </a:pPr>
+            <a:r>
+              <a:rPr lang="hu-HU" sz="2000" spc="0" dirty="0">
+                <a:latin typeface="+mn-lt"/>
+              </a:rPr>
+              <a:t>Szerzők: </a:t>
+            </a:r>
+            <a:r>
+              <a:rPr lang="hu-HU" sz="2000" b="1" spc="0" dirty="0">
+                <a:latin typeface="+mn-lt"/>
+              </a:rPr>
+              <a:t>Papp Ádám, Sós </a:t>
+            </a:r>
+            <a:r>
+              <a:rPr lang="hu-HU" sz="2000" b="1" spc="0" dirty="0" smtClean="0">
+                <a:latin typeface="+mn-lt"/>
+              </a:rPr>
+              <a:t>Nikolett</a:t>
+            </a:r>
+            <a:endParaRPr lang="hu-HU" sz="2000" b="1" spc="0" dirty="0">
+              <a:latin typeface="+mn-lt"/>
+            </a:endParaRPr>
+          </a:p>
+          <a:p>
+            <a:pPr algn="ctr">
+              <a:lnSpc>
+                <a:spcPts val="1400"/>
+              </a:lnSpc>
+            </a:pPr>
+            <a:r>
+              <a:rPr lang="hu-HU" sz="2000" spc="0" dirty="0">
+                <a:latin typeface="+mn-lt"/>
+              </a:rPr>
               <a:t>Mérnök informatikus </a:t>
             </a:r>
             <a:r>
-              <a:rPr lang="hu-HU" dirty="0" err="1"/>
+              <a:rPr lang="hu-HU" sz="2000" spc="0" dirty="0" err="1">
+                <a:latin typeface="+mn-lt"/>
+              </a:rPr>
               <a:t>BSc</a:t>
             </a:r>
             <a:r>
-              <a:rPr lang="hu-HU" dirty="0"/>
+              <a:rPr lang="hu-HU" sz="2000" spc="0" dirty="0">
+                <a:latin typeface="+mn-lt"/>
+              </a:rPr>
               <a:t>., I. évfolyam</a:t>
             </a:r>
           </a:p>
           <a:p>
-            <a:r>
-              <a:rPr lang="hu-HU" dirty="0"/>
-              <a:t>Témavezető: Ősz Olivér, doktorandusz</a:t>
-            </a:r>
-          </a:p>
-          <a:p>
-            <a:r>
-              <a:rPr lang="hu-HU" dirty="0"/>
-              <a:t>Széchenyi István Egyetem, GIVK, Informatika Tanszék</a:t>
-            </a:r>
-          </a:p>
-          <a:p>
-            <a:r>
-              <a:rPr lang="hu-HU" dirty="0"/>
+            <a:pPr algn="ctr">
+              <a:lnSpc>
+                <a:spcPts val="1400"/>
+              </a:lnSpc>
+            </a:pPr>
+            <a:r>
+              <a:rPr lang="hu-HU" sz="2000" spc="0" dirty="0">
+                <a:latin typeface="+mn-lt"/>
+              </a:rPr>
+              <a:t>Témavezető: Ősz </a:t>
+            </a:r>
+            <a:r>
+              <a:rPr lang="hu-HU" sz="2000" spc="0" dirty="0" smtClean="0">
+                <a:latin typeface="+mn-lt"/>
+              </a:rPr>
+              <a:t>Olivér</a:t>
+            </a:r>
+          </a:p>
+          <a:p>
+            <a:pPr algn="ctr">
+              <a:lnSpc>
+                <a:spcPts val="1400"/>
+              </a:lnSpc>
+            </a:pPr>
+            <a:endParaRPr lang="hu-HU" sz="2000" spc="0" dirty="0" smtClean="0">
+              <a:latin typeface="+mn-lt"/>
+            </a:endParaRPr>
+          </a:p>
+          <a:p>
+            <a:pPr algn="ctr">
+              <a:lnSpc>
+                <a:spcPts val="1400"/>
+              </a:lnSpc>
+            </a:pPr>
+            <a:r>
+              <a:rPr lang="hu-HU" sz="2000" spc="0" dirty="0" smtClean="0">
+                <a:latin typeface="+mn-lt"/>
+              </a:rPr>
+              <a:t>Széchenyi </a:t>
+            </a:r>
+            <a:r>
+              <a:rPr lang="hu-HU" sz="2000" spc="0" dirty="0">
+                <a:latin typeface="+mn-lt"/>
+              </a:rPr>
+              <a:t>István Egyetem, </a:t>
+            </a:r>
+            <a:r>
+              <a:rPr lang="hu-HU" sz="2000" spc="0" dirty="0" smtClean="0">
+                <a:latin typeface="+mn-lt"/>
+              </a:rPr>
+              <a:t>GIVK</a:t>
+            </a:r>
+          </a:p>
+          <a:p>
+            <a:pPr algn="ctr">
+              <a:lnSpc>
+                <a:spcPts val="1400"/>
+              </a:lnSpc>
+            </a:pPr>
+            <a:r>
+              <a:rPr lang="hu-HU" sz="2000" spc="0" dirty="0" smtClean="0">
+                <a:latin typeface="+mn-lt"/>
+              </a:rPr>
+              <a:t>Informatika </a:t>
+            </a:r>
+            <a:r>
+              <a:rPr lang="hu-HU" sz="2000" spc="0" dirty="0">
+                <a:latin typeface="+mn-lt"/>
+              </a:rPr>
+              <a:t>Tanszék</a:t>
+            </a:r>
+          </a:p>
+          <a:p>
+            <a:pPr algn="ctr">
+              <a:lnSpc>
+                <a:spcPts val="1400"/>
+              </a:lnSpc>
+            </a:pPr>
+            <a:r>
+              <a:rPr lang="hu-HU" sz="2000" spc="0" dirty="0">
+                <a:latin typeface="+mn-lt"/>
+              </a:rPr>
               <a:t>2018</a:t>
             </a:r>
+          </a:p>
+        </p:txBody>
+      </p:sp>
+      <p:sp>
+        <p:nvSpPr>
+          <p:cNvPr id="4" name="Dia számának helye 3"/>
+          <p:cNvSpPr>
+            <a:spLocks noGrp="1"/>
+          </p:cNvSpPr>
+          <p:nvPr>
+            <p:ph type="sldNum" sz="quarter" idx="12"/>
+          </p:nvPr>
+        </p:nvSpPr>
+        <p:spPr/>
+        <p:txBody>
+          <a:bodyPr/>
+          <a:lstStyle/>
+          <a:p>
+            <a:fld id="{676786BD-618E-4F38-B087-5D1176D55033}" type="slidenum">
+              <a:rPr lang="hu-HU" smtClean="0"/>
+              <a:t>1</a:t>
+            </a:fld>
+            <a:endParaRPr lang="hu-HU"/>
           </a:p>
         </p:txBody>
       </p:sp>
@@ -3441,6 +4709,13 @@
   <p:clrMapOvr>
     <a:masterClrMapping/>
   </p:clrMapOvr>
+  <p:timing>
+    <p:tnLst>
+      <p:par>
+        <p:cTn id="1" dur="indefinite" restart="never" nodeType="tmRoot"/>
+      </p:par>
+    </p:tnLst>
+  </p:timing>
 </p:sld>
 </file>
 
@@ -3466,7 +4741,7 @@
           <p:cNvPr id="2" name="Cím 1">
             <a:extLst>
               <a:ext uri="{FF2B5EF4-FFF2-40B4-BE49-F238E27FC236}">
-                <a16:creationId xmlns:a16="http://schemas.microsoft.com/office/drawing/2014/main" id="{09411F1E-27C1-4AE8-AE32-00B88150B9E2}"/>
+                <a16:creationId xmlns:a16="http://schemas.microsoft.com/office/drawing/2014/main" xmlns="" id="{09411F1E-27C1-4AE8-AE32-00B88150B9E2}"/>
               </a:ext>
             </a:extLst>
           </p:cNvPr>
@@ -3477,17 +4752,11 @@
             <p:ph type="title"/>
           </p:nvPr>
         </p:nvSpPr>
-        <p:spPr>
-          <a:xfrm>
-            <a:off x="628650" y="3734"/>
-            <a:ext cx="7886700" cy="1325563"/>
-          </a:xfrm>
-        </p:spPr>
+        <p:spPr/>
         <p:txBody>
           <a:bodyPr/>
           <a:lstStyle/>
           <a:p>
-            <a:pPr algn="ctr"/>
             <a:r>
               <a:rPr lang="hu-HU" dirty="0"/>
               <a:t>„</a:t>
@@ -3508,7 +4777,7 @@
           <p:cNvPr id="4" name="Dia számának helye 3">
             <a:extLst>
               <a:ext uri="{FF2B5EF4-FFF2-40B4-BE49-F238E27FC236}">
-                <a16:creationId xmlns:a16="http://schemas.microsoft.com/office/drawing/2014/main" id="{A0A56984-CD4E-4AFC-B636-2467537DA82C}"/>
+                <a16:creationId xmlns:a16="http://schemas.microsoft.com/office/drawing/2014/main" xmlns="" id="{A0A56984-CD4E-4AFC-B636-2467537DA82C}"/>
               </a:ext>
             </a:extLst>
           </p:cNvPr>
@@ -3537,7 +4806,890 @@
           <p:cNvPr id="3" name="Szövegdoboz 2">
             <a:extLst>
               <a:ext uri="{FF2B5EF4-FFF2-40B4-BE49-F238E27FC236}">
-                <a16:creationId xmlns:a16="http://schemas.microsoft.com/office/drawing/2014/main" id="{4DE43672-6366-462F-BC64-FD398B28F1E0}"/>
+                <a16:creationId xmlns:a16="http://schemas.microsoft.com/office/drawing/2014/main" xmlns="" id="{4DE43672-6366-462F-BC64-FD398B28F1E0}"/>
+              </a:ext>
+            </a:extLst>
+          </p:cNvPr>
+          <p:cNvSpPr txBox="1"/>
+          <p:nvPr/>
+        </p:nvSpPr>
+        <p:spPr>
+          <a:xfrm>
+            <a:off x="138363" y="1502406"/>
+            <a:ext cx="8867274" cy="2862322"/>
+          </a:xfrm>
+          <a:prstGeom prst="rect">
+            <a:avLst/>
+          </a:prstGeom>
+          <a:noFill/>
+        </p:spPr>
+        <p:txBody>
+          <a:bodyPr wrap="square" rtlCol="0">
+            <a:spAutoFit/>
+          </a:bodyPr>
+          <a:lstStyle/>
+          <a:p>
+            <a:pPr>
+              <a:spcAft>
+                <a:spcPts val="1800"/>
+              </a:spcAft>
+            </a:pPr>
+            <a:r>
+              <a:rPr lang="hu-HU" sz="2400" dirty="0"/>
+              <a:t>Einstein egyik logikai feladványa</a:t>
+            </a:r>
+          </a:p>
+          <a:p>
+            <a:pPr>
+              <a:spcAft>
+                <a:spcPts val="1800"/>
+              </a:spcAft>
+            </a:pPr>
+            <a:r>
+              <a:rPr lang="hu-HU" sz="2400" dirty="0"/>
+              <a:t>Adott:</a:t>
+            </a:r>
+          </a:p>
+          <a:p>
+            <a:pPr lvl="1">
+              <a:spcAft>
+                <a:spcPts val="1800"/>
+              </a:spcAft>
+            </a:pPr>
+            <a:r>
+              <a:rPr lang="hu-HU" sz="2400" dirty="0"/>
+              <a:t>5 kert</a:t>
+            </a:r>
+          </a:p>
+          <a:p>
+            <a:pPr lvl="1">
+              <a:spcAft>
+                <a:spcPts val="1800"/>
+              </a:spcAft>
+            </a:pPr>
+            <a:r>
+              <a:rPr lang="hu-HU" sz="2400" dirty="0"/>
+              <a:t>5 tulajdonos</a:t>
+            </a:r>
+          </a:p>
+          <a:p>
+            <a:pPr lvl="1">
+              <a:spcAft>
+                <a:spcPts val="1800"/>
+              </a:spcAft>
+            </a:pPr>
+            <a:r>
+              <a:rPr lang="hu-HU" sz="2400" dirty="0"/>
+              <a:t>12 termény</a:t>
+            </a:r>
+          </a:p>
+        </p:txBody>
+      </p:sp>
+      <p:pic>
+        <p:nvPicPr>
+          <p:cNvPr id="6" name="Kép 5">
+            <a:extLst>
+              <a:ext uri="{FF2B5EF4-FFF2-40B4-BE49-F238E27FC236}">
+                <a16:creationId xmlns:a16="http://schemas.microsoft.com/office/drawing/2014/main" xmlns="" id="{B507115D-936F-4E1D-B372-6A80D2FC9368}"/>
+              </a:ext>
+            </a:extLst>
+          </p:cNvPr>
+          <p:cNvPicPr>
+            <a:picLocks noChangeAspect="1"/>
+          </p:cNvPicPr>
+          <p:nvPr/>
+        </p:nvPicPr>
+        <p:blipFill>
+          <a:blip r:embed="rId2">
+            <a:extLst>
+              <a:ext uri="{28A0092B-C50C-407E-A947-70E740481C1C}">
+                <a14:useLocalDpi xmlns:a14="http://schemas.microsoft.com/office/drawing/2010/main" val="0"/>
+              </a:ext>
+            </a:extLst>
+          </a:blip>
+          <a:stretch>
+            <a:fillRect/>
+          </a:stretch>
+        </p:blipFill>
+        <p:spPr>
+          <a:xfrm>
+            <a:off x="2594883" y="2162912"/>
+            <a:ext cx="5920467" cy="3958539"/>
+          </a:xfrm>
+          <a:prstGeom prst="rect">
+            <a:avLst/>
+          </a:prstGeom>
+        </p:spPr>
+      </p:pic>
+    </p:spTree>
+    <p:extLst>
+      <p:ext uri="{BB962C8B-B14F-4D97-AF65-F5344CB8AC3E}">
+        <p14:creationId xmlns:p14="http://schemas.microsoft.com/office/powerpoint/2010/main" val="3873893493"/>
+      </p:ext>
+    </p:extLst>
+  </p:cSld>
+  <p:clrMapOvr>
+    <a:masterClrMapping/>
+  </p:clrMapOvr>
+  <p:timing>
+    <p:tnLst>
+      <p:par>
+        <p:cTn id="1" dur="indefinite" restart="never" nodeType="tmRoot"/>
+      </p:par>
+    </p:tnLst>
+  </p:timing>
+</p:sld>
+</file>
+
+<file path=ppt/slides/slide11.xml><?xml version="1.0" encoding="utf-8"?>
+<p:sld xmlns:a="http://schemas.openxmlformats.org/drawingml/2006/main" xmlns:r="http://schemas.openxmlformats.org/officeDocument/2006/relationships" xmlns:p="http://schemas.openxmlformats.org/presentationml/2006/main">
+  <p:cSld>
+    <p:spTree>
+      <p:nvGrpSpPr>
+        <p:cNvPr id="1" name=""/>
+        <p:cNvGrpSpPr/>
+        <p:nvPr/>
+      </p:nvGrpSpPr>
+      <p:grpSpPr>
+        <a:xfrm>
+          <a:off x="0" y="0"/>
+          <a:ext cx="0" cy="0"/>
+          <a:chOff x="0" y="0"/>
+          <a:chExt cx="0" cy="0"/>
+        </a:xfrm>
+      </p:grpSpPr>
+      <p:sp>
+        <p:nvSpPr>
+          <p:cNvPr id="2" name="Cím 1">
+            <a:extLst>
+              <a:ext uri="{FF2B5EF4-FFF2-40B4-BE49-F238E27FC236}">
+                <a16:creationId xmlns:a16="http://schemas.microsoft.com/office/drawing/2014/main" xmlns="" id="{09411F1E-27C1-4AE8-AE32-00B88150B9E2}"/>
+              </a:ext>
+            </a:extLst>
+          </p:cNvPr>
+          <p:cNvSpPr>
+            <a:spLocks noGrp="1"/>
+          </p:cNvSpPr>
+          <p:nvPr>
+            <p:ph type="title"/>
+          </p:nvPr>
+        </p:nvSpPr>
+        <p:spPr>
+          <a:xfrm>
+            <a:off x="628650" y="69010"/>
+            <a:ext cx="7886700" cy="753554"/>
+          </a:xfrm>
+        </p:spPr>
+        <p:txBody>
+          <a:bodyPr/>
+          <a:lstStyle/>
+          <a:p>
+            <a:r>
+              <a:rPr lang="hu-HU" dirty="0"/>
+              <a:t>„</a:t>
+            </a:r>
+            <a:r>
+              <a:rPr lang="hu-HU" dirty="0" err="1"/>
+              <a:t>Gardens</a:t>
+            </a:r>
+            <a:r>
+              <a:rPr lang="hu-HU" dirty="0"/>
+              <a:t>” feladat</a:t>
+            </a:r>
+          </a:p>
+        </p:txBody>
+      </p:sp>
+      <p:sp>
+        <p:nvSpPr>
+          <p:cNvPr id="4" name="Dia számának helye 3">
+            <a:extLst>
+              <a:ext uri="{FF2B5EF4-FFF2-40B4-BE49-F238E27FC236}">
+                <a16:creationId xmlns:a16="http://schemas.microsoft.com/office/drawing/2014/main" xmlns="" id="{A0A56984-CD4E-4AFC-B636-2467537DA82C}"/>
+              </a:ext>
+            </a:extLst>
+          </p:cNvPr>
+          <p:cNvSpPr>
+            <a:spLocks noGrp="1"/>
+          </p:cNvSpPr>
+          <p:nvPr>
+            <p:ph type="sldNum" sz="quarter" idx="12"/>
+          </p:nvPr>
+        </p:nvSpPr>
+        <p:spPr/>
+        <p:txBody>
+          <a:bodyPr/>
+          <a:lstStyle/>
+          <a:p>
+            <a:fld id="{676786BD-618E-4F38-B087-5D1176D55033}" type="slidenum">
+              <a:rPr lang="hu-HU" smtClean="0"/>
+              <a:t>11</a:t>
+            </a:fld>
+            <a:endParaRPr lang="hu-HU"/>
+          </a:p>
+        </p:txBody>
+      </p:sp>
+      <p:pic>
+        <p:nvPicPr>
+          <p:cNvPr id="8" name="Kép 7">
+            <a:extLst>
+              <a:ext uri="{FF2B5EF4-FFF2-40B4-BE49-F238E27FC236}">
+                <a16:creationId xmlns:a16="http://schemas.microsoft.com/office/drawing/2014/main" xmlns="" id="{7EFA0B0D-2D29-475A-BC6F-B7654AD6247E}"/>
+              </a:ext>
+            </a:extLst>
+          </p:cNvPr>
+          <p:cNvPicPr>
+            <a:picLocks noChangeAspect="1"/>
+          </p:cNvPicPr>
+          <p:nvPr/>
+        </p:nvPicPr>
+        <p:blipFill>
+          <a:blip r:embed="rId2" cstate="print">
+            <a:extLst>
+              <a:ext uri="{28A0092B-C50C-407E-A947-70E740481C1C}">
+                <a14:useLocalDpi xmlns:a14="http://schemas.microsoft.com/office/drawing/2010/main" val="0"/>
+              </a:ext>
+            </a:extLst>
+          </a:blip>
+          <a:stretch>
+            <a:fillRect/>
+          </a:stretch>
+        </p:blipFill>
+        <p:spPr>
+          <a:xfrm>
+            <a:off x="743736" y="2094089"/>
+            <a:ext cx="6521578" cy="1077411"/>
+          </a:xfrm>
+          <a:prstGeom prst="rect">
+            <a:avLst/>
+          </a:prstGeom>
+        </p:spPr>
+      </p:pic>
+      <p:pic>
+        <p:nvPicPr>
+          <p:cNvPr id="5" name="Kép 4">
+            <a:extLst>
+              <a:ext uri="{FF2B5EF4-FFF2-40B4-BE49-F238E27FC236}">
+                <a16:creationId xmlns:a16="http://schemas.microsoft.com/office/drawing/2014/main" xmlns="" id="{006E9B15-E836-47EB-A212-30BFB95903FA}"/>
+              </a:ext>
+            </a:extLst>
+          </p:cNvPr>
+          <p:cNvPicPr>
+            <a:picLocks noChangeAspect="1"/>
+          </p:cNvPicPr>
+          <p:nvPr/>
+        </p:nvPicPr>
+        <p:blipFill>
+          <a:blip r:embed="rId3">
+            <a:extLst>
+              <a:ext uri="{28A0092B-C50C-407E-A947-70E740481C1C}">
+                <a14:useLocalDpi xmlns:a14="http://schemas.microsoft.com/office/drawing/2010/main" val="0"/>
+              </a:ext>
+            </a:extLst>
+          </a:blip>
+          <a:stretch>
+            <a:fillRect/>
+          </a:stretch>
+        </p:blipFill>
+        <p:spPr>
+          <a:xfrm>
+            <a:off x="974861" y="4735768"/>
+            <a:ext cx="6133956" cy="995368"/>
+          </a:xfrm>
+          <a:prstGeom prst="rect">
+            <a:avLst/>
+          </a:prstGeom>
+        </p:spPr>
+      </p:pic>
+      <p:sp>
+        <p:nvSpPr>
+          <p:cNvPr id="10" name="Szövegdoboz 2">
+            <a:extLst>
+              <a:ext uri="{FF2B5EF4-FFF2-40B4-BE49-F238E27FC236}">
+                <a16:creationId xmlns:a16="http://schemas.microsoft.com/office/drawing/2014/main" xmlns="" id="{39841D13-B0B8-4DA2-A5A2-95125A497738}"/>
+              </a:ext>
+            </a:extLst>
+          </p:cNvPr>
+          <p:cNvSpPr txBox="1">
+            <a:spLocks noChangeArrowheads="1"/>
+          </p:cNvSpPr>
+          <p:nvPr/>
+        </p:nvSpPr>
+        <p:spPr bwMode="auto">
+          <a:xfrm>
+            <a:off x="1185472" y="3089281"/>
+            <a:ext cx="6301177" cy="937998"/>
+          </a:xfrm>
+          <a:prstGeom prst="rect">
+            <a:avLst/>
+          </a:prstGeom>
+          <a:solidFill>
+            <a:srgbClr val="FFFFFF"/>
+          </a:solidFill>
+          <a:ln w="9525">
+            <a:solidFill>
+              <a:srgbClr val="000000"/>
+            </a:solidFill>
+            <a:miter lim="800000"/>
+            <a:headEnd/>
+            <a:tailEnd/>
+          </a:ln>
+        </p:spPr>
+        <p:txBody>
+          <a:bodyPr rot="0" vert="horz" wrap="square" lIns="91440" tIns="45720" rIns="91440" bIns="45720" anchor="t" anchorCtr="0">
+            <a:noAutofit/>
+          </a:bodyPr>
+          <a:lstStyle/>
+          <a:p>
+            <a:pPr algn="l">
+              <a:lnSpc>
+                <a:spcPct val="150000"/>
+              </a:lnSpc>
+              <a:spcAft>
+                <a:spcPts val="0"/>
+              </a:spcAft>
+            </a:pPr>
+            <a:r>
+              <a:rPr lang="hu-HU" dirty="0" err="1">
+                <a:solidFill>
+                  <a:srgbClr val="008000"/>
+                </a:solidFill>
+                <a:effectLst/>
+                <a:latin typeface="Consolas" panose="020B0609020204030204" pitchFamily="49" charset="0"/>
+                <a:ea typeface="Times New Roman" panose="02020603050405020304" pitchFamily="18" charset="0"/>
+              </a:rPr>
+              <a:t>constraint</a:t>
+            </a:r>
+            <a:r>
+              <a:rPr lang="hu-HU" dirty="0">
+                <a:effectLst/>
+                <a:latin typeface="Consolas" panose="020B0609020204030204" pitchFamily="49" charset="0"/>
+                <a:ea typeface="Times New Roman" panose="02020603050405020304" pitchFamily="18" charset="0"/>
+              </a:rPr>
+              <a:t> </a:t>
+            </a:r>
+            <a:r>
+              <a:rPr lang="hu-HU" dirty="0" err="1">
+                <a:solidFill>
+                  <a:srgbClr val="0000FF"/>
+                </a:solidFill>
+                <a:effectLst/>
+                <a:latin typeface="Consolas" panose="020B0609020204030204" pitchFamily="49" charset="0"/>
+                <a:ea typeface="Times New Roman" panose="02020603050405020304" pitchFamily="18" charset="0"/>
+              </a:rPr>
+              <a:t>forall</a:t>
+            </a:r>
+            <a:r>
+              <a:rPr lang="hu-HU" dirty="0">
+                <a:effectLst/>
+                <a:latin typeface="Consolas" panose="020B0609020204030204" pitchFamily="49" charset="0"/>
+                <a:ea typeface="Times New Roman" panose="02020603050405020304" pitchFamily="18" charset="0"/>
+              </a:rPr>
+              <a:t>(t </a:t>
+            </a:r>
+            <a:r>
+              <a:rPr lang="hu-HU" dirty="0">
+                <a:solidFill>
+                  <a:srgbClr val="008000"/>
+                </a:solidFill>
+                <a:effectLst/>
+                <a:latin typeface="Consolas" panose="020B0609020204030204" pitchFamily="49" charset="0"/>
+                <a:ea typeface="Times New Roman" panose="02020603050405020304" pitchFamily="18" charset="0"/>
+              </a:rPr>
+              <a:t>in</a:t>
+            </a:r>
+            <a:r>
+              <a:rPr lang="hu-HU" dirty="0">
+                <a:effectLst/>
+                <a:latin typeface="Consolas" panose="020B0609020204030204" pitchFamily="49" charset="0"/>
+                <a:ea typeface="Times New Roman" panose="02020603050405020304" pitchFamily="18" charset="0"/>
+              </a:rPr>
+              <a:t> Tulaj </a:t>
+            </a:r>
+            <a:r>
+              <a:rPr lang="hu-HU" dirty="0" err="1">
+                <a:effectLst/>
+                <a:latin typeface="Consolas" panose="020B0609020204030204" pitchFamily="49" charset="0"/>
+                <a:ea typeface="Times New Roman" panose="02020603050405020304" pitchFamily="18" charset="0"/>
+              </a:rPr>
+              <a:t>where</a:t>
+            </a:r>
+            <a:r>
+              <a:rPr lang="hu-HU" dirty="0">
+                <a:effectLst/>
+                <a:latin typeface="Consolas" panose="020B0609020204030204" pitchFamily="49" charset="0"/>
+                <a:ea typeface="Times New Roman" panose="02020603050405020304" pitchFamily="18" charset="0"/>
+              </a:rPr>
+              <a:t> tulaj[t]=4) (</a:t>
+            </a:r>
+            <a:r>
+              <a:rPr lang="hu-HU" dirty="0">
+                <a:solidFill>
+                  <a:srgbClr val="0000FF"/>
+                </a:solidFill>
+                <a:effectLst/>
+                <a:latin typeface="Consolas" panose="020B0609020204030204" pitchFamily="49" charset="0"/>
+                <a:ea typeface="Times New Roman" panose="02020603050405020304" pitchFamily="18" charset="0"/>
+              </a:rPr>
+              <a:t>sum</a:t>
+            </a:r>
+            <a:r>
+              <a:rPr lang="hu-HU" dirty="0">
+                <a:effectLst/>
+                <a:latin typeface="Consolas" panose="020B0609020204030204" pitchFamily="49" charset="0"/>
+                <a:ea typeface="Times New Roman" panose="02020603050405020304" pitchFamily="18" charset="0"/>
+              </a:rPr>
+              <a:t>(z </a:t>
+            </a:r>
+            <a:r>
+              <a:rPr lang="hu-HU" dirty="0">
+                <a:solidFill>
+                  <a:srgbClr val="008000"/>
+                </a:solidFill>
+                <a:effectLst/>
+                <a:latin typeface="Consolas" panose="020B0609020204030204" pitchFamily="49" charset="0"/>
+                <a:ea typeface="Times New Roman" panose="02020603050405020304" pitchFamily="18" charset="0"/>
+              </a:rPr>
+              <a:t>in</a:t>
+            </a:r>
+            <a:r>
+              <a:rPr lang="hu-HU" dirty="0">
+                <a:effectLst/>
+                <a:latin typeface="Consolas" panose="020B0609020204030204" pitchFamily="49" charset="0"/>
+                <a:ea typeface="Times New Roman" panose="02020603050405020304" pitchFamily="18" charset="0"/>
+              </a:rPr>
+              <a:t> </a:t>
+            </a:r>
+            <a:r>
+              <a:rPr lang="hu-HU" dirty="0" err="1">
+                <a:effectLst/>
+                <a:latin typeface="Consolas" panose="020B0609020204030204" pitchFamily="49" charset="0"/>
+                <a:ea typeface="Times New Roman" panose="02020603050405020304" pitchFamily="18" charset="0"/>
+              </a:rPr>
+              <a:t>Zoldsegek</a:t>
+            </a:r>
+            <a:r>
+              <a:rPr lang="hu-HU" dirty="0">
+                <a:effectLst/>
+                <a:latin typeface="Consolas" panose="020B0609020204030204" pitchFamily="49" charset="0"/>
+                <a:ea typeface="Times New Roman" panose="02020603050405020304" pitchFamily="18" charset="0"/>
+              </a:rPr>
+              <a:t>) (termeszt[</a:t>
+            </a:r>
+            <a:r>
+              <a:rPr lang="hu-HU" dirty="0" err="1">
+                <a:effectLst/>
+                <a:latin typeface="Consolas" panose="020B0609020204030204" pitchFamily="49" charset="0"/>
+                <a:ea typeface="Times New Roman" panose="02020603050405020304" pitchFamily="18" charset="0"/>
+              </a:rPr>
+              <a:t>z,t</a:t>
+            </a:r>
+            <a:r>
+              <a:rPr lang="hu-HU" dirty="0">
+                <a:effectLst/>
+                <a:latin typeface="Consolas" panose="020B0609020204030204" pitchFamily="49" charset="0"/>
+                <a:ea typeface="Times New Roman" panose="02020603050405020304" pitchFamily="18" charset="0"/>
+              </a:rPr>
+              <a:t>])=3);</a:t>
+            </a:r>
+            <a:endParaRPr lang="hu-HU" dirty="0">
+              <a:effectLst/>
+              <a:latin typeface="Times New Roman" panose="02020603050405020304" pitchFamily="18" charset="0"/>
+              <a:ea typeface="Times New Roman" panose="02020603050405020304" pitchFamily="18" charset="0"/>
+            </a:endParaRPr>
+          </a:p>
+        </p:txBody>
+      </p:sp>
+      <p:sp>
+        <p:nvSpPr>
+          <p:cNvPr id="11" name="Szövegdoboz 2">
+            <a:extLst>
+              <a:ext uri="{FF2B5EF4-FFF2-40B4-BE49-F238E27FC236}">
+                <a16:creationId xmlns:a16="http://schemas.microsoft.com/office/drawing/2014/main" xmlns="" id="{86F25DC7-8728-4838-B077-B40E9AE2E358}"/>
+              </a:ext>
+            </a:extLst>
+          </p:cNvPr>
+          <p:cNvSpPr txBox="1">
+            <a:spLocks noChangeArrowheads="1"/>
+          </p:cNvSpPr>
+          <p:nvPr/>
+        </p:nvSpPr>
+        <p:spPr bwMode="auto">
+          <a:xfrm>
+            <a:off x="900234" y="5648742"/>
+            <a:ext cx="6208583" cy="877741"/>
+          </a:xfrm>
+          <a:prstGeom prst="rect">
+            <a:avLst/>
+          </a:prstGeom>
+          <a:solidFill>
+            <a:srgbClr val="FFFFFF"/>
+          </a:solidFill>
+          <a:ln w="9525">
+            <a:solidFill>
+              <a:srgbClr val="000000"/>
+            </a:solidFill>
+            <a:miter lim="800000"/>
+            <a:headEnd/>
+            <a:tailEnd/>
+          </a:ln>
+        </p:spPr>
+        <p:txBody>
+          <a:bodyPr rot="0" vert="horz" wrap="square" lIns="91440" tIns="45720" rIns="91440" bIns="45720" anchor="t" anchorCtr="0">
+            <a:spAutoFit/>
+          </a:bodyPr>
+          <a:lstStyle/>
+          <a:p>
+            <a:pPr algn="l">
+              <a:lnSpc>
+                <a:spcPct val="150000"/>
+              </a:lnSpc>
+              <a:spcAft>
+                <a:spcPts val="0"/>
+              </a:spcAft>
+            </a:pPr>
+            <a:r>
+              <a:rPr lang="hu-HU" dirty="0" err="1">
+                <a:solidFill>
+                  <a:srgbClr val="008000"/>
+                </a:solidFill>
+                <a:effectLst/>
+                <a:latin typeface="Consolas" panose="020B0609020204030204" pitchFamily="49" charset="0"/>
+                <a:ea typeface="Times New Roman" panose="02020603050405020304" pitchFamily="18" charset="0"/>
+              </a:rPr>
+              <a:t>constraint</a:t>
+            </a:r>
+            <a:r>
+              <a:rPr lang="hu-HU" dirty="0">
+                <a:effectLst/>
+                <a:latin typeface="Consolas" panose="020B0609020204030204" pitchFamily="49" charset="0"/>
+                <a:ea typeface="Times New Roman" panose="02020603050405020304" pitchFamily="18" charset="0"/>
+              </a:rPr>
+              <a:t> </a:t>
+            </a:r>
+            <a:r>
+              <a:rPr lang="hu-HU" dirty="0" err="1">
+                <a:solidFill>
+                  <a:srgbClr val="0000FF"/>
+                </a:solidFill>
+                <a:effectLst/>
+                <a:latin typeface="Consolas" panose="020B0609020204030204" pitchFamily="49" charset="0"/>
+                <a:ea typeface="Times New Roman" panose="02020603050405020304" pitchFamily="18" charset="0"/>
+              </a:rPr>
+              <a:t>forall</a:t>
+            </a:r>
+            <a:r>
+              <a:rPr lang="hu-HU" dirty="0">
+                <a:effectLst/>
+                <a:latin typeface="Consolas" panose="020B0609020204030204" pitchFamily="49" charset="0"/>
+                <a:ea typeface="Times New Roman" panose="02020603050405020304" pitchFamily="18" charset="0"/>
+              </a:rPr>
+              <a:t>(t </a:t>
+            </a:r>
+            <a:r>
+              <a:rPr lang="hu-HU" dirty="0">
+                <a:solidFill>
+                  <a:srgbClr val="008000"/>
+                </a:solidFill>
+                <a:effectLst/>
+                <a:latin typeface="Consolas" panose="020B0609020204030204" pitchFamily="49" charset="0"/>
+                <a:ea typeface="Times New Roman" panose="02020603050405020304" pitchFamily="18" charset="0"/>
+              </a:rPr>
+              <a:t>in</a:t>
+            </a:r>
+            <a:r>
+              <a:rPr lang="hu-HU" dirty="0">
+                <a:effectLst/>
+                <a:latin typeface="Consolas" panose="020B0609020204030204" pitchFamily="49" charset="0"/>
+                <a:ea typeface="Times New Roman" panose="02020603050405020304" pitchFamily="18" charset="0"/>
+              </a:rPr>
+              <a:t> Tulaj)(tulaj[t]=4 -&gt; </a:t>
+            </a:r>
+            <a:r>
+              <a:rPr lang="hu-HU" dirty="0">
+                <a:solidFill>
+                  <a:srgbClr val="0000FF"/>
+                </a:solidFill>
+                <a:effectLst/>
+                <a:latin typeface="Consolas" panose="020B0609020204030204" pitchFamily="49" charset="0"/>
+                <a:ea typeface="Times New Roman" panose="02020603050405020304" pitchFamily="18" charset="0"/>
+              </a:rPr>
+              <a:t>sum</a:t>
+            </a:r>
+            <a:r>
+              <a:rPr lang="hu-HU" dirty="0">
+                <a:effectLst/>
+                <a:latin typeface="Consolas" panose="020B0609020204030204" pitchFamily="49" charset="0"/>
+                <a:ea typeface="Times New Roman" panose="02020603050405020304" pitchFamily="18" charset="0"/>
+              </a:rPr>
+              <a:t>(z </a:t>
+            </a:r>
+            <a:r>
+              <a:rPr lang="hu-HU" dirty="0">
+                <a:solidFill>
+                  <a:srgbClr val="008000"/>
+                </a:solidFill>
+                <a:effectLst/>
+                <a:latin typeface="Consolas" panose="020B0609020204030204" pitchFamily="49" charset="0"/>
+                <a:ea typeface="Times New Roman" panose="02020603050405020304" pitchFamily="18" charset="0"/>
+              </a:rPr>
+              <a:t>in</a:t>
+            </a:r>
+            <a:r>
+              <a:rPr lang="hu-HU" dirty="0">
+                <a:effectLst/>
+                <a:latin typeface="Consolas" panose="020B0609020204030204" pitchFamily="49" charset="0"/>
+                <a:ea typeface="Times New Roman" panose="02020603050405020304" pitchFamily="18" charset="0"/>
+              </a:rPr>
+              <a:t> </a:t>
+            </a:r>
+            <a:r>
+              <a:rPr lang="hu-HU" dirty="0" err="1">
+                <a:effectLst/>
+                <a:latin typeface="Consolas" panose="020B0609020204030204" pitchFamily="49" charset="0"/>
+                <a:ea typeface="Times New Roman" panose="02020603050405020304" pitchFamily="18" charset="0"/>
+              </a:rPr>
+              <a:t>Zoldsegek</a:t>
+            </a:r>
+            <a:r>
+              <a:rPr lang="hu-HU" dirty="0">
+                <a:effectLst/>
+                <a:latin typeface="Consolas" panose="020B0609020204030204" pitchFamily="49" charset="0"/>
+                <a:ea typeface="Times New Roman" panose="02020603050405020304" pitchFamily="18" charset="0"/>
+              </a:rPr>
+              <a:t>)(termeszt[</a:t>
+            </a:r>
+            <a:r>
+              <a:rPr lang="hu-HU" dirty="0" err="1">
+                <a:effectLst/>
+                <a:latin typeface="Consolas" panose="020B0609020204030204" pitchFamily="49" charset="0"/>
+                <a:ea typeface="Times New Roman" panose="02020603050405020304" pitchFamily="18" charset="0"/>
+              </a:rPr>
+              <a:t>z,t</a:t>
+            </a:r>
+            <a:r>
+              <a:rPr lang="hu-HU" dirty="0">
+                <a:effectLst/>
+                <a:latin typeface="Consolas" panose="020B0609020204030204" pitchFamily="49" charset="0"/>
+                <a:ea typeface="Times New Roman" panose="02020603050405020304" pitchFamily="18" charset="0"/>
+              </a:rPr>
+              <a:t>])=3);</a:t>
+            </a:r>
+            <a:endParaRPr lang="hu-HU" dirty="0">
+              <a:effectLst/>
+              <a:latin typeface="Times New Roman" panose="02020603050405020304" pitchFamily="18" charset="0"/>
+              <a:ea typeface="Times New Roman" panose="02020603050405020304" pitchFamily="18" charset="0"/>
+            </a:endParaRPr>
+          </a:p>
+        </p:txBody>
+      </p:sp>
+      <p:sp>
+        <p:nvSpPr>
+          <p:cNvPr id="13" name="Szövegdoboz 12">
+            <a:extLst>
+              <a:ext uri="{FF2B5EF4-FFF2-40B4-BE49-F238E27FC236}">
+                <a16:creationId xmlns:a16="http://schemas.microsoft.com/office/drawing/2014/main" xmlns="" id="{0577F7CD-9049-455E-B1B2-6AEAADE49D6A}"/>
+              </a:ext>
+            </a:extLst>
+          </p:cNvPr>
+          <p:cNvSpPr txBox="1"/>
+          <p:nvPr/>
+        </p:nvSpPr>
+        <p:spPr>
+          <a:xfrm>
+            <a:off x="187807" y="4293583"/>
+            <a:ext cx="4690946" cy="461665"/>
+          </a:xfrm>
+          <a:prstGeom prst="rect">
+            <a:avLst/>
+          </a:prstGeom>
+          <a:noFill/>
+        </p:spPr>
+        <p:txBody>
+          <a:bodyPr wrap="square" rtlCol="0">
+            <a:spAutoFit/>
+          </a:bodyPr>
+          <a:lstStyle/>
+          <a:p>
+            <a:pPr marL="342900" indent="-342900">
+              <a:buFont typeface="Arial" panose="020B0604020202020204" pitchFamily="34" charset="0"/>
+              <a:buChar char="•"/>
+            </a:pPr>
+            <a:r>
+              <a:rPr lang="hu-HU" sz="2400" dirty="0"/>
+              <a:t>Logikai operátorok használata</a:t>
+            </a:r>
+          </a:p>
+        </p:txBody>
+      </p:sp>
+      <p:sp>
+        <p:nvSpPr>
+          <p:cNvPr id="14" name="Szövegdoboz 13">
+            <a:extLst>
+              <a:ext uri="{FF2B5EF4-FFF2-40B4-BE49-F238E27FC236}">
+                <a16:creationId xmlns:a16="http://schemas.microsoft.com/office/drawing/2014/main" xmlns="" id="{9FA03E7D-BC57-4837-88E1-401F7D3D114C}"/>
+              </a:ext>
+            </a:extLst>
+          </p:cNvPr>
+          <p:cNvSpPr txBox="1"/>
+          <p:nvPr/>
+        </p:nvSpPr>
+        <p:spPr>
+          <a:xfrm>
+            <a:off x="187807" y="1009431"/>
+            <a:ext cx="4690946" cy="1200329"/>
+          </a:xfrm>
+          <a:prstGeom prst="rect">
+            <a:avLst/>
+          </a:prstGeom>
+          <a:noFill/>
+        </p:spPr>
+        <p:txBody>
+          <a:bodyPr wrap="square" rtlCol="0">
+            <a:spAutoFit/>
+          </a:bodyPr>
+          <a:lstStyle/>
+          <a:p>
+            <a:r>
+              <a:rPr lang="hu-HU" sz="2400" dirty="0"/>
+              <a:t>Több módszer is alkalmazva lett:</a:t>
+            </a:r>
+          </a:p>
+          <a:p>
+            <a:endParaRPr lang="hu-HU" sz="2400" dirty="0"/>
+          </a:p>
+          <a:p>
+            <a:pPr marL="342900" indent="-342900">
+              <a:buFont typeface="Arial" panose="020B0604020202020204" pitchFamily="34" charset="0"/>
+              <a:buChar char="•"/>
+            </a:pPr>
+            <a:r>
+              <a:rPr lang="hu-HU" sz="2400" dirty="0"/>
+              <a:t>Bináris</a:t>
+            </a:r>
+            <a:r>
+              <a:rPr lang="hu-HU" dirty="0"/>
+              <a:t> </a:t>
+            </a:r>
+            <a:r>
+              <a:rPr lang="hu-HU" sz="2400" dirty="0"/>
+              <a:t>mátrix</a:t>
+            </a:r>
+          </a:p>
+        </p:txBody>
+      </p:sp>
+    </p:spTree>
+    <p:extLst>
+      <p:ext uri="{BB962C8B-B14F-4D97-AF65-F5344CB8AC3E}">
+        <p14:creationId xmlns:p14="http://schemas.microsoft.com/office/powerpoint/2010/main" val="2259454649"/>
+      </p:ext>
+    </p:extLst>
+  </p:cSld>
+  <p:clrMapOvr>
+    <a:masterClrMapping/>
+  </p:clrMapOvr>
+  <p:timing>
+    <p:tnLst>
+      <p:par>
+        <p:cTn id="1" dur="indefinite" restart="never" nodeType="tmRoot"/>
+      </p:par>
+    </p:tnLst>
+  </p:timing>
+</p:sld>
+</file>
+
+<file path=ppt/slides/slide12.xml><?xml version="1.0" encoding="utf-8"?>
+<p:sld xmlns:a="http://schemas.openxmlformats.org/drawingml/2006/main" xmlns:r="http://schemas.openxmlformats.org/officeDocument/2006/relationships" xmlns:p="http://schemas.openxmlformats.org/presentationml/2006/main">
+  <p:cSld>
+    <p:spTree>
+      <p:nvGrpSpPr>
+        <p:cNvPr id="1" name=""/>
+        <p:cNvGrpSpPr/>
+        <p:nvPr/>
+      </p:nvGrpSpPr>
+      <p:grpSpPr>
+        <a:xfrm>
+          <a:off x="0" y="0"/>
+          <a:ext cx="0" cy="0"/>
+          <a:chOff x="0" y="0"/>
+          <a:chExt cx="0" cy="0"/>
+        </a:xfrm>
+      </p:grpSpPr>
+      <p:sp>
+        <p:nvSpPr>
+          <p:cNvPr id="2" name="Cím 1">
+            <a:extLst>
+              <a:ext uri="{FF2B5EF4-FFF2-40B4-BE49-F238E27FC236}">
+                <a16:creationId xmlns:a16="http://schemas.microsoft.com/office/drawing/2014/main" xmlns="" id="{09411F1E-27C1-4AE8-AE32-00B88150B9E2}"/>
+              </a:ext>
+            </a:extLst>
+          </p:cNvPr>
+          <p:cNvSpPr>
+            <a:spLocks noGrp="1"/>
+          </p:cNvSpPr>
+          <p:nvPr>
+            <p:ph type="title"/>
+          </p:nvPr>
+        </p:nvSpPr>
+        <p:spPr>
+          <a:xfrm>
+            <a:off x="628650" y="69015"/>
+            <a:ext cx="7886700" cy="768580"/>
+          </a:xfrm>
+        </p:spPr>
+        <p:txBody>
+          <a:bodyPr/>
+          <a:lstStyle/>
+          <a:p>
+            <a:r>
+              <a:rPr lang="hu-HU" dirty="0"/>
+              <a:t>„</a:t>
+            </a:r>
+            <a:r>
+              <a:rPr lang="hu-HU" dirty="0" err="1"/>
+              <a:t>Gardens</a:t>
+            </a:r>
+            <a:r>
+              <a:rPr lang="hu-HU" dirty="0"/>
+              <a:t>” feladat</a:t>
+            </a:r>
+          </a:p>
+        </p:txBody>
+      </p:sp>
+      <p:sp>
+        <p:nvSpPr>
+          <p:cNvPr id="4" name="Dia számának helye 3">
+            <a:extLst>
+              <a:ext uri="{FF2B5EF4-FFF2-40B4-BE49-F238E27FC236}">
+                <a16:creationId xmlns:a16="http://schemas.microsoft.com/office/drawing/2014/main" xmlns="" id="{A0A56984-CD4E-4AFC-B636-2467537DA82C}"/>
+              </a:ext>
+            </a:extLst>
+          </p:cNvPr>
+          <p:cNvSpPr>
+            <a:spLocks noGrp="1"/>
+          </p:cNvSpPr>
+          <p:nvPr>
+            <p:ph type="sldNum" sz="quarter" idx="12"/>
+          </p:nvPr>
+        </p:nvSpPr>
+        <p:spPr/>
+        <p:txBody>
+          <a:bodyPr/>
+          <a:lstStyle/>
+          <a:p>
+            <a:fld id="{676786BD-618E-4F38-B087-5D1176D55033}" type="slidenum">
+              <a:rPr lang="hu-HU" smtClean="0"/>
+              <a:t>12</a:t>
+            </a:fld>
+            <a:endParaRPr lang="hu-HU"/>
+          </a:p>
+        </p:txBody>
+      </p:sp>
+      <p:sp>
+        <p:nvSpPr>
+          <p:cNvPr id="3" name="Szövegdoboz 2">
+            <a:extLst>
+              <a:ext uri="{FF2B5EF4-FFF2-40B4-BE49-F238E27FC236}">
+                <a16:creationId xmlns:a16="http://schemas.microsoft.com/office/drawing/2014/main" xmlns="" id="{4DE43672-6366-462F-BC64-FD398B28F1E0}"/>
               </a:ext>
             </a:extLst>
           </p:cNvPr>
@@ -3624,7 +5776,7 @@
           <p:cNvPr id="8" name="Kép 7">
             <a:extLst>
               <a:ext uri="{FF2B5EF4-FFF2-40B4-BE49-F238E27FC236}">
-                <a16:creationId xmlns:a16="http://schemas.microsoft.com/office/drawing/2014/main" id="{C05E58D7-36C5-4C65-9FE0-11FA11CBC560}"/>
+                <a16:creationId xmlns:a16="http://schemas.microsoft.com/office/drawing/2014/main" xmlns="" id="{C05E58D7-36C5-4C65-9FE0-11FA11CBC560}"/>
               </a:ext>
             </a:extLst>
           </p:cNvPr>
@@ -3660,7 +5812,7 @@
           <p:cNvPr id="11" name="Kép 10">
             <a:extLst>
               <a:ext uri="{FF2B5EF4-FFF2-40B4-BE49-F238E27FC236}">
-                <a16:creationId xmlns:a16="http://schemas.microsoft.com/office/drawing/2014/main" id="{FC2E7B0D-741C-4FBE-8BF7-2119A781BFDA}"/>
+                <a16:creationId xmlns:a16="http://schemas.microsoft.com/office/drawing/2014/main" xmlns="" id="{FC2E7B0D-741C-4FBE-8BF7-2119A781BFDA}"/>
               </a:ext>
             </a:extLst>
           </p:cNvPr>
@@ -3696,7 +5848,7 @@
           <p:cNvPr id="5" name="Kép 4">
             <a:extLst>
               <a:ext uri="{FF2B5EF4-FFF2-40B4-BE49-F238E27FC236}">
-                <a16:creationId xmlns:a16="http://schemas.microsoft.com/office/drawing/2014/main" id="{1E09BCFB-52F6-4686-A2F2-D94706ED3294}"/>
+                <a16:creationId xmlns:a16="http://schemas.microsoft.com/office/drawing/2014/main" xmlns="" id="{1E09BCFB-52F6-4686-A2F2-D94706ED3294}"/>
               </a:ext>
             </a:extLst>
           </p:cNvPr>
@@ -3730,264 +5882,13 @@
   <p:clrMapOvr>
     <a:masterClrMapping/>
   </p:clrMapOvr>
-</p:sld>
-</file>
-
-<file path=ppt/slides/slide11.xml><?xml version="1.0" encoding="utf-8"?>
-<p:sld xmlns:a="http://schemas.openxmlformats.org/drawingml/2006/main" xmlns:r="http://schemas.openxmlformats.org/officeDocument/2006/relationships" xmlns:p="http://schemas.openxmlformats.org/presentationml/2006/main">
-  <p:cSld>
-    <p:spTree>
-      <p:nvGrpSpPr>
-        <p:cNvPr id="1" name=""/>
-        <p:cNvGrpSpPr/>
-        <p:nvPr/>
-      </p:nvGrpSpPr>
-      <p:grpSpPr>
-        <a:xfrm>
-          <a:off x="0" y="0"/>
-          <a:ext cx="0" cy="0"/>
-          <a:chOff x="0" y="0"/>
-          <a:chExt cx="0" cy="0"/>
-        </a:xfrm>
-      </p:grpSpPr>
-      <p:sp>
-        <p:nvSpPr>
-          <p:cNvPr id="2" name="Cím 1">
-            <a:extLst>
-              <a:ext uri="{FF2B5EF4-FFF2-40B4-BE49-F238E27FC236}">
-                <a16:creationId xmlns:a16="http://schemas.microsoft.com/office/drawing/2014/main" id="{DCCECEDE-C074-41DA-84C8-BDCA2FDBD582}"/>
-              </a:ext>
-            </a:extLst>
-          </p:cNvPr>
-          <p:cNvSpPr>
-            <a:spLocks noGrp="1"/>
-          </p:cNvSpPr>
-          <p:nvPr>
-            <p:ph type="title"/>
-          </p:nvPr>
-        </p:nvSpPr>
-        <p:spPr>
-          <a:xfrm>
-            <a:off x="628650" y="10572"/>
-            <a:ext cx="7886700" cy="1325563"/>
-          </a:xfrm>
-        </p:spPr>
-        <p:txBody>
-          <a:bodyPr/>
-          <a:lstStyle/>
-          <a:p>
-            <a:pPr algn="ctr"/>
-            <a:r>
-              <a:rPr lang="hu-HU" dirty="0"/>
-              <a:t>Teszteredmények</a:t>
-            </a:r>
-          </a:p>
-        </p:txBody>
-      </p:sp>
-      <p:sp>
-        <p:nvSpPr>
-          <p:cNvPr id="4" name="Dia számának helye 3">
-            <a:extLst>
-              <a:ext uri="{FF2B5EF4-FFF2-40B4-BE49-F238E27FC236}">
-                <a16:creationId xmlns:a16="http://schemas.microsoft.com/office/drawing/2014/main" id="{AD8C5EE1-236C-4F83-B6B6-0315500CBF70}"/>
-              </a:ext>
-            </a:extLst>
-          </p:cNvPr>
-          <p:cNvSpPr>
-            <a:spLocks noGrp="1"/>
-          </p:cNvSpPr>
-          <p:nvPr>
-            <p:ph type="sldNum" sz="quarter" idx="12"/>
-          </p:nvPr>
-        </p:nvSpPr>
-        <p:spPr/>
-        <p:txBody>
-          <a:bodyPr/>
-          <a:lstStyle/>
-          <a:p>
-            <a:fld id="{676786BD-618E-4F38-B087-5D1176D55033}" type="slidenum">
-              <a:rPr lang="hu-HU" smtClean="0"/>
-              <a:t>11</a:t>
-            </a:fld>
-            <a:endParaRPr lang="hu-HU"/>
-          </a:p>
-        </p:txBody>
-      </p:sp>
-      <p:pic>
-        <p:nvPicPr>
-          <p:cNvPr id="6" name="Kép 5">
-            <a:extLst>
-              <a:ext uri="{FF2B5EF4-FFF2-40B4-BE49-F238E27FC236}">
-                <a16:creationId xmlns:a16="http://schemas.microsoft.com/office/drawing/2014/main" id="{5756996B-5E47-44F8-A889-B433B88D9376}"/>
-              </a:ext>
-            </a:extLst>
-          </p:cNvPr>
-          <p:cNvPicPr>
-            <a:picLocks noChangeAspect="1"/>
-          </p:cNvPicPr>
-          <p:nvPr/>
-        </p:nvPicPr>
-        <p:blipFill>
-          <a:blip r:embed="rId2">
-            <a:extLst>
-              <a:ext uri="{28A0092B-C50C-407E-A947-70E740481C1C}">
-                <a14:useLocalDpi xmlns:a14="http://schemas.microsoft.com/office/drawing/2010/main" val="0"/>
-              </a:ext>
-            </a:extLst>
-          </a:blip>
-          <a:stretch>
-            <a:fillRect/>
-          </a:stretch>
-        </p:blipFill>
-        <p:spPr>
-          <a:xfrm>
-            <a:off x="1184120" y="1419109"/>
-            <a:ext cx="6775760" cy="4019782"/>
-          </a:xfrm>
-          <a:prstGeom prst="rect">
-            <a:avLst/>
-          </a:prstGeom>
-        </p:spPr>
-      </p:pic>
-    </p:spTree>
-    <p:extLst>
-      <p:ext uri="{BB962C8B-B14F-4D97-AF65-F5344CB8AC3E}">
-        <p14:creationId xmlns:p14="http://schemas.microsoft.com/office/powerpoint/2010/main" val="3841807345"/>
-      </p:ext>
-    </p:extLst>
-  </p:cSld>
-  <p:clrMapOvr>
-    <a:masterClrMapping/>
-  </p:clrMapOvr>
-</p:sld>
-</file>
-
-<file path=ppt/slides/slide12.xml><?xml version="1.0" encoding="utf-8"?>
-<p:sld xmlns:a="http://schemas.openxmlformats.org/drawingml/2006/main" xmlns:r="http://schemas.openxmlformats.org/officeDocument/2006/relationships" xmlns:p="http://schemas.openxmlformats.org/presentationml/2006/main">
-  <p:cSld>
-    <p:spTree>
-      <p:nvGrpSpPr>
-        <p:cNvPr id="1" name=""/>
-        <p:cNvGrpSpPr/>
-        <p:nvPr/>
-      </p:nvGrpSpPr>
-      <p:grpSpPr>
-        <a:xfrm>
-          <a:off x="0" y="0"/>
-          <a:ext cx="0" cy="0"/>
-          <a:chOff x="0" y="0"/>
-          <a:chExt cx="0" cy="0"/>
-        </a:xfrm>
-      </p:grpSpPr>
-      <p:sp>
-        <p:nvSpPr>
-          <p:cNvPr id="2" name="Cím 1">
-            <a:extLst>
-              <a:ext uri="{FF2B5EF4-FFF2-40B4-BE49-F238E27FC236}">
-                <a16:creationId xmlns:a16="http://schemas.microsoft.com/office/drawing/2014/main" id="{DCCECEDE-C074-41DA-84C8-BDCA2FDBD582}"/>
-              </a:ext>
-            </a:extLst>
-          </p:cNvPr>
-          <p:cNvSpPr>
-            <a:spLocks noGrp="1"/>
-          </p:cNvSpPr>
-          <p:nvPr>
-            <p:ph type="title"/>
-          </p:nvPr>
-        </p:nvSpPr>
-        <p:spPr>
-          <a:xfrm>
-            <a:off x="628650" y="10572"/>
-            <a:ext cx="7886700" cy="1325563"/>
-          </a:xfrm>
-        </p:spPr>
-        <p:txBody>
-          <a:bodyPr/>
-          <a:lstStyle/>
-          <a:p>
-            <a:pPr algn="ctr"/>
-            <a:r>
-              <a:rPr lang="hu-HU" dirty="0"/>
-              <a:t>Teszteredmények</a:t>
-            </a:r>
-          </a:p>
-        </p:txBody>
-      </p:sp>
-      <p:sp>
-        <p:nvSpPr>
-          <p:cNvPr id="4" name="Dia számának helye 3">
-            <a:extLst>
-              <a:ext uri="{FF2B5EF4-FFF2-40B4-BE49-F238E27FC236}">
-                <a16:creationId xmlns:a16="http://schemas.microsoft.com/office/drawing/2014/main" id="{AD8C5EE1-236C-4F83-B6B6-0315500CBF70}"/>
-              </a:ext>
-            </a:extLst>
-          </p:cNvPr>
-          <p:cNvSpPr>
-            <a:spLocks noGrp="1"/>
-          </p:cNvSpPr>
-          <p:nvPr>
-            <p:ph type="sldNum" sz="quarter" idx="12"/>
-          </p:nvPr>
-        </p:nvSpPr>
-        <p:spPr/>
-        <p:txBody>
-          <a:bodyPr/>
-          <a:lstStyle/>
-          <a:p>
-            <a:fld id="{676786BD-618E-4F38-B087-5D1176D55033}" type="slidenum">
-              <a:rPr lang="hu-HU" smtClean="0"/>
-              <a:t>12</a:t>
-            </a:fld>
-            <a:endParaRPr lang="hu-HU"/>
-          </a:p>
-        </p:txBody>
-      </p:sp>
-      <p:pic>
-        <p:nvPicPr>
-          <p:cNvPr id="5" name="Kép 4">
-            <a:extLst>
-              <a:ext uri="{FF2B5EF4-FFF2-40B4-BE49-F238E27FC236}">
-                <a16:creationId xmlns:a16="http://schemas.microsoft.com/office/drawing/2014/main" id="{9E6F7FD2-20CA-49BB-A2E8-124B47FE0DF3}"/>
-              </a:ext>
-            </a:extLst>
-          </p:cNvPr>
-          <p:cNvPicPr>
-            <a:picLocks noChangeAspect="1"/>
-          </p:cNvPicPr>
-          <p:nvPr/>
-        </p:nvPicPr>
-        <p:blipFill>
-          <a:blip r:embed="rId2">
-            <a:extLst>
-              <a:ext uri="{28A0092B-C50C-407E-A947-70E740481C1C}">
-                <a14:useLocalDpi xmlns:a14="http://schemas.microsoft.com/office/drawing/2010/main" val="0"/>
-              </a:ext>
-            </a:extLst>
-          </a:blip>
-          <a:stretch>
-            <a:fillRect/>
-          </a:stretch>
-        </p:blipFill>
-        <p:spPr>
-          <a:xfrm>
-            <a:off x="922880" y="1091922"/>
-            <a:ext cx="7298240" cy="4674155"/>
-          </a:xfrm>
-          <a:prstGeom prst="rect">
-            <a:avLst/>
-          </a:prstGeom>
-        </p:spPr>
-      </p:pic>
-    </p:spTree>
-    <p:extLst>
-      <p:ext uri="{BB962C8B-B14F-4D97-AF65-F5344CB8AC3E}">
-        <p14:creationId xmlns:p14="http://schemas.microsoft.com/office/powerpoint/2010/main" val="1873306750"/>
-      </p:ext>
-    </p:extLst>
-  </p:cSld>
-  <p:clrMapOvr>
-    <a:masterClrMapping/>
-  </p:clrMapOvr>
+  <p:timing>
+    <p:tnLst>
+      <p:par>
+        <p:cTn id="1" dur="indefinite" restart="never" nodeType="tmRoot"/>
+      </p:par>
+    </p:tnLst>
+  </p:timing>
 </p:sld>
 </file>
 
@@ -4013,7 +5914,7 @@
           <p:cNvPr id="2" name="Cím 1">
             <a:extLst>
               <a:ext uri="{FF2B5EF4-FFF2-40B4-BE49-F238E27FC236}">
-                <a16:creationId xmlns:a16="http://schemas.microsoft.com/office/drawing/2014/main" id="{DCCECEDE-C074-41DA-84C8-BDCA2FDBD582}"/>
+                <a16:creationId xmlns:a16="http://schemas.microsoft.com/office/drawing/2014/main" xmlns="" id="{DCCECEDE-C074-41DA-84C8-BDCA2FDBD582}"/>
               </a:ext>
             </a:extLst>
           </p:cNvPr>
@@ -4026,19 +5927,44 @@
         </p:nvSpPr>
         <p:spPr>
           <a:xfrm>
-            <a:off x="628650" y="10572"/>
-            <a:ext cx="7886700" cy="1325563"/>
+            <a:off x="628650" y="8626"/>
+            <a:ext cx="7886700" cy="1223993"/>
           </a:xfrm>
         </p:spPr>
         <p:txBody>
-          <a:bodyPr/>
+          <a:bodyPr>
+            <a:normAutofit/>
+          </a:bodyPr>
           <a:lstStyle/>
           <a:p>
-            <a:pPr algn="ctr"/>
-            <a:r>
-              <a:rPr lang="hu-HU" dirty="0"/>
-              <a:t>Teszteredmények</a:t>
-            </a:r>
+            <a:pPr>
+              <a:lnSpc>
+                <a:spcPct val="100000"/>
+              </a:lnSpc>
+              <a:spcBef>
+                <a:spcPts val="2400"/>
+              </a:spcBef>
+            </a:pPr>
+            <a:r>
+              <a:rPr lang="hu-HU" dirty="0" smtClean="0"/>
+              <a:t>Teszteredmények III.</a:t>
+            </a:r>
+            <a:br>
+              <a:rPr lang="hu-HU" dirty="0" smtClean="0"/>
+            </a:br>
+            <a:r>
+              <a:rPr lang="hu-HU" sz="2000" b="1" dirty="0" smtClean="0">
+                <a:solidFill>
+                  <a:schemeClr val="tx1"/>
+                </a:solidFill>
+              </a:rPr>
+              <a:t>Megoldó verziói - modellek</a:t>
+            </a:r>
+            <a:endParaRPr lang="hu-HU" sz="2000" b="1" dirty="0">
+              <a:solidFill>
+                <a:schemeClr val="tx1"/>
+              </a:solidFill>
+            </a:endParaRPr>
           </a:p>
         </p:txBody>
       </p:sp>
@@ -4047,7 +5973,7 @@
           <p:cNvPr id="4" name="Dia számának helye 3">
             <a:extLst>
               <a:ext uri="{FF2B5EF4-FFF2-40B4-BE49-F238E27FC236}">
-                <a16:creationId xmlns:a16="http://schemas.microsoft.com/office/drawing/2014/main" id="{AD8C5EE1-236C-4F83-B6B6-0315500CBF70}"/>
+                <a16:creationId xmlns:a16="http://schemas.microsoft.com/office/drawing/2014/main" xmlns="" id="{AD8C5EE1-236C-4F83-B6B6-0315500CBF70}"/>
               </a:ext>
             </a:extLst>
           </p:cNvPr>
@@ -4067,19 +5993,13 @@
               <a:rPr lang="hu-HU" smtClean="0"/>
               <a:t>13</a:t>
             </a:fld>
-            <a:endParaRPr lang="hu-HU" dirty="0"/>
+            <a:endParaRPr lang="hu-HU"/>
           </a:p>
         </p:txBody>
       </p:sp>
       <p:pic>
         <p:nvPicPr>
-          <p:cNvPr id="6" name="Kép 5">
-            <a:extLst>
-              <a:ext uri="{FF2B5EF4-FFF2-40B4-BE49-F238E27FC236}">
-                <a16:creationId xmlns:a16="http://schemas.microsoft.com/office/drawing/2014/main" id="{8E810E27-2F17-4202-9677-8492FC790124}"/>
-              </a:ext>
-            </a:extLst>
-          </p:cNvPr>
+          <p:cNvPr id="3" name="Kép 2"/>
           <p:cNvPicPr>
             <a:picLocks noChangeAspect="1"/>
           </p:cNvPicPr>
@@ -4099,8 +6019,8 @@
         </p:blipFill>
         <p:spPr>
           <a:xfrm>
-            <a:off x="314325" y="938662"/>
-            <a:ext cx="8515350" cy="4980676"/>
+            <a:off x="690113" y="1486433"/>
+            <a:ext cx="7763774" cy="4719620"/>
           </a:xfrm>
           <a:prstGeom prst="rect">
             <a:avLst/>
@@ -4110,13 +6030,20 @@
     </p:spTree>
     <p:extLst>
       <p:ext uri="{BB962C8B-B14F-4D97-AF65-F5344CB8AC3E}">
-        <p14:creationId xmlns:p14="http://schemas.microsoft.com/office/powerpoint/2010/main" val="3227537384"/>
+        <p14:creationId xmlns:p14="http://schemas.microsoft.com/office/powerpoint/2010/main" val="3841807345"/>
       </p:ext>
     </p:extLst>
   </p:cSld>
   <p:clrMapOvr>
     <a:masterClrMapping/>
   </p:clrMapOvr>
+  <p:timing>
+    <p:tnLst>
+      <p:par>
+        <p:cTn id="1" dur="indefinite" restart="never" nodeType="tmRoot"/>
+      </p:par>
+    </p:tnLst>
+  </p:timing>
 </p:sld>
 </file>
 
@@ -4142,7 +6069,7 @@
           <p:cNvPr id="7" name="Kép 6">
             <a:extLst>
               <a:ext uri="{FF2B5EF4-FFF2-40B4-BE49-F238E27FC236}">
-                <a16:creationId xmlns:a16="http://schemas.microsoft.com/office/drawing/2014/main" id="{7A0344BB-0EF5-4717-A847-ACC7A7E9F3CC}"/>
+                <a16:creationId xmlns:a16="http://schemas.microsoft.com/office/drawing/2014/main" xmlns="" id="{7A0344BB-0EF5-4717-A847-ACC7A7E9F3CC}"/>
               </a:ext>
             </a:extLst>
           </p:cNvPr>
@@ -4152,7 +6079,7 @@
           <p:nvPr/>
         </p:nvPicPr>
         <p:blipFill>
-          <a:blip r:embed="rId2">
+          <a:blip r:embed="rId2" cstate="print">
             <a:extLst>
               <a:ext uri="{28A0092B-C50C-407E-A947-70E740481C1C}">
                 <a14:useLocalDpi xmlns:a14="http://schemas.microsoft.com/office/drawing/2010/main" val="0"/>
@@ -4165,7 +6092,7 @@
         </p:blipFill>
         <p:spPr>
           <a:xfrm>
-            <a:off x="1573994" y="1458351"/>
+            <a:off x="1836417" y="1258211"/>
             <a:ext cx="5471161" cy="1401810"/>
           </a:xfrm>
           <a:prstGeom prst="rect">
@@ -4178,7 +6105,7 @@
           <p:cNvPr id="2" name="Cím 1">
             <a:extLst>
               <a:ext uri="{FF2B5EF4-FFF2-40B4-BE49-F238E27FC236}">
-                <a16:creationId xmlns:a16="http://schemas.microsoft.com/office/drawing/2014/main" id="{1D4955D7-34CA-43AC-A84B-A6B413D2A4B3}"/>
+                <a16:creationId xmlns:a16="http://schemas.microsoft.com/office/drawing/2014/main" xmlns="" id="{1D4955D7-34CA-43AC-A84B-A6B413D2A4B3}"/>
               </a:ext>
             </a:extLst>
           </p:cNvPr>
@@ -4191,15 +6118,14 @@
         </p:nvSpPr>
         <p:spPr>
           <a:xfrm>
-            <a:off x="628649" y="0"/>
-            <a:ext cx="7886700" cy="1325563"/>
+            <a:off x="547380" y="45993"/>
+            <a:ext cx="7886700" cy="825449"/>
           </a:xfrm>
         </p:spPr>
         <p:txBody>
           <a:bodyPr/>
           <a:lstStyle/>
           <a:p>
-            <a:pPr algn="ctr"/>
             <a:r>
               <a:rPr lang="hu-HU" dirty="0"/>
               <a:t>Redundáns megkötések</a:t>
@@ -4212,7 +6138,7 @@
           <p:cNvPr id="4" name="Dia számának helye 3">
             <a:extLst>
               <a:ext uri="{FF2B5EF4-FFF2-40B4-BE49-F238E27FC236}">
-                <a16:creationId xmlns:a16="http://schemas.microsoft.com/office/drawing/2014/main" id="{319D2024-D3CF-486C-8D11-F9F9E4917A04}"/>
+                <a16:creationId xmlns:a16="http://schemas.microsoft.com/office/drawing/2014/main" xmlns="" id="{319D2024-D3CF-486C-8D11-F9F9E4917A04}"/>
               </a:ext>
             </a:extLst>
           </p:cNvPr>
@@ -4236,55 +6162,12 @@
           </a:p>
         </p:txBody>
       </p:sp>
-      <p:sp>
-        <p:nvSpPr>
-          <p:cNvPr id="3" name="Szövegdoboz 2">
-            <a:extLst>
-              <a:ext uri="{FF2B5EF4-FFF2-40B4-BE49-F238E27FC236}">
-                <a16:creationId xmlns:a16="http://schemas.microsoft.com/office/drawing/2014/main" id="{1F54668F-222D-40E1-AF6E-74382E4A49CF}"/>
-              </a:ext>
-            </a:extLst>
-          </p:cNvPr>
-          <p:cNvSpPr txBox="1"/>
-          <p:nvPr/>
-        </p:nvSpPr>
-        <p:spPr>
-          <a:xfrm>
-            <a:off x="85022" y="959904"/>
-            <a:ext cx="8867274" cy="400110"/>
-          </a:xfrm>
-          <a:prstGeom prst="rect">
-            <a:avLst/>
-          </a:prstGeom>
-          <a:noFill/>
-        </p:spPr>
-        <p:txBody>
-          <a:bodyPr wrap="square" rtlCol="0">
-            <a:spAutoFit/>
-          </a:bodyPr>
-          <a:lstStyle/>
-          <a:p>
-            <a:r>
-              <a:rPr lang="hu-HU" sz="2000" dirty="0"/>
-              <a:t>„</a:t>
-            </a:r>
-            <a:r>
-              <a:rPr lang="hu-HU" sz="2000" dirty="0" err="1"/>
-              <a:t>kivesszuk</a:t>
-            </a:r>
-            <a:r>
-              <a:rPr lang="hu-HU" sz="2000" dirty="0"/>
-              <a:t>” néven saját tesztelési módszer</a:t>
-            </a:r>
-          </a:p>
-        </p:txBody>
-      </p:sp>
       <p:graphicFrame>
         <p:nvGraphicFramePr>
           <p:cNvPr id="5" name="Táblázat 4">
             <a:extLst>
               <a:ext uri="{FF2B5EF4-FFF2-40B4-BE49-F238E27FC236}">
-                <a16:creationId xmlns:a16="http://schemas.microsoft.com/office/drawing/2014/main" id="{8DF57169-8A54-4A75-99CA-62A7430C7F77}"/>
+                <a16:creationId xmlns:a16="http://schemas.microsoft.com/office/drawing/2014/main" xmlns="" id="{8DF57169-8A54-4A75-99CA-62A7430C7F77}"/>
               </a:ext>
             </a:extLst>
           </p:cNvPr>
@@ -4294,47 +6177,47 @@
           <p:nvPr>
             <p:extLst>
               <p:ext uri="{D42A27DB-BD31-4B8C-83A1-F6EECF244321}">
-                <p14:modId xmlns:p14="http://schemas.microsoft.com/office/powerpoint/2010/main" val="1277330507"/>
+                <p14:modId xmlns:p14="http://schemas.microsoft.com/office/powerpoint/2010/main" val="3920306555"/>
               </p:ext>
             </p:extLst>
           </p:nvPr>
         </p:nvGraphicFramePr>
         <p:xfrm>
-          <a:off x="481360" y="3028419"/>
-          <a:ext cx="7656427" cy="3586667"/>
+          <a:off x="743785" y="2720408"/>
+          <a:ext cx="7656427" cy="3591938"/>
         </p:xfrm>
         <a:graphic>
           <a:graphicData uri="http://schemas.openxmlformats.org/drawingml/2006/table">
             <a:tbl>
               <a:tblPr firstRow="1" firstCol="1" bandRow="1">
-                <a:tableStyleId>{5C22544A-7EE6-4342-B048-85BDC9FD1C3A}</a:tableStyleId>
+                <a:tableStyleId>{21E4AEA4-8DFA-4A89-87EB-49C32662AFE0}</a:tableStyleId>
               </a:tblPr>
               <a:tblGrid>
                 <a:gridCol w="2601951">
                   <a:extLst>
                     <a:ext uri="{9D8B030D-6E8A-4147-A177-3AD203B41FA5}">
-                      <a16:colId xmlns:a16="http://schemas.microsoft.com/office/drawing/2014/main" val="2069922602"/>
+                      <a16:colId xmlns:a16="http://schemas.microsoft.com/office/drawing/2014/main" xmlns="" val="2069922602"/>
                     </a:ext>
                   </a:extLst>
                 </a:gridCol>
                 <a:gridCol w="1721006">
                   <a:extLst>
                     <a:ext uri="{9D8B030D-6E8A-4147-A177-3AD203B41FA5}">
-                      <a16:colId xmlns:a16="http://schemas.microsoft.com/office/drawing/2014/main" val="2732399375"/>
+                      <a16:colId xmlns:a16="http://schemas.microsoft.com/office/drawing/2014/main" xmlns="" val="2732399375"/>
                     </a:ext>
                   </a:extLst>
                 </a:gridCol>
                 <a:gridCol w="1968804">
                   <a:extLst>
                     <a:ext uri="{9D8B030D-6E8A-4147-A177-3AD203B41FA5}">
-                      <a16:colId xmlns:a16="http://schemas.microsoft.com/office/drawing/2014/main" val="1486601713"/>
+                      <a16:colId xmlns:a16="http://schemas.microsoft.com/office/drawing/2014/main" xmlns="" val="1486601713"/>
                     </a:ext>
                   </a:extLst>
                 </a:gridCol>
                 <a:gridCol w="1364666">
                   <a:extLst>
                     <a:ext uri="{9D8B030D-6E8A-4147-A177-3AD203B41FA5}">
-                      <a16:colId xmlns:a16="http://schemas.microsoft.com/office/drawing/2014/main" val="3795495708"/>
+                      <a16:colId xmlns:a16="http://schemas.microsoft.com/office/drawing/2014/main" xmlns="" val="3795495708"/>
                     </a:ext>
                   </a:extLst>
                 </a:gridCol>
@@ -4354,21 +6237,28 @@
                         </a:spcAft>
                       </a:pPr>
                       <a:r>
-                        <a:rPr lang="hu-HU" sz="1400" dirty="0">
+                        <a:rPr lang="hu-HU" sz="1400" dirty="0" smtClean="0">
                           <a:effectLst/>
                         </a:rPr>
-                        <a:t> </a:t>
+                        <a:t>Elhagyott</a:t>
+                      </a:r>
+                      <a:r>
+                        <a:rPr lang="hu-HU" sz="1400" baseline="0" dirty="0" smtClean="0">
+                          <a:effectLst/>
+                        </a:rPr>
+                        <a:t> korlátozások</a:t>
                       </a:r>
                       <a:endParaRPr lang="hu-HU" sz="1400" dirty="0">
+                        <a:solidFill>
+                          <a:schemeClr val="tx1"/>
+                        </a:solidFill>
                         <a:effectLst/>
                         <a:latin typeface="Times New Roman" panose="02020603050405020304" pitchFamily="18" charset="0"/>
                         <a:ea typeface="Times New Roman" panose="02020603050405020304" pitchFamily="18" charset="0"/>
                       </a:endParaRPr>
                     </a:p>
                   </a:txBody>
-                  <a:tcPr marL="68580" marR="68580" marT="0" marB="0" anchor="ctr">
-                    <a:noFill/>
-                  </a:tcPr>
+                  <a:tcPr marL="68580" marR="68580" marT="0" marB="0" anchor="ctr"/>
                 </a:tc>
                 <a:tc>
                   <a:txBody>
@@ -4385,35 +6275,23 @@
                       </a:pPr>
                       <a:r>
                         <a:rPr lang="hu-HU" sz="1800" dirty="0" err="1">
-                          <a:solidFill>
-                            <a:schemeClr val="tx1"/>
-                          </a:solidFill>
                           <a:effectLst/>
                         </a:rPr>
                         <a:t>Movies</a:t>
                       </a:r>
                       <a:r>
                         <a:rPr lang="hu-HU" sz="1800" dirty="0">
-                          <a:solidFill>
-                            <a:schemeClr val="tx1"/>
-                          </a:solidFill>
                           <a:effectLst/>
                         </a:rPr>
                         <a:t> </a:t>
                       </a:r>
                       <a:r>
                         <a:rPr lang="hu-HU" sz="1800" dirty="0" err="1">
-                          <a:solidFill>
-                            <a:schemeClr val="tx1"/>
-                          </a:solidFill>
                           <a:effectLst/>
                         </a:rPr>
                         <a:t>Night</a:t>
                       </a:r>
                       <a:endParaRPr lang="hu-HU" sz="1800" dirty="0">
-                        <a:solidFill>
-                          <a:schemeClr val="tx1"/>
-                        </a:solidFill>
                         <a:effectLst/>
                       </a:endParaRPr>
                     </a:p>
@@ -4428,25 +6306,21 @@
                       </a:pPr>
                       <a:r>
                         <a:rPr lang="hu-HU" sz="1800" dirty="0">
-                          <a:solidFill>
-                            <a:schemeClr val="tx1"/>
-                          </a:solidFill>
                           <a:effectLst/>
-                          <a:latin typeface="Times New Roman" panose="02020603050405020304" pitchFamily="18" charset="0"/>
-                          <a:ea typeface="Times New Roman" panose="02020603050405020304" pitchFamily="18" charset="0"/>
                         </a:rPr>
                         <a:t>(13-ból)</a:t>
                       </a:r>
+                      <a:endParaRPr lang="hu-HU" sz="1800" dirty="0">
+                        <a:solidFill>
+                          <a:schemeClr val="tx1"/>
+                        </a:solidFill>
+                        <a:effectLst/>
+                        <a:latin typeface="Times New Roman" panose="02020603050405020304" pitchFamily="18" charset="0"/>
+                        <a:ea typeface="Times New Roman" panose="02020603050405020304" pitchFamily="18" charset="0"/>
+                      </a:endParaRPr>
                     </a:p>
                   </a:txBody>
-                  <a:tcPr marL="68580" marR="68580" marT="0" marB="0" anchor="ctr">
-                    <a:solidFill>
-                      <a:schemeClr val="accent1">
-                        <a:lumMod val="40000"/>
-                        <a:lumOff val="60000"/>
-                      </a:schemeClr>
-                    </a:solidFill>
-                  </a:tcPr>
+                  <a:tcPr marL="68580" marR="68580" marT="0" marB="0" anchor="ctr"/>
                 </a:tc>
                 <a:tc>
                   <a:txBody>
@@ -4463,35 +6337,23 @@
                       </a:pPr>
                       <a:r>
                         <a:rPr lang="hu-HU" sz="1800" dirty="0" err="1">
-                          <a:solidFill>
-                            <a:schemeClr val="tx1"/>
-                          </a:solidFill>
                           <a:effectLst/>
                         </a:rPr>
                         <a:t>Fundraising</a:t>
                       </a:r>
                       <a:r>
                         <a:rPr lang="hu-HU" sz="1800" dirty="0">
-                          <a:solidFill>
-                            <a:schemeClr val="tx1"/>
-                          </a:solidFill>
                           <a:effectLst/>
                         </a:rPr>
                         <a:t> </a:t>
                       </a:r>
                       <a:r>
                         <a:rPr lang="hu-HU" sz="1800" dirty="0" err="1">
-                          <a:solidFill>
-                            <a:schemeClr val="tx1"/>
-                          </a:solidFill>
                           <a:effectLst/>
                         </a:rPr>
                         <a:t>Dinner</a:t>
                       </a:r>
                       <a:endParaRPr lang="hu-HU" sz="1800" dirty="0">
-                        <a:solidFill>
-                          <a:schemeClr val="tx1"/>
-                        </a:solidFill>
                         <a:effectLst/>
                       </a:endParaRPr>
                     </a:p>
@@ -4506,25 +6368,21 @@
                       </a:pPr>
                       <a:r>
                         <a:rPr lang="hu-HU" sz="1800" dirty="0">
-                          <a:solidFill>
-                            <a:schemeClr val="tx1"/>
-                          </a:solidFill>
                           <a:effectLst/>
-                          <a:latin typeface="Times New Roman" panose="02020603050405020304" pitchFamily="18" charset="0"/>
-                          <a:ea typeface="Times New Roman" panose="02020603050405020304" pitchFamily="18" charset="0"/>
                         </a:rPr>
                         <a:t>(21-ből)</a:t>
                       </a:r>
+                      <a:endParaRPr lang="hu-HU" sz="1800" dirty="0">
+                        <a:solidFill>
+                          <a:schemeClr val="tx1"/>
+                        </a:solidFill>
+                        <a:effectLst/>
+                        <a:latin typeface="Times New Roman" panose="02020603050405020304" pitchFamily="18" charset="0"/>
+                        <a:ea typeface="Times New Roman" panose="02020603050405020304" pitchFamily="18" charset="0"/>
+                      </a:endParaRPr>
                     </a:p>
                   </a:txBody>
-                  <a:tcPr marL="68580" marR="68580" marT="0" marB="0" anchor="ctr">
-                    <a:solidFill>
-                      <a:schemeClr val="accent1">
-                        <a:lumMod val="40000"/>
-                        <a:lumOff val="60000"/>
-                      </a:schemeClr>
-                    </a:solidFill>
-                  </a:tcPr>
+                  <a:tcPr marL="68580" marR="68580" marT="0" marB="0" anchor="ctr"/>
                 </a:tc>
                 <a:tc>
                   <a:txBody>
@@ -4541,17 +6399,11 @@
                       </a:pPr>
                       <a:r>
                         <a:rPr lang="hu-HU" sz="1800" dirty="0" err="1">
-                          <a:solidFill>
-                            <a:schemeClr val="tx1"/>
-                          </a:solidFill>
                           <a:effectLst/>
                         </a:rPr>
                         <a:t>Gardens</a:t>
                       </a:r>
                       <a:endParaRPr lang="hu-HU" sz="1800" dirty="0">
-                        <a:solidFill>
-                          <a:schemeClr val="tx1"/>
-                        </a:solidFill>
                         <a:effectLst/>
                       </a:endParaRPr>
                     </a:p>
@@ -4566,29 +6418,25 @@
                       </a:pPr>
                       <a:r>
                         <a:rPr lang="hu-HU" sz="1800" dirty="0">
-                          <a:solidFill>
-                            <a:schemeClr val="tx1"/>
-                          </a:solidFill>
                           <a:effectLst/>
-                          <a:latin typeface="Times New Roman" panose="02020603050405020304" pitchFamily="18" charset="0"/>
-                          <a:ea typeface="Times New Roman" panose="02020603050405020304" pitchFamily="18" charset="0"/>
                         </a:rPr>
                         <a:t>(21-ből)</a:t>
                       </a:r>
+                      <a:endParaRPr lang="hu-HU" sz="1800" dirty="0">
+                        <a:solidFill>
+                          <a:schemeClr val="tx1"/>
+                        </a:solidFill>
+                        <a:effectLst/>
+                        <a:latin typeface="Times New Roman" panose="02020603050405020304" pitchFamily="18" charset="0"/>
+                        <a:ea typeface="Times New Roman" panose="02020603050405020304" pitchFamily="18" charset="0"/>
+                      </a:endParaRPr>
                     </a:p>
                   </a:txBody>
-                  <a:tcPr marL="68580" marR="68580" marT="0" marB="0" anchor="ctr">
-                    <a:solidFill>
-                      <a:schemeClr val="accent1">
-                        <a:lumMod val="40000"/>
-                        <a:lumOff val="60000"/>
-                      </a:schemeClr>
-                    </a:solidFill>
-                  </a:tcPr>
+                  <a:tcPr marL="68580" marR="68580" marT="0" marB="0" anchor="ctr"/>
                 </a:tc>
                 <a:extLst>
                   <a:ext uri="{0D108BD9-81ED-4DB2-BD59-A6C34878D82A}">
-                    <a16:rowId xmlns:a16="http://schemas.microsoft.com/office/drawing/2014/main" val="1759104570"/>
+                    <a16:rowId xmlns:a16="http://schemas.microsoft.com/office/drawing/2014/main" xmlns="" val="1759104570"/>
                   </a:ext>
                 </a:extLst>
               </a:tr>
@@ -4607,27 +6455,29 @@
                         </a:spcAft>
                       </a:pPr>
                       <a:r>
-                        <a:rPr lang="hu-HU" sz="2000" b="1" kern="1200" dirty="0">
-                          <a:solidFill>
-                            <a:schemeClr val="tx1"/>
-                          </a:solidFill>
+                        <a:rPr lang="hu-HU" sz="2000" kern="1200" dirty="0">
                           <a:effectLst/>
-                          <a:latin typeface="+mn-lt"/>
-                          <a:ea typeface="+mn-ea"/>
-                          <a:cs typeface="+mn-cs"/>
                         </a:rPr>
-                        <a:t>Egyszerre 1 kikötés elhagyása </a:t>
+                        <a:t>Egyszerre 1 </a:t>
                       </a:r>
+                      <a:r>
+                        <a:rPr lang="hu-HU" sz="2000" kern="1200" dirty="0" smtClean="0">
+                          <a:effectLst/>
+                        </a:rPr>
+                        <a:t>elhagyása </a:t>
+                      </a:r>
+                      <a:endParaRPr lang="hu-HU" sz="2000" b="1" kern="1200" dirty="0">
+                        <a:solidFill>
+                          <a:schemeClr val="tx1"/>
+                        </a:solidFill>
+                        <a:effectLst/>
+                        <a:latin typeface="+mn-lt"/>
+                        <a:ea typeface="+mn-ea"/>
+                        <a:cs typeface="+mn-cs"/>
+                      </a:endParaRPr>
                     </a:p>
                   </a:txBody>
-                  <a:tcPr marL="68580" marR="68580" marT="0" marB="0" anchor="ctr">
-                    <a:solidFill>
-                      <a:schemeClr val="accent1">
-                        <a:lumMod val="60000"/>
-                        <a:lumOff val="40000"/>
-                      </a:schemeClr>
-                    </a:solidFill>
-                  </a:tcPr>
+                  <a:tcPr marL="68580" marR="68580" marT="0" marB="0" anchor="ctr"/>
                 </a:tc>
                 <a:tc>
                   <a:txBody>
@@ -4715,7 +6565,7 @@
                 </a:tc>
                 <a:extLst>
                   <a:ext uri="{0D108BD9-81ED-4DB2-BD59-A6C34878D82A}">
-                    <a16:rowId xmlns:a16="http://schemas.microsoft.com/office/drawing/2014/main" val="3559172704"/>
+                    <a16:rowId xmlns:a16="http://schemas.microsoft.com/office/drawing/2014/main" xmlns="" val="3559172704"/>
                   </a:ext>
                 </a:extLst>
               </a:tr>
@@ -4734,27 +6584,23 @@
                         </a:spcAft>
                       </a:pPr>
                       <a:r>
-                        <a:rPr lang="hu-HU" sz="2000" b="1" kern="1200" dirty="0">
-                          <a:solidFill>
-                            <a:schemeClr val="tx1"/>
-                          </a:solidFill>
+                        <a:rPr lang="hu-HU" sz="2000" kern="1200" dirty="0">
                           <a:effectLst/>
-                          <a:latin typeface="+mn-lt"/>
-                          <a:ea typeface="+mn-ea"/>
-                          <a:cs typeface="+mn-cs"/>
                         </a:rPr>
                         <a:t>Egyszerre 2 elhagyása </a:t>
                       </a:r>
+                      <a:endParaRPr lang="hu-HU" sz="2000" b="1" kern="1200" dirty="0">
+                        <a:solidFill>
+                          <a:schemeClr val="tx1"/>
+                        </a:solidFill>
+                        <a:effectLst/>
+                        <a:latin typeface="+mn-lt"/>
+                        <a:ea typeface="+mn-ea"/>
+                        <a:cs typeface="+mn-cs"/>
+                      </a:endParaRPr>
                     </a:p>
                   </a:txBody>
-                  <a:tcPr marL="68580" marR="68580" marT="0" marB="0" anchor="ctr">
-                    <a:solidFill>
-                      <a:schemeClr val="accent1">
-                        <a:lumMod val="60000"/>
-                        <a:lumOff val="40000"/>
-                      </a:schemeClr>
-                    </a:solidFill>
-                  </a:tcPr>
+                  <a:tcPr marL="68580" marR="68580" marT="0" marB="0" anchor="ctr"/>
                 </a:tc>
                 <a:tc>
                   <a:txBody>
@@ -4842,7 +6688,7 @@
                 </a:tc>
                 <a:extLst>
                   <a:ext uri="{0D108BD9-81ED-4DB2-BD59-A6C34878D82A}">
-                    <a16:rowId xmlns:a16="http://schemas.microsoft.com/office/drawing/2014/main" val="4229666172"/>
+                    <a16:rowId xmlns:a16="http://schemas.microsoft.com/office/drawing/2014/main" xmlns="" val="4229666172"/>
                   </a:ext>
                 </a:extLst>
               </a:tr>
@@ -4861,27 +6707,23 @@
                         </a:spcAft>
                       </a:pPr>
                       <a:r>
-                        <a:rPr lang="hu-HU" sz="2000" b="1" kern="1200" dirty="0">
-                          <a:solidFill>
-                            <a:schemeClr val="tx1"/>
-                          </a:solidFill>
+                        <a:rPr lang="hu-HU" sz="2000" kern="1200" dirty="0">
                           <a:effectLst/>
-                          <a:latin typeface="+mn-lt"/>
-                          <a:ea typeface="+mn-ea"/>
-                          <a:cs typeface="+mn-cs"/>
                         </a:rPr>
                         <a:t>Egyszerre 3 elhagyása </a:t>
                       </a:r>
+                      <a:endParaRPr lang="hu-HU" sz="2000" b="1" kern="1200" dirty="0">
+                        <a:solidFill>
+                          <a:schemeClr val="tx1"/>
+                        </a:solidFill>
+                        <a:effectLst/>
+                        <a:latin typeface="+mn-lt"/>
+                        <a:ea typeface="+mn-ea"/>
+                        <a:cs typeface="+mn-cs"/>
+                      </a:endParaRPr>
                     </a:p>
                   </a:txBody>
-                  <a:tcPr marL="68580" marR="68580" marT="0" marB="0" anchor="ctr">
-                    <a:solidFill>
-                      <a:schemeClr val="accent1">
-                        <a:lumMod val="60000"/>
-                        <a:lumOff val="40000"/>
-                      </a:schemeClr>
-                    </a:solidFill>
-                  </a:tcPr>
+                  <a:tcPr marL="68580" marR="68580" marT="0" marB="0" anchor="ctr"/>
                 </a:tc>
                 <a:tc>
                   <a:txBody>
@@ -4969,7 +6811,7 @@
                 </a:tc>
                 <a:extLst>
                   <a:ext uri="{0D108BD9-81ED-4DB2-BD59-A6C34878D82A}">
-                    <a16:rowId xmlns:a16="http://schemas.microsoft.com/office/drawing/2014/main" val="3727625422"/>
+                    <a16:rowId xmlns:a16="http://schemas.microsoft.com/office/drawing/2014/main" xmlns="" val="3727625422"/>
                   </a:ext>
                 </a:extLst>
               </a:tr>
@@ -4988,27 +6830,23 @@
                         </a:spcAft>
                       </a:pPr>
                       <a:r>
-                        <a:rPr lang="hu-HU" sz="2000" b="1" kern="1200" dirty="0">
-                          <a:solidFill>
-                            <a:schemeClr val="tx1"/>
-                          </a:solidFill>
+                        <a:rPr lang="hu-HU" sz="2000" kern="1200" dirty="0">
                           <a:effectLst/>
-                          <a:latin typeface="+mn-lt"/>
-                          <a:ea typeface="+mn-ea"/>
-                          <a:cs typeface="+mn-cs"/>
                         </a:rPr>
                         <a:t>Egyszerre 4 elhagyása </a:t>
                       </a:r>
+                      <a:endParaRPr lang="hu-HU" sz="2000" b="1" kern="1200" dirty="0">
+                        <a:solidFill>
+                          <a:schemeClr val="tx1"/>
+                        </a:solidFill>
+                        <a:effectLst/>
+                        <a:latin typeface="+mn-lt"/>
+                        <a:ea typeface="+mn-ea"/>
+                        <a:cs typeface="+mn-cs"/>
+                      </a:endParaRPr>
                     </a:p>
                   </a:txBody>
-                  <a:tcPr marL="68580" marR="68580" marT="0" marB="0" anchor="ctr">
-                    <a:solidFill>
-                      <a:schemeClr val="accent1">
-                        <a:lumMod val="60000"/>
-                        <a:lumOff val="40000"/>
-                      </a:schemeClr>
-                    </a:solidFill>
-                  </a:tcPr>
+                  <a:tcPr marL="68580" marR="68580" marT="0" marB="0" anchor="ctr"/>
                 </a:tc>
                 <a:tc>
                   <a:txBody>
@@ -5096,7 +6934,7 @@
                 </a:tc>
                 <a:extLst>
                   <a:ext uri="{0D108BD9-81ED-4DB2-BD59-A6C34878D82A}">
-                    <a16:rowId xmlns:a16="http://schemas.microsoft.com/office/drawing/2014/main" val="4151106488"/>
+                    <a16:rowId xmlns:a16="http://schemas.microsoft.com/office/drawing/2014/main" xmlns="" val="4151106488"/>
                   </a:ext>
                 </a:extLst>
               </a:tr>
@@ -5114,6 +6952,13 @@
   <p:clrMapOvr>
     <a:masterClrMapping/>
   </p:clrMapOvr>
+  <p:timing>
+    <p:tnLst>
+      <p:par>
+        <p:cTn id="1" dur="indefinite" restart="never" nodeType="tmRoot"/>
+      </p:par>
+    </p:tnLst>
+  </p:timing>
 </p:sld>
 </file>
 
@@ -5139,7 +6984,7 @@
           <p:cNvPr id="2" name="Cím 1">
             <a:extLst>
               <a:ext uri="{FF2B5EF4-FFF2-40B4-BE49-F238E27FC236}">
-                <a16:creationId xmlns:a16="http://schemas.microsoft.com/office/drawing/2014/main" id="{8D38B76F-95F6-45EE-A1ED-453655F28D28}"/>
+                <a16:creationId xmlns:a16="http://schemas.microsoft.com/office/drawing/2014/main" xmlns="" id="{8D38B76F-95F6-45EE-A1ED-453655F28D28}"/>
               </a:ext>
             </a:extLst>
           </p:cNvPr>
@@ -5150,12 +6995,16 @@
             <p:ph type="title"/>
           </p:nvPr>
         </p:nvSpPr>
-        <p:spPr/>
+        <p:spPr>
+          <a:xfrm>
+            <a:off x="552088" y="123409"/>
+            <a:ext cx="7543800" cy="730126"/>
+          </a:xfrm>
+        </p:spPr>
         <p:txBody>
           <a:bodyPr/>
           <a:lstStyle/>
           <a:p>
-            <a:pPr algn="ctr"/>
             <a:r>
               <a:rPr lang="hu-HU" dirty="0"/>
               <a:t>Összegzés</a:t>
@@ -5168,7 +7017,7 @@
           <p:cNvPr id="4" name="Dia számának helye 3">
             <a:extLst>
               <a:ext uri="{FF2B5EF4-FFF2-40B4-BE49-F238E27FC236}">
-                <a16:creationId xmlns:a16="http://schemas.microsoft.com/office/drawing/2014/main" id="{B71D6050-03B7-4A11-BC69-7BB4B58DE597}"/>
+                <a16:creationId xmlns:a16="http://schemas.microsoft.com/office/drawing/2014/main" xmlns="" id="{B71D6050-03B7-4A11-BC69-7BB4B58DE597}"/>
               </a:ext>
             </a:extLst>
           </p:cNvPr>
@@ -5197,7 +7046,7 @@
           <p:cNvPr id="3" name="Szövegdoboz 2">
             <a:extLst>
               <a:ext uri="{FF2B5EF4-FFF2-40B4-BE49-F238E27FC236}">
-                <a16:creationId xmlns:a16="http://schemas.microsoft.com/office/drawing/2014/main" id="{030528F3-D689-428A-BB56-A46FC1922D71}"/>
+                <a16:creationId xmlns:a16="http://schemas.microsoft.com/office/drawing/2014/main" xmlns="" id="{030528F3-D689-428A-BB56-A46FC1922D71}"/>
               </a:ext>
             </a:extLst>
           </p:cNvPr>
@@ -5264,6 +7113,13 @@
   <p:clrMapOvr>
     <a:masterClrMapping/>
   </p:clrMapOvr>
+  <p:timing>
+    <p:tnLst>
+      <p:par>
+        <p:cTn id="1" dur="indefinite" restart="never" nodeType="tmRoot"/>
+      </p:par>
+    </p:tnLst>
+  </p:timing>
 </p:sld>
 </file>
 
@@ -5289,7 +7145,7 @@
           <p:cNvPr id="2" name="Cím 1">
             <a:extLst>
               <a:ext uri="{FF2B5EF4-FFF2-40B4-BE49-F238E27FC236}">
-                <a16:creationId xmlns:a16="http://schemas.microsoft.com/office/drawing/2014/main" id="{26FEFA12-4695-4AB3-A86E-924A663068D0}"/>
+                <a16:creationId xmlns:a16="http://schemas.microsoft.com/office/drawing/2014/main" xmlns="" id="{26FEFA12-4695-4AB3-A86E-924A663068D0}"/>
               </a:ext>
             </a:extLst>
           </p:cNvPr>
@@ -5312,7 +7168,11 @@
           <a:p>
             <a:pPr algn="ctr"/>
             <a:r>
-              <a:rPr lang="hu-HU" dirty="0"/>
+              <a:rPr lang="hu-HU" dirty="0">
+                <a:solidFill>
+                  <a:schemeClr val="tx1"/>
+                </a:solidFill>
+              </a:rPr>
               <a:t>Köszönjük a figyelmet!</a:t>
             </a:r>
           </a:p>
@@ -5323,7 +7183,7 @@
           <p:cNvPr id="3" name="Dia számának helye 2">
             <a:extLst>
               <a:ext uri="{FF2B5EF4-FFF2-40B4-BE49-F238E27FC236}">
-                <a16:creationId xmlns:a16="http://schemas.microsoft.com/office/drawing/2014/main" id="{3A0FA7EE-CF15-4E3A-953F-C5971B60C51D}"/>
+                <a16:creationId xmlns:a16="http://schemas.microsoft.com/office/drawing/2014/main" xmlns="" id="{3A0FA7EE-CF15-4E3A-953F-C5971B60C51D}"/>
               </a:ext>
             </a:extLst>
           </p:cNvPr>
@@ -5357,6 +7217,13 @@
   <p:clrMapOvr>
     <a:masterClrMapping/>
   </p:clrMapOvr>
+  <p:timing>
+    <p:tnLst>
+      <p:par>
+        <p:cTn id="1" dur="indefinite" restart="never" nodeType="tmRoot"/>
+      </p:par>
+    </p:tnLst>
+  </p:timing>
 </p:sld>
 </file>
 
@@ -5531,6 +7398,13 @@
   <p:clrMapOvr>
     <a:masterClrMapping/>
   </p:clrMapOvr>
+  <p:timing>
+    <p:tnLst>
+      <p:par>
+        <p:cTn id="1" dur="indefinite" restart="never" nodeType="tmRoot"/>
+      </p:par>
+    </p:tnLst>
+  </p:timing>
 </p:sld>
 </file>
 
@@ -5556,7 +7430,7 @@
           <p:cNvPr id="2" name="Cím 1">
             <a:extLst>
               <a:ext uri="{FF2B5EF4-FFF2-40B4-BE49-F238E27FC236}">
-                <a16:creationId xmlns:a16="http://schemas.microsoft.com/office/drawing/2014/main" id="{63452676-1263-4791-86B4-FC25F9E9F22B}"/>
+                <a16:creationId xmlns:a16="http://schemas.microsoft.com/office/drawing/2014/main" xmlns="" id="{63452676-1263-4791-86B4-FC25F9E9F22B}"/>
               </a:ext>
             </a:extLst>
           </p:cNvPr>
@@ -5572,7 +7446,6 @@
           <a:bodyPr/>
           <a:lstStyle/>
           <a:p>
-            <a:pPr algn="ctr"/>
             <a:r>
               <a:rPr lang="hu-HU" dirty="0"/>
               <a:t>Logikai feladványok</a:t>
@@ -5585,7 +7458,7 @@
           <p:cNvPr id="4" name="Dia számának helye 3">
             <a:extLst>
               <a:ext uri="{FF2B5EF4-FFF2-40B4-BE49-F238E27FC236}">
-                <a16:creationId xmlns:a16="http://schemas.microsoft.com/office/drawing/2014/main" id="{5F92542F-59D1-4271-9731-543CD62F5022}"/>
+                <a16:creationId xmlns:a16="http://schemas.microsoft.com/office/drawing/2014/main" xmlns="" id="{5F92542F-59D1-4271-9731-543CD62F5022}"/>
               </a:ext>
             </a:extLst>
           </p:cNvPr>
@@ -5614,7 +7487,7 @@
           <p:cNvPr id="3" name="Szövegdoboz 2">
             <a:extLst>
               <a:ext uri="{FF2B5EF4-FFF2-40B4-BE49-F238E27FC236}">
-                <a16:creationId xmlns:a16="http://schemas.microsoft.com/office/drawing/2014/main" id="{243F9B98-F190-4961-A193-87BA7CA1F8FE}"/>
+                <a16:creationId xmlns:a16="http://schemas.microsoft.com/office/drawing/2014/main" xmlns="" id="{243F9B98-F190-4961-A193-87BA7CA1F8FE}"/>
               </a:ext>
             </a:extLst>
           </p:cNvPr>
@@ -5668,494 +7541,12 @@
           </a:p>
         </p:txBody>
       </p:sp>
-    </p:spTree>
-    <p:extLst>
-      <p:ext uri="{BB962C8B-B14F-4D97-AF65-F5344CB8AC3E}">
-        <p14:creationId xmlns:p14="http://schemas.microsoft.com/office/powerpoint/2010/main" val="1376513413"/>
-      </p:ext>
-    </p:extLst>
-  </p:cSld>
-  <p:clrMapOvr>
-    <a:masterClrMapping/>
-  </p:clrMapOvr>
-</p:sld>
-</file>
-
-<file path=ppt/slides/slide4.xml><?xml version="1.0" encoding="utf-8"?>
-<p:sld xmlns:a="http://schemas.openxmlformats.org/drawingml/2006/main" xmlns:r="http://schemas.openxmlformats.org/officeDocument/2006/relationships" xmlns:p="http://schemas.openxmlformats.org/presentationml/2006/main">
-  <p:cSld>
-    <p:spTree>
-      <p:nvGrpSpPr>
-        <p:cNvPr id="1" name=""/>
-        <p:cNvGrpSpPr/>
-        <p:nvPr/>
-      </p:nvGrpSpPr>
-      <p:grpSpPr>
-        <a:xfrm>
-          <a:off x="0" y="0"/>
-          <a:ext cx="0" cy="0"/>
-          <a:chOff x="0" y="0"/>
-          <a:chExt cx="0" cy="0"/>
-        </a:xfrm>
-      </p:grpSpPr>
-      <p:sp>
-        <p:nvSpPr>
-          <p:cNvPr id="2" name="Cím 1">
-            <a:extLst>
-              <a:ext uri="{FF2B5EF4-FFF2-40B4-BE49-F238E27FC236}">
-                <a16:creationId xmlns:a16="http://schemas.microsoft.com/office/drawing/2014/main" id="{3D71E464-FDA0-44ED-BAE0-76765A5D6664}"/>
-              </a:ext>
-            </a:extLst>
-          </p:cNvPr>
-          <p:cNvSpPr>
-            <a:spLocks noGrp="1"/>
-          </p:cNvSpPr>
-          <p:nvPr>
-            <p:ph type="title"/>
-          </p:nvPr>
-        </p:nvSpPr>
-        <p:spPr/>
-        <p:txBody>
-          <a:bodyPr/>
-          <a:lstStyle/>
-          <a:p>
-            <a:pPr algn="ctr"/>
-            <a:r>
-              <a:rPr lang="hu-HU" dirty="0"/>
-              <a:t>Korlátprogramozás</a:t>
-            </a:r>
-          </a:p>
-        </p:txBody>
-      </p:sp>
-      <p:sp>
-        <p:nvSpPr>
-          <p:cNvPr id="5" name="Dia számának helye 4">
-            <a:extLst>
-              <a:ext uri="{FF2B5EF4-FFF2-40B4-BE49-F238E27FC236}">
-                <a16:creationId xmlns:a16="http://schemas.microsoft.com/office/drawing/2014/main" id="{3927AD5E-958C-4218-A2F7-1714AA2AACB5}"/>
-              </a:ext>
-            </a:extLst>
-          </p:cNvPr>
-          <p:cNvSpPr>
-            <a:spLocks noGrp="1"/>
-          </p:cNvSpPr>
-          <p:nvPr>
-            <p:ph type="sldNum" sz="quarter" idx="12"/>
-          </p:nvPr>
-        </p:nvSpPr>
-        <p:spPr/>
-        <p:txBody>
-          <a:bodyPr/>
-          <a:lstStyle/>
-          <a:p>
-            <a:fld id="{676786BD-618E-4F38-B087-5D1176D55033}" type="slidenum">
-              <a:rPr lang="hu-HU" smtClean="0"/>
-              <a:t>4</a:t>
-            </a:fld>
-            <a:endParaRPr lang="hu-HU"/>
-          </a:p>
-        </p:txBody>
-      </p:sp>
-      <p:sp>
-        <p:nvSpPr>
-          <p:cNvPr id="6" name="Szövegdoboz 5">
-            <a:extLst>
-              <a:ext uri="{FF2B5EF4-FFF2-40B4-BE49-F238E27FC236}">
-                <a16:creationId xmlns:a16="http://schemas.microsoft.com/office/drawing/2014/main" id="{6EA50174-05F4-4DB5-AFA6-707EDDAD33F6}"/>
-              </a:ext>
-            </a:extLst>
-          </p:cNvPr>
-          <p:cNvSpPr txBox="1"/>
-          <p:nvPr/>
-        </p:nvSpPr>
-        <p:spPr>
-          <a:xfrm>
-            <a:off x="138363" y="2306929"/>
-            <a:ext cx="8867274" cy="3293209"/>
-          </a:xfrm>
-          <a:prstGeom prst="rect">
-            <a:avLst/>
-          </a:prstGeom>
-          <a:noFill/>
-        </p:spPr>
-        <p:txBody>
-          <a:bodyPr wrap="square" rtlCol="0">
-            <a:spAutoFit/>
-          </a:bodyPr>
-          <a:lstStyle/>
-          <a:p>
-            <a:r>
-              <a:rPr lang="hu-HU" sz="2400" dirty="0"/>
-              <a:t>Ivan </a:t>
-            </a:r>
-            <a:r>
-              <a:rPr lang="hu-HU" sz="2400" dirty="0" err="1"/>
-              <a:t>Sutherland</a:t>
-            </a:r>
-            <a:r>
-              <a:rPr lang="hu-HU" sz="2400" dirty="0"/>
-              <a:t> (1963): </a:t>
-            </a:r>
-            <a:r>
-              <a:rPr lang="hu-HU" sz="2400" dirty="0" err="1"/>
-              <a:t>Sketchpad</a:t>
-            </a:r>
-            <a:endParaRPr lang="hu-HU" sz="2400" dirty="0"/>
-          </a:p>
-          <a:p>
-            <a:r>
-              <a:rPr lang="hu-HU" sz="2400" dirty="0"/>
-              <a:t>1980-as években egyre keresettebb módszer lett</a:t>
-            </a:r>
-          </a:p>
-          <a:p>
-            <a:pPr>
-              <a:spcAft>
-                <a:spcPts val="1800"/>
-              </a:spcAft>
-            </a:pPr>
-            <a:r>
-              <a:rPr lang="hu-HU" sz="2400" dirty="0"/>
-              <a:t>1990-es évektől eladható változatok</a:t>
-            </a:r>
-          </a:p>
-          <a:p>
-            <a:pPr>
-              <a:spcAft>
-                <a:spcPts val="600"/>
-              </a:spcAft>
-            </a:pPr>
-            <a:r>
-              <a:rPr lang="hu-HU" sz="2400" dirty="0"/>
-              <a:t>MiniZinc:  - grafikus szerkesztőprogram és nyelv is egyben</a:t>
-            </a:r>
-          </a:p>
-          <a:p>
-            <a:pPr lvl="2">
-              <a:spcAft>
-                <a:spcPts val="1800"/>
-              </a:spcAft>
-            </a:pPr>
-            <a:r>
-              <a:rPr lang="hu-HU" sz="2400" dirty="0"/>
-              <a:t>        - fordítója a mzn2fzn -&gt; </a:t>
-            </a:r>
-            <a:r>
-              <a:rPr lang="hu-HU" sz="2400" dirty="0" err="1"/>
-              <a:t>FlatZinc</a:t>
-            </a:r>
-            <a:r>
-              <a:rPr lang="hu-HU" sz="2400" dirty="0"/>
-              <a:t>-re alakítja</a:t>
-            </a:r>
-          </a:p>
-          <a:p>
-            <a:pPr>
-              <a:spcAft>
-                <a:spcPts val="600"/>
-              </a:spcAft>
-            </a:pPr>
-            <a:r>
-              <a:rPr lang="hu-HU" sz="2400" dirty="0"/>
-              <a:t>Christian </a:t>
-            </a:r>
-            <a:r>
-              <a:rPr lang="hu-HU" sz="2400" dirty="0" err="1"/>
-              <a:t>Schulte</a:t>
-            </a:r>
-            <a:r>
-              <a:rPr lang="hu-HU" sz="2400" dirty="0"/>
-              <a:t> (2005): Gecode megoldóprogram</a:t>
-            </a:r>
-          </a:p>
-          <a:p>
-            <a:pPr lvl="4">
-              <a:spcAft>
-                <a:spcPts val="600"/>
-              </a:spcAft>
-            </a:pPr>
-            <a:r>
-              <a:rPr lang="hu-HU" sz="2400" dirty="0"/>
-              <a:t> - több versenyen is aranyérmes lett</a:t>
-            </a:r>
-          </a:p>
-        </p:txBody>
-      </p:sp>
-    </p:spTree>
-    <p:extLst>
-      <p:ext uri="{BB962C8B-B14F-4D97-AF65-F5344CB8AC3E}">
-        <p14:creationId xmlns:p14="http://schemas.microsoft.com/office/powerpoint/2010/main" val="1172809783"/>
-      </p:ext>
-    </p:extLst>
-  </p:cSld>
-  <p:clrMapOvr>
-    <a:masterClrMapping/>
-  </p:clrMapOvr>
-</p:sld>
-</file>
-
-<file path=ppt/slides/slide5.xml><?xml version="1.0" encoding="utf-8"?>
-<p:sld xmlns:a="http://schemas.openxmlformats.org/drawingml/2006/main" xmlns:r="http://schemas.openxmlformats.org/officeDocument/2006/relationships" xmlns:p="http://schemas.openxmlformats.org/presentationml/2006/main">
-  <p:cSld>
-    <p:spTree>
-      <p:nvGrpSpPr>
-        <p:cNvPr id="1" name=""/>
-        <p:cNvGrpSpPr/>
-        <p:nvPr/>
-      </p:nvGrpSpPr>
-      <p:grpSpPr>
-        <a:xfrm>
-          <a:off x="0" y="0"/>
-          <a:ext cx="0" cy="0"/>
-          <a:chOff x="0" y="0"/>
-          <a:chExt cx="0" cy="0"/>
-        </a:xfrm>
-      </p:grpSpPr>
-      <p:pic>
-        <p:nvPicPr>
-          <p:cNvPr id="6" name="Kép 5">
-            <a:extLst>
-              <a:ext uri="{FF2B5EF4-FFF2-40B4-BE49-F238E27FC236}">
-                <a16:creationId xmlns:a16="http://schemas.microsoft.com/office/drawing/2014/main" id="{03A2FCAA-44F4-4121-9409-3F7C16B08598}"/>
-              </a:ext>
-            </a:extLst>
-          </p:cNvPr>
-          <p:cNvPicPr>
-            <a:picLocks noChangeAspect="1"/>
-          </p:cNvPicPr>
-          <p:nvPr/>
-        </p:nvPicPr>
-        <p:blipFill rotWithShape="1">
-          <a:blip r:embed="rId2">
-            <a:extLst>
-              <a:ext uri="{28A0092B-C50C-407E-A947-70E740481C1C}">
-                <a14:useLocalDpi xmlns:a14="http://schemas.microsoft.com/office/drawing/2010/main" val="0"/>
-              </a:ext>
-            </a:extLst>
-          </a:blip>
-          <a:srcRect l="9657" t="40" r="27888" b="76524"/>
-          <a:stretch/>
-        </p:blipFill>
-        <p:spPr>
-          <a:xfrm>
-            <a:off x="4817326" y="1194936"/>
-            <a:ext cx="3215791" cy="2383436"/>
-          </a:xfrm>
-          <a:prstGeom prst="rect">
-            <a:avLst/>
-          </a:prstGeom>
-        </p:spPr>
-      </p:pic>
-      <p:sp>
-        <p:nvSpPr>
-          <p:cNvPr id="2" name="Dia számának helye 1">
-            <a:extLst>
-              <a:ext uri="{FF2B5EF4-FFF2-40B4-BE49-F238E27FC236}">
-                <a16:creationId xmlns:a16="http://schemas.microsoft.com/office/drawing/2014/main" id="{FB342F71-8953-4DC7-8EEB-C5E7385C3ABE}"/>
-              </a:ext>
-            </a:extLst>
-          </p:cNvPr>
-          <p:cNvSpPr>
-            <a:spLocks noGrp="1"/>
-          </p:cNvSpPr>
-          <p:nvPr>
-            <p:ph type="sldNum" sz="quarter" idx="12"/>
-          </p:nvPr>
-        </p:nvSpPr>
-        <p:spPr/>
-        <p:txBody>
-          <a:bodyPr/>
-          <a:lstStyle/>
-          <a:p>
-            <a:fld id="{676786BD-618E-4F38-B087-5D1176D55033}" type="slidenum">
-              <a:rPr lang="hu-HU" smtClean="0"/>
-              <a:t>5</a:t>
-            </a:fld>
-            <a:endParaRPr lang="hu-HU"/>
-          </a:p>
-        </p:txBody>
-      </p:sp>
-      <p:pic>
-        <p:nvPicPr>
-          <p:cNvPr id="4" name="Kép 3">
-            <a:extLst>
-              <a:ext uri="{FF2B5EF4-FFF2-40B4-BE49-F238E27FC236}">
-                <a16:creationId xmlns:a16="http://schemas.microsoft.com/office/drawing/2014/main" id="{BF1A90B6-D693-47C4-A4A4-06F4B3ADE8A1}"/>
-              </a:ext>
-            </a:extLst>
-          </p:cNvPr>
-          <p:cNvPicPr>
-            <a:picLocks noChangeAspect="1"/>
-          </p:cNvPicPr>
-          <p:nvPr/>
-        </p:nvPicPr>
-        <p:blipFill rotWithShape="1">
-          <a:blip r:embed="rId2">
-            <a:extLst>
-              <a:ext uri="{28A0092B-C50C-407E-A947-70E740481C1C}">
-                <a14:useLocalDpi xmlns:a14="http://schemas.microsoft.com/office/drawing/2010/main" val="0"/>
-              </a:ext>
-            </a:extLst>
-          </a:blip>
-          <a:srcRect t="28076"/>
-          <a:stretch/>
-        </p:blipFill>
-        <p:spPr>
-          <a:xfrm>
-            <a:off x="683437" y="461433"/>
-            <a:ext cx="4133889" cy="5935134"/>
-          </a:xfrm>
-          <a:prstGeom prst="rect">
-            <a:avLst/>
-          </a:prstGeom>
-        </p:spPr>
-      </p:pic>
-    </p:spTree>
-    <p:extLst>
-      <p:ext uri="{BB962C8B-B14F-4D97-AF65-F5344CB8AC3E}">
-        <p14:creationId xmlns:p14="http://schemas.microsoft.com/office/powerpoint/2010/main" val="1876939960"/>
-      </p:ext>
-    </p:extLst>
-  </p:cSld>
-  <p:clrMapOvr>
-    <a:masterClrMapping/>
-  </p:clrMapOvr>
-</p:sld>
-</file>
-
-<file path=ppt/slides/slide6.xml><?xml version="1.0" encoding="utf-8"?>
-<p:sld xmlns:a="http://schemas.openxmlformats.org/drawingml/2006/main" xmlns:r="http://schemas.openxmlformats.org/officeDocument/2006/relationships" xmlns:p="http://schemas.openxmlformats.org/presentationml/2006/main">
-  <p:cSld>
-    <p:spTree>
-      <p:nvGrpSpPr>
-        <p:cNvPr id="1" name=""/>
-        <p:cNvGrpSpPr/>
-        <p:nvPr/>
-      </p:nvGrpSpPr>
-      <p:grpSpPr>
-        <a:xfrm>
-          <a:off x="0" y="0"/>
-          <a:ext cx="0" cy="0"/>
-          <a:chOff x="0" y="0"/>
-          <a:chExt cx="0" cy="0"/>
-        </a:xfrm>
-      </p:grpSpPr>
-      <p:sp>
-        <p:nvSpPr>
-          <p:cNvPr id="2" name="Cím 1">
-            <a:extLst>
-              <a:ext uri="{FF2B5EF4-FFF2-40B4-BE49-F238E27FC236}">
-                <a16:creationId xmlns:a16="http://schemas.microsoft.com/office/drawing/2014/main" id="{FF8E5E95-AE64-415C-8681-D3B3D2CA7C51}"/>
-              </a:ext>
-            </a:extLst>
-          </p:cNvPr>
-          <p:cNvSpPr>
-            <a:spLocks noGrp="1"/>
-          </p:cNvSpPr>
-          <p:nvPr>
-            <p:ph type="title"/>
-          </p:nvPr>
-        </p:nvSpPr>
-        <p:spPr/>
-        <p:txBody>
-          <a:bodyPr>
-            <a:normAutofit/>
-          </a:bodyPr>
-          <a:lstStyle/>
-          <a:p>
-            <a:pPr algn="ctr"/>
-            <a:r>
-              <a:rPr lang="hu-HU" dirty="0"/>
-              <a:t>„Zebra” feladatok</a:t>
-            </a:r>
-            <a:br>
-              <a:rPr lang="hu-HU" dirty="0"/>
-            </a:br>
-            <a:r>
-              <a:rPr lang="hu-HU" sz="3200" dirty="0"/>
-              <a:t>(</a:t>
-            </a:r>
-            <a:r>
-              <a:rPr lang="hu-HU" sz="3200" dirty="0" err="1"/>
-              <a:t>Movies</a:t>
-            </a:r>
-            <a:r>
-              <a:rPr lang="hu-HU" sz="3200" dirty="0"/>
-              <a:t>)</a:t>
-            </a:r>
-          </a:p>
-        </p:txBody>
-      </p:sp>
-      <p:sp>
-        <p:nvSpPr>
-          <p:cNvPr id="4" name="Dia számának helye 3">
-            <a:extLst>
-              <a:ext uri="{FF2B5EF4-FFF2-40B4-BE49-F238E27FC236}">
-                <a16:creationId xmlns:a16="http://schemas.microsoft.com/office/drawing/2014/main" id="{E799F892-52D9-47BE-8E31-56A1731CA5FB}"/>
-              </a:ext>
-            </a:extLst>
-          </p:cNvPr>
-          <p:cNvSpPr>
-            <a:spLocks noGrp="1"/>
-          </p:cNvSpPr>
-          <p:nvPr>
-            <p:ph type="sldNum" sz="quarter" idx="12"/>
-          </p:nvPr>
-        </p:nvSpPr>
-        <p:spPr/>
-        <p:txBody>
-          <a:bodyPr/>
-          <a:lstStyle/>
-          <a:p>
-            <a:fld id="{676786BD-618E-4F38-B087-5D1176D55033}" type="slidenum">
-              <a:rPr lang="hu-HU" smtClean="0"/>
-              <a:t>6</a:t>
-            </a:fld>
-            <a:endParaRPr lang="hu-HU"/>
-          </a:p>
-        </p:txBody>
-      </p:sp>
-      <p:sp>
-        <p:nvSpPr>
-          <p:cNvPr id="3" name="Szövegdoboz 2">
-            <a:extLst>
-              <a:ext uri="{FF2B5EF4-FFF2-40B4-BE49-F238E27FC236}">
-                <a16:creationId xmlns:a16="http://schemas.microsoft.com/office/drawing/2014/main" id="{0FDE817F-09DE-42BC-8A28-394FF6F01DF2}"/>
-              </a:ext>
-            </a:extLst>
-          </p:cNvPr>
-          <p:cNvSpPr txBox="1"/>
-          <p:nvPr/>
-        </p:nvSpPr>
-        <p:spPr>
-          <a:xfrm>
-            <a:off x="138363" y="3910128"/>
-            <a:ext cx="8867274" cy="461665"/>
-          </a:xfrm>
-          <a:prstGeom prst="rect">
-            <a:avLst/>
-          </a:prstGeom>
-          <a:noFill/>
-        </p:spPr>
-        <p:txBody>
-          <a:bodyPr wrap="square" rtlCol="0">
-            <a:spAutoFit/>
-          </a:bodyPr>
-          <a:lstStyle/>
-          <a:p>
-            <a:r>
-              <a:rPr lang="hu-HU" sz="2400" dirty="0"/>
-              <a:t>Megoldás bináris mátrixszal</a:t>
-            </a:r>
-          </a:p>
-        </p:txBody>
-      </p:sp>
       <p:graphicFrame>
         <p:nvGraphicFramePr>
           <p:cNvPr id="5" name="Táblázat 4">
             <a:extLst>
               <a:ext uri="{FF2B5EF4-FFF2-40B4-BE49-F238E27FC236}">
-                <a16:creationId xmlns:a16="http://schemas.microsoft.com/office/drawing/2014/main" id="{D26B6D1B-EE01-441C-A70F-7B514D54C92F}"/>
+                <a16:creationId xmlns:a16="http://schemas.microsoft.com/office/drawing/2014/main" xmlns="" id="{D26B6D1B-EE01-441C-A70F-7B514D54C92F}"/>
               </a:ext>
             </a:extLst>
           </p:cNvPr>
@@ -6165,13 +7556,13 @@
           <p:nvPr>
             <p:extLst>
               <p:ext uri="{D42A27DB-BD31-4B8C-83A1-F6EECF244321}">
-                <p14:modId xmlns:p14="http://schemas.microsoft.com/office/powerpoint/2010/main" val="2921401938"/>
+                <p14:modId xmlns:p14="http://schemas.microsoft.com/office/powerpoint/2010/main" val="2888674155"/>
               </p:ext>
             </p:extLst>
           </p:nvPr>
         </p:nvGraphicFramePr>
         <p:xfrm>
-          <a:off x="1353895" y="1903957"/>
+          <a:off x="1396439" y="3991550"/>
           <a:ext cx="6436210" cy="1854200"/>
         </p:xfrm>
         <a:graphic>
@@ -6184,35 +7575,35 @@
                 <a:gridCol w="1427356">
                   <a:extLst>
                     <a:ext uri="{9D8B030D-6E8A-4147-A177-3AD203B41FA5}">
-                      <a16:colId xmlns:a16="http://schemas.microsoft.com/office/drawing/2014/main" val="3136596585"/>
+                      <a16:colId xmlns:a16="http://schemas.microsoft.com/office/drawing/2014/main" xmlns="" val="3136596585"/>
                     </a:ext>
                   </a:extLst>
                 </a:gridCol>
                 <a:gridCol w="1147128">
                   <a:extLst>
                     <a:ext uri="{9D8B030D-6E8A-4147-A177-3AD203B41FA5}">
-                      <a16:colId xmlns:a16="http://schemas.microsoft.com/office/drawing/2014/main" val="2805606202"/>
+                      <a16:colId xmlns:a16="http://schemas.microsoft.com/office/drawing/2014/main" xmlns="" val="2805606202"/>
                     </a:ext>
                   </a:extLst>
                 </a:gridCol>
                 <a:gridCol w="1287242">
                   <a:extLst>
                     <a:ext uri="{9D8B030D-6E8A-4147-A177-3AD203B41FA5}">
-                      <a16:colId xmlns:a16="http://schemas.microsoft.com/office/drawing/2014/main" val="1276901127"/>
+                      <a16:colId xmlns:a16="http://schemas.microsoft.com/office/drawing/2014/main" xmlns="" val="1276901127"/>
                     </a:ext>
                   </a:extLst>
                 </a:gridCol>
                 <a:gridCol w="1287242">
                   <a:extLst>
                     <a:ext uri="{9D8B030D-6E8A-4147-A177-3AD203B41FA5}">
-                      <a16:colId xmlns:a16="http://schemas.microsoft.com/office/drawing/2014/main" val="3494246853"/>
+                      <a16:colId xmlns:a16="http://schemas.microsoft.com/office/drawing/2014/main" xmlns="" val="3494246853"/>
                     </a:ext>
                   </a:extLst>
                 </a:gridCol>
                 <a:gridCol w="1287242">
                   <a:extLst>
                     <a:ext uri="{9D8B030D-6E8A-4147-A177-3AD203B41FA5}">
-                      <a16:colId xmlns:a16="http://schemas.microsoft.com/office/drawing/2014/main" val="3049950204"/>
+                      <a16:colId xmlns:a16="http://schemas.microsoft.com/office/drawing/2014/main" xmlns="" val="3049950204"/>
                     </a:ext>
                   </a:extLst>
                 </a:gridCol>
@@ -6495,7 +7886,7 @@
                 </a:tc>
                 <a:extLst>
                   <a:ext uri="{0D108BD9-81ED-4DB2-BD59-A6C34878D82A}">
-                    <a16:rowId xmlns:a16="http://schemas.microsoft.com/office/drawing/2014/main" val="4283395460"/>
+                    <a16:rowId xmlns:a16="http://schemas.microsoft.com/office/drawing/2014/main" xmlns="" val="4283395460"/>
                   </a:ext>
                 </a:extLst>
               </a:tr>
@@ -6782,7 +8173,7 @@
                 </a:tc>
                 <a:extLst>
                   <a:ext uri="{0D108BD9-81ED-4DB2-BD59-A6C34878D82A}">
-                    <a16:rowId xmlns:a16="http://schemas.microsoft.com/office/drawing/2014/main" val="3910493015"/>
+                    <a16:rowId xmlns:a16="http://schemas.microsoft.com/office/drawing/2014/main" xmlns="" val="3910493015"/>
                   </a:ext>
                 </a:extLst>
               </a:tr>
@@ -7064,7 +8455,7 @@
                 </a:tc>
                 <a:extLst>
                   <a:ext uri="{0D108BD9-81ED-4DB2-BD59-A6C34878D82A}">
-                    <a16:rowId xmlns:a16="http://schemas.microsoft.com/office/drawing/2014/main" val="1930595309"/>
+                    <a16:rowId xmlns:a16="http://schemas.microsoft.com/office/drawing/2014/main" xmlns="" val="1930595309"/>
                   </a:ext>
                 </a:extLst>
               </a:tr>
@@ -7361,7 +8752,7 @@
                 </a:tc>
                 <a:extLst>
                   <a:ext uri="{0D108BD9-81ED-4DB2-BD59-A6C34878D82A}">
-                    <a16:rowId xmlns:a16="http://schemas.microsoft.com/office/drawing/2014/main" val="1067106434"/>
+                    <a16:rowId xmlns:a16="http://schemas.microsoft.com/office/drawing/2014/main" xmlns="" val="1067106434"/>
                   </a:ext>
                 </a:extLst>
               </a:tr>
@@ -7643,7 +9034,7 @@
                 </a:tc>
                 <a:extLst>
                   <a:ext uri="{0D108BD9-81ED-4DB2-BD59-A6C34878D82A}">
-                    <a16:rowId xmlns:a16="http://schemas.microsoft.com/office/drawing/2014/main" val="2189309325"/>
+                    <a16:rowId xmlns:a16="http://schemas.microsoft.com/office/drawing/2014/main" xmlns="" val="2189309325"/>
                   </a:ext>
                 </a:extLst>
               </a:tr>
@@ -7651,15 +9042,561 @@
           </a:graphicData>
         </a:graphic>
       </p:graphicFrame>
-      <p:pic>
-        <p:nvPicPr>
-          <p:cNvPr id="8" name="Kép 7">
+    </p:spTree>
+    <p:extLst>
+      <p:ext uri="{BB962C8B-B14F-4D97-AF65-F5344CB8AC3E}">
+        <p14:creationId xmlns:p14="http://schemas.microsoft.com/office/powerpoint/2010/main" val="1376513413"/>
+      </p:ext>
+    </p:extLst>
+  </p:cSld>
+  <p:clrMapOvr>
+    <a:masterClrMapping/>
+  </p:clrMapOvr>
+  <p:timing>
+    <p:tnLst>
+      <p:par>
+        <p:cTn id="1" dur="indefinite" restart="never" nodeType="tmRoot"/>
+      </p:par>
+    </p:tnLst>
+  </p:timing>
+</p:sld>
+</file>
+
+<file path=ppt/slides/slide4.xml><?xml version="1.0" encoding="utf-8"?>
+<p:sld xmlns:a="http://schemas.openxmlformats.org/drawingml/2006/main" xmlns:r="http://schemas.openxmlformats.org/officeDocument/2006/relationships" xmlns:p="http://schemas.openxmlformats.org/presentationml/2006/main">
+  <p:cSld>
+    <p:spTree>
+      <p:nvGrpSpPr>
+        <p:cNvPr id="1" name=""/>
+        <p:cNvGrpSpPr/>
+        <p:nvPr/>
+      </p:nvGrpSpPr>
+      <p:grpSpPr>
+        <a:xfrm>
+          <a:off x="0" y="0"/>
+          <a:ext cx="0" cy="0"/>
+          <a:chOff x="0" y="0"/>
+          <a:chExt cx="0" cy="0"/>
+        </a:xfrm>
+      </p:grpSpPr>
+      <p:sp>
+        <p:nvSpPr>
+          <p:cNvPr id="2" name="Cím 1">
             <a:extLst>
               <a:ext uri="{FF2B5EF4-FFF2-40B4-BE49-F238E27FC236}">
-                <a16:creationId xmlns:a16="http://schemas.microsoft.com/office/drawing/2014/main" id="{7ABD08E0-BA78-4CA3-A81C-4A33E94A3976}"/>
+                <a16:creationId xmlns:a16="http://schemas.microsoft.com/office/drawing/2014/main" xmlns="" id="{3D71E464-FDA0-44ED-BAE0-76765A5D6664}"/>
               </a:ext>
             </a:extLst>
           </p:cNvPr>
+          <p:cNvSpPr>
+            <a:spLocks noGrp="1"/>
+          </p:cNvSpPr>
+          <p:nvPr>
+            <p:ph type="title"/>
+          </p:nvPr>
+        </p:nvSpPr>
+        <p:spPr/>
+        <p:txBody>
+          <a:bodyPr/>
+          <a:lstStyle/>
+          <a:p>
+            <a:r>
+              <a:rPr lang="hu-HU" dirty="0"/>
+              <a:t>Korlátprogramozás</a:t>
+            </a:r>
+          </a:p>
+        </p:txBody>
+      </p:sp>
+      <p:sp>
+        <p:nvSpPr>
+          <p:cNvPr id="5" name="Dia számának helye 4">
+            <a:extLst>
+              <a:ext uri="{FF2B5EF4-FFF2-40B4-BE49-F238E27FC236}">
+                <a16:creationId xmlns:a16="http://schemas.microsoft.com/office/drawing/2014/main" xmlns="" id="{3927AD5E-958C-4218-A2F7-1714AA2AACB5}"/>
+              </a:ext>
+            </a:extLst>
+          </p:cNvPr>
+          <p:cNvSpPr>
+            <a:spLocks noGrp="1"/>
+          </p:cNvSpPr>
+          <p:nvPr>
+            <p:ph type="sldNum" sz="quarter" idx="12"/>
+          </p:nvPr>
+        </p:nvSpPr>
+        <p:spPr/>
+        <p:txBody>
+          <a:bodyPr/>
+          <a:lstStyle/>
+          <a:p>
+            <a:fld id="{676786BD-618E-4F38-B087-5D1176D55033}" type="slidenum">
+              <a:rPr lang="hu-HU" smtClean="0"/>
+              <a:t>4</a:t>
+            </a:fld>
+            <a:endParaRPr lang="hu-HU"/>
+          </a:p>
+        </p:txBody>
+      </p:sp>
+      <p:sp>
+        <p:nvSpPr>
+          <p:cNvPr id="6" name="Szövegdoboz 5">
+            <a:extLst>
+              <a:ext uri="{FF2B5EF4-FFF2-40B4-BE49-F238E27FC236}">
+                <a16:creationId xmlns:a16="http://schemas.microsoft.com/office/drawing/2014/main" xmlns="" id="{6EA50174-05F4-4DB5-AFA6-707EDDAD33F6}"/>
+              </a:ext>
+            </a:extLst>
+          </p:cNvPr>
+          <p:cNvSpPr txBox="1"/>
+          <p:nvPr/>
+        </p:nvSpPr>
+        <p:spPr>
+          <a:xfrm>
+            <a:off x="138363" y="2306929"/>
+            <a:ext cx="8867274" cy="3293209"/>
+          </a:xfrm>
+          <a:prstGeom prst="rect">
+            <a:avLst/>
+          </a:prstGeom>
+          <a:noFill/>
+        </p:spPr>
+        <p:txBody>
+          <a:bodyPr wrap="square" rtlCol="0">
+            <a:spAutoFit/>
+          </a:bodyPr>
+          <a:lstStyle/>
+          <a:p>
+            <a:r>
+              <a:rPr lang="hu-HU" sz="2400" dirty="0"/>
+              <a:t>Ivan </a:t>
+            </a:r>
+            <a:r>
+              <a:rPr lang="hu-HU" sz="2400" dirty="0" err="1"/>
+              <a:t>Sutherland</a:t>
+            </a:r>
+            <a:r>
+              <a:rPr lang="hu-HU" sz="2400" dirty="0"/>
+              <a:t> (1963): </a:t>
+            </a:r>
+            <a:r>
+              <a:rPr lang="hu-HU" sz="2400" dirty="0" err="1"/>
+              <a:t>Sketchpad</a:t>
+            </a:r>
+            <a:endParaRPr lang="hu-HU" sz="2400" dirty="0"/>
+          </a:p>
+          <a:p>
+            <a:r>
+              <a:rPr lang="hu-HU" sz="2400" dirty="0"/>
+              <a:t>1980-as években egyre keresettebb módszer lett</a:t>
+            </a:r>
+          </a:p>
+          <a:p>
+            <a:pPr>
+              <a:spcAft>
+                <a:spcPts val="1800"/>
+              </a:spcAft>
+            </a:pPr>
+            <a:r>
+              <a:rPr lang="hu-HU" sz="2400" dirty="0"/>
+              <a:t>1990-es évektől eladható változatok</a:t>
+            </a:r>
+          </a:p>
+          <a:p>
+            <a:pPr>
+              <a:spcAft>
+                <a:spcPts val="600"/>
+              </a:spcAft>
+            </a:pPr>
+            <a:r>
+              <a:rPr lang="hu-HU" sz="2400" dirty="0"/>
+              <a:t>MiniZinc:  - grafikus szerkesztőprogram és nyelv is egyben</a:t>
+            </a:r>
+          </a:p>
+          <a:p>
+            <a:pPr lvl="2">
+              <a:spcAft>
+                <a:spcPts val="1800"/>
+              </a:spcAft>
+            </a:pPr>
+            <a:r>
+              <a:rPr lang="hu-HU" sz="2400" dirty="0"/>
+              <a:t>        - fordítója a mzn2fzn -&gt; </a:t>
+            </a:r>
+            <a:r>
+              <a:rPr lang="hu-HU" sz="2400" dirty="0" err="1"/>
+              <a:t>FlatZinc</a:t>
+            </a:r>
+            <a:r>
+              <a:rPr lang="hu-HU" sz="2400" dirty="0"/>
+              <a:t>-re alakítja</a:t>
+            </a:r>
+          </a:p>
+          <a:p>
+            <a:pPr>
+              <a:spcAft>
+                <a:spcPts val="600"/>
+              </a:spcAft>
+            </a:pPr>
+            <a:r>
+              <a:rPr lang="hu-HU" sz="2400" dirty="0"/>
+              <a:t>Christian </a:t>
+            </a:r>
+            <a:r>
+              <a:rPr lang="hu-HU" sz="2400" dirty="0" err="1"/>
+              <a:t>Schulte</a:t>
+            </a:r>
+            <a:r>
+              <a:rPr lang="hu-HU" sz="2400" dirty="0"/>
+              <a:t> (2005): Gecode megoldóprogram</a:t>
+            </a:r>
+          </a:p>
+          <a:p>
+            <a:pPr lvl="4">
+              <a:spcAft>
+                <a:spcPts val="600"/>
+              </a:spcAft>
+            </a:pPr>
+            <a:r>
+              <a:rPr lang="hu-HU" sz="2400" dirty="0"/>
+              <a:t> - több versenyen is aranyérmes lett</a:t>
+            </a:r>
+          </a:p>
+        </p:txBody>
+      </p:sp>
+    </p:spTree>
+    <p:extLst>
+      <p:ext uri="{BB962C8B-B14F-4D97-AF65-F5344CB8AC3E}">
+        <p14:creationId xmlns:p14="http://schemas.microsoft.com/office/powerpoint/2010/main" val="1172809783"/>
+      </p:ext>
+    </p:extLst>
+  </p:cSld>
+  <p:clrMapOvr>
+    <a:masterClrMapping/>
+  </p:clrMapOvr>
+  <p:timing>
+    <p:tnLst>
+      <p:par>
+        <p:cTn id="1" dur="indefinite" restart="never" nodeType="tmRoot"/>
+      </p:par>
+    </p:tnLst>
+  </p:timing>
+</p:sld>
+</file>
+
+<file path=ppt/slides/slide5.xml><?xml version="1.0" encoding="utf-8"?>
+<p:sld xmlns:a="http://schemas.openxmlformats.org/drawingml/2006/main" xmlns:r="http://schemas.openxmlformats.org/officeDocument/2006/relationships" xmlns:p="http://schemas.openxmlformats.org/presentationml/2006/main">
+  <p:cSld>
+    <p:spTree>
+      <p:nvGrpSpPr>
+        <p:cNvPr id="1" name=""/>
+        <p:cNvGrpSpPr/>
+        <p:nvPr/>
+      </p:nvGrpSpPr>
+      <p:grpSpPr>
+        <a:xfrm>
+          <a:off x="0" y="0"/>
+          <a:ext cx="0" cy="0"/>
+          <a:chOff x="0" y="0"/>
+          <a:chExt cx="0" cy="0"/>
+        </a:xfrm>
+      </p:grpSpPr>
+      <p:pic>
+        <p:nvPicPr>
+          <p:cNvPr id="6" name="Kép 5">
+            <a:extLst>
+              <a:ext uri="{FF2B5EF4-FFF2-40B4-BE49-F238E27FC236}">
+                <a16:creationId xmlns:a16="http://schemas.microsoft.com/office/drawing/2014/main" xmlns="" id="{03A2FCAA-44F4-4121-9409-3F7C16B08598}"/>
+              </a:ext>
+            </a:extLst>
+          </p:cNvPr>
+          <p:cNvPicPr>
+            <a:picLocks noChangeAspect="1"/>
+          </p:cNvPicPr>
+          <p:nvPr/>
+        </p:nvPicPr>
+        <p:blipFill rotWithShape="1">
+          <a:blip r:embed="rId2">
+            <a:extLst>
+              <a:ext uri="{28A0092B-C50C-407E-A947-70E740481C1C}">
+                <a14:useLocalDpi xmlns:a14="http://schemas.microsoft.com/office/drawing/2010/main" val="0"/>
+              </a:ext>
+            </a:extLst>
+          </a:blip>
+          <a:srcRect l="9657" t="40" r="27888" b="76524"/>
+          <a:stretch/>
+        </p:blipFill>
+        <p:spPr>
+          <a:xfrm>
+            <a:off x="4817326" y="1194936"/>
+            <a:ext cx="3215791" cy="2383436"/>
+          </a:xfrm>
+          <a:prstGeom prst="rect">
+            <a:avLst/>
+          </a:prstGeom>
+        </p:spPr>
+      </p:pic>
+      <p:sp>
+        <p:nvSpPr>
+          <p:cNvPr id="2" name="Dia számának helye 1">
+            <a:extLst>
+              <a:ext uri="{FF2B5EF4-FFF2-40B4-BE49-F238E27FC236}">
+                <a16:creationId xmlns:a16="http://schemas.microsoft.com/office/drawing/2014/main" xmlns="" id="{FB342F71-8953-4DC7-8EEB-C5E7385C3ABE}"/>
+              </a:ext>
+            </a:extLst>
+          </p:cNvPr>
+          <p:cNvSpPr>
+            <a:spLocks noGrp="1"/>
+          </p:cNvSpPr>
+          <p:nvPr>
+            <p:ph type="sldNum" sz="quarter" idx="12"/>
+          </p:nvPr>
+        </p:nvSpPr>
+        <p:spPr/>
+        <p:txBody>
+          <a:bodyPr/>
+          <a:lstStyle/>
+          <a:p>
+            <a:fld id="{676786BD-618E-4F38-B087-5D1176D55033}" type="slidenum">
+              <a:rPr lang="hu-HU" smtClean="0"/>
+              <a:t>5</a:t>
+            </a:fld>
+            <a:endParaRPr lang="hu-HU"/>
+          </a:p>
+        </p:txBody>
+      </p:sp>
+      <p:pic>
+        <p:nvPicPr>
+          <p:cNvPr id="4" name="Kép 3">
+            <a:extLst>
+              <a:ext uri="{FF2B5EF4-FFF2-40B4-BE49-F238E27FC236}">
+                <a16:creationId xmlns:a16="http://schemas.microsoft.com/office/drawing/2014/main" xmlns="" id="{BF1A90B6-D693-47C4-A4A4-06F4B3ADE8A1}"/>
+              </a:ext>
+            </a:extLst>
+          </p:cNvPr>
+          <p:cNvPicPr>
+            <a:picLocks noChangeAspect="1"/>
+          </p:cNvPicPr>
+          <p:nvPr/>
+        </p:nvPicPr>
+        <p:blipFill rotWithShape="1">
+          <a:blip r:embed="rId2">
+            <a:extLst>
+              <a:ext uri="{28A0092B-C50C-407E-A947-70E740481C1C}">
+                <a14:useLocalDpi xmlns:a14="http://schemas.microsoft.com/office/drawing/2010/main" val="0"/>
+              </a:ext>
+            </a:extLst>
+          </a:blip>
+          <a:srcRect t="28076"/>
+          <a:stretch/>
+        </p:blipFill>
+        <p:spPr>
+          <a:xfrm>
+            <a:off x="1045746" y="1291131"/>
+            <a:ext cx="3465869" cy="4976040"/>
+          </a:xfrm>
+          <a:prstGeom prst="rect">
+            <a:avLst/>
+          </a:prstGeom>
+        </p:spPr>
+      </p:pic>
+      <p:sp>
+        <p:nvSpPr>
+          <p:cNvPr id="5" name="Cím 1">
+            <a:extLst>
+              <a:ext uri="{FF2B5EF4-FFF2-40B4-BE49-F238E27FC236}">
+                <a16:creationId xmlns:a16="http://schemas.microsoft.com/office/drawing/2014/main" xmlns="" id="{FF8E5E95-AE64-415C-8681-D3B3D2CA7C51}"/>
+              </a:ext>
+            </a:extLst>
+          </p:cNvPr>
+          <p:cNvSpPr txBox="1">
+            <a:spLocks/>
+          </p:cNvSpPr>
+          <p:nvPr/>
+        </p:nvSpPr>
+        <p:spPr>
+          <a:xfrm>
+            <a:off x="543393" y="88902"/>
+            <a:ext cx="7543800" cy="730126"/>
+          </a:xfrm>
+          <a:prstGeom prst="rect">
+            <a:avLst/>
+          </a:prstGeom>
+        </p:spPr>
+        <p:txBody>
+          <a:bodyPr>
+            <a:normAutofit/>
+          </a:bodyPr>
+          <a:lstStyle>
+            <a:lvl1pPr algn="l" defTabSz="914400" rtl="0" eaLnBrk="1" latinLnBrk="0" hangingPunct="1">
+              <a:lnSpc>
+                <a:spcPct val="85000"/>
+              </a:lnSpc>
+              <a:spcBef>
+                <a:spcPct val="0"/>
+              </a:spcBef>
+              <a:buNone/>
+              <a:defRPr sz="4800" kern="1200" spc="-50" baseline="0">
+                <a:solidFill>
+                  <a:schemeClr val="bg1"/>
+                </a:solidFill>
+                <a:latin typeface="+mj-lt"/>
+                <a:ea typeface="+mj-ea"/>
+                <a:cs typeface="+mj-cs"/>
+              </a:defRPr>
+            </a:lvl1pPr>
+          </a:lstStyle>
+          <a:p>
+            <a:r>
+              <a:rPr lang="hu-HU" dirty="0" smtClean="0"/>
+              <a:t>Térképszínezés</a:t>
+            </a:r>
+            <a:endParaRPr lang="hu-HU" sz="3200" dirty="0"/>
+          </a:p>
+        </p:txBody>
+      </p:sp>
+    </p:spTree>
+    <p:extLst>
+      <p:ext uri="{BB962C8B-B14F-4D97-AF65-F5344CB8AC3E}">
+        <p14:creationId xmlns:p14="http://schemas.microsoft.com/office/powerpoint/2010/main" val="1876939960"/>
+      </p:ext>
+    </p:extLst>
+  </p:cSld>
+  <p:clrMapOvr>
+    <a:masterClrMapping/>
+  </p:clrMapOvr>
+  <p:timing>
+    <p:tnLst>
+      <p:par>
+        <p:cTn id="1" dur="indefinite" restart="never" nodeType="tmRoot"/>
+      </p:par>
+    </p:tnLst>
+  </p:timing>
+</p:sld>
+</file>
+
+<file path=ppt/slides/slide6.xml><?xml version="1.0" encoding="utf-8"?>
+<p:sld xmlns:a="http://schemas.openxmlformats.org/drawingml/2006/main" xmlns:r="http://schemas.openxmlformats.org/officeDocument/2006/relationships" xmlns:p="http://schemas.openxmlformats.org/presentationml/2006/main">
+  <p:cSld>
+    <p:spTree>
+      <p:nvGrpSpPr>
+        <p:cNvPr id="1" name=""/>
+        <p:cNvGrpSpPr/>
+        <p:nvPr/>
+      </p:nvGrpSpPr>
+      <p:grpSpPr>
+        <a:xfrm>
+          <a:off x="0" y="0"/>
+          <a:ext cx="0" cy="0"/>
+          <a:chOff x="0" y="0"/>
+          <a:chExt cx="0" cy="0"/>
+        </a:xfrm>
+      </p:grpSpPr>
+      <p:sp>
+        <p:nvSpPr>
+          <p:cNvPr id="2" name="Cím 1">
+            <a:extLst>
+              <a:ext uri="{FF2B5EF4-FFF2-40B4-BE49-F238E27FC236}">
+                <a16:creationId xmlns:a16="http://schemas.microsoft.com/office/drawing/2014/main" xmlns="" id="{FF8E5E95-AE64-415C-8681-D3B3D2CA7C51}"/>
+              </a:ext>
+            </a:extLst>
+          </p:cNvPr>
+          <p:cNvSpPr>
+            <a:spLocks noGrp="1"/>
+          </p:cNvSpPr>
+          <p:nvPr>
+            <p:ph type="title"/>
+          </p:nvPr>
+        </p:nvSpPr>
+        <p:spPr>
+          <a:xfrm>
+            <a:off x="543393" y="88902"/>
+            <a:ext cx="7543800" cy="730126"/>
+          </a:xfrm>
+        </p:spPr>
+        <p:txBody>
+          <a:bodyPr>
+            <a:normAutofit/>
+          </a:bodyPr>
+          <a:lstStyle/>
+          <a:p>
+            <a:r>
+              <a:rPr lang="hu-HU" dirty="0"/>
+              <a:t>„Zebra” </a:t>
+            </a:r>
+            <a:r>
+              <a:rPr lang="hu-HU" dirty="0" smtClean="0"/>
+              <a:t>feladatok</a:t>
+            </a:r>
+            <a:endParaRPr lang="hu-HU" sz="3200" dirty="0"/>
+          </a:p>
+        </p:txBody>
+      </p:sp>
+      <p:sp>
+        <p:nvSpPr>
+          <p:cNvPr id="4" name="Dia számának helye 3">
+            <a:extLst>
+              <a:ext uri="{FF2B5EF4-FFF2-40B4-BE49-F238E27FC236}">
+                <a16:creationId xmlns:a16="http://schemas.microsoft.com/office/drawing/2014/main" xmlns="" id="{E799F892-52D9-47BE-8E31-56A1731CA5FB}"/>
+              </a:ext>
+            </a:extLst>
+          </p:cNvPr>
+          <p:cNvSpPr>
+            <a:spLocks noGrp="1"/>
+          </p:cNvSpPr>
+          <p:nvPr>
+            <p:ph type="sldNum" sz="quarter" idx="12"/>
+          </p:nvPr>
+        </p:nvSpPr>
+        <p:spPr/>
+        <p:txBody>
+          <a:bodyPr/>
+          <a:lstStyle/>
+          <a:p>
+            <a:fld id="{676786BD-618E-4F38-B087-5D1176D55033}" type="slidenum">
+              <a:rPr lang="hu-HU" smtClean="0"/>
+              <a:t>6</a:t>
+            </a:fld>
+            <a:endParaRPr lang="hu-HU"/>
+          </a:p>
+        </p:txBody>
+      </p:sp>
+      <p:sp>
+        <p:nvSpPr>
+          <p:cNvPr id="3" name="Szövegdoboz 2">
+            <a:extLst>
+              <a:ext uri="{FF2B5EF4-FFF2-40B4-BE49-F238E27FC236}">
+                <a16:creationId xmlns:a16="http://schemas.microsoft.com/office/drawing/2014/main" xmlns="" id="{0FDE817F-09DE-42BC-8A28-394FF6F01DF2}"/>
+              </a:ext>
+            </a:extLst>
+          </p:cNvPr>
+          <p:cNvSpPr txBox="1"/>
+          <p:nvPr/>
+        </p:nvSpPr>
+        <p:spPr>
+          <a:xfrm>
+            <a:off x="543393" y="819028"/>
+            <a:ext cx="8867274" cy="400110"/>
+          </a:xfrm>
+          <a:prstGeom prst="rect">
+            <a:avLst/>
+          </a:prstGeom>
+          <a:noFill/>
+        </p:spPr>
+        <p:txBody>
+          <a:bodyPr wrap="square" rtlCol="0">
+            <a:spAutoFit/>
+          </a:bodyPr>
+          <a:lstStyle/>
+          <a:p>
+            <a:r>
+              <a:rPr lang="hu-HU" sz="2000" dirty="0" smtClean="0"/>
+              <a:t>Kikötés: A fekete ruhás hölgytől valahol jobbra ül a 60 éves adományozó.</a:t>
+            </a:r>
+            <a:endParaRPr lang="hu-HU" sz="2000" dirty="0"/>
+          </a:p>
+        </p:txBody>
+      </p:sp>
+      <p:pic>
+        <p:nvPicPr>
+          <p:cNvPr id="9" name="Kép 8"/>
           <p:cNvPicPr>
             <a:picLocks noChangeAspect="1"/>
           </p:cNvPicPr>
@@ -7679,14 +9616,310 @@
         </p:blipFill>
         <p:spPr>
           <a:xfrm>
-            <a:off x="543393" y="4523764"/>
-            <a:ext cx="8057213" cy="1884670"/>
+            <a:off x="1111514" y="2082799"/>
+            <a:ext cx="7390250" cy="690503"/>
           </a:xfrm>
           <a:prstGeom prst="rect">
             <a:avLst/>
           </a:prstGeom>
         </p:spPr>
       </p:pic>
+      <p:pic>
+        <p:nvPicPr>
+          <p:cNvPr id="10" name="Kép 9"/>
+          <p:cNvPicPr>
+            <a:picLocks noChangeAspect="1"/>
+          </p:cNvPicPr>
+          <p:nvPr/>
+        </p:nvPicPr>
+        <p:blipFill>
+          <a:blip r:embed="rId3">
+            <a:extLst>
+              <a:ext uri="{28A0092B-C50C-407E-A947-70E740481C1C}">
+                <a14:useLocalDpi xmlns:a14="http://schemas.microsoft.com/office/drawing/2010/main" val="0"/>
+              </a:ext>
+            </a:extLst>
+          </a:blip>
+          <a:stretch>
+            <a:fillRect/>
+          </a:stretch>
+        </p:blipFill>
+        <p:spPr>
+          <a:xfrm>
+            <a:off x="1527144" y="4388735"/>
+            <a:ext cx="6558991" cy="770864"/>
+          </a:xfrm>
+          <a:prstGeom prst="rect">
+            <a:avLst/>
+          </a:prstGeom>
+        </p:spPr>
+      </p:pic>
+      <p:sp>
+        <p:nvSpPr>
+          <p:cNvPr id="13" name="Szövegdoboz 12"/>
+          <p:cNvSpPr txBox="1"/>
+          <p:nvPr/>
+        </p:nvSpPr>
+        <p:spPr>
+          <a:xfrm>
+            <a:off x="160164" y="3026107"/>
+            <a:ext cx="8930650" cy="307777"/>
+          </a:xfrm>
+          <a:prstGeom prst="rect">
+            <a:avLst/>
+          </a:prstGeom>
+          <a:noFill/>
+        </p:spPr>
+        <p:txBody>
+          <a:bodyPr wrap="none" rtlCol="0">
+            <a:spAutoFit/>
+          </a:bodyPr>
+          <a:lstStyle/>
+          <a:p>
+            <a:r>
+              <a:rPr lang="en-US" sz="1400" dirty="0">
+                <a:solidFill>
+                  <a:srgbClr val="008000"/>
+                </a:solidFill>
+                <a:latin typeface="Consolas" panose="020B0609020204030204" pitchFamily="49" charset="0"/>
+              </a:rPr>
+              <a:t>constraint</a:t>
+            </a:r>
+            <a:r>
+              <a:rPr lang="en-US" sz="1400" dirty="0">
+                <a:latin typeface="Consolas" panose="020B0609020204030204" pitchFamily="49" charset="0"/>
+              </a:rPr>
+              <a:t> </a:t>
+            </a:r>
+            <a:r>
+              <a:rPr lang="en-US" sz="1400" dirty="0" err="1">
+                <a:solidFill>
+                  <a:srgbClr val="0000FF"/>
+                </a:solidFill>
+                <a:latin typeface="Consolas" panose="020B0609020204030204" pitchFamily="49" charset="0"/>
+              </a:rPr>
+              <a:t>forall</a:t>
+            </a:r>
+            <a:r>
+              <a:rPr lang="en-US" sz="1400" dirty="0">
+                <a:latin typeface="Consolas" panose="020B0609020204030204" pitchFamily="49" charset="0"/>
+              </a:rPr>
+              <a:t>(x </a:t>
+            </a:r>
+            <a:r>
+              <a:rPr lang="en-US" sz="1400" dirty="0">
+                <a:solidFill>
+                  <a:srgbClr val="008000"/>
+                </a:solidFill>
+                <a:latin typeface="Consolas" panose="020B0609020204030204" pitchFamily="49" charset="0"/>
+              </a:rPr>
+              <a:t>in</a:t>
+            </a:r>
+            <a:r>
+              <a:rPr lang="en-US" sz="1400" dirty="0">
+                <a:latin typeface="Consolas" panose="020B0609020204030204" pitchFamily="49" charset="0"/>
+              </a:rPr>
+              <a:t> PEOPLE)(dress[black, x]=1 -&gt; </a:t>
+            </a:r>
+            <a:r>
+              <a:rPr lang="en-US" sz="1400" dirty="0">
+                <a:solidFill>
+                  <a:srgbClr val="0000FF"/>
+                </a:solidFill>
+                <a:latin typeface="Consolas" panose="020B0609020204030204" pitchFamily="49" charset="0"/>
+              </a:rPr>
+              <a:t>sum</a:t>
+            </a:r>
+            <a:r>
+              <a:rPr lang="en-US" sz="1400" dirty="0">
+                <a:latin typeface="Consolas" panose="020B0609020204030204" pitchFamily="49" charset="0"/>
+              </a:rPr>
+              <a:t>(p </a:t>
+            </a:r>
+            <a:r>
+              <a:rPr lang="en-US" sz="1400" dirty="0">
+                <a:solidFill>
+                  <a:srgbClr val="008000"/>
+                </a:solidFill>
+                <a:latin typeface="Consolas" panose="020B0609020204030204" pitchFamily="49" charset="0"/>
+              </a:rPr>
+              <a:t>in</a:t>
+            </a:r>
+            <a:r>
+              <a:rPr lang="en-US" sz="1400" dirty="0">
+                <a:latin typeface="Consolas" panose="020B0609020204030204" pitchFamily="49" charset="0"/>
+              </a:rPr>
+              <a:t> x+1..db)(age[sixty, p])=1);</a:t>
+            </a:r>
+            <a:endParaRPr lang="hu-HU" sz="1400" dirty="0">
+              <a:latin typeface="Consolas" panose="020B0609020204030204" pitchFamily="49" charset="0"/>
+            </a:endParaRPr>
+          </a:p>
+        </p:txBody>
+      </p:sp>
+      <p:sp>
+        <p:nvSpPr>
+          <p:cNvPr id="15" name="Szövegdoboz 14"/>
+          <p:cNvSpPr txBox="1"/>
+          <p:nvPr/>
+        </p:nvSpPr>
+        <p:spPr>
+          <a:xfrm>
+            <a:off x="358937" y="5310720"/>
+            <a:ext cx="8533105" cy="307777"/>
+          </a:xfrm>
+          <a:prstGeom prst="rect">
+            <a:avLst/>
+          </a:prstGeom>
+          <a:noFill/>
+        </p:spPr>
+        <p:txBody>
+          <a:bodyPr wrap="none" rtlCol="0">
+            <a:spAutoFit/>
+          </a:bodyPr>
+          <a:lstStyle/>
+          <a:p>
+            <a:r>
+              <a:rPr lang="en-US" sz="1400">
+                <a:solidFill>
+                  <a:srgbClr val="008000"/>
+                </a:solidFill>
+                <a:latin typeface="Consolas" panose="020B0609020204030204" pitchFamily="49" charset="0"/>
+              </a:rPr>
+              <a:t>constraint</a:t>
+            </a:r>
+            <a:r>
+              <a:rPr lang="en-US" sz="1400">
+                <a:latin typeface="Consolas" panose="020B0609020204030204" pitchFamily="49" charset="0"/>
+              </a:rPr>
+              <a:t> </a:t>
+            </a:r>
+            <a:r>
+              <a:rPr lang="en-US" sz="1400">
+                <a:solidFill>
+                  <a:srgbClr val="0000FF"/>
+                </a:solidFill>
+                <a:latin typeface="Consolas" panose="020B0609020204030204" pitchFamily="49" charset="0"/>
+              </a:rPr>
+              <a:t>forall</a:t>
+            </a:r>
+            <a:r>
+              <a:rPr lang="en-US" sz="1400">
+                <a:latin typeface="Consolas" panose="020B0609020204030204" pitchFamily="49" charset="0"/>
+              </a:rPr>
+              <a:t>(x </a:t>
+            </a:r>
+            <a:r>
+              <a:rPr lang="en-US" sz="1400">
+                <a:solidFill>
+                  <a:srgbClr val="008000"/>
+                </a:solidFill>
+                <a:latin typeface="Consolas" panose="020B0609020204030204" pitchFamily="49" charset="0"/>
+              </a:rPr>
+              <a:t>in</a:t>
+            </a:r>
+            <a:r>
+              <a:rPr lang="en-US" sz="1400">
+                <a:latin typeface="Consolas" panose="020B0609020204030204" pitchFamily="49" charset="0"/>
+              </a:rPr>
+              <a:t> PEOPLE)(dress[black, x] &lt;= </a:t>
+            </a:r>
+            <a:r>
+              <a:rPr lang="en-US" sz="1400">
+                <a:solidFill>
+                  <a:srgbClr val="0000FF"/>
+                </a:solidFill>
+                <a:latin typeface="Consolas" panose="020B0609020204030204" pitchFamily="49" charset="0"/>
+              </a:rPr>
+              <a:t>sum</a:t>
+            </a:r>
+            <a:r>
+              <a:rPr lang="en-US" sz="1400">
+                <a:latin typeface="Consolas" panose="020B0609020204030204" pitchFamily="49" charset="0"/>
+              </a:rPr>
+              <a:t>(p </a:t>
+            </a:r>
+            <a:r>
+              <a:rPr lang="en-US" sz="1400">
+                <a:solidFill>
+                  <a:srgbClr val="008000"/>
+                </a:solidFill>
+                <a:latin typeface="Consolas" panose="020B0609020204030204" pitchFamily="49" charset="0"/>
+              </a:rPr>
+              <a:t>in</a:t>
+            </a:r>
+            <a:r>
+              <a:rPr lang="en-US" sz="1400">
+                <a:latin typeface="Consolas" panose="020B0609020204030204" pitchFamily="49" charset="0"/>
+              </a:rPr>
+              <a:t> x+1..db)(age[sixty, p]));</a:t>
+            </a:r>
+            <a:endParaRPr lang="hu-HU" sz="1400" dirty="0">
+              <a:latin typeface="Consolas" panose="020B0609020204030204" pitchFamily="49" charset="0"/>
+            </a:endParaRPr>
+          </a:p>
+        </p:txBody>
+      </p:sp>
+      <p:sp>
+        <p:nvSpPr>
+          <p:cNvPr id="16" name="Szövegdoboz 15"/>
+          <p:cNvSpPr txBox="1"/>
+          <p:nvPr/>
+        </p:nvSpPr>
+        <p:spPr>
+          <a:xfrm>
+            <a:off x="160164" y="1498023"/>
+            <a:ext cx="3715633" cy="369332"/>
+          </a:xfrm>
+          <a:prstGeom prst="rect">
+            <a:avLst/>
+          </a:prstGeom>
+          <a:noFill/>
+        </p:spPr>
+        <p:txBody>
+          <a:bodyPr wrap="none" rtlCol="0">
+            <a:spAutoFit/>
+          </a:bodyPr>
+          <a:lstStyle/>
+          <a:p>
+            <a:r>
+              <a:rPr lang="hu-HU" u="sng" dirty="0" smtClean="0"/>
+              <a:t>I. Bináris mátrix logikai operátorokkal:</a:t>
+            </a:r>
+            <a:endParaRPr lang="hu-HU" u="sng" dirty="0"/>
+          </a:p>
+        </p:txBody>
+      </p:sp>
+      <p:sp>
+        <p:nvSpPr>
+          <p:cNvPr id="17" name="Szövegdoboz 16"/>
+          <p:cNvSpPr txBox="1"/>
+          <p:nvPr/>
+        </p:nvSpPr>
+        <p:spPr>
+          <a:xfrm>
+            <a:off x="160164" y="3868282"/>
+            <a:ext cx="3891322" cy="369332"/>
+          </a:xfrm>
+          <a:prstGeom prst="rect">
+            <a:avLst/>
+          </a:prstGeom>
+          <a:noFill/>
+        </p:spPr>
+        <p:txBody>
+          <a:bodyPr wrap="none" rtlCol="0">
+            <a:spAutoFit/>
+          </a:bodyPr>
+          <a:lstStyle/>
+          <a:p>
+            <a:r>
+              <a:rPr lang="hu-HU" u="sng" dirty="0" smtClean="0"/>
+              <a:t>II. Bináris mátrix relációs operátorokkal:</a:t>
+            </a:r>
+            <a:endParaRPr lang="hu-HU" u="sng" dirty="0"/>
+          </a:p>
+        </p:txBody>
+      </p:sp>
     </p:spTree>
     <p:extLst>
       <p:ext uri="{BB962C8B-B14F-4D97-AF65-F5344CB8AC3E}">
@@ -7697,6 +9930,13 @@
   <p:clrMapOvr>
     <a:masterClrMapping/>
   </p:clrMapOvr>
+  <p:timing>
+    <p:tnLst>
+      <p:par>
+        <p:cTn id="1" dur="indefinite" restart="never" nodeType="tmRoot"/>
+      </p:par>
+    </p:tnLst>
+  </p:timing>
 </p:sld>
 </file>
 
@@ -7722,7 +9962,7 @@
           <p:cNvPr id="2" name="Cím 1">
             <a:extLst>
               <a:ext uri="{FF2B5EF4-FFF2-40B4-BE49-F238E27FC236}">
-                <a16:creationId xmlns:a16="http://schemas.microsoft.com/office/drawing/2014/main" id="{FF8E5E95-AE64-415C-8681-D3B3D2CA7C51}"/>
+                <a16:creationId xmlns:a16="http://schemas.microsoft.com/office/drawing/2014/main" xmlns="" id="{FF8E5E95-AE64-415C-8681-D3B3D2CA7C51}"/>
               </a:ext>
             </a:extLst>
           </p:cNvPr>
@@ -7733,41 +9973,27 @@
             <p:ph type="title"/>
           </p:nvPr>
         </p:nvSpPr>
-        <p:spPr/>
+        <p:spPr>
+          <a:xfrm>
+            <a:off x="517581" y="88902"/>
+            <a:ext cx="7543800" cy="730126"/>
+          </a:xfrm>
+        </p:spPr>
         <p:txBody>
           <a:bodyPr>
             <a:normAutofit/>
           </a:bodyPr>
           <a:lstStyle/>
           <a:p>
-            <a:pPr algn="ctr"/>
             <a:r>
               <a:rPr lang="hu-HU" dirty="0"/>
-              <a:t>„Zebra” feladatok</a:t>
-            </a:r>
-            <a:br>
-              <a:rPr lang="hu-HU" dirty="0"/>
-            </a:br>
-            <a:r>
-              <a:rPr lang="hu-HU" sz="3200" dirty="0"/>
-              <a:t>(</a:t>
-            </a:r>
-            <a:r>
-              <a:rPr lang="hu-HU" sz="3200" dirty="0" err="1"/>
-              <a:t>Fundraising</a:t>
-            </a:r>
-            <a:r>
-              <a:rPr lang="hu-HU" sz="3200" dirty="0"/>
-              <a:t> </a:t>
-            </a:r>
-            <a:r>
-              <a:rPr lang="hu-HU" sz="3200" dirty="0" err="1"/>
-              <a:t>Dinner</a:t>
-            </a:r>
-            <a:r>
-              <a:rPr lang="hu-HU" sz="3200" dirty="0"/>
-              <a:t> )</a:t>
-            </a:r>
+              <a:t>„Zebra” </a:t>
+            </a:r>
+            <a:r>
+              <a:rPr lang="hu-HU" dirty="0" smtClean="0"/>
+              <a:t>feladatok</a:t>
+            </a:r>
+            <a:endParaRPr lang="hu-HU" sz="3200" dirty="0"/>
           </a:p>
         </p:txBody>
       </p:sp>
@@ -7776,7 +10002,7 @@
           <p:cNvPr id="4" name="Dia számának helye 3">
             <a:extLst>
               <a:ext uri="{FF2B5EF4-FFF2-40B4-BE49-F238E27FC236}">
-                <a16:creationId xmlns:a16="http://schemas.microsoft.com/office/drawing/2014/main" id="{E799F892-52D9-47BE-8E31-56A1731CA5FB}"/>
+                <a16:creationId xmlns:a16="http://schemas.microsoft.com/office/drawing/2014/main" xmlns="" id="{E799F892-52D9-47BE-8E31-56A1731CA5FB}"/>
               </a:ext>
             </a:extLst>
           </p:cNvPr>
@@ -7802,10 +10028,10 @@
       </p:sp>
       <p:sp>
         <p:nvSpPr>
-          <p:cNvPr id="3" name="Szövegdoboz 2">
+          <p:cNvPr id="6" name="Szövegdoboz 5">
             <a:extLst>
               <a:ext uri="{FF2B5EF4-FFF2-40B4-BE49-F238E27FC236}">
-                <a16:creationId xmlns:a16="http://schemas.microsoft.com/office/drawing/2014/main" id="{0FDE817F-09DE-42BC-8A28-394FF6F01DF2}"/>
+                <a16:creationId xmlns:a16="http://schemas.microsoft.com/office/drawing/2014/main" xmlns="" id="{0FDE817F-09DE-42BC-8A28-394FF6F01DF2}"/>
               </a:ext>
             </a:extLst>
           </p:cNvPr>
@@ -7814,8 +10040,8 @@
         </p:nvSpPr>
         <p:spPr>
           <a:xfrm>
-            <a:off x="321696" y="1690689"/>
-            <a:ext cx="8867274" cy="2631490"/>
+            <a:off x="543393" y="819028"/>
+            <a:ext cx="8867274" cy="400110"/>
           </a:xfrm>
           <a:prstGeom prst="rect">
             <a:avLst/>
@@ -7829,74 +10055,16 @@
           <a:lstStyle/>
           <a:p>
             <a:r>
-              <a:rPr lang="hu-HU" sz="2800" dirty="0"/>
-              <a:t>5 jómódú hölgy jellemzője:</a:t>
-            </a:r>
-          </a:p>
-          <a:p>
-            <a:pPr lvl="0"/>
-            <a:r>
-              <a:rPr lang="hu-HU" dirty="0"/>
-              <a:t>	keresztnevük</a:t>
-            </a:r>
-          </a:p>
-          <a:p>
-            <a:pPr lvl="0"/>
-            <a:r>
-              <a:rPr lang="hu-HU" dirty="0"/>
-              <a:t>	viselt ruha színe</a:t>
-            </a:r>
-          </a:p>
-          <a:p>
-            <a:pPr lvl="0"/>
-            <a:r>
-              <a:rPr lang="hu-HU" dirty="0"/>
-              <a:t>	nyakláncukon található drágakő típusa</a:t>
-            </a:r>
-          </a:p>
-          <a:p>
-            <a:pPr lvl="0"/>
-            <a:r>
-              <a:rPr lang="hu-HU" dirty="0"/>
-              <a:t>	életkoruk</a:t>
-            </a:r>
-          </a:p>
-          <a:p>
-            <a:pPr lvl="0"/>
-            <a:r>
-              <a:rPr lang="hu-HU" dirty="0"/>
-              <a:t>	fogyasztott koktéljuk</a:t>
-            </a:r>
-          </a:p>
-          <a:p>
-            <a:pPr lvl="0"/>
-            <a:r>
-              <a:rPr lang="hu-HU" dirty="0"/>
-              <a:t>	adakozott pénzmennyiség dollárban</a:t>
-            </a:r>
-          </a:p>
-          <a:p>
-            <a:pPr>
-              <a:spcBef>
-                <a:spcPts val="600"/>
-              </a:spcBef>
-            </a:pPr>
-            <a:r>
-              <a:rPr lang="hu-HU" sz="2400" dirty="0"/>
-              <a:t>Megoldás változó tömbökkel</a:t>
-            </a:r>
+              <a:rPr lang="hu-HU" sz="2000" dirty="0" smtClean="0"/>
+              <a:t>Kikötés: A fekete ruhás hölgytől valahol jobbra ül a 60 éves adományozó.</a:t>
+            </a:r>
+            <a:endParaRPr lang="hu-HU" sz="2000" dirty="0"/>
           </a:p>
         </p:txBody>
       </p:sp>
       <p:pic>
         <p:nvPicPr>
-          <p:cNvPr id="11" name="Kép 10">
-            <a:extLst>
-              <a:ext uri="{FF2B5EF4-FFF2-40B4-BE49-F238E27FC236}">
-                <a16:creationId xmlns:a16="http://schemas.microsoft.com/office/drawing/2014/main" id="{82FA8165-0B8D-428D-805C-54D7A719CEC6}"/>
-              </a:ext>
-            </a:extLst>
-          </p:cNvPr>
+          <p:cNvPr id="7" name="Kép 6"/>
           <p:cNvPicPr>
             <a:picLocks noChangeAspect="1"/>
           </p:cNvPicPr>
@@ -7916,14 +10084,530 @@
         </p:blipFill>
         <p:spPr>
           <a:xfrm>
-            <a:off x="0" y="4468227"/>
-            <a:ext cx="9144000" cy="1179515"/>
+            <a:off x="0" y="2043597"/>
+            <a:ext cx="9144000" cy="708548"/>
           </a:xfrm>
           <a:prstGeom prst="rect">
             <a:avLst/>
           </a:prstGeom>
         </p:spPr>
       </p:pic>
+      <p:pic>
+        <p:nvPicPr>
+          <p:cNvPr id="8" name="Kép 7"/>
+          <p:cNvPicPr>
+            <a:picLocks noChangeAspect="1"/>
+          </p:cNvPicPr>
+          <p:nvPr/>
+        </p:nvPicPr>
+        <p:blipFill>
+          <a:blip r:embed="rId3">
+            <a:extLst>
+              <a:ext uri="{28A0092B-C50C-407E-A947-70E740481C1C}">
+                <a14:useLocalDpi xmlns:a14="http://schemas.microsoft.com/office/drawing/2010/main" val="0"/>
+              </a:ext>
+            </a:extLst>
+          </a:blip>
+          <a:stretch>
+            <a:fillRect/>
+          </a:stretch>
+        </p:blipFill>
+        <p:spPr>
+          <a:xfrm>
+            <a:off x="1067416" y="4752268"/>
+            <a:ext cx="7122831" cy="383722"/>
+          </a:xfrm>
+          <a:prstGeom prst="rect">
+            <a:avLst/>
+          </a:prstGeom>
+        </p:spPr>
+      </p:pic>
+      <p:sp>
+        <p:nvSpPr>
+          <p:cNvPr id="9" name="Szövegdoboz 8"/>
+          <p:cNvSpPr txBox="1"/>
+          <p:nvPr/>
+        </p:nvSpPr>
+        <p:spPr>
+          <a:xfrm>
+            <a:off x="561051" y="5322847"/>
+            <a:ext cx="8135560" cy="307777"/>
+          </a:xfrm>
+          <a:prstGeom prst="rect">
+            <a:avLst/>
+          </a:prstGeom>
+          <a:noFill/>
+        </p:spPr>
+        <p:txBody>
+          <a:bodyPr wrap="none" rtlCol="0">
+            <a:spAutoFit/>
+          </a:bodyPr>
+          <a:lstStyle/>
+          <a:p>
+            <a:r>
+              <a:rPr lang="en-US" sz="1400" dirty="0">
+                <a:solidFill>
+                  <a:srgbClr val="008000"/>
+                </a:solidFill>
+                <a:latin typeface="Consolas" panose="020B0609020204030204" pitchFamily="49" charset="0"/>
+              </a:rPr>
+              <a:t>constraint </a:t>
+            </a:r>
+            <a:r>
+              <a:rPr lang="en-US" sz="1400" dirty="0" err="1" smtClean="0">
+                <a:solidFill>
+                  <a:srgbClr val="0000FF"/>
+                </a:solidFill>
+                <a:latin typeface="Consolas" panose="020B0609020204030204" pitchFamily="49" charset="0"/>
+              </a:rPr>
+              <a:t>forall</a:t>
+            </a:r>
+            <a:r>
+              <a:rPr lang="en-US" sz="1400" dirty="0" smtClean="0">
+                <a:latin typeface="Consolas" panose="020B0609020204030204" pitchFamily="49" charset="0"/>
+              </a:rPr>
+              <a:t>(</a:t>
+            </a:r>
+            <a:r>
+              <a:rPr lang="en-US" sz="1400" dirty="0" err="1" smtClean="0">
+                <a:latin typeface="Consolas" panose="020B0609020204030204" pitchFamily="49" charset="0"/>
+              </a:rPr>
+              <a:t>a,b</a:t>
+            </a:r>
+            <a:r>
+              <a:rPr lang="en-US" sz="1400" dirty="0" smtClean="0">
+                <a:latin typeface="Consolas" panose="020B0609020204030204" pitchFamily="49" charset="0"/>
+              </a:rPr>
+              <a:t> </a:t>
+            </a:r>
+            <a:r>
+              <a:rPr lang="en-US" sz="1400" dirty="0">
+                <a:solidFill>
+                  <a:srgbClr val="008000"/>
+                </a:solidFill>
+                <a:latin typeface="Consolas" panose="020B0609020204030204" pitchFamily="49" charset="0"/>
+              </a:rPr>
+              <a:t>in</a:t>
+            </a:r>
+            <a:r>
+              <a:rPr lang="en-US" sz="1400" dirty="0">
+                <a:latin typeface="Consolas" panose="020B0609020204030204" pitchFamily="49" charset="0"/>
+              </a:rPr>
+              <a:t> PEOPLE </a:t>
+            </a:r>
+            <a:r>
+              <a:rPr lang="en-US" sz="1400" dirty="0">
+                <a:solidFill>
+                  <a:srgbClr val="008000"/>
+                </a:solidFill>
+                <a:latin typeface="Consolas" panose="020B0609020204030204" pitchFamily="49" charset="0"/>
+              </a:rPr>
+              <a:t>where</a:t>
+            </a:r>
+            <a:r>
+              <a:rPr lang="en-US" sz="1400" dirty="0">
+                <a:latin typeface="Consolas" panose="020B0609020204030204" pitchFamily="49" charset="0"/>
+              </a:rPr>
+              <a:t> a&lt;b)(</a:t>
+            </a:r>
+            <a:r>
+              <a:rPr lang="en-US" sz="1400" dirty="0">
+                <a:solidFill>
+                  <a:srgbClr val="0000FF"/>
+                </a:solidFill>
+                <a:latin typeface="Consolas" panose="020B0609020204030204" pitchFamily="49" charset="0"/>
+              </a:rPr>
+              <a:t>not</a:t>
+            </a:r>
+            <a:r>
+              <a:rPr lang="en-US" sz="1400" dirty="0">
+                <a:latin typeface="Consolas" panose="020B0609020204030204" pitchFamily="49" charset="0"/>
+              </a:rPr>
+              <a:t>(age[a]=sixty /\ dress[b]=black</a:t>
+            </a:r>
+            <a:r>
+              <a:rPr lang="en-US" sz="1400" dirty="0" smtClean="0">
+                <a:latin typeface="Consolas" panose="020B0609020204030204" pitchFamily="49" charset="0"/>
+              </a:rPr>
+              <a:t>))</a:t>
+            </a:r>
+            <a:r>
+              <a:rPr lang="hu-HU" sz="1400" dirty="0" smtClean="0">
+                <a:latin typeface="Consolas" panose="020B0609020204030204" pitchFamily="49" charset="0"/>
+              </a:rPr>
+              <a:t>;</a:t>
+            </a:r>
+            <a:endParaRPr lang="hu-HU" sz="1400" dirty="0">
+              <a:latin typeface="Consolas" panose="020B0609020204030204" pitchFamily="49" charset="0"/>
+            </a:endParaRPr>
+          </a:p>
+        </p:txBody>
+      </p:sp>
+      <p:sp>
+        <p:nvSpPr>
+          <p:cNvPr id="14" name="Szövegdoboz 13"/>
+          <p:cNvSpPr txBox="1"/>
+          <p:nvPr/>
+        </p:nvSpPr>
+        <p:spPr>
+          <a:xfrm>
+            <a:off x="0" y="2956243"/>
+            <a:ext cx="9257663" cy="523220"/>
+          </a:xfrm>
+          <a:prstGeom prst="rect">
+            <a:avLst/>
+          </a:prstGeom>
+          <a:noFill/>
+        </p:spPr>
+        <p:txBody>
+          <a:bodyPr wrap="none" rtlCol="0">
+            <a:spAutoFit/>
+          </a:bodyPr>
+          <a:lstStyle/>
+          <a:p>
+            <a:r>
+              <a:rPr lang="en-US" sz="1400" dirty="0">
+                <a:solidFill>
+                  <a:srgbClr val="008000"/>
+                </a:solidFill>
+                <a:latin typeface="Consolas" panose="020B0609020204030204" pitchFamily="49" charset="0"/>
+              </a:rPr>
+              <a:t>constraint </a:t>
+            </a:r>
+            <a:r>
+              <a:rPr lang="hu-HU" altLang="hu-HU" sz="1400" dirty="0" err="1" smtClean="0">
+                <a:solidFill>
+                  <a:srgbClr val="0000FF"/>
+                </a:solidFill>
+                <a:latin typeface="Consolas" panose="020B0609020204030204" pitchFamily="49" charset="0"/>
+              </a:rPr>
+              <a:t>forall</a:t>
+            </a:r>
+            <a:r>
+              <a:rPr lang="hu-HU" altLang="hu-HU" sz="1400" dirty="0" smtClean="0">
+                <a:latin typeface="Consolas" panose="020B0609020204030204" pitchFamily="49" charset="0"/>
+              </a:rPr>
+              <a:t>(x </a:t>
+            </a:r>
+            <a:r>
+              <a:rPr lang="hu-HU" altLang="hu-HU" sz="1400" dirty="0" err="1">
+                <a:solidFill>
+                  <a:srgbClr val="008000"/>
+                </a:solidFill>
+                <a:latin typeface="Consolas" panose="020B0609020204030204" pitchFamily="49" charset="0"/>
+              </a:rPr>
+              <a:t>in</a:t>
+            </a:r>
+            <a:r>
+              <a:rPr lang="hu-HU" altLang="hu-HU" sz="1400" dirty="0">
+                <a:latin typeface="Consolas" panose="020B0609020204030204" pitchFamily="49" charset="0"/>
+              </a:rPr>
+              <a:t> PEOPLE)(</a:t>
+            </a:r>
+            <a:r>
+              <a:rPr lang="hu-HU" altLang="hu-HU" sz="1400" dirty="0" err="1">
+                <a:latin typeface="Consolas" panose="020B0609020204030204" pitchFamily="49" charset="0"/>
+              </a:rPr>
+              <a:t>dress</a:t>
+            </a:r>
+            <a:r>
+              <a:rPr lang="hu-HU" altLang="hu-HU" sz="1400" dirty="0">
+                <a:latin typeface="Consolas" panose="020B0609020204030204" pitchFamily="49" charset="0"/>
+              </a:rPr>
+              <a:t>[x]=</a:t>
+            </a:r>
+            <a:r>
+              <a:rPr lang="hu-HU" altLang="hu-HU" sz="1400" dirty="0" err="1">
+                <a:latin typeface="Consolas" panose="020B0609020204030204" pitchFamily="49" charset="0"/>
+              </a:rPr>
+              <a:t>black</a:t>
+            </a:r>
+            <a:r>
+              <a:rPr lang="hu-HU" altLang="hu-HU" sz="1400" dirty="0">
+                <a:latin typeface="Consolas" panose="020B0609020204030204" pitchFamily="49" charset="0"/>
+              </a:rPr>
+              <a:t> -&gt; </a:t>
+            </a:r>
+            <a:r>
+              <a:rPr lang="hu-HU" altLang="hu-HU" sz="1400" dirty="0" err="1">
+                <a:solidFill>
+                  <a:srgbClr val="0000FF"/>
+                </a:solidFill>
+                <a:latin typeface="Consolas" panose="020B0609020204030204" pitchFamily="49" charset="0"/>
+              </a:rPr>
+              <a:t>count</a:t>
+            </a:r>
+            <a:r>
+              <a:rPr lang="hu-HU" altLang="hu-HU" sz="1400" dirty="0">
+                <a:latin typeface="Consolas" panose="020B0609020204030204" pitchFamily="49" charset="0"/>
+              </a:rPr>
+              <a:t>([</a:t>
+            </a:r>
+            <a:r>
+              <a:rPr lang="hu-HU" altLang="hu-HU" sz="1400" dirty="0" err="1">
+                <a:latin typeface="Consolas" panose="020B0609020204030204" pitchFamily="49" charset="0"/>
+              </a:rPr>
+              <a:t>age</a:t>
+            </a:r>
+            <a:r>
+              <a:rPr lang="hu-HU" altLang="hu-HU" sz="1400" dirty="0">
+                <a:latin typeface="Consolas" panose="020B0609020204030204" pitchFamily="49" charset="0"/>
+              </a:rPr>
+              <a:t>[p] | </a:t>
+            </a:r>
+            <a:r>
+              <a:rPr lang="hu-HU" altLang="hu-HU" sz="1400" dirty="0" err="1">
+                <a:latin typeface="Consolas" panose="020B0609020204030204" pitchFamily="49" charset="0"/>
+              </a:rPr>
+              <a:t>p</a:t>
+            </a:r>
+            <a:r>
+              <a:rPr lang="hu-HU" altLang="hu-HU" sz="1400" dirty="0">
+                <a:latin typeface="Consolas" panose="020B0609020204030204" pitchFamily="49" charset="0"/>
+              </a:rPr>
+              <a:t> </a:t>
+            </a:r>
+            <a:r>
+              <a:rPr lang="hu-HU" altLang="hu-HU" sz="1400" dirty="0" err="1">
+                <a:solidFill>
+                  <a:srgbClr val="008000"/>
+                </a:solidFill>
+                <a:latin typeface="Consolas" panose="020B0609020204030204" pitchFamily="49" charset="0"/>
+              </a:rPr>
+              <a:t>in</a:t>
+            </a:r>
+            <a:r>
+              <a:rPr lang="hu-HU" altLang="hu-HU" sz="1400" dirty="0">
+                <a:latin typeface="Consolas" panose="020B0609020204030204" pitchFamily="49" charset="0"/>
+              </a:rPr>
+              <a:t> x+1..db], </a:t>
+            </a:r>
+            <a:r>
+              <a:rPr lang="hu-HU" altLang="hu-HU" sz="1400" dirty="0" err="1">
+                <a:latin typeface="Consolas" panose="020B0609020204030204" pitchFamily="49" charset="0"/>
+              </a:rPr>
+              <a:t>sixty</a:t>
+            </a:r>
+            <a:r>
+              <a:rPr lang="hu-HU" altLang="hu-HU" sz="1400" dirty="0">
+                <a:latin typeface="Consolas" panose="020B0609020204030204" pitchFamily="49" charset="0"/>
+              </a:rPr>
+              <a:t>)=1</a:t>
+            </a:r>
+            <a:r>
+              <a:rPr lang="hu-HU" altLang="hu-HU" sz="1400" dirty="0" smtClean="0">
+                <a:latin typeface="Consolas" panose="020B0609020204030204" pitchFamily="49" charset="0"/>
+              </a:rPr>
+              <a:t>)</a:t>
+            </a:r>
+          </a:p>
+          <a:p>
+            <a:r>
+              <a:rPr lang="hu-HU" altLang="hu-HU" sz="1400" dirty="0" smtClean="0">
+                <a:latin typeface="Consolas" panose="020B0609020204030204" pitchFamily="49" charset="0"/>
+              </a:rPr>
+              <a:t> 	/\  </a:t>
+            </a:r>
+            <a:r>
+              <a:rPr lang="hu-HU" altLang="hu-HU" sz="1400" dirty="0" err="1">
+                <a:solidFill>
+                  <a:srgbClr val="0000FF"/>
+                </a:solidFill>
+                <a:latin typeface="Consolas" panose="020B0609020204030204" pitchFamily="49" charset="0"/>
+              </a:rPr>
+              <a:t>forall</a:t>
+            </a:r>
+            <a:r>
+              <a:rPr lang="hu-HU" altLang="hu-HU" sz="1400" dirty="0">
+                <a:latin typeface="Consolas" panose="020B0609020204030204" pitchFamily="49" charset="0"/>
+              </a:rPr>
+              <a:t>(x </a:t>
+            </a:r>
+            <a:r>
+              <a:rPr lang="hu-HU" altLang="hu-HU" sz="1400" dirty="0" err="1">
+                <a:solidFill>
+                  <a:srgbClr val="008000"/>
+                </a:solidFill>
+                <a:latin typeface="Consolas" panose="020B0609020204030204" pitchFamily="49" charset="0"/>
+              </a:rPr>
+              <a:t>in</a:t>
+            </a:r>
+            <a:r>
+              <a:rPr lang="hu-HU" altLang="hu-HU" sz="1400" dirty="0">
+                <a:latin typeface="Consolas" panose="020B0609020204030204" pitchFamily="49" charset="0"/>
+              </a:rPr>
+              <a:t> PEOPLE)(</a:t>
+            </a:r>
+            <a:r>
+              <a:rPr lang="hu-HU" altLang="hu-HU" sz="1400" dirty="0" err="1">
+                <a:latin typeface="Consolas" panose="020B0609020204030204" pitchFamily="49" charset="0"/>
+              </a:rPr>
+              <a:t>age</a:t>
+            </a:r>
+            <a:r>
+              <a:rPr lang="hu-HU" altLang="hu-HU" sz="1400" dirty="0">
+                <a:latin typeface="Consolas" panose="020B0609020204030204" pitchFamily="49" charset="0"/>
+              </a:rPr>
+              <a:t>[x]=</a:t>
+            </a:r>
+            <a:r>
+              <a:rPr lang="hu-HU" altLang="hu-HU" sz="1400" dirty="0" err="1">
+                <a:latin typeface="Consolas" panose="020B0609020204030204" pitchFamily="49" charset="0"/>
+              </a:rPr>
+              <a:t>sixty</a:t>
+            </a:r>
+            <a:r>
+              <a:rPr lang="hu-HU" altLang="hu-HU" sz="1400" dirty="0">
+                <a:latin typeface="Consolas" panose="020B0609020204030204" pitchFamily="49" charset="0"/>
+              </a:rPr>
+              <a:t> -&gt; </a:t>
+            </a:r>
+            <a:r>
+              <a:rPr lang="hu-HU" altLang="hu-HU" sz="1400" dirty="0" err="1">
+                <a:solidFill>
+                  <a:srgbClr val="0000FF"/>
+                </a:solidFill>
+                <a:latin typeface="Consolas" panose="020B0609020204030204" pitchFamily="49" charset="0"/>
+              </a:rPr>
+              <a:t>count</a:t>
+            </a:r>
+            <a:r>
+              <a:rPr lang="hu-HU" altLang="hu-HU" sz="1400" dirty="0">
+                <a:latin typeface="Consolas" panose="020B0609020204030204" pitchFamily="49" charset="0"/>
+              </a:rPr>
+              <a:t>([</a:t>
+            </a:r>
+            <a:r>
+              <a:rPr lang="hu-HU" altLang="hu-HU" sz="1400" dirty="0" err="1">
+                <a:latin typeface="Consolas" panose="020B0609020204030204" pitchFamily="49" charset="0"/>
+              </a:rPr>
+              <a:t>dress</a:t>
+            </a:r>
+            <a:r>
+              <a:rPr lang="hu-HU" altLang="hu-HU" sz="1400" dirty="0">
+                <a:latin typeface="Consolas" panose="020B0609020204030204" pitchFamily="49" charset="0"/>
+              </a:rPr>
+              <a:t>[p] | </a:t>
+            </a:r>
+            <a:r>
+              <a:rPr lang="hu-HU" altLang="hu-HU" sz="1400" dirty="0" err="1">
+                <a:latin typeface="Consolas" panose="020B0609020204030204" pitchFamily="49" charset="0"/>
+              </a:rPr>
+              <a:t>p</a:t>
+            </a:r>
+            <a:r>
+              <a:rPr lang="hu-HU" altLang="hu-HU" sz="1400" dirty="0">
+                <a:latin typeface="Consolas" panose="020B0609020204030204" pitchFamily="49" charset="0"/>
+              </a:rPr>
+              <a:t> </a:t>
+            </a:r>
+            <a:r>
+              <a:rPr lang="hu-HU" altLang="hu-HU" sz="1400" dirty="0" err="1">
+                <a:solidFill>
+                  <a:srgbClr val="008000"/>
+                </a:solidFill>
+                <a:latin typeface="Consolas" panose="020B0609020204030204" pitchFamily="49" charset="0"/>
+              </a:rPr>
+              <a:t>in</a:t>
+            </a:r>
+            <a:r>
+              <a:rPr lang="hu-HU" altLang="hu-HU" sz="1400" dirty="0">
+                <a:latin typeface="Consolas" panose="020B0609020204030204" pitchFamily="49" charset="0"/>
+              </a:rPr>
+              <a:t> 1..x-1], </a:t>
+            </a:r>
+            <a:r>
+              <a:rPr lang="hu-HU" altLang="hu-HU" sz="1400" dirty="0" err="1">
+                <a:latin typeface="Consolas" panose="020B0609020204030204" pitchFamily="49" charset="0"/>
+              </a:rPr>
+              <a:t>black</a:t>
+            </a:r>
+            <a:r>
+              <a:rPr lang="hu-HU" altLang="hu-HU" sz="1400" dirty="0">
+                <a:latin typeface="Consolas" panose="020B0609020204030204" pitchFamily="49" charset="0"/>
+              </a:rPr>
+              <a:t>)=1</a:t>
+            </a:r>
+            <a:r>
+              <a:rPr lang="hu-HU" altLang="hu-HU" sz="1400" dirty="0" smtClean="0">
+                <a:latin typeface="Consolas" panose="020B0609020204030204" pitchFamily="49" charset="0"/>
+              </a:rPr>
+              <a:t>);</a:t>
+            </a:r>
+            <a:endParaRPr lang="hu-HU" altLang="hu-HU" sz="1400" dirty="0">
+              <a:latin typeface="Consolas" panose="020B0609020204030204" pitchFamily="49" charset="0"/>
+            </a:endParaRPr>
+          </a:p>
+        </p:txBody>
+      </p:sp>
+      <p:sp>
+        <p:nvSpPr>
+          <p:cNvPr id="15" name="Szövegdoboz 14"/>
+          <p:cNvSpPr txBox="1"/>
+          <p:nvPr/>
+        </p:nvSpPr>
+        <p:spPr>
+          <a:xfrm>
+            <a:off x="160164" y="1498023"/>
+            <a:ext cx="1276632" cy="369332"/>
+          </a:xfrm>
+          <a:prstGeom prst="rect">
+            <a:avLst/>
+          </a:prstGeom>
+          <a:noFill/>
+        </p:spPr>
+        <p:txBody>
+          <a:bodyPr wrap="none" rtlCol="0">
+            <a:spAutoFit/>
+          </a:bodyPr>
+          <a:lstStyle/>
+          <a:p>
+            <a:r>
+              <a:rPr lang="hu-HU" u="sng" dirty="0" smtClean="0"/>
+              <a:t>III. Tömbök:</a:t>
+            </a:r>
+            <a:endParaRPr lang="hu-HU" u="sng" dirty="0"/>
+          </a:p>
+        </p:txBody>
+      </p:sp>
+      <p:sp>
+        <p:nvSpPr>
+          <p:cNvPr id="16" name="Szövegdoboz 15"/>
+          <p:cNvSpPr txBox="1"/>
+          <p:nvPr/>
+        </p:nvSpPr>
+        <p:spPr>
+          <a:xfrm>
+            <a:off x="160163" y="4196079"/>
+            <a:ext cx="3017301" cy="369332"/>
+          </a:xfrm>
+          <a:prstGeom prst="rect">
+            <a:avLst/>
+          </a:prstGeom>
+          <a:noFill/>
+        </p:spPr>
+        <p:txBody>
+          <a:bodyPr wrap="none" rtlCol="0">
+            <a:spAutoFit/>
+          </a:bodyPr>
+          <a:lstStyle/>
+          <a:p>
+            <a:r>
+              <a:rPr lang="hu-HU" u="sng" dirty="0" smtClean="0"/>
+              <a:t>IV. Tömbök, </a:t>
+            </a:r>
+            <a:r>
+              <a:rPr lang="hu-HU" u="sng" dirty="0" err="1" smtClean="0"/>
+              <a:t>where</a:t>
+            </a:r>
+            <a:r>
+              <a:rPr lang="hu-HU" u="sng" dirty="0" smtClean="0"/>
+              <a:t> záradékkal:</a:t>
+            </a:r>
+            <a:endParaRPr lang="hu-HU" u="sng" dirty="0"/>
+          </a:p>
+        </p:txBody>
+      </p:sp>
     </p:spTree>
     <p:extLst>
       <p:ext uri="{BB962C8B-B14F-4D97-AF65-F5344CB8AC3E}">
@@ -7934,6 +10618,13 @@
   <p:clrMapOvr>
     <a:masterClrMapping/>
   </p:clrMapOvr>
+  <p:timing>
+    <p:tnLst>
+      <p:par>
+        <p:cTn id="1" dur="indefinite" restart="never" nodeType="tmRoot"/>
+      </p:par>
+    </p:tnLst>
+  </p:timing>
 </p:sld>
 </file>
 
@@ -7959,7 +10650,7 @@
           <p:cNvPr id="2" name="Cím 1">
             <a:extLst>
               <a:ext uri="{FF2B5EF4-FFF2-40B4-BE49-F238E27FC236}">
-                <a16:creationId xmlns:a16="http://schemas.microsoft.com/office/drawing/2014/main" id="{09411F1E-27C1-4AE8-AE32-00B88150B9E2}"/>
+                <a16:creationId xmlns:a16="http://schemas.microsoft.com/office/drawing/2014/main" xmlns="" id="{DCCECEDE-C074-41DA-84C8-BDCA2FDBD582}"/>
               </a:ext>
             </a:extLst>
           </p:cNvPr>
@@ -7970,24 +10661,59 @@
             <p:ph type="title"/>
           </p:nvPr>
         </p:nvSpPr>
-        <p:spPr/>
-        <p:txBody>
-          <a:bodyPr/>
+        <p:spPr>
+          <a:xfrm>
+            <a:off x="627988" y="103517"/>
+            <a:ext cx="7886700" cy="1128267"/>
+          </a:xfrm>
+        </p:spPr>
+        <p:txBody>
+          <a:bodyPr>
+            <a:normAutofit/>
+          </a:bodyPr>
           <a:lstStyle/>
           <a:p>
-            <a:pPr algn="ctr"/>
-            <a:r>
-              <a:rPr lang="hu-HU" dirty="0"/>
-              <a:t>„</a:t>
-            </a:r>
-            <a:r>
-              <a:rPr lang="hu-HU" dirty="0" err="1"/>
-              <a:t>Gardens</a:t>
-            </a:r>
-            <a:r>
-              <a:rPr lang="hu-HU" dirty="0"/>
-              <a:t>” feladat</a:t>
-            </a:r>
+            <a:pPr>
+              <a:lnSpc>
+                <a:spcPct val="100000"/>
+              </a:lnSpc>
+            </a:pPr>
+            <a:r>
+              <a:rPr lang="hu-HU" dirty="0" smtClean="0"/>
+              <a:t>Teszteredmények I.</a:t>
+            </a:r>
+            <a:br>
+              <a:rPr lang="hu-HU" dirty="0" smtClean="0"/>
+            </a:br>
+            <a:r>
+              <a:rPr lang="hu-HU" sz="2000" b="1" dirty="0" smtClean="0">
+                <a:solidFill>
+                  <a:schemeClr val="tx1"/>
+                </a:solidFill>
+              </a:rPr>
+              <a:t>Különböző </a:t>
+            </a:r>
+            <a:r>
+              <a:rPr lang="hu-HU" sz="2000" b="1" dirty="0" err="1" smtClean="0">
+                <a:solidFill>
+                  <a:schemeClr val="tx1"/>
+                </a:solidFill>
+              </a:rPr>
+              <a:t>összetettségű</a:t>
+            </a:r>
+            <a:r>
+              <a:rPr lang="hu-HU" sz="2000" b="1" dirty="0" smtClean="0">
+                <a:solidFill>
+                  <a:schemeClr val="tx1"/>
+                </a:solidFill>
+              </a:rPr>
+              <a:t> feladványok - modellek</a:t>
+            </a:r>
+            <a:endParaRPr lang="hu-HU" sz="2000" b="1" dirty="0">
+              <a:solidFill>
+                <a:schemeClr val="tx1"/>
+              </a:solidFill>
+            </a:endParaRPr>
           </a:p>
         </p:txBody>
       </p:sp>
@@ -7996,7 +10722,7 @@
           <p:cNvPr id="4" name="Dia számának helye 3">
             <a:extLst>
               <a:ext uri="{FF2B5EF4-FFF2-40B4-BE49-F238E27FC236}">
-                <a16:creationId xmlns:a16="http://schemas.microsoft.com/office/drawing/2014/main" id="{A0A56984-CD4E-4AFC-B636-2467537DA82C}"/>
+                <a16:creationId xmlns:a16="http://schemas.microsoft.com/office/drawing/2014/main" xmlns="" id="{AD8C5EE1-236C-4F83-B6B6-0315500CBF70}"/>
               </a:ext>
             </a:extLst>
           </p:cNvPr>
@@ -8016,103 +10742,13 @@
               <a:rPr lang="hu-HU" smtClean="0"/>
               <a:t>8</a:t>
             </a:fld>
-            <a:endParaRPr lang="hu-HU"/>
-          </a:p>
-        </p:txBody>
-      </p:sp>
-      <p:sp>
-        <p:nvSpPr>
-          <p:cNvPr id="3" name="Szövegdoboz 2">
-            <a:extLst>
-              <a:ext uri="{FF2B5EF4-FFF2-40B4-BE49-F238E27FC236}">
-                <a16:creationId xmlns:a16="http://schemas.microsoft.com/office/drawing/2014/main" id="{4DE43672-6366-462F-BC64-FD398B28F1E0}"/>
-              </a:ext>
-            </a:extLst>
-          </p:cNvPr>
-          <p:cNvSpPr txBox="1"/>
-          <p:nvPr/>
-        </p:nvSpPr>
-        <p:spPr>
-          <a:xfrm>
-            <a:off x="138363" y="1502406"/>
-            <a:ext cx="8867274" cy="2862322"/>
-          </a:xfrm>
-          <a:prstGeom prst="rect">
-            <a:avLst/>
-          </a:prstGeom>
-          <a:noFill/>
-        </p:spPr>
-        <p:txBody>
-          <a:bodyPr wrap="square" rtlCol="0">
-            <a:spAutoFit/>
-          </a:bodyPr>
-          <a:lstStyle/>
-          <a:p>
-            <a:pPr>
-              <a:spcAft>
-                <a:spcPts val="1800"/>
-              </a:spcAft>
-            </a:pPr>
-            <a:r>
-              <a:rPr lang="hu-HU" sz="2400" dirty="0"/>
-              <a:t>Einstein egyik logikai feladványa</a:t>
-            </a:r>
-          </a:p>
-          <a:p>
-            <a:pPr>
-              <a:spcAft>
-                <a:spcPts val="1800"/>
-              </a:spcAft>
-            </a:pPr>
-            <a:r>
-              <a:rPr lang="hu-HU" sz="2400" dirty="0"/>
-              <a:t>Adott:</a:t>
-            </a:r>
-          </a:p>
-          <a:p>
-            <a:pPr lvl="1">
-              <a:spcAft>
-                <a:spcPts val="1800"/>
-              </a:spcAft>
-            </a:pPr>
-            <a:r>
-              <a:rPr lang="hu-HU" sz="2400" dirty="0"/>
-              <a:t>5 kert</a:t>
-            </a:r>
-          </a:p>
-          <a:p>
-            <a:pPr lvl="1">
-              <a:spcAft>
-                <a:spcPts val="1800"/>
-              </a:spcAft>
-            </a:pPr>
-            <a:r>
-              <a:rPr lang="hu-HU" sz="2400" dirty="0"/>
-              <a:t>5 tulajdonos</a:t>
-            </a:r>
-          </a:p>
-          <a:p>
-            <a:pPr lvl="1">
-              <a:spcAft>
-                <a:spcPts val="1800"/>
-              </a:spcAft>
-            </a:pPr>
-            <a:r>
-              <a:rPr lang="hu-HU" sz="2400" dirty="0"/>
-              <a:t>12 termény</a:t>
-            </a:r>
+            <a:endParaRPr lang="hu-HU" dirty="0"/>
           </a:p>
         </p:txBody>
       </p:sp>
       <p:pic>
         <p:nvPicPr>
-          <p:cNvPr id="6" name="Kép 5">
-            <a:extLst>
-              <a:ext uri="{FF2B5EF4-FFF2-40B4-BE49-F238E27FC236}">
-                <a16:creationId xmlns:a16="http://schemas.microsoft.com/office/drawing/2014/main" id="{B507115D-936F-4E1D-B372-6A80D2FC9368}"/>
-              </a:ext>
-            </a:extLst>
-          </p:cNvPr>
+          <p:cNvPr id="3" name="Kép 2"/>
           <p:cNvPicPr>
             <a:picLocks noChangeAspect="1"/>
           </p:cNvPicPr>
@@ -8132,8 +10768,8 @@
         </p:blipFill>
         <p:spPr>
           <a:xfrm>
-            <a:off x="2594883" y="2162912"/>
-            <a:ext cx="5920467" cy="3958539"/>
+            <a:off x="689400" y="1336135"/>
+            <a:ext cx="7765200" cy="4974855"/>
           </a:xfrm>
           <a:prstGeom prst="rect">
             <a:avLst/>
@@ -8143,13 +10779,20 @@
     </p:spTree>
     <p:extLst>
       <p:ext uri="{BB962C8B-B14F-4D97-AF65-F5344CB8AC3E}">
-        <p14:creationId xmlns:p14="http://schemas.microsoft.com/office/powerpoint/2010/main" val="3873893493"/>
+        <p14:creationId xmlns:p14="http://schemas.microsoft.com/office/powerpoint/2010/main" val="1873306750"/>
       </p:ext>
     </p:extLst>
   </p:cSld>
   <p:clrMapOvr>
     <a:masterClrMapping/>
   </p:clrMapOvr>
+  <p:timing>
+    <p:tnLst>
+      <p:par>
+        <p:cTn id="1" dur="indefinite" restart="never" nodeType="tmRoot"/>
+      </p:par>
+    </p:tnLst>
+  </p:timing>
 </p:sld>
 </file>
 
@@ -8175,7 +10818,7 @@
           <p:cNvPr id="2" name="Cím 1">
             <a:extLst>
               <a:ext uri="{FF2B5EF4-FFF2-40B4-BE49-F238E27FC236}">
-                <a16:creationId xmlns:a16="http://schemas.microsoft.com/office/drawing/2014/main" id="{09411F1E-27C1-4AE8-AE32-00B88150B9E2}"/>
+                <a16:creationId xmlns:a16="http://schemas.microsoft.com/office/drawing/2014/main" xmlns="" id="{DCCECEDE-C074-41DA-84C8-BDCA2FDBD582}"/>
               </a:ext>
             </a:extLst>
           </p:cNvPr>
@@ -8188,27 +10831,50 @@
         </p:nvSpPr>
         <p:spPr>
           <a:xfrm>
-            <a:off x="628650" y="-37171"/>
-            <a:ext cx="7886700" cy="1325563"/>
+            <a:off x="628650" y="51760"/>
+            <a:ext cx="7886700" cy="1172233"/>
           </a:xfrm>
         </p:spPr>
         <p:txBody>
           <a:bodyPr/>
           <a:lstStyle/>
           <a:p>
-            <a:pPr algn="ctr"/>
-            <a:r>
-              <a:rPr lang="hu-HU" dirty="0"/>
-              <a:t>„</a:t>
-            </a:r>
-            <a:r>
-              <a:rPr lang="hu-HU" dirty="0" err="1"/>
-              <a:t>Gardens</a:t>
-            </a:r>
-            <a:r>
-              <a:rPr lang="hu-HU" dirty="0"/>
-              <a:t>” feladat</a:t>
-            </a:r>
+            <a:r>
+              <a:rPr lang="hu-HU" dirty="0" smtClean="0"/>
+              <a:t>Teszteredmények II.</a:t>
+            </a:r>
+            <a:br>
+              <a:rPr lang="hu-HU" dirty="0" smtClean="0"/>
+            </a:br>
+            <a:r>
+              <a:rPr lang="hu-HU" sz="2000" b="1" dirty="0">
+                <a:solidFill>
+                  <a:schemeClr val="tx1"/>
+                </a:solidFill>
+              </a:rPr>
+              <a:t>N</a:t>
+            </a:r>
+            <a:r>
+              <a:rPr lang="hu-HU" sz="2000" b="1" dirty="0" smtClean="0">
+                <a:solidFill>
+                  <a:schemeClr val="tx1"/>
+                </a:solidFill>
+              </a:rPr>
+              <a:t>ehéz/óriás</a:t>
+            </a:r>
+            <a:r>
+              <a:rPr lang="hu-HU" sz="2000" b="1" dirty="0" smtClean="0">
+                <a:solidFill>
+                  <a:schemeClr val="tx1"/>
+                </a:solidFill>
+              </a:rPr>
+              <a:t> feladvány - modellek</a:t>
+            </a:r>
+            <a:endParaRPr lang="hu-HU" sz="2000" b="1" dirty="0">
+              <a:solidFill>
+                <a:schemeClr val="tx1"/>
+              </a:solidFill>
+            </a:endParaRPr>
           </a:p>
         </p:txBody>
       </p:sp>
@@ -8217,7 +10883,7 @@
           <p:cNvPr id="4" name="Dia számának helye 3">
             <a:extLst>
               <a:ext uri="{FF2B5EF4-FFF2-40B4-BE49-F238E27FC236}">
-                <a16:creationId xmlns:a16="http://schemas.microsoft.com/office/drawing/2014/main" id="{A0A56984-CD4E-4AFC-B636-2467537DA82C}"/>
+                <a16:creationId xmlns:a16="http://schemas.microsoft.com/office/drawing/2014/main" xmlns="" id="{AD8C5EE1-236C-4F83-B6B6-0315500CBF70}"/>
               </a:ext>
             </a:extLst>
           </p:cNvPr>
@@ -8237,19 +10903,13 @@
               <a:rPr lang="hu-HU" smtClean="0"/>
               <a:t>9</a:t>
             </a:fld>
-            <a:endParaRPr lang="hu-HU"/>
+            <a:endParaRPr lang="hu-HU" dirty="0"/>
           </a:p>
         </p:txBody>
       </p:sp>
       <p:pic>
         <p:nvPicPr>
-          <p:cNvPr id="8" name="Kép 7">
-            <a:extLst>
-              <a:ext uri="{FF2B5EF4-FFF2-40B4-BE49-F238E27FC236}">
-                <a16:creationId xmlns:a16="http://schemas.microsoft.com/office/drawing/2014/main" id="{7EFA0B0D-2D29-475A-BC6F-B7654AD6247E}"/>
-              </a:ext>
-            </a:extLst>
-          </p:cNvPr>
+          <p:cNvPr id="3" name="Kép 2"/>
           <p:cNvPicPr>
             <a:picLocks noChangeAspect="1"/>
           </p:cNvPicPr>
@@ -8269,544 +10929,38 @@
         </p:blipFill>
         <p:spPr>
           <a:xfrm>
-            <a:off x="743736" y="2094089"/>
-            <a:ext cx="6521578" cy="1077411"/>
+            <a:off x="689400" y="1374090"/>
+            <a:ext cx="7765200" cy="4982261"/>
           </a:xfrm>
           <a:prstGeom prst="rect">
             <a:avLst/>
           </a:prstGeom>
         </p:spPr>
       </p:pic>
-      <p:pic>
-        <p:nvPicPr>
-          <p:cNvPr id="5" name="Kép 4">
-            <a:extLst>
-              <a:ext uri="{FF2B5EF4-FFF2-40B4-BE49-F238E27FC236}">
-                <a16:creationId xmlns:a16="http://schemas.microsoft.com/office/drawing/2014/main" id="{006E9B15-E836-47EB-A212-30BFB95903FA}"/>
-              </a:ext>
-            </a:extLst>
-          </p:cNvPr>
-          <p:cNvPicPr>
-            <a:picLocks noChangeAspect="1"/>
-          </p:cNvPicPr>
-          <p:nvPr/>
-        </p:nvPicPr>
-        <p:blipFill>
-          <a:blip r:embed="rId3">
-            <a:extLst>
-              <a:ext uri="{28A0092B-C50C-407E-A947-70E740481C1C}">
-                <a14:useLocalDpi xmlns:a14="http://schemas.microsoft.com/office/drawing/2010/main" val="0"/>
-              </a:ext>
-            </a:extLst>
-          </a:blip>
-          <a:stretch>
-            <a:fillRect/>
-          </a:stretch>
-        </p:blipFill>
-        <p:spPr>
-          <a:xfrm>
-            <a:off x="974861" y="4735768"/>
-            <a:ext cx="6133956" cy="995368"/>
-          </a:xfrm>
-          <a:prstGeom prst="rect">
-            <a:avLst/>
-          </a:prstGeom>
-        </p:spPr>
-      </p:pic>
-      <p:sp>
-        <p:nvSpPr>
-          <p:cNvPr id="10" name="Szövegdoboz 2">
-            <a:extLst>
-              <a:ext uri="{FF2B5EF4-FFF2-40B4-BE49-F238E27FC236}">
-                <a16:creationId xmlns:a16="http://schemas.microsoft.com/office/drawing/2014/main" id="{39841D13-B0B8-4DA2-A5A2-95125A497738}"/>
-              </a:ext>
-            </a:extLst>
-          </p:cNvPr>
-          <p:cNvSpPr txBox="1">
-            <a:spLocks noChangeArrowheads="1"/>
-          </p:cNvSpPr>
-          <p:nvPr/>
-        </p:nvSpPr>
-        <p:spPr bwMode="auto">
-          <a:xfrm>
-            <a:off x="1185472" y="3089281"/>
-            <a:ext cx="6301177" cy="937998"/>
-          </a:xfrm>
-          <a:prstGeom prst="rect">
-            <a:avLst/>
-          </a:prstGeom>
-          <a:solidFill>
-            <a:srgbClr val="FFFFFF"/>
-          </a:solidFill>
-          <a:ln w="9525">
-            <a:solidFill>
-              <a:srgbClr val="000000"/>
-            </a:solidFill>
-            <a:miter lim="800000"/>
-            <a:headEnd/>
-            <a:tailEnd/>
-          </a:ln>
-        </p:spPr>
-        <p:txBody>
-          <a:bodyPr rot="0" vert="horz" wrap="square" lIns="91440" tIns="45720" rIns="91440" bIns="45720" anchor="t" anchorCtr="0">
-            <a:noAutofit/>
-          </a:bodyPr>
-          <a:lstStyle/>
-          <a:p>
-            <a:pPr algn="l">
-              <a:lnSpc>
-                <a:spcPct val="150000"/>
-              </a:lnSpc>
-              <a:spcAft>
-                <a:spcPts val="0"/>
-              </a:spcAft>
-            </a:pPr>
-            <a:r>
-              <a:rPr lang="hu-HU" dirty="0" err="1">
-                <a:solidFill>
-                  <a:srgbClr val="008000"/>
-                </a:solidFill>
-                <a:effectLst/>
-                <a:latin typeface="Consolas" panose="020B0609020204030204" pitchFamily="49" charset="0"/>
-                <a:ea typeface="Times New Roman" panose="02020603050405020304" pitchFamily="18" charset="0"/>
-              </a:rPr>
-              <a:t>constraint</a:t>
-            </a:r>
-            <a:r>
-              <a:rPr lang="hu-HU" dirty="0">
-                <a:effectLst/>
-                <a:latin typeface="Consolas" panose="020B0609020204030204" pitchFamily="49" charset="0"/>
-                <a:ea typeface="Times New Roman" panose="02020603050405020304" pitchFamily="18" charset="0"/>
-              </a:rPr>
-              <a:t> </a:t>
-            </a:r>
-            <a:r>
-              <a:rPr lang="hu-HU" dirty="0" err="1">
-                <a:solidFill>
-                  <a:srgbClr val="0000FF"/>
-                </a:solidFill>
-                <a:effectLst/>
-                <a:latin typeface="Consolas" panose="020B0609020204030204" pitchFamily="49" charset="0"/>
-                <a:ea typeface="Times New Roman" panose="02020603050405020304" pitchFamily="18" charset="0"/>
-              </a:rPr>
-              <a:t>forall</a:t>
-            </a:r>
-            <a:r>
-              <a:rPr lang="hu-HU" dirty="0">
-                <a:effectLst/>
-                <a:latin typeface="Consolas" panose="020B0609020204030204" pitchFamily="49" charset="0"/>
-                <a:ea typeface="Times New Roman" panose="02020603050405020304" pitchFamily="18" charset="0"/>
-              </a:rPr>
-              <a:t>(t </a:t>
-            </a:r>
-            <a:r>
-              <a:rPr lang="hu-HU" dirty="0">
-                <a:solidFill>
-                  <a:srgbClr val="008000"/>
-                </a:solidFill>
-                <a:effectLst/>
-                <a:latin typeface="Consolas" panose="020B0609020204030204" pitchFamily="49" charset="0"/>
-                <a:ea typeface="Times New Roman" panose="02020603050405020304" pitchFamily="18" charset="0"/>
-              </a:rPr>
-              <a:t>in</a:t>
-            </a:r>
-            <a:r>
-              <a:rPr lang="hu-HU" dirty="0">
-                <a:effectLst/>
-                <a:latin typeface="Consolas" panose="020B0609020204030204" pitchFamily="49" charset="0"/>
-                <a:ea typeface="Times New Roman" panose="02020603050405020304" pitchFamily="18" charset="0"/>
-              </a:rPr>
-              <a:t> Tulaj </a:t>
-            </a:r>
-            <a:r>
-              <a:rPr lang="hu-HU" dirty="0" err="1">
-                <a:effectLst/>
-                <a:latin typeface="Consolas" panose="020B0609020204030204" pitchFamily="49" charset="0"/>
-                <a:ea typeface="Times New Roman" panose="02020603050405020304" pitchFamily="18" charset="0"/>
-              </a:rPr>
-              <a:t>where</a:t>
-            </a:r>
-            <a:r>
-              <a:rPr lang="hu-HU" dirty="0">
-                <a:effectLst/>
-                <a:latin typeface="Consolas" panose="020B0609020204030204" pitchFamily="49" charset="0"/>
-                <a:ea typeface="Times New Roman" panose="02020603050405020304" pitchFamily="18" charset="0"/>
-              </a:rPr>
-              <a:t> tulaj[t]=4) (</a:t>
-            </a:r>
-            <a:r>
-              <a:rPr lang="hu-HU" dirty="0">
-                <a:solidFill>
-                  <a:srgbClr val="0000FF"/>
-                </a:solidFill>
-                <a:effectLst/>
-                <a:latin typeface="Consolas" panose="020B0609020204030204" pitchFamily="49" charset="0"/>
-                <a:ea typeface="Times New Roman" panose="02020603050405020304" pitchFamily="18" charset="0"/>
-              </a:rPr>
-              <a:t>sum</a:t>
-            </a:r>
-            <a:r>
-              <a:rPr lang="hu-HU" dirty="0">
-                <a:effectLst/>
-                <a:latin typeface="Consolas" panose="020B0609020204030204" pitchFamily="49" charset="0"/>
-                <a:ea typeface="Times New Roman" panose="02020603050405020304" pitchFamily="18" charset="0"/>
-              </a:rPr>
-              <a:t>(z </a:t>
-            </a:r>
-            <a:r>
-              <a:rPr lang="hu-HU" dirty="0">
-                <a:solidFill>
-                  <a:srgbClr val="008000"/>
-                </a:solidFill>
-                <a:effectLst/>
-                <a:latin typeface="Consolas" panose="020B0609020204030204" pitchFamily="49" charset="0"/>
-                <a:ea typeface="Times New Roman" panose="02020603050405020304" pitchFamily="18" charset="0"/>
-              </a:rPr>
-              <a:t>in</a:t>
-            </a:r>
-            <a:r>
-              <a:rPr lang="hu-HU" dirty="0">
-                <a:effectLst/>
-                <a:latin typeface="Consolas" panose="020B0609020204030204" pitchFamily="49" charset="0"/>
-                <a:ea typeface="Times New Roman" panose="02020603050405020304" pitchFamily="18" charset="0"/>
-              </a:rPr>
-              <a:t> </a:t>
-            </a:r>
-            <a:r>
-              <a:rPr lang="hu-HU" dirty="0" err="1">
-                <a:effectLst/>
-                <a:latin typeface="Consolas" panose="020B0609020204030204" pitchFamily="49" charset="0"/>
-                <a:ea typeface="Times New Roman" panose="02020603050405020304" pitchFamily="18" charset="0"/>
-              </a:rPr>
-              <a:t>Zoldsegek</a:t>
-            </a:r>
-            <a:r>
-              <a:rPr lang="hu-HU" dirty="0">
-                <a:effectLst/>
-                <a:latin typeface="Consolas" panose="020B0609020204030204" pitchFamily="49" charset="0"/>
-                <a:ea typeface="Times New Roman" panose="02020603050405020304" pitchFamily="18" charset="0"/>
-              </a:rPr>
-              <a:t>) (termeszt[</a:t>
-            </a:r>
-            <a:r>
-              <a:rPr lang="hu-HU" dirty="0" err="1">
-                <a:effectLst/>
-                <a:latin typeface="Consolas" panose="020B0609020204030204" pitchFamily="49" charset="0"/>
-                <a:ea typeface="Times New Roman" panose="02020603050405020304" pitchFamily="18" charset="0"/>
-              </a:rPr>
-              <a:t>z,t</a:t>
-            </a:r>
-            <a:r>
-              <a:rPr lang="hu-HU" dirty="0">
-                <a:effectLst/>
-                <a:latin typeface="Consolas" panose="020B0609020204030204" pitchFamily="49" charset="0"/>
-                <a:ea typeface="Times New Roman" panose="02020603050405020304" pitchFamily="18" charset="0"/>
-              </a:rPr>
-              <a:t>])=3);</a:t>
-            </a:r>
-            <a:endParaRPr lang="hu-HU" dirty="0">
-              <a:effectLst/>
-              <a:latin typeface="Times New Roman" panose="02020603050405020304" pitchFamily="18" charset="0"/>
-              <a:ea typeface="Times New Roman" panose="02020603050405020304" pitchFamily="18" charset="0"/>
-            </a:endParaRPr>
-          </a:p>
-        </p:txBody>
-      </p:sp>
-      <p:sp>
-        <p:nvSpPr>
-          <p:cNvPr id="11" name="Szövegdoboz 2">
-            <a:extLst>
-              <a:ext uri="{FF2B5EF4-FFF2-40B4-BE49-F238E27FC236}">
-                <a16:creationId xmlns:a16="http://schemas.microsoft.com/office/drawing/2014/main" id="{86F25DC7-8728-4838-B077-B40E9AE2E358}"/>
-              </a:ext>
-            </a:extLst>
-          </p:cNvPr>
-          <p:cNvSpPr txBox="1">
-            <a:spLocks noChangeArrowheads="1"/>
-          </p:cNvSpPr>
-          <p:nvPr/>
-        </p:nvSpPr>
-        <p:spPr bwMode="auto">
-          <a:xfrm>
-            <a:off x="900234" y="5648742"/>
-            <a:ext cx="6208583" cy="877741"/>
-          </a:xfrm>
-          <a:prstGeom prst="rect">
-            <a:avLst/>
-          </a:prstGeom>
-          <a:solidFill>
-            <a:srgbClr val="FFFFFF"/>
-          </a:solidFill>
-          <a:ln w="9525">
-            <a:solidFill>
-              <a:srgbClr val="000000"/>
-            </a:solidFill>
-            <a:miter lim="800000"/>
-            <a:headEnd/>
-            <a:tailEnd/>
-          </a:ln>
-        </p:spPr>
-        <p:txBody>
-          <a:bodyPr rot="0" vert="horz" wrap="square" lIns="91440" tIns="45720" rIns="91440" bIns="45720" anchor="t" anchorCtr="0">
-            <a:spAutoFit/>
-          </a:bodyPr>
-          <a:lstStyle/>
-          <a:p>
-            <a:pPr algn="l">
-              <a:lnSpc>
-                <a:spcPct val="150000"/>
-              </a:lnSpc>
-              <a:spcAft>
-                <a:spcPts val="0"/>
-              </a:spcAft>
-            </a:pPr>
-            <a:r>
-              <a:rPr lang="hu-HU" dirty="0" err="1">
-                <a:solidFill>
-                  <a:srgbClr val="008000"/>
-                </a:solidFill>
-                <a:effectLst/>
-                <a:latin typeface="Consolas" panose="020B0609020204030204" pitchFamily="49" charset="0"/>
-                <a:ea typeface="Times New Roman" panose="02020603050405020304" pitchFamily="18" charset="0"/>
-              </a:rPr>
-              <a:t>constraint</a:t>
-            </a:r>
-            <a:r>
-              <a:rPr lang="hu-HU" dirty="0">
-                <a:effectLst/>
-                <a:latin typeface="Consolas" panose="020B0609020204030204" pitchFamily="49" charset="0"/>
-                <a:ea typeface="Times New Roman" panose="02020603050405020304" pitchFamily="18" charset="0"/>
-              </a:rPr>
-              <a:t> </a:t>
-            </a:r>
-            <a:r>
-              <a:rPr lang="hu-HU" dirty="0" err="1">
-                <a:solidFill>
-                  <a:srgbClr val="0000FF"/>
-                </a:solidFill>
-                <a:effectLst/>
-                <a:latin typeface="Consolas" panose="020B0609020204030204" pitchFamily="49" charset="0"/>
-                <a:ea typeface="Times New Roman" panose="02020603050405020304" pitchFamily="18" charset="0"/>
-              </a:rPr>
-              <a:t>forall</a:t>
-            </a:r>
-            <a:r>
-              <a:rPr lang="hu-HU" dirty="0">
-                <a:effectLst/>
-                <a:latin typeface="Consolas" panose="020B0609020204030204" pitchFamily="49" charset="0"/>
-                <a:ea typeface="Times New Roman" panose="02020603050405020304" pitchFamily="18" charset="0"/>
-              </a:rPr>
-              <a:t>(t </a:t>
-            </a:r>
-            <a:r>
-              <a:rPr lang="hu-HU" dirty="0">
-                <a:solidFill>
-                  <a:srgbClr val="008000"/>
-                </a:solidFill>
-                <a:effectLst/>
-                <a:latin typeface="Consolas" panose="020B0609020204030204" pitchFamily="49" charset="0"/>
-                <a:ea typeface="Times New Roman" panose="02020603050405020304" pitchFamily="18" charset="0"/>
-              </a:rPr>
-              <a:t>in</a:t>
-            </a:r>
-            <a:r>
-              <a:rPr lang="hu-HU" dirty="0">
-                <a:effectLst/>
-                <a:latin typeface="Consolas" panose="020B0609020204030204" pitchFamily="49" charset="0"/>
-                <a:ea typeface="Times New Roman" panose="02020603050405020304" pitchFamily="18" charset="0"/>
-              </a:rPr>
-              <a:t> Tulaj)(tulaj[t]=4 -&gt; </a:t>
-            </a:r>
-            <a:r>
-              <a:rPr lang="hu-HU" dirty="0">
-                <a:solidFill>
-                  <a:srgbClr val="0000FF"/>
-                </a:solidFill>
-                <a:effectLst/>
-                <a:latin typeface="Consolas" panose="020B0609020204030204" pitchFamily="49" charset="0"/>
-                <a:ea typeface="Times New Roman" panose="02020603050405020304" pitchFamily="18" charset="0"/>
-              </a:rPr>
-              <a:t>sum</a:t>
-            </a:r>
-            <a:r>
-              <a:rPr lang="hu-HU" dirty="0">
-                <a:effectLst/>
-                <a:latin typeface="Consolas" panose="020B0609020204030204" pitchFamily="49" charset="0"/>
-                <a:ea typeface="Times New Roman" panose="02020603050405020304" pitchFamily="18" charset="0"/>
-              </a:rPr>
-              <a:t>(z </a:t>
-            </a:r>
-            <a:r>
-              <a:rPr lang="hu-HU" dirty="0">
-                <a:solidFill>
-                  <a:srgbClr val="008000"/>
-                </a:solidFill>
-                <a:effectLst/>
-                <a:latin typeface="Consolas" panose="020B0609020204030204" pitchFamily="49" charset="0"/>
-                <a:ea typeface="Times New Roman" panose="02020603050405020304" pitchFamily="18" charset="0"/>
-              </a:rPr>
-              <a:t>in</a:t>
-            </a:r>
-            <a:r>
-              <a:rPr lang="hu-HU" dirty="0">
-                <a:effectLst/>
-                <a:latin typeface="Consolas" panose="020B0609020204030204" pitchFamily="49" charset="0"/>
-                <a:ea typeface="Times New Roman" panose="02020603050405020304" pitchFamily="18" charset="0"/>
-              </a:rPr>
-              <a:t> </a:t>
-            </a:r>
-            <a:r>
-              <a:rPr lang="hu-HU" dirty="0" err="1">
-                <a:effectLst/>
-                <a:latin typeface="Consolas" panose="020B0609020204030204" pitchFamily="49" charset="0"/>
-                <a:ea typeface="Times New Roman" panose="02020603050405020304" pitchFamily="18" charset="0"/>
-              </a:rPr>
-              <a:t>Zoldsegek</a:t>
-            </a:r>
-            <a:r>
-              <a:rPr lang="hu-HU" dirty="0">
-                <a:effectLst/>
-                <a:latin typeface="Consolas" panose="020B0609020204030204" pitchFamily="49" charset="0"/>
-                <a:ea typeface="Times New Roman" panose="02020603050405020304" pitchFamily="18" charset="0"/>
-              </a:rPr>
-              <a:t>)(termeszt[</a:t>
-            </a:r>
-            <a:r>
-              <a:rPr lang="hu-HU" dirty="0" err="1">
-                <a:effectLst/>
-                <a:latin typeface="Consolas" panose="020B0609020204030204" pitchFamily="49" charset="0"/>
-                <a:ea typeface="Times New Roman" panose="02020603050405020304" pitchFamily="18" charset="0"/>
-              </a:rPr>
-              <a:t>z,t</a:t>
-            </a:r>
-            <a:r>
-              <a:rPr lang="hu-HU" dirty="0">
-                <a:effectLst/>
-                <a:latin typeface="Consolas" panose="020B0609020204030204" pitchFamily="49" charset="0"/>
-                <a:ea typeface="Times New Roman" panose="02020603050405020304" pitchFamily="18" charset="0"/>
-              </a:rPr>
-              <a:t>])=3);</a:t>
-            </a:r>
-            <a:endParaRPr lang="hu-HU" dirty="0">
-              <a:effectLst/>
-              <a:latin typeface="Times New Roman" panose="02020603050405020304" pitchFamily="18" charset="0"/>
-              <a:ea typeface="Times New Roman" panose="02020603050405020304" pitchFamily="18" charset="0"/>
-            </a:endParaRPr>
-          </a:p>
-        </p:txBody>
-      </p:sp>
-      <p:sp>
-        <p:nvSpPr>
-          <p:cNvPr id="13" name="Szövegdoboz 12">
-            <a:extLst>
-              <a:ext uri="{FF2B5EF4-FFF2-40B4-BE49-F238E27FC236}">
-                <a16:creationId xmlns:a16="http://schemas.microsoft.com/office/drawing/2014/main" id="{0577F7CD-9049-455E-B1B2-6AEAADE49D6A}"/>
-              </a:ext>
-            </a:extLst>
-          </p:cNvPr>
-          <p:cNvSpPr txBox="1"/>
-          <p:nvPr/>
-        </p:nvSpPr>
-        <p:spPr>
-          <a:xfrm>
-            <a:off x="187807" y="4293583"/>
-            <a:ext cx="4690946" cy="461665"/>
-          </a:xfrm>
-          <a:prstGeom prst="rect">
-            <a:avLst/>
-          </a:prstGeom>
-          <a:noFill/>
-        </p:spPr>
-        <p:txBody>
-          <a:bodyPr wrap="square" rtlCol="0">
-            <a:spAutoFit/>
-          </a:bodyPr>
-          <a:lstStyle/>
-          <a:p>
-            <a:pPr marL="342900" indent="-342900">
-              <a:buFont typeface="Arial" panose="020B0604020202020204" pitchFamily="34" charset="0"/>
-              <a:buChar char="•"/>
-            </a:pPr>
-            <a:r>
-              <a:rPr lang="hu-HU" sz="2400" dirty="0"/>
-              <a:t>Logikai operátorok használata</a:t>
-            </a:r>
-          </a:p>
-        </p:txBody>
-      </p:sp>
-      <p:sp>
-        <p:nvSpPr>
-          <p:cNvPr id="14" name="Szövegdoboz 13">
-            <a:extLst>
-              <a:ext uri="{FF2B5EF4-FFF2-40B4-BE49-F238E27FC236}">
-                <a16:creationId xmlns:a16="http://schemas.microsoft.com/office/drawing/2014/main" id="{9FA03E7D-BC57-4837-88E1-401F7D3D114C}"/>
-              </a:ext>
-            </a:extLst>
-          </p:cNvPr>
-          <p:cNvSpPr txBox="1"/>
-          <p:nvPr/>
-        </p:nvSpPr>
-        <p:spPr>
-          <a:xfrm>
-            <a:off x="187807" y="1009431"/>
-            <a:ext cx="4690946" cy="1200329"/>
-          </a:xfrm>
-          <a:prstGeom prst="rect">
-            <a:avLst/>
-          </a:prstGeom>
-          <a:noFill/>
-        </p:spPr>
-        <p:txBody>
-          <a:bodyPr wrap="square" rtlCol="0">
-            <a:spAutoFit/>
-          </a:bodyPr>
-          <a:lstStyle/>
-          <a:p>
-            <a:r>
-              <a:rPr lang="hu-HU" sz="2400" dirty="0"/>
-              <a:t>Több módszer is alkalmazva lett:</a:t>
-            </a:r>
-          </a:p>
-          <a:p>
-            <a:endParaRPr lang="hu-HU" sz="2400" dirty="0"/>
-          </a:p>
-          <a:p>
-            <a:pPr marL="342900" indent="-342900">
-              <a:buFont typeface="Arial" panose="020B0604020202020204" pitchFamily="34" charset="0"/>
-              <a:buChar char="•"/>
-            </a:pPr>
-            <a:r>
-              <a:rPr lang="hu-HU" sz="2400" dirty="0"/>
-              <a:t>Bináris</a:t>
-            </a:r>
-            <a:r>
-              <a:rPr lang="hu-HU" dirty="0"/>
-              <a:t> </a:t>
-            </a:r>
-            <a:r>
-              <a:rPr lang="hu-HU" sz="2400" dirty="0"/>
-              <a:t>mátrix</a:t>
-            </a:r>
-          </a:p>
-        </p:txBody>
-      </p:sp>
     </p:spTree>
     <p:extLst>
       <p:ext uri="{BB962C8B-B14F-4D97-AF65-F5344CB8AC3E}">
-        <p14:creationId xmlns:p14="http://schemas.microsoft.com/office/powerpoint/2010/main" val="2259454649"/>
+        <p14:creationId xmlns:p14="http://schemas.microsoft.com/office/powerpoint/2010/main" val="3227537384"/>
       </p:ext>
     </p:extLst>
   </p:cSld>
   <p:clrMapOvr>
     <a:masterClrMapping/>
   </p:clrMapOvr>
+  <p:timing>
+    <p:tnLst>
+      <p:par>
+        <p:cTn id="1" dur="indefinite" restart="never" nodeType="tmRoot"/>
+      </p:par>
+    </p:tnLst>
+  </p:timing>
 </p:sld>
 </file>
 
 <file path=ppt/theme/theme1.xml><?xml version="1.0" encoding="utf-8"?>
-<a:theme xmlns:a="http://schemas.openxmlformats.org/drawingml/2006/main" name="Office-téma">
+<a:theme xmlns:a="http://schemas.openxmlformats.org/drawingml/2006/main" name="Retrospektív">
   <a:themeElements>
-    <a:clrScheme name="Office-téma">
+    <a:clrScheme name="Kék II">
       <a:dk1>
         <a:sysClr val="windowText" lastClr="000000"/>
       </a:dk1>
@@ -8814,44 +10968,44 @@
         <a:sysClr val="window" lastClr="FFFFFF"/>
       </a:lt1>
       <a:dk2>
-        <a:srgbClr val="44546A"/>
+        <a:srgbClr val="335B74"/>
       </a:dk2>
       <a:lt2>
-        <a:srgbClr val="E7E6E6"/>
+        <a:srgbClr val="DFE3E5"/>
       </a:lt2>
       <a:accent1>
-        <a:srgbClr val="5B9BD5"/>
+        <a:srgbClr val="1CADE4"/>
       </a:accent1>
       <a:accent2>
-        <a:srgbClr val="ED7D31"/>
+        <a:srgbClr val="2683C6"/>
       </a:accent2>
       <a:accent3>
-        <a:srgbClr val="A5A5A5"/>
+        <a:srgbClr val="27CED7"/>
       </a:accent3>
       <a:accent4>
-        <a:srgbClr val="FFC000"/>
+        <a:srgbClr val="42BA97"/>
       </a:accent4>
       <a:accent5>
-        <a:srgbClr val="4472C4"/>
+        <a:srgbClr val="3E8853"/>
       </a:accent5>
       <a:accent6>
-        <a:srgbClr val="70AD47"/>
+        <a:srgbClr val="62A39F"/>
       </a:accent6>
       <a:hlink>
-        <a:srgbClr val="0563C1"/>
+        <a:srgbClr val="6EAC1C"/>
       </a:hlink>
       <a:folHlink>
-        <a:srgbClr val="954F72"/>
+        <a:srgbClr val="B26B02"/>
       </a:folHlink>
     </a:clrScheme>
-    <a:fontScheme name="Office-téma">
+    <a:fontScheme name="Retrospektív">
       <a:majorFont>
         <a:latin typeface="Calibri Light" panose="020F0302020204030204"/>
         <a:ea typeface=""/>
         <a:cs typeface=""/>
-        <a:font script="Jpan" typeface="游ゴシック Light"/>
+        <a:font script="Jpan" typeface="ＭＳ Ｐゴシック"/>
         <a:font script="Hang" typeface="맑은 고딕"/>
-        <a:font script="Hans" typeface="等线 Light"/>
+        <a:font script="Hans" typeface="宋体"/>
         <a:font script="Hant" typeface="新細明體"/>
         <a:font script="Arab" typeface="Times New Roman"/>
         <a:font script="Hebr" typeface="Times New Roman"/>
@@ -8884,9 +11038,9 @@
         <a:latin typeface="Calibri" panose="020F0502020204030204"/>
         <a:ea typeface=""/>
         <a:cs typeface=""/>
-        <a:font script="Jpan" typeface="游ゴシック"/>
+        <a:font script="Jpan" typeface="ＭＳ Ｐゴシック"/>
         <a:font script="Hang" typeface="맑은 고딕"/>
-        <a:font script="Hans" typeface="等线"/>
+        <a:font script="Hans" typeface="宋体"/>
         <a:font script="Hant" typeface="新細明體"/>
         <a:font script="Arab" typeface="Arial"/>
         <a:font script="Hebr" typeface="Arial"/>
@@ -8916,7 +11070,7 @@
         <a:font script="Geor" typeface="Sylfaen"/>
       </a:minorFont>
     </a:fontScheme>
-    <a:fmtScheme name="Office-téma">
+    <a:fmtScheme name="Retrospektív">
       <a:fillStyleLst>
         <a:solidFill>
           <a:schemeClr val="phClr"/>
@@ -8925,76 +11079,81 @@
           <a:gsLst>
             <a:gs pos="0">
               <a:schemeClr val="phClr">
-                <a:lumMod val="110000"/>
-                <a:satMod val="105000"/>
-                <a:tint val="67000"/>
+                <a:tint val="65000"/>
+                <a:shade val="92000"/>
+                <a:satMod val="130000"/>
               </a:schemeClr>
             </a:gs>
-            <a:gs pos="50000">
+            <a:gs pos="45000">
               <a:schemeClr val="phClr">
-                <a:lumMod val="105000"/>
-                <a:satMod val="103000"/>
-                <a:tint val="73000"/>
+                <a:tint val="60000"/>
+                <a:shade val="99000"/>
+                <a:satMod val="120000"/>
               </a:schemeClr>
             </a:gs>
             <a:gs pos="100000">
               <a:schemeClr val="phClr">
-                <a:lumMod val="105000"/>
-                <a:satMod val="109000"/>
-                <a:tint val="81000"/>
+                <a:tint val="55000"/>
+                <a:satMod val="140000"/>
               </a:schemeClr>
             </a:gs>
           </a:gsLst>
-          <a:lin ang="5400000" scaled="0"/>
+          <a:path path="circle">
+            <a:fillToRect l="100000" t="100000" r="100000" b="100000"/>
+          </a:path>
         </a:gradFill>
         <a:gradFill rotWithShape="1">
           <a:gsLst>
             <a:gs pos="0">
               <a:schemeClr val="phClr">
-                <a:satMod val="103000"/>
-                <a:lumMod val="102000"/>
-                <a:tint val="94000"/>
+                <a:shade val="85000"/>
+                <a:satMod val="130000"/>
               </a:schemeClr>
             </a:gs>
-            <a:gs pos="50000">
+            <a:gs pos="34000">
               <a:schemeClr val="phClr">
-                <a:satMod val="110000"/>
-                <a:lumMod val="100000"/>
-                <a:shade val="100000"/>
+                <a:shade val="87000"/>
+                <a:satMod val="125000"/>
+              </a:schemeClr>
+            </a:gs>
+            <a:gs pos="70000">
+              <a:schemeClr val="phClr">
+                <a:tint val="100000"/>
+                <a:shade val="90000"/>
+                <a:satMod val="130000"/>
               </a:schemeClr>
             </a:gs>
             <a:gs pos="100000">
               <a:schemeClr val="phClr">
-                <a:lumMod val="99000"/>
-                <a:satMod val="120000"/>
-                <a:shade val="78000"/>
+                <a:tint val="100000"/>
+                <a:shade val="100000"/>
+                <a:satMod val="110000"/>
               </a:schemeClr>
             </a:gs>
           </a:gsLst>
-          <a:lin ang="5400000" scaled="0"/>
+          <a:path path="circle">
+            <a:fillToRect l="100000" t="100000" r="100000" b="100000"/>
+          </a:path>
         </a:gradFill>
       </a:fillStyleLst>
       <a:lnStyleLst>
-        <a:ln w="6350" cap="flat" cmpd="sng" algn="ctr">
-          <a:solidFill>
-            <a:schemeClr val="phClr"/>
-          </a:solidFill>
-          <a:prstDash val="solid"/>
-          <a:miter lim="800000"/>
-        </a:ln>
         <a:ln w="12700" cap="flat" cmpd="sng" algn="ctr">
           <a:solidFill>
             <a:schemeClr val="phClr"/>
           </a:solidFill>
           <a:prstDash val="solid"/>
-          <a:miter lim="800000"/>
         </a:ln>
-        <a:ln w="19050" cap="flat" cmpd="sng" algn="ctr">
+        <a:ln w="15875" cap="flat" cmpd="sng" algn="ctr">
           <a:solidFill>
             <a:schemeClr val="phClr"/>
           </a:solidFill>
           <a:prstDash val="solid"/>
-          <a:miter lim="800000"/>
+        </a:ln>
+        <a:ln w="25400" cap="flat" cmpd="sng" algn="ctr">
+          <a:solidFill>
+            <a:schemeClr val="phClr"/>
+          </a:solidFill>
+          <a:prstDash val="solid"/>
         </a:ln>
       </a:lnStyleLst>
       <a:effectStyleLst>
@@ -9002,16 +11161,33 @@
           <a:effectLst/>
         </a:effectStyle>
         <a:effectStyle>
-          <a:effectLst/>
+          <a:effectLst>
+            <a:outerShdw blurRad="38100" dist="25400" dir="2700000" algn="br" rotWithShape="0">
+              <a:srgbClr val="000000">
+                <a:alpha val="60000"/>
+              </a:srgbClr>
+            </a:outerShdw>
+          </a:effectLst>
         </a:effectStyle>
         <a:effectStyle>
           <a:effectLst>
-            <a:outerShdw blurRad="57150" dist="19050" dir="5400000" algn="ctr" rotWithShape="0">
+            <a:outerShdw blurRad="44450" dist="25400" dir="2700000" algn="br" rotWithShape="0">
               <a:srgbClr val="000000">
-                <a:alpha val="63000"/>
+                <a:alpha val="60000"/>
               </a:srgbClr>
             </a:outerShdw>
           </a:effectLst>
+          <a:scene3d>
+            <a:camera prst="orthographicFront">
+              <a:rot lat="0" lon="0" rev="0"/>
+            </a:camera>
+            <a:lightRig rig="threePt" dir="t">
+              <a:rot lat="0" lon="0" rev="19800000"/>
+            </a:lightRig>
+          </a:scene3d>
+          <a:sp3d prstMaterial="flat">
+            <a:bevelT w="25400" h="31750"/>
+          </a:sp3d>
         </a:effectStyle>
       </a:effectStyleLst>
       <a:bgFillStyleLst>
@@ -9020,36 +11196,36 @@
         </a:solidFill>
         <a:solidFill>
           <a:schemeClr val="phClr">
-            <a:tint val="95000"/>
-            <a:satMod val="170000"/>
+            <a:tint val="90000"/>
+            <a:shade val="97000"/>
+            <a:satMod val="130000"/>
           </a:schemeClr>
         </a:solidFill>
         <a:gradFill rotWithShape="1">
           <a:gsLst>
             <a:gs pos="0">
               <a:schemeClr val="phClr">
-                <a:tint val="93000"/>
-                <a:satMod val="150000"/>
-                <a:shade val="98000"/>
-                <a:lumMod val="102000"/>
+                <a:tint val="96000"/>
+                <a:shade val="99000"/>
+                <a:satMod val="140000"/>
               </a:schemeClr>
             </a:gs>
-            <a:gs pos="50000">
+            <a:gs pos="65000">
               <a:schemeClr val="phClr">
-                <a:tint val="98000"/>
+                <a:tint val="100000"/>
+                <a:shade val="80000"/>
                 <a:satMod val="130000"/>
-                <a:shade val="90000"/>
-                <a:lumMod val="103000"/>
               </a:schemeClr>
             </a:gs>
             <a:gs pos="100000">
               <a:schemeClr val="phClr">
-                <a:shade val="63000"/>
+                <a:tint val="100000"/>
+                <a:shade val="48000"/>
                 <a:satMod val="120000"/>
               </a:schemeClr>
             </a:gs>
           </a:gsLst>
-          <a:lin ang="5400000" scaled="0"/>
+          <a:lin ang="16200000" scaled="0"/>
         </a:gradFill>
       </a:bgFillStyleLst>
     </a:fmtScheme>
@@ -9058,7 +11234,7 @@
   <a:extraClrSchemeLst/>
   <a:extLst>
     <a:ext uri="{05A4C25C-085E-4340-85A3-A5531E510DB2}">
-      <thm15:themeFamily xmlns:thm15="http://schemas.microsoft.com/office/thememl/2012/main" name="Office Theme" id="{62F939B6-93AF-4DB8-9C6B-D6C7DFDC589F}" vid="{4A3C46E8-61CC-4603-A589-7422A47A8E4A}"/>
+      <thm15:themeFamily xmlns:thm15="http://schemas.microsoft.com/office/thememl/2012/main" name="Retrospect" id="{5F128B03-DCCA-4EEB-AB3B-CF2899314A46}" vid="{3F1AAB62-24C6-49D2-8E01-B56FAC9A3DCD}"/>
     </a:ext>
   </a:extLst>
 </a:theme>

--- a/CP_Dolgozat/Előadás/Logikai feladványok megoldása korlátprogramozással.pptx
+++ b/CP_Dolgozat/Előadás/Logikai feladványok megoldása korlátprogramozással.pptx
@@ -212,7 +212,7 @@
           <a:p>
             <a:fld id="{D216282D-D81D-4BF8-9895-AC698DE2A975}" type="datetimeFigureOut">
               <a:rPr lang="hu-HU" smtClean="0"/>
-              <a:t>2018. 04. 15.</a:t>
+              <a:t>2018. 04. 16.</a:t>
             </a:fld>
             <a:endParaRPr lang="hu-HU"/>
           </a:p>
@@ -600,7 +600,7 @@
           </a:lstStyle>
           <a:p>
             <a:r>
-              <a:rPr lang="hu-HU" dirty="0" smtClean="0"/>
+              <a:rPr lang="hu-HU" dirty="0"/>
               <a:t>Mintacím szerkesztése</a:t>
             </a:r>
             <a:endParaRPr lang="en-US" dirty="0"/>
@@ -672,7 +672,7 @@
           </a:lstStyle>
           <a:p>
             <a:r>
-              <a:rPr lang="hu-HU" dirty="0" smtClean="0"/>
+              <a:rPr lang="hu-HU" dirty="0"/>
               <a:t>Alcím mintájának szerkesztése</a:t>
             </a:r>
             <a:endParaRPr lang="en-US" dirty="0"/>
@@ -696,7 +696,7 @@
           <a:p>
             <a:fld id="{E312C87B-02A7-472E-A63B-E2AA6EA769CA}" type="datetime1">
               <a:rPr lang="hu-HU" smtClean="0"/>
-              <a:t>2018. 04. 15.</a:t>
+              <a:t>2018. 04. 16.</a:t>
             </a:fld>
             <a:endParaRPr lang="hu-HU"/>
           </a:p>
@@ -859,13 +859,6 @@
   <p:clrMapOvr>
     <a:masterClrMapping/>
   </p:clrMapOvr>
-  <p:timing>
-    <p:tnLst>
-      <p:par>
-        <p:cTn id="1" dur="indefinite" restart="never" nodeType="tmRoot"/>
-      </p:par>
-    </p:tnLst>
-  </p:timing>
 </p:sldLayout>
 </file>
 
@@ -902,7 +895,7 @@
           <a:lstStyle/>
           <a:p>
             <a:r>
-              <a:rPr lang="hu-HU" smtClean="0"/>
+              <a:rPr lang="hu-HU"/>
               <a:t>Mintacím szerkesztése</a:t>
             </a:r>
             <a:endParaRPr lang="en-US" dirty="0"/>
@@ -926,35 +919,35 @@
           <a:p>
             <a:pPr lvl="0"/>
             <a:r>
-              <a:rPr lang="hu-HU" smtClean="0"/>
+              <a:rPr lang="hu-HU"/>
               <a:t>Mintaszöveg szerkesztése</a:t>
             </a:r>
           </a:p>
           <a:p>
             <a:pPr lvl="1"/>
             <a:r>
-              <a:rPr lang="hu-HU" smtClean="0"/>
+              <a:rPr lang="hu-HU"/>
               <a:t>Második szint</a:t>
             </a:r>
           </a:p>
           <a:p>
             <a:pPr lvl="2"/>
             <a:r>
-              <a:rPr lang="hu-HU" smtClean="0"/>
+              <a:rPr lang="hu-HU"/>
               <a:t>Harmadik szint</a:t>
             </a:r>
           </a:p>
           <a:p>
             <a:pPr lvl="3"/>
             <a:r>
-              <a:rPr lang="hu-HU" smtClean="0"/>
+              <a:rPr lang="hu-HU"/>
               <a:t>Negyedik szint</a:t>
             </a:r>
           </a:p>
           <a:p>
             <a:pPr lvl="4"/>
             <a:r>
-              <a:rPr lang="hu-HU" smtClean="0"/>
+              <a:rPr lang="hu-HU"/>
               <a:t>Ötödik szint</a:t>
             </a:r>
             <a:endParaRPr lang="en-US" dirty="0"/>
@@ -978,7 +971,7 @@
           <a:p>
             <a:fld id="{3B5D9C6B-342B-4BF9-8B1A-D54914C7E78B}" type="datetime1">
               <a:rPr lang="hu-HU" smtClean="0"/>
-              <a:t>2018. 04. 15.</a:t>
+              <a:t>2018. 04. 16.</a:t>
             </a:fld>
             <a:endParaRPr lang="hu-HU"/>
           </a:p>
@@ -1153,7 +1146,7 @@
           <a:lstStyle/>
           <a:p>
             <a:r>
-              <a:rPr lang="hu-HU" smtClean="0"/>
+              <a:rPr lang="hu-HU"/>
               <a:t>Mintacím szerkesztése</a:t>
             </a:r>
             <a:endParaRPr lang="en-US" dirty="0"/>
@@ -1182,35 +1175,35 @@
           <a:p>
             <a:pPr lvl="0"/>
             <a:r>
-              <a:rPr lang="hu-HU" smtClean="0"/>
+              <a:rPr lang="hu-HU"/>
               <a:t>Mintaszöveg szerkesztése</a:t>
             </a:r>
           </a:p>
           <a:p>
             <a:pPr lvl="1"/>
             <a:r>
-              <a:rPr lang="hu-HU" smtClean="0"/>
+              <a:rPr lang="hu-HU"/>
               <a:t>Második szint</a:t>
             </a:r>
           </a:p>
           <a:p>
             <a:pPr lvl="2"/>
             <a:r>
-              <a:rPr lang="hu-HU" smtClean="0"/>
+              <a:rPr lang="hu-HU"/>
               <a:t>Harmadik szint</a:t>
             </a:r>
           </a:p>
           <a:p>
             <a:pPr lvl="3"/>
             <a:r>
-              <a:rPr lang="hu-HU" smtClean="0"/>
+              <a:rPr lang="hu-HU"/>
               <a:t>Negyedik szint</a:t>
             </a:r>
           </a:p>
           <a:p>
             <a:pPr lvl="4"/>
             <a:r>
-              <a:rPr lang="hu-HU" smtClean="0"/>
+              <a:rPr lang="hu-HU"/>
               <a:t>Ötödik szint</a:t>
             </a:r>
             <a:endParaRPr lang="en-US" dirty="0"/>
@@ -1234,7 +1227,7 @@
           <a:p>
             <a:fld id="{46B01E20-0B80-441C-A219-14B0C111F8A4}" type="datetime1">
               <a:rPr lang="hu-HU" smtClean="0"/>
-              <a:t>2018. 04. 15.</a:t>
+              <a:t>2018. 04. 16.</a:t>
             </a:fld>
             <a:endParaRPr lang="hu-HU"/>
           </a:p>
@@ -1292,13 +1285,6 @@
   <p:clrMapOvr>
     <a:masterClrMapping/>
   </p:clrMapOvr>
-  <p:timing>
-    <p:tnLst>
-      <p:par>
-        <p:cTn id="1" dur="indefinite" restart="never" nodeType="tmRoot"/>
-      </p:par>
-    </p:tnLst>
-  </p:timing>
 </p:sldLayout>
 </file>
 
@@ -1335,7 +1321,7 @@
           <a:lstStyle/>
           <a:p>
             <a:r>
-              <a:rPr lang="hu-HU" smtClean="0"/>
+              <a:rPr lang="hu-HU"/>
               <a:t>Mintacím szerkesztése</a:t>
             </a:r>
             <a:endParaRPr lang="en-US" dirty="0"/>
@@ -1359,35 +1345,35 @@
           <a:p>
             <a:pPr lvl="0"/>
             <a:r>
-              <a:rPr lang="hu-HU" smtClean="0"/>
+              <a:rPr lang="hu-HU"/>
               <a:t>Mintaszöveg szerkesztése</a:t>
             </a:r>
           </a:p>
           <a:p>
             <a:pPr lvl="1"/>
             <a:r>
-              <a:rPr lang="hu-HU" smtClean="0"/>
+              <a:rPr lang="hu-HU"/>
               <a:t>Második szint</a:t>
             </a:r>
           </a:p>
           <a:p>
             <a:pPr lvl="2"/>
             <a:r>
-              <a:rPr lang="hu-HU" smtClean="0"/>
+              <a:rPr lang="hu-HU"/>
               <a:t>Harmadik szint</a:t>
             </a:r>
           </a:p>
           <a:p>
             <a:pPr lvl="3"/>
             <a:r>
-              <a:rPr lang="hu-HU" smtClean="0"/>
+              <a:rPr lang="hu-HU"/>
               <a:t>Negyedik szint</a:t>
             </a:r>
           </a:p>
           <a:p>
             <a:pPr lvl="4"/>
             <a:r>
-              <a:rPr lang="hu-HU" smtClean="0"/>
+              <a:rPr lang="hu-HU"/>
               <a:t>Ötödik szint</a:t>
             </a:r>
             <a:endParaRPr lang="en-US" dirty="0"/>
@@ -1411,7 +1397,7 @@
           <a:p>
             <a:fld id="{F11C61C5-A889-458F-89AF-EEE72626CAE9}" type="datetime1">
               <a:rPr lang="hu-HU" smtClean="0"/>
-              <a:t>2018. 04. 15.</a:t>
+              <a:t>2018. 04. 16.</a:t>
             </a:fld>
             <a:endParaRPr lang="hu-HU"/>
           </a:p>
@@ -1469,13 +1455,6 @@
   <p:clrMapOvr>
     <a:masterClrMapping/>
   </p:clrMapOvr>
-  <p:timing>
-    <p:tnLst>
-      <p:par>
-        <p:cTn id="1" dur="indefinite" restart="never" nodeType="tmRoot"/>
-      </p:par>
-    </p:tnLst>
-  </p:timing>
 </p:sldLayout>
 </file>
 
@@ -1617,7 +1596,7 @@
           </a:lstStyle>
           <a:p>
             <a:r>
-              <a:rPr lang="hu-HU" smtClean="0"/>
+              <a:rPr lang="hu-HU"/>
               <a:t>Mintacím szerkesztése</a:t>
             </a:r>
             <a:endParaRPr lang="en-US" dirty="0"/>
@@ -1738,7 +1717,7 @@
           <a:p>
             <a:pPr lvl="0"/>
             <a:r>
-              <a:rPr lang="hu-HU" smtClean="0"/>
+              <a:rPr lang="hu-HU"/>
               <a:t>Mintaszöveg szerkesztése</a:t>
             </a:r>
           </a:p>
@@ -1761,7 +1740,7 @@
           <a:p>
             <a:fld id="{B7685D89-7BCE-478D-AB70-4D9B0230C013}" type="datetime1">
               <a:rPr lang="hu-HU" smtClean="0"/>
-              <a:t>2018. 04. 15.</a:t>
+              <a:t>2018. 04. 16.</a:t>
             </a:fld>
             <a:endParaRPr lang="hu-HU"/>
           </a:p>
@@ -1857,13 +1836,6 @@
   <p:clrMapOvr>
     <a:masterClrMapping/>
   </p:clrMapOvr>
-  <p:timing>
-    <p:tnLst>
-      <p:par>
-        <p:cTn id="1" dur="indefinite" restart="never" nodeType="tmRoot"/>
-      </p:par>
-    </p:tnLst>
-  </p:timing>
 </p:sldLayout>
 </file>
 
@@ -1905,7 +1877,7 @@
           <a:lstStyle/>
           <a:p>
             <a:r>
-              <a:rPr lang="hu-HU" smtClean="0"/>
+              <a:rPr lang="hu-HU"/>
               <a:t>Mintacím szerkesztése</a:t>
             </a:r>
             <a:endParaRPr lang="en-US" dirty="0"/>
@@ -1934,35 +1906,35 @@
           <a:p>
             <a:pPr lvl="0"/>
             <a:r>
-              <a:rPr lang="hu-HU" smtClean="0"/>
+              <a:rPr lang="hu-HU"/>
               <a:t>Mintaszöveg szerkesztése</a:t>
             </a:r>
           </a:p>
           <a:p>
             <a:pPr lvl="1"/>
             <a:r>
-              <a:rPr lang="hu-HU" smtClean="0"/>
+              <a:rPr lang="hu-HU"/>
               <a:t>Második szint</a:t>
             </a:r>
           </a:p>
           <a:p>
             <a:pPr lvl="2"/>
             <a:r>
-              <a:rPr lang="hu-HU" smtClean="0"/>
+              <a:rPr lang="hu-HU"/>
               <a:t>Harmadik szint</a:t>
             </a:r>
           </a:p>
           <a:p>
             <a:pPr lvl="3"/>
             <a:r>
-              <a:rPr lang="hu-HU" smtClean="0"/>
+              <a:rPr lang="hu-HU"/>
               <a:t>Negyedik szint</a:t>
             </a:r>
           </a:p>
           <a:p>
             <a:pPr lvl="4"/>
             <a:r>
-              <a:rPr lang="hu-HU" smtClean="0"/>
+              <a:rPr lang="hu-HU"/>
               <a:t>Ötödik szint</a:t>
             </a:r>
             <a:endParaRPr lang="en-US" dirty="0"/>
@@ -1991,35 +1963,35 @@
           <a:p>
             <a:pPr lvl="0"/>
             <a:r>
-              <a:rPr lang="hu-HU" smtClean="0"/>
+              <a:rPr lang="hu-HU"/>
               <a:t>Mintaszöveg szerkesztése</a:t>
             </a:r>
           </a:p>
           <a:p>
             <a:pPr lvl="1"/>
             <a:r>
-              <a:rPr lang="hu-HU" smtClean="0"/>
+              <a:rPr lang="hu-HU"/>
               <a:t>Második szint</a:t>
             </a:r>
           </a:p>
           <a:p>
             <a:pPr lvl="2"/>
             <a:r>
-              <a:rPr lang="hu-HU" smtClean="0"/>
+              <a:rPr lang="hu-HU"/>
               <a:t>Harmadik szint</a:t>
             </a:r>
           </a:p>
           <a:p>
             <a:pPr lvl="3"/>
             <a:r>
-              <a:rPr lang="hu-HU" smtClean="0"/>
+              <a:rPr lang="hu-HU"/>
               <a:t>Negyedik szint</a:t>
             </a:r>
           </a:p>
           <a:p>
             <a:pPr lvl="4"/>
             <a:r>
-              <a:rPr lang="hu-HU" smtClean="0"/>
+              <a:rPr lang="hu-HU"/>
               <a:t>Ötödik szint</a:t>
             </a:r>
             <a:endParaRPr lang="en-US" dirty="0"/>
@@ -2043,7 +2015,7 @@
           <a:p>
             <a:fld id="{342A6DF3-9923-4C9E-B5CF-2760C80C9AAE}" type="datetime1">
               <a:rPr lang="hu-HU" smtClean="0"/>
-              <a:t>2018. 04. 15.</a:t>
+              <a:t>2018. 04. 16.</a:t>
             </a:fld>
             <a:endParaRPr lang="hu-HU"/>
           </a:p>
@@ -2101,13 +2073,6 @@
   <p:clrMapOvr>
     <a:masterClrMapping/>
   </p:clrMapOvr>
-  <p:timing>
-    <p:tnLst>
-      <p:par>
-        <p:cTn id="1" dur="indefinite" restart="never" nodeType="tmRoot"/>
-      </p:par>
-    </p:tnLst>
-  </p:timing>
   <p:extLst>
     <p:ext uri="{DCECCB84-F9BA-43D5-87BE-67443E8EF086}">
       <p15:sldGuideLst xmlns:p15="http://schemas.microsoft.com/office/powerpoint/2012/main"/>
@@ -2154,7 +2119,7 @@
           <a:lstStyle/>
           <a:p>
             <a:r>
-              <a:rPr lang="hu-HU" smtClean="0"/>
+              <a:rPr lang="hu-HU"/>
               <a:t>Mintacím szerkesztése</a:t>
             </a:r>
             <a:endParaRPr lang="en-US" dirty="0"/>
@@ -2226,7 +2191,7 @@
           <a:p>
             <a:pPr lvl="0"/>
             <a:r>
-              <a:rPr lang="hu-HU" smtClean="0"/>
+              <a:rPr lang="hu-HU"/>
               <a:t>Mintaszöveg szerkesztése</a:t>
             </a:r>
           </a:p>
@@ -2254,35 +2219,35 @@
           <a:p>
             <a:pPr lvl="0"/>
             <a:r>
-              <a:rPr lang="hu-HU" smtClean="0"/>
+              <a:rPr lang="hu-HU"/>
               <a:t>Mintaszöveg szerkesztése</a:t>
             </a:r>
           </a:p>
           <a:p>
             <a:pPr lvl="1"/>
             <a:r>
-              <a:rPr lang="hu-HU" smtClean="0"/>
+              <a:rPr lang="hu-HU"/>
               <a:t>Második szint</a:t>
             </a:r>
           </a:p>
           <a:p>
             <a:pPr lvl="2"/>
             <a:r>
-              <a:rPr lang="hu-HU" smtClean="0"/>
+              <a:rPr lang="hu-HU"/>
               <a:t>Harmadik szint</a:t>
             </a:r>
           </a:p>
           <a:p>
             <a:pPr lvl="3"/>
             <a:r>
-              <a:rPr lang="hu-HU" smtClean="0"/>
+              <a:rPr lang="hu-HU"/>
               <a:t>Negyedik szint</a:t>
             </a:r>
           </a:p>
           <a:p>
             <a:pPr lvl="4"/>
             <a:r>
-              <a:rPr lang="hu-HU" smtClean="0"/>
+              <a:rPr lang="hu-HU"/>
               <a:t>Ötödik szint</a:t>
             </a:r>
             <a:endParaRPr lang="en-US" dirty="0"/>
@@ -2354,7 +2319,7 @@
           <a:p>
             <a:pPr lvl="0"/>
             <a:r>
-              <a:rPr lang="hu-HU" smtClean="0"/>
+              <a:rPr lang="hu-HU"/>
               <a:t>Mintaszöveg szerkesztése</a:t>
             </a:r>
           </a:p>
@@ -2382,35 +2347,35 @@
           <a:p>
             <a:pPr lvl="0"/>
             <a:r>
-              <a:rPr lang="hu-HU" smtClean="0"/>
+              <a:rPr lang="hu-HU"/>
               <a:t>Mintaszöveg szerkesztése</a:t>
             </a:r>
           </a:p>
           <a:p>
             <a:pPr lvl="1"/>
             <a:r>
-              <a:rPr lang="hu-HU" smtClean="0"/>
+              <a:rPr lang="hu-HU"/>
               <a:t>Második szint</a:t>
             </a:r>
           </a:p>
           <a:p>
             <a:pPr lvl="2"/>
             <a:r>
-              <a:rPr lang="hu-HU" smtClean="0"/>
+              <a:rPr lang="hu-HU"/>
               <a:t>Harmadik szint</a:t>
             </a:r>
           </a:p>
           <a:p>
             <a:pPr lvl="3"/>
             <a:r>
-              <a:rPr lang="hu-HU" smtClean="0"/>
+              <a:rPr lang="hu-HU"/>
               <a:t>Negyedik szint</a:t>
             </a:r>
           </a:p>
           <a:p>
             <a:pPr lvl="4"/>
             <a:r>
-              <a:rPr lang="hu-HU" smtClean="0"/>
+              <a:rPr lang="hu-HU"/>
               <a:t>Ötödik szint</a:t>
             </a:r>
             <a:endParaRPr lang="en-US" dirty="0"/>
@@ -2434,7 +2399,7 @@
           <a:p>
             <a:fld id="{CCB70A02-F1D2-4B6F-A5C9-21ECF68D20F7}" type="datetime1">
               <a:rPr lang="hu-HU" smtClean="0"/>
-              <a:t>2018. 04. 15.</a:t>
+              <a:t>2018. 04. 16.</a:t>
             </a:fld>
             <a:endParaRPr lang="hu-HU"/>
           </a:p>
@@ -2492,13 +2457,6 @@
   <p:clrMapOvr>
     <a:masterClrMapping/>
   </p:clrMapOvr>
-  <p:timing>
-    <p:tnLst>
-      <p:par>
-        <p:cTn id="1" dur="indefinite" restart="never" nodeType="tmRoot"/>
-      </p:par>
-    </p:tnLst>
-  </p:timing>
   <p:extLst>
     <p:ext uri="{DCECCB84-F9BA-43D5-87BE-67443E8EF086}">
       <p15:sldGuideLst xmlns:p15="http://schemas.microsoft.com/office/powerpoint/2012/main"/>
@@ -2540,7 +2498,7 @@
           <a:lstStyle/>
           <a:p>
             <a:r>
-              <a:rPr lang="hu-HU" smtClean="0"/>
+              <a:rPr lang="hu-HU"/>
               <a:t>Mintacím szerkesztése</a:t>
             </a:r>
             <a:endParaRPr lang="en-US" dirty="0"/>
@@ -2564,7 +2522,7 @@
           <a:p>
             <a:fld id="{4B958066-8305-4AEE-AA62-5F8D66DBDEB8}" type="datetime1">
               <a:rPr lang="hu-HU" smtClean="0"/>
-              <a:t>2018. 04. 15.</a:t>
+              <a:t>2018. 04. 16.</a:t>
             </a:fld>
             <a:endParaRPr lang="hu-HU"/>
           </a:p>
@@ -2622,13 +2580,6 @@
   <p:clrMapOvr>
     <a:masterClrMapping/>
   </p:clrMapOvr>
-  <p:timing>
-    <p:tnLst>
-      <p:par>
-        <p:cTn id="1" dur="indefinite" restart="never" nodeType="tmRoot"/>
-      </p:par>
-    </p:tnLst>
-  </p:timing>
 </p:sldLayout>
 </file>
 
@@ -2733,7 +2684,7 @@
           <a:p>
             <a:fld id="{837CA921-3F6C-4D1B-845A-272145B802A9}" type="datetime1">
               <a:rPr lang="hu-HU" smtClean="0"/>
-              <a:t>2018. 04. 15.</a:t>
+              <a:t>2018. 04. 16.</a:t>
             </a:fld>
             <a:endParaRPr lang="hu-HU"/>
           </a:p>
@@ -2904,13 +2855,6 @@
   <p:clrMapOvr>
     <a:masterClrMapping/>
   </p:clrMapOvr>
-  <p:timing>
-    <p:tnLst>
-      <p:par>
-        <p:cTn id="1" dur="indefinite" restart="never" nodeType="tmRoot"/>
-      </p:par>
-    </p:tnLst>
-  </p:timing>
 </p:sldLayout>
 </file>
 
@@ -3038,7 +2982,7 @@
           </a:lstStyle>
           <a:p>
             <a:r>
-              <a:rPr lang="hu-HU" smtClean="0"/>
+              <a:rPr lang="hu-HU"/>
               <a:t>Mintacím szerkesztése</a:t>
             </a:r>
             <a:endParaRPr lang="en-US" dirty="0"/>
@@ -3067,35 +3011,35 @@
           <a:p>
             <a:pPr lvl="0"/>
             <a:r>
-              <a:rPr lang="hu-HU" smtClean="0"/>
+              <a:rPr lang="hu-HU"/>
               <a:t>Mintaszöveg szerkesztése</a:t>
             </a:r>
           </a:p>
           <a:p>
             <a:pPr lvl="1"/>
             <a:r>
-              <a:rPr lang="hu-HU" smtClean="0"/>
+              <a:rPr lang="hu-HU"/>
               <a:t>Második szint</a:t>
             </a:r>
           </a:p>
           <a:p>
             <a:pPr lvl="2"/>
             <a:r>
-              <a:rPr lang="hu-HU" smtClean="0"/>
+              <a:rPr lang="hu-HU"/>
               <a:t>Harmadik szint</a:t>
             </a:r>
           </a:p>
           <a:p>
             <a:pPr lvl="3"/>
             <a:r>
-              <a:rPr lang="hu-HU" smtClean="0"/>
+              <a:rPr lang="hu-HU"/>
               <a:t>Negyedik szint</a:t>
             </a:r>
           </a:p>
           <a:p>
             <a:pPr lvl="4"/>
             <a:r>
-              <a:rPr lang="hu-HU" smtClean="0"/>
+              <a:rPr lang="hu-HU"/>
               <a:t>Ötödik szint</a:t>
             </a:r>
             <a:endParaRPr lang="en-US" dirty="0"/>
@@ -3167,7 +3111,7 @@
           <a:p>
             <a:pPr lvl="0"/>
             <a:r>
-              <a:rPr lang="hu-HU" smtClean="0"/>
+              <a:rPr lang="hu-HU"/>
               <a:t>Mintaszöveg szerkesztése</a:t>
             </a:r>
           </a:p>
@@ -3199,7 +3143,7 @@
           <a:p>
             <a:fld id="{69BB093D-7842-40CD-B34D-93DEC9DF4129}" type="datetime1">
               <a:rPr lang="hu-HU" smtClean="0"/>
-              <a:t>2018. 04. 15.</a:t>
+              <a:t>2018. 04. 16.</a:t>
             </a:fld>
             <a:endParaRPr lang="hu-HU"/>
           </a:p>
@@ -3410,7 +3354,7 @@
           </a:lstStyle>
           <a:p>
             <a:r>
-              <a:rPr lang="hu-HU" smtClean="0"/>
+              <a:rPr lang="hu-HU"/>
               <a:t>Mintacím szerkesztése</a:t>
             </a:r>
             <a:endParaRPr lang="en-US" dirty="0"/>
@@ -3485,7 +3429,7 @@
           </a:lstStyle>
           <a:p>
             <a:r>
-              <a:rPr lang="hu-HU" smtClean="0"/>
+              <a:rPr lang="hu-HU"/>
               <a:t>Kép beszúrásához kattintson az ikonra</a:t>
             </a:r>
             <a:endParaRPr lang="en-US" dirty="0"/>
@@ -3563,7 +3507,7 @@
           <a:p>
             <a:pPr lvl="0"/>
             <a:r>
-              <a:rPr lang="hu-HU" smtClean="0"/>
+              <a:rPr lang="hu-HU"/>
               <a:t>Mintaszöveg szerkesztése</a:t>
             </a:r>
           </a:p>
@@ -3586,7 +3530,7 @@
           <a:p>
             <a:fld id="{FC4EE55C-E42C-44F1-898C-4145C2FBF83B}" type="datetime1">
               <a:rPr lang="hu-HU" smtClean="0"/>
-              <a:t>2018. 04. 15.</a:t>
+              <a:t>2018. 04. 16.</a:t>
             </a:fld>
             <a:endParaRPr lang="hu-HU"/>
           </a:p>
@@ -3838,7 +3782,7 @@
           <a:lstStyle/>
           <a:p>
             <a:r>
-              <a:rPr lang="hu-HU" dirty="0" smtClean="0"/>
+              <a:rPr lang="hu-HU" dirty="0"/>
               <a:t>Mintacím szerkesztése</a:t>
             </a:r>
             <a:endParaRPr lang="en-US" dirty="0"/>
@@ -3872,35 +3816,35 @@
           <a:p>
             <a:pPr lvl="0"/>
             <a:r>
-              <a:rPr lang="hu-HU" smtClean="0"/>
+              <a:rPr lang="hu-HU"/>
               <a:t>Mintaszöveg szerkesztése</a:t>
             </a:r>
           </a:p>
           <a:p>
             <a:pPr lvl="1"/>
             <a:r>
-              <a:rPr lang="hu-HU" smtClean="0"/>
+              <a:rPr lang="hu-HU"/>
               <a:t>Második szint</a:t>
             </a:r>
           </a:p>
           <a:p>
             <a:pPr lvl="2"/>
             <a:r>
-              <a:rPr lang="hu-HU" smtClean="0"/>
+              <a:rPr lang="hu-HU"/>
               <a:t>Harmadik szint</a:t>
             </a:r>
           </a:p>
           <a:p>
             <a:pPr lvl="3"/>
             <a:r>
-              <a:rPr lang="hu-HU" smtClean="0"/>
+              <a:rPr lang="hu-HU"/>
               <a:t>Negyedik szint</a:t>
             </a:r>
           </a:p>
           <a:p>
             <a:pPr lvl="4"/>
             <a:r>
-              <a:rPr lang="hu-HU" smtClean="0"/>
+              <a:rPr lang="hu-HU"/>
               <a:t>Ötödik szint</a:t>
             </a:r>
             <a:endParaRPr lang="en-US" dirty="0"/>
@@ -3940,7 +3884,7 @@
           <a:p>
             <a:fld id="{D6FEAC61-D054-47B6-B1A3-F182E84601BD}" type="datetime1">
               <a:rPr lang="hu-HU" smtClean="0"/>
-              <a:t>2018. 04. 15.</a:t>
+              <a:t>2018. 04. 16.</a:t>
             </a:fld>
             <a:endParaRPr lang="hu-HU"/>
           </a:p>
@@ -4018,10 +3962,9 @@
               <a:t>‹#›</a:t>
             </a:fld>
             <a:r>
-              <a:rPr lang="hu-HU" dirty="0" smtClean="0"/>
+              <a:rPr lang="hu-HU" dirty="0"/>
               <a:t>/15</a:t>
             </a:r>
-            <a:endParaRPr lang="hu-HU" dirty="0"/>
           </a:p>
         </p:txBody>
       </p:sp>
@@ -4075,13 +4018,6 @@
     <p:sldLayoutId id="2147483865" r:id="rId10"/>
     <p:sldLayoutId id="2147483866" r:id="rId11"/>
   </p:sldLayoutIdLst>
-  <p:timing>
-    <p:tnLst>
-      <p:par>
-        <p:cTn id="1" dur="indefinite" restart="never" nodeType="tmRoot"/>
-      </p:par>
-    </p:tnLst>
-  </p:timing>
   <p:hf hdr="0" ftr="0" dt="0"/>
   <p:txStyles>
     <p:titleStyle>
@@ -4475,7 +4411,7 @@
           <p:cNvPr id="2" name="Cím 1">
             <a:extLst>
               <a:ext uri="{FF2B5EF4-FFF2-40B4-BE49-F238E27FC236}">
-                <a16:creationId xmlns:a16="http://schemas.microsoft.com/office/drawing/2014/main" xmlns="" id="{7EBC0285-A2BD-4B16-99D1-07781D59B075}"/>
+                <a16:creationId xmlns:a16="http://schemas.microsoft.com/office/drawing/2014/main" id="{7EBC0285-A2BD-4B16-99D1-07781D59B075}"/>
               </a:ext>
             </a:extLst>
           </p:cNvPr>
@@ -4513,7 +4449,7 @@
           <p:cNvPr id="3" name="Alcím 2">
             <a:extLst>
               <a:ext uri="{FF2B5EF4-FFF2-40B4-BE49-F238E27FC236}">
-                <a16:creationId xmlns:a16="http://schemas.microsoft.com/office/drawing/2014/main" xmlns="" id="{7DB2DDC9-0531-433E-AE33-F07B4E9C5077}"/>
+                <a16:creationId xmlns:a16="http://schemas.microsoft.com/office/drawing/2014/main" id="{7DB2DDC9-0531-433E-AE33-F07B4E9C5077}"/>
               </a:ext>
             </a:extLst>
           </p:cNvPr>
@@ -4551,17 +4487,8 @@
               <a:rPr lang="hu-HU" sz="2000" b="1" spc="0" dirty="0">
                 <a:latin typeface="+mn-lt"/>
               </a:rPr>
-              <a:t>Papp Ádám, Sós </a:t>
-            </a:r>
-            <a:r>
-              <a:rPr lang="hu-HU" sz="2000" b="1" spc="0" dirty="0" smtClean="0">
-                <a:latin typeface="+mn-lt"/>
-              </a:rPr>
-              <a:t>Nikolett</a:t>
-            </a:r>
-            <a:endParaRPr lang="hu-HU" sz="2000" b="1" spc="0" dirty="0">
-              <a:latin typeface="+mn-lt"/>
-            </a:endParaRPr>
+              <a:t>Papp Ádám, Sós Nikolett</a:t>
+            </a:r>
           </a:p>
           <a:p>
             <a:pPr algn="ctr">
@@ -4598,13 +4525,7 @@
               <a:rPr lang="hu-HU" sz="2000" spc="0" dirty="0">
                 <a:latin typeface="+mn-lt"/>
               </a:rPr>
-              <a:t>Témavezető: Ősz </a:t>
-            </a:r>
-            <a:r>
-              <a:rPr lang="hu-HU" sz="2000" spc="0" dirty="0" smtClean="0">
-                <a:latin typeface="+mn-lt"/>
-              </a:rPr>
-              <a:t>Olivér</a:t>
+              <a:t>Témavezető: Ősz Olivér</a:t>
             </a:r>
           </a:p>
           <a:p>
@@ -4613,7 +4534,7 @@
                 <a:spcPts val="1400"/>
               </a:lnSpc>
             </a:pPr>
-            <a:endParaRPr lang="hu-HU" sz="2000" spc="0" dirty="0" smtClean="0">
+            <a:endParaRPr lang="hu-HU" sz="2000" spc="0" dirty="0">
               <a:latin typeface="+mn-lt"/>
             </a:endParaRPr>
           </a:p>
@@ -4624,22 +4545,10 @@
               </a:lnSpc>
             </a:pPr>
             <a:r>
-              <a:rPr lang="hu-HU" sz="2000" spc="0" dirty="0" smtClean="0">
-                <a:latin typeface="+mn-lt"/>
-              </a:rPr>
-              <a:t>Széchenyi </a:t>
-            </a:r>
-            <a:r>
               <a:rPr lang="hu-HU" sz="2000" spc="0" dirty="0">
                 <a:latin typeface="+mn-lt"/>
               </a:rPr>
-              <a:t>István Egyetem, </a:t>
-            </a:r>
-            <a:r>
-              <a:rPr lang="hu-HU" sz="2000" spc="0" dirty="0" smtClean="0">
-                <a:latin typeface="+mn-lt"/>
-              </a:rPr>
-              <a:t>GIVK</a:t>
+              <a:t>Széchenyi István Egyetem, GIVK</a:t>
             </a:r>
           </a:p>
           <a:p>
@@ -4649,16 +4558,10 @@
               </a:lnSpc>
             </a:pPr>
             <a:r>
-              <a:rPr lang="hu-HU" sz="2000" spc="0" dirty="0" smtClean="0">
-                <a:latin typeface="+mn-lt"/>
-              </a:rPr>
-              <a:t>Informatika </a:t>
-            </a:r>
-            <a:r>
               <a:rPr lang="hu-HU" sz="2000" spc="0" dirty="0">
                 <a:latin typeface="+mn-lt"/>
               </a:rPr>
-              <a:t>Tanszék</a:t>
+              <a:t>Informatika Tanszék</a:t>
             </a:r>
           </a:p>
           <a:p>
@@ -4709,13 +4612,6 @@
   <p:clrMapOvr>
     <a:masterClrMapping/>
   </p:clrMapOvr>
-  <p:timing>
-    <p:tnLst>
-      <p:par>
-        <p:cTn id="1" dur="indefinite" restart="never" nodeType="tmRoot"/>
-      </p:par>
-    </p:tnLst>
-  </p:timing>
 </p:sld>
 </file>
 
@@ -4741,7 +4637,7 @@
           <p:cNvPr id="2" name="Cím 1">
             <a:extLst>
               <a:ext uri="{FF2B5EF4-FFF2-40B4-BE49-F238E27FC236}">
-                <a16:creationId xmlns:a16="http://schemas.microsoft.com/office/drawing/2014/main" xmlns="" id="{09411F1E-27C1-4AE8-AE32-00B88150B9E2}"/>
+                <a16:creationId xmlns:a16="http://schemas.microsoft.com/office/drawing/2014/main" id="{09411F1E-27C1-4AE8-AE32-00B88150B9E2}"/>
               </a:ext>
             </a:extLst>
           </p:cNvPr>
@@ -4777,7 +4673,7 @@
           <p:cNvPr id="4" name="Dia számának helye 3">
             <a:extLst>
               <a:ext uri="{FF2B5EF4-FFF2-40B4-BE49-F238E27FC236}">
-                <a16:creationId xmlns:a16="http://schemas.microsoft.com/office/drawing/2014/main" xmlns="" id="{A0A56984-CD4E-4AFC-B636-2467537DA82C}"/>
+                <a16:creationId xmlns:a16="http://schemas.microsoft.com/office/drawing/2014/main" id="{A0A56984-CD4E-4AFC-B636-2467537DA82C}"/>
               </a:ext>
             </a:extLst>
           </p:cNvPr>
@@ -4806,7 +4702,7 @@
           <p:cNvPr id="3" name="Szövegdoboz 2">
             <a:extLst>
               <a:ext uri="{FF2B5EF4-FFF2-40B4-BE49-F238E27FC236}">
-                <a16:creationId xmlns:a16="http://schemas.microsoft.com/office/drawing/2014/main" xmlns="" id="{4DE43672-6366-462F-BC64-FD398B28F1E0}"/>
+                <a16:creationId xmlns:a16="http://schemas.microsoft.com/office/drawing/2014/main" id="{4DE43672-6366-462F-BC64-FD398B28F1E0}"/>
               </a:ext>
             </a:extLst>
           </p:cNvPr>
@@ -4836,7 +4732,7 @@
             </a:pPr>
             <a:r>
               <a:rPr lang="hu-HU" sz="2400" dirty="0"/>
-              <a:t>Einstein egyik logikai feladványa</a:t>
+              <a:t>Einsteinnek tulajdonított logikai feladvány</a:t>
             </a:r>
           </a:p>
           <a:p>
@@ -4890,7 +4786,7 @@
           <p:cNvPr id="6" name="Kép 5">
             <a:extLst>
               <a:ext uri="{FF2B5EF4-FFF2-40B4-BE49-F238E27FC236}">
-                <a16:creationId xmlns:a16="http://schemas.microsoft.com/office/drawing/2014/main" xmlns="" id="{B507115D-936F-4E1D-B372-6A80D2FC9368}"/>
+                <a16:creationId xmlns:a16="http://schemas.microsoft.com/office/drawing/2014/main" id="{B507115D-936F-4E1D-B372-6A80D2FC9368}"/>
               </a:ext>
             </a:extLst>
           </p:cNvPr>
@@ -4931,13 +4827,6 @@
   <p:clrMapOvr>
     <a:masterClrMapping/>
   </p:clrMapOvr>
-  <p:timing>
-    <p:tnLst>
-      <p:par>
-        <p:cTn id="1" dur="indefinite" restart="never" nodeType="tmRoot"/>
-      </p:par>
-    </p:tnLst>
-  </p:timing>
 </p:sld>
 </file>
 
@@ -4963,7 +4852,7 @@
           <p:cNvPr id="2" name="Cím 1">
             <a:extLst>
               <a:ext uri="{FF2B5EF4-FFF2-40B4-BE49-F238E27FC236}">
-                <a16:creationId xmlns:a16="http://schemas.microsoft.com/office/drawing/2014/main" xmlns="" id="{09411F1E-27C1-4AE8-AE32-00B88150B9E2}"/>
+                <a16:creationId xmlns:a16="http://schemas.microsoft.com/office/drawing/2014/main" id="{09411F1E-27C1-4AE8-AE32-00B88150B9E2}"/>
               </a:ext>
             </a:extLst>
           </p:cNvPr>
@@ -5004,7 +4893,7 @@
           <p:cNvPr id="4" name="Dia számának helye 3">
             <a:extLst>
               <a:ext uri="{FF2B5EF4-FFF2-40B4-BE49-F238E27FC236}">
-                <a16:creationId xmlns:a16="http://schemas.microsoft.com/office/drawing/2014/main" xmlns="" id="{A0A56984-CD4E-4AFC-B636-2467537DA82C}"/>
+                <a16:creationId xmlns:a16="http://schemas.microsoft.com/office/drawing/2014/main" id="{A0A56984-CD4E-4AFC-B636-2467537DA82C}"/>
               </a:ext>
             </a:extLst>
           </p:cNvPr>
@@ -5033,7 +4922,7 @@
           <p:cNvPr id="8" name="Kép 7">
             <a:extLst>
               <a:ext uri="{FF2B5EF4-FFF2-40B4-BE49-F238E27FC236}">
-                <a16:creationId xmlns:a16="http://schemas.microsoft.com/office/drawing/2014/main" xmlns="" id="{7EFA0B0D-2D29-475A-BC6F-B7654AD6247E}"/>
+                <a16:creationId xmlns:a16="http://schemas.microsoft.com/office/drawing/2014/main" id="{7EFA0B0D-2D29-475A-BC6F-B7654AD6247E}"/>
               </a:ext>
             </a:extLst>
           </p:cNvPr>
@@ -5069,7 +4958,7 @@
           <p:cNvPr id="5" name="Kép 4">
             <a:extLst>
               <a:ext uri="{FF2B5EF4-FFF2-40B4-BE49-F238E27FC236}">
-                <a16:creationId xmlns:a16="http://schemas.microsoft.com/office/drawing/2014/main" xmlns="" id="{006E9B15-E836-47EB-A212-30BFB95903FA}"/>
+                <a16:creationId xmlns:a16="http://schemas.microsoft.com/office/drawing/2014/main" id="{006E9B15-E836-47EB-A212-30BFB95903FA}"/>
               </a:ext>
             </a:extLst>
           </p:cNvPr>
@@ -5092,7 +4981,7 @@
         </p:blipFill>
         <p:spPr>
           <a:xfrm>
-            <a:off x="974861" y="4735768"/>
+            <a:off x="900234" y="4545666"/>
             <a:ext cx="6133956" cy="995368"/>
           </a:xfrm>
           <a:prstGeom prst="rect">
@@ -5105,7 +4994,7 @@
           <p:cNvPr id="10" name="Szövegdoboz 2">
             <a:extLst>
               <a:ext uri="{FF2B5EF4-FFF2-40B4-BE49-F238E27FC236}">
-                <a16:creationId xmlns:a16="http://schemas.microsoft.com/office/drawing/2014/main" xmlns="" id="{39841D13-B0B8-4DA2-A5A2-95125A497738}"/>
+                <a16:creationId xmlns:a16="http://schemas.microsoft.com/office/drawing/2014/main" id="{39841D13-B0B8-4DA2-A5A2-95125A497738}"/>
               </a:ext>
             </a:extLst>
           </p:cNvPr>
@@ -5304,7 +5193,7 @@
           <p:cNvPr id="11" name="Szövegdoboz 2">
             <a:extLst>
               <a:ext uri="{FF2B5EF4-FFF2-40B4-BE49-F238E27FC236}">
-                <a16:creationId xmlns:a16="http://schemas.microsoft.com/office/drawing/2014/main" xmlns="" id="{86F25DC7-8728-4838-B077-B40E9AE2E358}"/>
+                <a16:creationId xmlns:a16="http://schemas.microsoft.com/office/drawing/2014/main" id="{86F25DC7-8728-4838-B077-B40E9AE2E358}"/>
               </a:ext>
             </a:extLst>
           </p:cNvPr>
@@ -5315,7 +5204,7 @@
         </p:nvSpPr>
         <p:spPr bwMode="auto">
           <a:xfrm>
-            <a:off x="900234" y="5648742"/>
+            <a:off x="900234" y="5541034"/>
             <a:ext cx="6208583" cy="877741"/>
           </a:xfrm>
           <a:prstGeom prst="rect">
@@ -5487,7 +5376,7 @@
           <p:cNvPr id="13" name="Szövegdoboz 12">
             <a:extLst>
               <a:ext uri="{FF2B5EF4-FFF2-40B4-BE49-F238E27FC236}">
-                <a16:creationId xmlns:a16="http://schemas.microsoft.com/office/drawing/2014/main" xmlns="" id="{0577F7CD-9049-455E-B1B2-6AEAADE49D6A}"/>
+                <a16:creationId xmlns:a16="http://schemas.microsoft.com/office/drawing/2014/main" id="{0577F7CD-9049-455E-B1B2-6AEAADE49D6A}"/>
               </a:ext>
             </a:extLst>
           </p:cNvPr>
@@ -5496,7 +5385,7 @@
         </p:nvSpPr>
         <p:spPr>
           <a:xfrm>
-            <a:off x="187807" y="4293583"/>
+            <a:off x="187807" y="4084001"/>
             <a:ext cx="4690946" cy="461665"/>
           </a:xfrm>
           <a:prstGeom prst="rect">
@@ -5526,7 +5415,7 @@
           <p:cNvPr id="14" name="Szövegdoboz 13">
             <a:extLst>
               <a:ext uri="{FF2B5EF4-FFF2-40B4-BE49-F238E27FC236}">
-                <a16:creationId xmlns:a16="http://schemas.microsoft.com/office/drawing/2014/main" xmlns="" id="{9FA03E7D-BC57-4837-88E1-401F7D3D114C}"/>
+                <a16:creationId xmlns:a16="http://schemas.microsoft.com/office/drawing/2014/main" id="{9FA03E7D-BC57-4837-88E1-401F7D3D114C}"/>
               </a:ext>
             </a:extLst>
           </p:cNvPr>
@@ -5535,8 +5424,8 @@
         </p:nvSpPr>
         <p:spPr>
           <a:xfrm>
-            <a:off x="187807" y="1009431"/>
-            <a:ext cx="4690946" cy="1200329"/>
+            <a:off x="187807" y="1191895"/>
+            <a:ext cx="4690946" cy="984885"/>
           </a:xfrm>
           <a:prstGeom prst="rect">
             <a:avLst/>
@@ -5549,13 +5438,15 @@
           </a:bodyPr>
           <a:lstStyle/>
           <a:p>
+            <a:pPr>
+              <a:spcAft>
+                <a:spcPts val="1200"/>
+              </a:spcAft>
+            </a:pPr>
             <a:r>
               <a:rPr lang="hu-HU" sz="2400" dirty="0"/>
               <a:t>Több módszer is alkalmazva lett:</a:t>
             </a:r>
-          </a:p>
-          <a:p>
-            <a:endParaRPr lang="hu-HU" sz="2400" dirty="0"/>
           </a:p>
           <a:p>
             <a:pPr marL="342900" indent="-342900">
@@ -5587,13 +5478,6 @@
   <p:clrMapOvr>
     <a:masterClrMapping/>
   </p:clrMapOvr>
-  <p:timing>
-    <p:tnLst>
-      <p:par>
-        <p:cTn id="1" dur="indefinite" restart="never" nodeType="tmRoot"/>
-      </p:par>
-    </p:tnLst>
-  </p:timing>
 </p:sld>
 </file>
 
@@ -5619,7 +5503,7 @@
           <p:cNvPr id="2" name="Cím 1">
             <a:extLst>
               <a:ext uri="{FF2B5EF4-FFF2-40B4-BE49-F238E27FC236}">
-                <a16:creationId xmlns:a16="http://schemas.microsoft.com/office/drawing/2014/main" xmlns="" id="{09411F1E-27C1-4AE8-AE32-00B88150B9E2}"/>
+                <a16:creationId xmlns:a16="http://schemas.microsoft.com/office/drawing/2014/main" id="{09411F1E-27C1-4AE8-AE32-00B88150B9E2}"/>
               </a:ext>
             </a:extLst>
           </p:cNvPr>
@@ -5660,7 +5544,7 @@
           <p:cNvPr id="4" name="Dia számának helye 3">
             <a:extLst>
               <a:ext uri="{FF2B5EF4-FFF2-40B4-BE49-F238E27FC236}">
-                <a16:creationId xmlns:a16="http://schemas.microsoft.com/office/drawing/2014/main" xmlns="" id="{A0A56984-CD4E-4AFC-B636-2467537DA82C}"/>
+                <a16:creationId xmlns:a16="http://schemas.microsoft.com/office/drawing/2014/main" id="{A0A56984-CD4E-4AFC-B636-2467537DA82C}"/>
               </a:ext>
             </a:extLst>
           </p:cNvPr>
@@ -5689,7 +5573,7 @@
           <p:cNvPr id="3" name="Szövegdoboz 2">
             <a:extLst>
               <a:ext uri="{FF2B5EF4-FFF2-40B4-BE49-F238E27FC236}">
-                <a16:creationId xmlns:a16="http://schemas.microsoft.com/office/drawing/2014/main" xmlns="" id="{4DE43672-6366-462F-BC64-FD398B28F1E0}"/>
+                <a16:creationId xmlns:a16="http://schemas.microsoft.com/office/drawing/2014/main" id="{4DE43672-6366-462F-BC64-FD398B28F1E0}"/>
               </a:ext>
             </a:extLst>
           </p:cNvPr>
@@ -5776,7 +5660,7 @@
           <p:cNvPr id="8" name="Kép 7">
             <a:extLst>
               <a:ext uri="{FF2B5EF4-FFF2-40B4-BE49-F238E27FC236}">
-                <a16:creationId xmlns:a16="http://schemas.microsoft.com/office/drawing/2014/main" xmlns="" id="{C05E58D7-36C5-4C65-9FE0-11FA11CBC560}"/>
+                <a16:creationId xmlns:a16="http://schemas.microsoft.com/office/drawing/2014/main" id="{C05E58D7-36C5-4C65-9FE0-11FA11CBC560}"/>
               </a:ext>
             </a:extLst>
           </p:cNvPr>
@@ -5812,7 +5696,7 @@
           <p:cNvPr id="11" name="Kép 10">
             <a:extLst>
               <a:ext uri="{FF2B5EF4-FFF2-40B4-BE49-F238E27FC236}">
-                <a16:creationId xmlns:a16="http://schemas.microsoft.com/office/drawing/2014/main" xmlns="" id="{FC2E7B0D-741C-4FBE-8BF7-2119A781BFDA}"/>
+                <a16:creationId xmlns:a16="http://schemas.microsoft.com/office/drawing/2014/main" id="{FC2E7B0D-741C-4FBE-8BF7-2119A781BFDA}"/>
               </a:ext>
             </a:extLst>
           </p:cNvPr>
@@ -5848,7 +5732,7 @@
           <p:cNvPr id="5" name="Kép 4">
             <a:extLst>
               <a:ext uri="{FF2B5EF4-FFF2-40B4-BE49-F238E27FC236}">
-                <a16:creationId xmlns:a16="http://schemas.microsoft.com/office/drawing/2014/main" xmlns="" id="{1E09BCFB-52F6-4686-A2F2-D94706ED3294}"/>
+                <a16:creationId xmlns:a16="http://schemas.microsoft.com/office/drawing/2014/main" id="{1E09BCFB-52F6-4686-A2F2-D94706ED3294}"/>
               </a:ext>
             </a:extLst>
           </p:cNvPr>
@@ -5882,13 +5766,6 @@
   <p:clrMapOvr>
     <a:masterClrMapping/>
   </p:clrMapOvr>
-  <p:timing>
-    <p:tnLst>
-      <p:par>
-        <p:cTn id="1" dur="indefinite" restart="never" nodeType="tmRoot"/>
-      </p:par>
-    </p:tnLst>
-  </p:timing>
 </p:sld>
 </file>
 
@@ -5914,7 +5791,7 @@
           <p:cNvPr id="2" name="Cím 1">
             <a:extLst>
               <a:ext uri="{FF2B5EF4-FFF2-40B4-BE49-F238E27FC236}">
-                <a16:creationId xmlns:a16="http://schemas.microsoft.com/office/drawing/2014/main" xmlns="" id="{DCCECEDE-C074-41DA-84C8-BDCA2FDBD582}"/>
+                <a16:creationId xmlns:a16="http://schemas.microsoft.com/office/drawing/2014/main" id="{DCCECEDE-C074-41DA-84C8-BDCA2FDBD582}"/>
               </a:ext>
             </a:extLst>
           </p:cNvPr>
@@ -5946,25 +5823,20 @@
               </a:spcBef>
             </a:pPr>
             <a:r>
-              <a:rPr lang="hu-HU" dirty="0" smtClean="0"/>
+              <a:rPr lang="hu-HU" dirty="0"/>
               <a:t>Teszteredmények III.</a:t>
             </a:r>
             <a:br>
-              <a:rPr lang="hu-HU" dirty="0" smtClean="0"/>
+              <a:rPr lang="hu-HU" dirty="0"/>
             </a:br>
             <a:r>
-              <a:rPr lang="hu-HU" sz="2000" b="1" dirty="0" smtClean="0">
+              <a:rPr lang="hu-HU" sz="2000" b="1" dirty="0">
                 <a:solidFill>
                   <a:schemeClr val="tx1"/>
                 </a:solidFill>
               </a:rPr>
               <a:t>Megoldó verziói - modellek</a:t>
             </a:r>
-            <a:endParaRPr lang="hu-HU" sz="2000" b="1" dirty="0">
-              <a:solidFill>
-                <a:schemeClr val="tx1"/>
-              </a:solidFill>
-            </a:endParaRPr>
           </a:p>
         </p:txBody>
       </p:sp>
@@ -5973,7 +5845,7 @@
           <p:cNvPr id="4" name="Dia számának helye 3">
             <a:extLst>
               <a:ext uri="{FF2B5EF4-FFF2-40B4-BE49-F238E27FC236}">
-                <a16:creationId xmlns:a16="http://schemas.microsoft.com/office/drawing/2014/main" xmlns="" id="{AD8C5EE1-236C-4F83-B6B6-0315500CBF70}"/>
+                <a16:creationId xmlns:a16="http://schemas.microsoft.com/office/drawing/2014/main" id="{AD8C5EE1-236C-4F83-B6B6-0315500CBF70}"/>
               </a:ext>
             </a:extLst>
           </p:cNvPr>
@@ -6037,13 +5909,6 @@
   <p:clrMapOvr>
     <a:masterClrMapping/>
   </p:clrMapOvr>
-  <p:timing>
-    <p:tnLst>
-      <p:par>
-        <p:cTn id="1" dur="indefinite" restart="never" nodeType="tmRoot"/>
-      </p:par>
-    </p:tnLst>
-  </p:timing>
 </p:sld>
 </file>
 
@@ -6069,7 +5934,7 @@
           <p:cNvPr id="7" name="Kép 6">
             <a:extLst>
               <a:ext uri="{FF2B5EF4-FFF2-40B4-BE49-F238E27FC236}">
-                <a16:creationId xmlns:a16="http://schemas.microsoft.com/office/drawing/2014/main" xmlns="" id="{7A0344BB-0EF5-4717-A847-ACC7A7E9F3CC}"/>
+                <a16:creationId xmlns:a16="http://schemas.microsoft.com/office/drawing/2014/main" id="{7A0344BB-0EF5-4717-A847-ACC7A7E9F3CC}"/>
               </a:ext>
             </a:extLst>
           </p:cNvPr>
@@ -6105,7 +5970,7 @@
           <p:cNvPr id="2" name="Cím 1">
             <a:extLst>
               <a:ext uri="{FF2B5EF4-FFF2-40B4-BE49-F238E27FC236}">
-                <a16:creationId xmlns:a16="http://schemas.microsoft.com/office/drawing/2014/main" xmlns="" id="{1D4955D7-34CA-43AC-A84B-A6B413D2A4B3}"/>
+                <a16:creationId xmlns:a16="http://schemas.microsoft.com/office/drawing/2014/main" id="{1D4955D7-34CA-43AC-A84B-A6B413D2A4B3}"/>
               </a:ext>
             </a:extLst>
           </p:cNvPr>
@@ -6138,7 +6003,7 @@
           <p:cNvPr id="4" name="Dia számának helye 3">
             <a:extLst>
               <a:ext uri="{FF2B5EF4-FFF2-40B4-BE49-F238E27FC236}">
-                <a16:creationId xmlns:a16="http://schemas.microsoft.com/office/drawing/2014/main" xmlns="" id="{319D2024-D3CF-486C-8D11-F9F9E4917A04}"/>
+                <a16:creationId xmlns:a16="http://schemas.microsoft.com/office/drawing/2014/main" id="{319D2024-D3CF-486C-8D11-F9F9E4917A04}"/>
               </a:ext>
             </a:extLst>
           </p:cNvPr>
@@ -6167,7 +6032,7 @@
           <p:cNvPr id="5" name="Táblázat 4">
             <a:extLst>
               <a:ext uri="{FF2B5EF4-FFF2-40B4-BE49-F238E27FC236}">
-                <a16:creationId xmlns:a16="http://schemas.microsoft.com/office/drawing/2014/main" xmlns="" id="{8DF57169-8A54-4A75-99CA-62A7430C7F77}"/>
+                <a16:creationId xmlns:a16="http://schemas.microsoft.com/office/drawing/2014/main" id="{8DF57169-8A54-4A75-99CA-62A7430C7F77}"/>
               </a:ext>
             </a:extLst>
           </p:cNvPr>
@@ -6196,28 +6061,28 @@
                 <a:gridCol w="2601951">
                   <a:extLst>
                     <a:ext uri="{9D8B030D-6E8A-4147-A177-3AD203B41FA5}">
-                      <a16:colId xmlns:a16="http://schemas.microsoft.com/office/drawing/2014/main" xmlns="" val="2069922602"/>
+                      <a16:colId xmlns:a16="http://schemas.microsoft.com/office/drawing/2014/main" val="2069922602"/>
                     </a:ext>
                   </a:extLst>
                 </a:gridCol>
                 <a:gridCol w="1721006">
                   <a:extLst>
                     <a:ext uri="{9D8B030D-6E8A-4147-A177-3AD203B41FA5}">
-                      <a16:colId xmlns:a16="http://schemas.microsoft.com/office/drawing/2014/main" xmlns="" val="2732399375"/>
+                      <a16:colId xmlns:a16="http://schemas.microsoft.com/office/drawing/2014/main" val="2732399375"/>
                     </a:ext>
                   </a:extLst>
                 </a:gridCol>
                 <a:gridCol w="1968804">
                   <a:extLst>
                     <a:ext uri="{9D8B030D-6E8A-4147-A177-3AD203B41FA5}">
-                      <a16:colId xmlns:a16="http://schemas.microsoft.com/office/drawing/2014/main" xmlns="" val="1486601713"/>
+                      <a16:colId xmlns:a16="http://schemas.microsoft.com/office/drawing/2014/main" val="1486601713"/>
                     </a:ext>
                   </a:extLst>
                 </a:gridCol>
                 <a:gridCol w="1364666">
                   <a:extLst>
                     <a:ext uri="{9D8B030D-6E8A-4147-A177-3AD203B41FA5}">
-                      <a16:colId xmlns:a16="http://schemas.microsoft.com/office/drawing/2014/main" xmlns="" val="3795495708"/>
+                      <a16:colId xmlns:a16="http://schemas.microsoft.com/office/drawing/2014/main" val="3795495708"/>
                     </a:ext>
                   </a:extLst>
                 </a:gridCol>
@@ -6237,13 +6102,13 @@
                         </a:spcAft>
                       </a:pPr>
                       <a:r>
-                        <a:rPr lang="hu-HU" sz="1400" dirty="0" smtClean="0">
+                        <a:rPr lang="hu-HU" sz="1400" dirty="0">
                           <a:effectLst/>
                         </a:rPr>
                         <a:t>Elhagyott</a:t>
                       </a:r>
                       <a:r>
-                        <a:rPr lang="hu-HU" sz="1400" baseline="0" dirty="0" smtClean="0">
+                        <a:rPr lang="hu-HU" sz="1400" baseline="0" dirty="0">
                           <a:effectLst/>
                         </a:rPr>
                         <a:t> korlátozások</a:t>
@@ -6436,7 +6301,7 @@
                 </a:tc>
                 <a:extLst>
                   <a:ext uri="{0D108BD9-81ED-4DB2-BD59-A6C34878D82A}">
-                    <a16:rowId xmlns:a16="http://schemas.microsoft.com/office/drawing/2014/main" xmlns="" val="1759104570"/>
+                    <a16:rowId xmlns:a16="http://schemas.microsoft.com/office/drawing/2014/main" val="1759104570"/>
                   </a:ext>
                 </a:extLst>
               </a:tr>
@@ -6458,13 +6323,7 @@
                         <a:rPr lang="hu-HU" sz="2000" kern="1200" dirty="0">
                           <a:effectLst/>
                         </a:rPr>
-                        <a:t>Egyszerre 1 </a:t>
-                      </a:r>
-                      <a:r>
-                        <a:rPr lang="hu-HU" sz="2000" kern="1200" dirty="0" smtClean="0">
-                          <a:effectLst/>
-                        </a:rPr>
-                        <a:t>elhagyása </a:t>
+                        <a:t>Egyszerre 1 elhagyása </a:t>
                       </a:r>
                       <a:endParaRPr lang="hu-HU" sz="2000" b="1" kern="1200" dirty="0">
                         <a:solidFill>
@@ -6565,7 +6424,7 @@
                 </a:tc>
                 <a:extLst>
                   <a:ext uri="{0D108BD9-81ED-4DB2-BD59-A6C34878D82A}">
-                    <a16:rowId xmlns:a16="http://schemas.microsoft.com/office/drawing/2014/main" xmlns="" val="3559172704"/>
+                    <a16:rowId xmlns:a16="http://schemas.microsoft.com/office/drawing/2014/main" val="3559172704"/>
                   </a:ext>
                 </a:extLst>
               </a:tr>
@@ -6688,7 +6547,7 @@
                 </a:tc>
                 <a:extLst>
                   <a:ext uri="{0D108BD9-81ED-4DB2-BD59-A6C34878D82A}">
-                    <a16:rowId xmlns:a16="http://schemas.microsoft.com/office/drawing/2014/main" xmlns="" val="4229666172"/>
+                    <a16:rowId xmlns:a16="http://schemas.microsoft.com/office/drawing/2014/main" val="4229666172"/>
                   </a:ext>
                 </a:extLst>
               </a:tr>
@@ -6811,7 +6670,7 @@
                 </a:tc>
                 <a:extLst>
                   <a:ext uri="{0D108BD9-81ED-4DB2-BD59-A6C34878D82A}">
-                    <a16:rowId xmlns:a16="http://schemas.microsoft.com/office/drawing/2014/main" xmlns="" val="3727625422"/>
+                    <a16:rowId xmlns:a16="http://schemas.microsoft.com/office/drawing/2014/main" val="3727625422"/>
                   </a:ext>
                 </a:extLst>
               </a:tr>
@@ -6934,7 +6793,7 @@
                 </a:tc>
                 <a:extLst>
                   <a:ext uri="{0D108BD9-81ED-4DB2-BD59-A6C34878D82A}">
-                    <a16:rowId xmlns:a16="http://schemas.microsoft.com/office/drawing/2014/main" xmlns="" val="4151106488"/>
+                    <a16:rowId xmlns:a16="http://schemas.microsoft.com/office/drawing/2014/main" val="4151106488"/>
                   </a:ext>
                 </a:extLst>
               </a:tr>
@@ -6952,13 +6811,6 @@
   <p:clrMapOvr>
     <a:masterClrMapping/>
   </p:clrMapOvr>
-  <p:timing>
-    <p:tnLst>
-      <p:par>
-        <p:cTn id="1" dur="indefinite" restart="never" nodeType="tmRoot"/>
-      </p:par>
-    </p:tnLst>
-  </p:timing>
 </p:sld>
 </file>
 
@@ -6984,7 +6836,7 @@
           <p:cNvPr id="2" name="Cím 1">
             <a:extLst>
               <a:ext uri="{FF2B5EF4-FFF2-40B4-BE49-F238E27FC236}">
-                <a16:creationId xmlns:a16="http://schemas.microsoft.com/office/drawing/2014/main" xmlns="" id="{8D38B76F-95F6-45EE-A1ED-453655F28D28}"/>
+                <a16:creationId xmlns:a16="http://schemas.microsoft.com/office/drawing/2014/main" id="{8D38B76F-95F6-45EE-A1ED-453655F28D28}"/>
               </a:ext>
             </a:extLst>
           </p:cNvPr>
@@ -7017,7 +6869,7 @@
           <p:cNvPr id="4" name="Dia számának helye 3">
             <a:extLst>
               <a:ext uri="{FF2B5EF4-FFF2-40B4-BE49-F238E27FC236}">
-                <a16:creationId xmlns:a16="http://schemas.microsoft.com/office/drawing/2014/main" xmlns="" id="{B71D6050-03B7-4A11-BC69-7BB4B58DE597}"/>
+                <a16:creationId xmlns:a16="http://schemas.microsoft.com/office/drawing/2014/main" id="{B71D6050-03B7-4A11-BC69-7BB4B58DE597}"/>
               </a:ext>
             </a:extLst>
           </p:cNvPr>
@@ -7046,7 +6898,7 @@
           <p:cNvPr id="3" name="Szövegdoboz 2">
             <a:extLst>
               <a:ext uri="{FF2B5EF4-FFF2-40B4-BE49-F238E27FC236}">
-                <a16:creationId xmlns:a16="http://schemas.microsoft.com/office/drawing/2014/main" xmlns="" id="{030528F3-D689-428A-BB56-A46FC1922D71}"/>
+                <a16:creationId xmlns:a16="http://schemas.microsoft.com/office/drawing/2014/main" id="{030528F3-D689-428A-BB56-A46FC1922D71}"/>
               </a:ext>
             </a:extLst>
           </p:cNvPr>
@@ -7113,13 +6965,6 @@
   <p:clrMapOvr>
     <a:masterClrMapping/>
   </p:clrMapOvr>
-  <p:timing>
-    <p:tnLst>
-      <p:par>
-        <p:cTn id="1" dur="indefinite" restart="never" nodeType="tmRoot"/>
-      </p:par>
-    </p:tnLst>
-  </p:timing>
 </p:sld>
 </file>
 
@@ -7145,7 +6990,7 @@
           <p:cNvPr id="2" name="Cím 1">
             <a:extLst>
               <a:ext uri="{FF2B5EF4-FFF2-40B4-BE49-F238E27FC236}">
-                <a16:creationId xmlns:a16="http://schemas.microsoft.com/office/drawing/2014/main" xmlns="" id="{26FEFA12-4695-4AB3-A86E-924A663068D0}"/>
+                <a16:creationId xmlns:a16="http://schemas.microsoft.com/office/drawing/2014/main" id="{26FEFA12-4695-4AB3-A86E-924A663068D0}"/>
               </a:ext>
             </a:extLst>
           </p:cNvPr>
@@ -7183,7 +7028,7 @@
           <p:cNvPr id="3" name="Dia számának helye 2">
             <a:extLst>
               <a:ext uri="{FF2B5EF4-FFF2-40B4-BE49-F238E27FC236}">
-                <a16:creationId xmlns:a16="http://schemas.microsoft.com/office/drawing/2014/main" xmlns="" id="{3A0FA7EE-CF15-4E3A-953F-C5971B60C51D}"/>
+                <a16:creationId xmlns:a16="http://schemas.microsoft.com/office/drawing/2014/main" id="{3A0FA7EE-CF15-4E3A-953F-C5971B60C51D}"/>
               </a:ext>
             </a:extLst>
           </p:cNvPr>
@@ -7217,13 +7062,6 @@
   <p:clrMapOvr>
     <a:masterClrMapping/>
   </p:clrMapOvr>
-  <p:timing>
-    <p:tnLst>
-      <p:par>
-        <p:cTn id="1" dur="indefinite" restart="never" nodeType="tmRoot"/>
-      </p:par>
-    </p:tnLst>
-  </p:timing>
 </p:sld>
 </file>
 
@@ -7398,13 +7236,6 @@
   <p:clrMapOvr>
     <a:masterClrMapping/>
   </p:clrMapOvr>
-  <p:timing>
-    <p:tnLst>
-      <p:par>
-        <p:cTn id="1" dur="indefinite" restart="never" nodeType="tmRoot"/>
-      </p:par>
-    </p:tnLst>
-  </p:timing>
 </p:sld>
 </file>
 
@@ -7430,7 +7261,7 @@
           <p:cNvPr id="2" name="Cím 1">
             <a:extLst>
               <a:ext uri="{FF2B5EF4-FFF2-40B4-BE49-F238E27FC236}">
-                <a16:creationId xmlns:a16="http://schemas.microsoft.com/office/drawing/2014/main" xmlns="" id="{63452676-1263-4791-86B4-FC25F9E9F22B}"/>
+                <a16:creationId xmlns:a16="http://schemas.microsoft.com/office/drawing/2014/main" id="{63452676-1263-4791-86B4-FC25F9E9F22B}"/>
               </a:ext>
             </a:extLst>
           </p:cNvPr>
@@ -7458,7 +7289,7 @@
           <p:cNvPr id="4" name="Dia számának helye 3">
             <a:extLst>
               <a:ext uri="{FF2B5EF4-FFF2-40B4-BE49-F238E27FC236}">
-                <a16:creationId xmlns:a16="http://schemas.microsoft.com/office/drawing/2014/main" xmlns="" id="{5F92542F-59D1-4271-9731-543CD62F5022}"/>
+                <a16:creationId xmlns:a16="http://schemas.microsoft.com/office/drawing/2014/main" id="{5F92542F-59D1-4271-9731-543CD62F5022}"/>
               </a:ext>
             </a:extLst>
           </p:cNvPr>
@@ -7487,7 +7318,7 @@
           <p:cNvPr id="3" name="Szövegdoboz 2">
             <a:extLst>
               <a:ext uri="{FF2B5EF4-FFF2-40B4-BE49-F238E27FC236}">
-                <a16:creationId xmlns:a16="http://schemas.microsoft.com/office/drawing/2014/main" xmlns="" id="{243F9B98-F190-4961-A193-87BA7CA1F8FE}"/>
+                <a16:creationId xmlns:a16="http://schemas.microsoft.com/office/drawing/2014/main" id="{243F9B98-F190-4961-A193-87BA7CA1F8FE}"/>
               </a:ext>
             </a:extLst>
           </p:cNvPr>
@@ -7546,7 +7377,7 @@
           <p:cNvPr id="5" name="Táblázat 4">
             <a:extLst>
               <a:ext uri="{FF2B5EF4-FFF2-40B4-BE49-F238E27FC236}">
-                <a16:creationId xmlns:a16="http://schemas.microsoft.com/office/drawing/2014/main" xmlns="" id="{D26B6D1B-EE01-441C-A70F-7B514D54C92F}"/>
+                <a16:creationId xmlns:a16="http://schemas.microsoft.com/office/drawing/2014/main" id="{D26B6D1B-EE01-441C-A70F-7B514D54C92F}"/>
               </a:ext>
             </a:extLst>
           </p:cNvPr>
@@ -7575,35 +7406,35 @@
                 <a:gridCol w="1427356">
                   <a:extLst>
                     <a:ext uri="{9D8B030D-6E8A-4147-A177-3AD203B41FA5}">
-                      <a16:colId xmlns:a16="http://schemas.microsoft.com/office/drawing/2014/main" xmlns="" val="3136596585"/>
+                      <a16:colId xmlns:a16="http://schemas.microsoft.com/office/drawing/2014/main" val="3136596585"/>
                     </a:ext>
                   </a:extLst>
                 </a:gridCol>
                 <a:gridCol w="1147128">
                   <a:extLst>
                     <a:ext uri="{9D8B030D-6E8A-4147-A177-3AD203B41FA5}">
-                      <a16:colId xmlns:a16="http://schemas.microsoft.com/office/drawing/2014/main" xmlns="" val="2805606202"/>
+                      <a16:colId xmlns:a16="http://schemas.microsoft.com/office/drawing/2014/main" val="2805606202"/>
                     </a:ext>
                   </a:extLst>
                 </a:gridCol>
                 <a:gridCol w="1287242">
                   <a:extLst>
                     <a:ext uri="{9D8B030D-6E8A-4147-A177-3AD203B41FA5}">
-                      <a16:colId xmlns:a16="http://schemas.microsoft.com/office/drawing/2014/main" xmlns="" val="1276901127"/>
+                      <a16:colId xmlns:a16="http://schemas.microsoft.com/office/drawing/2014/main" val="1276901127"/>
                     </a:ext>
                   </a:extLst>
                 </a:gridCol>
                 <a:gridCol w="1287242">
                   <a:extLst>
                     <a:ext uri="{9D8B030D-6E8A-4147-A177-3AD203B41FA5}">
-                      <a16:colId xmlns:a16="http://schemas.microsoft.com/office/drawing/2014/main" xmlns="" val="3494246853"/>
+                      <a16:colId xmlns:a16="http://schemas.microsoft.com/office/drawing/2014/main" val="3494246853"/>
                     </a:ext>
                   </a:extLst>
                 </a:gridCol>
                 <a:gridCol w="1287242">
                   <a:extLst>
                     <a:ext uri="{9D8B030D-6E8A-4147-A177-3AD203B41FA5}">
-                      <a16:colId xmlns:a16="http://schemas.microsoft.com/office/drawing/2014/main" xmlns="" val="3049950204"/>
+                      <a16:colId xmlns:a16="http://schemas.microsoft.com/office/drawing/2014/main" val="3049950204"/>
                     </a:ext>
                   </a:extLst>
                 </a:gridCol>
@@ -7886,7 +7717,7 @@
                 </a:tc>
                 <a:extLst>
                   <a:ext uri="{0D108BD9-81ED-4DB2-BD59-A6C34878D82A}">
-                    <a16:rowId xmlns:a16="http://schemas.microsoft.com/office/drawing/2014/main" xmlns="" val="4283395460"/>
+                    <a16:rowId xmlns:a16="http://schemas.microsoft.com/office/drawing/2014/main" val="4283395460"/>
                   </a:ext>
                 </a:extLst>
               </a:tr>
@@ -8173,7 +8004,7 @@
                 </a:tc>
                 <a:extLst>
                   <a:ext uri="{0D108BD9-81ED-4DB2-BD59-A6C34878D82A}">
-                    <a16:rowId xmlns:a16="http://schemas.microsoft.com/office/drawing/2014/main" xmlns="" val="3910493015"/>
+                    <a16:rowId xmlns:a16="http://schemas.microsoft.com/office/drawing/2014/main" val="3910493015"/>
                   </a:ext>
                 </a:extLst>
               </a:tr>
@@ -8455,7 +8286,7 @@
                 </a:tc>
                 <a:extLst>
                   <a:ext uri="{0D108BD9-81ED-4DB2-BD59-A6C34878D82A}">
-                    <a16:rowId xmlns:a16="http://schemas.microsoft.com/office/drawing/2014/main" xmlns="" val="1930595309"/>
+                    <a16:rowId xmlns:a16="http://schemas.microsoft.com/office/drawing/2014/main" val="1930595309"/>
                   </a:ext>
                 </a:extLst>
               </a:tr>
@@ -8752,7 +8583,7 @@
                 </a:tc>
                 <a:extLst>
                   <a:ext uri="{0D108BD9-81ED-4DB2-BD59-A6C34878D82A}">
-                    <a16:rowId xmlns:a16="http://schemas.microsoft.com/office/drawing/2014/main" xmlns="" val="1067106434"/>
+                    <a16:rowId xmlns:a16="http://schemas.microsoft.com/office/drawing/2014/main" val="1067106434"/>
                   </a:ext>
                 </a:extLst>
               </a:tr>
@@ -9034,7 +8865,7 @@
                 </a:tc>
                 <a:extLst>
                   <a:ext uri="{0D108BD9-81ED-4DB2-BD59-A6C34878D82A}">
-                    <a16:rowId xmlns:a16="http://schemas.microsoft.com/office/drawing/2014/main" xmlns="" val="2189309325"/>
+                    <a16:rowId xmlns:a16="http://schemas.microsoft.com/office/drawing/2014/main" val="2189309325"/>
                   </a:ext>
                 </a:extLst>
               </a:tr>
@@ -9052,13 +8883,6 @@
   <p:clrMapOvr>
     <a:masterClrMapping/>
   </p:clrMapOvr>
-  <p:timing>
-    <p:tnLst>
-      <p:par>
-        <p:cTn id="1" dur="indefinite" restart="never" nodeType="tmRoot"/>
-      </p:par>
-    </p:tnLst>
-  </p:timing>
 </p:sld>
 </file>
 
@@ -9084,7 +8908,7 @@
           <p:cNvPr id="2" name="Cím 1">
             <a:extLst>
               <a:ext uri="{FF2B5EF4-FFF2-40B4-BE49-F238E27FC236}">
-                <a16:creationId xmlns:a16="http://schemas.microsoft.com/office/drawing/2014/main" xmlns="" id="{3D71E464-FDA0-44ED-BAE0-76765A5D6664}"/>
+                <a16:creationId xmlns:a16="http://schemas.microsoft.com/office/drawing/2014/main" id="{3D71E464-FDA0-44ED-BAE0-76765A5D6664}"/>
               </a:ext>
             </a:extLst>
           </p:cNvPr>
@@ -9112,7 +8936,7 @@
           <p:cNvPr id="5" name="Dia számának helye 4">
             <a:extLst>
               <a:ext uri="{FF2B5EF4-FFF2-40B4-BE49-F238E27FC236}">
-                <a16:creationId xmlns:a16="http://schemas.microsoft.com/office/drawing/2014/main" xmlns="" id="{3927AD5E-958C-4218-A2F7-1714AA2AACB5}"/>
+                <a16:creationId xmlns:a16="http://schemas.microsoft.com/office/drawing/2014/main" id="{3927AD5E-958C-4218-A2F7-1714AA2AACB5}"/>
               </a:ext>
             </a:extLst>
           </p:cNvPr>
@@ -9141,7 +8965,7 @@
           <p:cNvPr id="6" name="Szövegdoboz 5">
             <a:extLst>
               <a:ext uri="{FF2B5EF4-FFF2-40B4-BE49-F238E27FC236}">
-                <a16:creationId xmlns:a16="http://schemas.microsoft.com/office/drawing/2014/main" xmlns="" id="{6EA50174-05F4-4DB5-AFA6-707EDDAD33F6}"/>
+                <a16:creationId xmlns:a16="http://schemas.microsoft.com/office/drawing/2014/main" id="{6EA50174-05F4-4DB5-AFA6-707EDDAD33F6}"/>
               </a:ext>
             </a:extLst>
           </p:cNvPr>
@@ -9150,8 +8974,8 @@
         </p:nvSpPr>
         <p:spPr>
           <a:xfrm>
-            <a:off x="138363" y="2306929"/>
-            <a:ext cx="8867274" cy="3293209"/>
+            <a:off x="138363" y="1401025"/>
+            <a:ext cx="8867274" cy="3739485"/>
           </a:xfrm>
           <a:prstGeom prst="rect">
             <a:avLst/>
@@ -9200,39 +9024,26 @@
             </a:r>
           </a:p>
           <a:p>
+            <a:r>
+              <a:rPr lang="hu-HU" sz="2400" dirty="0"/>
+              <a:t>MiniZinc:  </a:t>
+            </a:r>
+          </a:p>
+          <a:p>
             <a:pPr>
-              <a:spcAft>
-                <a:spcPts val="600"/>
-              </a:spcAft>
-            </a:pPr>
-            <a:r>
-              <a:rPr lang="hu-HU" sz="2400" dirty="0"/>
-              <a:t>MiniZinc:  - grafikus szerkesztőprogram és nyelv is egyben</a:t>
-            </a:r>
-          </a:p>
-          <a:p>
-            <a:pPr lvl="2">
               <a:spcAft>
                 <a:spcPts val="1800"/>
               </a:spcAft>
             </a:pPr>
             <a:r>
               <a:rPr lang="hu-HU" sz="2400" dirty="0"/>
-              <a:t>        - fordítója a mzn2fzn -&gt; </a:t>
-            </a:r>
-            <a:r>
-              <a:rPr lang="hu-HU" sz="2400" dirty="0" err="1"/>
-              <a:t>FlatZinc</a:t>
-            </a:r>
-            <a:r>
-              <a:rPr lang="hu-HU" sz="2400" dirty="0"/>
-              <a:t>-re alakítja</a:t>
+              <a:t>	- grafikus szerkesztőprogram és nyelv is egyben</a:t>
             </a:r>
           </a:p>
           <a:p>
             <a:pPr>
               <a:spcAft>
-                <a:spcPts val="600"/>
+                <a:spcPts val="1800"/>
               </a:spcAft>
             </a:pPr>
             <a:r>
@@ -9249,14 +9060,28 @@
             </a:r>
           </a:p>
           <a:p>
-            <a:pPr lvl="4">
+            <a:r>
+              <a:rPr lang="hu-HU" sz="2400" dirty="0"/>
+              <a:t>Megoldó működése </a:t>
+            </a:r>
+            <a:r>
+              <a:rPr lang="hu-HU" sz="2400" dirty="0" err="1"/>
+              <a:t>propagációval</a:t>
+            </a:r>
+            <a:r>
+              <a:rPr lang="hu-HU" sz="2400" dirty="0"/>
+              <a:t>: </a:t>
+            </a:r>
+          </a:p>
+          <a:p>
+            <a:pPr>
               <a:spcAft>
-                <a:spcPts val="600"/>
+                <a:spcPts val="1800"/>
               </a:spcAft>
             </a:pPr>
             <a:r>
               <a:rPr lang="hu-HU" sz="2400" dirty="0"/>
-              <a:t> - több versenyen is aranyérmes lett</a:t>
+              <a:t>	- folyamatosan csökken a változók lehetséges értékkészlete</a:t>
             </a:r>
           </a:p>
         </p:txBody>
@@ -9271,13 +9096,6 @@
   <p:clrMapOvr>
     <a:masterClrMapping/>
   </p:clrMapOvr>
-  <p:timing>
-    <p:tnLst>
-      <p:par>
-        <p:cTn id="1" dur="indefinite" restart="never" nodeType="tmRoot"/>
-      </p:par>
-    </p:tnLst>
-  </p:timing>
 </p:sld>
 </file>
 
@@ -9303,7 +9121,7 @@
           <p:cNvPr id="6" name="Kép 5">
             <a:extLst>
               <a:ext uri="{FF2B5EF4-FFF2-40B4-BE49-F238E27FC236}">
-                <a16:creationId xmlns:a16="http://schemas.microsoft.com/office/drawing/2014/main" xmlns="" id="{03A2FCAA-44F4-4121-9409-3F7C16B08598}"/>
+                <a16:creationId xmlns:a16="http://schemas.microsoft.com/office/drawing/2014/main" id="{03A2FCAA-44F4-4121-9409-3F7C16B08598}"/>
               </a:ext>
             </a:extLst>
           </p:cNvPr>
@@ -9338,7 +9156,7 @@
           <p:cNvPr id="2" name="Dia számának helye 1">
             <a:extLst>
               <a:ext uri="{FF2B5EF4-FFF2-40B4-BE49-F238E27FC236}">
-                <a16:creationId xmlns:a16="http://schemas.microsoft.com/office/drawing/2014/main" xmlns="" id="{FB342F71-8953-4DC7-8EEB-C5E7385C3ABE}"/>
+                <a16:creationId xmlns:a16="http://schemas.microsoft.com/office/drawing/2014/main" id="{FB342F71-8953-4DC7-8EEB-C5E7385C3ABE}"/>
               </a:ext>
             </a:extLst>
           </p:cNvPr>
@@ -9367,7 +9185,7 @@
           <p:cNvPr id="4" name="Kép 3">
             <a:extLst>
               <a:ext uri="{FF2B5EF4-FFF2-40B4-BE49-F238E27FC236}">
-                <a16:creationId xmlns:a16="http://schemas.microsoft.com/office/drawing/2014/main" xmlns="" id="{BF1A90B6-D693-47C4-A4A4-06F4B3ADE8A1}"/>
+                <a16:creationId xmlns:a16="http://schemas.microsoft.com/office/drawing/2014/main" id="{BF1A90B6-D693-47C4-A4A4-06F4B3ADE8A1}"/>
               </a:ext>
             </a:extLst>
           </p:cNvPr>
@@ -9402,7 +9220,7 @@
           <p:cNvPr id="5" name="Cím 1">
             <a:extLst>
               <a:ext uri="{FF2B5EF4-FFF2-40B4-BE49-F238E27FC236}">
-                <a16:creationId xmlns:a16="http://schemas.microsoft.com/office/drawing/2014/main" xmlns="" id="{FF8E5E95-AE64-415C-8681-D3B3D2CA7C51}"/>
+                <a16:creationId xmlns:a16="http://schemas.microsoft.com/office/drawing/2014/main" id="{FF8E5E95-AE64-415C-8681-D3B3D2CA7C51}"/>
               </a:ext>
             </a:extLst>
           </p:cNvPr>
@@ -9445,7 +9263,7 @@
           </a:lstStyle>
           <a:p>
             <a:r>
-              <a:rPr lang="hu-HU" dirty="0" smtClean="0"/>
+              <a:rPr lang="hu-HU" dirty="0"/>
               <a:t>Térképszínezés</a:t>
             </a:r>
             <a:endParaRPr lang="hu-HU" sz="3200" dirty="0"/>
@@ -9462,13 +9280,6 @@
   <p:clrMapOvr>
     <a:masterClrMapping/>
   </p:clrMapOvr>
-  <p:timing>
-    <p:tnLst>
-      <p:par>
-        <p:cTn id="1" dur="indefinite" restart="never" nodeType="tmRoot"/>
-      </p:par>
-    </p:tnLst>
-  </p:timing>
 </p:sld>
 </file>
 
@@ -9494,7 +9305,7 @@
           <p:cNvPr id="2" name="Cím 1">
             <a:extLst>
               <a:ext uri="{FF2B5EF4-FFF2-40B4-BE49-F238E27FC236}">
-                <a16:creationId xmlns:a16="http://schemas.microsoft.com/office/drawing/2014/main" xmlns="" id="{FF8E5E95-AE64-415C-8681-D3B3D2CA7C51}"/>
+                <a16:creationId xmlns:a16="http://schemas.microsoft.com/office/drawing/2014/main" id="{FF8E5E95-AE64-415C-8681-D3B3D2CA7C51}"/>
               </a:ext>
             </a:extLst>
           </p:cNvPr>
@@ -9519,11 +9330,7 @@
           <a:p>
             <a:r>
               <a:rPr lang="hu-HU" dirty="0"/>
-              <a:t>„Zebra” </a:t>
-            </a:r>
-            <a:r>
-              <a:rPr lang="hu-HU" dirty="0" smtClean="0"/>
-              <a:t>feladatok</a:t>
+              <a:t>„Zebra” feladatok</a:t>
             </a:r>
             <a:endParaRPr lang="hu-HU" sz="3200" dirty="0"/>
           </a:p>
@@ -9534,7 +9341,7 @@
           <p:cNvPr id="4" name="Dia számának helye 3">
             <a:extLst>
               <a:ext uri="{FF2B5EF4-FFF2-40B4-BE49-F238E27FC236}">
-                <a16:creationId xmlns:a16="http://schemas.microsoft.com/office/drawing/2014/main" xmlns="" id="{E799F892-52D9-47BE-8E31-56A1731CA5FB}"/>
+                <a16:creationId xmlns:a16="http://schemas.microsoft.com/office/drawing/2014/main" id="{E799F892-52D9-47BE-8E31-56A1731CA5FB}"/>
               </a:ext>
             </a:extLst>
           </p:cNvPr>
@@ -9563,7 +9370,7 @@
           <p:cNvPr id="3" name="Szövegdoboz 2">
             <a:extLst>
               <a:ext uri="{FF2B5EF4-FFF2-40B4-BE49-F238E27FC236}">
-                <a16:creationId xmlns:a16="http://schemas.microsoft.com/office/drawing/2014/main" xmlns="" id="{0FDE817F-09DE-42BC-8A28-394FF6F01DF2}"/>
+                <a16:creationId xmlns:a16="http://schemas.microsoft.com/office/drawing/2014/main" id="{0FDE817F-09DE-42BC-8A28-394FF6F01DF2}"/>
               </a:ext>
             </a:extLst>
           </p:cNvPr>
@@ -9587,10 +9394,9 @@
           <a:lstStyle/>
           <a:p>
             <a:r>
-              <a:rPr lang="hu-HU" sz="2000" dirty="0" smtClean="0"/>
+              <a:rPr lang="hu-HU" sz="2000" dirty="0"/>
               <a:t>Kikötés: A fekete ruhás hölgytől valahol jobbra ül a 60 éves adományozó.</a:t>
             </a:r>
-            <a:endParaRPr lang="hu-HU" sz="2000" dirty="0"/>
           </a:p>
         </p:txBody>
       </p:sp>
@@ -9883,10 +9689,9 @@
           <a:lstStyle/>
           <a:p>
             <a:r>
-              <a:rPr lang="hu-HU" u="sng" dirty="0" smtClean="0"/>
+              <a:rPr lang="hu-HU" u="sng" dirty="0"/>
               <a:t>I. Bináris mátrix logikai operátorokkal:</a:t>
             </a:r>
-            <a:endParaRPr lang="hu-HU" u="sng" dirty="0"/>
           </a:p>
         </p:txBody>
       </p:sp>
@@ -9913,10 +9718,9 @@
           <a:lstStyle/>
           <a:p>
             <a:r>
-              <a:rPr lang="hu-HU" u="sng" dirty="0" smtClean="0"/>
+              <a:rPr lang="hu-HU" u="sng" dirty="0"/>
               <a:t>II. Bináris mátrix relációs operátorokkal:</a:t>
             </a:r>
-            <a:endParaRPr lang="hu-HU" u="sng" dirty="0"/>
           </a:p>
         </p:txBody>
       </p:sp>
@@ -9930,13 +9734,6 @@
   <p:clrMapOvr>
     <a:masterClrMapping/>
   </p:clrMapOvr>
-  <p:timing>
-    <p:tnLst>
-      <p:par>
-        <p:cTn id="1" dur="indefinite" restart="never" nodeType="tmRoot"/>
-      </p:par>
-    </p:tnLst>
-  </p:timing>
 </p:sld>
 </file>
 
@@ -9962,7 +9759,7 @@
           <p:cNvPr id="2" name="Cím 1">
             <a:extLst>
               <a:ext uri="{FF2B5EF4-FFF2-40B4-BE49-F238E27FC236}">
-                <a16:creationId xmlns:a16="http://schemas.microsoft.com/office/drawing/2014/main" xmlns="" id="{FF8E5E95-AE64-415C-8681-D3B3D2CA7C51}"/>
+                <a16:creationId xmlns:a16="http://schemas.microsoft.com/office/drawing/2014/main" id="{FF8E5E95-AE64-415C-8681-D3B3D2CA7C51}"/>
               </a:ext>
             </a:extLst>
           </p:cNvPr>
@@ -9987,11 +9784,7 @@
           <a:p>
             <a:r>
               <a:rPr lang="hu-HU" dirty="0"/>
-              <a:t>„Zebra” </a:t>
-            </a:r>
-            <a:r>
-              <a:rPr lang="hu-HU" dirty="0" smtClean="0"/>
-              <a:t>feladatok</a:t>
+              <a:t>„Zebra” feladatok</a:t>
             </a:r>
             <a:endParaRPr lang="hu-HU" sz="3200" dirty="0"/>
           </a:p>
@@ -10002,7 +9795,7 @@
           <p:cNvPr id="4" name="Dia számának helye 3">
             <a:extLst>
               <a:ext uri="{FF2B5EF4-FFF2-40B4-BE49-F238E27FC236}">
-                <a16:creationId xmlns:a16="http://schemas.microsoft.com/office/drawing/2014/main" xmlns="" id="{E799F892-52D9-47BE-8E31-56A1731CA5FB}"/>
+                <a16:creationId xmlns:a16="http://schemas.microsoft.com/office/drawing/2014/main" id="{E799F892-52D9-47BE-8E31-56A1731CA5FB}"/>
               </a:ext>
             </a:extLst>
           </p:cNvPr>
@@ -10031,7 +9824,7 @@
           <p:cNvPr id="6" name="Szövegdoboz 5">
             <a:extLst>
               <a:ext uri="{FF2B5EF4-FFF2-40B4-BE49-F238E27FC236}">
-                <a16:creationId xmlns:a16="http://schemas.microsoft.com/office/drawing/2014/main" xmlns="" id="{0FDE817F-09DE-42BC-8A28-394FF6F01DF2}"/>
+                <a16:creationId xmlns:a16="http://schemas.microsoft.com/office/drawing/2014/main" id="{0FDE817F-09DE-42BC-8A28-394FF6F01DF2}"/>
               </a:ext>
             </a:extLst>
           </p:cNvPr>
@@ -10055,10 +9848,9 @@
           <a:lstStyle/>
           <a:p>
             <a:r>
-              <a:rPr lang="hu-HU" sz="2000" dirty="0" smtClean="0"/>
+              <a:rPr lang="hu-HU" sz="2000" dirty="0"/>
               <a:t>Kikötés: A fekete ruhás hölgytől valahol jobbra ül a 60 éves adományozó.</a:t>
             </a:r>
-            <a:endParaRPr lang="hu-HU" sz="2000" dirty="0"/>
           </a:p>
         </p:txBody>
       </p:sp>
@@ -10154,7 +9946,7 @@
               <a:t>constraint </a:t>
             </a:r>
             <a:r>
-              <a:rPr lang="en-US" sz="1400" dirty="0" err="1" smtClean="0">
+              <a:rPr lang="en-US" sz="1400" dirty="0" err="1">
                 <a:solidFill>
                   <a:srgbClr val="0000FF"/>
                 </a:solidFill>
@@ -10163,19 +9955,19 @@
               <a:t>forall</a:t>
             </a:r>
             <a:r>
-              <a:rPr lang="en-US" sz="1400" dirty="0" smtClean="0">
+              <a:rPr lang="en-US" sz="1400" dirty="0">
                 <a:latin typeface="Consolas" panose="020B0609020204030204" pitchFamily="49" charset="0"/>
               </a:rPr>
               <a:t>(</a:t>
             </a:r>
             <a:r>
-              <a:rPr lang="en-US" sz="1400" dirty="0" err="1" smtClean="0">
+              <a:rPr lang="en-US" sz="1400" dirty="0" err="1">
                 <a:latin typeface="Consolas" panose="020B0609020204030204" pitchFamily="49" charset="0"/>
               </a:rPr>
               <a:t>a,b</a:t>
             </a:r>
             <a:r>
-              <a:rPr lang="en-US" sz="1400" dirty="0" smtClean="0">
+              <a:rPr lang="en-US" sz="1400" dirty="0">
                 <a:latin typeface="Consolas" panose="020B0609020204030204" pitchFamily="49" charset="0"/>
               </a:rPr>
               <a:t> </a:t>
@@ -10223,23 +10015,14 @@
               <a:rPr lang="en-US" sz="1400" dirty="0">
                 <a:latin typeface="Consolas" panose="020B0609020204030204" pitchFamily="49" charset="0"/>
               </a:rPr>
-              <a:t>(age[a]=sixty /\ dress[b]=black</a:t>
-            </a:r>
-            <a:r>
-              <a:rPr lang="en-US" sz="1400" dirty="0" smtClean="0">
+              <a:t>(age[a]=sixty /\ dress[b]=black))</a:t>
+            </a:r>
+            <a:r>
+              <a:rPr lang="hu-HU" sz="1400" dirty="0">
                 <a:latin typeface="Consolas" panose="020B0609020204030204" pitchFamily="49" charset="0"/>
               </a:rPr>
-              <a:t>))</a:t>
-            </a:r>
-            <a:r>
-              <a:rPr lang="hu-HU" sz="1400" dirty="0" smtClean="0">
-                <a:latin typeface="Consolas" panose="020B0609020204030204" pitchFamily="49" charset="0"/>
-              </a:rPr>
               <a:t>;</a:t>
             </a:r>
-            <a:endParaRPr lang="hu-HU" sz="1400" dirty="0">
-              <a:latin typeface="Consolas" panose="020B0609020204030204" pitchFamily="49" charset="0"/>
-            </a:endParaRPr>
           </a:p>
         </p:txBody>
       </p:sp>
@@ -10275,7 +10058,7 @@
               <a:t>constraint </a:t>
             </a:r>
             <a:r>
-              <a:rPr lang="hu-HU" altLang="hu-HU" sz="1400" dirty="0" err="1" smtClean="0">
+              <a:rPr lang="hu-HU" altLang="hu-HU" sz="1400" dirty="0" err="1">
                 <a:solidFill>
                   <a:srgbClr val="0000FF"/>
                 </a:solidFill>
@@ -10284,7 +10067,7 @@
               <a:t>forall</a:t>
             </a:r>
             <a:r>
-              <a:rPr lang="hu-HU" altLang="hu-HU" sz="1400" dirty="0" smtClean="0">
+              <a:rPr lang="hu-HU" altLang="hu-HU" sz="1400" dirty="0">
                 <a:latin typeface="Consolas" panose="020B0609020204030204" pitchFamily="49" charset="0"/>
               </a:rPr>
               <a:t>(x </a:t>
@@ -10392,18 +10175,12 @@
               <a:rPr lang="hu-HU" altLang="hu-HU" sz="1400" dirty="0">
                 <a:latin typeface="Consolas" panose="020B0609020204030204" pitchFamily="49" charset="0"/>
               </a:rPr>
-              <a:t>)=1</a:t>
-            </a:r>
-            <a:r>
-              <a:rPr lang="hu-HU" altLang="hu-HU" sz="1400" dirty="0" smtClean="0">
-                <a:latin typeface="Consolas" panose="020B0609020204030204" pitchFamily="49" charset="0"/>
-              </a:rPr>
-              <a:t>)</a:t>
-            </a:r>
-          </a:p>
-          <a:p>
-            <a:r>
-              <a:rPr lang="hu-HU" altLang="hu-HU" sz="1400" dirty="0" smtClean="0">
+              <a:t>)=1)</a:t>
+            </a:r>
+          </a:p>
+          <a:p>
+            <a:r>
+              <a:rPr lang="hu-HU" altLang="hu-HU" sz="1400" dirty="0">
                 <a:latin typeface="Consolas" panose="020B0609020204030204" pitchFamily="49" charset="0"/>
               </a:rPr>
               <a:t> 	/\  </a:t>
@@ -10526,17 +10303,8 @@
               <a:rPr lang="hu-HU" altLang="hu-HU" sz="1400" dirty="0">
                 <a:latin typeface="Consolas" panose="020B0609020204030204" pitchFamily="49" charset="0"/>
               </a:rPr>
-              <a:t>)=1</a:t>
-            </a:r>
-            <a:r>
-              <a:rPr lang="hu-HU" altLang="hu-HU" sz="1400" dirty="0" smtClean="0">
-                <a:latin typeface="Consolas" panose="020B0609020204030204" pitchFamily="49" charset="0"/>
-              </a:rPr>
-              <a:t>);</a:t>
-            </a:r>
-            <a:endParaRPr lang="hu-HU" altLang="hu-HU" sz="1400" dirty="0">
-              <a:latin typeface="Consolas" panose="020B0609020204030204" pitchFamily="49" charset="0"/>
-            </a:endParaRPr>
+              <a:t>)=1);</a:t>
+            </a:r>
           </a:p>
         </p:txBody>
       </p:sp>
@@ -10563,10 +10331,9 @@
           <a:lstStyle/>
           <a:p>
             <a:r>
-              <a:rPr lang="hu-HU" u="sng" dirty="0" smtClean="0"/>
+              <a:rPr lang="hu-HU" u="sng" dirty="0"/>
               <a:t>III. Tömbök:</a:t>
             </a:r>
-            <a:endParaRPr lang="hu-HU" u="sng" dirty="0"/>
           </a:p>
         </p:txBody>
       </p:sp>
@@ -10593,18 +10360,17 @@
           <a:lstStyle/>
           <a:p>
             <a:r>
-              <a:rPr lang="hu-HU" u="sng" dirty="0" smtClean="0"/>
+              <a:rPr lang="hu-HU" u="sng" dirty="0"/>
               <a:t>IV. Tömbök, </a:t>
             </a:r>
             <a:r>
-              <a:rPr lang="hu-HU" u="sng" dirty="0" err="1" smtClean="0"/>
+              <a:rPr lang="hu-HU" u="sng" dirty="0" err="1"/>
               <a:t>where</a:t>
             </a:r>
             <a:r>
-              <a:rPr lang="hu-HU" u="sng" dirty="0" smtClean="0"/>
+              <a:rPr lang="hu-HU" u="sng" dirty="0"/>
               <a:t> záradékkal:</a:t>
             </a:r>
-            <a:endParaRPr lang="hu-HU" u="sng" dirty="0"/>
           </a:p>
         </p:txBody>
       </p:sp>
@@ -10618,13 +10384,6 @@
   <p:clrMapOvr>
     <a:masterClrMapping/>
   </p:clrMapOvr>
-  <p:timing>
-    <p:tnLst>
-      <p:par>
-        <p:cTn id="1" dur="indefinite" restart="never" nodeType="tmRoot"/>
-      </p:par>
-    </p:tnLst>
-  </p:timing>
 </p:sld>
 </file>
 
@@ -10650,7 +10409,7 @@
           <p:cNvPr id="2" name="Cím 1">
             <a:extLst>
               <a:ext uri="{FF2B5EF4-FFF2-40B4-BE49-F238E27FC236}">
-                <a16:creationId xmlns:a16="http://schemas.microsoft.com/office/drawing/2014/main" xmlns="" id="{DCCECEDE-C074-41DA-84C8-BDCA2FDBD582}"/>
+                <a16:creationId xmlns:a16="http://schemas.microsoft.com/office/drawing/2014/main" id="{DCCECEDE-C074-41DA-84C8-BDCA2FDBD582}"/>
               </a:ext>
             </a:extLst>
           </p:cNvPr>
@@ -10679,14 +10438,14 @@
               </a:lnSpc>
             </a:pPr>
             <a:r>
-              <a:rPr lang="hu-HU" dirty="0" smtClean="0"/>
+              <a:rPr lang="hu-HU" dirty="0"/>
               <a:t>Teszteredmények I.</a:t>
             </a:r>
             <a:br>
-              <a:rPr lang="hu-HU" dirty="0" smtClean="0"/>
+              <a:rPr lang="hu-HU" dirty="0"/>
             </a:br>
             <a:r>
-              <a:rPr lang="hu-HU" sz="2000" b="1" dirty="0" smtClean="0">
+              <a:rPr lang="hu-HU" sz="2000" b="1" dirty="0">
                 <a:solidFill>
                   <a:schemeClr val="tx1"/>
                 </a:solidFill>
@@ -10694,7 +10453,7 @@
               <a:t>Különböző </a:t>
             </a:r>
             <a:r>
-              <a:rPr lang="hu-HU" sz="2000" b="1" dirty="0" err="1" smtClean="0">
+              <a:rPr lang="hu-HU" sz="2000" b="1" dirty="0" err="1">
                 <a:solidFill>
                   <a:schemeClr val="tx1"/>
                 </a:solidFill>
@@ -10702,18 +10461,13 @@
               <a:t>összetettségű</a:t>
             </a:r>
             <a:r>
-              <a:rPr lang="hu-HU" sz="2000" b="1" dirty="0" smtClean="0">
+              <a:rPr lang="hu-HU" sz="2000" b="1" dirty="0">
                 <a:solidFill>
                   <a:schemeClr val="tx1"/>
                 </a:solidFill>
               </a:rPr>
               <a:t> feladványok - modellek</a:t>
             </a:r>
-            <a:endParaRPr lang="hu-HU" sz="2000" b="1" dirty="0">
-              <a:solidFill>
-                <a:schemeClr val="tx1"/>
-              </a:solidFill>
-            </a:endParaRPr>
           </a:p>
         </p:txBody>
       </p:sp>
@@ -10722,7 +10476,7 @@
           <p:cNvPr id="4" name="Dia számának helye 3">
             <a:extLst>
               <a:ext uri="{FF2B5EF4-FFF2-40B4-BE49-F238E27FC236}">
-                <a16:creationId xmlns:a16="http://schemas.microsoft.com/office/drawing/2014/main" xmlns="" id="{AD8C5EE1-236C-4F83-B6B6-0315500CBF70}"/>
+                <a16:creationId xmlns:a16="http://schemas.microsoft.com/office/drawing/2014/main" id="{AD8C5EE1-236C-4F83-B6B6-0315500CBF70}"/>
               </a:ext>
             </a:extLst>
           </p:cNvPr>
@@ -10786,13 +10540,6 @@
   <p:clrMapOvr>
     <a:masterClrMapping/>
   </p:clrMapOvr>
-  <p:timing>
-    <p:tnLst>
-      <p:par>
-        <p:cTn id="1" dur="indefinite" restart="never" nodeType="tmRoot"/>
-      </p:par>
-    </p:tnLst>
-  </p:timing>
 </p:sld>
 </file>
 
@@ -10818,7 +10565,7 @@
           <p:cNvPr id="2" name="Cím 1">
             <a:extLst>
               <a:ext uri="{FF2B5EF4-FFF2-40B4-BE49-F238E27FC236}">
-                <a16:creationId xmlns:a16="http://schemas.microsoft.com/office/drawing/2014/main" xmlns="" id="{DCCECEDE-C074-41DA-84C8-BDCA2FDBD582}"/>
+                <a16:creationId xmlns:a16="http://schemas.microsoft.com/office/drawing/2014/main" id="{DCCECEDE-C074-41DA-84C8-BDCA2FDBD582}"/>
               </a:ext>
             </a:extLst>
           </p:cNvPr>
@@ -10840,11 +10587,11 @@
           <a:lstStyle/>
           <a:p>
             <a:r>
-              <a:rPr lang="hu-HU" dirty="0" smtClean="0"/>
+              <a:rPr lang="hu-HU" dirty="0"/>
               <a:t>Teszteredmények II.</a:t>
             </a:r>
             <a:br>
-              <a:rPr lang="hu-HU" dirty="0" smtClean="0"/>
+              <a:rPr lang="hu-HU" dirty="0"/>
             </a:br>
             <a:r>
               <a:rPr lang="hu-HU" sz="2000" b="1" dirty="0">
@@ -10852,29 +10599,8 @@
                   <a:schemeClr val="tx1"/>
                 </a:solidFill>
               </a:rPr>
-              <a:t>N</a:t>
-            </a:r>
-            <a:r>
-              <a:rPr lang="hu-HU" sz="2000" b="1" dirty="0" smtClean="0">
-                <a:solidFill>
-                  <a:schemeClr val="tx1"/>
-                </a:solidFill>
-              </a:rPr>
-              <a:t>ehéz/óriás</a:t>
-            </a:r>
-            <a:r>
-              <a:rPr lang="hu-HU" sz="2000" b="1" dirty="0" smtClean="0">
-                <a:solidFill>
-                  <a:schemeClr val="tx1"/>
-                </a:solidFill>
-              </a:rPr>
-              <a:t> feladvány - modellek</a:t>
-            </a:r>
-            <a:endParaRPr lang="hu-HU" sz="2000" b="1" dirty="0">
-              <a:solidFill>
-                <a:schemeClr val="tx1"/>
-              </a:solidFill>
-            </a:endParaRPr>
+              <a:t>Nehéz/óriás feladvány - modellek</a:t>
+            </a:r>
           </a:p>
         </p:txBody>
       </p:sp>
@@ -10883,7 +10609,7 @@
           <p:cNvPr id="4" name="Dia számának helye 3">
             <a:extLst>
               <a:ext uri="{FF2B5EF4-FFF2-40B4-BE49-F238E27FC236}">
-                <a16:creationId xmlns:a16="http://schemas.microsoft.com/office/drawing/2014/main" xmlns="" id="{AD8C5EE1-236C-4F83-B6B6-0315500CBF70}"/>
+                <a16:creationId xmlns:a16="http://schemas.microsoft.com/office/drawing/2014/main" id="{AD8C5EE1-236C-4F83-B6B6-0315500CBF70}"/>
               </a:ext>
             </a:extLst>
           </p:cNvPr>
@@ -10947,13 +10673,6 @@
   <p:clrMapOvr>
     <a:masterClrMapping/>
   </p:clrMapOvr>
-  <p:timing>
-    <p:tnLst>
-      <p:par>
-        <p:cTn id="1" dur="indefinite" restart="never" nodeType="tmRoot"/>
-      </p:par>
-    </p:tnLst>
-  </p:timing>
 </p:sld>
 </file>
 

--- a/CP_Dolgozat/Előadás/Logikai feladványok megoldása korlátprogramozással.pptx
+++ b/CP_Dolgozat/Előadás/Logikai feladványok megoldása korlátprogramozással.pptx
@@ -212,7 +212,7 @@
           <a:p>
             <a:fld id="{D216282D-D81D-4BF8-9895-AC698DE2A975}" type="datetimeFigureOut">
               <a:rPr lang="hu-HU" smtClean="0"/>
-              <a:t>2018. 04. 16.</a:t>
+              <a:t>2018. 04. 17.</a:t>
             </a:fld>
             <a:endParaRPr lang="hu-HU"/>
           </a:p>
@@ -696,7 +696,7 @@
           <a:p>
             <a:fld id="{E312C87B-02A7-472E-A63B-E2AA6EA769CA}" type="datetime1">
               <a:rPr lang="hu-HU" smtClean="0"/>
-              <a:t>2018. 04. 16.</a:t>
+              <a:t>2018. 04. 17.</a:t>
             </a:fld>
             <a:endParaRPr lang="hu-HU"/>
           </a:p>
@@ -971,7 +971,7 @@
           <a:p>
             <a:fld id="{3B5D9C6B-342B-4BF9-8B1A-D54914C7E78B}" type="datetime1">
               <a:rPr lang="hu-HU" smtClean="0"/>
-              <a:t>2018. 04. 16.</a:t>
+              <a:t>2018. 04. 17.</a:t>
             </a:fld>
             <a:endParaRPr lang="hu-HU"/>
           </a:p>
@@ -1227,7 +1227,7 @@
           <a:p>
             <a:fld id="{46B01E20-0B80-441C-A219-14B0C111F8A4}" type="datetime1">
               <a:rPr lang="hu-HU" smtClean="0"/>
-              <a:t>2018. 04. 16.</a:t>
+              <a:t>2018. 04. 17.</a:t>
             </a:fld>
             <a:endParaRPr lang="hu-HU"/>
           </a:p>
@@ -1397,7 +1397,7 @@
           <a:p>
             <a:fld id="{F11C61C5-A889-458F-89AF-EEE72626CAE9}" type="datetime1">
               <a:rPr lang="hu-HU" smtClean="0"/>
-              <a:t>2018. 04. 16.</a:t>
+              <a:t>2018. 04. 17.</a:t>
             </a:fld>
             <a:endParaRPr lang="hu-HU"/>
           </a:p>
@@ -1740,7 +1740,7 @@
           <a:p>
             <a:fld id="{B7685D89-7BCE-478D-AB70-4D9B0230C013}" type="datetime1">
               <a:rPr lang="hu-HU" smtClean="0"/>
-              <a:t>2018. 04. 16.</a:t>
+              <a:t>2018. 04. 17.</a:t>
             </a:fld>
             <a:endParaRPr lang="hu-HU"/>
           </a:p>
@@ -2015,7 +2015,7 @@
           <a:p>
             <a:fld id="{342A6DF3-9923-4C9E-B5CF-2760C80C9AAE}" type="datetime1">
               <a:rPr lang="hu-HU" smtClean="0"/>
-              <a:t>2018. 04. 16.</a:t>
+              <a:t>2018. 04. 17.</a:t>
             </a:fld>
             <a:endParaRPr lang="hu-HU"/>
           </a:p>
@@ -2399,7 +2399,7 @@
           <a:p>
             <a:fld id="{CCB70A02-F1D2-4B6F-A5C9-21ECF68D20F7}" type="datetime1">
               <a:rPr lang="hu-HU" smtClean="0"/>
-              <a:t>2018. 04. 16.</a:t>
+              <a:t>2018. 04. 17.</a:t>
             </a:fld>
             <a:endParaRPr lang="hu-HU"/>
           </a:p>
@@ -2522,7 +2522,7 @@
           <a:p>
             <a:fld id="{4B958066-8305-4AEE-AA62-5F8D66DBDEB8}" type="datetime1">
               <a:rPr lang="hu-HU" smtClean="0"/>
-              <a:t>2018. 04. 16.</a:t>
+              <a:t>2018. 04. 17.</a:t>
             </a:fld>
             <a:endParaRPr lang="hu-HU"/>
           </a:p>
@@ -2684,7 +2684,7 @@
           <a:p>
             <a:fld id="{837CA921-3F6C-4D1B-845A-272145B802A9}" type="datetime1">
               <a:rPr lang="hu-HU" smtClean="0"/>
-              <a:t>2018. 04. 16.</a:t>
+              <a:t>2018. 04. 17.</a:t>
             </a:fld>
             <a:endParaRPr lang="hu-HU"/>
           </a:p>
@@ -3143,7 +3143,7 @@
           <a:p>
             <a:fld id="{69BB093D-7842-40CD-B34D-93DEC9DF4129}" type="datetime1">
               <a:rPr lang="hu-HU" smtClean="0"/>
-              <a:t>2018. 04. 16.</a:t>
+              <a:t>2018. 04. 17.</a:t>
             </a:fld>
             <a:endParaRPr lang="hu-HU"/>
           </a:p>
@@ -3530,7 +3530,7 @@
           <a:p>
             <a:fld id="{FC4EE55C-E42C-44F1-898C-4145C2FBF83B}" type="datetime1">
               <a:rPr lang="hu-HU" smtClean="0"/>
-              <a:t>2018. 04. 16.</a:t>
+              <a:t>2018. 04. 17.</a:t>
             </a:fld>
             <a:endParaRPr lang="hu-HU"/>
           </a:p>
@@ -3884,7 +3884,7 @@
           <a:p>
             <a:fld id="{D6FEAC61-D054-47B6-B1A3-F182E84601BD}" type="datetime1">
               <a:rPr lang="hu-HU" smtClean="0"/>
-              <a:t>2018. 04. 16.</a:t>
+              <a:t>2018. 04. 17.</a:t>
             </a:fld>
             <a:endParaRPr lang="hu-HU"/>
           </a:p>
@@ -9180,41 +9180,6 @@
           </a:p>
         </p:txBody>
       </p:sp>
-      <p:pic>
-        <p:nvPicPr>
-          <p:cNvPr id="4" name="Kép 3">
-            <a:extLst>
-              <a:ext uri="{FF2B5EF4-FFF2-40B4-BE49-F238E27FC236}">
-                <a16:creationId xmlns:a16="http://schemas.microsoft.com/office/drawing/2014/main" id="{BF1A90B6-D693-47C4-A4A4-06F4B3ADE8A1}"/>
-              </a:ext>
-            </a:extLst>
-          </p:cNvPr>
-          <p:cNvPicPr>
-            <a:picLocks noChangeAspect="1"/>
-          </p:cNvPicPr>
-          <p:nvPr/>
-        </p:nvPicPr>
-        <p:blipFill rotWithShape="1">
-          <a:blip r:embed="rId2">
-            <a:extLst>
-              <a:ext uri="{28A0092B-C50C-407E-A947-70E740481C1C}">
-                <a14:useLocalDpi xmlns:a14="http://schemas.microsoft.com/office/drawing/2010/main" val="0"/>
-              </a:ext>
-            </a:extLst>
-          </a:blip>
-          <a:srcRect t="28076"/>
-          <a:stretch/>
-        </p:blipFill>
-        <p:spPr>
-          <a:xfrm>
-            <a:off x="1045746" y="1291131"/>
-            <a:ext cx="3465869" cy="4976040"/>
-          </a:xfrm>
-          <a:prstGeom prst="rect">
-            <a:avLst/>
-          </a:prstGeom>
-        </p:spPr>
-      </p:pic>
       <p:sp>
         <p:nvSpPr>
           <p:cNvPr id="5" name="Cím 1">
@@ -9270,6 +9235,42 @@
           </a:p>
         </p:txBody>
       </p:sp>
+      <p:pic>
+        <p:nvPicPr>
+          <p:cNvPr id="7" name="Kép 6">
+            <a:extLst>
+              <a:ext uri="{FF2B5EF4-FFF2-40B4-BE49-F238E27FC236}">
+                <a16:creationId xmlns:a16="http://schemas.microsoft.com/office/drawing/2014/main" id="{1FB64181-B7A7-4F2C-975F-75D7BD37C170}"/>
+              </a:ext>
+            </a:extLst>
+          </p:cNvPr>
+          <p:cNvPicPr>
+            <a:picLocks noChangeAspect="1"/>
+          </p:cNvPicPr>
+          <p:nvPr/>
+        </p:nvPicPr>
+        <p:blipFill>
+          <a:blip r:embed="rId3">
+            <a:extLst>
+              <a:ext uri="{28A0092B-C50C-407E-A947-70E740481C1C}">
+                <a14:useLocalDpi xmlns:a14="http://schemas.microsoft.com/office/drawing/2010/main" val="0"/>
+              </a:ext>
+            </a:extLst>
+          </a:blip>
+          <a:stretch>
+            <a:fillRect/>
+          </a:stretch>
+        </p:blipFill>
+        <p:spPr>
+          <a:xfrm>
+            <a:off x="761759" y="1194936"/>
+            <a:ext cx="3907678" cy="5224630"/>
+          </a:xfrm>
+          <a:prstGeom prst="rect">
+            <a:avLst/>
+          </a:prstGeom>
+        </p:spPr>
+      </p:pic>
     </p:spTree>
     <p:extLst>
       <p:ext uri="{BB962C8B-B14F-4D97-AF65-F5344CB8AC3E}">

--- a/CP_Dolgozat/Előadás/Logikai feladványok megoldása korlátprogramozással.pptx
+++ b/CP_Dolgozat/Előadás/Logikai feladványok megoldása korlátprogramozással.pptx
@@ -212,7 +212,7 @@
           <a:p>
             <a:fld id="{D216282D-D81D-4BF8-9895-AC698DE2A975}" type="datetimeFigureOut">
               <a:rPr lang="hu-HU" smtClean="0"/>
-              <a:t>2018. 04. 17.</a:t>
+              <a:t>2018. 04. 18.</a:t>
             </a:fld>
             <a:endParaRPr lang="hu-HU"/>
           </a:p>
@@ -696,7 +696,7 @@
           <a:p>
             <a:fld id="{E312C87B-02A7-472E-A63B-E2AA6EA769CA}" type="datetime1">
               <a:rPr lang="hu-HU" smtClean="0"/>
-              <a:t>2018. 04. 17.</a:t>
+              <a:t>2018. 04. 18.</a:t>
             </a:fld>
             <a:endParaRPr lang="hu-HU"/>
           </a:p>
@@ -971,7 +971,7 @@
           <a:p>
             <a:fld id="{3B5D9C6B-342B-4BF9-8B1A-D54914C7E78B}" type="datetime1">
               <a:rPr lang="hu-HU" smtClean="0"/>
-              <a:t>2018. 04. 17.</a:t>
+              <a:t>2018. 04. 18.</a:t>
             </a:fld>
             <a:endParaRPr lang="hu-HU"/>
           </a:p>
@@ -1227,7 +1227,7 @@
           <a:p>
             <a:fld id="{46B01E20-0B80-441C-A219-14B0C111F8A4}" type="datetime1">
               <a:rPr lang="hu-HU" smtClean="0"/>
-              <a:t>2018. 04. 17.</a:t>
+              <a:t>2018. 04. 18.</a:t>
             </a:fld>
             <a:endParaRPr lang="hu-HU"/>
           </a:p>
@@ -1397,7 +1397,7 @@
           <a:p>
             <a:fld id="{F11C61C5-A889-458F-89AF-EEE72626CAE9}" type="datetime1">
               <a:rPr lang="hu-HU" smtClean="0"/>
-              <a:t>2018. 04. 17.</a:t>
+              <a:t>2018. 04. 18.</a:t>
             </a:fld>
             <a:endParaRPr lang="hu-HU"/>
           </a:p>
@@ -1740,7 +1740,7 @@
           <a:p>
             <a:fld id="{B7685D89-7BCE-478D-AB70-4D9B0230C013}" type="datetime1">
               <a:rPr lang="hu-HU" smtClean="0"/>
-              <a:t>2018. 04. 17.</a:t>
+              <a:t>2018. 04. 18.</a:t>
             </a:fld>
             <a:endParaRPr lang="hu-HU"/>
           </a:p>
@@ -2015,7 +2015,7 @@
           <a:p>
             <a:fld id="{342A6DF3-9923-4C9E-B5CF-2760C80C9AAE}" type="datetime1">
               <a:rPr lang="hu-HU" smtClean="0"/>
-              <a:t>2018. 04. 17.</a:t>
+              <a:t>2018. 04. 18.</a:t>
             </a:fld>
             <a:endParaRPr lang="hu-HU"/>
           </a:p>
@@ -2399,7 +2399,7 @@
           <a:p>
             <a:fld id="{CCB70A02-F1D2-4B6F-A5C9-21ECF68D20F7}" type="datetime1">
               <a:rPr lang="hu-HU" smtClean="0"/>
-              <a:t>2018. 04. 17.</a:t>
+              <a:t>2018. 04. 18.</a:t>
             </a:fld>
             <a:endParaRPr lang="hu-HU"/>
           </a:p>
@@ -2522,7 +2522,7 @@
           <a:p>
             <a:fld id="{4B958066-8305-4AEE-AA62-5F8D66DBDEB8}" type="datetime1">
               <a:rPr lang="hu-HU" smtClean="0"/>
-              <a:t>2018. 04. 17.</a:t>
+              <a:t>2018. 04. 18.</a:t>
             </a:fld>
             <a:endParaRPr lang="hu-HU"/>
           </a:p>
@@ -2684,7 +2684,7 @@
           <a:p>
             <a:fld id="{837CA921-3F6C-4D1B-845A-272145B802A9}" type="datetime1">
               <a:rPr lang="hu-HU" smtClean="0"/>
-              <a:t>2018. 04. 17.</a:t>
+              <a:t>2018. 04. 18.</a:t>
             </a:fld>
             <a:endParaRPr lang="hu-HU"/>
           </a:p>
@@ -3143,7 +3143,7 @@
           <a:p>
             <a:fld id="{69BB093D-7842-40CD-B34D-93DEC9DF4129}" type="datetime1">
               <a:rPr lang="hu-HU" smtClean="0"/>
-              <a:t>2018. 04. 17.</a:t>
+              <a:t>2018. 04. 18.</a:t>
             </a:fld>
             <a:endParaRPr lang="hu-HU"/>
           </a:p>
@@ -3530,7 +3530,7 @@
           <a:p>
             <a:fld id="{FC4EE55C-E42C-44F1-898C-4145C2FBF83B}" type="datetime1">
               <a:rPr lang="hu-HU" smtClean="0"/>
-              <a:t>2018. 04. 17.</a:t>
+              <a:t>2018. 04. 18.</a:t>
             </a:fld>
             <a:endParaRPr lang="hu-HU"/>
           </a:p>
@@ -3884,7 +3884,7 @@
           <a:p>
             <a:fld id="{D6FEAC61-D054-47B6-B1A3-F182E84601BD}" type="datetime1">
               <a:rPr lang="hu-HU" smtClean="0"/>
-              <a:t>2018. 04. 17.</a:t>
+              <a:t>2018. 04. 18.</a:t>
             </a:fld>
             <a:endParaRPr lang="hu-HU"/>
           </a:p>
@@ -4598,7 +4598,10 @@
               <a:rPr lang="hu-HU" smtClean="0"/>
               <a:t>1</a:t>
             </a:fld>
-            <a:endParaRPr lang="hu-HU"/>
+            <a:r>
+              <a:rPr lang="hu-HU" dirty="0"/>
+              <a:t>/16</a:t>
+            </a:r>
           </a:p>
         </p:txBody>
       </p:sp>
@@ -4693,7 +4696,10 @@
               <a:rPr lang="hu-HU" smtClean="0"/>
               <a:t>10</a:t>
             </a:fld>
-            <a:endParaRPr lang="hu-HU"/>
+            <a:r>
+              <a:rPr lang="hu-HU" dirty="0"/>
+              <a:t>/16</a:t>
+            </a:r>
           </a:p>
         </p:txBody>
       </p:sp>
@@ -4913,7 +4919,10 @@
               <a:rPr lang="hu-HU" smtClean="0"/>
               <a:t>11</a:t>
             </a:fld>
-            <a:endParaRPr lang="hu-HU"/>
+            <a:r>
+              <a:rPr lang="hu-HU" dirty="0"/>
+              <a:t>/16</a:t>
+            </a:r>
           </a:p>
         </p:txBody>
       </p:sp>
@@ -5564,7 +5573,10 @@
               <a:rPr lang="hu-HU" smtClean="0"/>
               <a:t>12</a:t>
             </a:fld>
-            <a:endParaRPr lang="hu-HU"/>
+            <a:r>
+              <a:rPr lang="hu-HU" dirty="0"/>
+              <a:t>/16</a:t>
+            </a:r>
           </a:p>
         </p:txBody>
       </p:sp>
@@ -5865,7 +5877,10 @@
               <a:rPr lang="hu-HU" smtClean="0"/>
               <a:t>13</a:t>
             </a:fld>
-            <a:endParaRPr lang="hu-HU"/>
+            <a:r>
+              <a:rPr lang="hu-HU" dirty="0"/>
+              <a:t>/16</a:t>
+            </a:r>
           </a:p>
         </p:txBody>
       </p:sp>
@@ -6023,7 +6038,10 @@
               <a:rPr lang="hu-HU" smtClean="0"/>
               <a:t>14</a:t>
             </a:fld>
-            <a:endParaRPr lang="hu-HU"/>
+            <a:r>
+              <a:rPr lang="hu-HU" dirty="0"/>
+              <a:t>/16</a:t>
+            </a:r>
           </a:p>
         </p:txBody>
       </p:sp>
@@ -6889,7 +6907,10 @@
               <a:rPr lang="hu-HU" smtClean="0"/>
               <a:t>15</a:t>
             </a:fld>
-            <a:endParaRPr lang="hu-HU"/>
+            <a:r>
+              <a:rPr lang="hu-HU" dirty="0"/>
+              <a:t>/16</a:t>
+            </a:r>
           </a:p>
         </p:txBody>
       </p:sp>
@@ -7048,7 +7069,10 @@
               <a:rPr lang="hu-HU" smtClean="0"/>
               <a:t>16</a:t>
             </a:fld>
-            <a:endParaRPr lang="hu-HU"/>
+            <a:r>
+              <a:rPr lang="hu-HU" dirty="0"/>
+              <a:t>/16</a:t>
+            </a:r>
           </a:p>
         </p:txBody>
       </p:sp>
@@ -7222,7 +7246,10 @@
               <a:rPr lang="hu-HU" smtClean="0"/>
               <a:t>2</a:t>
             </a:fld>
-            <a:endParaRPr lang="hu-HU" dirty="0"/>
+            <a:r>
+              <a:rPr lang="hu-HU" dirty="0"/>
+              <a:t>/16</a:t>
+            </a:r>
           </a:p>
         </p:txBody>
       </p:sp>
@@ -7309,7 +7336,10 @@
               <a:rPr lang="hu-HU" smtClean="0"/>
               <a:t>3</a:t>
             </a:fld>
-            <a:endParaRPr lang="hu-HU"/>
+            <a:r>
+              <a:rPr lang="hu-HU" dirty="0"/>
+              <a:t>/16</a:t>
+            </a:r>
           </a:p>
         </p:txBody>
       </p:sp>
@@ -8956,7 +8986,10 @@
               <a:rPr lang="hu-HU" smtClean="0"/>
               <a:t>4</a:t>
             </a:fld>
-            <a:endParaRPr lang="hu-HU"/>
+            <a:r>
+              <a:rPr lang="hu-HU" dirty="0"/>
+              <a:t>/16</a:t>
+            </a:r>
           </a:p>
         </p:txBody>
       </p:sp>
@@ -9176,7 +9209,10 @@
               <a:rPr lang="hu-HU" smtClean="0"/>
               <a:t>5</a:t>
             </a:fld>
-            <a:endParaRPr lang="hu-HU"/>
+            <a:r>
+              <a:rPr lang="hu-HU" dirty="0"/>
+              <a:t>/16</a:t>
+            </a:r>
           </a:p>
         </p:txBody>
       </p:sp>
@@ -9362,7 +9398,10 @@
               <a:rPr lang="hu-HU" smtClean="0"/>
               <a:t>6</a:t>
             </a:fld>
-            <a:endParaRPr lang="hu-HU"/>
+            <a:r>
+              <a:rPr lang="hu-HU" dirty="0"/>
+              <a:t>/16</a:t>
+            </a:r>
           </a:p>
         </p:txBody>
       </p:sp>
@@ -9816,7 +9855,10 @@
               <a:rPr lang="hu-HU" smtClean="0"/>
               <a:t>7</a:t>
             </a:fld>
-            <a:endParaRPr lang="hu-HU"/>
+            <a:r>
+              <a:rPr lang="hu-HU" dirty="0"/>
+              <a:t>/16</a:t>
+            </a:r>
           </a:p>
         </p:txBody>
       </p:sp>
@@ -10497,7 +10539,10 @@
               <a:rPr lang="hu-HU" smtClean="0"/>
               <a:t>8</a:t>
             </a:fld>
-            <a:endParaRPr lang="hu-HU" dirty="0"/>
+            <a:r>
+              <a:rPr lang="hu-HU" dirty="0"/>
+              <a:t>/16</a:t>
+            </a:r>
           </a:p>
         </p:txBody>
       </p:sp>
@@ -10630,7 +10675,10 @@
               <a:rPr lang="hu-HU" smtClean="0"/>
               <a:t>9</a:t>
             </a:fld>
-            <a:endParaRPr lang="hu-HU" dirty="0"/>
+            <a:r>
+              <a:rPr lang="hu-HU" dirty="0"/>
+              <a:t>/16</a:t>
+            </a:r>
           </a:p>
         </p:txBody>
       </p:sp>

--- a/CP_Dolgozat/Előadás/Logikai feladványok megoldása korlátprogramozással.pptx
+++ b/CP_Dolgozat/Előadás/Logikai feladványok megoldása korlátprogramozással.pptx
@@ -212,7 +212,7 @@
           <a:p>
             <a:fld id="{D216282D-D81D-4BF8-9895-AC698DE2A975}" type="datetimeFigureOut">
               <a:rPr lang="hu-HU" smtClean="0"/>
-              <a:t>2018. 04. 18.</a:t>
+              <a:t>2018. 04. 19.</a:t>
             </a:fld>
             <a:endParaRPr lang="hu-HU"/>
           </a:p>
@@ -696,7 +696,7 @@
           <a:p>
             <a:fld id="{E312C87B-02A7-472E-A63B-E2AA6EA769CA}" type="datetime1">
               <a:rPr lang="hu-HU" smtClean="0"/>
-              <a:t>2018. 04. 18.</a:t>
+              <a:t>2018. 04. 19.</a:t>
             </a:fld>
             <a:endParaRPr lang="hu-HU"/>
           </a:p>
@@ -971,7 +971,7 @@
           <a:p>
             <a:fld id="{3B5D9C6B-342B-4BF9-8B1A-D54914C7E78B}" type="datetime1">
               <a:rPr lang="hu-HU" smtClean="0"/>
-              <a:t>2018. 04. 18.</a:t>
+              <a:t>2018. 04. 19.</a:t>
             </a:fld>
             <a:endParaRPr lang="hu-HU"/>
           </a:p>
@@ -1227,7 +1227,7 @@
           <a:p>
             <a:fld id="{46B01E20-0B80-441C-A219-14B0C111F8A4}" type="datetime1">
               <a:rPr lang="hu-HU" smtClean="0"/>
-              <a:t>2018. 04. 18.</a:t>
+              <a:t>2018. 04. 19.</a:t>
             </a:fld>
             <a:endParaRPr lang="hu-HU"/>
           </a:p>
@@ -1397,7 +1397,7 @@
           <a:p>
             <a:fld id="{F11C61C5-A889-458F-89AF-EEE72626CAE9}" type="datetime1">
               <a:rPr lang="hu-HU" smtClean="0"/>
-              <a:t>2018. 04. 18.</a:t>
+              <a:t>2018. 04. 19.</a:t>
             </a:fld>
             <a:endParaRPr lang="hu-HU"/>
           </a:p>
@@ -1740,7 +1740,7 @@
           <a:p>
             <a:fld id="{B7685D89-7BCE-478D-AB70-4D9B0230C013}" type="datetime1">
               <a:rPr lang="hu-HU" smtClean="0"/>
-              <a:t>2018. 04. 18.</a:t>
+              <a:t>2018. 04. 19.</a:t>
             </a:fld>
             <a:endParaRPr lang="hu-HU"/>
           </a:p>
@@ -2015,7 +2015,7 @@
           <a:p>
             <a:fld id="{342A6DF3-9923-4C9E-B5CF-2760C80C9AAE}" type="datetime1">
               <a:rPr lang="hu-HU" smtClean="0"/>
-              <a:t>2018. 04. 18.</a:t>
+              <a:t>2018. 04. 19.</a:t>
             </a:fld>
             <a:endParaRPr lang="hu-HU"/>
           </a:p>
@@ -2399,7 +2399,7 @@
           <a:p>
             <a:fld id="{CCB70A02-F1D2-4B6F-A5C9-21ECF68D20F7}" type="datetime1">
               <a:rPr lang="hu-HU" smtClean="0"/>
-              <a:t>2018. 04. 18.</a:t>
+              <a:t>2018. 04. 19.</a:t>
             </a:fld>
             <a:endParaRPr lang="hu-HU"/>
           </a:p>
@@ -2522,7 +2522,7 @@
           <a:p>
             <a:fld id="{4B958066-8305-4AEE-AA62-5F8D66DBDEB8}" type="datetime1">
               <a:rPr lang="hu-HU" smtClean="0"/>
-              <a:t>2018. 04. 18.</a:t>
+              <a:t>2018. 04. 19.</a:t>
             </a:fld>
             <a:endParaRPr lang="hu-HU"/>
           </a:p>
@@ -2684,7 +2684,7 @@
           <a:p>
             <a:fld id="{837CA921-3F6C-4D1B-845A-272145B802A9}" type="datetime1">
               <a:rPr lang="hu-HU" smtClean="0"/>
-              <a:t>2018. 04. 18.</a:t>
+              <a:t>2018. 04. 19.</a:t>
             </a:fld>
             <a:endParaRPr lang="hu-HU"/>
           </a:p>
@@ -3143,7 +3143,7 @@
           <a:p>
             <a:fld id="{69BB093D-7842-40CD-B34D-93DEC9DF4129}" type="datetime1">
               <a:rPr lang="hu-HU" smtClean="0"/>
-              <a:t>2018. 04. 18.</a:t>
+              <a:t>2018. 04. 19.</a:t>
             </a:fld>
             <a:endParaRPr lang="hu-HU"/>
           </a:p>
@@ -3530,7 +3530,7 @@
           <a:p>
             <a:fld id="{FC4EE55C-E42C-44F1-898C-4145C2FBF83B}" type="datetime1">
               <a:rPr lang="hu-HU" smtClean="0"/>
-              <a:t>2018. 04. 18.</a:t>
+              <a:t>2018. 04. 19.</a:t>
             </a:fld>
             <a:endParaRPr lang="hu-HU"/>
           </a:p>
@@ -3884,7 +3884,7 @@
           <a:p>
             <a:fld id="{D6FEAC61-D054-47B6-B1A3-F182E84601BD}" type="datetime1">
               <a:rPr lang="hu-HU" smtClean="0"/>
-              <a:t>2018. 04. 18.</a:t>
+              <a:t>2018. 04. 19.</a:t>
             </a:fld>
             <a:endParaRPr lang="hu-HU"/>
           </a:p>
@@ -4411,7 +4411,7 @@
           <p:cNvPr id="2" name="Cím 1">
             <a:extLst>
               <a:ext uri="{FF2B5EF4-FFF2-40B4-BE49-F238E27FC236}">
-                <a16:creationId xmlns:a16="http://schemas.microsoft.com/office/drawing/2014/main" id="{7EBC0285-A2BD-4B16-99D1-07781D59B075}"/>
+                <a16:creationId xmlns:a16="http://schemas.microsoft.com/office/drawing/2014/main" xmlns="" id="{7EBC0285-A2BD-4B16-99D1-07781D59B075}"/>
               </a:ext>
             </a:extLst>
           </p:cNvPr>
@@ -4449,7 +4449,7 @@
           <p:cNvPr id="3" name="Alcím 2">
             <a:extLst>
               <a:ext uri="{FF2B5EF4-FFF2-40B4-BE49-F238E27FC236}">
-                <a16:creationId xmlns:a16="http://schemas.microsoft.com/office/drawing/2014/main" id="{7DB2DDC9-0531-433E-AE33-F07B4E9C5077}"/>
+                <a16:creationId xmlns:a16="http://schemas.microsoft.com/office/drawing/2014/main" xmlns="" id="{7DB2DDC9-0531-433E-AE33-F07B4E9C5077}"/>
               </a:ext>
             </a:extLst>
           </p:cNvPr>
@@ -4615,6 +4615,13 @@
   <p:clrMapOvr>
     <a:masterClrMapping/>
   </p:clrMapOvr>
+  <p:timing>
+    <p:tnLst>
+      <p:par>
+        <p:cTn id="1" dur="indefinite" restart="never" nodeType="tmRoot"/>
+      </p:par>
+    </p:tnLst>
+  </p:timing>
 </p:sld>
 </file>
 
@@ -4640,7 +4647,7 @@
           <p:cNvPr id="2" name="Cím 1">
             <a:extLst>
               <a:ext uri="{FF2B5EF4-FFF2-40B4-BE49-F238E27FC236}">
-                <a16:creationId xmlns:a16="http://schemas.microsoft.com/office/drawing/2014/main" id="{09411F1E-27C1-4AE8-AE32-00B88150B9E2}"/>
+                <a16:creationId xmlns:a16="http://schemas.microsoft.com/office/drawing/2014/main" xmlns="" id="{09411F1E-27C1-4AE8-AE32-00B88150B9E2}"/>
               </a:ext>
             </a:extLst>
           </p:cNvPr>
@@ -4676,7 +4683,7 @@
           <p:cNvPr id="4" name="Dia számának helye 3">
             <a:extLst>
               <a:ext uri="{FF2B5EF4-FFF2-40B4-BE49-F238E27FC236}">
-                <a16:creationId xmlns:a16="http://schemas.microsoft.com/office/drawing/2014/main" id="{A0A56984-CD4E-4AFC-B636-2467537DA82C}"/>
+                <a16:creationId xmlns:a16="http://schemas.microsoft.com/office/drawing/2014/main" xmlns="" id="{A0A56984-CD4E-4AFC-B636-2467537DA82C}"/>
               </a:ext>
             </a:extLst>
           </p:cNvPr>
@@ -4708,7 +4715,7 @@
           <p:cNvPr id="3" name="Szövegdoboz 2">
             <a:extLst>
               <a:ext uri="{FF2B5EF4-FFF2-40B4-BE49-F238E27FC236}">
-                <a16:creationId xmlns:a16="http://schemas.microsoft.com/office/drawing/2014/main" id="{4DE43672-6366-462F-BC64-FD398B28F1E0}"/>
+                <a16:creationId xmlns:a16="http://schemas.microsoft.com/office/drawing/2014/main" xmlns="" id="{4DE43672-6366-462F-BC64-FD398B28F1E0}"/>
               </a:ext>
             </a:extLst>
           </p:cNvPr>
@@ -4792,7 +4799,7 @@
           <p:cNvPr id="6" name="Kép 5">
             <a:extLst>
               <a:ext uri="{FF2B5EF4-FFF2-40B4-BE49-F238E27FC236}">
-                <a16:creationId xmlns:a16="http://schemas.microsoft.com/office/drawing/2014/main" id="{B507115D-936F-4E1D-B372-6A80D2FC9368}"/>
+                <a16:creationId xmlns:a16="http://schemas.microsoft.com/office/drawing/2014/main" xmlns="" id="{B507115D-936F-4E1D-B372-6A80D2FC9368}"/>
               </a:ext>
             </a:extLst>
           </p:cNvPr>
@@ -4833,6 +4840,13 @@
   <p:clrMapOvr>
     <a:masterClrMapping/>
   </p:clrMapOvr>
+  <p:timing>
+    <p:tnLst>
+      <p:par>
+        <p:cTn id="1" dur="indefinite" restart="never" nodeType="tmRoot"/>
+      </p:par>
+    </p:tnLst>
+  </p:timing>
 </p:sld>
 </file>
 
@@ -4858,7 +4872,7 @@
           <p:cNvPr id="2" name="Cím 1">
             <a:extLst>
               <a:ext uri="{FF2B5EF4-FFF2-40B4-BE49-F238E27FC236}">
-                <a16:creationId xmlns:a16="http://schemas.microsoft.com/office/drawing/2014/main" id="{09411F1E-27C1-4AE8-AE32-00B88150B9E2}"/>
+                <a16:creationId xmlns:a16="http://schemas.microsoft.com/office/drawing/2014/main" xmlns="" id="{09411F1E-27C1-4AE8-AE32-00B88150B9E2}"/>
               </a:ext>
             </a:extLst>
           </p:cNvPr>
@@ -4899,7 +4913,7 @@
           <p:cNvPr id="4" name="Dia számának helye 3">
             <a:extLst>
               <a:ext uri="{FF2B5EF4-FFF2-40B4-BE49-F238E27FC236}">
-                <a16:creationId xmlns:a16="http://schemas.microsoft.com/office/drawing/2014/main" id="{A0A56984-CD4E-4AFC-B636-2467537DA82C}"/>
+                <a16:creationId xmlns:a16="http://schemas.microsoft.com/office/drawing/2014/main" xmlns="" id="{A0A56984-CD4E-4AFC-B636-2467537DA82C}"/>
               </a:ext>
             </a:extLst>
           </p:cNvPr>
@@ -4931,7 +4945,7 @@
           <p:cNvPr id="8" name="Kép 7">
             <a:extLst>
               <a:ext uri="{FF2B5EF4-FFF2-40B4-BE49-F238E27FC236}">
-                <a16:creationId xmlns:a16="http://schemas.microsoft.com/office/drawing/2014/main" id="{7EFA0B0D-2D29-475A-BC6F-B7654AD6247E}"/>
+                <a16:creationId xmlns:a16="http://schemas.microsoft.com/office/drawing/2014/main" xmlns="" id="{7EFA0B0D-2D29-475A-BC6F-B7654AD6247E}"/>
               </a:ext>
             </a:extLst>
           </p:cNvPr>
@@ -4954,7 +4968,7 @@
         </p:blipFill>
         <p:spPr>
           <a:xfrm>
-            <a:off x="743736" y="2094089"/>
+            <a:off x="1311211" y="2094089"/>
             <a:ext cx="6521578" cy="1077411"/>
           </a:xfrm>
           <a:prstGeom prst="rect">
@@ -4967,7 +4981,7 @@
           <p:cNvPr id="5" name="Kép 4">
             <a:extLst>
               <a:ext uri="{FF2B5EF4-FFF2-40B4-BE49-F238E27FC236}">
-                <a16:creationId xmlns:a16="http://schemas.microsoft.com/office/drawing/2014/main" id="{006E9B15-E836-47EB-A212-30BFB95903FA}"/>
+                <a16:creationId xmlns:a16="http://schemas.microsoft.com/office/drawing/2014/main" xmlns="" id="{006E9B15-E836-47EB-A212-30BFB95903FA}"/>
               </a:ext>
             </a:extLst>
           </p:cNvPr>
@@ -4990,7 +5004,7 @@
         </p:blipFill>
         <p:spPr>
           <a:xfrm>
-            <a:off x="900234" y="4545666"/>
+            <a:off x="1505022" y="4545666"/>
             <a:ext cx="6133956" cy="995368"/>
           </a:xfrm>
           <a:prstGeom prst="rect">
@@ -5003,7 +5017,7 @@
           <p:cNvPr id="10" name="Szövegdoboz 2">
             <a:extLst>
               <a:ext uri="{FF2B5EF4-FFF2-40B4-BE49-F238E27FC236}">
-                <a16:creationId xmlns:a16="http://schemas.microsoft.com/office/drawing/2014/main" id="{39841D13-B0B8-4DA2-A5A2-95125A497738}"/>
+                <a16:creationId xmlns:a16="http://schemas.microsoft.com/office/drawing/2014/main" xmlns="" id="{39841D13-B0B8-4DA2-A5A2-95125A497738}"/>
               </a:ext>
             </a:extLst>
           </p:cNvPr>
@@ -5014,7 +5028,7 @@
         </p:nvSpPr>
         <p:spPr bwMode="auto">
           <a:xfrm>
-            <a:off x="1185472" y="3089281"/>
+            <a:off x="1421412" y="3089281"/>
             <a:ext cx="6301177" cy="937998"/>
           </a:xfrm>
           <a:prstGeom prst="rect">
@@ -5202,7 +5216,7 @@
           <p:cNvPr id="11" name="Szövegdoboz 2">
             <a:extLst>
               <a:ext uri="{FF2B5EF4-FFF2-40B4-BE49-F238E27FC236}">
-                <a16:creationId xmlns:a16="http://schemas.microsoft.com/office/drawing/2014/main" id="{86F25DC7-8728-4838-B077-B40E9AE2E358}"/>
+                <a16:creationId xmlns:a16="http://schemas.microsoft.com/office/drawing/2014/main" xmlns="" id="{86F25DC7-8728-4838-B077-B40E9AE2E358}"/>
               </a:ext>
             </a:extLst>
           </p:cNvPr>
@@ -5213,7 +5227,7 @@
         </p:nvSpPr>
         <p:spPr bwMode="auto">
           <a:xfrm>
-            <a:off x="900234" y="5541034"/>
+            <a:off x="1467709" y="5541034"/>
             <a:ext cx="6208583" cy="877741"/>
           </a:xfrm>
           <a:prstGeom prst="rect">
@@ -5385,7 +5399,7 @@
           <p:cNvPr id="13" name="Szövegdoboz 12">
             <a:extLst>
               <a:ext uri="{FF2B5EF4-FFF2-40B4-BE49-F238E27FC236}">
-                <a16:creationId xmlns:a16="http://schemas.microsoft.com/office/drawing/2014/main" id="{0577F7CD-9049-455E-B1B2-6AEAADE49D6A}"/>
+                <a16:creationId xmlns:a16="http://schemas.microsoft.com/office/drawing/2014/main" xmlns="" id="{0577F7CD-9049-455E-B1B2-6AEAADE49D6A}"/>
               </a:ext>
             </a:extLst>
           </p:cNvPr>
@@ -5424,7 +5438,7 @@
           <p:cNvPr id="14" name="Szövegdoboz 13">
             <a:extLst>
               <a:ext uri="{FF2B5EF4-FFF2-40B4-BE49-F238E27FC236}">
-                <a16:creationId xmlns:a16="http://schemas.microsoft.com/office/drawing/2014/main" id="{9FA03E7D-BC57-4837-88E1-401F7D3D114C}"/>
+                <a16:creationId xmlns:a16="http://schemas.microsoft.com/office/drawing/2014/main" xmlns="" id="{9FA03E7D-BC57-4837-88E1-401F7D3D114C}"/>
               </a:ext>
             </a:extLst>
           </p:cNvPr>
@@ -5454,8 +5468,13 @@
             </a:pPr>
             <a:r>
               <a:rPr lang="hu-HU" sz="2400" dirty="0"/>
-              <a:t>Több módszer is alkalmazva lett:</a:t>
-            </a:r>
+              <a:t>Több </a:t>
+            </a:r>
+            <a:r>
+              <a:rPr lang="hu-HU" sz="2400" dirty="0" smtClean="0"/>
+              <a:t>modell is készült:</a:t>
+            </a:r>
+            <a:endParaRPr lang="hu-HU" sz="2400" dirty="0"/>
           </a:p>
           <a:p>
             <a:pPr marL="342900" indent="-342900">
@@ -5487,6 +5506,13 @@
   <p:clrMapOvr>
     <a:masterClrMapping/>
   </p:clrMapOvr>
+  <p:timing>
+    <p:tnLst>
+      <p:par>
+        <p:cTn id="1" dur="indefinite" restart="never" nodeType="tmRoot"/>
+      </p:par>
+    </p:tnLst>
+  </p:timing>
 </p:sld>
 </file>
 
@@ -5512,7 +5538,7 @@
           <p:cNvPr id="2" name="Cím 1">
             <a:extLst>
               <a:ext uri="{FF2B5EF4-FFF2-40B4-BE49-F238E27FC236}">
-                <a16:creationId xmlns:a16="http://schemas.microsoft.com/office/drawing/2014/main" id="{09411F1E-27C1-4AE8-AE32-00B88150B9E2}"/>
+                <a16:creationId xmlns:a16="http://schemas.microsoft.com/office/drawing/2014/main" xmlns="" id="{09411F1E-27C1-4AE8-AE32-00B88150B9E2}"/>
               </a:ext>
             </a:extLst>
           </p:cNvPr>
@@ -5553,7 +5579,7 @@
           <p:cNvPr id="4" name="Dia számának helye 3">
             <a:extLst>
               <a:ext uri="{FF2B5EF4-FFF2-40B4-BE49-F238E27FC236}">
-                <a16:creationId xmlns:a16="http://schemas.microsoft.com/office/drawing/2014/main" id="{A0A56984-CD4E-4AFC-B636-2467537DA82C}"/>
+                <a16:creationId xmlns:a16="http://schemas.microsoft.com/office/drawing/2014/main" xmlns="" id="{A0A56984-CD4E-4AFC-B636-2467537DA82C}"/>
               </a:ext>
             </a:extLst>
           </p:cNvPr>
@@ -5585,7 +5611,7 @@
           <p:cNvPr id="3" name="Szövegdoboz 2">
             <a:extLst>
               <a:ext uri="{FF2B5EF4-FFF2-40B4-BE49-F238E27FC236}">
-                <a16:creationId xmlns:a16="http://schemas.microsoft.com/office/drawing/2014/main" id="{4DE43672-6366-462F-BC64-FD398B28F1E0}"/>
+                <a16:creationId xmlns:a16="http://schemas.microsoft.com/office/drawing/2014/main" xmlns="" id="{4DE43672-6366-462F-BC64-FD398B28F1E0}"/>
               </a:ext>
             </a:extLst>
           </p:cNvPr>
@@ -5655,10 +5681,12 @@
             </a:r>
           </a:p>
           <a:p>
-            <a:pPr marL="0" lvl="1">
+            <a:pPr marL="342900" lvl="1" indent="-342900">
               <a:spcAft>
                 <a:spcPts val="12600"/>
               </a:spcAft>
+              <a:buFont typeface="Arial" panose="020B0604020202020204" pitchFamily="34" charset="0"/>
+              <a:buChar char="•"/>
             </a:pPr>
             <a:r>
               <a:rPr lang="hu-HU" sz="2400" dirty="0"/>
@@ -5672,7 +5700,7 @@
           <p:cNvPr id="8" name="Kép 7">
             <a:extLst>
               <a:ext uri="{FF2B5EF4-FFF2-40B4-BE49-F238E27FC236}">
-                <a16:creationId xmlns:a16="http://schemas.microsoft.com/office/drawing/2014/main" id="{C05E58D7-36C5-4C65-9FE0-11FA11CBC560}"/>
+                <a16:creationId xmlns:a16="http://schemas.microsoft.com/office/drawing/2014/main" xmlns="" id="{C05E58D7-36C5-4C65-9FE0-11FA11CBC560}"/>
               </a:ext>
             </a:extLst>
           </p:cNvPr>
@@ -5708,7 +5736,7 @@
           <p:cNvPr id="11" name="Kép 10">
             <a:extLst>
               <a:ext uri="{FF2B5EF4-FFF2-40B4-BE49-F238E27FC236}">
-                <a16:creationId xmlns:a16="http://schemas.microsoft.com/office/drawing/2014/main" id="{FC2E7B0D-741C-4FBE-8BF7-2119A781BFDA}"/>
+                <a16:creationId xmlns:a16="http://schemas.microsoft.com/office/drawing/2014/main" xmlns="" id="{FC2E7B0D-741C-4FBE-8BF7-2119A781BFDA}"/>
               </a:ext>
             </a:extLst>
           </p:cNvPr>
@@ -5731,7 +5759,7 @@
         </p:blipFill>
         <p:spPr>
           <a:xfrm>
-            <a:off x="2123373" y="5277403"/>
+            <a:off x="1790168" y="5277403"/>
             <a:ext cx="5173980" cy="723900"/>
           </a:xfrm>
           <a:prstGeom prst="rect">
@@ -5744,7 +5772,7 @@
           <p:cNvPr id="5" name="Kép 4">
             <a:extLst>
               <a:ext uri="{FF2B5EF4-FFF2-40B4-BE49-F238E27FC236}">
-                <a16:creationId xmlns:a16="http://schemas.microsoft.com/office/drawing/2014/main" id="{1E09BCFB-52F6-4686-A2F2-D94706ED3294}"/>
+                <a16:creationId xmlns:a16="http://schemas.microsoft.com/office/drawing/2014/main" xmlns="" id="{1E09BCFB-52F6-4686-A2F2-D94706ED3294}"/>
               </a:ext>
             </a:extLst>
           </p:cNvPr>
@@ -5760,7 +5788,7 @@
         </p:blipFill>
         <p:spPr>
           <a:xfrm>
-            <a:off x="1055530" y="2762328"/>
+            <a:off x="1055531" y="2762328"/>
             <a:ext cx="7032939" cy="541021"/>
           </a:xfrm>
           <a:prstGeom prst="rect">
@@ -5778,6 +5806,13 @@
   <p:clrMapOvr>
     <a:masterClrMapping/>
   </p:clrMapOvr>
+  <p:timing>
+    <p:tnLst>
+      <p:par>
+        <p:cTn id="1" dur="indefinite" restart="never" nodeType="tmRoot"/>
+      </p:par>
+    </p:tnLst>
+  </p:timing>
 </p:sld>
 </file>
 
@@ -5803,7 +5838,7 @@
           <p:cNvPr id="2" name="Cím 1">
             <a:extLst>
               <a:ext uri="{FF2B5EF4-FFF2-40B4-BE49-F238E27FC236}">
-                <a16:creationId xmlns:a16="http://schemas.microsoft.com/office/drawing/2014/main" id="{DCCECEDE-C074-41DA-84C8-BDCA2FDBD582}"/>
+                <a16:creationId xmlns:a16="http://schemas.microsoft.com/office/drawing/2014/main" xmlns="" id="{DCCECEDE-C074-41DA-84C8-BDCA2FDBD582}"/>
               </a:ext>
             </a:extLst>
           </p:cNvPr>
@@ -5847,8 +5882,37 @@
                   <a:schemeClr val="tx1"/>
                 </a:solidFill>
               </a:rPr>
-              <a:t>Megoldó verziói - modellek</a:t>
-            </a:r>
+              <a:t>Megoldó verziói </a:t>
+            </a:r>
+            <a:r>
+              <a:rPr lang="hu-HU" sz="2000" b="1" dirty="0" smtClean="0">
+                <a:solidFill>
+                  <a:schemeClr val="tx1"/>
+                </a:solidFill>
+              </a:rPr>
+              <a:t>– „</a:t>
+            </a:r>
+            <a:r>
+              <a:rPr lang="hu-HU" sz="2000" b="1" dirty="0" err="1" smtClean="0">
+                <a:solidFill>
+                  <a:schemeClr val="tx1"/>
+                </a:solidFill>
+              </a:rPr>
+              <a:t>Gardens</a:t>
+            </a:r>
+            <a:r>
+              <a:rPr lang="hu-HU" sz="2000" b="1" dirty="0" smtClean="0">
+                <a:solidFill>
+                  <a:schemeClr val="tx1"/>
+                </a:solidFill>
+              </a:rPr>
+              <a:t>” modellek</a:t>
+            </a:r>
+            <a:endParaRPr lang="hu-HU" sz="2000" b="1" dirty="0">
+              <a:solidFill>
+                <a:schemeClr val="tx1"/>
+              </a:solidFill>
+            </a:endParaRPr>
           </a:p>
         </p:txBody>
       </p:sp>
@@ -5857,7 +5921,7 @@
           <p:cNvPr id="4" name="Dia számának helye 3">
             <a:extLst>
               <a:ext uri="{FF2B5EF4-FFF2-40B4-BE49-F238E27FC236}">
-                <a16:creationId xmlns:a16="http://schemas.microsoft.com/office/drawing/2014/main" id="{AD8C5EE1-236C-4F83-B6B6-0315500CBF70}"/>
+                <a16:creationId xmlns:a16="http://schemas.microsoft.com/office/drawing/2014/main" xmlns="" id="{AD8C5EE1-236C-4F83-B6B6-0315500CBF70}"/>
               </a:ext>
             </a:extLst>
           </p:cNvPr>
@@ -5924,6 +5988,13 @@
   <p:clrMapOvr>
     <a:masterClrMapping/>
   </p:clrMapOvr>
+  <p:timing>
+    <p:tnLst>
+      <p:par>
+        <p:cTn id="1" dur="indefinite" restart="never" nodeType="tmRoot"/>
+      </p:par>
+    </p:tnLst>
+  </p:timing>
 </p:sld>
 </file>
 
@@ -5949,7 +6020,7 @@
           <p:cNvPr id="7" name="Kép 6">
             <a:extLst>
               <a:ext uri="{FF2B5EF4-FFF2-40B4-BE49-F238E27FC236}">
-                <a16:creationId xmlns:a16="http://schemas.microsoft.com/office/drawing/2014/main" id="{7A0344BB-0EF5-4717-A847-ACC7A7E9F3CC}"/>
+                <a16:creationId xmlns:a16="http://schemas.microsoft.com/office/drawing/2014/main" xmlns="" id="{7A0344BB-0EF5-4717-A847-ACC7A7E9F3CC}"/>
               </a:ext>
             </a:extLst>
           </p:cNvPr>
@@ -5985,7 +6056,7 @@
           <p:cNvPr id="2" name="Cím 1">
             <a:extLst>
               <a:ext uri="{FF2B5EF4-FFF2-40B4-BE49-F238E27FC236}">
-                <a16:creationId xmlns:a16="http://schemas.microsoft.com/office/drawing/2014/main" id="{1D4955D7-34CA-43AC-A84B-A6B413D2A4B3}"/>
+                <a16:creationId xmlns:a16="http://schemas.microsoft.com/office/drawing/2014/main" xmlns="" id="{1D4955D7-34CA-43AC-A84B-A6B413D2A4B3}"/>
               </a:ext>
             </a:extLst>
           </p:cNvPr>
@@ -6018,7 +6089,7 @@
           <p:cNvPr id="4" name="Dia számának helye 3">
             <a:extLst>
               <a:ext uri="{FF2B5EF4-FFF2-40B4-BE49-F238E27FC236}">
-                <a16:creationId xmlns:a16="http://schemas.microsoft.com/office/drawing/2014/main" id="{319D2024-D3CF-486C-8D11-F9F9E4917A04}"/>
+                <a16:creationId xmlns:a16="http://schemas.microsoft.com/office/drawing/2014/main" xmlns="" id="{319D2024-D3CF-486C-8D11-F9F9E4917A04}"/>
               </a:ext>
             </a:extLst>
           </p:cNvPr>
@@ -6050,7 +6121,7 @@
           <p:cNvPr id="5" name="Táblázat 4">
             <a:extLst>
               <a:ext uri="{FF2B5EF4-FFF2-40B4-BE49-F238E27FC236}">
-                <a16:creationId xmlns:a16="http://schemas.microsoft.com/office/drawing/2014/main" id="{8DF57169-8A54-4A75-99CA-62A7430C7F77}"/>
+                <a16:creationId xmlns:a16="http://schemas.microsoft.com/office/drawing/2014/main" xmlns="" id="{8DF57169-8A54-4A75-99CA-62A7430C7F77}"/>
               </a:ext>
             </a:extLst>
           </p:cNvPr>
@@ -6067,7 +6138,7 @@
         </p:nvGraphicFramePr>
         <p:xfrm>
           <a:off x="743785" y="2720408"/>
-          <a:ext cx="7656427" cy="3591938"/>
+          <a:ext cx="7656427" cy="3635943"/>
         </p:xfrm>
         <a:graphic>
           <a:graphicData uri="http://schemas.openxmlformats.org/drawingml/2006/table">
@@ -6079,28 +6150,28 @@
                 <a:gridCol w="2601951">
                   <a:extLst>
                     <a:ext uri="{9D8B030D-6E8A-4147-A177-3AD203B41FA5}">
-                      <a16:colId xmlns:a16="http://schemas.microsoft.com/office/drawing/2014/main" val="2069922602"/>
+                      <a16:colId xmlns:a16="http://schemas.microsoft.com/office/drawing/2014/main" xmlns="" val="2069922602"/>
                     </a:ext>
                   </a:extLst>
                 </a:gridCol>
                 <a:gridCol w="1721006">
                   <a:extLst>
                     <a:ext uri="{9D8B030D-6E8A-4147-A177-3AD203B41FA5}">
-                      <a16:colId xmlns:a16="http://schemas.microsoft.com/office/drawing/2014/main" val="2732399375"/>
+                      <a16:colId xmlns:a16="http://schemas.microsoft.com/office/drawing/2014/main" xmlns="" val="2732399375"/>
                     </a:ext>
                   </a:extLst>
                 </a:gridCol>
                 <a:gridCol w="1968804">
                   <a:extLst>
                     <a:ext uri="{9D8B030D-6E8A-4147-A177-3AD203B41FA5}">
-                      <a16:colId xmlns:a16="http://schemas.microsoft.com/office/drawing/2014/main" val="1486601713"/>
+                      <a16:colId xmlns:a16="http://schemas.microsoft.com/office/drawing/2014/main" xmlns="" val="1486601713"/>
                     </a:ext>
                   </a:extLst>
                 </a:gridCol>
                 <a:gridCol w="1364666">
                   <a:extLst>
                     <a:ext uri="{9D8B030D-6E8A-4147-A177-3AD203B41FA5}">
-                      <a16:colId xmlns:a16="http://schemas.microsoft.com/office/drawing/2014/main" val="3795495708"/>
+                      <a16:colId xmlns:a16="http://schemas.microsoft.com/office/drawing/2014/main" xmlns="" val="3795495708"/>
                     </a:ext>
                   </a:extLst>
                 </a:gridCol>
@@ -6319,7 +6390,7 @@
                 </a:tc>
                 <a:extLst>
                   <a:ext uri="{0D108BD9-81ED-4DB2-BD59-A6C34878D82A}">
-                    <a16:rowId xmlns:a16="http://schemas.microsoft.com/office/drawing/2014/main" val="1759104570"/>
+                    <a16:rowId xmlns:a16="http://schemas.microsoft.com/office/drawing/2014/main" xmlns="" val="1759104570"/>
                   </a:ext>
                 </a:extLst>
               </a:tr>
@@ -6442,7 +6513,7 @@
                 </a:tc>
                 <a:extLst>
                   <a:ext uri="{0D108BD9-81ED-4DB2-BD59-A6C34878D82A}">
-                    <a16:rowId xmlns:a16="http://schemas.microsoft.com/office/drawing/2014/main" val="3559172704"/>
+                    <a16:rowId xmlns:a16="http://schemas.microsoft.com/office/drawing/2014/main" xmlns="" val="3559172704"/>
                   </a:ext>
                 </a:extLst>
               </a:tr>
@@ -6565,7 +6636,7 @@
                 </a:tc>
                 <a:extLst>
                   <a:ext uri="{0D108BD9-81ED-4DB2-BD59-A6C34878D82A}">
-                    <a16:rowId xmlns:a16="http://schemas.microsoft.com/office/drawing/2014/main" val="4229666172"/>
+                    <a16:rowId xmlns:a16="http://schemas.microsoft.com/office/drawing/2014/main" xmlns="" val="4229666172"/>
                   </a:ext>
                 </a:extLst>
               </a:tr>
@@ -6688,7 +6759,7 @@
                 </a:tc>
                 <a:extLst>
                   <a:ext uri="{0D108BD9-81ED-4DB2-BD59-A6C34878D82A}">
-                    <a16:rowId xmlns:a16="http://schemas.microsoft.com/office/drawing/2014/main" val="3727625422"/>
+                    <a16:rowId xmlns:a16="http://schemas.microsoft.com/office/drawing/2014/main" xmlns="" val="3727625422"/>
                   </a:ext>
                 </a:extLst>
               </a:tr>
@@ -6811,7 +6882,7 @@
                 </a:tc>
                 <a:extLst>
                   <a:ext uri="{0D108BD9-81ED-4DB2-BD59-A6C34878D82A}">
-                    <a16:rowId xmlns:a16="http://schemas.microsoft.com/office/drawing/2014/main" val="4151106488"/>
+                    <a16:rowId xmlns:a16="http://schemas.microsoft.com/office/drawing/2014/main" xmlns="" val="4151106488"/>
                   </a:ext>
                 </a:extLst>
               </a:tr>
@@ -6829,6 +6900,13 @@
   <p:clrMapOvr>
     <a:masterClrMapping/>
   </p:clrMapOvr>
+  <p:timing>
+    <p:tnLst>
+      <p:par>
+        <p:cTn id="1" dur="indefinite" restart="never" nodeType="tmRoot"/>
+      </p:par>
+    </p:tnLst>
+  </p:timing>
 </p:sld>
 </file>
 
@@ -6854,7 +6932,7 @@
           <p:cNvPr id="2" name="Cím 1">
             <a:extLst>
               <a:ext uri="{FF2B5EF4-FFF2-40B4-BE49-F238E27FC236}">
-                <a16:creationId xmlns:a16="http://schemas.microsoft.com/office/drawing/2014/main" id="{8D38B76F-95F6-45EE-A1ED-453655F28D28}"/>
+                <a16:creationId xmlns:a16="http://schemas.microsoft.com/office/drawing/2014/main" xmlns="" id="{8D38B76F-95F6-45EE-A1ED-453655F28D28}"/>
               </a:ext>
             </a:extLst>
           </p:cNvPr>
@@ -6887,7 +6965,7 @@
           <p:cNvPr id="4" name="Dia számának helye 3">
             <a:extLst>
               <a:ext uri="{FF2B5EF4-FFF2-40B4-BE49-F238E27FC236}">
-                <a16:creationId xmlns:a16="http://schemas.microsoft.com/office/drawing/2014/main" id="{B71D6050-03B7-4A11-BC69-7BB4B58DE597}"/>
+                <a16:creationId xmlns:a16="http://schemas.microsoft.com/office/drawing/2014/main" xmlns="" id="{B71D6050-03B7-4A11-BC69-7BB4B58DE597}"/>
               </a:ext>
             </a:extLst>
           </p:cNvPr>
@@ -6919,7 +6997,7 @@
           <p:cNvPr id="3" name="Szövegdoboz 2">
             <a:extLst>
               <a:ext uri="{FF2B5EF4-FFF2-40B4-BE49-F238E27FC236}">
-                <a16:creationId xmlns:a16="http://schemas.microsoft.com/office/drawing/2014/main" id="{030528F3-D689-428A-BB56-A46FC1922D71}"/>
+                <a16:creationId xmlns:a16="http://schemas.microsoft.com/office/drawing/2014/main" xmlns="" id="{030528F3-D689-428A-BB56-A46FC1922D71}"/>
               </a:ext>
             </a:extLst>
           </p:cNvPr>
@@ -6928,7 +7006,7 @@
         </p:nvSpPr>
         <p:spPr>
           <a:xfrm>
-            <a:off x="114300" y="2282992"/>
+            <a:off x="138363" y="1859340"/>
             <a:ext cx="8867274" cy="3139321"/>
           </a:xfrm>
           <a:prstGeom prst="rect">
@@ -6942,21 +7020,29 @@
           </a:bodyPr>
           <a:lstStyle/>
           <a:p>
-            <a:pPr>
+            <a:pPr marL="457200" indent="-457200">
               <a:spcAft>
                 <a:spcPts val="1800"/>
               </a:spcAft>
+              <a:buFont typeface="Wingdings" panose="05000000000000000000" pitchFamily="2" charset="2"/>
+              <a:buChar char="v"/>
             </a:pPr>
             <a:r>
+              <a:rPr lang="hu-HU" sz="2800" dirty="0" smtClean="0"/>
+              <a:t>Munkánk </a:t>
+            </a:r>
+            <a:r>
               <a:rPr lang="hu-HU" sz="2800" dirty="0"/>
-              <a:t>Munkánk során megvizsgáltuk az „Einstein-féle” logikai feladványok szerkezetét és lehetséges megoldásukat. </a:t>
-            </a:r>
-          </a:p>
-          <a:p>
-            <a:pPr>
+              <a:t>során megvizsgáltuk az „Einstein-féle” logikai feladványok szerkezetét és lehetséges megoldásukat. </a:t>
+            </a:r>
+          </a:p>
+          <a:p>
+            <a:pPr marL="457200" indent="-457200">
               <a:spcAft>
                 <a:spcPts val="1800"/>
               </a:spcAft>
+              <a:buFont typeface="Wingdings" panose="05000000000000000000" pitchFamily="2" charset="2"/>
+              <a:buChar char="v"/>
             </a:pPr>
             <a:r>
               <a:rPr lang="hu-HU" sz="2800" dirty="0"/>
@@ -6964,10 +7050,12 @@
             </a:r>
           </a:p>
           <a:p>
-            <a:pPr>
+            <a:pPr marL="457200" indent="-457200">
               <a:spcAft>
                 <a:spcPts val="1800"/>
               </a:spcAft>
+              <a:buFont typeface="Wingdings" panose="05000000000000000000" pitchFamily="2" charset="2"/>
+              <a:buChar char="v"/>
             </a:pPr>
             <a:r>
               <a:rPr lang="hu-HU" sz="2800" dirty="0"/>
@@ -6986,6 +7074,13 @@
   <p:clrMapOvr>
     <a:masterClrMapping/>
   </p:clrMapOvr>
+  <p:timing>
+    <p:tnLst>
+      <p:par>
+        <p:cTn id="1" dur="indefinite" restart="never" nodeType="tmRoot"/>
+      </p:par>
+    </p:tnLst>
+  </p:timing>
 </p:sld>
 </file>
 
@@ -7011,7 +7106,7 @@
           <p:cNvPr id="2" name="Cím 1">
             <a:extLst>
               <a:ext uri="{FF2B5EF4-FFF2-40B4-BE49-F238E27FC236}">
-                <a16:creationId xmlns:a16="http://schemas.microsoft.com/office/drawing/2014/main" id="{26FEFA12-4695-4AB3-A86E-924A663068D0}"/>
+                <a16:creationId xmlns:a16="http://schemas.microsoft.com/office/drawing/2014/main" xmlns="" id="{26FEFA12-4695-4AB3-A86E-924A663068D0}"/>
               </a:ext>
             </a:extLst>
           </p:cNvPr>
@@ -7049,7 +7144,7 @@
           <p:cNvPr id="3" name="Dia számának helye 2">
             <a:extLst>
               <a:ext uri="{FF2B5EF4-FFF2-40B4-BE49-F238E27FC236}">
-                <a16:creationId xmlns:a16="http://schemas.microsoft.com/office/drawing/2014/main" id="{3A0FA7EE-CF15-4E3A-953F-C5971B60C51D}"/>
+                <a16:creationId xmlns:a16="http://schemas.microsoft.com/office/drawing/2014/main" xmlns="" id="{3A0FA7EE-CF15-4E3A-953F-C5971B60C51D}"/>
               </a:ext>
             </a:extLst>
           </p:cNvPr>
@@ -7086,6 +7181,13 @@
   <p:clrMapOvr>
     <a:masterClrMapping/>
   </p:clrMapOvr>
+  <p:timing>
+    <p:tnLst>
+      <p:par>
+        <p:cTn id="1" dur="indefinite" restart="never" nodeType="tmRoot"/>
+      </p:par>
+    </p:tnLst>
+  </p:timing>
 </p:sld>
 </file>
 
@@ -7139,91 +7241,128 @@
             <p:ph idx="1"/>
           </p:nvPr>
         </p:nvSpPr>
-        <p:spPr/>
-        <p:txBody>
-          <a:bodyPr/>
+        <p:spPr>
+          <a:xfrm>
+            <a:off x="457198" y="1775589"/>
+            <a:ext cx="7543801" cy="3306822"/>
+          </a:xfrm>
+        </p:spPr>
+        <p:txBody>
+          <a:bodyPr>
+            <a:normAutofit/>
+          </a:bodyPr>
           <a:lstStyle/>
           <a:p>
-            <a:r>
-              <a:rPr lang="en-US" dirty="0" err="1"/>
+            <a:pPr>
+              <a:buClrTx/>
+              <a:buFont typeface="Wingdings" panose="05000000000000000000" pitchFamily="2" charset="2"/>
+              <a:buChar char="v"/>
+            </a:pPr>
+            <a:r>
+              <a:rPr lang="en-US" sz="2800" dirty="0" err="1"/>
               <a:t>Logikai</a:t>
             </a:r>
             <a:r>
-              <a:rPr lang="en-US" dirty="0"/>
+              <a:rPr lang="en-US" sz="2800" dirty="0"/>
               <a:t> </a:t>
             </a:r>
             <a:r>
-              <a:rPr lang="en-US" dirty="0" err="1"/>
+              <a:rPr lang="en-US" sz="2800" dirty="0" err="1"/>
               <a:t>feladványok</a:t>
             </a:r>
-            <a:endParaRPr lang="en-US" dirty="0"/>
-          </a:p>
-          <a:p>
-            <a:r>
-              <a:rPr lang="en-US" dirty="0" err="1"/>
+            <a:endParaRPr lang="en-US" sz="2800" dirty="0"/>
+          </a:p>
+          <a:p>
+            <a:pPr>
+              <a:buClrTx/>
+              <a:buFont typeface="Wingdings" panose="05000000000000000000" pitchFamily="2" charset="2"/>
+              <a:buChar char="v"/>
+            </a:pPr>
+            <a:r>
+              <a:rPr lang="en-US" sz="2800" dirty="0" err="1"/>
               <a:t>Korlátprogramozás</a:t>
             </a:r>
-            <a:endParaRPr lang="en-US" dirty="0"/>
-          </a:p>
-          <a:p>
-            <a:r>
-              <a:rPr lang="en-US" dirty="0" err="1"/>
+            <a:endParaRPr lang="en-US" sz="2800" dirty="0"/>
+          </a:p>
+          <a:p>
+            <a:pPr>
+              <a:buClrTx/>
+              <a:buFont typeface="Wingdings" panose="05000000000000000000" pitchFamily="2" charset="2"/>
+              <a:buChar char="v"/>
+            </a:pPr>
+            <a:r>
+              <a:rPr lang="en-US" sz="2800" dirty="0" err="1"/>
               <a:t>Modellezési</a:t>
             </a:r>
             <a:r>
-              <a:rPr lang="en-US" dirty="0"/>
+              <a:rPr lang="en-US" sz="2800" dirty="0"/>
               <a:t> </a:t>
             </a:r>
             <a:r>
-              <a:rPr lang="en-US" dirty="0" err="1"/>
+              <a:rPr lang="en-US" sz="2800" dirty="0" err="1"/>
               <a:t>módszerek</a:t>
             </a:r>
-            <a:endParaRPr lang="en-US" dirty="0"/>
-          </a:p>
-          <a:p>
-            <a:r>
-              <a:rPr lang="en-US" dirty="0" err="1"/>
+            <a:endParaRPr lang="en-US" sz="2800" dirty="0"/>
+          </a:p>
+          <a:p>
+            <a:pPr>
+              <a:buClrTx/>
+              <a:buFont typeface="Wingdings" panose="05000000000000000000" pitchFamily="2" charset="2"/>
+              <a:buChar char="v"/>
+            </a:pPr>
+            <a:r>
+              <a:rPr lang="en-US" sz="2800" dirty="0" err="1"/>
               <a:t>Összehasonlító</a:t>
             </a:r>
             <a:r>
-              <a:rPr lang="en-US" dirty="0"/>
+              <a:rPr lang="en-US" sz="2800" dirty="0"/>
               <a:t> </a:t>
             </a:r>
             <a:r>
-              <a:rPr lang="en-US" dirty="0" err="1"/>
+              <a:rPr lang="en-US" sz="2800" dirty="0" err="1"/>
               <a:t>tesztek</a:t>
             </a:r>
-            <a:endParaRPr lang="en-US" dirty="0"/>
-          </a:p>
-          <a:p>
-            <a:r>
-              <a:rPr lang="en-US" dirty="0" err="1"/>
+            <a:endParaRPr lang="en-US" sz="2800" dirty="0"/>
+          </a:p>
+          <a:p>
+            <a:pPr>
+              <a:buClrTx/>
+              <a:buFont typeface="Wingdings" panose="05000000000000000000" pitchFamily="2" charset="2"/>
+              <a:buChar char="v"/>
+            </a:pPr>
+            <a:r>
+              <a:rPr lang="en-US" sz="2800" dirty="0" err="1"/>
               <a:t>Redundáns</a:t>
             </a:r>
             <a:r>
-              <a:rPr lang="en-US" dirty="0"/>
+              <a:rPr lang="en-US" sz="2800" dirty="0"/>
               <a:t> </a:t>
             </a:r>
             <a:r>
-              <a:rPr lang="en-US" dirty="0" err="1"/>
+              <a:rPr lang="en-US" sz="2800" dirty="0" err="1"/>
               <a:t>megkötések</a:t>
             </a:r>
             <a:r>
-              <a:rPr lang="en-US" dirty="0"/>
+              <a:rPr lang="en-US" sz="2800" dirty="0"/>
               <a:t> </a:t>
             </a:r>
             <a:r>
-              <a:rPr lang="en-US" dirty="0" err="1"/>
+              <a:rPr lang="en-US" sz="2800" dirty="0" err="1"/>
               <a:t>kiszűrése</a:t>
             </a:r>
-            <a:endParaRPr lang="en-US" dirty="0"/>
-          </a:p>
-          <a:p>
-            <a:r>
-              <a:rPr lang="en-US" dirty="0" err="1"/>
+            <a:endParaRPr lang="en-US" sz="2800" dirty="0"/>
+          </a:p>
+          <a:p>
+            <a:pPr>
+              <a:buClrTx/>
+              <a:buFont typeface="Wingdings" panose="05000000000000000000" pitchFamily="2" charset="2"/>
+              <a:buChar char="v"/>
+            </a:pPr>
+            <a:r>
+              <a:rPr lang="en-US" sz="2800" dirty="0" err="1"/>
               <a:t>Összegzés</a:t>
             </a:r>
-            <a:endParaRPr lang="hu-HU" dirty="0"/>
+            <a:endParaRPr lang="hu-HU" sz="2800" dirty="0"/>
           </a:p>
         </p:txBody>
       </p:sp>
@@ -7263,6 +7402,13 @@
   <p:clrMapOvr>
     <a:masterClrMapping/>
   </p:clrMapOvr>
+  <p:timing>
+    <p:tnLst>
+      <p:par>
+        <p:cTn id="1" dur="indefinite" restart="never" nodeType="tmRoot"/>
+      </p:par>
+    </p:tnLst>
+  </p:timing>
 </p:sld>
 </file>
 
@@ -7288,7 +7434,7 @@
           <p:cNvPr id="2" name="Cím 1">
             <a:extLst>
               <a:ext uri="{FF2B5EF4-FFF2-40B4-BE49-F238E27FC236}">
-                <a16:creationId xmlns:a16="http://schemas.microsoft.com/office/drawing/2014/main" id="{63452676-1263-4791-86B4-FC25F9E9F22B}"/>
+                <a16:creationId xmlns:a16="http://schemas.microsoft.com/office/drawing/2014/main" xmlns="" id="{63452676-1263-4791-86B4-FC25F9E9F22B}"/>
               </a:ext>
             </a:extLst>
           </p:cNvPr>
@@ -7316,7 +7462,7 @@
           <p:cNvPr id="4" name="Dia számának helye 3">
             <a:extLst>
               <a:ext uri="{FF2B5EF4-FFF2-40B4-BE49-F238E27FC236}">
-                <a16:creationId xmlns:a16="http://schemas.microsoft.com/office/drawing/2014/main" id="{5F92542F-59D1-4271-9731-543CD62F5022}"/>
+                <a16:creationId xmlns:a16="http://schemas.microsoft.com/office/drawing/2014/main" xmlns="" id="{5F92542F-59D1-4271-9731-543CD62F5022}"/>
               </a:ext>
             </a:extLst>
           </p:cNvPr>
@@ -7348,7 +7494,7 @@
           <p:cNvPr id="3" name="Szövegdoboz 2">
             <a:extLst>
               <a:ext uri="{FF2B5EF4-FFF2-40B4-BE49-F238E27FC236}">
-                <a16:creationId xmlns:a16="http://schemas.microsoft.com/office/drawing/2014/main" id="{243F9B98-F190-4961-A193-87BA7CA1F8FE}"/>
+                <a16:creationId xmlns:a16="http://schemas.microsoft.com/office/drawing/2014/main" xmlns="" id="{243F9B98-F190-4961-A193-87BA7CA1F8FE}"/>
               </a:ext>
             </a:extLst>
           </p:cNvPr>
@@ -7357,8 +7503,8 @@
         </p:nvSpPr>
         <p:spPr>
           <a:xfrm>
-            <a:off x="138363" y="2306930"/>
-            <a:ext cx="8867274" cy="1846659"/>
+            <a:off x="457199" y="1237260"/>
+            <a:ext cx="7237221" cy="1661993"/>
           </a:xfrm>
           <a:prstGeom prst="rect">
             <a:avLst/>
@@ -7377,7 +7523,7 @@
               </a:spcAft>
             </a:pPr>
             <a:r>
-              <a:rPr lang="hu-HU" sz="2800" dirty="0"/>
+              <a:rPr lang="hu-HU" sz="2400" dirty="0"/>
               <a:t>Einstein-féle logikai feladványok</a:t>
             </a:r>
           </a:p>
@@ -7388,8 +7534,12 @@
               </a:spcAft>
             </a:pPr>
             <a:r>
-              <a:rPr lang="hu-HU" sz="2800" dirty="0"/>
-              <a:t>Zebra feladatok</a:t>
+              <a:rPr lang="hu-HU" sz="2400" dirty="0"/>
+              <a:t>Zebra </a:t>
+            </a:r>
+            <a:r>
+              <a:rPr lang="hu-HU" sz="2400" dirty="0" smtClean="0"/>
+              <a:t>feladatok</a:t>
             </a:r>
           </a:p>
           <a:p>
@@ -7398,7 +7548,27 @@
                 <a:spcPts val="1800"/>
               </a:spcAft>
             </a:pPr>
-            <a:endParaRPr lang="hu-HU" sz="2800" dirty="0"/>
+            <a:r>
+              <a:rPr lang="hu-HU" sz="2400" dirty="0" smtClean="0"/>
+              <a:t>„</a:t>
+            </a:r>
+            <a:r>
+              <a:rPr lang="hu-HU" sz="2400" dirty="0" err="1" smtClean="0"/>
+              <a:t>Movies</a:t>
+            </a:r>
+            <a:r>
+              <a:rPr lang="hu-HU" sz="2400" dirty="0" smtClean="0"/>
+              <a:t> </a:t>
+            </a:r>
+            <a:r>
+              <a:rPr lang="hu-HU" sz="2400" dirty="0" err="1" smtClean="0"/>
+              <a:t>Night</a:t>
+            </a:r>
+            <a:r>
+              <a:rPr lang="hu-HU" sz="2400" dirty="0" smtClean="0"/>
+              <a:t>”:</a:t>
+            </a:r>
+            <a:endParaRPr lang="hu-HU" sz="2400" dirty="0"/>
           </a:p>
         </p:txBody>
       </p:sp>
@@ -7407,7 +7577,7 @@
           <p:cNvPr id="5" name="Táblázat 4">
             <a:extLst>
               <a:ext uri="{FF2B5EF4-FFF2-40B4-BE49-F238E27FC236}">
-                <a16:creationId xmlns:a16="http://schemas.microsoft.com/office/drawing/2014/main" id="{D26B6D1B-EE01-441C-A70F-7B514D54C92F}"/>
+                <a16:creationId xmlns:a16="http://schemas.microsoft.com/office/drawing/2014/main" xmlns="" id="{D26B6D1B-EE01-441C-A70F-7B514D54C92F}"/>
               </a:ext>
             </a:extLst>
           </p:cNvPr>
@@ -7417,14 +7587,14 @@
           <p:nvPr>
             <p:extLst>
               <p:ext uri="{D42A27DB-BD31-4B8C-83A1-F6EECF244321}">
-                <p14:modId xmlns:p14="http://schemas.microsoft.com/office/powerpoint/2010/main" val="2888674155"/>
+                <p14:modId xmlns:p14="http://schemas.microsoft.com/office/powerpoint/2010/main" val="291945420"/>
               </p:ext>
             </p:extLst>
           </p:nvPr>
         </p:nvGraphicFramePr>
         <p:xfrm>
-          <a:off x="1396439" y="3991550"/>
-          <a:ext cx="6436210" cy="1854200"/>
+          <a:off x="793403" y="3174519"/>
+          <a:ext cx="7557194" cy="2515955"/>
         </p:xfrm>
         <a:graphic>
           <a:graphicData uri="http://schemas.openxmlformats.org/drawingml/2006/table">
@@ -7433,43 +7603,43 @@
                 <a:tableStyleId>{5C22544A-7EE6-4342-B048-85BDC9FD1C3A}</a:tableStyleId>
               </a:tblPr>
               <a:tblGrid>
-                <a:gridCol w="1427356">
+                <a:gridCol w="1675956">
                   <a:extLst>
                     <a:ext uri="{9D8B030D-6E8A-4147-A177-3AD203B41FA5}">
-                      <a16:colId xmlns:a16="http://schemas.microsoft.com/office/drawing/2014/main" val="3136596585"/>
+                      <a16:colId xmlns:a16="http://schemas.microsoft.com/office/drawing/2014/main" xmlns="" val="3136596585"/>
                     </a:ext>
                   </a:extLst>
                 </a:gridCol>
-                <a:gridCol w="1147128">
+                <a:gridCol w="1346921">
                   <a:extLst>
                     <a:ext uri="{9D8B030D-6E8A-4147-A177-3AD203B41FA5}">
-                      <a16:colId xmlns:a16="http://schemas.microsoft.com/office/drawing/2014/main" val="2805606202"/>
+                      <a16:colId xmlns:a16="http://schemas.microsoft.com/office/drawing/2014/main" xmlns="" val="2805606202"/>
                     </a:ext>
                   </a:extLst>
                 </a:gridCol>
-                <a:gridCol w="1287242">
+                <a:gridCol w="1511439">
                   <a:extLst>
                     <a:ext uri="{9D8B030D-6E8A-4147-A177-3AD203B41FA5}">
-                      <a16:colId xmlns:a16="http://schemas.microsoft.com/office/drawing/2014/main" val="1276901127"/>
+                      <a16:colId xmlns:a16="http://schemas.microsoft.com/office/drawing/2014/main" xmlns="" val="1276901127"/>
                     </a:ext>
                   </a:extLst>
                 </a:gridCol>
-                <a:gridCol w="1287242">
+                <a:gridCol w="1511439">
                   <a:extLst>
                     <a:ext uri="{9D8B030D-6E8A-4147-A177-3AD203B41FA5}">
-                      <a16:colId xmlns:a16="http://schemas.microsoft.com/office/drawing/2014/main" val="3494246853"/>
+                      <a16:colId xmlns:a16="http://schemas.microsoft.com/office/drawing/2014/main" xmlns="" val="3494246853"/>
                     </a:ext>
                   </a:extLst>
                 </a:gridCol>
-                <a:gridCol w="1287242">
+                <a:gridCol w="1511439">
                   <a:extLst>
                     <a:ext uri="{9D8B030D-6E8A-4147-A177-3AD203B41FA5}">
-                      <a16:colId xmlns:a16="http://schemas.microsoft.com/office/drawing/2014/main" val="3049950204"/>
+                      <a16:colId xmlns:a16="http://schemas.microsoft.com/office/drawing/2014/main" xmlns="" val="3049950204"/>
                     </a:ext>
                   </a:extLst>
                 </a:gridCol>
               </a:tblGrid>
-              <a:tr h="370840">
+              <a:tr h="503191">
                 <a:tc>
                   <a:txBody>
                     <a:bodyPr/>
@@ -7485,7 +7655,7 @@
                       </a:r>
                     </a:p>
                   </a:txBody>
-                  <a:tcPr>
+                  <a:tcPr anchor="ctr">
                     <a:lnL w="12700" cap="flat" cmpd="sng" algn="ctr">
                       <a:solidFill>
                         <a:schemeClr val="tx1"/>
@@ -7540,7 +7710,7 @@
                       </a:r>
                     </a:p>
                   </a:txBody>
-                  <a:tcPr>
+                  <a:tcPr anchor="ctr" anchorCtr="1">
                     <a:lnL w="12700" cap="flat" cmpd="sng" algn="ctr">
                       <a:solidFill>
                         <a:schemeClr val="tx1"/>
@@ -7595,7 +7765,7 @@
                       </a:r>
                     </a:p>
                   </a:txBody>
-                  <a:tcPr>
+                  <a:tcPr anchor="ctr" anchorCtr="1">
                     <a:lnL w="12700" cap="flat" cmpd="sng" algn="ctr">
                       <a:solidFill>
                         <a:schemeClr val="tx1"/>
@@ -7650,7 +7820,7 @@
                       </a:r>
                     </a:p>
                   </a:txBody>
-                  <a:tcPr>
+                  <a:tcPr anchor="ctr" anchorCtr="1">
                     <a:lnL w="12700" cap="flat" cmpd="sng" algn="ctr">
                       <a:solidFill>
                         <a:schemeClr val="tx1"/>
@@ -7705,7 +7875,7 @@
                       </a:r>
                     </a:p>
                   </a:txBody>
-                  <a:tcPr>
+                  <a:tcPr anchor="ctr" anchorCtr="1">
                     <a:lnL w="12700" cap="flat" cmpd="sng" algn="ctr">
                       <a:solidFill>
                         <a:schemeClr val="tx1"/>
@@ -7747,11 +7917,11 @@
                 </a:tc>
                 <a:extLst>
                   <a:ext uri="{0D108BD9-81ED-4DB2-BD59-A6C34878D82A}">
-                    <a16:rowId xmlns:a16="http://schemas.microsoft.com/office/drawing/2014/main" val="4283395460"/>
+                    <a16:rowId xmlns:a16="http://schemas.microsoft.com/office/drawing/2014/main" xmlns="" val="4283395460"/>
                   </a:ext>
                 </a:extLst>
               </a:tr>
-              <a:tr h="370840">
+              <a:tr h="503191">
                 <a:tc>
                   <a:txBody>
                     <a:bodyPr/>
@@ -7767,7 +7937,7 @@
                       </a:r>
                     </a:p>
                   </a:txBody>
-                  <a:tcPr>
+                  <a:tcPr anchor="ctr">
                     <a:lnL w="12700" cap="flat" cmpd="sng" algn="ctr">
                       <a:solidFill>
                         <a:schemeClr val="tx1"/>
@@ -7822,7 +7992,7 @@
                       </a:r>
                     </a:p>
                   </a:txBody>
-                  <a:tcPr>
+                  <a:tcPr anchor="ctr" anchorCtr="1">
                     <a:lnL w="12700" cap="flat" cmpd="sng" algn="ctr">
                       <a:solidFill>
                         <a:schemeClr val="tx1"/>
@@ -7882,7 +8052,7 @@
                       </a:endParaRPr>
                     </a:p>
                   </a:txBody>
-                  <a:tcPr>
+                  <a:tcPr anchor="ctr" anchorCtr="1">
                     <a:lnL w="12700" cap="flat" cmpd="sng" algn="ctr">
                       <a:solidFill>
                         <a:schemeClr val="tx1"/>
@@ -7937,7 +8107,7 @@
                       </a:r>
                     </a:p>
                   </a:txBody>
-                  <a:tcPr>
+                  <a:tcPr anchor="ctr" anchorCtr="1">
                     <a:lnL w="12700" cap="flat" cmpd="sng" algn="ctr">
                       <a:solidFill>
                         <a:schemeClr val="tx1"/>
@@ -7992,7 +8162,7 @@
                       </a:r>
                     </a:p>
                   </a:txBody>
-                  <a:tcPr>
+                  <a:tcPr anchor="ctr" anchorCtr="1">
                     <a:lnL w="12700" cap="flat" cmpd="sng" algn="ctr">
                       <a:solidFill>
                         <a:schemeClr val="tx1"/>
@@ -8034,11 +8204,11 @@
                 </a:tc>
                 <a:extLst>
                   <a:ext uri="{0D108BD9-81ED-4DB2-BD59-A6C34878D82A}">
-                    <a16:rowId xmlns:a16="http://schemas.microsoft.com/office/drawing/2014/main" val="3910493015"/>
+                    <a16:rowId xmlns:a16="http://schemas.microsoft.com/office/drawing/2014/main" xmlns="" val="3910493015"/>
                   </a:ext>
                 </a:extLst>
               </a:tr>
-              <a:tr h="370840">
+              <a:tr h="503191">
                 <a:tc>
                   <a:txBody>
                     <a:bodyPr/>
@@ -8054,7 +8224,7 @@
                       </a:r>
                     </a:p>
                   </a:txBody>
-                  <a:tcPr>
+                  <a:tcPr anchor="ctr">
                     <a:lnL w="12700" cap="flat" cmpd="sng" algn="ctr">
                       <a:solidFill>
                         <a:schemeClr val="tx1"/>
@@ -8109,7 +8279,7 @@
                       </a:r>
                     </a:p>
                   </a:txBody>
-                  <a:tcPr>
+                  <a:tcPr anchor="ctr" anchorCtr="1">
                     <a:lnL w="12700" cap="flat" cmpd="sng" algn="ctr">
                       <a:solidFill>
                         <a:schemeClr val="tx1"/>
@@ -8164,7 +8334,7 @@
                       </a:r>
                     </a:p>
                   </a:txBody>
-                  <a:tcPr>
+                  <a:tcPr anchor="ctr" anchorCtr="1">
                     <a:lnL w="12700" cap="flat" cmpd="sng" algn="ctr">
                       <a:solidFill>
                         <a:schemeClr val="tx1"/>
@@ -8219,7 +8389,7 @@
                       </a:r>
                     </a:p>
                   </a:txBody>
-                  <a:tcPr>
+                  <a:tcPr anchor="ctr" anchorCtr="1">
                     <a:lnL w="12700" cap="flat" cmpd="sng" algn="ctr">
                       <a:solidFill>
                         <a:schemeClr val="tx1"/>
@@ -8274,7 +8444,7 @@
                       </a:r>
                     </a:p>
                   </a:txBody>
-                  <a:tcPr>
+                  <a:tcPr anchor="ctr" anchorCtr="1">
                     <a:lnL w="12700" cap="flat" cmpd="sng" algn="ctr">
                       <a:solidFill>
                         <a:schemeClr val="tx1"/>
@@ -8316,11 +8486,11 @@
                 </a:tc>
                 <a:extLst>
                   <a:ext uri="{0D108BD9-81ED-4DB2-BD59-A6C34878D82A}">
-                    <a16:rowId xmlns:a16="http://schemas.microsoft.com/office/drawing/2014/main" val="1930595309"/>
+                    <a16:rowId xmlns:a16="http://schemas.microsoft.com/office/drawing/2014/main" xmlns="" val="1930595309"/>
                   </a:ext>
                 </a:extLst>
               </a:tr>
-              <a:tr h="370840">
+              <a:tr h="503191">
                 <a:tc>
                   <a:txBody>
                     <a:bodyPr/>
@@ -8341,7 +8511,7 @@
                       </a:endParaRPr>
                     </a:p>
                   </a:txBody>
-                  <a:tcPr>
+                  <a:tcPr anchor="ctr">
                     <a:lnL w="12700" cap="flat" cmpd="sng" algn="ctr">
                       <a:solidFill>
                         <a:schemeClr val="tx1"/>
@@ -8396,7 +8566,7 @@
                       </a:r>
                     </a:p>
                   </a:txBody>
-                  <a:tcPr>
+                  <a:tcPr anchor="ctr" anchorCtr="1">
                     <a:lnL w="12700" cap="flat" cmpd="sng" algn="ctr">
                       <a:solidFill>
                         <a:schemeClr val="tx1"/>
@@ -8451,7 +8621,7 @@
                       </a:r>
                     </a:p>
                   </a:txBody>
-                  <a:tcPr>
+                  <a:tcPr anchor="ctr" anchorCtr="1">
                     <a:lnL w="12700" cap="flat" cmpd="sng" algn="ctr">
                       <a:solidFill>
                         <a:schemeClr val="tx1"/>
@@ -8511,7 +8681,7 @@
                       </a:endParaRPr>
                     </a:p>
                   </a:txBody>
-                  <a:tcPr>
+                  <a:tcPr anchor="ctr" anchorCtr="1">
                     <a:lnL w="12700" cap="flat" cmpd="sng" algn="ctr">
                       <a:solidFill>
                         <a:schemeClr val="tx1"/>
@@ -8571,7 +8741,7 @@
                       </a:endParaRPr>
                     </a:p>
                   </a:txBody>
-                  <a:tcPr>
+                  <a:tcPr anchor="ctr" anchorCtr="1">
                     <a:lnL w="12700" cap="flat" cmpd="sng" algn="ctr">
                       <a:solidFill>
                         <a:schemeClr val="tx1"/>
@@ -8613,11 +8783,11 @@
                 </a:tc>
                 <a:extLst>
                   <a:ext uri="{0D108BD9-81ED-4DB2-BD59-A6C34878D82A}">
-                    <a16:rowId xmlns:a16="http://schemas.microsoft.com/office/drawing/2014/main" val="1067106434"/>
+                    <a16:rowId xmlns:a16="http://schemas.microsoft.com/office/drawing/2014/main" xmlns="" val="1067106434"/>
                   </a:ext>
                 </a:extLst>
               </a:tr>
-              <a:tr h="370840">
+              <a:tr h="503191">
                 <a:tc>
                   <a:txBody>
                     <a:bodyPr/>
@@ -8633,7 +8803,7 @@
                       </a:r>
                     </a:p>
                   </a:txBody>
-                  <a:tcPr>
+                  <a:tcPr anchor="ctr">
                     <a:lnL w="12700" cap="flat" cmpd="sng" algn="ctr">
                       <a:solidFill>
                         <a:schemeClr val="tx1"/>
@@ -8688,7 +8858,7 @@
                       </a:r>
                     </a:p>
                   </a:txBody>
-                  <a:tcPr>
+                  <a:tcPr anchor="ctr" anchorCtr="1">
                     <a:lnL w="12700" cap="flat" cmpd="sng" algn="ctr">
                       <a:solidFill>
                         <a:schemeClr val="tx1"/>
@@ -8743,7 +8913,7 @@
                       </a:r>
                     </a:p>
                   </a:txBody>
-                  <a:tcPr>
+                  <a:tcPr anchor="ctr" anchorCtr="1">
                     <a:lnL w="12700" cap="flat" cmpd="sng" algn="ctr">
                       <a:solidFill>
                         <a:schemeClr val="tx1"/>
@@ -8798,7 +8968,7 @@
                       </a:r>
                     </a:p>
                   </a:txBody>
-                  <a:tcPr>
+                  <a:tcPr anchor="ctr" anchorCtr="1">
                     <a:lnL w="12700" cap="flat" cmpd="sng" algn="ctr">
                       <a:solidFill>
                         <a:schemeClr val="tx1"/>
@@ -8853,7 +9023,7 @@
                       </a:r>
                     </a:p>
                   </a:txBody>
-                  <a:tcPr>
+                  <a:tcPr anchor="ctr" anchorCtr="1">
                     <a:lnL w="12700" cap="flat" cmpd="sng" algn="ctr">
                       <a:solidFill>
                         <a:schemeClr val="tx1"/>
@@ -8895,7 +9065,7 @@
                 </a:tc>
                 <a:extLst>
                   <a:ext uri="{0D108BD9-81ED-4DB2-BD59-A6C34878D82A}">
-                    <a16:rowId xmlns:a16="http://schemas.microsoft.com/office/drawing/2014/main" val="2189309325"/>
+                    <a16:rowId xmlns:a16="http://schemas.microsoft.com/office/drawing/2014/main" xmlns="" val="2189309325"/>
                   </a:ext>
                 </a:extLst>
               </a:tr>
@@ -8913,6 +9083,13 @@
   <p:clrMapOvr>
     <a:masterClrMapping/>
   </p:clrMapOvr>
+  <p:timing>
+    <p:tnLst>
+      <p:par>
+        <p:cTn id="1" dur="indefinite" restart="never" nodeType="tmRoot"/>
+      </p:par>
+    </p:tnLst>
+  </p:timing>
 </p:sld>
 </file>
 
@@ -8938,7 +9115,7 @@
           <p:cNvPr id="2" name="Cím 1">
             <a:extLst>
               <a:ext uri="{FF2B5EF4-FFF2-40B4-BE49-F238E27FC236}">
-                <a16:creationId xmlns:a16="http://schemas.microsoft.com/office/drawing/2014/main" id="{3D71E464-FDA0-44ED-BAE0-76765A5D6664}"/>
+                <a16:creationId xmlns:a16="http://schemas.microsoft.com/office/drawing/2014/main" xmlns="" id="{3D71E464-FDA0-44ED-BAE0-76765A5D6664}"/>
               </a:ext>
             </a:extLst>
           </p:cNvPr>
@@ -8966,7 +9143,7 @@
           <p:cNvPr id="5" name="Dia számának helye 4">
             <a:extLst>
               <a:ext uri="{FF2B5EF4-FFF2-40B4-BE49-F238E27FC236}">
-                <a16:creationId xmlns:a16="http://schemas.microsoft.com/office/drawing/2014/main" id="{3927AD5E-958C-4218-A2F7-1714AA2AACB5}"/>
+                <a16:creationId xmlns:a16="http://schemas.microsoft.com/office/drawing/2014/main" xmlns="" id="{3927AD5E-958C-4218-A2F7-1714AA2AACB5}"/>
               </a:ext>
             </a:extLst>
           </p:cNvPr>
@@ -8998,7 +9175,7 @@
           <p:cNvPr id="6" name="Szövegdoboz 5">
             <a:extLst>
               <a:ext uri="{FF2B5EF4-FFF2-40B4-BE49-F238E27FC236}">
-                <a16:creationId xmlns:a16="http://schemas.microsoft.com/office/drawing/2014/main" id="{6EA50174-05F4-4DB5-AFA6-707EDDAD33F6}"/>
+                <a16:creationId xmlns:a16="http://schemas.microsoft.com/office/drawing/2014/main" xmlns="" id="{6EA50174-05F4-4DB5-AFA6-707EDDAD33F6}"/>
               </a:ext>
             </a:extLst>
           </p:cNvPr>
@@ -9129,6 +9306,13 @@
   <p:clrMapOvr>
     <a:masterClrMapping/>
   </p:clrMapOvr>
+  <p:timing>
+    <p:tnLst>
+      <p:par>
+        <p:cTn id="1" dur="indefinite" restart="never" nodeType="tmRoot"/>
+      </p:par>
+    </p:tnLst>
+  </p:timing>
 </p:sld>
 </file>
 
@@ -9154,7 +9338,7 @@
           <p:cNvPr id="6" name="Kép 5">
             <a:extLst>
               <a:ext uri="{FF2B5EF4-FFF2-40B4-BE49-F238E27FC236}">
-                <a16:creationId xmlns:a16="http://schemas.microsoft.com/office/drawing/2014/main" id="{03A2FCAA-44F4-4121-9409-3F7C16B08598}"/>
+                <a16:creationId xmlns:a16="http://schemas.microsoft.com/office/drawing/2014/main" xmlns="" id="{03A2FCAA-44F4-4121-9409-3F7C16B08598}"/>
               </a:ext>
             </a:extLst>
           </p:cNvPr>
@@ -9176,8 +9360,8 @@
         </p:blipFill>
         <p:spPr>
           <a:xfrm>
-            <a:off x="4817326" y="1194936"/>
-            <a:ext cx="3215791" cy="2383436"/>
+            <a:off x="5498809" y="1194936"/>
+            <a:ext cx="3555466" cy="2635192"/>
           </a:xfrm>
           <a:prstGeom prst="rect">
             <a:avLst/>
@@ -9189,7 +9373,7 @@
           <p:cNvPr id="2" name="Dia számának helye 1">
             <a:extLst>
               <a:ext uri="{FF2B5EF4-FFF2-40B4-BE49-F238E27FC236}">
-                <a16:creationId xmlns:a16="http://schemas.microsoft.com/office/drawing/2014/main" id="{FB342F71-8953-4DC7-8EEB-C5E7385C3ABE}"/>
+                <a16:creationId xmlns:a16="http://schemas.microsoft.com/office/drawing/2014/main" xmlns="" id="{FB342F71-8953-4DC7-8EEB-C5E7385C3ABE}"/>
               </a:ext>
             </a:extLst>
           </p:cNvPr>
@@ -9221,7 +9405,7 @@
           <p:cNvPr id="5" name="Cím 1">
             <a:extLst>
               <a:ext uri="{FF2B5EF4-FFF2-40B4-BE49-F238E27FC236}">
-                <a16:creationId xmlns:a16="http://schemas.microsoft.com/office/drawing/2014/main" id="{FF8E5E95-AE64-415C-8681-D3B3D2CA7C51}"/>
+                <a16:creationId xmlns:a16="http://schemas.microsoft.com/office/drawing/2014/main" xmlns="" id="{FF8E5E95-AE64-415C-8681-D3B3D2CA7C51}"/>
               </a:ext>
             </a:extLst>
           </p:cNvPr>
@@ -9232,7 +9416,7 @@
         </p:nvSpPr>
         <p:spPr>
           <a:xfrm>
-            <a:off x="543393" y="88902"/>
+            <a:off x="543393" y="157910"/>
             <a:ext cx="7543800" cy="730126"/>
           </a:xfrm>
           <a:prstGeom prst="rect">
@@ -9276,7 +9460,7 @@
           <p:cNvPr id="7" name="Kép 6">
             <a:extLst>
               <a:ext uri="{FF2B5EF4-FFF2-40B4-BE49-F238E27FC236}">
-                <a16:creationId xmlns:a16="http://schemas.microsoft.com/office/drawing/2014/main" id="{1FB64181-B7A7-4F2C-975F-75D7BD37C170}"/>
+                <a16:creationId xmlns:a16="http://schemas.microsoft.com/office/drawing/2014/main" xmlns="" id="{1FB64181-B7A7-4F2C-975F-75D7BD37C170}"/>
               </a:ext>
             </a:extLst>
           </p:cNvPr>
@@ -9285,7 +9469,7 @@
           </p:cNvPicPr>
           <p:nvPr/>
         </p:nvPicPr>
-        <p:blipFill>
+        <p:blipFill rotWithShape="1">
           <a:blip r:embed="rId3">
             <a:extLst>
               <a:ext uri="{28A0092B-C50C-407E-A947-70E740481C1C}">
@@ -9293,20 +9477,53 @@
               </a:ext>
             </a:extLst>
           </a:blip>
-          <a:stretch>
-            <a:fillRect/>
-          </a:stretch>
+          <a:srcRect t="7493" b="5972"/>
+          <a:stretch/>
         </p:blipFill>
         <p:spPr>
           <a:xfrm>
-            <a:off x="761759" y="1194936"/>
-            <a:ext cx="3907678" cy="5224630"/>
+            <a:off x="951540" y="1215773"/>
+            <a:ext cx="4517608" cy="5226722"/>
           </a:xfrm>
           <a:prstGeom prst="rect">
             <a:avLst/>
           </a:prstGeom>
         </p:spPr>
       </p:pic>
+      <p:sp>
+        <p:nvSpPr>
+          <p:cNvPr id="3" name="Szövegdoboz 2"/>
+          <p:cNvSpPr txBox="1"/>
+          <p:nvPr/>
+        </p:nvSpPr>
+        <p:spPr>
+          <a:xfrm>
+            <a:off x="543393" y="838367"/>
+            <a:ext cx="1859805" cy="400110"/>
+          </a:xfrm>
+          <a:prstGeom prst="rect">
+            <a:avLst/>
+          </a:prstGeom>
+          <a:noFill/>
+        </p:spPr>
+        <p:txBody>
+          <a:bodyPr wrap="none" rtlCol="0">
+            <a:spAutoFit/>
+          </a:bodyPr>
+          <a:lstStyle/>
+          <a:p>
+            <a:r>
+              <a:rPr lang="hu-HU" sz="2000" dirty="0" err="1" smtClean="0"/>
+              <a:t>MiniZinc</a:t>
+            </a:r>
+            <a:r>
+              <a:rPr lang="hu-HU" sz="2000" dirty="0" smtClean="0"/>
+              <a:t> modell</a:t>
+            </a:r>
+            <a:endParaRPr lang="hu-HU" sz="2000" dirty="0"/>
+          </a:p>
+        </p:txBody>
+      </p:sp>
     </p:spTree>
     <p:extLst>
       <p:ext uri="{BB962C8B-B14F-4D97-AF65-F5344CB8AC3E}">
@@ -9317,6 +9534,13 @@
   <p:clrMapOvr>
     <a:masterClrMapping/>
   </p:clrMapOvr>
+  <p:timing>
+    <p:tnLst>
+      <p:par>
+        <p:cTn id="1" dur="indefinite" restart="never" nodeType="tmRoot"/>
+      </p:par>
+    </p:tnLst>
+  </p:timing>
 </p:sld>
 </file>
 
@@ -9342,7 +9566,7 @@
           <p:cNvPr id="2" name="Cím 1">
             <a:extLst>
               <a:ext uri="{FF2B5EF4-FFF2-40B4-BE49-F238E27FC236}">
-                <a16:creationId xmlns:a16="http://schemas.microsoft.com/office/drawing/2014/main" id="{FF8E5E95-AE64-415C-8681-D3B3D2CA7C51}"/>
+                <a16:creationId xmlns:a16="http://schemas.microsoft.com/office/drawing/2014/main" xmlns="" id="{FF8E5E95-AE64-415C-8681-D3B3D2CA7C51}"/>
               </a:ext>
             </a:extLst>
           </p:cNvPr>
@@ -9378,7 +9602,7 @@
           <p:cNvPr id="4" name="Dia számának helye 3">
             <a:extLst>
               <a:ext uri="{FF2B5EF4-FFF2-40B4-BE49-F238E27FC236}">
-                <a16:creationId xmlns:a16="http://schemas.microsoft.com/office/drawing/2014/main" id="{E799F892-52D9-47BE-8E31-56A1731CA5FB}"/>
+                <a16:creationId xmlns:a16="http://schemas.microsoft.com/office/drawing/2014/main" xmlns="" id="{E799F892-52D9-47BE-8E31-56A1731CA5FB}"/>
               </a:ext>
             </a:extLst>
           </p:cNvPr>
@@ -9410,7 +9634,7 @@
           <p:cNvPr id="3" name="Szövegdoboz 2">
             <a:extLst>
               <a:ext uri="{FF2B5EF4-FFF2-40B4-BE49-F238E27FC236}">
-                <a16:creationId xmlns:a16="http://schemas.microsoft.com/office/drawing/2014/main" id="{0FDE817F-09DE-42BC-8A28-394FF6F01DF2}"/>
+                <a16:creationId xmlns:a16="http://schemas.microsoft.com/office/drawing/2014/main" xmlns="" id="{0FDE817F-09DE-42BC-8A28-394FF6F01DF2}"/>
               </a:ext>
             </a:extLst>
           </p:cNvPr>
@@ -9774,6 +9998,13 @@
   <p:clrMapOvr>
     <a:masterClrMapping/>
   </p:clrMapOvr>
+  <p:timing>
+    <p:tnLst>
+      <p:par>
+        <p:cTn id="1" dur="indefinite" restart="never" nodeType="tmRoot"/>
+      </p:par>
+    </p:tnLst>
+  </p:timing>
 </p:sld>
 </file>
 
@@ -9799,7 +10030,7 @@
           <p:cNvPr id="2" name="Cím 1">
             <a:extLst>
               <a:ext uri="{FF2B5EF4-FFF2-40B4-BE49-F238E27FC236}">
-                <a16:creationId xmlns:a16="http://schemas.microsoft.com/office/drawing/2014/main" id="{FF8E5E95-AE64-415C-8681-D3B3D2CA7C51}"/>
+                <a16:creationId xmlns:a16="http://schemas.microsoft.com/office/drawing/2014/main" xmlns="" id="{FF8E5E95-AE64-415C-8681-D3B3D2CA7C51}"/>
               </a:ext>
             </a:extLst>
           </p:cNvPr>
@@ -9835,7 +10066,7 @@
           <p:cNvPr id="4" name="Dia számának helye 3">
             <a:extLst>
               <a:ext uri="{FF2B5EF4-FFF2-40B4-BE49-F238E27FC236}">
-                <a16:creationId xmlns:a16="http://schemas.microsoft.com/office/drawing/2014/main" id="{E799F892-52D9-47BE-8E31-56A1731CA5FB}"/>
+                <a16:creationId xmlns:a16="http://schemas.microsoft.com/office/drawing/2014/main" xmlns="" id="{E799F892-52D9-47BE-8E31-56A1731CA5FB}"/>
               </a:ext>
             </a:extLst>
           </p:cNvPr>
@@ -9867,7 +10098,7 @@
           <p:cNvPr id="6" name="Szövegdoboz 5">
             <a:extLst>
               <a:ext uri="{FF2B5EF4-FFF2-40B4-BE49-F238E27FC236}">
-                <a16:creationId xmlns:a16="http://schemas.microsoft.com/office/drawing/2014/main" id="{0FDE817F-09DE-42BC-8A28-394FF6F01DF2}"/>
+                <a16:creationId xmlns:a16="http://schemas.microsoft.com/office/drawing/2014/main" xmlns="" id="{0FDE817F-09DE-42BC-8A28-394FF6F01DF2}"/>
               </a:ext>
             </a:extLst>
           </p:cNvPr>
@@ -10427,6 +10658,13 @@
   <p:clrMapOvr>
     <a:masterClrMapping/>
   </p:clrMapOvr>
+  <p:timing>
+    <p:tnLst>
+      <p:par>
+        <p:cTn id="1" dur="indefinite" restart="never" nodeType="tmRoot"/>
+      </p:par>
+    </p:tnLst>
+  </p:timing>
 </p:sld>
 </file>
 
@@ -10452,7 +10690,7 @@
           <p:cNvPr id="2" name="Cím 1">
             <a:extLst>
               <a:ext uri="{FF2B5EF4-FFF2-40B4-BE49-F238E27FC236}">
-                <a16:creationId xmlns:a16="http://schemas.microsoft.com/office/drawing/2014/main" id="{DCCECEDE-C074-41DA-84C8-BDCA2FDBD582}"/>
+                <a16:creationId xmlns:a16="http://schemas.microsoft.com/office/drawing/2014/main" xmlns="" id="{DCCECEDE-C074-41DA-84C8-BDCA2FDBD582}"/>
               </a:ext>
             </a:extLst>
           </p:cNvPr>
@@ -10488,28 +10726,20 @@
               <a:rPr lang="hu-HU" dirty="0"/>
             </a:br>
             <a:r>
+              <a:rPr lang="hu-HU" sz="2000" b="1" dirty="0" smtClean="0">
+                <a:solidFill>
+                  <a:schemeClr val="tx1"/>
+                </a:solidFill>
+              </a:rPr>
+              <a:t>Könnyű/nehéz </a:t>
+            </a:r>
+            <a:r>
               <a:rPr lang="hu-HU" sz="2000" b="1" dirty="0">
                 <a:solidFill>
                   <a:schemeClr val="tx1"/>
                 </a:solidFill>
               </a:rPr>
-              <a:t>Különböző </a:t>
-            </a:r>
-            <a:r>
-              <a:rPr lang="hu-HU" sz="2000" b="1" dirty="0" err="1">
-                <a:solidFill>
-                  <a:schemeClr val="tx1"/>
-                </a:solidFill>
-              </a:rPr>
-              <a:t>összetettségű</a:t>
-            </a:r>
-            <a:r>
-              <a:rPr lang="hu-HU" sz="2000" b="1" dirty="0">
-                <a:solidFill>
-                  <a:schemeClr val="tx1"/>
-                </a:solidFill>
-              </a:rPr>
-              <a:t> feladványok - modellek</a:t>
+              <a:t>feladványok - modellek</a:t>
             </a:r>
           </a:p>
         </p:txBody>
@@ -10519,7 +10749,7 @@
           <p:cNvPr id="4" name="Dia számának helye 3">
             <a:extLst>
               <a:ext uri="{FF2B5EF4-FFF2-40B4-BE49-F238E27FC236}">
-                <a16:creationId xmlns:a16="http://schemas.microsoft.com/office/drawing/2014/main" id="{AD8C5EE1-236C-4F83-B6B6-0315500CBF70}"/>
+                <a16:creationId xmlns:a16="http://schemas.microsoft.com/office/drawing/2014/main" xmlns="" id="{AD8C5EE1-236C-4F83-B6B6-0315500CBF70}"/>
               </a:ext>
             </a:extLst>
           </p:cNvPr>
@@ -10586,6 +10816,13 @@
   <p:clrMapOvr>
     <a:masterClrMapping/>
   </p:clrMapOvr>
+  <p:timing>
+    <p:tnLst>
+      <p:par>
+        <p:cTn id="1" dur="indefinite" restart="never" nodeType="tmRoot"/>
+      </p:par>
+    </p:tnLst>
+  </p:timing>
 </p:sld>
 </file>
 
@@ -10611,7 +10848,7 @@
           <p:cNvPr id="2" name="Cím 1">
             <a:extLst>
               <a:ext uri="{FF2B5EF4-FFF2-40B4-BE49-F238E27FC236}">
-                <a16:creationId xmlns:a16="http://schemas.microsoft.com/office/drawing/2014/main" id="{DCCECEDE-C074-41DA-84C8-BDCA2FDBD582}"/>
+                <a16:creationId xmlns:a16="http://schemas.microsoft.com/office/drawing/2014/main" xmlns="" id="{DCCECEDE-C074-41DA-84C8-BDCA2FDBD582}"/>
               </a:ext>
             </a:extLst>
           </p:cNvPr>
@@ -10645,7 +10882,23 @@
                   <a:schemeClr val="tx1"/>
                 </a:solidFill>
               </a:rPr>
-              <a:t>Nehéz/óriás feladvány - modellek</a:t>
+              <a:t>Nehéz/óriás </a:t>
+            </a:r>
+            <a:r>
+              <a:rPr lang="hu-HU" sz="2000" b="1" dirty="0" smtClean="0">
+                <a:solidFill>
+                  <a:schemeClr val="tx1"/>
+                </a:solidFill>
+              </a:rPr>
+              <a:t>feladványok </a:t>
+            </a:r>
+            <a:r>
+              <a:rPr lang="hu-HU" sz="2000" b="1" dirty="0">
+                <a:solidFill>
+                  <a:schemeClr val="tx1"/>
+                </a:solidFill>
+              </a:rPr>
+              <a:t>- modellek</a:t>
             </a:r>
           </a:p>
         </p:txBody>
@@ -10655,7 +10908,7 @@
           <p:cNvPr id="4" name="Dia számának helye 3">
             <a:extLst>
               <a:ext uri="{FF2B5EF4-FFF2-40B4-BE49-F238E27FC236}">
-                <a16:creationId xmlns:a16="http://schemas.microsoft.com/office/drawing/2014/main" id="{AD8C5EE1-236C-4F83-B6B6-0315500CBF70}"/>
+                <a16:creationId xmlns:a16="http://schemas.microsoft.com/office/drawing/2014/main" xmlns="" id="{AD8C5EE1-236C-4F83-B6B6-0315500CBF70}"/>
               </a:ext>
             </a:extLst>
           </p:cNvPr>
@@ -10722,6 +10975,13 @@
   <p:clrMapOvr>
     <a:masterClrMapping/>
   </p:clrMapOvr>
+  <p:timing>
+    <p:tnLst>
+      <p:par>
+        <p:cTn id="1" dur="indefinite" restart="never" nodeType="tmRoot"/>
+      </p:par>
+    </p:tnLst>
+  </p:timing>
 </p:sld>
 </file>
 

--- a/CP_Dolgozat/Előadás/Logikai feladványok megoldása korlátprogramozással.pptx
+++ b/CP_Dolgozat/Előadás/Logikai feladványok megoldása korlátprogramozással.pptx
@@ -5,25 +5,31 @@
     <p:sldMasterId id="2147483855" r:id="rId1"/>
   </p:sldMasterIdLst>
   <p:notesMasterIdLst>
-    <p:notesMasterId r:id="rId18"/>
+    <p:notesMasterId r:id="rId24"/>
   </p:notesMasterIdLst>
   <p:sldIdLst>
     <p:sldId id="256" r:id="rId2"/>
     <p:sldId id="266" r:id="rId3"/>
     <p:sldId id="258" r:id="rId4"/>
-    <p:sldId id="257" r:id="rId5"/>
-    <p:sldId id="267" r:id="rId6"/>
-    <p:sldId id="260" r:id="rId7"/>
-    <p:sldId id="270" r:id="rId8"/>
-    <p:sldId id="269" r:id="rId9"/>
-    <p:sldId id="272" r:id="rId10"/>
-    <p:sldId id="259" r:id="rId11"/>
-    <p:sldId id="271" r:id="rId12"/>
-    <p:sldId id="268" r:id="rId13"/>
-    <p:sldId id="261" r:id="rId14"/>
-    <p:sldId id="262" r:id="rId15"/>
-    <p:sldId id="264" r:id="rId16"/>
-    <p:sldId id="265" r:id="rId17"/>
+    <p:sldId id="273" r:id="rId5"/>
+    <p:sldId id="257" r:id="rId6"/>
+    <p:sldId id="267" r:id="rId7"/>
+    <p:sldId id="279" r:id="rId8"/>
+    <p:sldId id="260" r:id="rId9"/>
+    <p:sldId id="280" r:id="rId10"/>
+    <p:sldId id="270" r:id="rId11"/>
+    <p:sldId id="269" r:id="rId12"/>
+    <p:sldId id="272" r:id="rId13"/>
+    <p:sldId id="259" r:id="rId14"/>
+    <p:sldId id="271" r:id="rId15"/>
+    <p:sldId id="268" r:id="rId16"/>
+    <p:sldId id="261" r:id="rId17"/>
+    <p:sldId id="262" r:id="rId18"/>
+    <p:sldId id="264" r:id="rId19"/>
+    <p:sldId id="265" r:id="rId20"/>
+    <p:sldId id="276" r:id="rId21"/>
+    <p:sldId id="277" r:id="rId22"/>
+    <p:sldId id="278" r:id="rId23"/>
   </p:sldIdLst>
   <p:sldSz cx="9144000" cy="6858000" type="screen4x3"/>
   <p:notesSz cx="6858000" cy="9144000"/>
@@ -212,7 +218,7 @@
           <a:p>
             <a:fld id="{D216282D-D81D-4BF8-9895-AC698DE2A975}" type="datetimeFigureOut">
               <a:rPr lang="hu-HU" smtClean="0"/>
-              <a:t>2018. 04. 19.</a:t>
+              <a:t>2018. 04. 23.</a:t>
             </a:fld>
             <a:endParaRPr lang="hu-HU"/>
           </a:p>
@@ -696,7 +702,7 @@
           <a:p>
             <a:fld id="{E312C87B-02A7-472E-A63B-E2AA6EA769CA}" type="datetime1">
               <a:rPr lang="hu-HU" smtClean="0"/>
-              <a:t>2018. 04. 19.</a:t>
+              <a:t>2018. 04. 23.</a:t>
             </a:fld>
             <a:endParaRPr lang="hu-HU"/>
           </a:p>
@@ -971,7 +977,7 @@
           <a:p>
             <a:fld id="{3B5D9C6B-342B-4BF9-8B1A-D54914C7E78B}" type="datetime1">
               <a:rPr lang="hu-HU" smtClean="0"/>
-              <a:t>2018. 04. 19.</a:t>
+              <a:t>2018. 04. 23.</a:t>
             </a:fld>
             <a:endParaRPr lang="hu-HU"/>
           </a:p>
@@ -1227,7 +1233,7 @@
           <a:p>
             <a:fld id="{46B01E20-0B80-441C-A219-14B0C111F8A4}" type="datetime1">
               <a:rPr lang="hu-HU" smtClean="0"/>
-              <a:t>2018. 04. 19.</a:t>
+              <a:t>2018. 04. 23.</a:t>
             </a:fld>
             <a:endParaRPr lang="hu-HU"/>
           </a:p>
@@ -1397,7 +1403,7 @@
           <a:p>
             <a:fld id="{F11C61C5-A889-458F-89AF-EEE72626CAE9}" type="datetime1">
               <a:rPr lang="hu-HU" smtClean="0"/>
-              <a:t>2018. 04. 19.</a:t>
+              <a:t>2018. 04. 23.</a:t>
             </a:fld>
             <a:endParaRPr lang="hu-HU"/>
           </a:p>
@@ -1740,7 +1746,7 @@
           <a:p>
             <a:fld id="{B7685D89-7BCE-478D-AB70-4D9B0230C013}" type="datetime1">
               <a:rPr lang="hu-HU" smtClean="0"/>
-              <a:t>2018. 04. 19.</a:t>
+              <a:t>2018. 04. 23.</a:t>
             </a:fld>
             <a:endParaRPr lang="hu-HU"/>
           </a:p>
@@ -2015,7 +2021,7 @@
           <a:p>
             <a:fld id="{342A6DF3-9923-4C9E-B5CF-2760C80C9AAE}" type="datetime1">
               <a:rPr lang="hu-HU" smtClean="0"/>
-              <a:t>2018. 04. 19.</a:t>
+              <a:t>2018. 04. 23.</a:t>
             </a:fld>
             <a:endParaRPr lang="hu-HU"/>
           </a:p>
@@ -2399,7 +2405,7 @@
           <a:p>
             <a:fld id="{CCB70A02-F1D2-4B6F-A5C9-21ECF68D20F7}" type="datetime1">
               <a:rPr lang="hu-HU" smtClean="0"/>
-              <a:t>2018. 04. 19.</a:t>
+              <a:t>2018. 04. 23.</a:t>
             </a:fld>
             <a:endParaRPr lang="hu-HU"/>
           </a:p>
@@ -2522,7 +2528,7 @@
           <a:p>
             <a:fld id="{4B958066-8305-4AEE-AA62-5F8D66DBDEB8}" type="datetime1">
               <a:rPr lang="hu-HU" smtClean="0"/>
-              <a:t>2018. 04. 19.</a:t>
+              <a:t>2018. 04. 23.</a:t>
             </a:fld>
             <a:endParaRPr lang="hu-HU"/>
           </a:p>
@@ -2684,7 +2690,7 @@
           <a:p>
             <a:fld id="{837CA921-3F6C-4D1B-845A-272145B802A9}" type="datetime1">
               <a:rPr lang="hu-HU" smtClean="0"/>
-              <a:t>2018. 04. 19.</a:t>
+              <a:t>2018. 04. 23.</a:t>
             </a:fld>
             <a:endParaRPr lang="hu-HU"/>
           </a:p>
@@ -3143,7 +3149,7 @@
           <a:p>
             <a:fld id="{69BB093D-7842-40CD-B34D-93DEC9DF4129}" type="datetime1">
               <a:rPr lang="hu-HU" smtClean="0"/>
-              <a:t>2018. 04. 19.</a:t>
+              <a:t>2018. 04. 23.</a:t>
             </a:fld>
             <a:endParaRPr lang="hu-HU"/>
           </a:p>
@@ -3530,7 +3536,7 @@
           <a:p>
             <a:fld id="{FC4EE55C-E42C-44F1-898C-4145C2FBF83B}" type="datetime1">
               <a:rPr lang="hu-HU" smtClean="0"/>
-              <a:t>2018. 04. 19.</a:t>
+              <a:t>2018. 04. 23.</a:t>
             </a:fld>
             <a:endParaRPr lang="hu-HU"/>
           </a:p>
@@ -3884,7 +3890,7 @@
           <a:p>
             <a:fld id="{D6FEAC61-D054-47B6-B1A3-F182E84601BD}" type="datetime1">
               <a:rPr lang="hu-HU" smtClean="0"/>
-              <a:t>2018. 04. 19.</a:t>
+              <a:t>2018. 04. 23.</a:t>
             </a:fld>
             <a:endParaRPr lang="hu-HU"/>
           </a:p>
@@ -4411,7 +4417,7 @@
           <p:cNvPr id="2" name="Cím 1">
             <a:extLst>
               <a:ext uri="{FF2B5EF4-FFF2-40B4-BE49-F238E27FC236}">
-                <a16:creationId xmlns:a16="http://schemas.microsoft.com/office/drawing/2014/main" xmlns="" id="{7EBC0285-A2BD-4B16-99D1-07781D59B075}"/>
+                <a16:creationId xmlns:a16="http://schemas.microsoft.com/office/drawing/2014/main" id="{7EBC0285-A2BD-4B16-99D1-07781D59B075}"/>
               </a:ext>
             </a:extLst>
           </p:cNvPr>
@@ -4449,7 +4455,7 @@
           <p:cNvPr id="3" name="Alcím 2">
             <a:extLst>
               <a:ext uri="{FF2B5EF4-FFF2-40B4-BE49-F238E27FC236}">
-                <a16:creationId xmlns:a16="http://schemas.microsoft.com/office/drawing/2014/main" xmlns="" id="{7DB2DDC9-0531-433E-AE33-F07B4E9C5077}"/>
+                <a16:creationId xmlns:a16="http://schemas.microsoft.com/office/drawing/2014/main" id="{7DB2DDC9-0531-433E-AE33-F07B4E9C5077}"/>
               </a:ext>
             </a:extLst>
           </p:cNvPr>
@@ -4615,13 +4621,6 @@
   <p:clrMapOvr>
     <a:masterClrMapping/>
   </p:clrMapOvr>
-  <p:timing>
-    <p:tnLst>
-      <p:par>
-        <p:cTn id="1" dur="indefinite" restart="never" nodeType="tmRoot"/>
-      </p:par>
-    </p:tnLst>
-  </p:timing>
 </p:sld>
 </file>
 
@@ -4647,7 +4646,7 @@
           <p:cNvPr id="2" name="Cím 1">
             <a:extLst>
               <a:ext uri="{FF2B5EF4-FFF2-40B4-BE49-F238E27FC236}">
-                <a16:creationId xmlns:a16="http://schemas.microsoft.com/office/drawing/2014/main" xmlns="" id="{09411F1E-27C1-4AE8-AE32-00B88150B9E2}"/>
+                <a16:creationId xmlns:a16="http://schemas.microsoft.com/office/drawing/2014/main" id="{FF8E5E95-AE64-415C-8681-D3B3D2CA7C51}"/>
               </a:ext>
             </a:extLst>
           </p:cNvPr>
@@ -4658,23 +4657,23 @@
             <p:ph type="title"/>
           </p:nvPr>
         </p:nvSpPr>
-        <p:spPr/>
-        <p:txBody>
-          <a:bodyPr/>
+        <p:spPr>
+          <a:xfrm>
+            <a:off x="517581" y="88902"/>
+            <a:ext cx="7543800" cy="730126"/>
+          </a:xfrm>
+        </p:spPr>
+        <p:txBody>
+          <a:bodyPr>
+            <a:normAutofit/>
+          </a:bodyPr>
           <a:lstStyle/>
           <a:p>
             <a:r>
               <a:rPr lang="hu-HU" dirty="0"/>
-              <a:t>„</a:t>
-            </a:r>
-            <a:r>
-              <a:rPr lang="hu-HU" dirty="0" err="1"/>
-              <a:t>Gardens</a:t>
-            </a:r>
-            <a:r>
-              <a:rPr lang="hu-HU" dirty="0"/>
-              <a:t>” feladat</a:t>
-            </a:r>
+              <a:t>„Zebra” feladatok</a:t>
+            </a:r>
+            <a:endParaRPr lang="hu-HU" sz="3200" dirty="0"/>
           </a:p>
         </p:txBody>
       </p:sp>
@@ -4683,7 +4682,7 @@
           <p:cNvPr id="4" name="Dia számának helye 3">
             <a:extLst>
               <a:ext uri="{FF2B5EF4-FFF2-40B4-BE49-F238E27FC236}">
-                <a16:creationId xmlns:a16="http://schemas.microsoft.com/office/drawing/2014/main" xmlns="" id="{A0A56984-CD4E-4AFC-B636-2467537DA82C}"/>
+                <a16:creationId xmlns:a16="http://schemas.microsoft.com/office/drawing/2014/main" id="{E799F892-52D9-47BE-8E31-56A1731CA5FB}"/>
               </a:ext>
             </a:extLst>
           </p:cNvPr>
@@ -4712,10 +4711,942 @@
       </p:sp>
       <p:sp>
         <p:nvSpPr>
+          <p:cNvPr id="6" name="Szövegdoboz 5">
+            <a:extLst>
+              <a:ext uri="{FF2B5EF4-FFF2-40B4-BE49-F238E27FC236}">
+                <a16:creationId xmlns:a16="http://schemas.microsoft.com/office/drawing/2014/main" id="{0FDE817F-09DE-42BC-8A28-394FF6F01DF2}"/>
+              </a:ext>
+            </a:extLst>
+          </p:cNvPr>
+          <p:cNvSpPr txBox="1"/>
+          <p:nvPr/>
+        </p:nvSpPr>
+        <p:spPr>
+          <a:xfrm>
+            <a:off x="543393" y="819028"/>
+            <a:ext cx="8867274" cy="400110"/>
+          </a:xfrm>
+          <a:prstGeom prst="rect">
+            <a:avLst/>
+          </a:prstGeom>
+          <a:noFill/>
+        </p:spPr>
+        <p:txBody>
+          <a:bodyPr wrap="square" rtlCol="0">
+            <a:spAutoFit/>
+          </a:bodyPr>
+          <a:lstStyle/>
+          <a:p>
+            <a:r>
+              <a:rPr lang="hu-HU" sz="2000" dirty="0"/>
+              <a:t>Kikötés: A fekete ruhás hölgytől valahol jobbra ül a 60 éves adományozó.</a:t>
+            </a:r>
+          </a:p>
+        </p:txBody>
+      </p:sp>
+      <p:pic>
+        <p:nvPicPr>
+          <p:cNvPr id="7" name="Kép 6"/>
+          <p:cNvPicPr>
+            <a:picLocks noChangeAspect="1"/>
+          </p:cNvPicPr>
+          <p:nvPr/>
+        </p:nvPicPr>
+        <p:blipFill>
+          <a:blip r:embed="rId2">
+            <a:extLst>
+              <a:ext uri="{28A0092B-C50C-407E-A947-70E740481C1C}">
+                <a14:useLocalDpi xmlns:a14="http://schemas.microsoft.com/office/drawing/2010/main" val="0"/>
+              </a:ext>
+            </a:extLst>
+          </a:blip>
+          <a:stretch>
+            <a:fillRect/>
+          </a:stretch>
+        </p:blipFill>
+        <p:spPr>
+          <a:xfrm>
+            <a:off x="0" y="2043597"/>
+            <a:ext cx="9144000" cy="708548"/>
+          </a:xfrm>
+          <a:prstGeom prst="rect">
+            <a:avLst/>
+          </a:prstGeom>
+        </p:spPr>
+      </p:pic>
+      <p:pic>
+        <p:nvPicPr>
+          <p:cNvPr id="8" name="Kép 7"/>
+          <p:cNvPicPr>
+            <a:picLocks noChangeAspect="1"/>
+          </p:cNvPicPr>
+          <p:nvPr/>
+        </p:nvPicPr>
+        <p:blipFill>
+          <a:blip r:embed="rId3">
+            <a:extLst>
+              <a:ext uri="{28A0092B-C50C-407E-A947-70E740481C1C}">
+                <a14:useLocalDpi xmlns:a14="http://schemas.microsoft.com/office/drawing/2010/main" val="0"/>
+              </a:ext>
+            </a:extLst>
+          </a:blip>
+          <a:stretch>
+            <a:fillRect/>
+          </a:stretch>
+        </p:blipFill>
+        <p:spPr>
+          <a:xfrm>
+            <a:off x="1067416" y="4752268"/>
+            <a:ext cx="7122831" cy="383722"/>
+          </a:xfrm>
+          <a:prstGeom prst="rect">
+            <a:avLst/>
+          </a:prstGeom>
+        </p:spPr>
+      </p:pic>
+      <p:sp>
+        <p:nvSpPr>
+          <p:cNvPr id="9" name="Szövegdoboz 8"/>
+          <p:cNvSpPr txBox="1"/>
+          <p:nvPr/>
+        </p:nvSpPr>
+        <p:spPr>
+          <a:xfrm>
+            <a:off x="561051" y="5322847"/>
+            <a:ext cx="8135560" cy="307777"/>
+          </a:xfrm>
+          <a:prstGeom prst="rect">
+            <a:avLst/>
+          </a:prstGeom>
+          <a:noFill/>
+        </p:spPr>
+        <p:txBody>
+          <a:bodyPr wrap="none" rtlCol="0">
+            <a:spAutoFit/>
+          </a:bodyPr>
+          <a:lstStyle/>
+          <a:p>
+            <a:r>
+              <a:rPr lang="en-US" sz="1400" dirty="0">
+                <a:solidFill>
+                  <a:srgbClr val="008000"/>
+                </a:solidFill>
+                <a:latin typeface="Consolas" panose="020B0609020204030204" pitchFamily="49" charset="0"/>
+              </a:rPr>
+              <a:t>constraint </a:t>
+            </a:r>
+            <a:r>
+              <a:rPr lang="en-US" sz="1400" dirty="0" err="1">
+                <a:solidFill>
+                  <a:srgbClr val="0000FF"/>
+                </a:solidFill>
+                <a:latin typeface="Consolas" panose="020B0609020204030204" pitchFamily="49" charset="0"/>
+              </a:rPr>
+              <a:t>forall</a:t>
+            </a:r>
+            <a:r>
+              <a:rPr lang="en-US" sz="1400" dirty="0">
+                <a:latin typeface="Consolas" panose="020B0609020204030204" pitchFamily="49" charset="0"/>
+              </a:rPr>
+              <a:t>(</a:t>
+            </a:r>
+            <a:r>
+              <a:rPr lang="en-US" sz="1400" dirty="0" err="1">
+                <a:latin typeface="Consolas" panose="020B0609020204030204" pitchFamily="49" charset="0"/>
+              </a:rPr>
+              <a:t>a,b</a:t>
+            </a:r>
+            <a:r>
+              <a:rPr lang="en-US" sz="1400" dirty="0">
+                <a:latin typeface="Consolas" panose="020B0609020204030204" pitchFamily="49" charset="0"/>
+              </a:rPr>
+              <a:t> </a:t>
+            </a:r>
+            <a:r>
+              <a:rPr lang="en-US" sz="1400" dirty="0">
+                <a:solidFill>
+                  <a:srgbClr val="008000"/>
+                </a:solidFill>
+                <a:latin typeface="Consolas" panose="020B0609020204030204" pitchFamily="49" charset="0"/>
+              </a:rPr>
+              <a:t>in</a:t>
+            </a:r>
+            <a:r>
+              <a:rPr lang="en-US" sz="1400" dirty="0">
+                <a:latin typeface="Consolas" panose="020B0609020204030204" pitchFamily="49" charset="0"/>
+              </a:rPr>
+              <a:t> PEOPLE </a:t>
+            </a:r>
+            <a:r>
+              <a:rPr lang="en-US" sz="1400" dirty="0">
+                <a:solidFill>
+                  <a:srgbClr val="008000"/>
+                </a:solidFill>
+                <a:latin typeface="Consolas" panose="020B0609020204030204" pitchFamily="49" charset="0"/>
+              </a:rPr>
+              <a:t>where</a:t>
+            </a:r>
+            <a:r>
+              <a:rPr lang="en-US" sz="1400" dirty="0">
+                <a:latin typeface="Consolas" panose="020B0609020204030204" pitchFamily="49" charset="0"/>
+              </a:rPr>
+              <a:t> a&lt;b)(</a:t>
+            </a:r>
+            <a:r>
+              <a:rPr lang="en-US" sz="1400" dirty="0">
+                <a:solidFill>
+                  <a:srgbClr val="0000FF"/>
+                </a:solidFill>
+                <a:latin typeface="Consolas" panose="020B0609020204030204" pitchFamily="49" charset="0"/>
+              </a:rPr>
+              <a:t>not</a:t>
+            </a:r>
+            <a:r>
+              <a:rPr lang="en-US" sz="1400" dirty="0">
+                <a:latin typeface="Consolas" panose="020B0609020204030204" pitchFamily="49" charset="0"/>
+              </a:rPr>
+              <a:t>(age[a]=sixty /\ dress[b]=black))</a:t>
+            </a:r>
+            <a:r>
+              <a:rPr lang="hu-HU" sz="1400" dirty="0">
+                <a:latin typeface="Consolas" panose="020B0609020204030204" pitchFamily="49" charset="0"/>
+              </a:rPr>
+              <a:t>;</a:t>
+            </a:r>
+          </a:p>
+        </p:txBody>
+      </p:sp>
+      <p:sp>
+        <p:nvSpPr>
+          <p:cNvPr id="14" name="Szövegdoboz 13"/>
+          <p:cNvSpPr txBox="1"/>
+          <p:nvPr/>
+        </p:nvSpPr>
+        <p:spPr>
+          <a:xfrm>
+            <a:off x="0" y="2956243"/>
+            <a:ext cx="9257663" cy="523220"/>
+          </a:xfrm>
+          <a:prstGeom prst="rect">
+            <a:avLst/>
+          </a:prstGeom>
+          <a:noFill/>
+        </p:spPr>
+        <p:txBody>
+          <a:bodyPr wrap="none" rtlCol="0">
+            <a:spAutoFit/>
+          </a:bodyPr>
+          <a:lstStyle/>
+          <a:p>
+            <a:r>
+              <a:rPr lang="en-US" sz="1400" dirty="0">
+                <a:solidFill>
+                  <a:srgbClr val="008000"/>
+                </a:solidFill>
+                <a:latin typeface="Consolas" panose="020B0609020204030204" pitchFamily="49" charset="0"/>
+              </a:rPr>
+              <a:t>constraint </a:t>
+            </a:r>
+            <a:r>
+              <a:rPr lang="hu-HU" altLang="hu-HU" sz="1400" dirty="0" err="1">
+                <a:solidFill>
+                  <a:srgbClr val="0000FF"/>
+                </a:solidFill>
+                <a:latin typeface="Consolas" panose="020B0609020204030204" pitchFamily="49" charset="0"/>
+              </a:rPr>
+              <a:t>forall</a:t>
+            </a:r>
+            <a:r>
+              <a:rPr lang="hu-HU" altLang="hu-HU" sz="1400" dirty="0">
+                <a:latin typeface="Consolas" panose="020B0609020204030204" pitchFamily="49" charset="0"/>
+              </a:rPr>
+              <a:t>(x </a:t>
+            </a:r>
+            <a:r>
+              <a:rPr lang="hu-HU" altLang="hu-HU" sz="1400" dirty="0" err="1">
+                <a:solidFill>
+                  <a:srgbClr val="008000"/>
+                </a:solidFill>
+                <a:latin typeface="Consolas" panose="020B0609020204030204" pitchFamily="49" charset="0"/>
+              </a:rPr>
+              <a:t>in</a:t>
+            </a:r>
+            <a:r>
+              <a:rPr lang="hu-HU" altLang="hu-HU" sz="1400" dirty="0">
+                <a:latin typeface="Consolas" panose="020B0609020204030204" pitchFamily="49" charset="0"/>
+              </a:rPr>
+              <a:t> PEOPLE)(</a:t>
+            </a:r>
+            <a:r>
+              <a:rPr lang="hu-HU" altLang="hu-HU" sz="1400" dirty="0" err="1">
+                <a:latin typeface="Consolas" panose="020B0609020204030204" pitchFamily="49" charset="0"/>
+              </a:rPr>
+              <a:t>dress</a:t>
+            </a:r>
+            <a:r>
+              <a:rPr lang="hu-HU" altLang="hu-HU" sz="1400" dirty="0">
+                <a:latin typeface="Consolas" panose="020B0609020204030204" pitchFamily="49" charset="0"/>
+              </a:rPr>
+              <a:t>[x]=</a:t>
+            </a:r>
+            <a:r>
+              <a:rPr lang="hu-HU" altLang="hu-HU" sz="1400" dirty="0" err="1">
+                <a:latin typeface="Consolas" panose="020B0609020204030204" pitchFamily="49" charset="0"/>
+              </a:rPr>
+              <a:t>black</a:t>
+            </a:r>
+            <a:r>
+              <a:rPr lang="hu-HU" altLang="hu-HU" sz="1400" dirty="0">
+                <a:latin typeface="Consolas" panose="020B0609020204030204" pitchFamily="49" charset="0"/>
+              </a:rPr>
+              <a:t> -&gt; </a:t>
+            </a:r>
+            <a:r>
+              <a:rPr lang="hu-HU" altLang="hu-HU" sz="1400" dirty="0" err="1">
+                <a:solidFill>
+                  <a:srgbClr val="0000FF"/>
+                </a:solidFill>
+                <a:latin typeface="Consolas" panose="020B0609020204030204" pitchFamily="49" charset="0"/>
+              </a:rPr>
+              <a:t>count</a:t>
+            </a:r>
+            <a:r>
+              <a:rPr lang="hu-HU" altLang="hu-HU" sz="1400" dirty="0">
+                <a:latin typeface="Consolas" panose="020B0609020204030204" pitchFamily="49" charset="0"/>
+              </a:rPr>
+              <a:t>([</a:t>
+            </a:r>
+            <a:r>
+              <a:rPr lang="hu-HU" altLang="hu-HU" sz="1400" dirty="0" err="1">
+                <a:latin typeface="Consolas" panose="020B0609020204030204" pitchFamily="49" charset="0"/>
+              </a:rPr>
+              <a:t>age</a:t>
+            </a:r>
+            <a:r>
+              <a:rPr lang="hu-HU" altLang="hu-HU" sz="1400" dirty="0">
+                <a:latin typeface="Consolas" panose="020B0609020204030204" pitchFamily="49" charset="0"/>
+              </a:rPr>
+              <a:t>[p] | </a:t>
+            </a:r>
+            <a:r>
+              <a:rPr lang="hu-HU" altLang="hu-HU" sz="1400" dirty="0" err="1">
+                <a:latin typeface="Consolas" panose="020B0609020204030204" pitchFamily="49" charset="0"/>
+              </a:rPr>
+              <a:t>p</a:t>
+            </a:r>
+            <a:r>
+              <a:rPr lang="hu-HU" altLang="hu-HU" sz="1400" dirty="0">
+                <a:latin typeface="Consolas" panose="020B0609020204030204" pitchFamily="49" charset="0"/>
+              </a:rPr>
+              <a:t> </a:t>
+            </a:r>
+            <a:r>
+              <a:rPr lang="hu-HU" altLang="hu-HU" sz="1400" dirty="0" err="1">
+                <a:solidFill>
+                  <a:srgbClr val="008000"/>
+                </a:solidFill>
+                <a:latin typeface="Consolas" panose="020B0609020204030204" pitchFamily="49" charset="0"/>
+              </a:rPr>
+              <a:t>in</a:t>
+            </a:r>
+            <a:r>
+              <a:rPr lang="hu-HU" altLang="hu-HU" sz="1400" dirty="0">
+                <a:latin typeface="Consolas" panose="020B0609020204030204" pitchFamily="49" charset="0"/>
+              </a:rPr>
+              <a:t> x+1..db], </a:t>
+            </a:r>
+            <a:r>
+              <a:rPr lang="hu-HU" altLang="hu-HU" sz="1400" dirty="0" err="1">
+                <a:latin typeface="Consolas" panose="020B0609020204030204" pitchFamily="49" charset="0"/>
+              </a:rPr>
+              <a:t>sixty</a:t>
+            </a:r>
+            <a:r>
+              <a:rPr lang="hu-HU" altLang="hu-HU" sz="1400" dirty="0">
+                <a:latin typeface="Consolas" panose="020B0609020204030204" pitchFamily="49" charset="0"/>
+              </a:rPr>
+              <a:t>)=1)</a:t>
+            </a:r>
+          </a:p>
+          <a:p>
+            <a:r>
+              <a:rPr lang="hu-HU" altLang="hu-HU" sz="1400" dirty="0">
+                <a:latin typeface="Consolas" panose="020B0609020204030204" pitchFamily="49" charset="0"/>
+              </a:rPr>
+              <a:t> 	/\  </a:t>
+            </a:r>
+            <a:r>
+              <a:rPr lang="hu-HU" altLang="hu-HU" sz="1400" dirty="0" err="1">
+                <a:solidFill>
+                  <a:srgbClr val="0000FF"/>
+                </a:solidFill>
+                <a:latin typeface="Consolas" panose="020B0609020204030204" pitchFamily="49" charset="0"/>
+              </a:rPr>
+              <a:t>forall</a:t>
+            </a:r>
+            <a:r>
+              <a:rPr lang="hu-HU" altLang="hu-HU" sz="1400" dirty="0">
+                <a:latin typeface="Consolas" panose="020B0609020204030204" pitchFamily="49" charset="0"/>
+              </a:rPr>
+              <a:t>(x </a:t>
+            </a:r>
+            <a:r>
+              <a:rPr lang="hu-HU" altLang="hu-HU" sz="1400" dirty="0" err="1">
+                <a:solidFill>
+                  <a:srgbClr val="008000"/>
+                </a:solidFill>
+                <a:latin typeface="Consolas" panose="020B0609020204030204" pitchFamily="49" charset="0"/>
+              </a:rPr>
+              <a:t>in</a:t>
+            </a:r>
+            <a:r>
+              <a:rPr lang="hu-HU" altLang="hu-HU" sz="1400" dirty="0">
+                <a:latin typeface="Consolas" panose="020B0609020204030204" pitchFamily="49" charset="0"/>
+              </a:rPr>
+              <a:t> PEOPLE)(</a:t>
+            </a:r>
+            <a:r>
+              <a:rPr lang="hu-HU" altLang="hu-HU" sz="1400" dirty="0" err="1">
+                <a:latin typeface="Consolas" panose="020B0609020204030204" pitchFamily="49" charset="0"/>
+              </a:rPr>
+              <a:t>age</a:t>
+            </a:r>
+            <a:r>
+              <a:rPr lang="hu-HU" altLang="hu-HU" sz="1400" dirty="0">
+                <a:latin typeface="Consolas" panose="020B0609020204030204" pitchFamily="49" charset="0"/>
+              </a:rPr>
+              <a:t>[x]=</a:t>
+            </a:r>
+            <a:r>
+              <a:rPr lang="hu-HU" altLang="hu-HU" sz="1400" dirty="0" err="1">
+                <a:latin typeface="Consolas" panose="020B0609020204030204" pitchFamily="49" charset="0"/>
+              </a:rPr>
+              <a:t>sixty</a:t>
+            </a:r>
+            <a:r>
+              <a:rPr lang="hu-HU" altLang="hu-HU" sz="1400" dirty="0">
+                <a:latin typeface="Consolas" panose="020B0609020204030204" pitchFamily="49" charset="0"/>
+              </a:rPr>
+              <a:t> -&gt; </a:t>
+            </a:r>
+            <a:r>
+              <a:rPr lang="hu-HU" altLang="hu-HU" sz="1400" dirty="0" err="1">
+                <a:solidFill>
+                  <a:srgbClr val="0000FF"/>
+                </a:solidFill>
+                <a:latin typeface="Consolas" panose="020B0609020204030204" pitchFamily="49" charset="0"/>
+              </a:rPr>
+              <a:t>count</a:t>
+            </a:r>
+            <a:r>
+              <a:rPr lang="hu-HU" altLang="hu-HU" sz="1400" dirty="0">
+                <a:latin typeface="Consolas" panose="020B0609020204030204" pitchFamily="49" charset="0"/>
+              </a:rPr>
+              <a:t>([</a:t>
+            </a:r>
+            <a:r>
+              <a:rPr lang="hu-HU" altLang="hu-HU" sz="1400" dirty="0" err="1">
+                <a:latin typeface="Consolas" panose="020B0609020204030204" pitchFamily="49" charset="0"/>
+              </a:rPr>
+              <a:t>dress</a:t>
+            </a:r>
+            <a:r>
+              <a:rPr lang="hu-HU" altLang="hu-HU" sz="1400" dirty="0">
+                <a:latin typeface="Consolas" panose="020B0609020204030204" pitchFamily="49" charset="0"/>
+              </a:rPr>
+              <a:t>[p] | </a:t>
+            </a:r>
+            <a:r>
+              <a:rPr lang="hu-HU" altLang="hu-HU" sz="1400" dirty="0" err="1">
+                <a:latin typeface="Consolas" panose="020B0609020204030204" pitchFamily="49" charset="0"/>
+              </a:rPr>
+              <a:t>p</a:t>
+            </a:r>
+            <a:r>
+              <a:rPr lang="hu-HU" altLang="hu-HU" sz="1400" dirty="0">
+                <a:latin typeface="Consolas" panose="020B0609020204030204" pitchFamily="49" charset="0"/>
+              </a:rPr>
+              <a:t> </a:t>
+            </a:r>
+            <a:r>
+              <a:rPr lang="hu-HU" altLang="hu-HU" sz="1400" dirty="0" err="1">
+                <a:solidFill>
+                  <a:srgbClr val="008000"/>
+                </a:solidFill>
+                <a:latin typeface="Consolas" panose="020B0609020204030204" pitchFamily="49" charset="0"/>
+              </a:rPr>
+              <a:t>in</a:t>
+            </a:r>
+            <a:r>
+              <a:rPr lang="hu-HU" altLang="hu-HU" sz="1400" dirty="0">
+                <a:latin typeface="Consolas" panose="020B0609020204030204" pitchFamily="49" charset="0"/>
+              </a:rPr>
+              <a:t> 1..x-1], </a:t>
+            </a:r>
+            <a:r>
+              <a:rPr lang="hu-HU" altLang="hu-HU" sz="1400" dirty="0" err="1">
+                <a:latin typeface="Consolas" panose="020B0609020204030204" pitchFamily="49" charset="0"/>
+              </a:rPr>
+              <a:t>black</a:t>
+            </a:r>
+            <a:r>
+              <a:rPr lang="hu-HU" altLang="hu-HU" sz="1400" dirty="0">
+                <a:latin typeface="Consolas" panose="020B0609020204030204" pitchFamily="49" charset="0"/>
+              </a:rPr>
+              <a:t>)=1);</a:t>
+            </a:r>
+          </a:p>
+        </p:txBody>
+      </p:sp>
+      <p:sp>
+        <p:nvSpPr>
+          <p:cNvPr id="15" name="Szövegdoboz 14"/>
+          <p:cNvSpPr txBox="1"/>
+          <p:nvPr/>
+        </p:nvSpPr>
+        <p:spPr>
+          <a:xfrm>
+            <a:off x="160164" y="1498023"/>
+            <a:ext cx="1276632" cy="369332"/>
+          </a:xfrm>
+          <a:prstGeom prst="rect">
+            <a:avLst/>
+          </a:prstGeom>
+          <a:noFill/>
+        </p:spPr>
+        <p:txBody>
+          <a:bodyPr wrap="none" rtlCol="0">
+            <a:spAutoFit/>
+          </a:bodyPr>
+          <a:lstStyle/>
+          <a:p>
+            <a:r>
+              <a:rPr lang="hu-HU" u="sng" dirty="0"/>
+              <a:t>III. Tömbök:</a:t>
+            </a:r>
+          </a:p>
+        </p:txBody>
+      </p:sp>
+      <p:sp>
+        <p:nvSpPr>
+          <p:cNvPr id="16" name="Szövegdoboz 15"/>
+          <p:cNvSpPr txBox="1"/>
+          <p:nvPr/>
+        </p:nvSpPr>
+        <p:spPr>
+          <a:xfrm>
+            <a:off x="160163" y="4196079"/>
+            <a:ext cx="3017301" cy="369332"/>
+          </a:xfrm>
+          <a:prstGeom prst="rect">
+            <a:avLst/>
+          </a:prstGeom>
+          <a:noFill/>
+        </p:spPr>
+        <p:txBody>
+          <a:bodyPr wrap="none" rtlCol="0">
+            <a:spAutoFit/>
+          </a:bodyPr>
+          <a:lstStyle/>
+          <a:p>
+            <a:r>
+              <a:rPr lang="hu-HU" u="sng" dirty="0"/>
+              <a:t>IV. Tömbök, </a:t>
+            </a:r>
+            <a:r>
+              <a:rPr lang="hu-HU" u="sng" dirty="0" err="1"/>
+              <a:t>where</a:t>
+            </a:r>
+            <a:r>
+              <a:rPr lang="hu-HU" u="sng" dirty="0"/>
+              <a:t> záradékkal:</a:t>
+            </a:r>
+          </a:p>
+        </p:txBody>
+      </p:sp>
+    </p:spTree>
+    <p:extLst>
+      <p:ext uri="{BB962C8B-B14F-4D97-AF65-F5344CB8AC3E}">
+        <p14:creationId xmlns:p14="http://schemas.microsoft.com/office/powerpoint/2010/main" val="2322483251"/>
+      </p:ext>
+    </p:extLst>
+  </p:cSld>
+  <p:clrMapOvr>
+    <a:masterClrMapping/>
+  </p:clrMapOvr>
+</p:sld>
+</file>
+
+<file path=ppt/slides/slide11.xml><?xml version="1.0" encoding="utf-8"?>
+<p:sld xmlns:a="http://schemas.openxmlformats.org/drawingml/2006/main" xmlns:r="http://schemas.openxmlformats.org/officeDocument/2006/relationships" xmlns:p="http://schemas.openxmlformats.org/presentationml/2006/main">
+  <p:cSld>
+    <p:spTree>
+      <p:nvGrpSpPr>
+        <p:cNvPr id="1" name=""/>
+        <p:cNvGrpSpPr/>
+        <p:nvPr/>
+      </p:nvGrpSpPr>
+      <p:grpSpPr>
+        <a:xfrm>
+          <a:off x="0" y="0"/>
+          <a:ext cx="0" cy="0"/>
+          <a:chOff x="0" y="0"/>
+          <a:chExt cx="0" cy="0"/>
+        </a:xfrm>
+      </p:grpSpPr>
+      <p:sp>
+        <p:nvSpPr>
+          <p:cNvPr id="2" name="Cím 1">
+            <a:extLst>
+              <a:ext uri="{FF2B5EF4-FFF2-40B4-BE49-F238E27FC236}">
+                <a16:creationId xmlns:a16="http://schemas.microsoft.com/office/drawing/2014/main" id="{DCCECEDE-C074-41DA-84C8-BDCA2FDBD582}"/>
+              </a:ext>
+            </a:extLst>
+          </p:cNvPr>
+          <p:cNvSpPr>
+            <a:spLocks noGrp="1"/>
+          </p:cNvSpPr>
+          <p:nvPr>
+            <p:ph type="title"/>
+          </p:nvPr>
+        </p:nvSpPr>
+        <p:spPr>
+          <a:xfrm>
+            <a:off x="627988" y="103517"/>
+            <a:ext cx="7886700" cy="1128267"/>
+          </a:xfrm>
+        </p:spPr>
+        <p:txBody>
+          <a:bodyPr>
+            <a:normAutofit/>
+          </a:bodyPr>
+          <a:lstStyle/>
+          <a:p>
+            <a:pPr>
+              <a:lnSpc>
+                <a:spcPct val="100000"/>
+              </a:lnSpc>
+            </a:pPr>
+            <a:r>
+              <a:rPr lang="hu-HU" dirty="0"/>
+              <a:t>Teszteredmények I.</a:t>
+            </a:r>
+            <a:br>
+              <a:rPr lang="hu-HU" dirty="0"/>
+            </a:br>
+            <a:r>
+              <a:rPr lang="hu-HU" sz="2000" b="1" dirty="0">
+                <a:solidFill>
+                  <a:schemeClr val="tx1"/>
+                </a:solidFill>
+              </a:rPr>
+              <a:t>Könnyű/nehéz feladványok - modellek</a:t>
+            </a:r>
+          </a:p>
+        </p:txBody>
+      </p:sp>
+      <p:sp>
+        <p:nvSpPr>
+          <p:cNvPr id="4" name="Dia számának helye 3">
+            <a:extLst>
+              <a:ext uri="{FF2B5EF4-FFF2-40B4-BE49-F238E27FC236}">
+                <a16:creationId xmlns:a16="http://schemas.microsoft.com/office/drawing/2014/main" id="{AD8C5EE1-236C-4F83-B6B6-0315500CBF70}"/>
+              </a:ext>
+            </a:extLst>
+          </p:cNvPr>
+          <p:cNvSpPr>
+            <a:spLocks noGrp="1"/>
+          </p:cNvSpPr>
+          <p:nvPr>
+            <p:ph type="sldNum" sz="quarter" idx="12"/>
+          </p:nvPr>
+        </p:nvSpPr>
+        <p:spPr/>
+        <p:txBody>
+          <a:bodyPr/>
+          <a:lstStyle/>
+          <a:p>
+            <a:fld id="{676786BD-618E-4F38-B087-5D1176D55033}" type="slidenum">
+              <a:rPr lang="hu-HU" smtClean="0"/>
+              <a:t>11</a:t>
+            </a:fld>
+            <a:r>
+              <a:rPr lang="hu-HU" dirty="0"/>
+              <a:t>/16</a:t>
+            </a:r>
+          </a:p>
+        </p:txBody>
+      </p:sp>
+      <p:pic>
+        <p:nvPicPr>
+          <p:cNvPr id="3" name="Kép 2"/>
+          <p:cNvPicPr>
+            <a:picLocks noChangeAspect="1"/>
+          </p:cNvPicPr>
+          <p:nvPr/>
+        </p:nvPicPr>
+        <p:blipFill>
+          <a:blip r:embed="rId2">
+            <a:extLst>
+              <a:ext uri="{28A0092B-C50C-407E-A947-70E740481C1C}">
+                <a14:useLocalDpi xmlns:a14="http://schemas.microsoft.com/office/drawing/2010/main" val="0"/>
+              </a:ext>
+            </a:extLst>
+          </a:blip>
+          <a:stretch>
+            <a:fillRect/>
+          </a:stretch>
+        </p:blipFill>
+        <p:spPr>
+          <a:xfrm>
+            <a:off x="689400" y="1336135"/>
+            <a:ext cx="7765200" cy="4974855"/>
+          </a:xfrm>
+          <a:prstGeom prst="rect">
+            <a:avLst/>
+          </a:prstGeom>
+        </p:spPr>
+      </p:pic>
+    </p:spTree>
+    <p:extLst>
+      <p:ext uri="{BB962C8B-B14F-4D97-AF65-F5344CB8AC3E}">
+        <p14:creationId xmlns:p14="http://schemas.microsoft.com/office/powerpoint/2010/main" val="1873306750"/>
+      </p:ext>
+    </p:extLst>
+  </p:cSld>
+  <p:clrMapOvr>
+    <a:masterClrMapping/>
+  </p:clrMapOvr>
+</p:sld>
+</file>
+
+<file path=ppt/slides/slide12.xml><?xml version="1.0" encoding="utf-8"?>
+<p:sld xmlns:a="http://schemas.openxmlformats.org/drawingml/2006/main" xmlns:r="http://schemas.openxmlformats.org/officeDocument/2006/relationships" xmlns:p="http://schemas.openxmlformats.org/presentationml/2006/main">
+  <p:cSld>
+    <p:spTree>
+      <p:nvGrpSpPr>
+        <p:cNvPr id="1" name=""/>
+        <p:cNvGrpSpPr/>
+        <p:nvPr/>
+      </p:nvGrpSpPr>
+      <p:grpSpPr>
+        <a:xfrm>
+          <a:off x="0" y="0"/>
+          <a:ext cx="0" cy="0"/>
+          <a:chOff x="0" y="0"/>
+          <a:chExt cx="0" cy="0"/>
+        </a:xfrm>
+      </p:grpSpPr>
+      <p:sp>
+        <p:nvSpPr>
+          <p:cNvPr id="2" name="Cím 1">
+            <a:extLst>
+              <a:ext uri="{FF2B5EF4-FFF2-40B4-BE49-F238E27FC236}">
+                <a16:creationId xmlns:a16="http://schemas.microsoft.com/office/drawing/2014/main" id="{DCCECEDE-C074-41DA-84C8-BDCA2FDBD582}"/>
+              </a:ext>
+            </a:extLst>
+          </p:cNvPr>
+          <p:cNvSpPr>
+            <a:spLocks noGrp="1"/>
+          </p:cNvSpPr>
+          <p:nvPr>
+            <p:ph type="title"/>
+          </p:nvPr>
+        </p:nvSpPr>
+        <p:spPr>
+          <a:xfrm>
+            <a:off x="628650" y="51760"/>
+            <a:ext cx="7886700" cy="1172233"/>
+          </a:xfrm>
+        </p:spPr>
+        <p:txBody>
+          <a:bodyPr/>
+          <a:lstStyle/>
+          <a:p>
+            <a:r>
+              <a:rPr lang="hu-HU" dirty="0"/>
+              <a:t>Teszteredmények II.</a:t>
+            </a:r>
+            <a:br>
+              <a:rPr lang="hu-HU" dirty="0"/>
+            </a:br>
+            <a:r>
+              <a:rPr lang="hu-HU" sz="2000" b="1" dirty="0">
+                <a:solidFill>
+                  <a:schemeClr val="tx1"/>
+                </a:solidFill>
+              </a:rPr>
+              <a:t>Nehéz/óriás feladványok - modellek</a:t>
+            </a:r>
+          </a:p>
+        </p:txBody>
+      </p:sp>
+      <p:sp>
+        <p:nvSpPr>
+          <p:cNvPr id="4" name="Dia számának helye 3">
+            <a:extLst>
+              <a:ext uri="{FF2B5EF4-FFF2-40B4-BE49-F238E27FC236}">
+                <a16:creationId xmlns:a16="http://schemas.microsoft.com/office/drawing/2014/main" id="{AD8C5EE1-236C-4F83-B6B6-0315500CBF70}"/>
+              </a:ext>
+            </a:extLst>
+          </p:cNvPr>
+          <p:cNvSpPr>
+            <a:spLocks noGrp="1"/>
+          </p:cNvSpPr>
+          <p:nvPr>
+            <p:ph type="sldNum" sz="quarter" idx="12"/>
+          </p:nvPr>
+        </p:nvSpPr>
+        <p:spPr/>
+        <p:txBody>
+          <a:bodyPr/>
+          <a:lstStyle/>
+          <a:p>
+            <a:fld id="{676786BD-618E-4F38-B087-5D1176D55033}" type="slidenum">
+              <a:rPr lang="hu-HU" smtClean="0"/>
+              <a:t>12</a:t>
+            </a:fld>
+            <a:r>
+              <a:rPr lang="hu-HU" dirty="0"/>
+              <a:t>/16</a:t>
+            </a:r>
+          </a:p>
+        </p:txBody>
+      </p:sp>
+      <p:pic>
+        <p:nvPicPr>
+          <p:cNvPr id="3" name="Kép 2"/>
+          <p:cNvPicPr>
+            <a:picLocks noChangeAspect="1"/>
+          </p:cNvPicPr>
+          <p:nvPr/>
+        </p:nvPicPr>
+        <p:blipFill>
+          <a:blip r:embed="rId2">
+            <a:extLst>
+              <a:ext uri="{28A0092B-C50C-407E-A947-70E740481C1C}">
+                <a14:useLocalDpi xmlns:a14="http://schemas.microsoft.com/office/drawing/2010/main" val="0"/>
+              </a:ext>
+            </a:extLst>
+          </a:blip>
+          <a:stretch>
+            <a:fillRect/>
+          </a:stretch>
+        </p:blipFill>
+        <p:spPr>
+          <a:xfrm>
+            <a:off x="689400" y="1374090"/>
+            <a:ext cx="7765200" cy="4982261"/>
+          </a:xfrm>
+          <a:prstGeom prst="rect">
+            <a:avLst/>
+          </a:prstGeom>
+        </p:spPr>
+      </p:pic>
+    </p:spTree>
+    <p:extLst>
+      <p:ext uri="{BB962C8B-B14F-4D97-AF65-F5344CB8AC3E}">
+        <p14:creationId xmlns:p14="http://schemas.microsoft.com/office/powerpoint/2010/main" val="3227537384"/>
+      </p:ext>
+    </p:extLst>
+  </p:cSld>
+  <p:clrMapOvr>
+    <a:masterClrMapping/>
+  </p:clrMapOvr>
+</p:sld>
+</file>
+
+<file path=ppt/slides/slide13.xml><?xml version="1.0" encoding="utf-8"?>
+<p:sld xmlns:a="http://schemas.openxmlformats.org/drawingml/2006/main" xmlns:r="http://schemas.openxmlformats.org/officeDocument/2006/relationships" xmlns:p="http://schemas.openxmlformats.org/presentationml/2006/main">
+  <p:cSld>
+    <p:spTree>
+      <p:nvGrpSpPr>
+        <p:cNvPr id="1" name=""/>
+        <p:cNvGrpSpPr/>
+        <p:nvPr/>
+      </p:nvGrpSpPr>
+      <p:grpSpPr>
+        <a:xfrm>
+          <a:off x="0" y="0"/>
+          <a:ext cx="0" cy="0"/>
+          <a:chOff x="0" y="0"/>
+          <a:chExt cx="0" cy="0"/>
+        </a:xfrm>
+      </p:grpSpPr>
+      <p:sp>
+        <p:nvSpPr>
+          <p:cNvPr id="2" name="Cím 1">
+            <a:extLst>
+              <a:ext uri="{FF2B5EF4-FFF2-40B4-BE49-F238E27FC236}">
+                <a16:creationId xmlns:a16="http://schemas.microsoft.com/office/drawing/2014/main" id="{09411F1E-27C1-4AE8-AE32-00B88150B9E2}"/>
+              </a:ext>
+            </a:extLst>
+          </p:cNvPr>
+          <p:cNvSpPr>
+            <a:spLocks noGrp="1"/>
+          </p:cNvSpPr>
+          <p:nvPr>
+            <p:ph type="title"/>
+          </p:nvPr>
+        </p:nvSpPr>
+        <p:spPr/>
+        <p:txBody>
+          <a:bodyPr/>
+          <a:lstStyle/>
+          <a:p>
+            <a:r>
+              <a:rPr lang="hu-HU" dirty="0"/>
+              <a:t>„</a:t>
+            </a:r>
+            <a:r>
+              <a:rPr lang="hu-HU" dirty="0" err="1"/>
+              <a:t>Gardens</a:t>
+            </a:r>
+            <a:r>
+              <a:rPr lang="hu-HU" dirty="0"/>
+              <a:t>” feladat</a:t>
+            </a:r>
+          </a:p>
+        </p:txBody>
+      </p:sp>
+      <p:sp>
+        <p:nvSpPr>
+          <p:cNvPr id="4" name="Dia számának helye 3">
+            <a:extLst>
+              <a:ext uri="{FF2B5EF4-FFF2-40B4-BE49-F238E27FC236}">
+                <a16:creationId xmlns:a16="http://schemas.microsoft.com/office/drawing/2014/main" id="{A0A56984-CD4E-4AFC-B636-2467537DA82C}"/>
+              </a:ext>
+            </a:extLst>
+          </p:cNvPr>
+          <p:cNvSpPr>
+            <a:spLocks noGrp="1"/>
+          </p:cNvSpPr>
+          <p:nvPr>
+            <p:ph type="sldNum" sz="quarter" idx="12"/>
+          </p:nvPr>
+        </p:nvSpPr>
+        <p:spPr/>
+        <p:txBody>
+          <a:bodyPr/>
+          <a:lstStyle/>
+          <a:p>
+            <a:fld id="{676786BD-618E-4F38-B087-5D1176D55033}" type="slidenum">
+              <a:rPr lang="hu-HU" smtClean="0"/>
+              <a:t>13</a:t>
+            </a:fld>
+            <a:r>
+              <a:rPr lang="hu-HU" dirty="0"/>
+              <a:t>/16</a:t>
+            </a:r>
+          </a:p>
+        </p:txBody>
+      </p:sp>
+      <p:sp>
+        <p:nvSpPr>
           <p:cNvPr id="3" name="Szövegdoboz 2">
             <a:extLst>
               <a:ext uri="{FF2B5EF4-FFF2-40B4-BE49-F238E27FC236}">
-                <a16:creationId xmlns:a16="http://schemas.microsoft.com/office/drawing/2014/main" xmlns="" id="{4DE43672-6366-462F-BC64-FD398B28F1E0}"/>
+                <a16:creationId xmlns:a16="http://schemas.microsoft.com/office/drawing/2014/main" id="{4DE43672-6366-462F-BC64-FD398B28F1E0}"/>
               </a:ext>
             </a:extLst>
           </p:cNvPr>
@@ -4799,7 +5730,7 @@
           <p:cNvPr id="6" name="Kép 5">
             <a:extLst>
               <a:ext uri="{FF2B5EF4-FFF2-40B4-BE49-F238E27FC236}">
-                <a16:creationId xmlns:a16="http://schemas.microsoft.com/office/drawing/2014/main" xmlns="" id="{B507115D-936F-4E1D-B372-6A80D2FC9368}"/>
+                <a16:creationId xmlns:a16="http://schemas.microsoft.com/office/drawing/2014/main" id="{B507115D-936F-4E1D-B372-6A80D2FC9368}"/>
               </a:ext>
             </a:extLst>
           </p:cNvPr>
@@ -4840,17 +5771,10 @@
   <p:clrMapOvr>
     <a:masterClrMapping/>
   </p:clrMapOvr>
-  <p:timing>
-    <p:tnLst>
-      <p:par>
-        <p:cTn id="1" dur="indefinite" restart="never" nodeType="tmRoot"/>
-      </p:par>
-    </p:tnLst>
-  </p:timing>
 </p:sld>
 </file>
 
-<file path=ppt/slides/slide11.xml><?xml version="1.0" encoding="utf-8"?>
+<file path=ppt/slides/slide14.xml><?xml version="1.0" encoding="utf-8"?>
 <p:sld xmlns:a="http://schemas.openxmlformats.org/drawingml/2006/main" xmlns:r="http://schemas.openxmlformats.org/officeDocument/2006/relationships" xmlns:p="http://schemas.openxmlformats.org/presentationml/2006/main">
   <p:cSld>
     <p:spTree>
@@ -4872,7 +5796,7 @@
           <p:cNvPr id="2" name="Cím 1">
             <a:extLst>
               <a:ext uri="{FF2B5EF4-FFF2-40B4-BE49-F238E27FC236}">
-                <a16:creationId xmlns:a16="http://schemas.microsoft.com/office/drawing/2014/main" xmlns="" id="{09411F1E-27C1-4AE8-AE32-00B88150B9E2}"/>
+                <a16:creationId xmlns:a16="http://schemas.microsoft.com/office/drawing/2014/main" id="{09411F1E-27C1-4AE8-AE32-00B88150B9E2}"/>
               </a:ext>
             </a:extLst>
           </p:cNvPr>
@@ -4913,7 +5837,7 @@
           <p:cNvPr id="4" name="Dia számának helye 3">
             <a:extLst>
               <a:ext uri="{FF2B5EF4-FFF2-40B4-BE49-F238E27FC236}">
-                <a16:creationId xmlns:a16="http://schemas.microsoft.com/office/drawing/2014/main" xmlns="" id="{A0A56984-CD4E-4AFC-B636-2467537DA82C}"/>
+                <a16:creationId xmlns:a16="http://schemas.microsoft.com/office/drawing/2014/main" id="{A0A56984-CD4E-4AFC-B636-2467537DA82C}"/>
               </a:ext>
             </a:extLst>
           </p:cNvPr>
@@ -4931,7 +5855,7 @@
           <a:p>
             <a:fld id="{676786BD-618E-4F38-B087-5D1176D55033}" type="slidenum">
               <a:rPr lang="hu-HU" smtClean="0"/>
-              <a:t>11</a:t>
+              <a:t>14</a:t>
             </a:fld>
             <a:r>
               <a:rPr lang="hu-HU" dirty="0"/>
@@ -4945,7 +5869,7 @@
           <p:cNvPr id="8" name="Kép 7">
             <a:extLst>
               <a:ext uri="{FF2B5EF4-FFF2-40B4-BE49-F238E27FC236}">
-                <a16:creationId xmlns:a16="http://schemas.microsoft.com/office/drawing/2014/main" xmlns="" id="{7EFA0B0D-2D29-475A-BC6F-B7654AD6247E}"/>
+                <a16:creationId xmlns:a16="http://schemas.microsoft.com/office/drawing/2014/main" id="{7EFA0B0D-2D29-475A-BC6F-B7654AD6247E}"/>
               </a:ext>
             </a:extLst>
           </p:cNvPr>
@@ -4981,7 +5905,7 @@
           <p:cNvPr id="5" name="Kép 4">
             <a:extLst>
               <a:ext uri="{FF2B5EF4-FFF2-40B4-BE49-F238E27FC236}">
-                <a16:creationId xmlns:a16="http://schemas.microsoft.com/office/drawing/2014/main" xmlns="" id="{006E9B15-E836-47EB-A212-30BFB95903FA}"/>
+                <a16:creationId xmlns:a16="http://schemas.microsoft.com/office/drawing/2014/main" id="{006E9B15-E836-47EB-A212-30BFB95903FA}"/>
               </a:ext>
             </a:extLst>
           </p:cNvPr>
@@ -5017,7 +5941,7 @@
           <p:cNvPr id="10" name="Szövegdoboz 2">
             <a:extLst>
               <a:ext uri="{FF2B5EF4-FFF2-40B4-BE49-F238E27FC236}">
-                <a16:creationId xmlns:a16="http://schemas.microsoft.com/office/drawing/2014/main" xmlns="" id="{39841D13-B0B8-4DA2-A5A2-95125A497738}"/>
+                <a16:creationId xmlns:a16="http://schemas.microsoft.com/office/drawing/2014/main" id="{39841D13-B0B8-4DA2-A5A2-95125A497738}"/>
               </a:ext>
             </a:extLst>
           </p:cNvPr>
@@ -5216,7 +6140,7 @@
           <p:cNvPr id="11" name="Szövegdoboz 2">
             <a:extLst>
               <a:ext uri="{FF2B5EF4-FFF2-40B4-BE49-F238E27FC236}">
-                <a16:creationId xmlns:a16="http://schemas.microsoft.com/office/drawing/2014/main" xmlns="" id="{86F25DC7-8728-4838-B077-B40E9AE2E358}"/>
+                <a16:creationId xmlns:a16="http://schemas.microsoft.com/office/drawing/2014/main" id="{86F25DC7-8728-4838-B077-B40E9AE2E358}"/>
               </a:ext>
             </a:extLst>
           </p:cNvPr>
@@ -5399,7 +6323,7 @@
           <p:cNvPr id="13" name="Szövegdoboz 12">
             <a:extLst>
               <a:ext uri="{FF2B5EF4-FFF2-40B4-BE49-F238E27FC236}">
-                <a16:creationId xmlns:a16="http://schemas.microsoft.com/office/drawing/2014/main" xmlns="" id="{0577F7CD-9049-455E-B1B2-6AEAADE49D6A}"/>
+                <a16:creationId xmlns:a16="http://schemas.microsoft.com/office/drawing/2014/main" id="{0577F7CD-9049-455E-B1B2-6AEAADE49D6A}"/>
               </a:ext>
             </a:extLst>
           </p:cNvPr>
@@ -5438,7 +6362,7 @@
           <p:cNvPr id="14" name="Szövegdoboz 13">
             <a:extLst>
               <a:ext uri="{FF2B5EF4-FFF2-40B4-BE49-F238E27FC236}">
-                <a16:creationId xmlns:a16="http://schemas.microsoft.com/office/drawing/2014/main" xmlns="" id="{9FA03E7D-BC57-4837-88E1-401F7D3D114C}"/>
+                <a16:creationId xmlns:a16="http://schemas.microsoft.com/office/drawing/2014/main" id="{9FA03E7D-BC57-4837-88E1-401F7D3D114C}"/>
               </a:ext>
             </a:extLst>
           </p:cNvPr>
@@ -5468,13 +6392,8 @@
             </a:pPr>
             <a:r>
               <a:rPr lang="hu-HU" sz="2400" dirty="0"/>
-              <a:t>Több </a:t>
-            </a:r>
-            <a:r>
-              <a:rPr lang="hu-HU" sz="2400" dirty="0" smtClean="0"/>
-              <a:t>modell is készült:</a:t>
-            </a:r>
-            <a:endParaRPr lang="hu-HU" sz="2400" dirty="0"/>
+              <a:t>Több modell is készült:</a:t>
+            </a:r>
           </a:p>
           <a:p>
             <a:pPr marL="342900" indent="-342900">
@@ -5506,17 +6425,10 @@
   <p:clrMapOvr>
     <a:masterClrMapping/>
   </p:clrMapOvr>
-  <p:timing>
-    <p:tnLst>
-      <p:par>
-        <p:cTn id="1" dur="indefinite" restart="never" nodeType="tmRoot"/>
-      </p:par>
-    </p:tnLst>
-  </p:timing>
 </p:sld>
 </file>
 
-<file path=ppt/slides/slide12.xml><?xml version="1.0" encoding="utf-8"?>
+<file path=ppt/slides/slide15.xml><?xml version="1.0" encoding="utf-8"?>
 <p:sld xmlns:a="http://schemas.openxmlformats.org/drawingml/2006/main" xmlns:r="http://schemas.openxmlformats.org/officeDocument/2006/relationships" xmlns:p="http://schemas.openxmlformats.org/presentationml/2006/main">
   <p:cSld>
     <p:spTree>
@@ -5538,7 +6450,7 @@
           <p:cNvPr id="2" name="Cím 1">
             <a:extLst>
               <a:ext uri="{FF2B5EF4-FFF2-40B4-BE49-F238E27FC236}">
-                <a16:creationId xmlns:a16="http://schemas.microsoft.com/office/drawing/2014/main" xmlns="" id="{09411F1E-27C1-4AE8-AE32-00B88150B9E2}"/>
+                <a16:creationId xmlns:a16="http://schemas.microsoft.com/office/drawing/2014/main" id="{09411F1E-27C1-4AE8-AE32-00B88150B9E2}"/>
               </a:ext>
             </a:extLst>
           </p:cNvPr>
@@ -5579,7 +6491,7 @@
           <p:cNvPr id="4" name="Dia számának helye 3">
             <a:extLst>
               <a:ext uri="{FF2B5EF4-FFF2-40B4-BE49-F238E27FC236}">
-                <a16:creationId xmlns:a16="http://schemas.microsoft.com/office/drawing/2014/main" xmlns="" id="{A0A56984-CD4E-4AFC-B636-2467537DA82C}"/>
+                <a16:creationId xmlns:a16="http://schemas.microsoft.com/office/drawing/2014/main" id="{A0A56984-CD4E-4AFC-B636-2467537DA82C}"/>
               </a:ext>
             </a:extLst>
           </p:cNvPr>
@@ -5597,7 +6509,7 @@
           <a:p>
             <a:fld id="{676786BD-618E-4F38-B087-5D1176D55033}" type="slidenum">
               <a:rPr lang="hu-HU" smtClean="0"/>
-              <a:t>12</a:t>
+              <a:t>15</a:t>
             </a:fld>
             <a:r>
               <a:rPr lang="hu-HU" dirty="0"/>
@@ -5611,7 +6523,7 @@
           <p:cNvPr id="3" name="Szövegdoboz 2">
             <a:extLst>
               <a:ext uri="{FF2B5EF4-FFF2-40B4-BE49-F238E27FC236}">
-                <a16:creationId xmlns:a16="http://schemas.microsoft.com/office/drawing/2014/main" xmlns="" id="{4DE43672-6366-462F-BC64-FD398B28F1E0}"/>
+                <a16:creationId xmlns:a16="http://schemas.microsoft.com/office/drawing/2014/main" id="{4DE43672-6366-462F-BC64-FD398B28F1E0}"/>
               </a:ext>
             </a:extLst>
           </p:cNvPr>
@@ -5700,7 +6612,7 @@
           <p:cNvPr id="8" name="Kép 7">
             <a:extLst>
               <a:ext uri="{FF2B5EF4-FFF2-40B4-BE49-F238E27FC236}">
-                <a16:creationId xmlns:a16="http://schemas.microsoft.com/office/drawing/2014/main" xmlns="" id="{C05E58D7-36C5-4C65-9FE0-11FA11CBC560}"/>
+                <a16:creationId xmlns:a16="http://schemas.microsoft.com/office/drawing/2014/main" id="{C05E58D7-36C5-4C65-9FE0-11FA11CBC560}"/>
               </a:ext>
             </a:extLst>
           </p:cNvPr>
@@ -5736,7 +6648,7 @@
           <p:cNvPr id="11" name="Kép 10">
             <a:extLst>
               <a:ext uri="{FF2B5EF4-FFF2-40B4-BE49-F238E27FC236}">
-                <a16:creationId xmlns:a16="http://schemas.microsoft.com/office/drawing/2014/main" xmlns="" id="{FC2E7B0D-741C-4FBE-8BF7-2119A781BFDA}"/>
+                <a16:creationId xmlns:a16="http://schemas.microsoft.com/office/drawing/2014/main" id="{FC2E7B0D-741C-4FBE-8BF7-2119A781BFDA}"/>
               </a:ext>
             </a:extLst>
           </p:cNvPr>
@@ -5772,7 +6684,7 @@
           <p:cNvPr id="5" name="Kép 4">
             <a:extLst>
               <a:ext uri="{FF2B5EF4-FFF2-40B4-BE49-F238E27FC236}">
-                <a16:creationId xmlns:a16="http://schemas.microsoft.com/office/drawing/2014/main" xmlns="" id="{1E09BCFB-52F6-4686-A2F2-D94706ED3294}"/>
+                <a16:creationId xmlns:a16="http://schemas.microsoft.com/office/drawing/2014/main" id="{1E09BCFB-52F6-4686-A2F2-D94706ED3294}"/>
               </a:ext>
             </a:extLst>
           </p:cNvPr>
@@ -5806,17 +6718,10 @@
   <p:clrMapOvr>
     <a:masterClrMapping/>
   </p:clrMapOvr>
-  <p:timing>
-    <p:tnLst>
-      <p:par>
-        <p:cTn id="1" dur="indefinite" restart="never" nodeType="tmRoot"/>
-      </p:par>
-    </p:tnLst>
-  </p:timing>
 </p:sld>
 </file>
 
-<file path=ppt/slides/slide13.xml><?xml version="1.0" encoding="utf-8"?>
+<file path=ppt/slides/slide16.xml><?xml version="1.0" encoding="utf-8"?>
 <p:sld xmlns:a="http://schemas.openxmlformats.org/drawingml/2006/main" xmlns:r="http://schemas.openxmlformats.org/officeDocument/2006/relationships" xmlns:p="http://schemas.openxmlformats.org/presentationml/2006/main">
   <p:cSld>
     <p:spTree>
@@ -5838,7 +6743,7 @@
           <p:cNvPr id="2" name="Cím 1">
             <a:extLst>
               <a:ext uri="{FF2B5EF4-FFF2-40B4-BE49-F238E27FC236}">
-                <a16:creationId xmlns:a16="http://schemas.microsoft.com/office/drawing/2014/main" xmlns="" id="{DCCECEDE-C074-41DA-84C8-BDCA2FDBD582}"/>
+                <a16:creationId xmlns:a16="http://schemas.microsoft.com/office/drawing/2014/main" id="{DCCECEDE-C074-41DA-84C8-BDCA2FDBD582}"/>
               </a:ext>
             </a:extLst>
           </p:cNvPr>
@@ -5882,18 +6787,10 @@
                   <a:schemeClr val="tx1"/>
                 </a:solidFill>
               </a:rPr>
-              <a:t>Megoldó verziói </a:t>
-            </a:r>
-            <a:r>
-              <a:rPr lang="hu-HU" sz="2000" b="1" dirty="0" smtClean="0">
-                <a:solidFill>
-                  <a:schemeClr val="tx1"/>
-                </a:solidFill>
-              </a:rPr>
-              <a:t>– „</a:t>
-            </a:r>
-            <a:r>
-              <a:rPr lang="hu-HU" sz="2000" b="1" dirty="0" err="1" smtClean="0">
+              <a:t>Megoldó verziói – „</a:t>
+            </a:r>
+            <a:r>
+              <a:rPr lang="hu-HU" sz="2000" b="1" dirty="0" err="1">
                 <a:solidFill>
                   <a:schemeClr val="tx1"/>
                 </a:solidFill>
@@ -5901,18 +6798,13 @@
               <a:t>Gardens</a:t>
             </a:r>
             <a:r>
-              <a:rPr lang="hu-HU" sz="2000" b="1" dirty="0" smtClean="0">
+              <a:rPr lang="hu-HU" sz="2000" b="1" dirty="0">
                 <a:solidFill>
                   <a:schemeClr val="tx1"/>
                 </a:solidFill>
               </a:rPr>
               <a:t>” modellek</a:t>
             </a:r>
-            <a:endParaRPr lang="hu-HU" sz="2000" b="1" dirty="0">
-              <a:solidFill>
-                <a:schemeClr val="tx1"/>
-              </a:solidFill>
-            </a:endParaRPr>
           </a:p>
         </p:txBody>
       </p:sp>
@@ -5921,7 +6813,7 @@
           <p:cNvPr id="4" name="Dia számának helye 3">
             <a:extLst>
               <a:ext uri="{FF2B5EF4-FFF2-40B4-BE49-F238E27FC236}">
-                <a16:creationId xmlns:a16="http://schemas.microsoft.com/office/drawing/2014/main" xmlns="" id="{AD8C5EE1-236C-4F83-B6B6-0315500CBF70}"/>
+                <a16:creationId xmlns:a16="http://schemas.microsoft.com/office/drawing/2014/main" id="{AD8C5EE1-236C-4F83-B6B6-0315500CBF70}"/>
               </a:ext>
             </a:extLst>
           </p:cNvPr>
@@ -5939,7 +6831,7 @@
           <a:p>
             <a:fld id="{676786BD-618E-4F38-B087-5D1176D55033}" type="slidenum">
               <a:rPr lang="hu-HU" smtClean="0"/>
-              <a:t>13</a:t>
+              <a:t>16</a:t>
             </a:fld>
             <a:r>
               <a:rPr lang="hu-HU" dirty="0"/>
@@ -5988,17 +6880,10 @@
   <p:clrMapOvr>
     <a:masterClrMapping/>
   </p:clrMapOvr>
-  <p:timing>
-    <p:tnLst>
-      <p:par>
-        <p:cTn id="1" dur="indefinite" restart="never" nodeType="tmRoot"/>
-      </p:par>
-    </p:tnLst>
-  </p:timing>
 </p:sld>
 </file>
 
-<file path=ppt/slides/slide14.xml><?xml version="1.0" encoding="utf-8"?>
+<file path=ppt/slides/slide17.xml><?xml version="1.0" encoding="utf-8"?>
 <p:sld xmlns:a="http://schemas.openxmlformats.org/drawingml/2006/main" xmlns:r="http://schemas.openxmlformats.org/officeDocument/2006/relationships" xmlns:p="http://schemas.openxmlformats.org/presentationml/2006/main">
   <p:cSld>
     <p:spTree>
@@ -6020,7 +6905,7 @@
           <p:cNvPr id="7" name="Kép 6">
             <a:extLst>
               <a:ext uri="{FF2B5EF4-FFF2-40B4-BE49-F238E27FC236}">
-                <a16:creationId xmlns:a16="http://schemas.microsoft.com/office/drawing/2014/main" xmlns="" id="{7A0344BB-0EF5-4717-A847-ACC7A7E9F3CC}"/>
+                <a16:creationId xmlns:a16="http://schemas.microsoft.com/office/drawing/2014/main" id="{7A0344BB-0EF5-4717-A847-ACC7A7E9F3CC}"/>
               </a:ext>
             </a:extLst>
           </p:cNvPr>
@@ -6056,7 +6941,7 @@
           <p:cNvPr id="2" name="Cím 1">
             <a:extLst>
               <a:ext uri="{FF2B5EF4-FFF2-40B4-BE49-F238E27FC236}">
-                <a16:creationId xmlns:a16="http://schemas.microsoft.com/office/drawing/2014/main" xmlns="" id="{1D4955D7-34CA-43AC-A84B-A6B413D2A4B3}"/>
+                <a16:creationId xmlns:a16="http://schemas.microsoft.com/office/drawing/2014/main" id="{1D4955D7-34CA-43AC-A84B-A6B413D2A4B3}"/>
               </a:ext>
             </a:extLst>
           </p:cNvPr>
@@ -6089,7 +6974,7 @@
           <p:cNvPr id="4" name="Dia számának helye 3">
             <a:extLst>
               <a:ext uri="{FF2B5EF4-FFF2-40B4-BE49-F238E27FC236}">
-                <a16:creationId xmlns:a16="http://schemas.microsoft.com/office/drawing/2014/main" xmlns="" id="{319D2024-D3CF-486C-8D11-F9F9E4917A04}"/>
+                <a16:creationId xmlns:a16="http://schemas.microsoft.com/office/drawing/2014/main" id="{319D2024-D3CF-486C-8D11-F9F9E4917A04}"/>
               </a:ext>
             </a:extLst>
           </p:cNvPr>
@@ -6107,7 +6992,7 @@
           <a:p>
             <a:fld id="{676786BD-618E-4F38-B087-5D1176D55033}" type="slidenum">
               <a:rPr lang="hu-HU" smtClean="0"/>
-              <a:t>14</a:t>
+              <a:t>17</a:t>
             </a:fld>
             <a:r>
               <a:rPr lang="hu-HU" dirty="0"/>
@@ -6121,7 +7006,7 @@
           <p:cNvPr id="5" name="Táblázat 4">
             <a:extLst>
               <a:ext uri="{FF2B5EF4-FFF2-40B4-BE49-F238E27FC236}">
-                <a16:creationId xmlns:a16="http://schemas.microsoft.com/office/drawing/2014/main" xmlns="" id="{8DF57169-8A54-4A75-99CA-62A7430C7F77}"/>
+                <a16:creationId xmlns:a16="http://schemas.microsoft.com/office/drawing/2014/main" id="{8DF57169-8A54-4A75-99CA-62A7430C7F77}"/>
               </a:ext>
             </a:extLst>
           </p:cNvPr>
@@ -6131,14 +7016,14 @@
           <p:nvPr>
             <p:extLst>
               <p:ext uri="{D42A27DB-BD31-4B8C-83A1-F6EECF244321}">
-                <p14:modId xmlns:p14="http://schemas.microsoft.com/office/powerpoint/2010/main" val="3920306555"/>
+                <p14:modId xmlns:p14="http://schemas.microsoft.com/office/powerpoint/2010/main" val="3340530541"/>
               </p:ext>
             </p:extLst>
           </p:nvPr>
         </p:nvGraphicFramePr>
         <p:xfrm>
           <a:off x="743785" y="2720408"/>
-          <a:ext cx="7656427" cy="3635943"/>
+          <a:ext cx="7656427" cy="3568829"/>
         </p:xfrm>
         <a:graphic>
           <a:graphicData uri="http://schemas.openxmlformats.org/drawingml/2006/table">
@@ -6150,28 +7035,28 @@
                 <a:gridCol w="2601951">
                   <a:extLst>
                     <a:ext uri="{9D8B030D-6E8A-4147-A177-3AD203B41FA5}">
-                      <a16:colId xmlns:a16="http://schemas.microsoft.com/office/drawing/2014/main" xmlns="" val="2069922602"/>
+                      <a16:colId xmlns:a16="http://schemas.microsoft.com/office/drawing/2014/main" val="2069922602"/>
                     </a:ext>
                   </a:extLst>
                 </a:gridCol>
                 <a:gridCol w="1721006">
                   <a:extLst>
                     <a:ext uri="{9D8B030D-6E8A-4147-A177-3AD203B41FA5}">
-                      <a16:colId xmlns:a16="http://schemas.microsoft.com/office/drawing/2014/main" xmlns="" val="2732399375"/>
+                      <a16:colId xmlns:a16="http://schemas.microsoft.com/office/drawing/2014/main" val="2732399375"/>
                     </a:ext>
                   </a:extLst>
                 </a:gridCol>
                 <a:gridCol w="1968804">
                   <a:extLst>
                     <a:ext uri="{9D8B030D-6E8A-4147-A177-3AD203B41FA5}">
-                      <a16:colId xmlns:a16="http://schemas.microsoft.com/office/drawing/2014/main" xmlns="" val="1486601713"/>
+                      <a16:colId xmlns:a16="http://schemas.microsoft.com/office/drawing/2014/main" val="1486601713"/>
                     </a:ext>
                   </a:extLst>
                 </a:gridCol>
                 <a:gridCol w="1364666">
                   <a:extLst>
                     <a:ext uri="{9D8B030D-6E8A-4147-A177-3AD203B41FA5}">
-                      <a16:colId xmlns:a16="http://schemas.microsoft.com/office/drawing/2014/main" xmlns="" val="3795495708"/>
+                      <a16:colId xmlns:a16="http://schemas.microsoft.com/office/drawing/2014/main" val="3795495708"/>
                     </a:ext>
                   </a:extLst>
                 </a:gridCol>
@@ -6390,11 +7275,11 @@
                 </a:tc>
                 <a:extLst>
                   <a:ext uri="{0D108BD9-81ED-4DB2-BD59-A6C34878D82A}">
-                    <a16:rowId xmlns:a16="http://schemas.microsoft.com/office/drawing/2014/main" xmlns="" val="1759104570"/>
+                    <a16:rowId xmlns:a16="http://schemas.microsoft.com/office/drawing/2014/main" val="1759104570"/>
                   </a:ext>
                 </a:extLst>
               </a:tr>
-              <a:tr h="1143393">
+              <a:tr h="563754">
                 <a:tc>
                   <a:txBody>
                     <a:bodyPr/>
@@ -6513,7 +7398,7 @@
                 </a:tc>
                 <a:extLst>
                   <a:ext uri="{0D108BD9-81ED-4DB2-BD59-A6C34878D82A}">
-                    <a16:rowId xmlns:a16="http://schemas.microsoft.com/office/drawing/2014/main" xmlns="" val="3559172704"/>
+                    <a16:rowId xmlns:a16="http://schemas.microsoft.com/office/drawing/2014/main" val="3559172704"/>
                   </a:ext>
                 </a:extLst>
               </a:tr>
@@ -6636,7 +7521,7 @@
                 </a:tc>
                 <a:extLst>
                   <a:ext uri="{0D108BD9-81ED-4DB2-BD59-A6C34878D82A}">
-                    <a16:rowId xmlns:a16="http://schemas.microsoft.com/office/drawing/2014/main" xmlns="" val="4229666172"/>
+                    <a16:rowId xmlns:a16="http://schemas.microsoft.com/office/drawing/2014/main" val="4229666172"/>
                   </a:ext>
                 </a:extLst>
               </a:tr>
@@ -6759,7 +7644,7 @@
                 </a:tc>
                 <a:extLst>
                   <a:ext uri="{0D108BD9-81ED-4DB2-BD59-A6C34878D82A}">
-                    <a16:rowId xmlns:a16="http://schemas.microsoft.com/office/drawing/2014/main" xmlns="" val="3727625422"/>
+                    <a16:rowId xmlns:a16="http://schemas.microsoft.com/office/drawing/2014/main" val="3727625422"/>
                   </a:ext>
                 </a:extLst>
               </a:tr>
@@ -6882,7 +7767,166 @@
                 </a:tc>
                 <a:extLst>
                   <a:ext uri="{0D108BD9-81ED-4DB2-BD59-A6C34878D82A}">
-                    <a16:rowId xmlns:a16="http://schemas.microsoft.com/office/drawing/2014/main" xmlns="" val="4151106488"/>
+                    <a16:rowId xmlns:a16="http://schemas.microsoft.com/office/drawing/2014/main" val="4151106488"/>
+                  </a:ext>
+                </a:extLst>
+              </a:tr>
+              <a:tr h="556530">
+                <a:tc>
+                  <a:txBody>
+                    <a:bodyPr/>
+                    <a:lstStyle/>
+                    <a:p>
+                      <a:pPr marL="0" marR="0" lvl="0" indent="0" algn="ctr" defTabSz="914400" rtl="0" eaLnBrk="1" fontAlgn="auto" latinLnBrk="0" hangingPunct="1">
+                        <a:lnSpc>
+                          <a:spcPct val="150000"/>
+                        </a:lnSpc>
+                        <a:spcBef>
+                          <a:spcPts val="0"/>
+                        </a:spcBef>
+                        <a:spcAft>
+                          <a:spcPts val="0"/>
+                        </a:spcAft>
+                        <a:buClrTx/>
+                        <a:buSzTx/>
+                        <a:buFontTx/>
+                        <a:buNone/>
+                        <a:tabLst/>
+                        <a:defRPr/>
+                      </a:pPr>
+                      <a:r>
+                        <a:rPr lang="hu-HU" sz="2000" kern="1200" dirty="0">
+                          <a:effectLst/>
+                        </a:rPr>
+                        <a:t>Egyszerre 5 elhagyása </a:t>
+                      </a:r>
+                      <a:endParaRPr lang="hu-HU" sz="2000" b="1" kern="1200" dirty="0">
+                        <a:solidFill>
+                          <a:schemeClr val="tx1"/>
+                        </a:solidFill>
+                        <a:effectLst/>
+                        <a:latin typeface="+mn-lt"/>
+                        <a:ea typeface="+mn-ea"/>
+                        <a:cs typeface="+mn-cs"/>
+                      </a:endParaRPr>
+                    </a:p>
+                  </a:txBody>
+                  <a:tcPr marL="68580" marR="68580" marT="0" marB="0" anchor="ctr"/>
+                </a:tc>
+                <a:tc>
+                  <a:txBody>
+                    <a:bodyPr/>
+                    <a:lstStyle/>
+                    <a:p>
+                      <a:pPr marL="0" marR="0" lvl="0" indent="0" algn="ctr" defTabSz="914400" rtl="0" eaLnBrk="1" fontAlgn="auto" latinLnBrk="0" hangingPunct="1">
+                        <a:lnSpc>
+                          <a:spcPct val="150000"/>
+                        </a:lnSpc>
+                        <a:spcBef>
+                          <a:spcPts val="0"/>
+                        </a:spcBef>
+                        <a:spcAft>
+                          <a:spcPts val="0"/>
+                        </a:spcAft>
+                        <a:buClrTx/>
+                        <a:buSzTx/>
+                        <a:buFontTx/>
+                        <a:buNone/>
+                        <a:tabLst/>
+                        <a:defRPr/>
+                      </a:pPr>
+                      <a:r>
+                        <a:rPr lang="hu-HU" sz="2400" dirty="0">
+                          <a:effectLst/>
+                        </a:rPr>
+                        <a:t>0 db</a:t>
+                      </a:r>
+                      <a:endParaRPr lang="hu-HU" sz="2400" dirty="0">
+                        <a:effectLst/>
+                        <a:latin typeface="Times New Roman" panose="02020603050405020304" pitchFamily="18" charset="0"/>
+                        <a:ea typeface="Times New Roman" panose="02020603050405020304" pitchFamily="18" charset="0"/>
+                      </a:endParaRPr>
+                    </a:p>
+                  </a:txBody>
+                  <a:tcPr marL="68580" marR="68580" marT="0" marB="0" anchor="ctr"/>
+                </a:tc>
+                <a:tc>
+                  <a:txBody>
+                    <a:bodyPr/>
+                    <a:lstStyle/>
+                    <a:p>
+                      <a:pPr marL="0" marR="0" lvl="0" indent="0" algn="ctr" defTabSz="914400" rtl="0" eaLnBrk="1" fontAlgn="auto" latinLnBrk="0" hangingPunct="1">
+                        <a:lnSpc>
+                          <a:spcPct val="150000"/>
+                        </a:lnSpc>
+                        <a:spcBef>
+                          <a:spcPts val="0"/>
+                        </a:spcBef>
+                        <a:spcAft>
+                          <a:spcPts val="0"/>
+                        </a:spcAft>
+                        <a:buClrTx/>
+                        <a:buSzTx/>
+                        <a:buFontTx/>
+                        <a:buNone/>
+                        <a:tabLst/>
+                        <a:defRPr/>
+                      </a:pPr>
+                      <a:r>
+                        <a:rPr lang="hu-HU" sz="2400" dirty="0">
+                          <a:effectLst/>
+                        </a:rPr>
+                        <a:t>0 db</a:t>
+                      </a:r>
+                      <a:endParaRPr lang="hu-HU" sz="2400" dirty="0">
+                        <a:effectLst/>
+                        <a:latin typeface="Times New Roman" panose="02020603050405020304" pitchFamily="18" charset="0"/>
+                        <a:ea typeface="Times New Roman" panose="02020603050405020304" pitchFamily="18" charset="0"/>
+                      </a:endParaRPr>
+                    </a:p>
+                  </a:txBody>
+                  <a:tcPr marL="68580" marR="68580" marT="0" marB="0" anchor="ctr"/>
+                </a:tc>
+                <a:tc>
+                  <a:txBody>
+                    <a:bodyPr/>
+                    <a:lstStyle/>
+                    <a:p>
+                      <a:pPr marL="0" marR="0" lvl="0" indent="0" algn="ctr" defTabSz="914400" rtl="0" eaLnBrk="1" fontAlgn="auto" latinLnBrk="0" hangingPunct="1">
+                        <a:lnSpc>
+                          <a:spcPct val="150000"/>
+                        </a:lnSpc>
+                        <a:spcBef>
+                          <a:spcPts val="0"/>
+                        </a:spcBef>
+                        <a:spcAft>
+                          <a:spcPts val="0"/>
+                        </a:spcAft>
+                        <a:buClrTx/>
+                        <a:buSzTx/>
+                        <a:buFontTx/>
+                        <a:buNone/>
+                        <a:tabLst/>
+                        <a:defRPr/>
+                      </a:pPr>
+                      <a:r>
+                        <a:rPr lang="hu-HU" sz="2400" dirty="0">
+                          <a:effectLst/>
+                        </a:rPr>
+                        <a:t>0 db</a:t>
+                      </a:r>
+                      <a:endParaRPr lang="hu-HU" sz="2400" dirty="0">
+                        <a:effectLst/>
+                        <a:latin typeface="Times New Roman" panose="02020603050405020304" pitchFamily="18" charset="0"/>
+                        <a:ea typeface="Times New Roman" panose="02020603050405020304" pitchFamily="18" charset="0"/>
+                      </a:endParaRPr>
+                    </a:p>
+                  </a:txBody>
+                  <a:tcPr marL="68580" marR="68580" marT="0" marB="0" anchor="ctr"/>
+                </a:tc>
+                <a:extLst>
+                  <a:ext uri="{0D108BD9-81ED-4DB2-BD59-A6C34878D82A}">
+                    <a16:rowId xmlns:a16="http://schemas.microsoft.com/office/drawing/2014/main" val="1709371249"/>
                   </a:ext>
                 </a:extLst>
               </a:tr>
@@ -6900,17 +7944,10 @@
   <p:clrMapOvr>
     <a:masterClrMapping/>
   </p:clrMapOvr>
-  <p:timing>
-    <p:tnLst>
-      <p:par>
-        <p:cTn id="1" dur="indefinite" restart="never" nodeType="tmRoot"/>
-      </p:par>
-    </p:tnLst>
-  </p:timing>
 </p:sld>
 </file>
 
-<file path=ppt/slides/slide15.xml><?xml version="1.0" encoding="utf-8"?>
+<file path=ppt/slides/slide18.xml><?xml version="1.0" encoding="utf-8"?>
 <p:sld xmlns:a="http://schemas.openxmlformats.org/drawingml/2006/main" xmlns:r="http://schemas.openxmlformats.org/officeDocument/2006/relationships" xmlns:p="http://schemas.openxmlformats.org/presentationml/2006/main">
   <p:cSld>
     <p:spTree>
@@ -6932,7 +7969,7 @@
           <p:cNvPr id="2" name="Cím 1">
             <a:extLst>
               <a:ext uri="{FF2B5EF4-FFF2-40B4-BE49-F238E27FC236}">
-                <a16:creationId xmlns:a16="http://schemas.microsoft.com/office/drawing/2014/main" xmlns="" id="{8D38B76F-95F6-45EE-A1ED-453655F28D28}"/>
+                <a16:creationId xmlns:a16="http://schemas.microsoft.com/office/drawing/2014/main" id="{8D38B76F-95F6-45EE-A1ED-453655F28D28}"/>
               </a:ext>
             </a:extLst>
           </p:cNvPr>
@@ -6965,7 +8002,7 @@
           <p:cNvPr id="4" name="Dia számának helye 3">
             <a:extLst>
               <a:ext uri="{FF2B5EF4-FFF2-40B4-BE49-F238E27FC236}">
-                <a16:creationId xmlns:a16="http://schemas.microsoft.com/office/drawing/2014/main" xmlns="" id="{B71D6050-03B7-4A11-BC69-7BB4B58DE597}"/>
+                <a16:creationId xmlns:a16="http://schemas.microsoft.com/office/drawing/2014/main" id="{B71D6050-03B7-4A11-BC69-7BB4B58DE597}"/>
               </a:ext>
             </a:extLst>
           </p:cNvPr>
@@ -6983,7 +8020,7 @@
           <a:p>
             <a:fld id="{676786BD-618E-4F38-B087-5D1176D55033}" type="slidenum">
               <a:rPr lang="hu-HU" smtClean="0"/>
-              <a:t>15</a:t>
+              <a:t>18</a:t>
             </a:fld>
             <a:r>
               <a:rPr lang="hu-HU" dirty="0"/>
@@ -6997,7 +8034,7 @@
           <p:cNvPr id="3" name="Szövegdoboz 2">
             <a:extLst>
               <a:ext uri="{FF2B5EF4-FFF2-40B4-BE49-F238E27FC236}">
-                <a16:creationId xmlns:a16="http://schemas.microsoft.com/office/drawing/2014/main" xmlns="" id="{030528F3-D689-428A-BB56-A46FC1922D71}"/>
+                <a16:creationId xmlns:a16="http://schemas.microsoft.com/office/drawing/2014/main" id="{030528F3-D689-428A-BB56-A46FC1922D71}"/>
               </a:ext>
             </a:extLst>
           </p:cNvPr>
@@ -7007,7 +8044,7 @@
         <p:spPr>
           <a:xfrm>
             <a:off x="138363" y="1859340"/>
-            <a:ext cx="8867274" cy="3139321"/>
+            <a:ext cx="8867274" cy="4231928"/>
           </a:xfrm>
           <a:prstGeom prst="rect">
             <a:avLst/>
@@ -7028,12 +8065,8 @@
               <a:buChar char="v"/>
             </a:pPr>
             <a:r>
-              <a:rPr lang="hu-HU" sz="2800" dirty="0" smtClean="0"/>
-              <a:t>Munkánk </a:t>
-            </a:r>
-            <a:r>
               <a:rPr lang="hu-HU" sz="2800" dirty="0"/>
-              <a:t>során megvizsgáltuk az „Einstein-féle” logikai feladványok szerkezetét és lehetséges megoldásukat. </a:t>
+              <a:t>Munkánk során megvizsgáltuk az „Einstein-féle” logikai feladványok szerkezetét és lehetséges megoldásukat. </a:t>
             </a:r>
           </a:p>
           <a:p>
@@ -7060,6 +8093,19 @@
             <a:r>
               <a:rPr lang="hu-HU" sz="2800" dirty="0"/>
               <a:t>A feladatokat többféle módon modelleztük, és végül teszteltük őket bizonyos szempontok alapján.</a:t>
+            </a:r>
+          </a:p>
+          <a:p>
+            <a:pPr marL="457200" indent="-457200">
+              <a:spcAft>
+                <a:spcPts val="1800"/>
+              </a:spcAft>
+              <a:buFont typeface="Wingdings" panose="05000000000000000000" pitchFamily="2" charset="2"/>
+              <a:buChar char="v"/>
+            </a:pPr>
+            <a:r>
+              <a:rPr lang="hu-HU" sz="2800" dirty="0"/>
+              <a:t>Megvizsgáltuk hány redundáns megkötés található a feladatokban.</a:t>
             </a:r>
           </a:p>
         </p:txBody>
@@ -7074,17 +8120,10 @@
   <p:clrMapOvr>
     <a:masterClrMapping/>
   </p:clrMapOvr>
-  <p:timing>
-    <p:tnLst>
-      <p:par>
-        <p:cTn id="1" dur="indefinite" restart="never" nodeType="tmRoot"/>
-      </p:par>
-    </p:tnLst>
-  </p:timing>
 </p:sld>
 </file>
 
-<file path=ppt/slides/slide16.xml><?xml version="1.0" encoding="utf-8"?>
+<file path=ppt/slides/slide19.xml><?xml version="1.0" encoding="utf-8"?>
 <p:sld xmlns:a="http://schemas.openxmlformats.org/drawingml/2006/main" xmlns:r="http://schemas.openxmlformats.org/officeDocument/2006/relationships" xmlns:p="http://schemas.openxmlformats.org/presentationml/2006/main">
   <p:cSld>
     <p:spTree>
@@ -7106,7 +8145,7 @@
           <p:cNvPr id="2" name="Cím 1">
             <a:extLst>
               <a:ext uri="{FF2B5EF4-FFF2-40B4-BE49-F238E27FC236}">
-                <a16:creationId xmlns:a16="http://schemas.microsoft.com/office/drawing/2014/main" xmlns="" id="{26FEFA12-4695-4AB3-A86E-924A663068D0}"/>
+                <a16:creationId xmlns:a16="http://schemas.microsoft.com/office/drawing/2014/main" id="{26FEFA12-4695-4AB3-A86E-924A663068D0}"/>
               </a:ext>
             </a:extLst>
           </p:cNvPr>
@@ -7144,7 +8183,7 @@
           <p:cNvPr id="3" name="Dia számának helye 2">
             <a:extLst>
               <a:ext uri="{FF2B5EF4-FFF2-40B4-BE49-F238E27FC236}">
-                <a16:creationId xmlns:a16="http://schemas.microsoft.com/office/drawing/2014/main" xmlns="" id="{3A0FA7EE-CF15-4E3A-953F-C5971B60C51D}"/>
+                <a16:creationId xmlns:a16="http://schemas.microsoft.com/office/drawing/2014/main" id="{3A0FA7EE-CF15-4E3A-953F-C5971B60C51D}"/>
               </a:ext>
             </a:extLst>
           </p:cNvPr>
@@ -7162,7 +8201,7 @@
           <a:p>
             <a:fld id="{676786BD-618E-4F38-B087-5D1176D55033}" type="slidenum">
               <a:rPr lang="hu-HU" smtClean="0"/>
-              <a:t>16</a:t>
+              <a:t>19</a:t>
             </a:fld>
             <a:r>
               <a:rPr lang="hu-HU" dirty="0"/>
@@ -7181,13 +8220,6 @@
   <p:clrMapOvr>
     <a:masterClrMapping/>
   </p:clrMapOvr>
-  <p:timing>
-    <p:tnLst>
-      <p:par>
-        <p:cTn id="1" dur="indefinite" restart="never" nodeType="tmRoot"/>
-      </p:par>
-    </p:tnLst>
-  </p:timing>
 </p:sld>
 </file>
 
@@ -7402,13 +8434,401 @@
   <p:clrMapOvr>
     <a:masterClrMapping/>
   </p:clrMapOvr>
-  <p:timing>
-    <p:tnLst>
-      <p:par>
-        <p:cTn id="1" dur="indefinite" restart="never" nodeType="tmRoot"/>
-      </p:par>
-    </p:tnLst>
-  </p:timing>
+</p:sld>
+</file>
+
+<file path=ppt/slides/slide20.xml><?xml version="1.0" encoding="utf-8"?>
+<p:sld xmlns:a="http://schemas.openxmlformats.org/drawingml/2006/main" xmlns:r="http://schemas.openxmlformats.org/officeDocument/2006/relationships" xmlns:p="http://schemas.openxmlformats.org/presentationml/2006/main">
+  <p:cSld>
+    <p:spTree>
+      <p:nvGrpSpPr>
+        <p:cNvPr id="1" name=""/>
+        <p:cNvGrpSpPr/>
+        <p:nvPr/>
+      </p:nvGrpSpPr>
+      <p:grpSpPr>
+        <a:xfrm>
+          <a:off x="0" y="0"/>
+          <a:ext cx="0" cy="0"/>
+          <a:chOff x="0" y="0"/>
+          <a:chExt cx="0" cy="0"/>
+        </a:xfrm>
+      </p:grpSpPr>
+      <p:sp>
+        <p:nvSpPr>
+          <p:cNvPr id="2" name="Cím 1">
+            <a:extLst>
+              <a:ext uri="{FF2B5EF4-FFF2-40B4-BE49-F238E27FC236}">
+                <a16:creationId xmlns:a16="http://schemas.microsoft.com/office/drawing/2014/main" id="{8D38B76F-95F6-45EE-A1ED-453655F28D28}"/>
+              </a:ext>
+            </a:extLst>
+          </p:cNvPr>
+          <p:cNvSpPr>
+            <a:spLocks noGrp="1"/>
+          </p:cNvSpPr>
+          <p:nvPr>
+            <p:ph type="title"/>
+          </p:nvPr>
+        </p:nvSpPr>
+        <p:spPr>
+          <a:xfrm>
+            <a:off x="552088" y="123409"/>
+            <a:ext cx="7543800" cy="730126"/>
+          </a:xfrm>
+        </p:spPr>
+        <p:txBody>
+          <a:bodyPr/>
+          <a:lstStyle/>
+          <a:p>
+            <a:r>
+              <a:rPr lang="hu-HU" dirty="0" err="1"/>
+              <a:t>Propagáció</a:t>
+            </a:r>
+            <a:endParaRPr lang="hu-HU" dirty="0"/>
+          </a:p>
+        </p:txBody>
+      </p:sp>
+      <p:sp>
+        <p:nvSpPr>
+          <p:cNvPr id="4" name="Dia számának helye 3">
+            <a:extLst>
+              <a:ext uri="{FF2B5EF4-FFF2-40B4-BE49-F238E27FC236}">
+                <a16:creationId xmlns:a16="http://schemas.microsoft.com/office/drawing/2014/main" id="{B71D6050-03B7-4A11-BC69-7BB4B58DE597}"/>
+              </a:ext>
+            </a:extLst>
+          </p:cNvPr>
+          <p:cNvSpPr>
+            <a:spLocks noGrp="1"/>
+          </p:cNvSpPr>
+          <p:nvPr>
+            <p:ph type="sldNum" sz="quarter" idx="12"/>
+          </p:nvPr>
+        </p:nvSpPr>
+        <p:spPr/>
+        <p:txBody>
+          <a:bodyPr/>
+          <a:lstStyle/>
+          <a:p>
+            <a:fld id="{676786BD-618E-4F38-B087-5D1176D55033}" type="slidenum">
+              <a:rPr lang="hu-HU" smtClean="0"/>
+              <a:t>20</a:t>
+            </a:fld>
+            <a:r>
+              <a:rPr lang="hu-HU" dirty="0"/>
+              <a:t>/16</a:t>
+            </a:r>
+          </a:p>
+        </p:txBody>
+      </p:sp>
+      <p:pic>
+        <p:nvPicPr>
+          <p:cNvPr id="6" name="Kép 5">
+            <a:extLst>
+              <a:ext uri="{FF2B5EF4-FFF2-40B4-BE49-F238E27FC236}">
+                <a16:creationId xmlns:a16="http://schemas.microsoft.com/office/drawing/2014/main" id="{01C9F95D-D408-4C5B-8CAF-436AAB070E79}"/>
+              </a:ext>
+            </a:extLst>
+          </p:cNvPr>
+          <p:cNvPicPr>
+            <a:picLocks noChangeAspect="1"/>
+          </p:cNvPicPr>
+          <p:nvPr/>
+        </p:nvPicPr>
+        <p:blipFill>
+          <a:blip r:embed="rId2">
+            <a:extLst>
+              <a:ext uri="{28A0092B-C50C-407E-A947-70E740481C1C}">
+                <a14:useLocalDpi xmlns:a14="http://schemas.microsoft.com/office/drawing/2010/main" val="0"/>
+              </a:ext>
+            </a:extLst>
+          </a:blip>
+          <a:stretch>
+            <a:fillRect/>
+          </a:stretch>
+        </p:blipFill>
+        <p:spPr>
+          <a:xfrm>
+            <a:off x="805115" y="1410346"/>
+            <a:ext cx="8215245" cy="5005951"/>
+          </a:xfrm>
+          <a:prstGeom prst="rect">
+            <a:avLst/>
+          </a:prstGeom>
+        </p:spPr>
+      </p:pic>
+    </p:spTree>
+    <p:extLst>
+      <p:ext uri="{BB962C8B-B14F-4D97-AF65-F5344CB8AC3E}">
+        <p14:creationId xmlns:p14="http://schemas.microsoft.com/office/powerpoint/2010/main" val="3535955568"/>
+      </p:ext>
+    </p:extLst>
+  </p:cSld>
+  <p:clrMapOvr>
+    <a:masterClrMapping/>
+  </p:clrMapOvr>
+</p:sld>
+</file>
+
+<file path=ppt/slides/slide21.xml><?xml version="1.0" encoding="utf-8"?>
+<p:sld xmlns:a="http://schemas.openxmlformats.org/drawingml/2006/main" xmlns:r="http://schemas.openxmlformats.org/officeDocument/2006/relationships" xmlns:p="http://schemas.openxmlformats.org/presentationml/2006/main">
+  <p:cSld>
+    <p:spTree>
+      <p:nvGrpSpPr>
+        <p:cNvPr id="1" name=""/>
+        <p:cNvGrpSpPr/>
+        <p:nvPr/>
+      </p:nvGrpSpPr>
+      <p:grpSpPr>
+        <a:xfrm>
+          <a:off x="0" y="0"/>
+          <a:ext cx="0" cy="0"/>
+          <a:chOff x="0" y="0"/>
+          <a:chExt cx="0" cy="0"/>
+        </a:xfrm>
+      </p:grpSpPr>
+      <p:sp>
+        <p:nvSpPr>
+          <p:cNvPr id="2" name="Cím 1">
+            <a:extLst>
+              <a:ext uri="{FF2B5EF4-FFF2-40B4-BE49-F238E27FC236}">
+                <a16:creationId xmlns:a16="http://schemas.microsoft.com/office/drawing/2014/main" id="{8D38B76F-95F6-45EE-A1ED-453655F28D28}"/>
+              </a:ext>
+            </a:extLst>
+          </p:cNvPr>
+          <p:cNvSpPr>
+            <a:spLocks noGrp="1"/>
+          </p:cNvSpPr>
+          <p:nvPr>
+            <p:ph type="title"/>
+          </p:nvPr>
+        </p:nvSpPr>
+        <p:spPr>
+          <a:xfrm>
+            <a:off x="552088" y="123409"/>
+            <a:ext cx="7543800" cy="730126"/>
+          </a:xfrm>
+        </p:spPr>
+        <p:txBody>
+          <a:bodyPr/>
+          <a:lstStyle/>
+          <a:p>
+            <a:r>
+              <a:rPr lang="hu-HU" dirty="0" err="1"/>
+              <a:t>Propagáció</a:t>
+            </a:r>
+            <a:endParaRPr lang="hu-HU" dirty="0"/>
+          </a:p>
+        </p:txBody>
+      </p:sp>
+      <p:sp>
+        <p:nvSpPr>
+          <p:cNvPr id="4" name="Dia számának helye 3">
+            <a:extLst>
+              <a:ext uri="{FF2B5EF4-FFF2-40B4-BE49-F238E27FC236}">
+                <a16:creationId xmlns:a16="http://schemas.microsoft.com/office/drawing/2014/main" id="{B71D6050-03B7-4A11-BC69-7BB4B58DE597}"/>
+              </a:ext>
+            </a:extLst>
+          </p:cNvPr>
+          <p:cNvSpPr>
+            <a:spLocks noGrp="1"/>
+          </p:cNvSpPr>
+          <p:nvPr>
+            <p:ph type="sldNum" sz="quarter" idx="12"/>
+          </p:nvPr>
+        </p:nvSpPr>
+        <p:spPr/>
+        <p:txBody>
+          <a:bodyPr/>
+          <a:lstStyle/>
+          <a:p>
+            <a:fld id="{676786BD-618E-4F38-B087-5D1176D55033}" type="slidenum">
+              <a:rPr lang="hu-HU" smtClean="0"/>
+              <a:t>21</a:t>
+            </a:fld>
+            <a:r>
+              <a:rPr lang="hu-HU" dirty="0"/>
+              <a:t>/16</a:t>
+            </a:r>
+          </a:p>
+        </p:txBody>
+      </p:sp>
+      <p:pic>
+        <p:nvPicPr>
+          <p:cNvPr id="5" name="Kép 4">
+            <a:extLst>
+              <a:ext uri="{FF2B5EF4-FFF2-40B4-BE49-F238E27FC236}">
+                <a16:creationId xmlns:a16="http://schemas.microsoft.com/office/drawing/2014/main" id="{B81C44DF-8E4D-4B14-9906-8FF79B2295A8}"/>
+              </a:ext>
+            </a:extLst>
+          </p:cNvPr>
+          <p:cNvPicPr>
+            <a:picLocks noChangeAspect="1"/>
+          </p:cNvPicPr>
+          <p:nvPr/>
+        </p:nvPicPr>
+        <p:blipFill rotWithShape="1">
+          <a:blip r:embed="rId2">
+            <a:extLst>
+              <a:ext uri="{28A0092B-C50C-407E-A947-70E740481C1C}">
+                <a14:useLocalDpi xmlns:a14="http://schemas.microsoft.com/office/drawing/2010/main" val="0"/>
+              </a:ext>
+            </a:extLst>
+          </a:blip>
+          <a:srcRect r="703"/>
+          <a:stretch/>
+        </p:blipFill>
+        <p:spPr>
+          <a:xfrm>
+            <a:off x="858792" y="1333803"/>
+            <a:ext cx="8122476" cy="5088630"/>
+          </a:xfrm>
+          <a:prstGeom prst="rect">
+            <a:avLst/>
+          </a:prstGeom>
+        </p:spPr>
+      </p:pic>
+    </p:spTree>
+    <p:extLst>
+      <p:ext uri="{BB962C8B-B14F-4D97-AF65-F5344CB8AC3E}">
+        <p14:creationId xmlns:p14="http://schemas.microsoft.com/office/powerpoint/2010/main" val="3988644430"/>
+      </p:ext>
+    </p:extLst>
+  </p:cSld>
+  <p:clrMapOvr>
+    <a:masterClrMapping/>
+  </p:clrMapOvr>
+</p:sld>
+</file>
+
+<file path=ppt/slides/slide22.xml><?xml version="1.0" encoding="utf-8"?>
+<p:sld xmlns:a="http://schemas.openxmlformats.org/drawingml/2006/main" xmlns:r="http://schemas.openxmlformats.org/officeDocument/2006/relationships" xmlns:p="http://schemas.openxmlformats.org/presentationml/2006/main">
+  <p:cSld>
+    <p:spTree>
+      <p:nvGrpSpPr>
+        <p:cNvPr id="1" name=""/>
+        <p:cNvGrpSpPr/>
+        <p:nvPr/>
+      </p:nvGrpSpPr>
+      <p:grpSpPr>
+        <a:xfrm>
+          <a:off x="0" y="0"/>
+          <a:ext cx="0" cy="0"/>
+          <a:chOff x="0" y="0"/>
+          <a:chExt cx="0" cy="0"/>
+        </a:xfrm>
+      </p:grpSpPr>
+      <p:sp>
+        <p:nvSpPr>
+          <p:cNvPr id="2" name="Cím 1">
+            <a:extLst>
+              <a:ext uri="{FF2B5EF4-FFF2-40B4-BE49-F238E27FC236}">
+                <a16:creationId xmlns:a16="http://schemas.microsoft.com/office/drawing/2014/main" id="{8D38B76F-95F6-45EE-A1ED-453655F28D28}"/>
+              </a:ext>
+            </a:extLst>
+          </p:cNvPr>
+          <p:cNvSpPr>
+            <a:spLocks noGrp="1"/>
+          </p:cNvSpPr>
+          <p:nvPr>
+            <p:ph type="title"/>
+          </p:nvPr>
+        </p:nvSpPr>
+        <p:spPr>
+          <a:xfrm>
+            <a:off x="552088" y="123409"/>
+            <a:ext cx="7543800" cy="730126"/>
+          </a:xfrm>
+        </p:spPr>
+        <p:txBody>
+          <a:bodyPr/>
+          <a:lstStyle/>
+          <a:p>
+            <a:r>
+              <a:rPr lang="hu-HU" dirty="0" err="1"/>
+              <a:t>Propagáció</a:t>
+            </a:r>
+            <a:endParaRPr lang="hu-HU" dirty="0"/>
+          </a:p>
+        </p:txBody>
+      </p:sp>
+      <p:sp>
+        <p:nvSpPr>
+          <p:cNvPr id="4" name="Dia számának helye 3">
+            <a:extLst>
+              <a:ext uri="{FF2B5EF4-FFF2-40B4-BE49-F238E27FC236}">
+                <a16:creationId xmlns:a16="http://schemas.microsoft.com/office/drawing/2014/main" id="{B71D6050-03B7-4A11-BC69-7BB4B58DE597}"/>
+              </a:ext>
+            </a:extLst>
+          </p:cNvPr>
+          <p:cNvSpPr>
+            <a:spLocks noGrp="1"/>
+          </p:cNvSpPr>
+          <p:nvPr>
+            <p:ph type="sldNum" sz="quarter" idx="12"/>
+          </p:nvPr>
+        </p:nvSpPr>
+        <p:spPr/>
+        <p:txBody>
+          <a:bodyPr/>
+          <a:lstStyle/>
+          <a:p>
+            <a:fld id="{676786BD-618E-4F38-B087-5D1176D55033}" type="slidenum">
+              <a:rPr lang="hu-HU" smtClean="0"/>
+              <a:t>22</a:t>
+            </a:fld>
+            <a:r>
+              <a:rPr lang="hu-HU" dirty="0"/>
+              <a:t>/16</a:t>
+            </a:r>
+          </a:p>
+        </p:txBody>
+      </p:sp>
+      <p:pic>
+        <p:nvPicPr>
+          <p:cNvPr id="5" name="Kép 4">
+            <a:extLst>
+              <a:ext uri="{FF2B5EF4-FFF2-40B4-BE49-F238E27FC236}">
+                <a16:creationId xmlns:a16="http://schemas.microsoft.com/office/drawing/2014/main" id="{373B42ED-C9AD-4B58-9827-6C1470D8DB3A}"/>
+              </a:ext>
+            </a:extLst>
+          </p:cNvPr>
+          <p:cNvPicPr>
+            <a:picLocks noChangeAspect="1"/>
+          </p:cNvPicPr>
+          <p:nvPr/>
+        </p:nvPicPr>
+        <p:blipFill>
+          <a:blip r:embed="rId2">
+            <a:extLst>
+              <a:ext uri="{28A0092B-C50C-407E-A947-70E740481C1C}">
+                <a14:useLocalDpi xmlns:a14="http://schemas.microsoft.com/office/drawing/2010/main" val="0"/>
+              </a:ext>
+            </a:extLst>
+          </a:blip>
+          <a:stretch>
+            <a:fillRect/>
+          </a:stretch>
+        </p:blipFill>
+        <p:spPr>
+          <a:xfrm>
+            <a:off x="720671" y="1255666"/>
+            <a:ext cx="8291593" cy="5167527"/>
+          </a:xfrm>
+          <a:prstGeom prst="rect">
+            <a:avLst/>
+          </a:prstGeom>
+        </p:spPr>
+      </p:pic>
+    </p:spTree>
+    <p:extLst>
+      <p:ext uri="{BB962C8B-B14F-4D97-AF65-F5344CB8AC3E}">
+        <p14:creationId xmlns:p14="http://schemas.microsoft.com/office/powerpoint/2010/main" val="4208685122"/>
+      </p:ext>
+    </p:extLst>
+  </p:cSld>
+  <p:clrMapOvr>
+    <a:masterClrMapping/>
+  </p:clrMapOvr>
 </p:sld>
 </file>
 
@@ -7434,7 +8854,7 @@
           <p:cNvPr id="2" name="Cím 1">
             <a:extLst>
               <a:ext uri="{FF2B5EF4-FFF2-40B4-BE49-F238E27FC236}">
-                <a16:creationId xmlns:a16="http://schemas.microsoft.com/office/drawing/2014/main" xmlns="" id="{63452676-1263-4791-86B4-FC25F9E9F22B}"/>
+                <a16:creationId xmlns:a16="http://schemas.microsoft.com/office/drawing/2014/main" id="{63452676-1263-4791-86B4-FC25F9E9F22B}"/>
               </a:ext>
             </a:extLst>
           </p:cNvPr>
@@ -7462,7 +8882,7 @@
           <p:cNvPr id="4" name="Dia számának helye 3">
             <a:extLst>
               <a:ext uri="{FF2B5EF4-FFF2-40B4-BE49-F238E27FC236}">
-                <a16:creationId xmlns:a16="http://schemas.microsoft.com/office/drawing/2014/main" xmlns="" id="{5F92542F-59D1-4271-9731-543CD62F5022}"/>
+                <a16:creationId xmlns:a16="http://schemas.microsoft.com/office/drawing/2014/main" id="{5F92542F-59D1-4271-9731-543CD62F5022}"/>
               </a:ext>
             </a:extLst>
           </p:cNvPr>
@@ -7494,7 +8914,7 @@
           <p:cNvPr id="3" name="Szövegdoboz 2">
             <a:extLst>
               <a:ext uri="{FF2B5EF4-FFF2-40B4-BE49-F238E27FC236}">
-                <a16:creationId xmlns:a16="http://schemas.microsoft.com/office/drawing/2014/main" xmlns="" id="{243F9B98-F190-4961-A193-87BA7CA1F8FE}"/>
+                <a16:creationId xmlns:a16="http://schemas.microsoft.com/office/drawing/2014/main" id="{243F9B98-F190-4961-A193-87BA7CA1F8FE}"/>
               </a:ext>
             </a:extLst>
           </p:cNvPr>
@@ -7504,7 +8924,7 @@
         <p:spPr>
           <a:xfrm>
             <a:off x="457199" y="1237260"/>
-            <a:ext cx="7237221" cy="1661993"/>
+            <a:ext cx="7237221" cy="3831818"/>
           </a:xfrm>
           <a:prstGeom prst="rect">
             <a:avLst/>
@@ -7530,16 +8950,51 @@
           <a:p>
             <a:pPr>
               <a:spcAft>
+                <a:spcPts val="600"/>
+              </a:spcAft>
+            </a:pPr>
+            <a:r>
+              <a:rPr lang="hu-HU" sz="2400" dirty="0"/>
+              <a:t>Adottak: </a:t>
+            </a:r>
+          </a:p>
+          <a:p>
+            <a:pPr marL="800100" lvl="1" indent="-342900">
+              <a:spcAft>
                 <a:spcPts val="1800"/>
               </a:spcAft>
+              <a:buFont typeface="Arial" panose="020B0604020202020204" pitchFamily="34" charset="0"/>
+              <a:buChar char="•"/>
             </a:pPr>
             <a:r>
               <a:rPr lang="hu-HU" sz="2400" dirty="0"/>
-              <a:t>Zebra </a:t>
-            </a:r>
-            <a:r>
-              <a:rPr lang="hu-HU" sz="2400" dirty="0" smtClean="0"/>
-              <a:t>feladatok</a:t>
+              <a:t>személyek/objektumok</a:t>
+            </a:r>
+          </a:p>
+          <a:p>
+            <a:pPr marL="800100" lvl="1" indent="-342900">
+              <a:spcAft>
+                <a:spcPts val="1800"/>
+              </a:spcAft>
+              <a:buFont typeface="Arial" panose="020B0604020202020204" pitchFamily="34" charset="0"/>
+              <a:buChar char="•"/>
+            </a:pPr>
+            <a:r>
+              <a:rPr lang="hu-HU" sz="2400" dirty="0"/>
+              <a:t>Tulajdonságok</a:t>
+            </a:r>
+          </a:p>
+          <a:p>
+            <a:pPr marL="800100" lvl="1" indent="-342900">
+              <a:spcAft>
+                <a:spcPts val="1200"/>
+              </a:spcAft>
+              <a:buFont typeface="Arial" panose="020B0604020202020204" pitchFamily="34" charset="0"/>
+              <a:buChar char="•"/>
+            </a:pPr>
+            <a:r>
+              <a:rPr lang="hu-HU" sz="2400" dirty="0"/>
+              <a:t>Kikötések</a:t>
             </a:r>
           </a:p>
           <a:p>
@@ -7549,26 +9004,177 @@
               </a:spcAft>
             </a:pPr>
             <a:r>
-              <a:rPr lang="hu-HU" sz="2400" dirty="0" smtClean="0"/>
+              <a:rPr lang="hu-HU" sz="2400" dirty="0"/>
+              <a:t>	</a:t>
+            </a:r>
+          </a:p>
+          <a:p>
+            <a:pPr>
+              <a:spcAft>
+                <a:spcPts val="1800"/>
+              </a:spcAft>
+            </a:pPr>
+            <a:r>
+              <a:rPr lang="hu-HU" sz="2400" dirty="0"/>
+              <a:t>Zebra feladatok</a:t>
+            </a:r>
+          </a:p>
+        </p:txBody>
+      </p:sp>
+    </p:spTree>
+    <p:extLst>
+      <p:ext uri="{BB962C8B-B14F-4D97-AF65-F5344CB8AC3E}">
+        <p14:creationId xmlns:p14="http://schemas.microsoft.com/office/powerpoint/2010/main" val="1376513413"/>
+      </p:ext>
+    </p:extLst>
+  </p:cSld>
+  <p:clrMapOvr>
+    <a:masterClrMapping/>
+  </p:clrMapOvr>
+</p:sld>
+</file>
+
+<file path=ppt/slides/slide4.xml><?xml version="1.0" encoding="utf-8"?>
+<p:sld xmlns:a="http://schemas.openxmlformats.org/drawingml/2006/main" xmlns:r="http://schemas.openxmlformats.org/officeDocument/2006/relationships" xmlns:p="http://schemas.openxmlformats.org/presentationml/2006/main">
+  <p:cSld>
+    <p:spTree>
+      <p:nvGrpSpPr>
+        <p:cNvPr id="1" name=""/>
+        <p:cNvGrpSpPr/>
+        <p:nvPr/>
+      </p:nvGrpSpPr>
+      <p:grpSpPr>
+        <a:xfrm>
+          <a:off x="0" y="0"/>
+          <a:ext cx="0" cy="0"/>
+          <a:chOff x="0" y="0"/>
+          <a:chExt cx="0" cy="0"/>
+        </a:xfrm>
+      </p:grpSpPr>
+      <p:sp>
+        <p:nvSpPr>
+          <p:cNvPr id="2" name="Cím 1">
+            <a:extLst>
+              <a:ext uri="{FF2B5EF4-FFF2-40B4-BE49-F238E27FC236}">
+                <a16:creationId xmlns:a16="http://schemas.microsoft.com/office/drawing/2014/main" id="{63452676-1263-4791-86B4-FC25F9E9F22B}"/>
+              </a:ext>
+            </a:extLst>
+          </p:cNvPr>
+          <p:cNvSpPr>
+            <a:spLocks noGrp="1"/>
+          </p:cNvSpPr>
+          <p:nvPr>
+            <p:ph type="title"/>
+          </p:nvPr>
+        </p:nvSpPr>
+        <p:spPr/>
+        <p:txBody>
+          <a:bodyPr/>
+          <a:lstStyle/>
+          <a:p>
+            <a:r>
+              <a:rPr lang="hu-HU" dirty="0"/>
+              <a:t>Logikai feladványok</a:t>
+            </a:r>
+          </a:p>
+        </p:txBody>
+      </p:sp>
+      <p:sp>
+        <p:nvSpPr>
+          <p:cNvPr id="4" name="Dia számának helye 3">
+            <a:extLst>
+              <a:ext uri="{FF2B5EF4-FFF2-40B4-BE49-F238E27FC236}">
+                <a16:creationId xmlns:a16="http://schemas.microsoft.com/office/drawing/2014/main" id="{5F92542F-59D1-4271-9731-543CD62F5022}"/>
+              </a:ext>
+            </a:extLst>
+          </p:cNvPr>
+          <p:cNvSpPr>
+            <a:spLocks noGrp="1"/>
+          </p:cNvSpPr>
+          <p:nvPr>
+            <p:ph type="sldNum" sz="quarter" idx="12"/>
+          </p:nvPr>
+        </p:nvSpPr>
+        <p:spPr/>
+        <p:txBody>
+          <a:bodyPr/>
+          <a:lstStyle/>
+          <a:p>
+            <a:fld id="{676786BD-618E-4F38-B087-5D1176D55033}" type="slidenum">
+              <a:rPr lang="hu-HU" smtClean="0"/>
+              <a:t>4</a:t>
+            </a:fld>
+            <a:r>
+              <a:rPr lang="hu-HU" dirty="0"/>
+              <a:t>/16</a:t>
+            </a:r>
+          </a:p>
+        </p:txBody>
+      </p:sp>
+      <p:sp>
+        <p:nvSpPr>
+          <p:cNvPr id="3" name="Szövegdoboz 2">
+            <a:extLst>
+              <a:ext uri="{FF2B5EF4-FFF2-40B4-BE49-F238E27FC236}">
+                <a16:creationId xmlns:a16="http://schemas.microsoft.com/office/drawing/2014/main" id="{243F9B98-F190-4961-A193-87BA7CA1F8FE}"/>
+              </a:ext>
+            </a:extLst>
+          </p:cNvPr>
+          <p:cNvSpPr txBox="1"/>
+          <p:nvPr/>
+        </p:nvSpPr>
+        <p:spPr>
+          <a:xfrm>
+            <a:off x="457199" y="1180415"/>
+            <a:ext cx="7460244" cy="1061829"/>
+          </a:xfrm>
+          <a:prstGeom prst="rect">
+            <a:avLst/>
+          </a:prstGeom>
+          <a:noFill/>
+        </p:spPr>
+        <p:txBody>
+          <a:bodyPr wrap="square" rtlCol="0">
+            <a:spAutoFit/>
+          </a:bodyPr>
+          <a:lstStyle/>
+          <a:p>
+            <a:pPr>
+              <a:spcAft>
+                <a:spcPts val="1800"/>
+              </a:spcAft>
+            </a:pPr>
+            <a:r>
+              <a:rPr lang="hu-HU" sz="2400" b="1" dirty="0"/>
               <a:t>„</a:t>
             </a:r>
             <a:r>
-              <a:rPr lang="hu-HU" sz="2400" dirty="0" err="1" smtClean="0"/>
+              <a:rPr lang="hu-HU" sz="2400" b="1" dirty="0" err="1"/>
               <a:t>Movies</a:t>
             </a:r>
             <a:r>
-              <a:rPr lang="hu-HU" sz="2400" dirty="0" smtClean="0"/>
+              <a:rPr lang="hu-HU" sz="2400" b="1" dirty="0"/>
               <a:t> </a:t>
             </a:r>
             <a:r>
-              <a:rPr lang="hu-HU" sz="2400" dirty="0" err="1" smtClean="0"/>
+              <a:rPr lang="hu-HU" sz="2400" b="1" dirty="0" err="1"/>
               <a:t>Night</a:t>
             </a:r>
             <a:r>
-              <a:rPr lang="hu-HU" sz="2400" dirty="0" smtClean="0"/>
-              <a:t>”:</a:t>
-            </a:r>
-            <a:endParaRPr lang="hu-HU" sz="2400" dirty="0"/>
+              <a:rPr lang="hu-HU" sz="2400" b="1" dirty="0"/>
+              <a:t>”: </a:t>
+            </a:r>
+          </a:p>
+          <a:p>
+            <a:pPr>
+              <a:spcAft>
+                <a:spcPts val="1800"/>
+              </a:spcAft>
+            </a:pPr>
+            <a:r>
+              <a:rPr lang="hu-HU" sz="2400" dirty="0"/>
+              <a:t>4 barát moziba megy -&gt; ki hol ül, milyen tulajdonságokkal</a:t>
+            </a:r>
           </a:p>
         </p:txBody>
       </p:sp>
@@ -7577,7 +9183,7 @@
           <p:cNvPr id="5" name="Táblázat 4">
             <a:extLst>
               <a:ext uri="{FF2B5EF4-FFF2-40B4-BE49-F238E27FC236}">
-                <a16:creationId xmlns:a16="http://schemas.microsoft.com/office/drawing/2014/main" xmlns="" id="{D26B6D1B-EE01-441C-A70F-7B514D54C92F}"/>
+                <a16:creationId xmlns:a16="http://schemas.microsoft.com/office/drawing/2014/main" id="{D26B6D1B-EE01-441C-A70F-7B514D54C92F}"/>
               </a:ext>
             </a:extLst>
           </p:cNvPr>
@@ -7587,14 +9193,14 @@
           <p:nvPr>
             <p:extLst>
               <p:ext uri="{D42A27DB-BD31-4B8C-83A1-F6EECF244321}">
-                <p14:modId xmlns:p14="http://schemas.microsoft.com/office/powerpoint/2010/main" val="291945420"/>
+                <p14:modId xmlns:p14="http://schemas.microsoft.com/office/powerpoint/2010/main" val="706718587"/>
               </p:ext>
             </p:extLst>
           </p:nvPr>
         </p:nvGraphicFramePr>
         <p:xfrm>
-          <a:off x="793403" y="3174519"/>
-          <a:ext cx="7557194" cy="2515955"/>
+          <a:off x="794266" y="2242244"/>
+          <a:ext cx="7555468" cy="2544430"/>
         </p:xfrm>
         <a:graphic>
           <a:graphicData uri="http://schemas.openxmlformats.org/drawingml/2006/table">
@@ -7603,43 +9209,43 @@
                 <a:tableStyleId>{5C22544A-7EE6-4342-B048-85BDC9FD1C3A}</a:tableStyleId>
               </a:tblPr>
               <a:tblGrid>
-                <a:gridCol w="1675956">
+                <a:gridCol w="1675573">
                   <a:extLst>
                     <a:ext uri="{9D8B030D-6E8A-4147-A177-3AD203B41FA5}">
-                      <a16:colId xmlns:a16="http://schemas.microsoft.com/office/drawing/2014/main" xmlns="" val="3136596585"/>
+                      <a16:colId xmlns:a16="http://schemas.microsoft.com/office/drawing/2014/main" val="3136596585"/>
                     </a:ext>
                   </a:extLst>
                 </a:gridCol>
-                <a:gridCol w="1346921">
+                <a:gridCol w="1346613">
                   <a:extLst>
                     <a:ext uri="{9D8B030D-6E8A-4147-A177-3AD203B41FA5}">
-                      <a16:colId xmlns:a16="http://schemas.microsoft.com/office/drawing/2014/main" xmlns="" val="2805606202"/>
+                      <a16:colId xmlns:a16="http://schemas.microsoft.com/office/drawing/2014/main" val="2805606202"/>
                     </a:ext>
                   </a:extLst>
                 </a:gridCol>
-                <a:gridCol w="1511439">
+                <a:gridCol w="1511094">
                   <a:extLst>
                     <a:ext uri="{9D8B030D-6E8A-4147-A177-3AD203B41FA5}">
-                      <a16:colId xmlns:a16="http://schemas.microsoft.com/office/drawing/2014/main" xmlns="" val="1276901127"/>
+                      <a16:colId xmlns:a16="http://schemas.microsoft.com/office/drawing/2014/main" val="1276901127"/>
                     </a:ext>
                   </a:extLst>
                 </a:gridCol>
-                <a:gridCol w="1511439">
+                <a:gridCol w="1511094">
                   <a:extLst>
                     <a:ext uri="{9D8B030D-6E8A-4147-A177-3AD203B41FA5}">
-                      <a16:colId xmlns:a16="http://schemas.microsoft.com/office/drawing/2014/main" xmlns="" val="3494246853"/>
+                      <a16:colId xmlns:a16="http://schemas.microsoft.com/office/drawing/2014/main" val="3494246853"/>
                     </a:ext>
                   </a:extLst>
                 </a:gridCol>
-                <a:gridCol w="1511439">
+                <a:gridCol w="1511094">
                   <a:extLst>
                     <a:ext uri="{9D8B030D-6E8A-4147-A177-3AD203B41FA5}">
-                      <a16:colId xmlns:a16="http://schemas.microsoft.com/office/drawing/2014/main" xmlns="" val="3049950204"/>
+                      <a16:colId xmlns:a16="http://schemas.microsoft.com/office/drawing/2014/main" val="3049950204"/>
                     </a:ext>
                   </a:extLst>
                 </a:gridCol>
               </a:tblGrid>
-              <a:tr h="503191">
+              <a:tr h="502966">
                 <a:tc>
                   <a:txBody>
                     <a:bodyPr/>
@@ -7651,47 +9257,47 @@
                             <a:schemeClr val="tx1"/>
                           </a:solidFill>
                         </a:rPr>
-                        <a:t>ing</a:t>
+                        <a:t>Ing:</a:t>
                       </a:r>
                     </a:p>
                   </a:txBody>
                   <a:tcPr anchor="ctr">
                     <a:lnL w="12700" cap="flat" cmpd="sng" algn="ctr">
-                      <a:solidFill>
-                        <a:schemeClr val="tx1"/>
-                      </a:solidFill>
+                      <a:noFill/>
                       <a:prstDash val="solid"/>
                       <a:round/>
                       <a:headEnd type="none" w="med" len="med"/>
                       <a:tailEnd type="none" w="med" len="med"/>
                     </a:lnL>
                     <a:lnR w="12700" cap="flat" cmpd="sng" algn="ctr">
-                      <a:solidFill>
-                        <a:schemeClr val="tx1"/>
-                      </a:solidFill>
+                      <a:noFill/>
                       <a:prstDash val="solid"/>
                       <a:round/>
                       <a:headEnd type="none" w="med" len="med"/>
                       <a:tailEnd type="none" w="med" len="med"/>
                     </a:lnR>
                     <a:lnT w="12700" cap="flat" cmpd="sng" algn="ctr">
-                      <a:solidFill>
-                        <a:schemeClr val="tx1"/>
-                      </a:solidFill>
+                      <a:noFill/>
                       <a:prstDash val="solid"/>
                       <a:round/>
                       <a:headEnd type="none" w="med" len="med"/>
                       <a:tailEnd type="none" w="med" len="med"/>
                     </a:lnT>
                     <a:lnB w="12700" cap="flat" cmpd="sng" algn="ctr">
-                      <a:solidFill>
-                        <a:schemeClr val="tx1"/>
-                      </a:solidFill>
+                      <a:noFill/>
                       <a:prstDash val="solid"/>
                       <a:round/>
                       <a:headEnd type="none" w="med" len="med"/>
                       <a:tailEnd type="none" w="med" len="med"/>
                     </a:lnB>
+                    <a:lnTlToBr w="12700" cmpd="sng">
+                      <a:noFill/>
+                      <a:prstDash val="solid"/>
+                    </a:lnTlToBr>
+                    <a:lnBlToTr w="12700" cmpd="sng">
+                      <a:noFill/>
+                      <a:prstDash val="solid"/>
+                    </a:lnBlToTr>
                     <a:noFill/>
                   </a:tcPr>
                 </a:tc>
@@ -7712,41 +9318,41 @@
                   </a:txBody>
                   <a:tcPr anchor="ctr" anchorCtr="1">
                     <a:lnL w="12700" cap="flat" cmpd="sng" algn="ctr">
-                      <a:solidFill>
-                        <a:schemeClr val="tx1"/>
-                      </a:solidFill>
+                      <a:noFill/>
                       <a:prstDash val="solid"/>
                       <a:round/>
                       <a:headEnd type="none" w="med" len="med"/>
                       <a:tailEnd type="none" w="med" len="med"/>
                     </a:lnL>
                     <a:lnR w="12700" cap="flat" cmpd="sng" algn="ctr">
-                      <a:solidFill>
-                        <a:schemeClr val="tx1"/>
-                      </a:solidFill>
+                      <a:noFill/>
                       <a:prstDash val="solid"/>
                       <a:round/>
                       <a:headEnd type="none" w="med" len="med"/>
                       <a:tailEnd type="none" w="med" len="med"/>
                     </a:lnR>
                     <a:lnT w="12700" cap="flat" cmpd="sng" algn="ctr">
-                      <a:solidFill>
-                        <a:schemeClr val="tx1"/>
-                      </a:solidFill>
+                      <a:noFill/>
                       <a:prstDash val="solid"/>
                       <a:round/>
                       <a:headEnd type="none" w="med" len="med"/>
                       <a:tailEnd type="none" w="med" len="med"/>
                     </a:lnT>
                     <a:lnB w="12700" cap="flat" cmpd="sng" algn="ctr">
-                      <a:solidFill>
-                        <a:schemeClr val="tx1"/>
-                      </a:solidFill>
+                      <a:noFill/>
                       <a:prstDash val="solid"/>
                       <a:round/>
                       <a:headEnd type="none" w="med" len="med"/>
                       <a:tailEnd type="none" w="med" len="med"/>
                     </a:lnB>
+                    <a:lnTlToBr w="12700" cmpd="sng">
+                      <a:noFill/>
+                      <a:prstDash val="solid"/>
+                    </a:lnTlToBr>
+                    <a:lnBlToTr w="12700" cmpd="sng">
+                      <a:noFill/>
+                      <a:prstDash val="solid"/>
+                    </a:lnBlToTr>
                     <a:noFill/>
                   </a:tcPr>
                 </a:tc>
@@ -7767,41 +9373,41 @@
                   </a:txBody>
                   <a:tcPr anchor="ctr" anchorCtr="1">
                     <a:lnL w="12700" cap="flat" cmpd="sng" algn="ctr">
-                      <a:solidFill>
-                        <a:schemeClr val="tx1"/>
-                      </a:solidFill>
+                      <a:noFill/>
                       <a:prstDash val="solid"/>
                       <a:round/>
                       <a:headEnd type="none" w="med" len="med"/>
                       <a:tailEnd type="none" w="med" len="med"/>
                     </a:lnL>
                     <a:lnR w="12700" cap="flat" cmpd="sng" algn="ctr">
-                      <a:solidFill>
-                        <a:schemeClr val="tx1"/>
-                      </a:solidFill>
+                      <a:noFill/>
                       <a:prstDash val="solid"/>
                       <a:round/>
                       <a:headEnd type="none" w="med" len="med"/>
                       <a:tailEnd type="none" w="med" len="med"/>
                     </a:lnR>
                     <a:lnT w="12700" cap="flat" cmpd="sng" algn="ctr">
-                      <a:solidFill>
-                        <a:schemeClr val="tx1"/>
-                      </a:solidFill>
+                      <a:noFill/>
                       <a:prstDash val="solid"/>
                       <a:round/>
                       <a:headEnd type="none" w="med" len="med"/>
                       <a:tailEnd type="none" w="med" len="med"/>
                     </a:lnT>
                     <a:lnB w="12700" cap="flat" cmpd="sng" algn="ctr">
-                      <a:solidFill>
-                        <a:schemeClr val="tx1"/>
-                      </a:solidFill>
+                      <a:noFill/>
                       <a:prstDash val="solid"/>
                       <a:round/>
                       <a:headEnd type="none" w="med" len="med"/>
                       <a:tailEnd type="none" w="med" len="med"/>
                     </a:lnB>
+                    <a:lnTlToBr w="12700" cmpd="sng">
+                      <a:noFill/>
+                      <a:prstDash val="solid"/>
+                    </a:lnTlToBr>
+                    <a:lnBlToTr w="12700" cmpd="sng">
+                      <a:noFill/>
+                      <a:prstDash val="solid"/>
+                    </a:lnBlToTr>
                     <a:noFill/>
                   </a:tcPr>
                 </a:tc>
@@ -7822,41 +9428,41 @@
                   </a:txBody>
                   <a:tcPr anchor="ctr" anchorCtr="1">
                     <a:lnL w="12700" cap="flat" cmpd="sng" algn="ctr">
-                      <a:solidFill>
-                        <a:schemeClr val="tx1"/>
-                      </a:solidFill>
+                      <a:noFill/>
                       <a:prstDash val="solid"/>
                       <a:round/>
                       <a:headEnd type="none" w="med" len="med"/>
                       <a:tailEnd type="none" w="med" len="med"/>
                     </a:lnL>
                     <a:lnR w="12700" cap="flat" cmpd="sng" algn="ctr">
-                      <a:solidFill>
-                        <a:schemeClr val="tx1"/>
-                      </a:solidFill>
+                      <a:noFill/>
                       <a:prstDash val="solid"/>
                       <a:round/>
                       <a:headEnd type="none" w="med" len="med"/>
                       <a:tailEnd type="none" w="med" len="med"/>
                     </a:lnR>
                     <a:lnT w="12700" cap="flat" cmpd="sng" algn="ctr">
-                      <a:solidFill>
-                        <a:schemeClr val="tx1"/>
-                      </a:solidFill>
+                      <a:noFill/>
                       <a:prstDash val="solid"/>
                       <a:round/>
                       <a:headEnd type="none" w="med" len="med"/>
                       <a:tailEnd type="none" w="med" len="med"/>
                     </a:lnT>
                     <a:lnB w="12700" cap="flat" cmpd="sng" algn="ctr">
-                      <a:solidFill>
-                        <a:schemeClr val="tx1"/>
-                      </a:solidFill>
+                      <a:noFill/>
                       <a:prstDash val="solid"/>
                       <a:round/>
                       <a:headEnd type="none" w="med" len="med"/>
                       <a:tailEnd type="none" w="med" len="med"/>
                     </a:lnB>
+                    <a:lnTlToBr w="12700" cmpd="sng">
+                      <a:noFill/>
+                      <a:prstDash val="solid"/>
+                    </a:lnTlToBr>
+                    <a:lnBlToTr w="12700" cmpd="sng">
+                      <a:noFill/>
+                      <a:prstDash val="solid"/>
+                    </a:lnBlToTr>
                     <a:noFill/>
                   </a:tcPr>
                 </a:tc>
@@ -7877,51 +9483,51 @@
                   </a:txBody>
                   <a:tcPr anchor="ctr" anchorCtr="1">
                     <a:lnL w="12700" cap="flat" cmpd="sng" algn="ctr">
-                      <a:solidFill>
-                        <a:schemeClr val="tx1"/>
-                      </a:solidFill>
+                      <a:noFill/>
                       <a:prstDash val="solid"/>
                       <a:round/>
                       <a:headEnd type="none" w="med" len="med"/>
                       <a:tailEnd type="none" w="med" len="med"/>
                     </a:lnL>
                     <a:lnR w="12700" cap="flat" cmpd="sng" algn="ctr">
-                      <a:solidFill>
-                        <a:schemeClr val="tx1"/>
-                      </a:solidFill>
+                      <a:noFill/>
                       <a:prstDash val="solid"/>
                       <a:round/>
                       <a:headEnd type="none" w="med" len="med"/>
                       <a:tailEnd type="none" w="med" len="med"/>
                     </a:lnR>
                     <a:lnT w="12700" cap="flat" cmpd="sng" algn="ctr">
-                      <a:solidFill>
-                        <a:schemeClr val="tx1"/>
-                      </a:solidFill>
+                      <a:noFill/>
                       <a:prstDash val="solid"/>
                       <a:round/>
                       <a:headEnd type="none" w="med" len="med"/>
                       <a:tailEnd type="none" w="med" len="med"/>
                     </a:lnT>
                     <a:lnB w="12700" cap="flat" cmpd="sng" algn="ctr">
-                      <a:solidFill>
-                        <a:schemeClr val="tx1"/>
-                      </a:solidFill>
+                      <a:noFill/>
                       <a:prstDash val="solid"/>
                       <a:round/>
                       <a:headEnd type="none" w="med" len="med"/>
                       <a:tailEnd type="none" w="med" len="med"/>
                     </a:lnB>
+                    <a:lnTlToBr w="12700" cmpd="sng">
+                      <a:noFill/>
+                      <a:prstDash val="solid"/>
+                    </a:lnTlToBr>
+                    <a:lnBlToTr w="12700" cmpd="sng">
+                      <a:noFill/>
+                      <a:prstDash val="solid"/>
+                    </a:lnBlToTr>
                     <a:noFill/>
                   </a:tcPr>
                 </a:tc>
                 <a:extLst>
                   <a:ext uri="{0D108BD9-81ED-4DB2-BD59-A6C34878D82A}">
-                    <a16:rowId xmlns:a16="http://schemas.microsoft.com/office/drawing/2014/main" xmlns="" val="4283395460"/>
+                    <a16:rowId xmlns:a16="http://schemas.microsoft.com/office/drawing/2014/main" val="4283395460"/>
                   </a:ext>
                 </a:extLst>
               </a:tr>
-              <a:tr h="503191">
+              <a:tr h="510366">
                 <a:tc>
                   <a:txBody>
                     <a:bodyPr/>
@@ -7933,102 +9539,47 @@
                             <a:schemeClr val="tx1"/>
                           </a:solidFill>
                         </a:rPr>
-                        <a:t>keresztnév</a:t>
+                        <a:t>Keresztnév:</a:t>
                       </a:r>
                     </a:p>
                   </a:txBody>
                   <a:tcPr anchor="ctr">
                     <a:lnL w="12700" cap="flat" cmpd="sng" algn="ctr">
-                      <a:solidFill>
-                        <a:schemeClr val="tx1"/>
-                      </a:solidFill>
+                      <a:noFill/>
                       <a:prstDash val="solid"/>
                       <a:round/>
                       <a:headEnd type="none" w="med" len="med"/>
                       <a:tailEnd type="none" w="med" len="med"/>
                     </a:lnL>
                     <a:lnR w="12700" cap="flat" cmpd="sng" algn="ctr">
-                      <a:solidFill>
-                        <a:schemeClr val="tx1"/>
-                      </a:solidFill>
+                      <a:noFill/>
                       <a:prstDash val="solid"/>
                       <a:round/>
                       <a:headEnd type="none" w="med" len="med"/>
                       <a:tailEnd type="none" w="med" len="med"/>
                     </a:lnR>
                     <a:lnT w="12700" cap="flat" cmpd="sng" algn="ctr">
-                      <a:solidFill>
-                        <a:schemeClr val="tx1"/>
-                      </a:solidFill>
+                      <a:noFill/>
                       <a:prstDash val="solid"/>
                       <a:round/>
                       <a:headEnd type="none" w="med" len="med"/>
                       <a:tailEnd type="none" w="med" len="med"/>
                     </a:lnT>
                     <a:lnB w="12700" cap="flat" cmpd="sng" algn="ctr">
-                      <a:solidFill>
-                        <a:schemeClr val="tx1"/>
-                      </a:solidFill>
+                      <a:noFill/>
                       <a:prstDash val="solid"/>
                       <a:round/>
                       <a:headEnd type="none" w="med" len="med"/>
                       <a:tailEnd type="none" w="med" len="med"/>
                     </a:lnB>
-                    <a:noFill/>
-                  </a:tcPr>
-                </a:tc>
-                <a:tc>
-                  <a:txBody>
-                    <a:bodyPr/>
-                    <a:lstStyle/>
-                    <a:p>
-                      <a:r>
-                        <a:rPr lang="hu-HU" b="0" i="1" dirty="0">
-                          <a:solidFill>
-                            <a:schemeClr val="tx1"/>
-                          </a:solidFill>
-                        </a:rPr>
-                        <a:t>Daniel</a:t>
-                      </a:r>
-                    </a:p>
-                  </a:txBody>
-                  <a:tcPr anchor="ctr" anchorCtr="1">
-                    <a:lnL w="12700" cap="flat" cmpd="sng" algn="ctr">
-                      <a:solidFill>
-                        <a:schemeClr val="tx1"/>
-                      </a:solidFill>
-                      <a:prstDash val="solid"/>
-                      <a:round/>
-                      <a:headEnd type="none" w="med" len="med"/>
-                      <a:tailEnd type="none" w="med" len="med"/>
-                    </a:lnL>
-                    <a:lnR w="12700" cap="flat" cmpd="sng" algn="ctr">
-                      <a:solidFill>
-                        <a:schemeClr val="tx1"/>
-                      </a:solidFill>
-                      <a:prstDash val="solid"/>
-                      <a:round/>
-                      <a:headEnd type="none" w="med" len="med"/>
-                      <a:tailEnd type="none" w="med" len="med"/>
-                    </a:lnR>
-                    <a:lnT w="12700" cap="flat" cmpd="sng" algn="ctr">
-                      <a:solidFill>
-                        <a:schemeClr val="tx1"/>
-                      </a:solidFill>
-                      <a:prstDash val="solid"/>
-                      <a:round/>
-                      <a:headEnd type="none" w="med" len="med"/>
-                      <a:tailEnd type="none" w="med" len="med"/>
-                    </a:lnT>
-                    <a:lnB w="12700" cap="flat" cmpd="sng" algn="ctr">
-                      <a:solidFill>
-                        <a:schemeClr val="tx1"/>
-                      </a:solidFill>
-                      <a:prstDash val="solid"/>
-                      <a:round/>
-                      <a:headEnd type="none" w="med" len="med"/>
-                      <a:tailEnd type="none" w="med" len="med"/>
-                    </a:lnB>
+                    <a:lnTlToBr w="12700" cmpd="sng">
+                      <a:noFill/>
+                      <a:prstDash val="solid"/>
+                    </a:lnTlToBr>
+                    <a:lnBlToTr w="12700" cmpd="sng">
+                      <a:noFill/>
+                      <a:prstDash val="solid"/>
+                    </a:lnBlToTr>
                     <a:noFill/>
                   </a:tcPr>
                 </a:tc>
@@ -8054,41 +9605,113 @@
                   </a:txBody>
                   <a:tcPr anchor="ctr" anchorCtr="1">
                     <a:lnL w="12700" cap="flat" cmpd="sng" algn="ctr">
-                      <a:solidFill>
-                        <a:schemeClr val="tx1"/>
-                      </a:solidFill>
+                      <a:noFill/>
                       <a:prstDash val="solid"/>
                       <a:round/>
                       <a:headEnd type="none" w="med" len="med"/>
                       <a:tailEnd type="none" w="med" len="med"/>
                     </a:lnL>
                     <a:lnR w="12700" cap="flat" cmpd="sng" algn="ctr">
-                      <a:solidFill>
-                        <a:schemeClr val="tx1"/>
-                      </a:solidFill>
+                      <a:noFill/>
                       <a:prstDash val="solid"/>
                       <a:round/>
                       <a:headEnd type="none" w="med" len="med"/>
                       <a:tailEnd type="none" w="med" len="med"/>
                     </a:lnR>
                     <a:lnT w="12700" cap="flat" cmpd="sng" algn="ctr">
-                      <a:solidFill>
-                        <a:schemeClr val="tx1"/>
-                      </a:solidFill>
+                      <a:noFill/>
                       <a:prstDash val="solid"/>
                       <a:round/>
                       <a:headEnd type="none" w="med" len="med"/>
                       <a:tailEnd type="none" w="med" len="med"/>
                     </a:lnT>
                     <a:lnB w="12700" cap="flat" cmpd="sng" algn="ctr">
-                      <a:solidFill>
-                        <a:schemeClr val="tx1"/>
-                      </a:solidFill>
+                      <a:noFill/>
                       <a:prstDash val="solid"/>
                       <a:round/>
                       <a:headEnd type="none" w="med" len="med"/>
                       <a:tailEnd type="none" w="med" len="med"/>
                     </a:lnB>
+                    <a:lnTlToBr w="12700" cmpd="sng">
+                      <a:noFill/>
+                      <a:prstDash val="solid"/>
+                    </a:lnTlToBr>
+                    <a:lnBlToTr w="12700" cmpd="sng">
+                      <a:noFill/>
+                      <a:prstDash val="solid"/>
+                    </a:lnBlToTr>
+                    <a:noFill/>
+                  </a:tcPr>
+                </a:tc>
+                <a:tc>
+                  <a:txBody>
+                    <a:bodyPr/>
+                    <a:lstStyle/>
+                    <a:p>
+                      <a:pPr marL="0" marR="0" lvl="0" indent="0" algn="l" defTabSz="914400" rtl="0" eaLnBrk="1" fontAlgn="auto" latinLnBrk="0" hangingPunct="1">
+                        <a:lnSpc>
+                          <a:spcPct val="100000"/>
+                        </a:lnSpc>
+                        <a:spcBef>
+                          <a:spcPts val="0"/>
+                        </a:spcBef>
+                        <a:spcAft>
+                          <a:spcPts val="0"/>
+                        </a:spcAft>
+                        <a:buClrTx/>
+                        <a:buSzTx/>
+                        <a:buFontTx/>
+                        <a:buNone/>
+                        <a:tabLst/>
+                        <a:defRPr/>
+                      </a:pPr>
+                      <a:r>
+                        <a:rPr lang="hu-HU" b="0" i="1" dirty="0">
+                          <a:solidFill>
+                            <a:schemeClr val="tx1"/>
+                          </a:solidFill>
+                        </a:rPr>
+                        <a:t>Daniel</a:t>
+                      </a:r>
+                    </a:p>
+                  </a:txBody>
+                  <a:tcPr anchor="ctr" anchorCtr="1">
+                    <a:lnL w="12700" cap="flat" cmpd="sng" algn="ctr">
+                      <a:noFill/>
+                      <a:prstDash val="solid"/>
+                      <a:round/>
+                      <a:headEnd type="none" w="med" len="med"/>
+                      <a:tailEnd type="none" w="med" len="med"/>
+                    </a:lnL>
+                    <a:lnR w="12700" cap="flat" cmpd="sng" algn="ctr">
+                      <a:noFill/>
+                      <a:prstDash val="solid"/>
+                      <a:round/>
+                      <a:headEnd type="none" w="med" len="med"/>
+                      <a:tailEnd type="none" w="med" len="med"/>
+                    </a:lnR>
+                    <a:lnT w="12700" cap="flat" cmpd="sng" algn="ctr">
+                      <a:noFill/>
+                      <a:prstDash val="solid"/>
+                      <a:round/>
+                      <a:headEnd type="none" w="med" len="med"/>
+                      <a:tailEnd type="none" w="med" len="med"/>
+                    </a:lnT>
+                    <a:lnB w="12700" cap="flat" cmpd="sng" algn="ctr">
+                      <a:noFill/>
+                      <a:prstDash val="solid"/>
+                      <a:round/>
+                      <a:headEnd type="none" w="med" len="med"/>
+                      <a:tailEnd type="none" w="med" len="med"/>
+                    </a:lnB>
+                    <a:lnTlToBr w="12700" cmpd="sng">
+                      <a:noFill/>
+                      <a:prstDash val="solid"/>
+                    </a:lnTlToBr>
+                    <a:lnBlToTr w="12700" cmpd="sng">
+                      <a:noFill/>
+                      <a:prstDash val="solid"/>
+                    </a:lnBlToTr>
                     <a:noFill/>
                   </a:tcPr>
                 </a:tc>
@@ -8109,41 +9732,41 @@
                   </a:txBody>
                   <a:tcPr anchor="ctr" anchorCtr="1">
                     <a:lnL w="12700" cap="flat" cmpd="sng" algn="ctr">
-                      <a:solidFill>
-                        <a:schemeClr val="tx1"/>
-                      </a:solidFill>
+                      <a:noFill/>
                       <a:prstDash val="solid"/>
                       <a:round/>
                       <a:headEnd type="none" w="med" len="med"/>
                       <a:tailEnd type="none" w="med" len="med"/>
                     </a:lnL>
                     <a:lnR w="12700" cap="flat" cmpd="sng" algn="ctr">
-                      <a:solidFill>
-                        <a:schemeClr val="tx1"/>
-                      </a:solidFill>
+                      <a:noFill/>
                       <a:prstDash val="solid"/>
                       <a:round/>
                       <a:headEnd type="none" w="med" len="med"/>
                       <a:tailEnd type="none" w="med" len="med"/>
                     </a:lnR>
                     <a:lnT w="12700" cap="flat" cmpd="sng" algn="ctr">
-                      <a:solidFill>
-                        <a:schemeClr val="tx1"/>
-                      </a:solidFill>
+                      <a:noFill/>
                       <a:prstDash val="solid"/>
                       <a:round/>
                       <a:headEnd type="none" w="med" len="med"/>
                       <a:tailEnd type="none" w="med" len="med"/>
                     </a:lnT>
                     <a:lnB w="12700" cap="flat" cmpd="sng" algn="ctr">
-                      <a:solidFill>
-                        <a:schemeClr val="tx1"/>
-                      </a:solidFill>
+                      <a:noFill/>
                       <a:prstDash val="solid"/>
                       <a:round/>
                       <a:headEnd type="none" w="med" len="med"/>
                       <a:tailEnd type="none" w="med" len="med"/>
                     </a:lnB>
+                    <a:lnTlToBr w="12700" cmpd="sng">
+                      <a:noFill/>
+                      <a:prstDash val="solid"/>
+                    </a:lnTlToBr>
+                    <a:lnBlToTr w="12700" cmpd="sng">
+                      <a:noFill/>
+                      <a:prstDash val="solid"/>
+                    </a:lnBlToTr>
                     <a:noFill/>
                   </a:tcPr>
                 </a:tc>
@@ -8164,51 +9787,51 @@
                   </a:txBody>
                   <a:tcPr anchor="ctr" anchorCtr="1">
                     <a:lnL w="12700" cap="flat" cmpd="sng" algn="ctr">
-                      <a:solidFill>
-                        <a:schemeClr val="tx1"/>
-                      </a:solidFill>
+                      <a:noFill/>
                       <a:prstDash val="solid"/>
                       <a:round/>
                       <a:headEnd type="none" w="med" len="med"/>
                       <a:tailEnd type="none" w="med" len="med"/>
                     </a:lnL>
                     <a:lnR w="12700" cap="flat" cmpd="sng" algn="ctr">
-                      <a:solidFill>
-                        <a:schemeClr val="tx1"/>
-                      </a:solidFill>
+                      <a:noFill/>
                       <a:prstDash val="solid"/>
                       <a:round/>
                       <a:headEnd type="none" w="med" len="med"/>
                       <a:tailEnd type="none" w="med" len="med"/>
                     </a:lnR>
                     <a:lnT w="12700" cap="flat" cmpd="sng" algn="ctr">
-                      <a:solidFill>
-                        <a:schemeClr val="tx1"/>
-                      </a:solidFill>
+                      <a:noFill/>
                       <a:prstDash val="solid"/>
                       <a:round/>
                       <a:headEnd type="none" w="med" len="med"/>
                       <a:tailEnd type="none" w="med" len="med"/>
                     </a:lnT>
                     <a:lnB w="12700" cap="flat" cmpd="sng" algn="ctr">
-                      <a:solidFill>
-                        <a:schemeClr val="tx1"/>
-                      </a:solidFill>
+                      <a:noFill/>
                       <a:prstDash val="solid"/>
                       <a:round/>
                       <a:headEnd type="none" w="med" len="med"/>
                       <a:tailEnd type="none" w="med" len="med"/>
                     </a:lnB>
+                    <a:lnTlToBr w="12700" cmpd="sng">
+                      <a:noFill/>
+                      <a:prstDash val="solid"/>
+                    </a:lnTlToBr>
+                    <a:lnBlToTr w="12700" cmpd="sng">
+                      <a:noFill/>
+                      <a:prstDash val="solid"/>
+                    </a:lnBlToTr>
                     <a:noFill/>
                   </a:tcPr>
                 </a:tc>
                 <a:extLst>
                   <a:ext uri="{0D108BD9-81ED-4DB2-BD59-A6C34878D82A}">
-                    <a16:rowId xmlns:a16="http://schemas.microsoft.com/office/drawing/2014/main" xmlns="" val="3910493015"/>
+                    <a16:rowId xmlns:a16="http://schemas.microsoft.com/office/drawing/2014/main" val="3910493015"/>
                   </a:ext>
                 </a:extLst>
               </a:tr>
-              <a:tr h="503191">
+              <a:tr h="510366">
                 <a:tc>
                   <a:txBody>
                     <a:bodyPr/>
@@ -8220,47 +9843,47 @@
                             <a:schemeClr val="tx1"/>
                           </a:solidFill>
                         </a:rPr>
-                        <a:t>kedvenc film</a:t>
+                        <a:t>Kedvenc film:</a:t>
                       </a:r>
                     </a:p>
                   </a:txBody>
                   <a:tcPr anchor="ctr">
                     <a:lnL w="12700" cap="flat" cmpd="sng" algn="ctr">
-                      <a:solidFill>
-                        <a:schemeClr val="tx1"/>
-                      </a:solidFill>
+                      <a:noFill/>
                       <a:prstDash val="solid"/>
                       <a:round/>
                       <a:headEnd type="none" w="med" len="med"/>
                       <a:tailEnd type="none" w="med" len="med"/>
                     </a:lnL>
                     <a:lnR w="12700" cap="flat" cmpd="sng" algn="ctr">
-                      <a:solidFill>
-                        <a:schemeClr val="tx1"/>
-                      </a:solidFill>
+                      <a:noFill/>
                       <a:prstDash val="solid"/>
                       <a:round/>
                       <a:headEnd type="none" w="med" len="med"/>
                       <a:tailEnd type="none" w="med" len="med"/>
                     </a:lnR>
                     <a:lnT w="12700" cap="flat" cmpd="sng" algn="ctr">
-                      <a:solidFill>
-                        <a:schemeClr val="tx1"/>
-                      </a:solidFill>
+                      <a:noFill/>
                       <a:prstDash val="solid"/>
                       <a:round/>
                       <a:headEnd type="none" w="med" len="med"/>
                       <a:tailEnd type="none" w="med" len="med"/>
                     </a:lnT>
                     <a:lnB w="12700" cap="flat" cmpd="sng" algn="ctr">
-                      <a:solidFill>
-                        <a:schemeClr val="tx1"/>
-                      </a:solidFill>
+                      <a:noFill/>
                       <a:prstDash val="solid"/>
                       <a:round/>
                       <a:headEnd type="none" w="med" len="med"/>
                       <a:tailEnd type="none" w="med" len="med"/>
                     </a:lnB>
+                    <a:lnTlToBr w="12700" cmpd="sng">
+                      <a:noFill/>
+                      <a:prstDash val="solid"/>
+                    </a:lnTlToBr>
+                    <a:lnBlToTr w="12700" cmpd="sng">
+                      <a:noFill/>
+                      <a:prstDash val="solid"/>
+                    </a:lnBlToTr>
                     <a:noFill/>
                   </a:tcPr>
                 </a:tc>
@@ -8275,47 +9898,47 @@
                             <a:schemeClr val="tx1"/>
                           </a:solidFill>
                         </a:rPr>
-                        <a:t>akció</a:t>
+                        <a:t>horror</a:t>
                       </a:r>
                     </a:p>
                   </a:txBody>
                   <a:tcPr anchor="ctr" anchorCtr="1">
                     <a:lnL w="12700" cap="flat" cmpd="sng" algn="ctr">
-                      <a:solidFill>
-                        <a:schemeClr val="tx1"/>
-                      </a:solidFill>
+                      <a:noFill/>
                       <a:prstDash val="solid"/>
                       <a:round/>
                       <a:headEnd type="none" w="med" len="med"/>
                       <a:tailEnd type="none" w="med" len="med"/>
                     </a:lnL>
                     <a:lnR w="12700" cap="flat" cmpd="sng" algn="ctr">
-                      <a:solidFill>
-                        <a:schemeClr val="tx1"/>
-                      </a:solidFill>
+                      <a:noFill/>
                       <a:prstDash val="solid"/>
                       <a:round/>
                       <a:headEnd type="none" w="med" len="med"/>
                       <a:tailEnd type="none" w="med" len="med"/>
                     </a:lnR>
                     <a:lnT w="12700" cap="flat" cmpd="sng" algn="ctr">
-                      <a:solidFill>
-                        <a:schemeClr val="tx1"/>
-                      </a:solidFill>
+                      <a:noFill/>
                       <a:prstDash val="solid"/>
                       <a:round/>
                       <a:headEnd type="none" w="med" len="med"/>
                       <a:tailEnd type="none" w="med" len="med"/>
                     </a:lnT>
                     <a:lnB w="12700" cap="flat" cmpd="sng" algn="ctr">
-                      <a:solidFill>
-                        <a:schemeClr val="tx1"/>
-                      </a:solidFill>
+                      <a:noFill/>
                       <a:prstDash val="solid"/>
                       <a:round/>
                       <a:headEnd type="none" w="med" len="med"/>
                       <a:tailEnd type="none" w="med" len="med"/>
                     </a:lnB>
+                    <a:lnTlToBr w="12700" cmpd="sng">
+                      <a:noFill/>
+                      <a:prstDash val="solid"/>
+                    </a:lnTlToBr>
+                    <a:lnBlToTr w="12700" cmpd="sng">
+                      <a:noFill/>
+                      <a:prstDash val="solid"/>
+                    </a:lnBlToTr>
                     <a:noFill/>
                   </a:tcPr>
                 </a:tc>
@@ -8336,41 +9959,41 @@
                   </a:txBody>
                   <a:tcPr anchor="ctr" anchorCtr="1">
                     <a:lnL w="12700" cap="flat" cmpd="sng" algn="ctr">
-                      <a:solidFill>
-                        <a:schemeClr val="tx1"/>
-                      </a:solidFill>
+                      <a:noFill/>
                       <a:prstDash val="solid"/>
                       <a:round/>
                       <a:headEnd type="none" w="med" len="med"/>
                       <a:tailEnd type="none" w="med" len="med"/>
                     </a:lnL>
                     <a:lnR w="12700" cap="flat" cmpd="sng" algn="ctr">
-                      <a:solidFill>
-                        <a:schemeClr val="tx1"/>
-                      </a:solidFill>
+                      <a:noFill/>
                       <a:prstDash val="solid"/>
                       <a:round/>
                       <a:headEnd type="none" w="med" len="med"/>
                       <a:tailEnd type="none" w="med" len="med"/>
                     </a:lnR>
                     <a:lnT w="12700" cap="flat" cmpd="sng" algn="ctr">
-                      <a:solidFill>
-                        <a:schemeClr val="tx1"/>
-                      </a:solidFill>
+                      <a:noFill/>
                       <a:prstDash val="solid"/>
                       <a:round/>
                       <a:headEnd type="none" w="med" len="med"/>
                       <a:tailEnd type="none" w="med" len="med"/>
                     </a:lnT>
                     <a:lnB w="12700" cap="flat" cmpd="sng" algn="ctr">
-                      <a:solidFill>
-                        <a:schemeClr val="tx1"/>
-                      </a:solidFill>
+                      <a:noFill/>
                       <a:prstDash val="solid"/>
                       <a:round/>
                       <a:headEnd type="none" w="med" len="med"/>
                       <a:tailEnd type="none" w="med" len="med"/>
                     </a:lnB>
+                    <a:lnTlToBr w="12700" cmpd="sng">
+                      <a:noFill/>
+                      <a:prstDash val="solid"/>
+                    </a:lnTlToBr>
+                    <a:lnBlToTr w="12700" cmpd="sng">
+                      <a:noFill/>
+                      <a:prstDash val="solid"/>
+                    </a:lnBlToTr>
                     <a:noFill/>
                   </a:tcPr>
                 </a:tc>
@@ -8379,53 +10002,70 @@
                     <a:bodyPr/>
                     <a:lstStyle/>
                     <a:p>
+                      <a:pPr marL="0" marR="0" lvl="0" indent="0" algn="l" defTabSz="914400" rtl="0" eaLnBrk="1" fontAlgn="auto" latinLnBrk="0" hangingPunct="1">
+                        <a:lnSpc>
+                          <a:spcPct val="100000"/>
+                        </a:lnSpc>
+                        <a:spcBef>
+                          <a:spcPts val="0"/>
+                        </a:spcBef>
+                        <a:spcAft>
+                          <a:spcPts val="0"/>
+                        </a:spcAft>
+                        <a:buClrTx/>
+                        <a:buSzTx/>
+                        <a:buFontTx/>
+                        <a:buNone/>
+                        <a:tabLst/>
+                        <a:defRPr/>
+                      </a:pPr>
                       <a:r>
                         <a:rPr lang="hu-HU" b="0" i="1" dirty="0">
                           <a:solidFill>
                             <a:schemeClr val="tx1"/>
                           </a:solidFill>
                         </a:rPr>
-                        <a:t>horror</a:t>
+                        <a:t>akció</a:t>
                       </a:r>
                     </a:p>
                   </a:txBody>
                   <a:tcPr anchor="ctr" anchorCtr="1">
                     <a:lnL w="12700" cap="flat" cmpd="sng" algn="ctr">
-                      <a:solidFill>
-                        <a:schemeClr val="tx1"/>
-                      </a:solidFill>
+                      <a:noFill/>
                       <a:prstDash val="solid"/>
                       <a:round/>
                       <a:headEnd type="none" w="med" len="med"/>
                       <a:tailEnd type="none" w="med" len="med"/>
                     </a:lnL>
                     <a:lnR w="12700" cap="flat" cmpd="sng" algn="ctr">
-                      <a:solidFill>
-                        <a:schemeClr val="tx1"/>
-                      </a:solidFill>
+                      <a:noFill/>
                       <a:prstDash val="solid"/>
                       <a:round/>
                       <a:headEnd type="none" w="med" len="med"/>
                       <a:tailEnd type="none" w="med" len="med"/>
                     </a:lnR>
                     <a:lnT w="12700" cap="flat" cmpd="sng" algn="ctr">
-                      <a:solidFill>
-                        <a:schemeClr val="tx1"/>
-                      </a:solidFill>
+                      <a:noFill/>
                       <a:prstDash val="solid"/>
                       <a:round/>
                       <a:headEnd type="none" w="med" len="med"/>
                       <a:tailEnd type="none" w="med" len="med"/>
                     </a:lnT>
                     <a:lnB w="12700" cap="flat" cmpd="sng" algn="ctr">
-                      <a:solidFill>
-                        <a:schemeClr val="tx1"/>
-                      </a:solidFill>
+                      <a:noFill/>
                       <a:prstDash val="solid"/>
                       <a:round/>
                       <a:headEnd type="none" w="med" len="med"/>
                       <a:tailEnd type="none" w="med" len="med"/>
                     </a:lnB>
+                    <a:lnTlToBr w="12700" cmpd="sng">
+                      <a:noFill/>
+                      <a:prstDash val="solid"/>
+                    </a:lnTlToBr>
+                    <a:lnBlToTr w="12700" cmpd="sng">
+                      <a:noFill/>
+                      <a:prstDash val="solid"/>
+                    </a:lnBlToTr>
                     <a:noFill/>
                   </a:tcPr>
                 </a:tc>
@@ -8446,51 +10086,51 @@
                   </a:txBody>
                   <a:tcPr anchor="ctr" anchorCtr="1">
                     <a:lnL w="12700" cap="flat" cmpd="sng" algn="ctr">
-                      <a:solidFill>
-                        <a:schemeClr val="tx1"/>
-                      </a:solidFill>
+                      <a:noFill/>
                       <a:prstDash val="solid"/>
                       <a:round/>
                       <a:headEnd type="none" w="med" len="med"/>
                       <a:tailEnd type="none" w="med" len="med"/>
                     </a:lnL>
                     <a:lnR w="12700" cap="flat" cmpd="sng" algn="ctr">
-                      <a:solidFill>
-                        <a:schemeClr val="tx1"/>
-                      </a:solidFill>
+                      <a:noFill/>
                       <a:prstDash val="solid"/>
                       <a:round/>
                       <a:headEnd type="none" w="med" len="med"/>
                       <a:tailEnd type="none" w="med" len="med"/>
                     </a:lnR>
                     <a:lnT w="12700" cap="flat" cmpd="sng" algn="ctr">
-                      <a:solidFill>
-                        <a:schemeClr val="tx1"/>
-                      </a:solidFill>
+                      <a:noFill/>
                       <a:prstDash val="solid"/>
                       <a:round/>
                       <a:headEnd type="none" w="med" len="med"/>
                       <a:tailEnd type="none" w="med" len="med"/>
                     </a:lnT>
                     <a:lnB w="12700" cap="flat" cmpd="sng" algn="ctr">
-                      <a:solidFill>
-                        <a:schemeClr val="tx1"/>
-                      </a:solidFill>
+                      <a:noFill/>
                       <a:prstDash val="solid"/>
                       <a:round/>
                       <a:headEnd type="none" w="med" len="med"/>
                       <a:tailEnd type="none" w="med" len="med"/>
                     </a:lnB>
+                    <a:lnTlToBr w="12700" cmpd="sng">
+                      <a:noFill/>
+                      <a:prstDash val="solid"/>
+                    </a:lnTlToBr>
+                    <a:lnBlToTr w="12700" cmpd="sng">
+                      <a:noFill/>
+                      <a:prstDash val="solid"/>
+                    </a:lnBlToTr>
                     <a:noFill/>
                   </a:tcPr>
                 </a:tc>
                 <a:extLst>
                   <a:ext uri="{0D108BD9-81ED-4DB2-BD59-A6C34878D82A}">
-                    <a16:rowId xmlns:a16="http://schemas.microsoft.com/office/drawing/2014/main" xmlns="" val="1930595309"/>
+                    <a16:rowId xmlns:a16="http://schemas.microsoft.com/office/drawing/2014/main" val="1930595309"/>
                   </a:ext>
                 </a:extLst>
               </a:tr>
-              <a:tr h="503191">
+              <a:tr h="510366">
                 <a:tc>
                   <a:txBody>
                     <a:bodyPr/>
@@ -8502,52 +10142,55 @@
                             <a:schemeClr val="tx1"/>
                           </a:solidFill>
                         </a:rPr>
-                        <a:t>nassolnivaló</a:t>
+                        <a:t>Nassolnivaló</a:t>
                       </a:r>
-                      <a:endParaRPr lang="hu-HU" b="1" i="0" dirty="0">
-                        <a:solidFill>
-                          <a:schemeClr val="tx1"/>
-                        </a:solidFill>
-                      </a:endParaRPr>
+                      <a:r>
+                        <a:rPr lang="hu-HU" b="1" i="0" dirty="0">
+                          <a:solidFill>
+                            <a:schemeClr val="tx1"/>
+                          </a:solidFill>
+                        </a:rPr>
+                        <a:t>:</a:t>
+                      </a:r>
                     </a:p>
                   </a:txBody>
                   <a:tcPr anchor="ctr">
                     <a:lnL w="12700" cap="flat" cmpd="sng" algn="ctr">
-                      <a:solidFill>
-                        <a:schemeClr val="tx1"/>
-                      </a:solidFill>
+                      <a:noFill/>
                       <a:prstDash val="solid"/>
                       <a:round/>
                       <a:headEnd type="none" w="med" len="med"/>
                       <a:tailEnd type="none" w="med" len="med"/>
                     </a:lnL>
                     <a:lnR w="12700" cap="flat" cmpd="sng" algn="ctr">
-                      <a:solidFill>
-                        <a:schemeClr val="tx1"/>
-                      </a:solidFill>
+                      <a:noFill/>
                       <a:prstDash val="solid"/>
                       <a:round/>
                       <a:headEnd type="none" w="med" len="med"/>
                       <a:tailEnd type="none" w="med" len="med"/>
                     </a:lnR>
                     <a:lnT w="12700" cap="flat" cmpd="sng" algn="ctr">
-                      <a:solidFill>
-                        <a:schemeClr val="tx1"/>
-                      </a:solidFill>
+                      <a:noFill/>
                       <a:prstDash val="solid"/>
                       <a:round/>
                       <a:headEnd type="none" w="med" len="med"/>
                       <a:tailEnd type="none" w="med" len="med"/>
                     </a:lnT>
                     <a:lnB w="12700" cap="flat" cmpd="sng" algn="ctr">
-                      <a:solidFill>
-                        <a:schemeClr val="tx1"/>
-                      </a:solidFill>
+                      <a:noFill/>
                       <a:prstDash val="solid"/>
                       <a:round/>
                       <a:headEnd type="none" w="med" len="med"/>
                       <a:tailEnd type="none" w="med" len="med"/>
                     </a:lnB>
+                    <a:lnTlToBr w="12700" cmpd="sng">
+                      <a:noFill/>
+                      <a:prstDash val="solid"/>
+                    </a:lnTlToBr>
+                    <a:lnBlToTr w="12700" cmpd="sng">
+                      <a:noFill/>
+                      <a:prstDash val="solid"/>
+                    </a:lnBlToTr>
                     <a:noFill/>
                   </a:tcPr>
                 </a:tc>
@@ -8568,41 +10211,41 @@
                   </a:txBody>
                   <a:tcPr anchor="ctr" anchorCtr="1">
                     <a:lnL w="12700" cap="flat" cmpd="sng" algn="ctr">
-                      <a:solidFill>
-                        <a:schemeClr val="tx1"/>
-                      </a:solidFill>
+                      <a:noFill/>
                       <a:prstDash val="solid"/>
                       <a:round/>
                       <a:headEnd type="none" w="med" len="med"/>
                       <a:tailEnd type="none" w="med" len="med"/>
                     </a:lnL>
                     <a:lnR w="12700" cap="flat" cmpd="sng" algn="ctr">
-                      <a:solidFill>
-                        <a:schemeClr val="tx1"/>
-                      </a:solidFill>
+                      <a:noFill/>
                       <a:prstDash val="solid"/>
                       <a:round/>
                       <a:headEnd type="none" w="med" len="med"/>
                       <a:tailEnd type="none" w="med" len="med"/>
                     </a:lnR>
                     <a:lnT w="12700" cap="flat" cmpd="sng" algn="ctr">
-                      <a:solidFill>
-                        <a:schemeClr val="tx1"/>
-                      </a:solidFill>
+                      <a:noFill/>
                       <a:prstDash val="solid"/>
                       <a:round/>
                       <a:headEnd type="none" w="med" len="med"/>
                       <a:tailEnd type="none" w="med" len="med"/>
                     </a:lnT>
                     <a:lnB w="12700" cap="flat" cmpd="sng" algn="ctr">
-                      <a:solidFill>
-                        <a:schemeClr val="tx1"/>
-                      </a:solidFill>
+                      <a:noFill/>
                       <a:prstDash val="solid"/>
                       <a:round/>
                       <a:headEnd type="none" w="med" len="med"/>
                       <a:tailEnd type="none" w="med" len="med"/>
                     </a:lnB>
+                    <a:lnTlToBr w="12700" cmpd="sng">
+                      <a:noFill/>
+                      <a:prstDash val="solid"/>
+                    </a:lnTlToBr>
+                    <a:lnBlToTr w="12700" cmpd="sng">
+                      <a:noFill/>
+                      <a:prstDash val="solid"/>
+                    </a:lnBlToTr>
                     <a:noFill/>
                   </a:tcPr>
                 </a:tc>
@@ -8623,41 +10266,41 @@
                   </a:txBody>
                   <a:tcPr anchor="ctr" anchorCtr="1">
                     <a:lnL w="12700" cap="flat" cmpd="sng" algn="ctr">
-                      <a:solidFill>
-                        <a:schemeClr val="tx1"/>
-                      </a:solidFill>
+                      <a:noFill/>
                       <a:prstDash val="solid"/>
                       <a:round/>
                       <a:headEnd type="none" w="med" len="med"/>
                       <a:tailEnd type="none" w="med" len="med"/>
                     </a:lnL>
                     <a:lnR w="12700" cap="flat" cmpd="sng" algn="ctr">
-                      <a:solidFill>
-                        <a:schemeClr val="tx1"/>
-                      </a:solidFill>
+                      <a:noFill/>
                       <a:prstDash val="solid"/>
                       <a:round/>
                       <a:headEnd type="none" w="med" len="med"/>
                       <a:tailEnd type="none" w="med" len="med"/>
                     </a:lnR>
                     <a:lnT w="12700" cap="flat" cmpd="sng" algn="ctr">
-                      <a:solidFill>
-                        <a:schemeClr val="tx1"/>
-                      </a:solidFill>
+                      <a:noFill/>
                       <a:prstDash val="solid"/>
                       <a:round/>
                       <a:headEnd type="none" w="med" len="med"/>
                       <a:tailEnd type="none" w="med" len="med"/>
                     </a:lnT>
                     <a:lnB w="12700" cap="flat" cmpd="sng" algn="ctr">
-                      <a:solidFill>
-                        <a:schemeClr val="tx1"/>
-                      </a:solidFill>
+                      <a:noFill/>
                       <a:prstDash val="solid"/>
                       <a:round/>
                       <a:headEnd type="none" w="med" len="med"/>
                       <a:tailEnd type="none" w="med" len="med"/>
                     </a:lnB>
+                    <a:lnTlToBr w="12700" cmpd="sng">
+                      <a:noFill/>
+                      <a:prstDash val="solid"/>
+                    </a:lnTlToBr>
+                    <a:lnBlToTr w="12700" cmpd="sng">
+                      <a:noFill/>
+                      <a:prstDash val="solid"/>
+                    </a:lnBlToTr>
                     <a:noFill/>
                   </a:tcPr>
                 </a:tc>
@@ -8683,41 +10326,41 @@
                   </a:txBody>
                   <a:tcPr anchor="ctr" anchorCtr="1">
                     <a:lnL w="12700" cap="flat" cmpd="sng" algn="ctr">
-                      <a:solidFill>
-                        <a:schemeClr val="tx1"/>
-                      </a:solidFill>
+                      <a:noFill/>
                       <a:prstDash val="solid"/>
                       <a:round/>
                       <a:headEnd type="none" w="med" len="med"/>
                       <a:tailEnd type="none" w="med" len="med"/>
                     </a:lnL>
                     <a:lnR w="12700" cap="flat" cmpd="sng" algn="ctr">
-                      <a:solidFill>
-                        <a:schemeClr val="tx1"/>
-                      </a:solidFill>
+                      <a:noFill/>
                       <a:prstDash val="solid"/>
                       <a:round/>
                       <a:headEnd type="none" w="med" len="med"/>
                       <a:tailEnd type="none" w="med" len="med"/>
                     </a:lnR>
                     <a:lnT w="12700" cap="flat" cmpd="sng" algn="ctr">
-                      <a:solidFill>
-                        <a:schemeClr val="tx1"/>
-                      </a:solidFill>
+                      <a:noFill/>
                       <a:prstDash val="solid"/>
                       <a:round/>
                       <a:headEnd type="none" w="med" len="med"/>
                       <a:tailEnd type="none" w="med" len="med"/>
                     </a:lnT>
                     <a:lnB w="12700" cap="flat" cmpd="sng" algn="ctr">
-                      <a:solidFill>
-                        <a:schemeClr val="tx1"/>
-                      </a:solidFill>
+                      <a:noFill/>
                       <a:prstDash val="solid"/>
                       <a:round/>
                       <a:headEnd type="none" w="med" len="med"/>
                       <a:tailEnd type="none" w="med" len="med"/>
                     </a:lnB>
+                    <a:lnTlToBr w="12700" cmpd="sng">
+                      <a:noFill/>
+                      <a:prstDash val="solid"/>
+                    </a:lnTlToBr>
+                    <a:lnBlToTr w="12700" cmpd="sng">
+                      <a:noFill/>
+                      <a:prstDash val="solid"/>
+                    </a:lnBlToTr>
                     <a:noFill/>
                   </a:tcPr>
                 </a:tc>
@@ -8743,51 +10386,51 @@
                   </a:txBody>
                   <a:tcPr anchor="ctr" anchorCtr="1">
                     <a:lnL w="12700" cap="flat" cmpd="sng" algn="ctr">
-                      <a:solidFill>
-                        <a:schemeClr val="tx1"/>
-                      </a:solidFill>
+                      <a:noFill/>
                       <a:prstDash val="solid"/>
                       <a:round/>
                       <a:headEnd type="none" w="med" len="med"/>
                       <a:tailEnd type="none" w="med" len="med"/>
                     </a:lnL>
                     <a:lnR w="12700" cap="flat" cmpd="sng" algn="ctr">
-                      <a:solidFill>
-                        <a:schemeClr val="tx1"/>
-                      </a:solidFill>
+                      <a:noFill/>
                       <a:prstDash val="solid"/>
                       <a:round/>
                       <a:headEnd type="none" w="med" len="med"/>
                       <a:tailEnd type="none" w="med" len="med"/>
                     </a:lnR>
                     <a:lnT w="12700" cap="flat" cmpd="sng" algn="ctr">
-                      <a:solidFill>
-                        <a:schemeClr val="tx1"/>
-                      </a:solidFill>
+                      <a:noFill/>
                       <a:prstDash val="solid"/>
                       <a:round/>
                       <a:headEnd type="none" w="med" len="med"/>
                       <a:tailEnd type="none" w="med" len="med"/>
                     </a:lnT>
                     <a:lnB w="12700" cap="flat" cmpd="sng" algn="ctr">
-                      <a:solidFill>
-                        <a:schemeClr val="tx1"/>
-                      </a:solidFill>
+                      <a:noFill/>
                       <a:prstDash val="solid"/>
                       <a:round/>
                       <a:headEnd type="none" w="med" len="med"/>
                       <a:tailEnd type="none" w="med" len="med"/>
                     </a:lnB>
+                    <a:lnTlToBr w="12700" cmpd="sng">
+                      <a:noFill/>
+                      <a:prstDash val="solid"/>
+                    </a:lnTlToBr>
+                    <a:lnBlToTr w="12700" cmpd="sng">
+                      <a:noFill/>
+                      <a:prstDash val="solid"/>
+                    </a:lnBlToTr>
                     <a:noFill/>
                   </a:tcPr>
                 </a:tc>
                 <a:extLst>
                   <a:ext uri="{0D108BD9-81ED-4DB2-BD59-A6C34878D82A}">
-                    <a16:rowId xmlns:a16="http://schemas.microsoft.com/office/drawing/2014/main" xmlns="" val="1067106434"/>
+                    <a16:rowId xmlns:a16="http://schemas.microsoft.com/office/drawing/2014/main" val="1067106434"/>
                   </a:ext>
                 </a:extLst>
               </a:tr>
-              <a:tr h="503191">
+              <a:tr h="510366">
                 <a:tc>
                   <a:txBody>
                     <a:bodyPr/>
@@ -8799,47 +10442,47 @@
                             <a:schemeClr val="tx1"/>
                           </a:solidFill>
                         </a:rPr>
-                        <a:t>életkor</a:t>
+                        <a:t>Életkor:</a:t>
                       </a:r>
                     </a:p>
                   </a:txBody>
                   <a:tcPr anchor="ctr">
                     <a:lnL w="12700" cap="flat" cmpd="sng" algn="ctr">
-                      <a:solidFill>
-                        <a:schemeClr val="tx1"/>
-                      </a:solidFill>
+                      <a:noFill/>
                       <a:prstDash val="solid"/>
                       <a:round/>
                       <a:headEnd type="none" w="med" len="med"/>
                       <a:tailEnd type="none" w="med" len="med"/>
                     </a:lnL>
                     <a:lnR w="12700" cap="flat" cmpd="sng" algn="ctr">
-                      <a:solidFill>
-                        <a:schemeClr val="tx1"/>
-                      </a:solidFill>
+                      <a:noFill/>
                       <a:prstDash val="solid"/>
                       <a:round/>
                       <a:headEnd type="none" w="med" len="med"/>
                       <a:tailEnd type="none" w="med" len="med"/>
                     </a:lnR>
                     <a:lnT w="12700" cap="flat" cmpd="sng" algn="ctr">
-                      <a:solidFill>
-                        <a:schemeClr val="tx1"/>
-                      </a:solidFill>
+                      <a:noFill/>
                       <a:prstDash val="solid"/>
                       <a:round/>
                       <a:headEnd type="none" w="med" len="med"/>
                       <a:tailEnd type="none" w="med" len="med"/>
                     </a:lnT>
                     <a:lnB w="12700" cap="flat" cmpd="sng" algn="ctr">
-                      <a:solidFill>
-                        <a:schemeClr val="tx1"/>
-                      </a:solidFill>
+                      <a:noFill/>
                       <a:prstDash val="solid"/>
                       <a:round/>
                       <a:headEnd type="none" w="med" len="med"/>
                       <a:tailEnd type="none" w="med" len="med"/>
                     </a:lnB>
+                    <a:lnTlToBr w="12700" cmpd="sng">
+                      <a:noFill/>
+                      <a:prstDash val="solid"/>
+                    </a:lnTlToBr>
+                    <a:lnBlToTr w="12700" cmpd="sng">
+                      <a:noFill/>
+                      <a:prstDash val="solid"/>
+                    </a:lnBlToTr>
                     <a:noFill/>
                   </a:tcPr>
                 </a:tc>
@@ -8860,41 +10503,41 @@
                   </a:txBody>
                   <a:tcPr anchor="ctr" anchorCtr="1">
                     <a:lnL w="12700" cap="flat" cmpd="sng" algn="ctr">
-                      <a:solidFill>
-                        <a:schemeClr val="tx1"/>
-                      </a:solidFill>
+                      <a:noFill/>
                       <a:prstDash val="solid"/>
                       <a:round/>
                       <a:headEnd type="none" w="med" len="med"/>
                       <a:tailEnd type="none" w="med" len="med"/>
                     </a:lnL>
                     <a:lnR w="12700" cap="flat" cmpd="sng" algn="ctr">
-                      <a:solidFill>
-                        <a:schemeClr val="tx1"/>
-                      </a:solidFill>
+                      <a:noFill/>
                       <a:prstDash val="solid"/>
                       <a:round/>
                       <a:headEnd type="none" w="med" len="med"/>
                       <a:tailEnd type="none" w="med" len="med"/>
                     </a:lnR>
                     <a:lnT w="12700" cap="flat" cmpd="sng" algn="ctr">
-                      <a:solidFill>
-                        <a:schemeClr val="tx1"/>
-                      </a:solidFill>
+                      <a:noFill/>
                       <a:prstDash val="solid"/>
                       <a:round/>
                       <a:headEnd type="none" w="med" len="med"/>
                       <a:tailEnd type="none" w="med" len="med"/>
                     </a:lnT>
                     <a:lnB w="12700" cap="flat" cmpd="sng" algn="ctr">
-                      <a:solidFill>
-                        <a:schemeClr val="tx1"/>
-                      </a:solidFill>
+                      <a:noFill/>
                       <a:prstDash val="solid"/>
                       <a:round/>
                       <a:headEnd type="none" w="med" len="med"/>
                       <a:tailEnd type="none" w="med" len="med"/>
                     </a:lnB>
+                    <a:lnTlToBr w="12700" cmpd="sng">
+                      <a:noFill/>
+                      <a:prstDash val="solid"/>
+                    </a:lnTlToBr>
+                    <a:lnBlToTr w="12700" cmpd="sng">
+                      <a:noFill/>
+                      <a:prstDash val="solid"/>
+                    </a:lnBlToTr>
                     <a:noFill/>
                   </a:tcPr>
                 </a:tc>
@@ -8915,41 +10558,41 @@
                   </a:txBody>
                   <a:tcPr anchor="ctr" anchorCtr="1">
                     <a:lnL w="12700" cap="flat" cmpd="sng" algn="ctr">
-                      <a:solidFill>
-                        <a:schemeClr val="tx1"/>
-                      </a:solidFill>
+                      <a:noFill/>
                       <a:prstDash val="solid"/>
                       <a:round/>
                       <a:headEnd type="none" w="med" len="med"/>
                       <a:tailEnd type="none" w="med" len="med"/>
                     </a:lnL>
                     <a:lnR w="12700" cap="flat" cmpd="sng" algn="ctr">
-                      <a:solidFill>
-                        <a:schemeClr val="tx1"/>
-                      </a:solidFill>
+                      <a:noFill/>
                       <a:prstDash val="solid"/>
                       <a:round/>
                       <a:headEnd type="none" w="med" len="med"/>
                       <a:tailEnd type="none" w="med" len="med"/>
                     </a:lnR>
                     <a:lnT w="12700" cap="flat" cmpd="sng" algn="ctr">
-                      <a:solidFill>
-                        <a:schemeClr val="tx1"/>
-                      </a:solidFill>
+                      <a:noFill/>
                       <a:prstDash val="solid"/>
                       <a:round/>
                       <a:headEnd type="none" w="med" len="med"/>
                       <a:tailEnd type="none" w="med" len="med"/>
                     </a:lnT>
                     <a:lnB w="12700" cap="flat" cmpd="sng" algn="ctr">
-                      <a:solidFill>
-                        <a:schemeClr val="tx1"/>
-                      </a:solidFill>
+                      <a:noFill/>
                       <a:prstDash val="solid"/>
                       <a:round/>
                       <a:headEnd type="none" w="med" len="med"/>
                       <a:tailEnd type="none" w="med" len="med"/>
                     </a:lnB>
+                    <a:lnTlToBr w="12700" cmpd="sng">
+                      <a:noFill/>
+                      <a:prstDash val="solid"/>
+                    </a:lnTlToBr>
+                    <a:lnBlToTr w="12700" cmpd="sng">
+                      <a:noFill/>
+                      <a:prstDash val="solid"/>
+                    </a:lnBlToTr>
                     <a:noFill/>
                   </a:tcPr>
                 </a:tc>
@@ -8970,41 +10613,41 @@
                   </a:txBody>
                   <a:tcPr anchor="ctr" anchorCtr="1">
                     <a:lnL w="12700" cap="flat" cmpd="sng" algn="ctr">
-                      <a:solidFill>
-                        <a:schemeClr val="tx1"/>
-                      </a:solidFill>
+                      <a:noFill/>
                       <a:prstDash val="solid"/>
                       <a:round/>
                       <a:headEnd type="none" w="med" len="med"/>
                       <a:tailEnd type="none" w="med" len="med"/>
                     </a:lnL>
                     <a:lnR w="12700" cap="flat" cmpd="sng" algn="ctr">
-                      <a:solidFill>
-                        <a:schemeClr val="tx1"/>
-                      </a:solidFill>
+                      <a:noFill/>
                       <a:prstDash val="solid"/>
                       <a:round/>
                       <a:headEnd type="none" w="med" len="med"/>
                       <a:tailEnd type="none" w="med" len="med"/>
                     </a:lnR>
                     <a:lnT w="12700" cap="flat" cmpd="sng" algn="ctr">
-                      <a:solidFill>
-                        <a:schemeClr val="tx1"/>
-                      </a:solidFill>
+                      <a:noFill/>
                       <a:prstDash val="solid"/>
                       <a:round/>
                       <a:headEnd type="none" w="med" len="med"/>
                       <a:tailEnd type="none" w="med" len="med"/>
                     </a:lnT>
                     <a:lnB w="12700" cap="flat" cmpd="sng" algn="ctr">
-                      <a:solidFill>
-                        <a:schemeClr val="tx1"/>
-                      </a:solidFill>
+                      <a:noFill/>
                       <a:prstDash val="solid"/>
                       <a:round/>
                       <a:headEnd type="none" w="med" len="med"/>
                       <a:tailEnd type="none" w="med" len="med"/>
                     </a:lnB>
+                    <a:lnTlToBr w="12700" cmpd="sng">
+                      <a:noFill/>
+                      <a:prstDash val="solid"/>
+                    </a:lnTlToBr>
+                    <a:lnBlToTr w="12700" cmpd="sng">
+                      <a:noFill/>
+                      <a:prstDash val="solid"/>
+                    </a:lnBlToTr>
                     <a:noFill/>
                   </a:tcPr>
                 </a:tc>
@@ -9025,47 +10668,47 @@
                   </a:txBody>
                   <a:tcPr anchor="ctr" anchorCtr="1">
                     <a:lnL w="12700" cap="flat" cmpd="sng" algn="ctr">
-                      <a:solidFill>
-                        <a:schemeClr val="tx1"/>
-                      </a:solidFill>
+                      <a:noFill/>
                       <a:prstDash val="solid"/>
                       <a:round/>
                       <a:headEnd type="none" w="med" len="med"/>
                       <a:tailEnd type="none" w="med" len="med"/>
                     </a:lnL>
                     <a:lnR w="12700" cap="flat" cmpd="sng" algn="ctr">
-                      <a:solidFill>
-                        <a:schemeClr val="tx1"/>
-                      </a:solidFill>
+                      <a:noFill/>
                       <a:prstDash val="solid"/>
                       <a:round/>
                       <a:headEnd type="none" w="med" len="med"/>
                       <a:tailEnd type="none" w="med" len="med"/>
                     </a:lnR>
                     <a:lnT w="12700" cap="flat" cmpd="sng" algn="ctr">
-                      <a:solidFill>
-                        <a:schemeClr val="tx1"/>
-                      </a:solidFill>
+                      <a:noFill/>
                       <a:prstDash val="solid"/>
                       <a:round/>
                       <a:headEnd type="none" w="med" len="med"/>
                       <a:tailEnd type="none" w="med" len="med"/>
                     </a:lnT>
                     <a:lnB w="12700" cap="flat" cmpd="sng" algn="ctr">
-                      <a:solidFill>
-                        <a:schemeClr val="tx1"/>
-                      </a:solidFill>
+                      <a:noFill/>
                       <a:prstDash val="solid"/>
                       <a:round/>
                       <a:headEnd type="none" w="med" len="med"/>
                       <a:tailEnd type="none" w="med" len="med"/>
                     </a:lnB>
+                    <a:lnTlToBr w="12700" cmpd="sng">
+                      <a:noFill/>
+                      <a:prstDash val="solid"/>
+                    </a:lnTlToBr>
+                    <a:lnBlToTr w="12700" cmpd="sng">
+                      <a:noFill/>
+                      <a:prstDash val="solid"/>
+                    </a:lnBlToTr>
                     <a:noFill/>
                   </a:tcPr>
                 </a:tc>
                 <a:extLst>
                   <a:ext uri="{0D108BD9-81ED-4DB2-BD59-A6C34878D82A}">
-                    <a16:rowId xmlns:a16="http://schemas.microsoft.com/office/drawing/2014/main" xmlns="" val="2189309325"/>
+                    <a16:rowId xmlns:a16="http://schemas.microsoft.com/office/drawing/2014/main" val="2189309325"/>
                   </a:ext>
                 </a:extLst>
               </a:tr>
@@ -9073,27 +10716,87 @@
           </a:graphicData>
         </a:graphic>
       </p:graphicFrame>
+      <p:sp>
+        <p:nvSpPr>
+          <p:cNvPr id="6" name="Szövegdoboz 5">
+            <a:extLst>
+              <a:ext uri="{FF2B5EF4-FFF2-40B4-BE49-F238E27FC236}">
+                <a16:creationId xmlns:a16="http://schemas.microsoft.com/office/drawing/2014/main" id="{73544318-589B-4DEE-BA9D-854868A6F10B}"/>
+              </a:ext>
+            </a:extLst>
+          </p:cNvPr>
+          <p:cNvSpPr txBox="1"/>
+          <p:nvPr/>
+        </p:nvSpPr>
+        <p:spPr>
+          <a:xfrm>
+            <a:off x="680222" y="4840906"/>
+            <a:ext cx="7237221" cy="1661993"/>
+          </a:xfrm>
+          <a:prstGeom prst="rect">
+            <a:avLst/>
+          </a:prstGeom>
+          <a:noFill/>
+        </p:spPr>
+        <p:txBody>
+          <a:bodyPr wrap="square" rtlCol="0">
+            <a:spAutoFit/>
+          </a:bodyPr>
+          <a:lstStyle/>
+          <a:p>
+            <a:pPr>
+              <a:spcAft>
+                <a:spcPts val="1800"/>
+              </a:spcAft>
+            </a:pPr>
+            <a:r>
+              <a:rPr lang="hu-HU" sz="2400" dirty="0" err="1"/>
+              <a:t>Joshua</a:t>
+            </a:r>
+            <a:r>
+              <a:rPr lang="hu-HU" sz="2400" dirty="0"/>
+              <a:t> szereti a horror filmet.</a:t>
+            </a:r>
+          </a:p>
+          <a:p>
+            <a:pPr>
+              <a:spcAft>
+                <a:spcPts val="1800"/>
+              </a:spcAft>
+            </a:pPr>
+            <a:r>
+              <a:rPr lang="hu-HU" sz="2400" dirty="0" err="1"/>
+              <a:t>Joshua</a:t>
+            </a:r>
+            <a:r>
+              <a:rPr lang="hu-HU" sz="2400" dirty="0"/>
+              <a:t> az egyik szélen ül.</a:t>
+            </a:r>
+          </a:p>
+          <a:p>
+            <a:pPr>
+              <a:spcAft>
+                <a:spcPts val="1800"/>
+              </a:spcAft>
+            </a:pPr>
+            <a:endParaRPr lang="hu-HU" sz="2400" dirty="0"/>
+          </a:p>
+        </p:txBody>
+      </p:sp>
     </p:spTree>
     <p:extLst>
       <p:ext uri="{BB962C8B-B14F-4D97-AF65-F5344CB8AC3E}">
-        <p14:creationId xmlns:p14="http://schemas.microsoft.com/office/powerpoint/2010/main" val="1376513413"/>
+        <p14:creationId xmlns:p14="http://schemas.microsoft.com/office/powerpoint/2010/main" val="894305198"/>
       </p:ext>
     </p:extLst>
   </p:cSld>
   <p:clrMapOvr>
     <a:masterClrMapping/>
   </p:clrMapOvr>
-  <p:timing>
-    <p:tnLst>
-      <p:par>
-        <p:cTn id="1" dur="indefinite" restart="never" nodeType="tmRoot"/>
-      </p:par>
-    </p:tnLst>
-  </p:timing>
 </p:sld>
 </file>
 
-<file path=ppt/slides/slide4.xml><?xml version="1.0" encoding="utf-8"?>
+<file path=ppt/slides/slide5.xml><?xml version="1.0" encoding="utf-8"?>
 <p:sld xmlns:a="http://schemas.openxmlformats.org/drawingml/2006/main" xmlns:r="http://schemas.openxmlformats.org/officeDocument/2006/relationships" xmlns:p="http://schemas.openxmlformats.org/presentationml/2006/main">
   <p:cSld>
     <p:spTree>
@@ -9115,7 +10818,7 @@
           <p:cNvPr id="2" name="Cím 1">
             <a:extLst>
               <a:ext uri="{FF2B5EF4-FFF2-40B4-BE49-F238E27FC236}">
-                <a16:creationId xmlns:a16="http://schemas.microsoft.com/office/drawing/2014/main" xmlns="" id="{3D71E464-FDA0-44ED-BAE0-76765A5D6664}"/>
+                <a16:creationId xmlns:a16="http://schemas.microsoft.com/office/drawing/2014/main" id="{3D71E464-FDA0-44ED-BAE0-76765A5D6664}"/>
               </a:ext>
             </a:extLst>
           </p:cNvPr>
@@ -9143,7 +10846,7 @@
           <p:cNvPr id="5" name="Dia számának helye 4">
             <a:extLst>
               <a:ext uri="{FF2B5EF4-FFF2-40B4-BE49-F238E27FC236}">
-                <a16:creationId xmlns:a16="http://schemas.microsoft.com/office/drawing/2014/main" xmlns="" id="{3927AD5E-958C-4218-A2F7-1714AA2AACB5}"/>
+                <a16:creationId xmlns:a16="http://schemas.microsoft.com/office/drawing/2014/main" id="{3927AD5E-958C-4218-A2F7-1714AA2AACB5}"/>
               </a:ext>
             </a:extLst>
           </p:cNvPr>
@@ -9161,7 +10864,7 @@
           <a:p>
             <a:fld id="{676786BD-618E-4F38-B087-5D1176D55033}" type="slidenum">
               <a:rPr lang="hu-HU" smtClean="0"/>
-              <a:t>4</a:t>
+              <a:t>5</a:t>
             </a:fld>
             <a:r>
               <a:rPr lang="hu-HU" dirty="0"/>
@@ -9175,7 +10878,7 @@
           <p:cNvPr id="6" name="Szövegdoboz 5">
             <a:extLst>
               <a:ext uri="{FF2B5EF4-FFF2-40B4-BE49-F238E27FC236}">
-                <a16:creationId xmlns:a16="http://schemas.microsoft.com/office/drawing/2014/main" xmlns="" id="{6EA50174-05F4-4DB5-AFA6-707EDDAD33F6}"/>
+                <a16:creationId xmlns:a16="http://schemas.microsoft.com/office/drawing/2014/main" id="{6EA50174-05F4-4DB5-AFA6-707EDDAD33F6}"/>
               </a:ext>
             </a:extLst>
           </p:cNvPr>
@@ -9306,17 +11009,10 @@
   <p:clrMapOvr>
     <a:masterClrMapping/>
   </p:clrMapOvr>
-  <p:timing>
-    <p:tnLst>
-      <p:par>
-        <p:cTn id="1" dur="indefinite" restart="never" nodeType="tmRoot"/>
-      </p:par>
-    </p:tnLst>
-  </p:timing>
 </p:sld>
 </file>
 
-<file path=ppt/slides/slide5.xml><?xml version="1.0" encoding="utf-8"?>
+<file path=ppt/slides/slide6.xml><?xml version="1.0" encoding="utf-8"?>
 <p:sld xmlns:a="http://schemas.openxmlformats.org/drawingml/2006/main" xmlns:r="http://schemas.openxmlformats.org/officeDocument/2006/relationships" xmlns:p="http://schemas.openxmlformats.org/presentationml/2006/main">
   <p:cSld>
     <p:spTree>
@@ -9338,7 +11034,217 @@
           <p:cNvPr id="6" name="Kép 5">
             <a:extLst>
               <a:ext uri="{FF2B5EF4-FFF2-40B4-BE49-F238E27FC236}">
-                <a16:creationId xmlns:a16="http://schemas.microsoft.com/office/drawing/2014/main" xmlns="" id="{03A2FCAA-44F4-4121-9409-3F7C16B08598}"/>
+                <a16:creationId xmlns:a16="http://schemas.microsoft.com/office/drawing/2014/main" id="{03A2FCAA-44F4-4121-9409-3F7C16B08598}"/>
+              </a:ext>
+            </a:extLst>
+          </p:cNvPr>
+          <p:cNvPicPr>
+            <a:picLocks noChangeAspect="1"/>
+          </p:cNvPicPr>
+          <p:nvPr/>
+        </p:nvPicPr>
+        <p:blipFill rotWithShape="1">
+          <a:blip r:embed="rId2">
+            <a:duotone>
+              <a:schemeClr val="bg2">
+                <a:shade val="45000"/>
+                <a:satMod val="135000"/>
+              </a:schemeClr>
+              <a:prstClr val="white"/>
+            </a:duotone>
+            <a:extLst>
+              <a:ext uri="{BEBA8EAE-BF5A-486C-A8C5-ECC9F3942E4B}">
+                <a14:imgProps xmlns:a14="http://schemas.microsoft.com/office/drawing/2010/main">
+                  <a14:imgLayer r:embed="rId3">
+                    <a14:imgEffect>
+                      <a14:colorTemperature colorTemp="11500"/>
+                    </a14:imgEffect>
+                    <a14:imgEffect>
+                      <a14:saturation sat="400000"/>
+                    </a14:imgEffect>
+                  </a14:imgLayer>
+                </a14:imgProps>
+              </a:ext>
+              <a:ext uri="{28A0092B-C50C-407E-A947-70E740481C1C}">
+                <a14:useLocalDpi xmlns:a14="http://schemas.microsoft.com/office/drawing/2010/main" val="0"/>
+              </a:ext>
+            </a:extLst>
+          </a:blip>
+          <a:srcRect l="9657" t="40" r="27888" b="76524"/>
+          <a:stretch/>
+        </p:blipFill>
+        <p:spPr>
+          <a:xfrm>
+            <a:off x="2643712" y="2005059"/>
+            <a:ext cx="5367453" cy="3978176"/>
+          </a:xfrm>
+          <a:prstGeom prst="rect">
+            <a:avLst/>
+          </a:prstGeom>
+          <a:noFill/>
+        </p:spPr>
+      </p:pic>
+      <p:sp>
+        <p:nvSpPr>
+          <p:cNvPr id="2" name="Dia számának helye 1">
+            <a:extLst>
+              <a:ext uri="{FF2B5EF4-FFF2-40B4-BE49-F238E27FC236}">
+                <a16:creationId xmlns:a16="http://schemas.microsoft.com/office/drawing/2014/main" id="{FB342F71-8953-4DC7-8EEB-C5E7385C3ABE}"/>
+              </a:ext>
+            </a:extLst>
+          </p:cNvPr>
+          <p:cNvSpPr>
+            <a:spLocks noGrp="1"/>
+          </p:cNvSpPr>
+          <p:nvPr>
+            <p:ph type="sldNum" sz="quarter" idx="12"/>
+          </p:nvPr>
+        </p:nvSpPr>
+        <p:spPr/>
+        <p:txBody>
+          <a:bodyPr/>
+          <a:lstStyle/>
+          <a:p>
+            <a:fld id="{676786BD-618E-4F38-B087-5D1176D55033}" type="slidenum">
+              <a:rPr lang="hu-HU" smtClean="0"/>
+              <a:t>6</a:t>
+            </a:fld>
+            <a:r>
+              <a:rPr lang="hu-HU" dirty="0"/>
+              <a:t>/16</a:t>
+            </a:r>
+          </a:p>
+        </p:txBody>
+      </p:sp>
+      <p:sp>
+        <p:nvSpPr>
+          <p:cNvPr id="5" name="Cím 1">
+            <a:extLst>
+              <a:ext uri="{FF2B5EF4-FFF2-40B4-BE49-F238E27FC236}">
+                <a16:creationId xmlns:a16="http://schemas.microsoft.com/office/drawing/2014/main" id="{FF8E5E95-AE64-415C-8681-D3B3D2CA7C51}"/>
+              </a:ext>
+            </a:extLst>
+          </p:cNvPr>
+          <p:cNvSpPr txBox="1">
+            <a:spLocks/>
+          </p:cNvSpPr>
+          <p:nvPr/>
+        </p:nvSpPr>
+        <p:spPr>
+          <a:xfrm>
+            <a:off x="543393" y="157910"/>
+            <a:ext cx="7543800" cy="730126"/>
+          </a:xfrm>
+          <a:prstGeom prst="rect">
+            <a:avLst/>
+          </a:prstGeom>
+        </p:spPr>
+        <p:txBody>
+          <a:bodyPr>
+            <a:normAutofit/>
+          </a:bodyPr>
+          <a:lstStyle>
+            <a:lvl1pPr algn="l" defTabSz="914400" rtl="0" eaLnBrk="1" latinLnBrk="0" hangingPunct="1">
+              <a:lnSpc>
+                <a:spcPct val="85000"/>
+              </a:lnSpc>
+              <a:spcBef>
+                <a:spcPct val="0"/>
+              </a:spcBef>
+              <a:buNone/>
+              <a:defRPr sz="4800" kern="1200" spc="-50" baseline="0">
+                <a:solidFill>
+                  <a:schemeClr val="bg1"/>
+                </a:solidFill>
+                <a:latin typeface="+mj-lt"/>
+                <a:ea typeface="+mj-ea"/>
+                <a:cs typeface="+mj-cs"/>
+              </a:defRPr>
+            </a:lvl1pPr>
+          </a:lstStyle>
+          <a:p>
+            <a:r>
+              <a:rPr lang="hu-HU" dirty="0"/>
+              <a:t>Térképszínezés</a:t>
+            </a:r>
+            <a:endParaRPr lang="hu-HU" sz="3200" dirty="0"/>
+          </a:p>
+        </p:txBody>
+      </p:sp>
+      <p:sp>
+        <p:nvSpPr>
+          <p:cNvPr id="4" name="Szövegdoboz 3">
+            <a:extLst>
+              <a:ext uri="{FF2B5EF4-FFF2-40B4-BE49-F238E27FC236}">
+                <a16:creationId xmlns:a16="http://schemas.microsoft.com/office/drawing/2014/main" id="{65DE350E-2498-4D41-9512-3B28F8F7FE8D}"/>
+              </a:ext>
+            </a:extLst>
+          </p:cNvPr>
+          <p:cNvSpPr txBox="1"/>
+          <p:nvPr/>
+        </p:nvSpPr>
+        <p:spPr>
+          <a:xfrm>
+            <a:off x="185854" y="1486829"/>
+            <a:ext cx="5367453" cy="1231106"/>
+          </a:xfrm>
+          <a:prstGeom prst="rect">
+            <a:avLst/>
+          </a:prstGeom>
+          <a:noFill/>
+        </p:spPr>
+        <p:txBody>
+          <a:bodyPr wrap="square" rtlCol="0">
+            <a:spAutoFit/>
+          </a:bodyPr>
+          <a:lstStyle/>
+          <a:p>
+            <a:r>
+              <a:rPr lang="hu-HU" sz="2800" dirty="0"/>
+              <a:t>Optimalizálási és kielégíthetőségi feladatok</a:t>
+            </a:r>
+          </a:p>
+          <a:p>
+            <a:endParaRPr lang="hu-HU" dirty="0"/>
+          </a:p>
+        </p:txBody>
+      </p:sp>
+    </p:spTree>
+    <p:extLst>
+      <p:ext uri="{BB962C8B-B14F-4D97-AF65-F5344CB8AC3E}">
+        <p14:creationId xmlns:p14="http://schemas.microsoft.com/office/powerpoint/2010/main" val="1876939960"/>
+      </p:ext>
+    </p:extLst>
+  </p:cSld>
+  <p:clrMapOvr>
+    <a:masterClrMapping/>
+  </p:clrMapOvr>
+</p:sld>
+</file>
+
+<file path=ppt/slides/slide7.xml><?xml version="1.0" encoding="utf-8"?>
+<p:sld xmlns:a="http://schemas.openxmlformats.org/drawingml/2006/main" xmlns:r="http://schemas.openxmlformats.org/officeDocument/2006/relationships" xmlns:p="http://schemas.openxmlformats.org/presentationml/2006/main">
+  <p:cSld>
+    <p:spTree>
+      <p:nvGrpSpPr>
+        <p:cNvPr id="1" name=""/>
+        <p:cNvGrpSpPr/>
+        <p:nvPr/>
+      </p:nvGrpSpPr>
+      <p:grpSpPr>
+        <a:xfrm>
+          <a:off x="0" y="0"/>
+          <a:ext cx="0" cy="0"/>
+          <a:chOff x="0" y="0"/>
+          <a:chExt cx="0" cy="0"/>
+        </a:xfrm>
+      </p:grpSpPr>
+      <p:pic>
+        <p:nvPicPr>
+          <p:cNvPr id="6" name="Kép 5">
+            <a:extLst>
+              <a:ext uri="{FF2B5EF4-FFF2-40B4-BE49-F238E27FC236}">
+                <a16:creationId xmlns:a16="http://schemas.microsoft.com/office/drawing/2014/main" id="{03A2FCAA-44F4-4121-9409-3F7C16B08598}"/>
               </a:ext>
             </a:extLst>
           </p:cNvPr>
@@ -9373,7 +11279,7 @@
           <p:cNvPr id="2" name="Dia számának helye 1">
             <a:extLst>
               <a:ext uri="{FF2B5EF4-FFF2-40B4-BE49-F238E27FC236}">
-                <a16:creationId xmlns:a16="http://schemas.microsoft.com/office/drawing/2014/main" xmlns="" id="{FB342F71-8953-4DC7-8EEB-C5E7385C3ABE}"/>
+                <a16:creationId xmlns:a16="http://schemas.microsoft.com/office/drawing/2014/main" id="{FB342F71-8953-4DC7-8EEB-C5E7385C3ABE}"/>
               </a:ext>
             </a:extLst>
           </p:cNvPr>
@@ -9391,7 +11297,7 @@
           <a:p>
             <a:fld id="{676786BD-618E-4F38-B087-5D1176D55033}" type="slidenum">
               <a:rPr lang="hu-HU" smtClean="0"/>
-              <a:t>5</a:t>
+              <a:t>7</a:t>
             </a:fld>
             <a:r>
               <a:rPr lang="hu-HU" dirty="0"/>
@@ -9405,7 +11311,7 @@
           <p:cNvPr id="5" name="Cím 1">
             <a:extLst>
               <a:ext uri="{FF2B5EF4-FFF2-40B4-BE49-F238E27FC236}">
-                <a16:creationId xmlns:a16="http://schemas.microsoft.com/office/drawing/2014/main" xmlns="" id="{FF8E5E95-AE64-415C-8681-D3B3D2CA7C51}"/>
+                <a16:creationId xmlns:a16="http://schemas.microsoft.com/office/drawing/2014/main" id="{FF8E5E95-AE64-415C-8681-D3B3D2CA7C51}"/>
               </a:ext>
             </a:extLst>
           </p:cNvPr>
@@ -9460,7 +11366,7 @@
           <p:cNvPr id="7" name="Kép 6">
             <a:extLst>
               <a:ext uri="{FF2B5EF4-FFF2-40B4-BE49-F238E27FC236}">
-                <a16:creationId xmlns:a16="http://schemas.microsoft.com/office/drawing/2014/main" xmlns="" id="{1FB64181-B7A7-4F2C-975F-75D7BD37C170}"/>
+                <a16:creationId xmlns:a16="http://schemas.microsoft.com/office/drawing/2014/main" id="{1FB64181-B7A7-4F2C-975F-75D7BD37C170}"/>
               </a:ext>
             </a:extLst>
           </p:cNvPr>
@@ -9513,38 +11419,30 @@
           <a:lstStyle/>
           <a:p>
             <a:r>
-              <a:rPr lang="hu-HU" sz="2000" dirty="0" err="1" smtClean="0"/>
+              <a:rPr lang="hu-HU" sz="2000" dirty="0" err="1"/>
               <a:t>MiniZinc</a:t>
             </a:r>
             <a:r>
-              <a:rPr lang="hu-HU" sz="2000" dirty="0" smtClean="0"/>
+              <a:rPr lang="hu-HU" sz="2000" dirty="0"/>
               <a:t> modell</a:t>
             </a:r>
-            <a:endParaRPr lang="hu-HU" sz="2000" dirty="0"/>
           </a:p>
         </p:txBody>
       </p:sp>
     </p:spTree>
     <p:extLst>
       <p:ext uri="{BB962C8B-B14F-4D97-AF65-F5344CB8AC3E}">
-        <p14:creationId xmlns:p14="http://schemas.microsoft.com/office/powerpoint/2010/main" val="1876939960"/>
+        <p14:creationId xmlns:p14="http://schemas.microsoft.com/office/powerpoint/2010/main" val="1819877334"/>
       </p:ext>
     </p:extLst>
   </p:cSld>
   <p:clrMapOvr>
     <a:masterClrMapping/>
   </p:clrMapOvr>
-  <p:timing>
-    <p:tnLst>
-      <p:par>
-        <p:cTn id="1" dur="indefinite" restart="never" nodeType="tmRoot"/>
-      </p:par>
-    </p:tnLst>
-  </p:timing>
 </p:sld>
 </file>
 
-<file path=ppt/slides/slide6.xml><?xml version="1.0" encoding="utf-8"?>
+<file path=ppt/slides/slide8.xml><?xml version="1.0" encoding="utf-8"?>
 <p:sld xmlns:a="http://schemas.openxmlformats.org/drawingml/2006/main" xmlns:r="http://schemas.openxmlformats.org/officeDocument/2006/relationships" xmlns:p="http://schemas.openxmlformats.org/presentationml/2006/main">
   <p:cSld>
     <p:spTree>
@@ -9566,7 +11464,7 @@
           <p:cNvPr id="2" name="Cím 1">
             <a:extLst>
               <a:ext uri="{FF2B5EF4-FFF2-40B4-BE49-F238E27FC236}">
-                <a16:creationId xmlns:a16="http://schemas.microsoft.com/office/drawing/2014/main" xmlns="" id="{FF8E5E95-AE64-415C-8681-D3B3D2CA7C51}"/>
+                <a16:creationId xmlns:a16="http://schemas.microsoft.com/office/drawing/2014/main" id="{FF8E5E95-AE64-415C-8681-D3B3D2CA7C51}"/>
               </a:ext>
             </a:extLst>
           </p:cNvPr>
@@ -9602,7 +11500,7 @@
           <p:cNvPr id="4" name="Dia számának helye 3">
             <a:extLst>
               <a:ext uri="{FF2B5EF4-FFF2-40B4-BE49-F238E27FC236}">
-                <a16:creationId xmlns:a16="http://schemas.microsoft.com/office/drawing/2014/main" xmlns="" id="{E799F892-52D9-47BE-8E31-56A1731CA5FB}"/>
+                <a16:creationId xmlns:a16="http://schemas.microsoft.com/office/drawing/2014/main" id="{E799F892-52D9-47BE-8E31-56A1731CA5FB}"/>
               </a:ext>
             </a:extLst>
           </p:cNvPr>
@@ -9620,7 +11518,252 @@
           <a:p>
             <a:fld id="{676786BD-618E-4F38-B087-5D1176D55033}" type="slidenum">
               <a:rPr lang="hu-HU" smtClean="0"/>
-              <a:t>6</a:t>
+              <a:t>8</a:t>
+            </a:fld>
+            <a:r>
+              <a:rPr lang="hu-HU" dirty="0"/>
+              <a:t>/16</a:t>
+            </a:r>
+          </a:p>
+        </p:txBody>
+      </p:sp>
+      <p:sp>
+        <p:nvSpPr>
+          <p:cNvPr id="16" name="Szövegdoboz 15"/>
+          <p:cNvSpPr txBox="1"/>
+          <p:nvPr/>
+        </p:nvSpPr>
+        <p:spPr>
+          <a:xfrm>
+            <a:off x="160164" y="1463040"/>
+            <a:ext cx="4308469" cy="1200329"/>
+          </a:xfrm>
+          <a:prstGeom prst="rect">
+            <a:avLst/>
+          </a:prstGeom>
+          <a:noFill/>
+        </p:spPr>
+        <p:txBody>
+          <a:bodyPr wrap="square" rtlCol="0">
+            <a:spAutoFit/>
+          </a:bodyPr>
+          <a:lstStyle/>
+          <a:p>
+            <a:r>
+              <a:rPr lang="hu-HU" sz="2400" dirty="0" err="1"/>
+              <a:t>Movies</a:t>
+            </a:r>
+            <a:r>
+              <a:rPr lang="hu-HU" sz="2400" dirty="0"/>
+              <a:t> </a:t>
+            </a:r>
+            <a:r>
+              <a:rPr lang="hu-HU" sz="2400" dirty="0" err="1"/>
+              <a:t>night</a:t>
+            </a:r>
+            <a:r>
+              <a:rPr lang="hu-HU" sz="2400" dirty="0"/>
+              <a:t>:</a:t>
+            </a:r>
+          </a:p>
+          <a:p>
+            <a:r>
+              <a:rPr lang="hu-HU" sz="2400" dirty="0"/>
+              <a:t>	4x5-ös méret</a:t>
+            </a:r>
+          </a:p>
+          <a:p>
+            <a:r>
+              <a:rPr lang="hu-HU" sz="2400" dirty="0"/>
+              <a:t>	13 kikötés</a:t>
+            </a:r>
+          </a:p>
+        </p:txBody>
+      </p:sp>
+      <p:sp>
+        <p:nvSpPr>
+          <p:cNvPr id="5" name="Szövegdoboz 4">
+            <a:extLst>
+              <a:ext uri="{FF2B5EF4-FFF2-40B4-BE49-F238E27FC236}">
+                <a16:creationId xmlns:a16="http://schemas.microsoft.com/office/drawing/2014/main" id="{5726847C-57A7-4FFE-AB5E-9D8DFDF55FBE}"/>
+              </a:ext>
+            </a:extLst>
+          </p:cNvPr>
+          <p:cNvSpPr txBox="1"/>
+          <p:nvPr/>
+        </p:nvSpPr>
+        <p:spPr>
+          <a:xfrm flipH="1">
+            <a:off x="160164" y="3142754"/>
+            <a:ext cx="4888202" cy="1200329"/>
+          </a:xfrm>
+          <a:prstGeom prst="rect">
+            <a:avLst/>
+          </a:prstGeom>
+          <a:noFill/>
+        </p:spPr>
+        <p:txBody>
+          <a:bodyPr wrap="square" rtlCol="0">
+            <a:spAutoFit/>
+          </a:bodyPr>
+          <a:lstStyle/>
+          <a:p>
+            <a:r>
+              <a:rPr lang="hu-HU" sz="2400" dirty="0" err="1"/>
+              <a:t>Fundrasing</a:t>
+            </a:r>
+            <a:r>
+              <a:rPr lang="hu-HU" sz="2400" dirty="0"/>
+              <a:t> </a:t>
+            </a:r>
+            <a:r>
+              <a:rPr lang="hu-HU" sz="2400" dirty="0" err="1"/>
+              <a:t>dinner</a:t>
+            </a:r>
+            <a:r>
+              <a:rPr lang="hu-HU" sz="2400" dirty="0"/>
+              <a:t>:</a:t>
+            </a:r>
+          </a:p>
+          <a:p>
+            <a:r>
+              <a:rPr lang="hu-HU" sz="2400" dirty="0"/>
+              <a:t>	5x6-os méret</a:t>
+            </a:r>
+          </a:p>
+          <a:p>
+            <a:r>
+              <a:rPr lang="hu-HU" sz="2400" dirty="0"/>
+              <a:t>	21 kikötés</a:t>
+            </a:r>
+          </a:p>
+        </p:txBody>
+      </p:sp>
+      <p:sp>
+        <p:nvSpPr>
+          <p:cNvPr id="6" name="Szövegdoboz 5">
+            <a:extLst>
+              <a:ext uri="{FF2B5EF4-FFF2-40B4-BE49-F238E27FC236}">
+                <a16:creationId xmlns:a16="http://schemas.microsoft.com/office/drawing/2014/main" id="{9B1668F5-DB61-455F-AC59-A8B76172EB8D}"/>
+              </a:ext>
+            </a:extLst>
+          </p:cNvPr>
+          <p:cNvSpPr txBox="1"/>
+          <p:nvPr/>
+        </p:nvSpPr>
+        <p:spPr>
+          <a:xfrm>
+            <a:off x="289932" y="4785297"/>
+            <a:ext cx="3895492" cy="461665"/>
+          </a:xfrm>
+          <a:prstGeom prst="rect">
+            <a:avLst/>
+          </a:prstGeom>
+          <a:noFill/>
+        </p:spPr>
+        <p:txBody>
+          <a:bodyPr wrap="square" rtlCol="0">
+            <a:spAutoFit/>
+          </a:bodyPr>
+          <a:lstStyle/>
+          <a:p>
+            <a:r>
+              <a:rPr lang="hu-HU" sz="2400" dirty="0"/>
+              <a:t>4 modell a megoldásukra</a:t>
+            </a:r>
+          </a:p>
+        </p:txBody>
+      </p:sp>
+    </p:spTree>
+    <p:extLst>
+      <p:ext uri="{BB962C8B-B14F-4D97-AF65-F5344CB8AC3E}">
+        <p14:creationId xmlns:p14="http://schemas.microsoft.com/office/powerpoint/2010/main" val="32182227"/>
+      </p:ext>
+    </p:extLst>
+  </p:cSld>
+  <p:clrMapOvr>
+    <a:masterClrMapping/>
+  </p:clrMapOvr>
+</p:sld>
+</file>
+
+<file path=ppt/slides/slide9.xml><?xml version="1.0" encoding="utf-8"?>
+<p:sld xmlns:a="http://schemas.openxmlformats.org/drawingml/2006/main" xmlns:r="http://schemas.openxmlformats.org/officeDocument/2006/relationships" xmlns:p="http://schemas.openxmlformats.org/presentationml/2006/main">
+  <p:cSld>
+    <p:spTree>
+      <p:nvGrpSpPr>
+        <p:cNvPr id="1" name=""/>
+        <p:cNvGrpSpPr/>
+        <p:nvPr/>
+      </p:nvGrpSpPr>
+      <p:grpSpPr>
+        <a:xfrm>
+          <a:off x="0" y="0"/>
+          <a:ext cx="0" cy="0"/>
+          <a:chOff x="0" y="0"/>
+          <a:chExt cx="0" cy="0"/>
+        </a:xfrm>
+      </p:grpSpPr>
+      <p:sp>
+        <p:nvSpPr>
+          <p:cNvPr id="2" name="Cím 1">
+            <a:extLst>
+              <a:ext uri="{FF2B5EF4-FFF2-40B4-BE49-F238E27FC236}">
+                <a16:creationId xmlns:a16="http://schemas.microsoft.com/office/drawing/2014/main" id="{FF8E5E95-AE64-415C-8681-D3B3D2CA7C51}"/>
+              </a:ext>
+            </a:extLst>
+          </p:cNvPr>
+          <p:cNvSpPr>
+            <a:spLocks noGrp="1"/>
+          </p:cNvSpPr>
+          <p:nvPr>
+            <p:ph type="title"/>
+          </p:nvPr>
+        </p:nvSpPr>
+        <p:spPr>
+          <a:xfrm>
+            <a:off x="543393" y="88902"/>
+            <a:ext cx="7543800" cy="730126"/>
+          </a:xfrm>
+        </p:spPr>
+        <p:txBody>
+          <a:bodyPr>
+            <a:normAutofit/>
+          </a:bodyPr>
+          <a:lstStyle/>
+          <a:p>
+            <a:r>
+              <a:rPr lang="hu-HU" dirty="0"/>
+              <a:t>„Zebra” feladatok</a:t>
+            </a:r>
+            <a:endParaRPr lang="hu-HU" sz="3200" dirty="0"/>
+          </a:p>
+        </p:txBody>
+      </p:sp>
+      <p:sp>
+        <p:nvSpPr>
+          <p:cNvPr id="4" name="Dia számának helye 3">
+            <a:extLst>
+              <a:ext uri="{FF2B5EF4-FFF2-40B4-BE49-F238E27FC236}">
+                <a16:creationId xmlns:a16="http://schemas.microsoft.com/office/drawing/2014/main" id="{E799F892-52D9-47BE-8E31-56A1731CA5FB}"/>
+              </a:ext>
+            </a:extLst>
+          </p:cNvPr>
+          <p:cNvSpPr>
+            <a:spLocks noGrp="1"/>
+          </p:cNvSpPr>
+          <p:nvPr>
+            <p:ph type="sldNum" sz="quarter" idx="12"/>
+          </p:nvPr>
+        </p:nvSpPr>
+        <p:spPr/>
+        <p:txBody>
+          <a:bodyPr/>
+          <a:lstStyle/>
+          <a:p>
+            <a:fld id="{676786BD-618E-4F38-B087-5D1176D55033}" type="slidenum">
+              <a:rPr lang="hu-HU" smtClean="0"/>
+              <a:t>9</a:t>
             </a:fld>
             <a:r>
               <a:rPr lang="hu-HU" dirty="0"/>
@@ -9634,7 +11777,7 @@
           <p:cNvPr id="3" name="Szövegdoboz 2">
             <a:extLst>
               <a:ext uri="{FF2B5EF4-FFF2-40B4-BE49-F238E27FC236}">
-                <a16:creationId xmlns:a16="http://schemas.microsoft.com/office/drawing/2014/main" xmlns="" id="{0FDE817F-09DE-42BC-8A28-394FF6F01DF2}"/>
+                <a16:creationId xmlns:a16="http://schemas.microsoft.com/office/drawing/2014/main" id="{0FDE817F-09DE-42BC-8A28-394FF6F01DF2}"/>
               </a:ext>
             </a:extLst>
           </p:cNvPr>
@@ -9991,997 +12134,13 @@
     </p:spTree>
     <p:extLst>
       <p:ext uri="{BB962C8B-B14F-4D97-AF65-F5344CB8AC3E}">
-        <p14:creationId xmlns:p14="http://schemas.microsoft.com/office/powerpoint/2010/main" val="32182227"/>
+        <p14:creationId xmlns:p14="http://schemas.microsoft.com/office/powerpoint/2010/main" val="1421435469"/>
       </p:ext>
     </p:extLst>
   </p:cSld>
   <p:clrMapOvr>
     <a:masterClrMapping/>
   </p:clrMapOvr>
-  <p:timing>
-    <p:tnLst>
-      <p:par>
-        <p:cTn id="1" dur="indefinite" restart="never" nodeType="tmRoot"/>
-      </p:par>
-    </p:tnLst>
-  </p:timing>
-</p:sld>
-</file>
-
-<file path=ppt/slides/slide7.xml><?xml version="1.0" encoding="utf-8"?>
-<p:sld xmlns:a="http://schemas.openxmlformats.org/drawingml/2006/main" xmlns:r="http://schemas.openxmlformats.org/officeDocument/2006/relationships" xmlns:p="http://schemas.openxmlformats.org/presentationml/2006/main">
-  <p:cSld>
-    <p:spTree>
-      <p:nvGrpSpPr>
-        <p:cNvPr id="1" name=""/>
-        <p:cNvGrpSpPr/>
-        <p:nvPr/>
-      </p:nvGrpSpPr>
-      <p:grpSpPr>
-        <a:xfrm>
-          <a:off x="0" y="0"/>
-          <a:ext cx="0" cy="0"/>
-          <a:chOff x="0" y="0"/>
-          <a:chExt cx="0" cy="0"/>
-        </a:xfrm>
-      </p:grpSpPr>
-      <p:sp>
-        <p:nvSpPr>
-          <p:cNvPr id="2" name="Cím 1">
-            <a:extLst>
-              <a:ext uri="{FF2B5EF4-FFF2-40B4-BE49-F238E27FC236}">
-                <a16:creationId xmlns:a16="http://schemas.microsoft.com/office/drawing/2014/main" xmlns="" id="{FF8E5E95-AE64-415C-8681-D3B3D2CA7C51}"/>
-              </a:ext>
-            </a:extLst>
-          </p:cNvPr>
-          <p:cNvSpPr>
-            <a:spLocks noGrp="1"/>
-          </p:cNvSpPr>
-          <p:nvPr>
-            <p:ph type="title"/>
-          </p:nvPr>
-        </p:nvSpPr>
-        <p:spPr>
-          <a:xfrm>
-            <a:off x="517581" y="88902"/>
-            <a:ext cx="7543800" cy="730126"/>
-          </a:xfrm>
-        </p:spPr>
-        <p:txBody>
-          <a:bodyPr>
-            <a:normAutofit/>
-          </a:bodyPr>
-          <a:lstStyle/>
-          <a:p>
-            <a:r>
-              <a:rPr lang="hu-HU" dirty="0"/>
-              <a:t>„Zebra” feladatok</a:t>
-            </a:r>
-            <a:endParaRPr lang="hu-HU" sz="3200" dirty="0"/>
-          </a:p>
-        </p:txBody>
-      </p:sp>
-      <p:sp>
-        <p:nvSpPr>
-          <p:cNvPr id="4" name="Dia számának helye 3">
-            <a:extLst>
-              <a:ext uri="{FF2B5EF4-FFF2-40B4-BE49-F238E27FC236}">
-                <a16:creationId xmlns:a16="http://schemas.microsoft.com/office/drawing/2014/main" xmlns="" id="{E799F892-52D9-47BE-8E31-56A1731CA5FB}"/>
-              </a:ext>
-            </a:extLst>
-          </p:cNvPr>
-          <p:cNvSpPr>
-            <a:spLocks noGrp="1"/>
-          </p:cNvSpPr>
-          <p:nvPr>
-            <p:ph type="sldNum" sz="quarter" idx="12"/>
-          </p:nvPr>
-        </p:nvSpPr>
-        <p:spPr/>
-        <p:txBody>
-          <a:bodyPr/>
-          <a:lstStyle/>
-          <a:p>
-            <a:fld id="{676786BD-618E-4F38-B087-5D1176D55033}" type="slidenum">
-              <a:rPr lang="hu-HU" smtClean="0"/>
-              <a:t>7</a:t>
-            </a:fld>
-            <a:r>
-              <a:rPr lang="hu-HU" dirty="0"/>
-              <a:t>/16</a:t>
-            </a:r>
-          </a:p>
-        </p:txBody>
-      </p:sp>
-      <p:sp>
-        <p:nvSpPr>
-          <p:cNvPr id="6" name="Szövegdoboz 5">
-            <a:extLst>
-              <a:ext uri="{FF2B5EF4-FFF2-40B4-BE49-F238E27FC236}">
-                <a16:creationId xmlns:a16="http://schemas.microsoft.com/office/drawing/2014/main" xmlns="" id="{0FDE817F-09DE-42BC-8A28-394FF6F01DF2}"/>
-              </a:ext>
-            </a:extLst>
-          </p:cNvPr>
-          <p:cNvSpPr txBox="1"/>
-          <p:nvPr/>
-        </p:nvSpPr>
-        <p:spPr>
-          <a:xfrm>
-            <a:off x="543393" y="819028"/>
-            <a:ext cx="8867274" cy="400110"/>
-          </a:xfrm>
-          <a:prstGeom prst="rect">
-            <a:avLst/>
-          </a:prstGeom>
-          <a:noFill/>
-        </p:spPr>
-        <p:txBody>
-          <a:bodyPr wrap="square" rtlCol="0">
-            <a:spAutoFit/>
-          </a:bodyPr>
-          <a:lstStyle/>
-          <a:p>
-            <a:r>
-              <a:rPr lang="hu-HU" sz="2000" dirty="0"/>
-              <a:t>Kikötés: A fekete ruhás hölgytől valahol jobbra ül a 60 éves adományozó.</a:t>
-            </a:r>
-          </a:p>
-        </p:txBody>
-      </p:sp>
-      <p:pic>
-        <p:nvPicPr>
-          <p:cNvPr id="7" name="Kép 6"/>
-          <p:cNvPicPr>
-            <a:picLocks noChangeAspect="1"/>
-          </p:cNvPicPr>
-          <p:nvPr/>
-        </p:nvPicPr>
-        <p:blipFill>
-          <a:blip r:embed="rId2">
-            <a:extLst>
-              <a:ext uri="{28A0092B-C50C-407E-A947-70E740481C1C}">
-                <a14:useLocalDpi xmlns:a14="http://schemas.microsoft.com/office/drawing/2010/main" val="0"/>
-              </a:ext>
-            </a:extLst>
-          </a:blip>
-          <a:stretch>
-            <a:fillRect/>
-          </a:stretch>
-        </p:blipFill>
-        <p:spPr>
-          <a:xfrm>
-            <a:off x="0" y="2043597"/>
-            <a:ext cx="9144000" cy="708548"/>
-          </a:xfrm>
-          <a:prstGeom prst="rect">
-            <a:avLst/>
-          </a:prstGeom>
-        </p:spPr>
-      </p:pic>
-      <p:pic>
-        <p:nvPicPr>
-          <p:cNvPr id="8" name="Kép 7"/>
-          <p:cNvPicPr>
-            <a:picLocks noChangeAspect="1"/>
-          </p:cNvPicPr>
-          <p:nvPr/>
-        </p:nvPicPr>
-        <p:blipFill>
-          <a:blip r:embed="rId3">
-            <a:extLst>
-              <a:ext uri="{28A0092B-C50C-407E-A947-70E740481C1C}">
-                <a14:useLocalDpi xmlns:a14="http://schemas.microsoft.com/office/drawing/2010/main" val="0"/>
-              </a:ext>
-            </a:extLst>
-          </a:blip>
-          <a:stretch>
-            <a:fillRect/>
-          </a:stretch>
-        </p:blipFill>
-        <p:spPr>
-          <a:xfrm>
-            <a:off x="1067416" y="4752268"/>
-            <a:ext cx="7122831" cy="383722"/>
-          </a:xfrm>
-          <a:prstGeom prst="rect">
-            <a:avLst/>
-          </a:prstGeom>
-        </p:spPr>
-      </p:pic>
-      <p:sp>
-        <p:nvSpPr>
-          <p:cNvPr id="9" name="Szövegdoboz 8"/>
-          <p:cNvSpPr txBox="1"/>
-          <p:nvPr/>
-        </p:nvSpPr>
-        <p:spPr>
-          <a:xfrm>
-            <a:off x="561051" y="5322847"/>
-            <a:ext cx="8135560" cy="307777"/>
-          </a:xfrm>
-          <a:prstGeom prst="rect">
-            <a:avLst/>
-          </a:prstGeom>
-          <a:noFill/>
-        </p:spPr>
-        <p:txBody>
-          <a:bodyPr wrap="none" rtlCol="0">
-            <a:spAutoFit/>
-          </a:bodyPr>
-          <a:lstStyle/>
-          <a:p>
-            <a:r>
-              <a:rPr lang="en-US" sz="1400" dirty="0">
-                <a:solidFill>
-                  <a:srgbClr val="008000"/>
-                </a:solidFill>
-                <a:latin typeface="Consolas" panose="020B0609020204030204" pitchFamily="49" charset="0"/>
-              </a:rPr>
-              <a:t>constraint </a:t>
-            </a:r>
-            <a:r>
-              <a:rPr lang="en-US" sz="1400" dirty="0" err="1">
-                <a:solidFill>
-                  <a:srgbClr val="0000FF"/>
-                </a:solidFill>
-                <a:latin typeface="Consolas" panose="020B0609020204030204" pitchFamily="49" charset="0"/>
-              </a:rPr>
-              <a:t>forall</a:t>
-            </a:r>
-            <a:r>
-              <a:rPr lang="en-US" sz="1400" dirty="0">
-                <a:latin typeface="Consolas" panose="020B0609020204030204" pitchFamily="49" charset="0"/>
-              </a:rPr>
-              <a:t>(</a:t>
-            </a:r>
-            <a:r>
-              <a:rPr lang="en-US" sz="1400" dirty="0" err="1">
-                <a:latin typeface="Consolas" panose="020B0609020204030204" pitchFamily="49" charset="0"/>
-              </a:rPr>
-              <a:t>a,b</a:t>
-            </a:r>
-            <a:r>
-              <a:rPr lang="en-US" sz="1400" dirty="0">
-                <a:latin typeface="Consolas" panose="020B0609020204030204" pitchFamily="49" charset="0"/>
-              </a:rPr>
-              <a:t> </a:t>
-            </a:r>
-            <a:r>
-              <a:rPr lang="en-US" sz="1400" dirty="0">
-                <a:solidFill>
-                  <a:srgbClr val="008000"/>
-                </a:solidFill>
-                <a:latin typeface="Consolas" panose="020B0609020204030204" pitchFamily="49" charset="0"/>
-              </a:rPr>
-              <a:t>in</a:t>
-            </a:r>
-            <a:r>
-              <a:rPr lang="en-US" sz="1400" dirty="0">
-                <a:latin typeface="Consolas" panose="020B0609020204030204" pitchFamily="49" charset="0"/>
-              </a:rPr>
-              <a:t> PEOPLE </a:t>
-            </a:r>
-            <a:r>
-              <a:rPr lang="en-US" sz="1400" dirty="0">
-                <a:solidFill>
-                  <a:srgbClr val="008000"/>
-                </a:solidFill>
-                <a:latin typeface="Consolas" panose="020B0609020204030204" pitchFamily="49" charset="0"/>
-              </a:rPr>
-              <a:t>where</a:t>
-            </a:r>
-            <a:r>
-              <a:rPr lang="en-US" sz="1400" dirty="0">
-                <a:latin typeface="Consolas" panose="020B0609020204030204" pitchFamily="49" charset="0"/>
-              </a:rPr>
-              <a:t> a&lt;b)(</a:t>
-            </a:r>
-            <a:r>
-              <a:rPr lang="en-US" sz="1400" dirty="0">
-                <a:solidFill>
-                  <a:srgbClr val="0000FF"/>
-                </a:solidFill>
-                <a:latin typeface="Consolas" panose="020B0609020204030204" pitchFamily="49" charset="0"/>
-              </a:rPr>
-              <a:t>not</a:t>
-            </a:r>
-            <a:r>
-              <a:rPr lang="en-US" sz="1400" dirty="0">
-                <a:latin typeface="Consolas" panose="020B0609020204030204" pitchFamily="49" charset="0"/>
-              </a:rPr>
-              <a:t>(age[a]=sixty /\ dress[b]=black))</a:t>
-            </a:r>
-            <a:r>
-              <a:rPr lang="hu-HU" sz="1400" dirty="0">
-                <a:latin typeface="Consolas" panose="020B0609020204030204" pitchFamily="49" charset="0"/>
-              </a:rPr>
-              <a:t>;</a:t>
-            </a:r>
-          </a:p>
-        </p:txBody>
-      </p:sp>
-      <p:sp>
-        <p:nvSpPr>
-          <p:cNvPr id="14" name="Szövegdoboz 13"/>
-          <p:cNvSpPr txBox="1"/>
-          <p:nvPr/>
-        </p:nvSpPr>
-        <p:spPr>
-          <a:xfrm>
-            <a:off x="0" y="2956243"/>
-            <a:ext cx="9257663" cy="523220"/>
-          </a:xfrm>
-          <a:prstGeom prst="rect">
-            <a:avLst/>
-          </a:prstGeom>
-          <a:noFill/>
-        </p:spPr>
-        <p:txBody>
-          <a:bodyPr wrap="none" rtlCol="0">
-            <a:spAutoFit/>
-          </a:bodyPr>
-          <a:lstStyle/>
-          <a:p>
-            <a:r>
-              <a:rPr lang="en-US" sz="1400" dirty="0">
-                <a:solidFill>
-                  <a:srgbClr val="008000"/>
-                </a:solidFill>
-                <a:latin typeface="Consolas" panose="020B0609020204030204" pitchFamily="49" charset="0"/>
-              </a:rPr>
-              <a:t>constraint </a:t>
-            </a:r>
-            <a:r>
-              <a:rPr lang="hu-HU" altLang="hu-HU" sz="1400" dirty="0" err="1">
-                <a:solidFill>
-                  <a:srgbClr val="0000FF"/>
-                </a:solidFill>
-                <a:latin typeface="Consolas" panose="020B0609020204030204" pitchFamily="49" charset="0"/>
-              </a:rPr>
-              <a:t>forall</a:t>
-            </a:r>
-            <a:r>
-              <a:rPr lang="hu-HU" altLang="hu-HU" sz="1400" dirty="0">
-                <a:latin typeface="Consolas" panose="020B0609020204030204" pitchFamily="49" charset="0"/>
-              </a:rPr>
-              <a:t>(x </a:t>
-            </a:r>
-            <a:r>
-              <a:rPr lang="hu-HU" altLang="hu-HU" sz="1400" dirty="0" err="1">
-                <a:solidFill>
-                  <a:srgbClr val="008000"/>
-                </a:solidFill>
-                <a:latin typeface="Consolas" panose="020B0609020204030204" pitchFamily="49" charset="0"/>
-              </a:rPr>
-              <a:t>in</a:t>
-            </a:r>
-            <a:r>
-              <a:rPr lang="hu-HU" altLang="hu-HU" sz="1400" dirty="0">
-                <a:latin typeface="Consolas" panose="020B0609020204030204" pitchFamily="49" charset="0"/>
-              </a:rPr>
-              <a:t> PEOPLE)(</a:t>
-            </a:r>
-            <a:r>
-              <a:rPr lang="hu-HU" altLang="hu-HU" sz="1400" dirty="0" err="1">
-                <a:latin typeface="Consolas" panose="020B0609020204030204" pitchFamily="49" charset="0"/>
-              </a:rPr>
-              <a:t>dress</a:t>
-            </a:r>
-            <a:r>
-              <a:rPr lang="hu-HU" altLang="hu-HU" sz="1400" dirty="0">
-                <a:latin typeface="Consolas" panose="020B0609020204030204" pitchFamily="49" charset="0"/>
-              </a:rPr>
-              <a:t>[x]=</a:t>
-            </a:r>
-            <a:r>
-              <a:rPr lang="hu-HU" altLang="hu-HU" sz="1400" dirty="0" err="1">
-                <a:latin typeface="Consolas" panose="020B0609020204030204" pitchFamily="49" charset="0"/>
-              </a:rPr>
-              <a:t>black</a:t>
-            </a:r>
-            <a:r>
-              <a:rPr lang="hu-HU" altLang="hu-HU" sz="1400" dirty="0">
-                <a:latin typeface="Consolas" panose="020B0609020204030204" pitchFamily="49" charset="0"/>
-              </a:rPr>
-              <a:t> -&gt; </a:t>
-            </a:r>
-            <a:r>
-              <a:rPr lang="hu-HU" altLang="hu-HU" sz="1400" dirty="0" err="1">
-                <a:solidFill>
-                  <a:srgbClr val="0000FF"/>
-                </a:solidFill>
-                <a:latin typeface="Consolas" panose="020B0609020204030204" pitchFamily="49" charset="0"/>
-              </a:rPr>
-              <a:t>count</a:t>
-            </a:r>
-            <a:r>
-              <a:rPr lang="hu-HU" altLang="hu-HU" sz="1400" dirty="0">
-                <a:latin typeface="Consolas" panose="020B0609020204030204" pitchFamily="49" charset="0"/>
-              </a:rPr>
-              <a:t>([</a:t>
-            </a:r>
-            <a:r>
-              <a:rPr lang="hu-HU" altLang="hu-HU" sz="1400" dirty="0" err="1">
-                <a:latin typeface="Consolas" panose="020B0609020204030204" pitchFamily="49" charset="0"/>
-              </a:rPr>
-              <a:t>age</a:t>
-            </a:r>
-            <a:r>
-              <a:rPr lang="hu-HU" altLang="hu-HU" sz="1400" dirty="0">
-                <a:latin typeface="Consolas" panose="020B0609020204030204" pitchFamily="49" charset="0"/>
-              </a:rPr>
-              <a:t>[p] | </a:t>
-            </a:r>
-            <a:r>
-              <a:rPr lang="hu-HU" altLang="hu-HU" sz="1400" dirty="0" err="1">
-                <a:latin typeface="Consolas" panose="020B0609020204030204" pitchFamily="49" charset="0"/>
-              </a:rPr>
-              <a:t>p</a:t>
-            </a:r>
-            <a:r>
-              <a:rPr lang="hu-HU" altLang="hu-HU" sz="1400" dirty="0">
-                <a:latin typeface="Consolas" panose="020B0609020204030204" pitchFamily="49" charset="0"/>
-              </a:rPr>
-              <a:t> </a:t>
-            </a:r>
-            <a:r>
-              <a:rPr lang="hu-HU" altLang="hu-HU" sz="1400" dirty="0" err="1">
-                <a:solidFill>
-                  <a:srgbClr val="008000"/>
-                </a:solidFill>
-                <a:latin typeface="Consolas" panose="020B0609020204030204" pitchFamily="49" charset="0"/>
-              </a:rPr>
-              <a:t>in</a:t>
-            </a:r>
-            <a:r>
-              <a:rPr lang="hu-HU" altLang="hu-HU" sz="1400" dirty="0">
-                <a:latin typeface="Consolas" panose="020B0609020204030204" pitchFamily="49" charset="0"/>
-              </a:rPr>
-              <a:t> x+1..db], </a:t>
-            </a:r>
-            <a:r>
-              <a:rPr lang="hu-HU" altLang="hu-HU" sz="1400" dirty="0" err="1">
-                <a:latin typeface="Consolas" panose="020B0609020204030204" pitchFamily="49" charset="0"/>
-              </a:rPr>
-              <a:t>sixty</a:t>
-            </a:r>
-            <a:r>
-              <a:rPr lang="hu-HU" altLang="hu-HU" sz="1400" dirty="0">
-                <a:latin typeface="Consolas" panose="020B0609020204030204" pitchFamily="49" charset="0"/>
-              </a:rPr>
-              <a:t>)=1)</a:t>
-            </a:r>
-          </a:p>
-          <a:p>
-            <a:r>
-              <a:rPr lang="hu-HU" altLang="hu-HU" sz="1400" dirty="0">
-                <a:latin typeface="Consolas" panose="020B0609020204030204" pitchFamily="49" charset="0"/>
-              </a:rPr>
-              <a:t> 	/\  </a:t>
-            </a:r>
-            <a:r>
-              <a:rPr lang="hu-HU" altLang="hu-HU" sz="1400" dirty="0" err="1">
-                <a:solidFill>
-                  <a:srgbClr val="0000FF"/>
-                </a:solidFill>
-                <a:latin typeface="Consolas" panose="020B0609020204030204" pitchFamily="49" charset="0"/>
-              </a:rPr>
-              <a:t>forall</a:t>
-            </a:r>
-            <a:r>
-              <a:rPr lang="hu-HU" altLang="hu-HU" sz="1400" dirty="0">
-                <a:latin typeface="Consolas" panose="020B0609020204030204" pitchFamily="49" charset="0"/>
-              </a:rPr>
-              <a:t>(x </a:t>
-            </a:r>
-            <a:r>
-              <a:rPr lang="hu-HU" altLang="hu-HU" sz="1400" dirty="0" err="1">
-                <a:solidFill>
-                  <a:srgbClr val="008000"/>
-                </a:solidFill>
-                <a:latin typeface="Consolas" panose="020B0609020204030204" pitchFamily="49" charset="0"/>
-              </a:rPr>
-              <a:t>in</a:t>
-            </a:r>
-            <a:r>
-              <a:rPr lang="hu-HU" altLang="hu-HU" sz="1400" dirty="0">
-                <a:latin typeface="Consolas" panose="020B0609020204030204" pitchFamily="49" charset="0"/>
-              </a:rPr>
-              <a:t> PEOPLE)(</a:t>
-            </a:r>
-            <a:r>
-              <a:rPr lang="hu-HU" altLang="hu-HU" sz="1400" dirty="0" err="1">
-                <a:latin typeface="Consolas" panose="020B0609020204030204" pitchFamily="49" charset="0"/>
-              </a:rPr>
-              <a:t>age</a:t>
-            </a:r>
-            <a:r>
-              <a:rPr lang="hu-HU" altLang="hu-HU" sz="1400" dirty="0">
-                <a:latin typeface="Consolas" panose="020B0609020204030204" pitchFamily="49" charset="0"/>
-              </a:rPr>
-              <a:t>[x]=</a:t>
-            </a:r>
-            <a:r>
-              <a:rPr lang="hu-HU" altLang="hu-HU" sz="1400" dirty="0" err="1">
-                <a:latin typeface="Consolas" panose="020B0609020204030204" pitchFamily="49" charset="0"/>
-              </a:rPr>
-              <a:t>sixty</a:t>
-            </a:r>
-            <a:r>
-              <a:rPr lang="hu-HU" altLang="hu-HU" sz="1400" dirty="0">
-                <a:latin typeface="Consolas" panose="020B0609020204030204" pitchFamily="49" charset="0"/>
-              </a:rPr>
-              <a:t> -&gt; </a:t>
-            </a:r>
-            <a:r>
-              <a:rPr lang="hu-HU" altLang="hu-HU" sz="1400" dirty="0" err="1">
-                <a:solidFill>
-                  <a:srgbClr val="0000FF"/>
-                </a:solidFill>
-                <a:latin typeface="Consolas" panose="020B0609020204030204" pitchFamily="49" charset="0"/>
-              </a:rPr>
-              <a:t>count</a:t>
-            </a:r>
-            <a:r>
-              <a:rPr lang="hu-HU" altLang="hu-HU" sz="1400" dirty="0">
-                <a:latin typeface="Consolas" panose="020B0609020204030204" pitchFamily="49" charset="0"/>
-              </a:rPr>
-              <a:t>([</a:t>
-            </a:r>
-            <a:r>
-              <a:rPr lang="hu-HU" altLang="hu-HU" sz="1400" dirty="0" err="1">
-                <a:latin typeface="Consolas" panose="020B0609020204030204" pitchFamily="49" charset="0"/>
-              </a:rPr>
-              <a:t>dress</a:t>
-            </a:r>
-            <a:r>
-              <a:rPr lang="hu-HU" altLang="hu-HU" sz="1400" dirty="0">
-                <a:latin typeface="Consolas" panose="020B0609020204030204" pitchFamily="49" charset="0"/>
-              </a:rPr>
-              <a:t>[p] | </a:t>
-            </a:r>
-            <a:r>
-              <a:rPr lang="hu-HU" altLang="hu-HU" sz="1400" dirty="0" err="1">
-                <a:latin typeface="Consolas" panose="020B0609020204030204" pitchFamily="49" charset="0"/>
-              </a:rPr>
-              <a:t>p</a:t>
-            </a:r>
-            <a:r>
-              <a:rPr lang="hu-HU" altLang="hu-HU" sz="1400" dirty="0">
-                <a:latin typeface="Consolas" panose="020B0609020204030204" pitchFamily="49" charset="0"/>
-              </a:rPr>
-              <a:t> </a:t>
-            </a:r>
-            <a:r>
-              <a:rPr lang="hu-HU" altLang="hu-HU" sz="1400" dirty="0" err="1">
-                <a:solidFill>
-                  <a:srgbClr val="008000"/>
-                </a:solidFill>
-                <a:latin typeface="Consolas" panose="020B0609020204030204" pitchFamily="49" charset="0"/>
-              </a:rPr>
-              <a:t>in</a:t>
-            </a:r>
-            <a:r>
-              <a:rPr lang="hu-HU" altLang="hu-HU" sz="1400" dirty="0">
-                <a:latin typeface="Consolas" panose="020B0609020204030204" pitchFamily="49" charset="0"/>
-              </a:rPr>
-              <a:t> 1..x-1], </a:t>
-            </a:r>
-            <a:r>
-              <a:rPr lang="hu-HU" altLang="hu-HU" sz="1400" dirty="0" err="1">
-                <a:latin typeface="Consolas" panose="020B0609020204030204" pitchFamily="49" charset="0"/>
-              </a:rPr>
-              <a:t>black</a:t>
-            </a:r>
-            <a:r>
-              <a:rPr lang="hu-HU" altLang="hu-HU" sz="1400" dirty="0">
-                <a:latin typeface="Consolas" panose="020B0609020204030204" pitchFamily="49" charset="0"/>
-              </a:rPr>
-              <a:t>)=1);</a:t>
-            </a:r>
-          </a:p>
-        </p:txBody>
-      </p:sp>
-      <p:sp>
-        <p:nvSpPr>
-          <p:cNvPr id="15" name="Szövegdoboz 14"/>
-          <p:cNvSpPr txBox="1"/>
-          <p:nvPr/>
-        </p:nvSpPr>
-        <p:spPr>
-          <a:xfrm>
-            <a:off x="160164" y="1498023"/>
-            <a:ext cx="1276632" cy="369332"/>
-          </a:xfrm>
-          <a:prstGeom prst="rect">
-            <a:avLst/>
-          </a:prstGeom>
-          <a:noFill/>
-        </p:spPr>
-        <p:txBody>
-          <a:bodyPr wrap="none" rtlCol="0">
-            <a:spAutoFit/>
-          </a:bodyPr>
-          <a:lstStyle/>
-          <a:p>
-            <a:r>
-              <a:rPr lang="hu-HU" u="sng" dirty="0"/>
-              <a:t>III. Tömbök:</a:t>
-            </a:r>
-          </a:p>
-        </p:txBody>
-      </p:sp>
-      <p:sp>
-        <p:nvSpPr>
-          <p:cNvPr id="16" name="Szövegdoboz 15"/>
-          <p:cNvSpPr txBox="1"/>
-          <p:nvPr/>
-        </p:nvSpPr>
-        <p:spPr>
-          <a:xfrm>
-            <a:off x="160163" y="4196079"/>
-            <a:ext cx="3017301" cy="369332"/>
-          </a:xfrm>
-          <a:prstGeom prst="rect">
-            <a:avLst/>
-          </a:prstGeom>
-          <a:noFill/>
-        </p:spPr>
-        <p:txBody>
-          <a:bodyPr wrap="none" rtlCol="0">
-            <a:spAutoFit/>
-          </a:bodyPr>
-          <a:lstStyle/>
-          <a:p>
-            <a:r>
-              <a:rPr lang="hu-HU" u="sng" dirty="0"/>
-              <a:t>IV. Tömbök, </a:t>
-            </a:r>
-            <a:r>
-              <a:rPr lang="hu-HU" u="sng" dirty="0" err="1"/>
-              <a:t>where</a:t>
-            </a:r>
-            <a:r>
-              <a:rPr lang="hu-HU" u="sng" dirty="0"/>
-              <a:t> záradékkal:</a:t>
-            </a:r>
-          </a:p>
-        </p:txBody>
-      </p:sp>
-    </p:spTree>
-    <p:extLst>
-      <p:ext uri="{BB962C8B-B14F-4D97-AF65-F5344CB8AC3E}">
-        <p14:creationId xmlns:p14="http://schemas.microsoft.com/office/powerpoint/2010/main" val="2322483251"/>
-      </p:ext>
-    </p:extLst>
-  </p:cSld>
-  <p:clrMapOvr>
-    <a:masterClrMapping/>
-  </p:clrMapOvr>
-  <p:timing>
-    <p:tnLst>
-      <p:par>
-        <p:cTn id="1" dur="indefinite" restart="never" nodeType="tmRoot"/>
-      </p:par>
-    </p:tnLst>
-  </p:timing>
-</p:sld>
-</file>
-
-<file path=ppt/slides/slide8.xml><?xml version="1.0" encoding="utf-8"?>
-<p:sld xmlns:a="http://schemas.openxmlformats.org/drawingml/2006/main" xmlns:r="http://schemas.openxmlformats.org/officeDocument/2006/relationships" xmlns:p="http://schemas.openxmlformats.org/presentationml/2006/main">
-  <p:cSld>
-    <p:spTree>
-      <p:nvGrpSpPr>
-        <p:cNvPr id="1" name=""/>
-        <p:cNvGrpSpPr/>
-        <p:nvPr/>
-      </p:nvGrpSpPr>
-      <p:grpSpPr>
-        <a:xfrm>
-          <a:off x="0" y="0"/>
-          <a:ext cx="0" cy="0"/>
-          <a:chOff x="0" y="0"/>
-          <a:chExt cx="0" cy="0"/>
-        </a:xfrm>
-      </p:grpSpPr>
-      <p:sp>
-        <p:nvSpPr>
-          <p:cNvPr id="2" name="Cím 1">
-            <a:extLst>
-              <a:ext uri="{FF2B5EF4-FFF2-40B4-BE49-F238E27FC236}">
-                <a16:creationId xmlns:a16="http://schemas.microsoft.com/office/drawing/2014/main" xmlns="" id="{DCCECEDE-C074-41DA-84C8-BDCA2FDBD582}"/>
-              </a:ext>
-            </a:extLst>
-          </p:cNvPr>
-          <p:cNvSpPr>
-            <a:spLocks noGrp="1"/>
-          </p:cNvSpPr>
-          <p:nvPr>
-            <p:ph type="title"/>
-          </p:nvPr>
-        </p:nvSpPr>
-        <p:spPr>
-          <a:xfrm>
-            <a:off x="627988" y="103517"/>
-            <a:ext cx="7886700" cy="1128267"/>
-          </a:xfrm>
-        </p:spPr>
-        <p:txBody>
-          <a:bodyPr>
-            <a:normAutofit/>
-          </a:bodyPr>
-          <a:lstStyle/>
-          <a:p>
-            <a:pPr>
-              <a:lnSpc>
-                <a:spcPct val="100000"/>
-              </a:lnSpc>
-            </a:pPr>
-            <a:r>
-              <a:rPr lang="hu-HU" dirty="0"/>
-              <a:t>Teszteredmények I.</a:t>
-            </a:r>
-            <a:br>
-              <a:rPr lang="hu-HU" dirty="0"/>
-            </a:br>
-            <a:r>
-              <a:rPr lang="hu-HU" sz="2000" b="1" dirty="0" smtClean="0">
-                <a:solidFill>
-                  <a:schemeClr val="tx1"/>
-                </a:solidFill>
-              </a:rPr>
-              <a:t>Könnyű/nehéz </a:t>
-            </a:r>
-            <a:r>
-              <a:rPr lang="hu-HU" sz="2000" b="1" dirty="0">
-                <a:solidFill>
-                  <a:schemeClr val="tx1"/>
-                </a:solidFill>
-              </a:rPr>
-              <a:t>feladványok - modellek</a:t>
-            </a:r>
-          </a:p>
-        </p:txBody>
-      </p:sp>
-      <p:sp>
-        <p:nvSpPr>
-          <p:cNvPr id="4" name="Dia számának helye 3">
-            <a:extLst>
-              <a:ext uri="{FF2B5EF4-FFF2-40B4-BE49-F238E27FC236}">
-                <a16:creationId xmlns:a16="http://schemas.microsoft.com/office/drawing/2014/main" xmlns="" id="{AD8C5EE1-236C-4F83-B6B6-0315500CBF70}"/>
-              </a:ext>
-            </a:extLst>
-          </p:cNvPr>
-          <p:cNvSpPr>
-            <a:spLocks noGrp="1"/>
-          </p:cNvSpPr>
-          <p:nvPr>
-            <p:ph type="sldNum" sz="quarter" idx="12"/>
-          </p:nvPr>
-        </p:nvSpPr>
-        <p:spPr/>
-        <p:txBody>
-          <a:bodyPr/>
-          <a:lstStyle/>
-          <a:p>
-            <a:fld id="{676786BD-618E-4F38-B087-5D1176D55033}" type="slidenum">
-              <a:rPr lang="hu-HU" smtClean="0"/>
-              <a:t>8</a:t>
-            </a:fld>
-            <a:r>
-              <a:rPr lang="hu-HU" dirty="0"/>
-              <a:t>/16</a:t>
-            </a:r>
-          </a:p>
-        </p:txBody>
-      </p:sp>
-      <p:pic>
-        <p:nvPicPr>
-          <p:cNvPr id="3" name="Kép 2"/>
-          <p:cNvPicPr>
-            <a:picLocks noChangeAspect="1"/>
-          </p:cNvPicPr>
-          <p:nvPr/>
-        </p:nvPicPr>
-        <p:blipFill>
-          <a:blip r:embed="rId2">
-            <a:extLst>
-              <a:ext uri="{28A0092B-C50C-407E-A947-70E740481C1C}">
-                <a14:useLocalDpi xmlns:a14="http://schemas.microsoft.com/office/drawing/2010/main" val="0"/>
-              </a:ext>
-            </a:extLst>
-          </a:blip>
-          <a:stretch>
-            <a:fillRect/>
-          </a:stretch>
-        </p:blipFill>
-        <p:spPr>
-          <a:xfrm>
-            <a:off x="689400" y="1336135"/>
-            <a:ext cx="7765200" cy="4974855"/>
-          </a:xfrm>
-          <a:prstGeom prst="rect">
-            <a:avLst/>
-          </a:prstGeom>
-        </p:spPr>
-      </p:pic>
-    </p:spTree>
-    <p:extLst>
-      <p:ext uri="{BB962C8B-B14F-4D97-AF65-F5344CB8AC3E}">
-        <p14:creationId xmlns:p14="http://schemas.microsoft.com/office/powerpoint/2010/main" val="1873306750"/>
-      </p:ext>
-    </p:extLst>
-  </p:cSld>
-  <p:clrMapOvr>
-    <a:masterClrMapping/>
-  </p:clrMapOvr>
-  <p:timing>
-    <p:tnLst>
-      <p:par>
-        <p:cTn id="1" dur="indefinite" restart="never" nodeType="tmRoot"/>
-      </p:par>
-    </p:tnLst>
-  </p:timing>
-</p:sld>
-</file>
-
-<file path=ppt/slides/slide9.xml><?xml version="1.0" encoding="utf-8"?>
-<p:sld xmlns:a="http://schemas.openxmlformats.org/drawingml/2006/main" xmlns:r="http://schemas.openxmlformats.org/officeDocument/2006/relationships" xmlns:p="http://schemas.openxmlformats.org/presentationml/2006/main">
-  <p:cSld>
-    <p:spTree>
-      <p:nvGrpSpPr>
-        <p:cNvPr id="1" name=""/>
-        <p:cNvGrpSpPr/>
-        <p:nvPr/>
-      </p:nvGrpSpPr>
-      <p:grpSpPr>
-        <a:xfrm>
-          <a:off x="0" y="0"/>
-          <a:ext cx="0" cy="0"/>
-          <a:chOff x="0" y="0"/>
-          <a:chExt cx="0" cy="0"/>
-        </a:xfrm>
-      </p:grpSpPr>
-      <p:sp>
-        <p:nvSpPr>
-          <p:cNvPr id="2" name="Cím 1">
-            <a:extLst>
-              <a:ext uri="{FF2B5EF4-FFF2-40B4-BE49-F238E27FC236}">
-                <a16:creationId xmlns:a16="http://schemas.microsoft.com/office/drawing/2014/main" xmlns="" id="{DCCECEDE-C074-41DA-84C8-BDCA2FDBD582}"/>
-              </a:ext>
-            </a:extLst>
-          </p:cNvPr>
-          <p:cNvSpPr>
-            <a:spLocks noGrp="1"/>
-          </p:cNvSpPr>
-          <p:nvPr>
-            <p:ph type="title"/>
-          </p:nvPr>
-        </p:nvSpPr>
-        <p:spPr>
-          <a:xfrm>
-            <a:off x="628650" y="51760"/>
-            <a:ext cx="7886700" cy="1172233"/>
-          </a:xfrm>
-        </p:spPr>
-        <p:txBody>
-          <a:bodyPr/>
-          <a:lstStyle/>
-          <a:p>
-            <a:r>
-              <a:rPr lang="hu-HU" dirty="0"/>
-              <a:t>Teszteredmények II.</a:t>
-            </a:r>
-            <a:br>
-              <a:rPr lang="hu-HU" dirty="0"/>
-            </a:br>
-            <a:r>
-              <a:rPr lang="hu-HU" sz="2000" b="1" dirty="0">
-                <a:solidFill>
-                  <a:schemeClr val="tx1"/>
-                </a:solidFill>
-              </a:rPr>
-              <a:t>Nehéz/óriás </a:t>
-            </a:r>
-            <a:r>
-              <a:rPr lang="hu-HU" sz="2000" b="1" dirty="0" smtClean="0">
-                <a:solidFill>
-                  <a:schemeClr val="tx1"/>
-                </a:solidFill>
-              </a:rPr>
-              <a:t>feladványok </a:t>
-            </a:r>
-            <a:r>
-              <a:rPr lang="hu-HU" sz="2000" b="1" dirty="0">
-                <a:solidFill>
-                  <a:schemeClr val="tx1"/>
-                </a:solidFill>
-              </a:rPr>
-              <a:t>- modellek</a:t>
-            </a:r>
-          </a:p>
-        </p:txBody>
-      </p:sp>
-      <p:sp>
-        <p:nvSpPr>
-          <p:cNvPr id="4" name="Dia számának helye 3">
-            <a:extLst>
-              <a:ext uri="{FF2B5EF4-FFF2-40B4-BE49-F238E27FC236}">
-                <a16:creationId xmlns:a16="http://schemas.microsoft.com/office/drawing/2014/main" xmlns="" id="{AD8C5EE1-236C-4F83-B6B6-0315500CBF70}"/>
-              </a:ext>
-            </a:extLst>
-          </p:cNvPr>
-          <p:cNvSpPr>
-            <a:spLocks noGrp="1"/>
-          </p:cNvSpPr>
-          <p:nvPr>
-            <p:ph type="sldNum" sz="quarter" idx="12"/>
-          </p:nvPr>
-        </p:nvSpPr>
-        <p:spPr/>
-        <p:txBody>
-          <a:bodyPr/>
-          <a:lstStyle/>
-          <a:p>
-            <a:fld id="{676786BD-618E-4F38-B087-5D1176D55033}" type="slidenum">
-              <a:rPr lang="hu-HU" smtClean="0"/>
-              <a:t>9</a:t>
-            </a:fld>
-            <a:r>
-              <a:rPr lang="hu-HU" dirty="0"/>
-              <a:t>/16</a:t>
-            </a:r>
-          </a:p>
-        </p:txBody>
-      </p:sp>
-      <p:pic>
-        <p:nvPicPr>
-          <p:cNvPr id="3" name="Kép 2"/>
-          <p:cNvPicPr>
-            <a:picLocks noChangeAspect="1"/>
-          </p:cNvPicPr>
-          <p:nvPr/>
-        </p:nvPicPr>
-        <p:blipFill>
-          <a:blip r:embed="rId2">
-            <a:extLst>
-              <a:ext uri="{28A0092B-C50C-407E-A947-70E740481C1C}">
-                <a14:useLocalDpi xmlns:a14="http://schemas.microsoft.com/office/drawing/2010/main" val="0"/>
-              </a:ext>
-            </a:extLst>
-          </a:blip>
-          <a:stretch>
-            <a:fillRect/>
-          </a:stretch>
-        </p:blipFill>
-        <p:spPr>
-          <a:xfrm>
-            <a:off x="689400" y="1374090"/>
-            <a:ext cx="7765200" cy="4982261"/>
-          </a:xfrm>
-          <a:prstGeom prst="rect">
-            <a:avLst/>
-          </a:prstGeom>
-        </p:spPr>
-      </p:pic>
-    </p:spTree>
-    <p:extLst>
-      <p:ext uri="{BB962C8B-B14F-4D97-AF65-F5344CB8AC3E}">
-        <p14:creationId xmlns:p14="http://schemas.microsoft.com/office/powerpoint/2010/main" val="3227537384"/>
-      </p:ext>
-    </p:extLst>
-  </p:cSld>
-  <p:clrMapOvr>
-    <a:masterClrMapping/>
-  </p:clrMapOvr>
-  <p:timing>
-    <p:tnLst>
-      <p:par>
-        <p:cTn id="1" dur="indefinite" restart="never" nodeType="tmRoot"/>
-      </p:par>
-    </p:tnLst>
-  </p:timing>
 </p:sld>
 </file>
 

--- a/CP_Dolgozat/Előadás/Logikai feladványok megoldása korlátprogramozással.pptx
+++ b/CP_Dolgozat/Előadás/Logikai feladványok megoldása korlátprogramozással.pptx
@@ -218,7 +218,7 @@
           <a:p>
             <a:fld id="{D216282D-D81D-4BF8-9895-AC698DE2A975}" type="datetimeFigureOut">
               <a:rPr lang="hu-HU" smtClean="0"/>
-              <a:t>2018. 04. 23.</a:t>
+              <a:t>2018. 04. 24.</a:t>
             </a:fld>
             <a:endParaRPr lang="hu-HU"/>
           </a:p>
@@ -702,7 +702,7 @@
           <a:p>
             <a:fld id="{E312C87B-02A7-472E-A63B-E2AA6EA769CA}" type="datetime1">
               <a:rPr lang="hu-HU" smtClean="0"/>
-              <a:t>2018. 04. 23.</a:t>
+              <a:t>2018. 04. 24.</a:t>
             </a:fld>
             <a:endParaRPr lang="hu-HU"/>
           </a:p>
@@ -977,7 +977,7 @@
           <a:p>
             <a:fld id="{3B5D9C6B-342B-4BF9-8B1A-D54914C7E78B}" type="datetime1">
               <a:rPr lang="hu-HU" smtClean="0"/>
-              <a:t>2018. 04. 23.</a:t>
+              <a:t>2018. 04. 24.</a:t>
             </a:fld>
             <a:endParaRPr lang="hu-HU"/>
           </a:p>
@@ -1233,7 +1233,7 @@
           <a:p>
             <a:fld id="{46B01E20-0B80-441C-A219-14B0C111F8A4}" type="datetime1">
               <a:rPr lang="hu-HU" smtClean="0"/>
-              <a:t>2018. 04. 23.</a:t>
+              <a:t>2018. 04. 24.</a:t>
             </a:fld>
             <a:endParaRPr lang="hu-HU"/>
           </a:p>
@@ -1403,7 +1403,7 @@
           <a:p>
             <a:fld id="{F11C61C5-A889-458F-89AF-EEE72626CAE9}" type="datetime1">
               <a:rPr lang="hu-HU" smtClean="0"/>
-              <a:t>2018. 04. 23.</a:t>
+              <a:t>2018. 04. 24.</a:t>
             </a:fld>
             <a:endParaRPr lang="hu-HU"/>
           </a:p>
@@ -1746,7 +1746,7 @@
           <a:p>
             <a:fld id="{B7685D89-7BCE-478D-AB70-4D9B0230C013}" type="datetime1">
               <a:rPr lang="hu-HU" smtClean="0"/>
-              <a:t>2018. 04. 23.</a:t>
+              <a:t>2018. 04. 24.</a:t>
             </a:fld>
             <a:endParaRPr lang="hu-HU"/>
           </a:p>
@@ -2021,7 +2021,7 @@
           <a:p>
             <a:fld id="{342A6DF3-9923-4C9E-B5CF-2760C80C9AAE}" type="datetime1">
               <a:rPr lang="hu-HU" smtClean="0"/>
-              <a:t>2018. 04. 23.</a:t>
+              <a:t>2018. 04. 24.</a:t>
             </a:fld>
             <a:endParaRPr lang="hu-HU"/>
           </a:p>
@@ -2405,7 +2405,7 @@
           <a:p>
             <a:fld id="{CCB70A02-F1D2-4B6F-A5C9-21ECF68D20F7}" type="datetime1">
               <a:rPr lang="hu-HU" smtClean="0"/>
-              <a:t>2018. 04. 23.</a:t>
+              <a:t>2018. 04. 24.</a:t>
             </a:fld>
             <a:endParaRPr lang="hu-HU"/>
           </a:p>
@@ -2528,7 +2528,7 @@
           <a:p>
             <a:fld id="{4B958066-8305-4AEE-AA62-5F8D66DBDEB8}" type="datetime1">
               <a:rPr lang="hu-HU" smtClean="0"/>
-              <a:t>2018. 04. 23.</a:t>
+              <a:t>2018. 04. 24.</a:t>
             </a:fld>
             <a:endParaRPr lang="hu-HU"/>
           </a:p>
@@ -2690,7 +2690,7 @@
           <a:p>
             <a:fld id="{837CA921-3F6C-4D1B-845A-272145B802A9}" type="datetime1">
               <a:rPr lang="hu-HU" smtClean="0"/>
-              <a:t>2018. 04. 23.</a:t>
+              <a:t>2018. 04. 24.</a:t>
             </a:fld>
             <a:endParaRPr lang="hu-HU"/>
           </a:p>
@@ -3149,7 +3149,7 @@
           <a:p>
             <a:fld id="{69BB093D-7842-40CD-B34D-93DEC9DF4129}" type="datetime1">
               <a:rPr lang="hu-HU" smtClean="0"/>
-              <a:t>2018. 04. 23.</a:t>
+              <a:t>2018. 04. 24.</a:t>
             </a:fld>
             <a:endParaRPr lang="hu-HU"/>
           </a:p>
@@ -3536,7 +3536,7 @@
           <a:p>
             <a:fld id="{FC4EE55C-E42C-44F1-898C-4145C2FBF83B}" type="datetime1">
               <a:rPr lang="hu-HU" smtClean="0"/>
-              <a:t>2018. 04. 23.</a:t>
+              <a:t>2018. 04. 24.</a:t>
             </a:fld>
             <a:endParaRPr lang="hu-HU"/>
           </a:p>
@@ -3890,7 +3890,7 @@
           <a:p>
             <a:fld id="{D6FEAC61-D054-47B6-B1A3-F182E84601BD}" type="datetime1">
               <a:rPr lang="hu-HU" smtClean="0"/>
-              <a:t>2018. 04. 23.</a:t>
+              <a:t>2018. 04. 24.</a:t>
             </a:fld>
             <a:endParaRPr lang="hu-HU"/>
           </a:p>
@@ -9193,7 +9193,7 @@
           <p:nvPr>
             <p:extLst>
               <p:ext uri="{D42A27DB-BD31-4B8C-83A1-F6EECF244321}">
-                <p14:modId xmlns:p14="http://schemas.microsoft.com/office/powerpoint/2010/main" val="706718587"/>
+                <p14:modId xmlns:p14="http://schemas.microsoft.com/office/powerpoint/2010/main" val="1618780901"/>
               </p:ext>
             </p:extLst>
           </p:nvPr>
@@ -9312,116 +9312,6 @@
                             <a:schemeClr val="tx1"/>
                           </a:solidFill>
                         </a:rPr>
-                        <a:t>fekete</a:t>
-                      </a:r>
-                    </a:p>
-                  </a:txBody>
-                  <a:tcPr anchor="ctr" anchorCtr="1">
-                    <a:lnL w="12700" cap="flat" cmpd="sng" algn="ctr">
-                      <a:noFill/>
-                      <a:prstDash val="solid"/>
-                      <a:round/>
-                      <a:headEnd type="none" w="med" len="med"/>
-                      <a:tailEnd type="none" w="med" len="med"/>
-                    </a:lnL>
-                    <a:lnR w="12700" cap="flat" cmpd="sng" algn="ctr">
-                      <a:noFill/>
-                      <a:prstDash val="solid"/>
-                      <a:round/>
-                      <a:headEnd type="none" w="med" len="med"/>
-                      <a:tailEnd type="none" w="med" len="med"/>
-                    </a:lnR>
-                    <a:lnT w="12700" cap="flat" cmpd="sng" algn="ctr">
-                      <a:noFill/>
-                      <a:prstDash val="solid"/>
-                      <a:round/>
-                      <a:headEnd type="none" w="med" len="med"/>
-                      <a:tailEnd type="none" w="med" len="med"/>
-                    </a:lnT>
-                    <a:lnB w="12700" cap="flat" cmpd="sng" algn="ctr">
-                      <a:noFill/>
-                      <a:prstDash val="solid"/>
-                      <a:round/>
-                      <a:headEnd type="none" w="med" len="med"/>
-                      <a:tailEnd type="none" w="med" len="med"/>
-                    </a:lnB>
-                    <a:lnTlToBr w="12700" cmpd="sng">
-                      <a:noFill/>
-                      <a:prstDash val="solid"/>
-                    </a:lnTlToBr>
-                    <a:lnBlToTr w="12700" cmpd="sng">
-                      <a:noFill/>
-                      <a:prstDash val="solid"/>
-                    </a:lnBlToTr>
-                    <a:noFill/>
-                  </a:tcPr>
-                </a:tc>
-                <a:tc>
-                  <a:txBody>
-                    <a:bodyPr/>
-                    <a:lstStyle/>
-                    <a:p>
-                      <a:r>
-                        <a:rPr lang="hu-HU" b="0" i="1" dirty="0">
-                          <a:solidFill>
-                            <a:schemeClr val="tx1"/>
-                          </a:solidFill>
-                        </a:rPr>
-                        <a:t>kék</a:t>
-                      </a:r>
-                    </a:p>
-                  </a:txBody>
-                  <a:tcPr anchor="ctr" anchorCtr="1">
-                    <a:lnL w="12700" cap="flat" cmpd="sng" algn="ctr">
-                      <a:noFill/>
-                      <a:prstDash val="solid"/>
-                      <a:round/>
-                      <a:headEnd type="none" w="med" len="med"/>
-                      <a:tailEnd type="none" w="med" len="med"/>
-                    </a:lnL>
-                    <a:lnR w="12700" cap="flat" cmpd="sng" algn="ctr">
-                      <a:noFill/>
-                      <a:prstDash val="solid"/>
-                      <a:round/>
-                      <a:headEnd type="none" w="med" len="med"/>
-                      <a:tailEnd type="none" w="med" len="med"/>
-                    </a:lnR>
-                    <a:lnT w="12700" cap="flat" cmpd="sng" algn="ctr">
-                      <a:noFill/>
-                      <a:prstDash val="solid"/>
-                      <a:round/>
-                      <a:headEnd type="none" w="med" len="med"/>
-                      <a:tailEnd type="none" w="med" len="med"/>
-                    </a:lnT>
-                    <a:lnB w="12700" cap="flat" cmpd="sng" algn="ctr">
-                      <a:noFill/>
-                      <a:prstDash val="solid"/>
-                      <a:round/>
-                      <a:headEnd type="none" w="med" len="med"/>
-                      <a:tailEnd type="none" w="med" len="med"/>
-                    </a:lnB>
-                    <a:lnTlToBr w="12700" cmpd="sng">
-                      <a:noFill/>
-                      <a:prstDash val="solid"/>
-                    </a:lnTlToBr>
-                    <a:lnBlToTr w="12700" cmpd="sng">
-                      <a:noFill/>
-                      <a:prstDash val="solid"/>
-                    </a:lnBlToTr>
-                    <a:noFill/>
-                  </a:tcPr>
-                </a:tc>
-                <a:tc>
-                  <a:txBody>
-                    <a:bodyPr/>
-                    <a:lstStyle/>
-                    <a:p>
-                      <a:r>
-                        <a:rPr lang="hu-HU" b="0" i="1" dirty="0">
-                          <a:solidFill>
-                            <a:schemeClr val="tx1"/>
-                          </a:solidFill>
-                        </a:rPr>
                         <a:t>zöld</a:t>
                       </a:r>
                     </a:p>
@@ -9478,6 +9368,116 @@
                           </a:solidFill>
                         </a:rPr>
                         <a:t>piros</a:t>
+                      </a:r>
+                    </a:p>
+                  </a:txBody>
+                  <a:tcPr anchor="ctr" anchorCtr="1">
+                    <a:lnL w="12700" cap="flat" cmpd="sng" algn="ctr">
+                      <a:noFill/>
+                      <a:prstDash val="solid"/>
+                      <a:round/>
+                      <a:headEnd type="none" w="med" len="med"/>
+                      <a:tailEnd type="none" w="med" len="med"/>
+                    </a:lnL>
+                    <a:lnR w="12700" cap="flat" cmpd="sng" algn="ctr">
+                      <a:noFill/>
+                      <a:prstDash val="solid"/>
+                      <a:round/>
+                      <a:headEnd type="none" w="med" len="med"/>
+                      <a:tailEnd type="none" w="med" len="med"/>
+                    </a:lnR>
+                    <a:lnT w="12700" cap="flat" cmpd="sng" algn="ctr">
+                      <a:noFill/>
+                      <a:prstDash val="solid"/>
+                      <a:round/>
+                      <a:headEnd type="none" w="med" len="med"/>
+                      <a:tailEnd type="none" w="med" len="med"/>
+                    </a:lnT>
+                    <a:lnB w="12700" cap="flat" cmpd="sng" algn="ctr">
+                      <a:noFill/>
+                      <a:prstDash val="solid"/>
+                      <a:round/>
+                      <a:headEnd type="none" w="med" len="med"/>
+                      <a:tailEnd type="none" w="med" len="med"/>
+                    </a:lnB>
+                    <a:lnTlToBr w="12700" cmpd="sng">
+                      <a:noFill/>
+                      <a:prstDash val="solid"/>
+                    </a:lnTlToBr>
+                    <a:lnBlToTr w="12700" cmpd="sng">
+                      <a:noFill/>
+                      <a:prstDash val="solid"/>
+                    </a:lnBlToTr>
+                    <a:noFill/>
+                  </a:tcPr>
+                </a:tc>
+                <a:tc>
+                  <a:txBody>
+                    <a:bodyPr/>
+                    <a:lstStyle/>
+                    <a:p>
+                      <a:r>
+                        <a:rPr lang="hu-HU" b="0" i="1" dirty="0">
+                          <a:solidFill>
+                            <a:schemeClr val="tx1"/>
+                          </a:solidFill>
+                        </a:rPr>
+                        <a:t>fekete</a:t>
+                      </a:r>
+                    </a:p>
+                  </a:txBody>
+                  <a:tcPr anchor="ctr" anchorCtr="1">
+                    <a:lnL w="12700" cap="flat" cmpd="sng" algn="ctr">
+                      <a:noFill/>
+                      <a:prstDash val="solid"/>
+                      <a:round/>
+                      <a:headEnd type="none" w="med" len="med"/>
+                      <a:tailEnd type="none" w="med" len="med"/>
+                    </a:lnL>
+                    <a:lnR w="12700" cap="flat" cmpd="sng" algn="ctr">
+                      <a:noFill/>
+                      <a:prstDash val="solid"/>
+                      <a:round/>
+                      <a:headEnd type="none" w="med" len="med"/>
+                      <a:tailEnd type="none" w="med" len="med"/>
+                    </a:lnR>
+                    <a:lnT w="12700" cap="flat" cmpd="sng" algn="ctr">
+                      <a:noFill/>
+                      <a:prstDash val="solid"/>
+                      <a:round/>
+                      <a:headEnd type="none" w="med" len="med"/>
+                      <a:tailEnd type="none" w="med" len="med"/>
+                    </a:lnT>
+                    <a:lnB w="12700" cap="flat" cmpd="sng" algn="ctr">
+                      <a:noFill/>
+                      <a:prstDash val="solid"/>
+                      <a:round/>
+                      <a:headEnd type="none" w="med" len="med"/>
+                      <a:tailEnd type="none" w="med" len="med"/>
+                    </a:lnB>
+                    <a:lnTlToBr w="12700" cmpd="sng">
+                      <a:noFill/>
+                      <a:prstDash val="solid"/>
+                    </a:lnTlToBr>
+                    <a:lnBlToTr w="12700" cmpd="sng">
+                      <a:noFill/>
+                      <a:prstDash val="solid"/>
+                    </a:lnBlToTr>
+                    <a:noFill/>
+                  </a:tcPr>
+                </a:tc>
+                <a:tc>
+                  <a:txBody>
+                    <a:bodyPr/>
+                    <a:lstStyle/>
+                    <a:p>
+                      <a:r>
+                        <a:rPr lang="hu-HU" b="0" i="1" dirty="0">
+                          <a:solidFill>
+                            <a:schemeClr val="tx1"/>
+                          </a:solidFill>
+                        </a:rPr>
+                        <a:t>Kék</a:t>
                       </a:r>
                     </a:p>
                   </a:txBody>
@@ -9671,7 +9671,7 @@
                             <a:schemeClr val="tx1"/>
                           </a:solidFill>
                         </a:rPr>
-                        <a:t>Daniel</a:t>
+                        <a:t>Ryan</a:t>
                       </a:r>
                     </a:p>
                   </a:txBody>
@@ -9781,7 +9781,7 @@
                             <a:schemeClr val="tx1"/>
                           </a:solidFill>
                         </a:rPr>
-                        <a:t>Ryan</a:t>
+                        <a:t>Daniel</a:t>
                       </a:r>
                     </a:p>
                   </a:txBody>
@@ -10200,13 +10200,18 @@
                     <a:lstStyle/>
                     <a:p>
                       <a:r>
-                        <a:rPr lang="hu-HU" b="0" i="1" dirty="0">
+                        <a:rPr lang="hu-HU" b="0" i="1" dirty="0" err="1">
                           <a:solidFill>
                             <a:schemeClr val="tx1"/>
                           </a:solidFill>
                         </a:rPr>
-                        <a:t>chips</a:t>
+                        <a:t>popkorn</a:t>
                       </a:r>
+                      <a:endParaRPr lang="hu-HU" b="0" i="1" dirty="0">
+                        <a:solidFill>
+                          <a:schemeClr val="tx1"/>
+                        </a:solidFill>
+                      </a:endParaRPr>
                     </a:p>
                   </a:txBody>
                   <a:tcPr anchor="ctr" anchorCtr="1">
@@ -10260,7 +10265,7 @@
                             <a:schemeClr val="tx1"/>
                           </a:solidFill>
                         </a:rPr>
-                        <a:t>süti</a:t>
+                        <a:t>chips</a:t>
                       </a:r>
                     </a:p>
                   </a:txBody>
@@ -10370,18 +10375,13 @@
                     <a:lstStyle/>
                     <a:p>
                       <a:r>
-                        <a:rPr lang="hu-HU" b="0" i="1" dirty="0" err="1">
+                        <a:rPr lang="hu-HU" b="0" i="1" dirty="0">
                           <a:solidFill>
                             <a:schemeClr val="tx1"/>
                           </a:solidFill>
                         </a:rPr>
-                        <a:t>popkorn</a:t>
+                        <a:t>süti</a:t>
                       </a:r>
-                      <a:endParaRPr lang="hu-HU" b="0" i="1" dirty="0">
-                        <a:solidFill>
-                          <a:schemeClr val="tx1"/>
-                        </a:solidFill>
-                      </a:endParaRPr>
                     </a:p>
                   </a:txBody>
                   <a:tcPr anchor="ctr" anchorCtr="1">
@@ -10497,7 +10497,7 @@
                             <a:schemeClr val="tx1"/>
                           </a:solidFill>
                         </a:rPr>
-                        <a:t>11 év</a:t>
+                        <a:t>13 év</a:t>
                       </a:r>
                     </a:p>
                   </a:txBody>
@@ -10607,7 +10607,7 @@
                             <a:schemeClr val="tx1"/>
                           </a:solidFill>
                         </a:rPr>
-                        <a:t>13 év</a:t>
+                        <a:t>14 év</a:t>
                       </a:r>
                     </a:p>
                   </a:txBody>
@@ -10662,7 +10662,7 @@
                             <a:schemeClr val="tx1"/>
                           </a:solidFill>
                         </a:rPr>
-                        <a:t>14 év</a:t>
+                        <a:t>11 év</a:t>
                       </a:r>
                     </a:p>
                   </a:txBody>
@@ -10888,7 +10888,7 @@
         <p:spPr>
           <a:xfrm>
             <a:off x="138363" y="1401025"/>
-            <a:ext cx="8867274" cy="3739485"/>
+            <a:ext cx="8867274" cy="4508927"/>
           </a:xfrm>
           <a:prstGeom prst="rect">
             <a:avLst/>
@@ -10917,12 +10917,51 @@
               <a:rPr lang="hu-HU" sz="2400" dirty="0" err="1"/>
               <a:t>Sketchpad</a:t>
             </a:r>
-            <a:endParaRPr lang="hu-HU" sz="2400" dirty="0"/>
+            <a:r>
+              <a:rPr lang="hu-HU" sz="2400" dirty="0"/>
+              <a:t>, a legkorábbi kikötéseket használó 			   rendszer</a:t>
+            </a:r>
           </a:p>
           <a:p>
             <a:r>
               <a:rPr lang="hu-HU" sz="2400" dirty="0"/>
               <a:t>1980-as években egyre keresettebb módszer lett</a:t>
+            </a:r>
+          </a:p>
+          <a:p>
+            <a:pPr>
+              <a:spcAft>
+                <a:spcPts val="4800"/>
+              </a:spcAft>
+            </a:pPr>
+            <a:r>
+              <a:rPr lang="hu-HU" sz="2400" dirty="0"/>
+              <a:t>1990-es évektől eladható változatok</a:t>
+            </a:r>
+          </a:p>
+          <a:p>
+            <a:pPr>
+              <a:spcAft>
+                <a:spcPts val="4800"/>
+              </a:spcAft>
+            </a:pPr>
+            <a:r>
+              <a:rPr lang="hu-HU" sz="2400" dirty="0"/>
+              <a:t>Optimalizálási és kielégíthetőségi feladatok megoldására</a:t>
+            </a:r>
+          </a:p>
+          <a:p>
+            <a:r>
+              <a:rPr lang="hu-HU" sz="2400" dirty="0"/>
+              <a:t>Feladatok megoldása </a:t>
+            </a:r>
+            <a:r>
+              <a:rPr lang="hu-HU" sz="2400" dirty="0" err="1"/>
+              <a:t>propagációval</a:t>
+            </a:r>
+            <a:r>
+              <a:rPr lang="hu-HU" sz="2400" dirty="0"/>
+              <a:t>: </a:t>
             </a:r>
           </a:p>
           <a:p>
@@ -10933,69 +10972,16 @@
             </a:pPr>
             <a:r>
               <a:rPr lang="hu-HU" sz="2400" dirty="0"/>
-              <a:t>1990-es évektől eladható változatok</a:t>
-            </a:r>
-          </a:p>
-          <a:p>
-            <a:r>
-              <a:rPr lang="hu-HU" sz="2400" dirty="0"/>
-              <a:t>MiniZinc:  </a:t>
+              <a:t>	- folyamatosan csökken a változók lehetséges értékkészlete</a:t>
             </a:r>
           </a:p>
           <a:p>
             <a:pPr>
               <a:spcAft>
-                <a:spcPts val="1800"/>
+                <a:spcPts val="4800"/>
               </a:spcAft>
             </a:pPr>
-            <a:r>
-              <a:rPr lang="hu-HU" sz="2400" dirty="0"/>
-              <a:t>	- grafikus szerkesztőprogram és nyelv is egyben</a:t>
-            </a:r>
-          </a:p>
-          <a:p>
-            <a:pPr>
-              <a:spcAft>
-                <a:spcPts val="1800"/>
-              </a:spcAft>
-            </a:pPr>
-            <a:r>
-              <a:rPr lang="hu-HU" sz="2400" dirty="0"/>
-              <a:t>Christian </a:t>
-            </a:r>
-            <a:r>
-              <a:rPr lang="hu-HU" sz="2400" dirty="0" err="1"/>
-              <a:t>Schulte</a:t>
-            </a:r>
-            <a:r>
-              <a:rPr lang="hu-HU" sz="2400" dirty="0"/>
-              <a:t> (2005): Gecode megoldóprogram</a:t>
-            </a:r>
-          </a:p>
-          <a:p>
-            <a:r>
-              <a:rPr lang="hu-HU" sz="2400" dirty="0"/>
-              <a:t>Megoldó működése </a:t>
-            </a:r>
-            <a:r>
-              <a:rPr lang="hu-HU" sz="2400" dirty="0" err="1"/>
-              <a:t>propagációval</a:t>
-            </a:r>
-            <a:r>
-              <a:rPr lang="hu-HU" sz="2400" dirty="0"/>
-              <a:t>: </a:t>
-            </a:r>
-          </a:p>
-          <a:p>
-            <a:pPr>
-              <a:spcAft>
-                <a:spcPts val="1800"/>
-              </a:spcAft>
-            </a:pPr>
-            <a:r>
-              <a:rPr lang="hu-HU" sz="2400" dirty="0"/>
-              <a:t>	- folyamatosan csökken a változók lehetséges értékkészlete</a:t>
-            </a:r>
+            <a:endParaRPr lang="hu-HU" sz="2400" dirty="0"/>
           </a:p>
         </p:txBody>
       </p:sp>
@@ -11075,8 +11061,8 @@
         </p:blipFill>
         <p:spPr>
           <a:xfrm>
-            <a:off x="2643712" y="2005059"/>
-            <a:ext cx="5367453" cy="3978176"/>
+            <a:off x="2545750" y="3242960"/>
+            <a:ext cx="3940097" cy="2920268"/>
           </a:xfrm>
           <a:prstGeom prst="rect">
             <a:avLst/>
@@ -11186,7 +11172,7 @@
         <p:spPr>
           <a:xfrm>
             <a:off x="185854" y="1486829"/>
-            <a:ext cx="5367453" cy="1231106"/>
+            <a:ext cx="8348546" cy="3216265"/>
           </a:xfrm>
           <a:prstGeom prst="rect">
             <a:avLst/>
@@ -11201,8 +11187,49 @@
           <a:p>
             <a:r>
               <a:rPr lang="hu-HU" sz="2800" dirty="0"/>
-              <a:t>Optimalizálási és kielégíthetőségi feladatok</a:t>
-            </a:r>
+              <a:t>MiniZinc:  </a:t>
+            </a:r>
+          </a:p>
+          <a:p>
+            <a:pPr>
+              <a:spcAft>
+                <a:spcPts val="1800"/>
+              </a:spcAft>
+            </a:pPr>
+            <a:r>
+              <a:rPr lang="hu-HU" sz="2800" dirty="0"/>
+              <a:t>	- grafikus szerkesztőprogram és nyelv is egyben</a:t>
+            </a:r>
+          </a:p>
+          <a:p>
+            <a:pPr>
+              <a:spcAft>
+                <a:spcPts val="1800"/>
+              </a:spcAft>
+            </a:pPr>
+            <a:r>
+              <a:rPr lang="hu-HU" sz="2800" dirty="0"/>
+              <a:t>Christian </a:t>
+            </a:r>
+            <a:r>
+              <a:rPr lang="hu-HU" sz="2800" dirty="0" err="1"/>
+              <a:t>Schulte</a:t>
+            </a:r>
+            <a:r>
+              <a:rPr lang="hu-HU" sz="2800" dirty="0"/>
+              <a:t> (2005): Gecode megoldóprogram</a:t>
+            </a:r>
+          </a:p>
+          <a:p>
+            <a:pPr>
+              <a:spcAft>
+                <a:spcPts val="1800"/>
+              </a:spcAft>
+            </a:pPr>
+            <a:endParaRPr lang="hu-HU" sz="2800" dirty="0"/>
+          </a:p>
+          <a:p>
+            <a:endParaRPr lang="hu-HU" sz="2800" dirty="0"/>
           </a:p>
           <a:p>
             <a:endParaRPr lang="hu-HU" dirty="0"/>
@@ -11674,6 +11701,312 @@
           </a:p>
         </p:txBody>
       </p:sp>
+      <p:graphicFrame>
+        <p:nvGraphicFramePr>
+          <p:cNvPr id="3" name="Táblázat 2">
+            <a:extLst>
+              <a:ext uri="{FF2B5EF4-FFF2-40B4-BE49-F238E27FC236}">
+                <a16:creationId xmlns:a16="http://schemas.microsoft.com/office/drawing/2014/main" id="{987364E1-BC06-4154-BEAC-4D4AAE05E8D4}"/>
+              </a:ext>
+            </a:extLst>
+          </p:cNvPr>
+          <p:cNvGraphicFramePr>
+            <a:graphicFrameLocks noGrp="1"/>
+          </p:cNvGraphicFramePr>
+          <p:nvPr>
+            <p:extLst>
+              <p:ext uri="{D42A27DB-BD31-4B8C-83A1-F6EECF244321}">
+                <p14:modId xmlns:p14="http://schemas.microsoft.com/office/powerpoint/2010/main" val="3284522096"/>
+              </p:ext>
+            </p:extLst>
+          </p:nvPr>
+        </p:nvGraphicFramePr>
+        <p:xfrm>
+          <a:off x="4315293" y="1463040"/>
+          <a:ext cx="3940097" cy="3701497"/>
+        </p:xfrm>
+        <a:graphic>
+          <a:graphicData uri="http://schemas.openxmlformats.org/drawingml/2006/table">
+            <a:tbl>
+              <a:tblPr>
+                <a:tableStyleId>{073A0DAA-6AF3-43AB-8588-CEC1D06C72B9}</a:tableStyleId>
+              </a:tblPr>
+              <a:tblGrid>
+                <a:gridCol w="3940097">
+                  <a:extLst>
+                    <a:ext uri="{9D8B030D-6E8A-4147-A177-3AD203B41FA5}">
+                      <a16:colId xmlns:a16="http://schemas.microsoft.com/office/drawing/2014/main" val="4221832194"/>
+                    </a:ext>
+                  </a:extLst>
+                </a:gridCol>
+              </a:tblGrid>
+              <a:tr h="403745">
+                <a:tc>
+                  <a:txBody>
+                    <a:bodyPr/>
+                    <a:lstStyle/>
+                    <a:p>
+                      <a:pPr lvl="0"/>
+                      <a:r>
+                        <a:rPr lang="hu-HU" sz="2400" kern="1200" dirty="0">
+                          <a:effectLst/>
+                        </a:rPr>
+                        <a:t>keresztnév</a:t>
+                      </a:r>
+                      <a:endParaRPr lang="hu-HU" sz="2400" b="1" kern="1200" dirty="0">
+                        <a:solidFill>
+                          <a:schemeClr val="tx1"/>
+                        </a:solidFill>
+                        <a:effectLst/>
+                        <a:latin typeface="+mn-lt"/>
+                        <a:ea typeface="+mn-ea"/>
+                        <a:cs typeface="+mn-cs"/>
+                      </a:endParaRPr>
+                    </a:p>
+                  </a:txBody>
+                  <a:tcPr/>
+                </a:tc>
+                <a:extLst>
+                  <a:ext uri="{0D108BD9-81ED-4DB2-BD59-A6C34878D82A}">
+                    <a16:rowId xmlns:a16="http://schemas.microsoft.com/office/drawing/2014/main" val="1393486812"/>
+                  </a:ext>
+                </a:extLst>
+              </a:tr>
+              <a:tr h="403745">
+                <a:tc>
+                  <a:txBody>
+                    <a:bodyPr/>
+                    <a:lstStyle/>
+                    <a:p>
+                      <a:pPr marL="0" marR="0" lvl="0" indent="0" algn="l" defTabSz="914400" rtl="0" eaLnBrk="1" fontAlgn="auto" latinLnBrk="0" hangingPunct="1">
+                        <a:lnSpc>
+                          <a:spcPct val="100000"/>
+                        </a:lnSpc>
+                        <a:spcBef>
+                          <a:spcPts val="0"/>
+                        </a:spcBef>
+                        <a:spcAft>
+                          <a:spcPts val="0"/>
+                        </a:spcAft>
+                        <a:buClrTx/>
+                        <a:buSzTx/>
+                        <a:buFontTx/>
+                        <a:buNone/>
+                        <a:tabLst/>
+                        <a:defRPr/>
+                      </a:pPr>
+                      <a:r>
+                        <a:rPr lang="hu-HU" sz="2400" kern="1200" dirty="0">
+                          <a:effectLst/>
+                        </a:rPr>
+                        <a:t>viselt ruha színe</a:t>
+                      </a:r>
+                      <a:endParaRPr lang="hu-HU" sz="2400" b="1" kern="1200" dirty="0">
+                        <a:solidFill>
+                          <a:schemeClr val="tx1"/>
+                        </a:solidFill>
+                        <a:effectLst/>
+                        <a:latin typeface="+mn-lt"/>
+                        <a:ea typeface="+mn-ea"/>
+                        <a:cs typeface="+mn-cs"/>
+                      </a:endParaRPr>
+                    </a:p>
+                  </a:txBody>
+                  <a:tcPr/>
+                </a:tc>
+                <a:extLst>
+                  <a:ext uri="{0D108BD9-81ED-4DB2-BD59-A6C34878D82A}">
+                    <a16:rowId xmlns:a16="http://schemas.microsoft.com/office/drawing/2014/main" val="229879699"/>
+                  </a:ext>
+                </a:extLst>
+              </a:tr>
+              <a:tr h="726741">
+                <a:tc>
+                  <a:txBody>
+                    <a:bodyPr/>
+                    <a:lstStyle/>
+                    <a:p>
+                      <a:pPr marL="0" marR="0" lvl="0" indent="0" algn="l" defTabSz="914400" rtl="0" eaLnBrk="1" fontAlgn="auto" latinLnBrk="0" hangingPunct="1">
+                        <a:lnSpc>
+                          <a:spcPct val="100000"/>
+                        </a:lnSpc>
+                        <a:spcBef>
+                          <a:spcPts val="0"/>
+                        </a:spcBef>
+                        <a:spcAft>
+                          <a:spcPts val="0"/>
+                        </a:spcAft>
+                        <a:buClrTx/>
+                        <a:buSzTx/>
+                        <a:buFontTx/>
+                        <a:buNone/>
+                        <a:tabLst/>
+                        <a:defRPr/>
+                      </a:pPr>
+                      <a:r>
+                        <a:rPr lang="hu-HU" sz="2400" kern="1200" dirty="0">
+                          <a:effectLst/>
+                        </a:rPr>
+                        <a:t>nyakláncukon található drágakő típusa</a:t>
+                      </a:r>
+                      <a:endParaRPr lang="hu-HU" sz="2400" b="1" kern="1200" dirty="0">
+                        <a:solidFill>
+                          <a:schemeClr val="tx1"/>
+                        </a:solidFill>
+                        <a:effectLst/>
+                        <a:latin typeface="+mn-lt"/>
+                        <a:ea typeface="+mn-ea"/>
+                        <a:cs typeface="+mn-cs"/>
+                      </a:endParaRPr>
+                    </a:p>
+                  </a:txBody>
+                  <a:tcPr/>
+                </a:tc>
+                <a:extLst>
+                  <a:ext uri="{0D108BD9-81ED-4DB2-BD59-A6C34878D82A}">
+                    <a16:rowId xmlns:a16="http://schemas.microsoft.com/office/drawing/2014/main" val="2315660422"/>
+                  </a:ext>
+                </a:extLst>
+              </a:tr>
+              <a:tr h="403745">
+                <a:tc>
+                  <a:txBody>
+                    <a:bodyPr/>
+                    <a:lstStyle/>
+                    <a:p>
+                      <a:pPr marL="0" marR="0" lvl="0" indent="0" algn="l" defTabSz="914400" rtl="0" eaLnBrk="1" fontAlgn="auto" latinLnBrk="0" hangingPunct="1">
+                        <a:lnSpc>
+                          <a:spcPct val="100000"/>
+                        </a:lnSpc>
+                        <a:spcBef>
+                          <a:spcPts val="0"/>
+                        </a:spcBef>
+                        <a:spcAft>
+                          <a:spcPts val="0"/>
+                        </a:spcAft>
+                        <a:buClrTx/>
+                        <a:buSzTx/>
+                        <a:buFontTx/>
+                        <a:buNone/>
+                        <a:tabLst/>
+                        <a:defRPr/>
+                      </a:pPr>
+                      <a:r>
+                        <a:rPr lang="hu-HU" sz="2400" kern="1200" dirty="0">
+                          <a:effectLst/>
+                        </a:rPr>
+                        <a:t>életkoruk</a:t>
+                      </a:r>
+                      <a:endParaRPr lang="hu-HU" sz="2400" b="1" kern="1200" dirty="0">
+                        <a:solidFill>
+                          <a:schemeClr val="tx1"/>
+                        </a:solidFill>
+                        <a:effectLst/>
+                        <a:latin typeface="+mn-lt"/>
+                        <a:ea typeface="+mn-ea"/>
+                        <a:cs typeface="+mn-cs"/>
+                      </a:endParaRPr>
+                    </a:p>
+                  </a:txBody>
+                  <a:tcPr/>
+                </a:tc>
+                <a:extLst>
+                  <a:ext uri="{0D108BD9-81ED-4DB2-BD59-A6C34878D82A}">
+                    <a16:rowId xmlns:a16="http://schemas.microsoft.com/office/drawing/2014/main" val="3808302652"/>
+                  </a:ext>
+                </a:extLst>
+              </a:tr>
+              <a:tr h="403745">
+                <a:tc>
+                  <a:txBody>
+                    <a:bodyPr/>
+                    <a:lstStyle/>
+                    <a:p>
+                      <a:pPr marL="0" marR="0" lvl="0" indent="0" algn="l" defTabSz="914400" rtl="0" eaLnBrk="1" fontAlgn="auto" latinLnBrk="0" hangingPunct="1">
+                        <a:lnSpc>
+                          <a:spcPct val="100000"/>
+                        </a:lnSpc>
+                        <a:spcBef>
+                          <a:spcPts val="0"/>
+                        </a:spcBef>
+                        <a:spcAft>
+                          <a:spcPts val="0"/>
+                        </a:spcAft>
+                        <a:buClrTx/>
+                        <a:buSzTx/>
+                        <a:buFontTx/>
+                        <a:buNone/>
+                        <a:tabLst/>
+                        <a:defRPr/>
+                      </a:pPr>
+                      <a:r>
+                        <a:rPr lang="hu-HU" sz="2400" kern="1200" dirty="0">
+                          <a:effectLst/>
+                        </a:rPr>
+                        <a:t>fogyasztott koktéljuk</a:t>
+                      </a:r>
+                      <a:endParaRPr lang="hu-HU" sz="2400" b="1" kern="1200" dirty="0">
+                        <a:solidFill>
+                          <a:schemeClr val="tx1"/>
+                        </a:solidFill>
+                        <a:effectLst/>
+                        <a:latin typeface="+mn-lt"/>
+                        <a:ea typeface="+mn-ea"/>
+                        <a:cs typeface="+mn-cs"/>
+                      </a:endParaRPr>
+                    </a:p>
+                  </a:txBody>
+                  <a:tcPr/>
+                </a:tc>
+                <a:extLst>
+                  <a:ext uri="{0D108BD9-81ED-4DB2-BD59-A6C34878D82A}">
+                    <a16:rowId xmlns:a16="http://schemas.microsoft.com/office/drawing/2014/main" val="3538400411"/>
+                  </a:ext>
+                </a:extLst>
+              </a:tr>
+              <a:tr h="1049737">
+                <a:tc>
+                  <a:txBody>
+                    <a:bodyPr/>
+                    <a:lstStyle/>
+                    <a:p>
+                      <a:pPr marL="0" marR="0" lvl="0" indent="0" algn="l" defTabSz="914400" rtl="0" eaLnBrk="1" fontAlgn="auto" latinLnBrk="0" hangingPunct="1">
+                        <a:lnSpc>
+                          <a:spcPct val="100000"/>
+                        </a:lnSpc>
+                        <a:spcBef>
+                          <a:spcPts val="0"/>
+                        </a:spcBef>
+                        <a:spcAft>
+                          <a:spcPts val="0"/>
+                        </a:spcAft>
+                        <a:buClrTx/>
+                        <a:buSzTx/>
+                        <a:buFontTx/>
+                        <a:buNone/>
+                        <a:tabLst/>
+                        <a:defRPr/>
+                      </a:pPr>
+                      <a:r>
+                        <a:rPr lang="hu-HU" sz="2400" kern="1200" dirty="0">
+                          <a:effectLst/>
+                        </a:rPr>
+                        <a:t>adakozott pénzmennyiség dollárban</a:t>
+                      </a:r>
+                    </a:p>
+                  </a:txBody>
+                  <a:tcPr/>
+                </a:tc>
+                <a:extLst>
+                  <a:ext uri="{0D108BD9-81ED-4DB2-BD59-A6C34878D82A}">
+                    <a16:rowId xmlns:a16="http://schemas.microsoft.com/office/drawing/2014/main" val="1883947949"/>
+                  </a:ext>
+                </a:extLst>
+              </a:tr>
+            </a:tbl>
+          </a:graphicData>
+        </a:graphic>
+      </p:graphicFrame>
     </p:spTree>
     <p:extLst>
       <p:ext uri="{BB962C8B-B14F-4D97-AF65-F5344CB8AC3E}">

--- a/CP_Dolgozat/Előadás/Logikai feladványok megoldása korlátprogramozással.pptx
+++ b/CP_Dolgozat/Előadás/Logikai feladványok megoldása korlátprogramozással.pptx
@@ -4606,7 +4606,7 @@
             </a:fld>
             <a:r>
               <a:rPr lang="hu-HU" dirty="0"/>
-              <a:t>/16</a:t>
+              <a:t>/19</a:t>
             </a:r>
           </a:p>
         </p:txBody>
@@ -4704,7 +4704,7 @@
             </a:fld>
             <a:r>
               <a:rPr lang="hu-HU" dirty="0"/>
-              <a:t>/16</a:t>
+              <a:t>/19</a:t>
             </a:r>
           </a:p>
         </p:txBody>
@@ -5372,7 +5372,7 @@
             </a:fld>
             <a:r>
               <a:rPr lang="hu-HU" dirty="0"/>
-              <a:t>/16</a:t>
+              <a:t>/19</a:t>
             </a:r>
           </a:p>
         </p:txBody>
@@ -5508,7 +5508,7 @@
             </a:fld>
             <a:r>
               <a:rPr lang="hu-HU" dirty="0"/>
-              <a:t>/16</a:t>
+              <a:t>/19</a:t>
             </a:r>
           </a:p>
         </p:txBody>
@@ -5636,7 +5636,7 @@
             </a:fld>
             <a:r>
               <a:rPr lang="hu-HU" dirty="0"/>
-              <a:t>/16</a:t>
+              <a:t>/19</a:t>
             </a:r>
           </a:p>
         </p:txBody>
@@ -5859,7 +5859,7 @@
             </a:fld>
             <a:r>
               <a:rPr lang="hu-HU" dirty="0"/>
-              <a:t>/16</a:t>
+              <a:t>/19</a:t>
             </a:r>
           </a:p>
         </p:txBody>
@@ -6513,7 +6513,7 @@
             </a:fld>
             <a:r>
               <a:rPr lang="hu-HU" dirty="0"/>
-              <a:t>/16</a:t>
+              <a:t>/19</a:t>
             </a:r>
           </a:p>
         </p:txBody>
@@ -6835,7 +6835,7 @@
             </a:fld>
             <a:r>
               <a:rPr lang="hu-HU" dirty="0"/>
-              <a:t>/16</a:t>
+              <a:t>/19</a:t>
             </a:r>
           </a:p>
         </p:txBody>
@@ -6996,7 +6996,7 @@
             </a:fld>
             <a:r>
               <a:rPr lang="hu-HU" dirty="0"/>
-              <a:t>/16</a:t>
+              <a:t>/19</a:t>
             </a:r>
           </a:p>
         </p:txBody>
@@ -8024,7 +8024,7 @@
             </a:fld>
             <a:r>
               <a:rPr lang="hu-HU" dirty="0"/>
-              <a:t>/16</a:t>
+              <a:t>/19</a:t>
             </a:r>
           </a:p>
         </p:txBody>
@@ -8205,7 +8205,7 @@
             </a:fld>
             <a:r>
               <a:rPr lang="hu-HU" dirty="0"/>
-              <a:t>/16</a:t>
+              <a:t>/19</a:t>
             </a:r>
           </a:p>
         </p:txBody>
@@ -8419,7 +8419,7 @@
             </a:fld>
             <a:r>
               <a:rPr lang="hu-HU" dirty="0"/>
-              <a:t>/16</a:t>
+              <a:t>/19</a:t>
             </a:r>
           </a:p>
         </p:txBody>
@@ -8488,38 +8488,6 @@
           </a:p>
         </p:txBody>
       </p:sp>
-      <p:sp>
-        <p:nvSpPr>
-          <p:cNvPr id="4" name="Dia számának helye 3">
-            <a:extLst>
-              <a:ext uri="{FF2B5EF4-FFF2-40B4-BE49-F238E27FC236}">
-                <a16:creationId xmlns:a16="http://schemas.microsoft.com/office/drawing/2014/main" id="{B71D6050-03B7-4A11-BC69-7BB4B58DE597}"/>
-              </a:ext>
-            </a:extLst>
-          </p:cNvPr>
-          <p:cNvSpPr>
-            <a:spLocks noGrp="1"/>
-          </p:cNvSpPr>
-          <p:nvPr>
-            <p:ph type="sldNum" sz="quarter" idx="12"/>
-          </p:nvPr>
-        </p:nvSpPr>
-        <p:spPr/>
-        <p:txBody>
-          <a:bodyPr/>
-          <a:lstStyle/>
-          <a:p>
-            <a:fld id="{676786BD-618E-4F38-B087-5D1176D55033}" type="slidenum">
-              <a:rPr lang="hu-HU" smtClean="0"/>
-              <a:t>20</a:t>
-            </a:fld>
-            <a:r>
-              <a:rPr lang="hu-HU" dirty="0"/>
-              <a:t>/16</a:t>
-            </a:r>
-          </a:p>
-        </p:txBody>
-      </p:sp>
       <p:pic>
         <p:nvPicPr>
           <p:cNvPr id="6" name="Kép 5">
@@ -8548,7 +8516,7 @@
         </p:blipFill>
         <p:spPr>
           <a:xfrm>
-            <a:off x="805115" y="1410346"/>
+            <a:off x="805115" y="1417780"/>
             <a:ext cx="8215245" cy="5005951"/>
           </a:xfrm>
           <a:prstGeom prst="rect">
@@ -8617,38 +8585,6 @@
               <a:t>Propagáció</a:t>
             </a:r>
             <a:endParaRPr lang="hu-HU" dirty="0"/>
-          </a:p>
-        </p:txBody>
-      </p:sp>
-      <p:sp>
-        <p:nvSpPr>
-          <p:cNvPr id="4" name="Dia számának helye 3">
-            <a:extLst>
-              <a:ext uri="{FF2B5EF4-FFF2-40B4-BE49-F238E27FC236}">
-                <a16:creationId xmlns:a16="http://schemas.microsoft.com/office/drawing/2014/main" id="{B71D6050-03B7-4A11-BC69-7BB4B58DE597}"/>
-              </a:ext>
-            </a:extLst>
-          </p:cNvPr>
-          <p:cNvSpPr>
-            <a:spLocks noGrp="1"/>
-          </p:cNvSpPr>
-          <p:nvPr>
-            <p:ph type="sldNum" sz="quarter" idx="12"/>
-          </p:nvPr>
-        </p:nvSpPr>
-        <p:spPr/>
-        <p:txBody>
-          <a:bodyPr/>
-          <a:lstStyle/>
-          <a:p>
-            <a:fld id="{676786BD-618E-4F38-B087-5D1176D55033}" type="slidenum">
-              <a:rPr lang="hu-HU" smtClean="0"/>
-              <a:t>21</a:t>
-            </a:fld>
-            <a:r>
-              <a:rPr lang="hu-HU" dirty="0"/>
-              <a:t>/16</a:t>
-            </a:r>
           </a:p>
         </p:txBody>
       </p:sp>
@@ -8748,38 +8684,6 @@
               <a:t>Propagáció</a:t>
             </a:r>
             <a:endParaRPr lang="hu-HU" dirty="0"/>
-          </a:p>
-        </p:txBody>
-      </p:sp>
-      <p:sp>
-        <p:nvSpPr>
-          <p:cNvPr id="4" name="Dia számának helye 3">
-            <a:extLst>
-              <a:ext uri="{FF2B5EF4-FFF2-40B4-BE49-F238E27FC236}">
-                <a16:creationId xmlns:a16="http://schemas.microsoft.com/office/drawing/2014/main" id="{B71D6050-03B7-4A11-BC69-7BB4B58DE597}"/>
-              </a:ext>
-            </a:extLst>
-          </p:cNvPr>
-          <p:cNvSpPr>
-            <a:spLocks noGrp="1"/>
-          </p:cNvSpPr>
-          <p:nvPr>
-            <p:ph type="sldNum" sz="quarter" idx="12"/>
-          </p:nvPr>
-        </p:nvSpPr>
-        <p:spPr/>
-        <p:txBody>
-          <a:bodyPr/>
-          <a:lstStyle/>
-          <a:p>
-            <a:fld id="{676786BD-618E-4F38-B087-5D1176D55033}" type="slidenum">
-              <a:rPr lang="hu-HU" smtClean="0"/>
-              <a:t>22</a:t>
-            </a:fld>
-            <a:r>
-              <a:rPr lang="hu-HU" dirty="0"/>
-              <a:t>/16</a:t>
-            </a:r>
           </a:p>
         </p:txBody>
       </p:sp>
@@ -8904,7 +8808,7 @@
             </a:fld>
             <a:r>
               <a:rPr lang="hu-HU" dirty="0"/>
-              <a:t>/16</a:t>
+              <a:t>/19</a:t>
             </a:r>
           </a:p>
         </p:txBody>
@@ -9106,7 +9010,7 @@
             </a:fld>
             <a:r>
               <a:rPr lang="hu-HU" dirty="0"/>
-              <a:t>/16</a:t>
+              <a:t>/19</a:t>
             </a:r>
           </a:p>
         </p:txBody>
@@ -10868,7 +10772,7 @@
             </a:fld>
             <a:r>
               <a:rPr lang="hu-HU" dirty="0"/>
-              <a:t>/16</a:t>
+              <a:t>/19</a:t>
             </a:r>
           </a:p>
         </p:txBody>
@@ -11097,7 +11001,7 @@
             </a:fld>
             <a:r>
               <a:rPr lang="hu-HU" dirty="0"/>
-              <a:t>/16</a:t>
+              <a:t>/19</a:t>
             </a:r>
           </a:p>
         </p:txBody>
@@ -11328,7 +11232,7 @@
             </a:fld>
             <a:r>
               <a:rPr lang="hu-HU" dirty="0"/>
-              <a:t>/16</a:t>
+              <a:t>/19</a:t>
             </a:r>
           </a:p>
         </p:txBody>
@@ -11549,7 +11453,7 @@
             </a:fld>
             <a:r>
               <a:rPr lang="hu-HU" dirty="0"/>
-              <a:t>/16</a:t>
+              <a:t>/19</a:t>
             </a:r>
           </a:p>
         </p:txBody>
@@ -12100,7 +12004,7 @@
             </a:fld>
             <a:r>
               <a:rPr lang="hu-HU" dirty="0"/>
-              <a:t>/16</a:t>
+              <a:t>/19</a:t>
             </a:r>
           </a:p>
         </p:txBody>

--- a/CP_Dolgozat/Előadás/Logikai feladványok megoldása korlátprogramozással.pptx
+++ b/CP_Dolgozat/Előadás/Logikai feladványok megoldása korlátprogramozással.pptx
@@ -8872,7 +8872,7 @@
             </a:pPr>
             <a:r>
               <a:rPr lang="hu-HU" sz="2400" dirty="0"/>
-              <a:t>személyek/objektumok</a:t>
+              <a:t>Személyek/objektumok</a:t>
             </a:r>
           </a:p>
           <a:p>
@@ -11466,8 +11466,8 @@
         </p:nvSpPr>
         <p:spPr>
           <a:xfrm>
-            <a:off x="160164" y="1463040"/>
-            <a:ext cx="4308469" cy="1200329"/>
+            <a:off x="160164" y="1235986"/>
+            <a:ext cx="3638685" cy="1200329"/>
           </a:xfrm>
           <a:prstGeom prst="rect">
             <a:avLst/>
@@ -11525,8 +11525,8 @@
         </p:nvSpPr>
         <p:spPr>
           <a:xfrm flipH="1">
-            <a:off x="160164" y="3142754"/>
-            <a:ext cx="4888202" cy="1200329"/>
+            <a:off x="160164" y="2503152"/>
+            <a:ext cx="3638685" cy="1200329"/>
           </a:xfrm>
           <a:prstGeom prst="rect">
             <a:avLst/>
@@ -11584,8 +11584,8 @@
         </p:nvSpPr>
         <p:spPr>
           <a:xfrm>
-            <a:off x="289932" y="4785297"/>
-            <a:ext cx="3895492" cy="461665"/>
+            <a:off x="0" y="3863127"/>
+            <a:ext cx="5523571" cy="1938992"/>
           </a:xfrm>
           <a:prstGeom prst="rect">
             <a:avLst/>
@@ -11598,9 +11598,58 @@
           </a:bodyPr>
           <a:lstStyle/>
           <a:p>
+            <a:pPr indent="-457200"/>
             <a:r>
               <a:rPr lang="hu-HU" sz="2400" dirty="0"/>
-              <a:t>4 modell a megoldásukra</a:t>
+              <a:t>4 féle modell a megoldásukra:</a:t>
+            </a:r>
+          </a:p>
+          <a:p>
+            <a:pPr marL="800100" lvl="1" indent="-342900">
+              <a:buFont typeface="Arial" panose="020B0604020202020204" pitchFamily="34" charset="0"/>
+              <a:buChar char="•"/>
+            </a:pPr>
+            <a:r>
+              <a:rPr lang="hu-HU" sz="2400" dirty="0"/>
+              <a:t>Bináris mátrix logikai operátorokkal</a:t>
+            </a:r>
+          </a:p>
+          <a:p>
+            <a:pPr marL="800100" lvl="1" indent="-342900">
+              <a:buFont typeface="Arial" panose="020B0604020202020204" pitchFamily="34" charset="0"/>
+              <a:buChar char="•"/>
+            </a:pPr>
+            <a:r>
+              <a:rPr lang="hu-HU" sz="2400" dirty="0"/>
+              <a:t>Bináris mátrix relációs operátorokkal</a:t>
+            </a:r>
+          </a:p>
+          <a:p>
+            <a:pPr marL="800100" lvl="1" indent="-342900">
+              <a:buFont typeface="Arial" panose="020B0604020202020204" pitchFamily="34" charset="0"/>
+              <a:buChar char="•"/>
+            </a:pPr>
+            <a:r>
+              <a:rPr lang="hu-HU" sz="2400" dirty="0"/>
+              <a:t>Tömbök logikai operátorokkal</a:t>
+            </a:r>
+          </a:p>
+          <a:p>
+            <a:pPr marL="800100" lvl="1" indent="-342900">
+              <a:buFont typeface="Arial" panose="020B0604020202020204" pitchFamily="34" charset="0"/>
+              <a:buChar char="•"/>
+            </a:pPr>
+            <a:r>
+              <a:rPr lang="hu-HU" sz="2400" dirty="0"/>
+              <a:t>Tömbök „</a:t>
+            </a:r>
+            <a:r>
+              <a:rPr lang="hu-HU" sz="2400" dirty="0" err="1"/>
+              <a:t>where</a:t>
+            </a:r>
+            <a:r>
+              <a:rPr lang="hu-HU" sz="2400" dirty="0"/>
+              <a:t>” záradékkal</a:t>
             </a:r>
           </a:p>
         </p:txBody>
@@ -11620,14 +11669,14 @@
           <p:nvPr>
             <p:extLst>
               <p:ext uri="{D42A27DB-BD31-4B8C-83A1-F6EECF244321}">
-                <p14:modId xmlns:p14="http://schemas.microsoft.com/office/powerpoint/2010/main" val="3284522096"/>
+                <p14:modId xmlns:p14="http://schemas.microsoft.com/office/powerpoint/2010/main" val="366824969"/>
               </p:ext>
             </p:extLst>
           </p:nvPr>
         </p:nvGraphicFramePr>
         <p:xfrm>
-          <a:off x="4315293" y="1463040"/>
-          <a:ext cx="3940097" cy="3701497"/>
+          <a:off x="3895493" y="1235986"/>
+          <a:ext cx="5196468" cy="2743200"/>
         </p:xfrm>
         <a:graphic>
           <a:graphicData uri="http://schemas.openxmlformats.org/drawingml/2006/table">
@@ -11636,7 +11685,7 @@
                 <a:tableStyleId>{073A0DAA-6AF3-43AB-8588-CEC1D06C72B9}</a:tableStyleId>
               </a:tblPr>
               <a:tblGrid>
-                <a:gridCol w="3940097">
+                <a:gridCol w="5196468">
                   <a:extLst>
                     <a:ext uri="{9D8B030D-6E8A-4147-A177-3AD203B41FA5}">
                       <a16:colId xmlns:a16="http://schemas.microsoft.com/office/drawing/2014/main" val="4221832194"/>
@@ -11644,7 +11693,7 @@
                   </a:extLst>
                 </a:gridCol>
               </a:tblGrid>
-              <a:tr h="403745">
+              <a:tr h="337329">
                 <a:tc>
                   <a:txBody>
                     <a:bodyPr/>
@@ -11676,7 +11725,7 @@
                   </a:ext>
                 </a:extLst>
               </a:tr>
-              <a:tr h="403745">
+              <a:tr h="337329">
                 <a:tc>
                   <a:txBody>
                     <a:bodyPr/>
@@ -11724,7 +11773,7 @@
                   </a:ext>
                 </a:extLst>
               </a:tr>
-              <a:tr h="726741">
+              <a:tr h="337329">
                 <a:tc>
                   <a:txBody>
                     <a:bodyPr/>
@@ -11772,7 +11821,7 @@
                   </a:ext>
                 </a:extLst>
               </a:tr>
-              <a:tr h="403745">
+              <a:tr h="337329">
                 <a:tc>
                   <a:txBody>
                     <a:bodyPr/>
@@ -11820,7 +11869,7 @@
                   </a:ext>
                 </a:extLst>
               </a:tr>
-              <a:tr h="403745">
+              <a:tr h="337329">
                 <a:tc>
                   <a:txBody>
                     <a:bodyPr/>
@@ -11868,7 +11917,7 @@
                   </a:ext>
                 </a:extLst>
               </a:tr>
-              <a:tr h="1049737">
+              <a:tr h="385563">
                 <a:tc>
                   <a:txBody>
                     <a:bodyPr/>
